--- a/Teach.pptx
+++ b/Teach.pptx
@@ -107,6 +107,11 @@
       </a:defRPr>
     </a:lvl9pPr>
   </p:defaultTextStyle>
+  <p:extLst>
+    <p:ext uri="{EFAFB233-063F-42B5-8137-9DF3F51BA10A}">
+      <p15:sldGuideLst xmlns:p15="http://schemas.microsoft.com/office/powerpoint/2012/main"/>
+    </p:ext>
+  </p:extLst>
 </p:presentation>
 </file>
 
@@ -257,7 +262,7 @@
           <a:p>
             <a:fld id="{C1B7E2FF-282E-4E99-9339-886EC79B9799}" type="datetimeFigureOut">
               <a:rPr lang="zh-TW" altLang="en-US" smtClean="0"/>
-              <a:t>2025/5/19</a:t>
+              <a:t>2025/5/20</a:t>
             </a:fld>
             <a:endParaRPr lang="zh-TW" altLang="en-US"/>
           </a:p>
@@ -455,7 +460,7 @@
           <a:p>
             <a:fld id="{C1B7E2FF-282E-4E99-9339-886EC79B9799}" type="datetimeFigureOut">
               <a:rPr lang="zh-TW" altLang="en-US" smtClean="0"/>
-              <a:t>2025/5/19</a:t>
+              <a:t>2025/5/20</a:t>
             </a:fld>
             <a:endParaRPr lang="zh-TW" altLang="en-US"/>
           </a:p>
@@ -663,7 +668,7 @@
           <a:p>
             <a:fld id="{C1B7E2FF-282E-4E99-9339-886EC79B9799}" type="datetimeFigureOut">
               <a:rPr lang="zh-TW" altLang="en-US" smtClean="0"/>
-              <a:t>2025/5/19</a:t>
+              <a:t>2025/5/20</a:t>
             </a:fld>
             <a:endParaRPr lang="zh-TW" altLang="en-US"/>
           </a:p>
@@ -861,7 +866,7 @@
           <a:p>
             <a:fld id="{C1B7E2FF-282E-4E99-9339-886EC79B9799}" type="datetimeFigureOut">
               <a:rPr lang="zh-TW" altLang="en-US" smtClean="0"/>
-              <a:t>2025/5/19</a:t>
+              <a:t>2025/5/20</a:t>
             </a:fld>
             <a:endParaRPr lang="zh-TW" altLang="en-US"/>
           </a:p>
@@ -1136,7 +1141,7 @@
           <a:p>
             <a:fld id="{C1B7E2FF-282E-4E99-9339-886EC79B9799}" type="datetimeFigureOut">
               <a:rPr lang="zh-TW" altLang="en-US" smtClean="0"/>
-              <a:t>2025/5/19</a:t>
+              <a:t>2025/5/20</a:t>
             </a:fld>
             <a:endParaRPr lang="zh-TW" altLang="en-US"/>
           </a:p>
@@ -1401,7 +1406,7 @@
           <a:p>
             <a:fld id="{C1B7E2FF-282E-4E99-9339-886EC79B9799}" type="datetimeFigureOut">
               <a:rPr lang="zh-TW" altLang="en-US" smtClean="0"/>
-              <a:t>2025/5/19</a:t>
+              <a:t>2025/5/20</a:t>
             </a:fld>
             <a:endParaRPr lang="zh-TW" altLang="en-US"/>
           </a:p>
@@ -1813,7 +1818,7 @@
           <a:p>
             <a:fld id="{C1B7E2FF-282E-4E99-9339-886EC79B9799}" type="datetimeFigureOut">
               <a:rPr lang="zh-TW" altLang="en-US" smtClean="0"/>
-              <a:t>2025/5/19</a:t>
+              <a:t>2025/5/20</a:t>
             </a:fld>
             <a:endParaRPr lang="zh-TW" altLang="en-US"/>
           </a:p>
@@ -1954,7 +1959,7 @@
           <a:p>
             <a:fld id="{C1B7E2FF-282E-4E99-9339-886EC79B9799}" type="datetimeFigureOut">
               <a:rPr lang="zh-TW" altLang="en-US" smtClean="0"/>
-              <a:t>2025/5/19</a:t>
+              <a:t>2025/5/20</a:t>
             </a:fld>
             <a:endParaRPr lang="zh-TW" altLang="en-US"/>
           </a:p>
@@ -2067,7 +2072,7 @@
           <a:p>
             <a:fld id="{C1B7E2FF-282E-4E99-9339-886EC79B9799}" type="datetimeFigureOut">
               <a:rPr lang="zh-TW" altLang="en-US" smtClean="0"/>
-              <a:t>2025/5/19</a:t>
+              <a:t>2025/5/20</a:t>
             </a:fld>
             <a:endParaRPr lang="zh-TW" altLang="en-US"/>
           </a:p>
@@ -2378,7 +2383,7 @@
           <a:p>
             <a:fld id="{C1B7E2FF-282E-4E99-9339-886EC79B9799}" type="datetimeFigureOut">
               <a:rPr lang="zh-TW" altLang="en-US" smtClean="0"/>
-              <a:t>2025/5/19</a:t>
+              <a:t>2025/5/20</a:t>
             </a:fld>
             <a:endParaRPr lang="zh-TW" altLang="en-US"/>
           </a:p>
@@ -2666,7 +2671,7 @@
           <a:p>
             <a:fld id="{C1B7E2FF-282E-4E99-9339-886EC79B9799}" type="datetimeFigureOut">
               <a:rPr lang="zh-TW" altLang="en-US" smtClean="0"/>
-              <a:t>2025/5/19</a:t>
+              <a:t>2025/5/20</a:t>
             </a:fld>
             <a:endParaRPr lang="zh-TW" altLang="en-US"/>
           </a:p>
@@ -2907,7 +2912,7 @@
           <a:p>
             <a:fld id="{C1B7E2FF-282E-4E99-9339-886EC79B9799}" type="datetimeFigureOut">
               <a:rPr lang="zh-TW" altLang="en-US" smtClean="0"/>
-              <a:t>2025/5/19</a:t>
+              <a:t>2025/5/20</a:t>
             </a:fld>
             <a:endParaRPr lang="zh-TW" altLang="en-US"/>
           </a:p>
@@ -3703,7 +3708,7 @@
         </p:nvSpPr>
         <p:spPr>
           <a:xfrm>
-            <a:off x="6644350" y="1167633"/>
+            <a:off x="7858139" y="1886909"/>
             <a:ext cx="2753650" cy="472418"/>
           </a:xfrm>
           <a:prstGeom prst="roundRect">
@@ -3770,7 +3775,7 @@
         </p:nvSpPr>
         <p:spPr>
           <a:xfrm>
-            <a:off x="7265066" y="2109768"/>
+            <a:off x="8478855" y="2829044"/>
             <a:ext cx="1512214" cy="472418"/>
           </a:xfrm>
           <a:prstGeom prst="roundRect">
@@ -3837,7 +3842,7 @@
         </p:nvSpPr>
         <p:spPr>
           <a:xfrm>
-            <a:off x="8683360" y="2059988"/>
+            <a:off x="9897149" y="2779264"/>
             <a:ext cx="1590742" cy="646331"/>
           </a:xfrm>
           <a:prstGeom prst="rect">
@@ -3878,7 +3883,7 @@
         </p:nvSpPr>
         <p:spPr>
           <a:xfrm>
-            <a:off x="7485660" y="3623149"/>
+            <a:off x="9306865" y="4359275"/>
             <a:ext cx="1071030" cy="472418"/>
           </a:xfrm>
           <a:prstGeom prst="roundRect">
@@ -3942,15 +3947,14 @@
           </p:cNvPr>
           <p:cNvCxnSpPr>
             <a:cxnSpLocks/>
-            <a:stCxn id="17" idx="2"/>
             <a:endCxn id="20" idx="0"/>
           </p:cNvCxnSpPr>
           <p:nvPr/>
         </p:nvCxnSpPr>
         <p:spPr>
           <a:xfrm>
-            <a:off x="8021173" y="2582186"/>
-            <a:ext cx="2" cy="1040963"/>
+            <a:off x="9828225" y="3302221"/>
+            <a:ext cx="14155" cy="1057054"/>
           </a:xfrm>
           <a:prstGeom prst="straightConnector1">
             <a:avLst/>
@@ -3992,7 +3996,7 @@
         </p:nvSpPr>
         <p:spPr>
           <a:xfrm>
-            <a:off x="6299739" y="4515015"/>
+            <a:off x="6297825" y="5121578"/>
             <a:ext cx="5190066" cy="707886"/>
           </a:xfrm>
           <a:prstGeom prst="rect">
@@ -4051,7 +4055,7 @@
         </p:nvSpPr>
         <p:spPr>
           <a:xfrm>
-            <a:off x="7987835" y="2803090"/>
+            <a:off x="8753640" y="3514912"/>
             <a:ext cx="1071034" cy="646331"/>
           </a:xfrm>
           <a:prstGeom prst="rect">
@@ -4132,7 +4136,7 @@
         </p:nvSpPr>
         <p:spPr>
           <a:xfrm>
-            <a:off x="6950143" y="1635099"/>
+            <a:off x="8163932" y="2354375"/>
             <a:ext cx="2142068" cy="472418"/>
           </a:xfrm>
           <a:prstGeom prst="roundRect">
@@ -4199,8 +4203,8 @@
         </p:nvSpPr>
         <p:spPr>
           <a:xfrm>
-            <a:off x="1466845" y="807416"/>
-            <a:ext cx="1083734" cy="381000"/>
+            <a:off x="421353" y="807416"/>
+            <a:ext cx="2499648" cy="381000"/>
           </a:xfrm>
           <a:prstGeom prst="rect">
             <a:avLst/>
@@ -4219,7 +4223,15 @@
                   <a:srgbClr val="FF0000"/>
                 </a:solidFill>
               </a:rPr>
-              <a:t>APP1</a:t>
+              <a:t>APP1—</a:t>
+            </a:r>
+            <a:r>
+              <a:rPr lang="en-US" altLang="zh-TW" dirty="0" err="1">
+                <a:solidFill>
+                  <a:srgbClr val="FF0000"/>
+                </a:solidFill>
+              </a:rPr>
+              <a:t>MainActivity</a:t>
             </a:r>
             <a:endParaRPr lang="zh-TW" altLang="en-US" dirty="0">
               <a:solidFill>
@@ -4243,8 +4255,8 @@
         </p:nvSpPr>
         <p:spPr>
           <a:xfrm>
-            <a:off x="4157133" y="786633"/>
-            <a:ext cx="1083734" cy="381000"/>
+            <a:off x="3149600" y="786633"/>
+            <a:ext cx="3494750" cy="369332"/>
           </a:xfrm>
           <a:prstGeom prst="rect">
             <a:avLst/>
@@ -4257,6 +4269,14 @@
           </a:bodyPr>
           <a:lstStyle/>
           <a:p>
+            <a:r>
+              <a:rPr lang="en-US" altLang="zh-TW" dirty="0">
+                <a:solidFill>
+                  <a:srgbClr val="FF0000"/>
+                </a:solidFill>
+              </a:rPr>
+              <a:t>APP1—Activity2  or  </a:t>
+            </a:r>
             <a:r>
               <a:rPr lang="en-US" altLang="zh-TW" dirty="0">
                 <a:solidFill>
@@ -4287,7 +4307,7 @@
         </p:nvSpPr>
         <p:spPr>
           <a:xfrm>
-            <a:off x="6645800" y="836088"/>
+            <a:off x="6344450" y="1158962"/>
             <a:ext cx="853017" cy="369332"/>
           </a:xfrm>
           <a:prstGeom prst="rect">
@@ -4327,8 +4347,8 @@
         </p:nvSpPr>
         <p:spPr>
           <a:xfrm>
-            <a:off x="6644350" y="915991"/>
-            <a:ext cx="3405046" cy="1790327"/>
+            <a:off x="6282806" y="1155965"/>
+            <a:ext cx="5404250" cy="2382711"/>
           </a:xfrm>
           <a:prstGeom prst="roundRect">
             <a:avLst>
@@ -4374,6 +4394,266 @@
           </a:p>
         </p:txBody>
       </p:sp>
+      <p:sp>
+        <p:nvSpPr>
+          <p:cNvPr id="21" name="矩形: 圓角 20">
+            <a:extLst>
+              <a:ext uri="{FF2B5EF4-FFF2-40B4-BE49-F238E27FC236}">
+                <a16:creationId xmlns:a16="http://schemas.microsoft.com/office/drawing/2014/main" id="{47FCA231-5286-4576-B959-F6030B598710}"/>
+              </a:ext>
+            </a:extLst>
+          </p:cNvPr>
+          <p:cNvSpPr/>
+          <p:nvPr/>
+        </p:nvSpPr>
+        <p:spPr>
+          <a:xfrm>
+            <a:off x="6476631" y="1528294"/>
+            <a:ext cx="1200202" cy="2007126"/>
+          </a:xfrm>
+          <a:prstGeom prst="roundRect">
+            <a:avLst/>
+          </a:prstGeom>
+          <a:noFill/>
+          <a:ln>
+            <a:solidFill>
+              <a:schemeClr val="tx1">
+                <a:lumMod val="75000"/>
+                <a:lumOff val="25000"/>
+              </a:schemeClr>
+            </a:solidFill>
+          </a:ln>
+        </p:spPr>
+        <p:style>
+          <a:lnRef idx="2">
+            <a:schemeClr val="accent1">
+              <a:shade val="50000"/>
+            </a:schemeClr>
+          </a:lnRef>
+          <a:fillRef idx="1">
+            <a:schemeClr val="accent1"/>
+          </a:fillRef>
+          <a:effectRef idx="0">
+            <a:schemeClr val="accent1"/>
+          </a:effectRef>
+          <a:fontRef idx="minor">
+            <a:schemeClr val="lt1"/>
+          </a:fontRef>
+        </p:style>
+        <p:txBody>
+          <a:bodyPr rtlCol="0" anchor="ctr"/>
+          <a:lstStyle/>
+          <a:p>
+            <a:pPr algn="ctr"/>
+            <a:r>
+              <a:rPr lang="en-US" altLang="zh-TW" dirty="0">
+                <a:solidFill>
+                  <a:srgbClr val="FF0000"/>
+                </a:solidFill>
+              </a:rPr>
+              <a:t>Activity2</a:t>
+            </a:r>
+          </a:p>
+          <a:p>
+            <a:pPr algn="ctr"/>
+            <a:endParaRPr lang="en-US" altLang="zh-TW" dirty="0">
+              <a:solidFill>
+                <a:srgbClr val="FF0000"/>
+              </a:solidFill>
+            </a:endParaRPr>
+          </a:p>
+          <a:p>
+            <a:pPr algn="ctr"/>
+            <a:endParaRPr lang="en-US" altLang="zh-TW" dirty="0">
+              <a:solidFill>
+                <a:srgbClr val="FF0000"/>
+              </a:solidFill>
+            </a:endParaRPr>
+          </a:p>
+          <a:p>
+            <a:pPr algn="ctr"/>
+            <a:endParaRPr lang="en-US" altLang="zh-TW" dirty="0">
+              <a:solidFill>
+                <a:srgbClr val="FF0000"/>
+              </a:solidFill>
+            </a:endParaRPr>
+          </a:p>
+          <a:p>
+            <a:pPr algn="ctr"/>
+            <a:endParaRPr lang="en-US" altLang="zh-TW" dirty="0">
+              <a:solidFill>
+                <a:srgbClr val="FF0000"/>
+              </a:solidFill>
+            </a:endParaRPr>
+          </a:p>
+          <a:p>
+            <a:pPr algn="ctr"/>
+            <a:endParaRPr lang="en-US" altLang="zh-TW" dirty="0">
+              <a:solidFill>
+                <a:srgbClr val="FF0000"/>
+              </a:solidFill>
+            </a:endParaRPr>
+          </a:p>
+          <a:p>
+            <a:pPr algn="ctr"/>
+            <a:endParaRPr lang="zh-TW" altLang="en-US" dirty="0">
+              <a:solidFill>
+                <a:schemeClr val="accent1"/>
+              </a:solidFill>
+            </a:endParaRPr>
+          </a:p>
+        </p:txBody>
+      </p:sp>
+      <p:sp>
+        <p:nvSpPr>
+          <p:cNvPr id="23" name="矩形: 圓角 22">
+            <a:extLst>
+              <a:ext uri="{FF2B5EF4-FFF2-40B4-BE49-F238E27FC236}">
+                <a16:creationId xmlns:a16="http://schemas.microsoft.com/office/drawing/2014/main" id="{2EA35345-6E7C-429E-AA77-805F22946D85}"/>
+              </a:ext>
+            </a:extLst>
+          </p:cNvPr>
+          <p:cNvSpPr/>
+          <p:nvPr/>
+        </p:nvSpPr>
+        <p:spPr>
+          <a:xfrm>
+            <a:off x="7858138" y="1532997"/>
+            <a:ext cx="3472393" cy="2005680"/>
+          </a:xfrm>
+          <a:prstGeom prst="roundRect">
+            <a:avLst>
+              <a:gd name="adj" fmla="val 6784"/>
+            </a:avLst>
+          </a:prstGeom>
+          <a:noFill/>
+          <a:ln>
+            <a:solidFill>
+              <a:schemeClr val="tx1">
+                <a:lumMod val="75000"/>
+                <a:lumOff val="25000"/>
+              </a:schemeClr>
+            </a:solidFill>
+          </a:ln>
+        </p:spPr>
+        <p:style>
+          <a:lnRef idx="2">
+            <a:schemeClr val="accent1">
+              <a:shade val="50000"/>
+            </a:schemeClr>
+          </a:lnRef>
+          <a:fillRef idx="1">
+            <a:schemeClr val="accent1"/>
+          </a:fillRef>
+          <a:effectRef idx="0">
+            <a:schemeClr val="accent1"/>
+          </a:effectRef>
+          <a:fontRef idx="minor">
+            <a:schemeClr val="lt1"/>
+          </a:fontRef>
+        </p:style>
+        <p:txBody>
+          <a:bodyPr rtlCol="0" anchor="ctr"/>
+          <a:lstStyle/>
+          <a:p>
+            <a:pPr algn="ctr"/>
+            <a:endParaRPr lang="zh-TW" altLang="en-US" dirty="0">
+              <a:solidFill>
+                <a:schemeClr val="tx1"/>
+              </a:solidFill>
+            </a:endParaRPr>
+          </a:p>
+        </p:txBody>
+      </p:sp>
+      <p:sp>
+        <p:nvSpPr>
+          <p:cNvPr id="25" name="文字方塊 24">
+            <a:extLst>
+              <a:ext uri="{FF2B5EF4-FFF2-40B4-BE49-F238E27FC236}">
+                <a16:creationId xmlns:a16="http://schemas.microsoft.com/office/drawing/2014/main" id="{05030436-20B9-4C53-8E3D-75E365E50F22}"/>
+              </a:ext>
+            </a:extLst>
+          </p:cNvPr>
+          <p:cNvSpPr txBox="1"/>
+          <p:nvPr/>
+        </p:nvSpPr>
+        <p:spPr>
+          <a:xfrm>
+            <a:off x="7834193" y="1516452"/>
+            <a:ext cx="1437217" cy="369332"/>
+          </a:xfrm>
+          <a:prstGeom prst="rect">
+            <a:avLst/>
+          </a:prstGeom>
+          <a:noFill/>
+        </p:spPr>
+        <p:txBody>
+          <a:bodyPr wrap="square">
+            <a:spAutoFit/>
+          </a:bodyPr>
+          <a:lstStyle/>
+          <a:p>
+            <a:r>
+              <a:rPr lang="en-US" altLang="zh-TW" dirty="0" err="1">
+                <a:solidFill>
+                  <a:srgbClr val="FF0000"/>
+                </a:solidFill>
+              </a:rPr>
+              <a:t>MainActivity</a:t>
+            </a:r>
+            <a:endParaRPr lang="zh-TW" altLang="en-US" dirty="0"/>
+          </a:p>
+        </p:txBody>
+      </p:sp>
+      <p:cxnSp>
+        <p:nvCxnSpPr>
+          <p:cNvPr id="13" name="接點: 肘形 12">
+            <a:extLst>
+              <a:ext uri="{FF2B5EF4-FFF2-40B4-BE49-F238E27FC236}">
+                <a16:creationId xmlns:a16="http://schemas.microsoft.com/office/drawing/2014/main" id="{DBCC42C7-9973-48AC-9B17-2108F40D9CE7}"/>
+              </a:ext>
+            </a:extLst>
+          </p:cNvPr>
+          <p:cNvCxnSpPr>
+            <a:cxnSpLocks/>
+            <a:endCxn id="21" idx="2"/>
+          </p:cNvCxnSpPr>
+          <p:nvPr/>
+        </p:nvCxnSpPr>
+        <p:spPr>
+          <a:xfrm rot="10800000" flipV="1">
+            <a:off x="7076732" y="3299210"/>
+            <a:ext cx="1612324" cy="236210"/>
+          </a:xfrm>
+          <a:prstGeom prst="bentConnector4">
+            <a:avLst>
+              <a:gd name="adj1" fmla="val -117"/>
+              <a:gd name="adj2" fmla="val 196778"/>
+            </a:avLst>
+          </a:prstGeom>
+          <a:ln w="19050">
+            <a:solidFill>
+              <a:srgbClr val="FF0000"/>
+            </a:solidFill>
+            <a:prstDash val="sysDash"/>
+            <a:tailEnd type="triangle"/>
+          </a:ln>
+        </p:spPr>
+        <p:style>
+          <a:lnRef idx="1">
+            <a:schemeClr val="accent1"/>
+          </a:lnRef>
+          <a:fillRef idx="0">
+            <a:schemeClr val="accent1"/>
+          </a:fillRef>
+          <a:effectRef idx="0">
+            <a:schemeClr val="accent1"/>
+          </a:effectRef>
+          <a:fontRef idx="minor">
+            <a:schemeClr val="tx1"/>
+          </a:fontRef>
+        </p:style>
+      </p:cxnSp>
     </p:spTree>
     <p:extLst>
       <p:ext uri="{BB962C8B-B14F-4D97-AF65-F5344CB8AC3E}">
@@ -4423,7 +4703,7 @@
         <p:spPr>
           <a:xfrm>
             <a:off x="-1" y="0"/>
-            <a:ext cx="3987801" cy="922867"/>
+            <a:ext cx="8862061" cy="922867"/>
           </a:xfrm>
         </p:spPr>
         <p:txBody>
@@ -4434,7 +4714,15 @@
           <a:p>
             <a:r>
               <a:rPr lang="en-US" altLang="zh-TW" dirty="0"/>
-              <a:t>RD545Test1</a:t>
+              <a:t>Rd545cmd1—Rd545 </a:t>
+            </a:r>
+            <a:r>
+              <a:rPr lang="en-US" altLang="zh-TW" dirty="0" err="1"/>
+              <a:t>Api</a:t>
+            </a:r>
+            <a:r>
+              <a:rPr lang="en-US" altLang="zh-TW" dirty="0"/>
+              <a:t> call Example</a:t>
             </a:r>
             <a:endParaRPr lang="zh-TW" altLang="en-US" dirty="0"/>
           </a:p>
@@ -6017,6 +6305,413 @@
                 <a:schemeClr val="accent1">
                   <a:lumMod val="75000"/>
                 </a:schemeClr>
+              </a:solidFill>
+            </a:endParaRPr>
+          </a:p>
+        </p:txBody>
+      </p:sp>
+      <p:pic>
+        <p:nvPicPr>
+          <p:cNvPr id="4" name="圖片 3">
+            <a:extLst>
+              <a:ext uri="{FF2B5EF4-FFF2-40B4-BE49-F238E27FC236}">
+                <a16:creationId xmlns:a16="http://schemas.microsoft.com/office/drawing/2014/main" id="{4B6E04D9-6017-46F7-8E39-AB7E473A5C22}"/>
+              </a:ext>
+            </a:extLst>
+          </p:cNvPr>
+          <p:cNvPicPr>
+            <a:picLocks noChangeAspect="1"/>
+          </p:cNvPicPr>
+          <p:nvPr/>
+        </p:nvPicPr>
+        <p:blipFill>
+          <a:blip r:embed="rId2">
+            <a:extLst>
+              <a:ext uri="{28A0092B-C50C-407E-A947-70E740481C1C}">
+                <a14:useLocalDpi xmlns:a14="http://schemas.microsoft.com/office/drawing/2010/main" val="0"/>
+              </a:ext>
+            </a:extLst>
+          </a:blip>
+          <a:stretch>
+            <a:fillRect/>
+          </a:stretch>
+        </p:blipFill>
+        <p:spPr>
+          <a:xfrm>
+            <a:off x="87219" y="1166582"/>
+            <a:ext cx="2532098" cy="5626885"/>
+          </a:xfrm>
+          <a:prstGeom prst="rect">
+            <a:avLst/>
+          </a:prstGeom>
+        </p:spPr>
+      </p:pic>
+      <p:sp>
+        <p:nvSpPr>
+          <p:cNvPr id="36" name="文字方塊 35">
+            <a:extLst>
+              <a:ext uri="{FF2B5EF4-FFF2-40B4-BE49-F238E27FC236}">
+                <a16:creationId xmlns:a16="http://schemas.microsoft.com/office/drawing/2014/main" id="{257F27CD-1695-40A9-862E-7292F9AA0EEC}"/>
+              </a:ext>
+            </a:extLst>
+          </p:cNvPr>
+          <p:cNvSpPr txBox="1"/>
+          <p:nvPr/>
+        </p:nvSpPr>
+        <p:spPr>
+          <a:xfrm>
+            <a:off x="618831" y="2149552"/>
+            <a:ext cx="844550" cy="369332"/>
+          </a:xfrm>
+          <a:prstGeom prst="rect">
+            <a:avLst/>
+          </a:prstGeom>
+          <a:noFill/>
+        </p:spPr>
+        <p:txBody>
+          <a:bodyPr wrap="square">
+            <a:spAutoFit/>
+          </a:bodyPr>
+          <a:lstStyle/>
+          <a:p>
+            <a:pPr algn="ctr"/>
+            <a:r>
+              <a:rPr lang="en-US" altLang="zh-TW" dirty="0">
+                <a:solidFill>
+                  <a:srgbClr val="FF0000"/>
+                </a:solidFill>
+              </a:rPr>
+              <a:t>App1</a:t>
+            </a:r>
+            <a:endParaRPr lang="zh-TW" altLang="en-US" dirty="0">
+              <a:solidFill>
+                <a:srgbClr val="FF0000"/>
+              </a:solidFill>
+            </a:endParaRPr>
+          </a:p>
+        </p:txBody>
+      </p:sp>
+      <p:sp>
+        <p:nvSpPr>
+          <p:cNvPr id="38" name="文字方塊 37">
+            <a:extLst>
+              <a:ext uri="{FF2B5EF4-FFF2-40B4-BE49-F238E27FC236}">
+                <a16:creationId xmlns:a16="http://schemas.microsoft.com/office/drawing/2014/main" id="{22ECA52D-C1D8-47F5-9414-5955716D7E59}"/>
+              </a:ext>
+            </a:extLst>
+          </p:cNvPr>
+          <p:cNvSpPr txBox="1"/>
+          <p:nvPr/>
+        </p:nvSpPr>
+        <p:spPr>
+          <a:xfrm>
+            <a:off x="1356553" y="2149552"/>
+            <a:ext cx="751417" cy="369332"/>
+          </a:xfrm>
+          <a:prstGeom prst="rect">
+            <a:avLst/>
+          </a:prstGeom>
+          <a:noFill/>
+        </p:spPr>
+        <p:txBody>
+          <a:bodyPr wrap="square">
+            <a:spAutoFit/>
+          </a:bodyPr>
+          <a:lstStyle/>
+          <a:p>
+            <a:pPr algn="ctr"/>
+            <a:r>
+              <a:rPr lang="en-US" altLang="zh-TW" dirty="0">
+                <a:solidFill>
+                  <a:schemeClr val="accent1"/>
+                </a:solidFill>
+              </a:rPr>
+              <a:t>App2</a:t>
+            </a:r>
+            <a:endParaRPr lang="zh-TW" altLang="en-US" dirty="0">
+              <a:solidFill>
+                <a:schemeClr val="accent1"/>
+              </a:solidFill>
+            </a:endParaRPr>
+          </a:p>
+        </p:txBody>
+      </p:sp>
+      <p:sp>
+        <p:nvSpPr>
+          <p:cNvPr id="39" name="矩形: 圓角 38">
+            <a:extLst>
+              <a:ext uri="{FF2B5EF4-FFF2-40B4-BE49-F238E27FC236}">
+                <a16:creationId xmlns:a16="http://schemas.microsoft.com/office/drawing/2014/main" id="{B71B5CA5-A95D-47C7-9429-84A706FC73B0}"/>
+              </a:ext>
+            </a:extLst>
+          </p:cNvPr>
+          <p:cNvSpPr/>
+          <p:nvPr/>
+        </p:nvSpPr>
+        <p:spPr>
+          <a:xfrm>
+            <a:off x="712747" y="1518102"/>
+            <a:ext cx="643584" cy="1023098"/>
+          </a:xfrm>
+          <a:prstGeom prst="roundRect">
+            <a:avLst/>
+          </a:prstGeom>
+          <a:noFill/>
+          <a:ln>
+            <a:solidFill>
+              <a:srgbClr val="FF0000"/>
+            </a:solidFill>
+          </a:ln>
+        </p:spPr>
+        <p:style>
+          <a:lnRef idx="2">
+            <a:schemeClr val="accent1">
+              <a:shade val="50000"/>
+            </a:schemeClr>
+          </a:lnRef>
+          <a:fillRef idx="1">
+            <a:schemeClr val="accent1"/>
+          </a:fillRef>
+          <a:effectRef idx="0">
+            <a:schemeClr val="accent1"/>
+          </a:effectRef>
+          <a:fontRef idx="minor">
+            <a:schemeClr val="lt1"/>
+          </a:fontRef>
+        </p:style>
+        <p:txBody>
+          <a:bodyPr rtlCol="0" anchor="ctr"/>
+          <a:lstStyle/>
+          <a:p>
+            <a:pPr algn="ctr"/>
+            <a:endParaRPr lang="zh-TW" altLang="en-US" dirty="0">
+              <a:solidFill>
+                <a:srgbClr val="FF0000"/>
+              </a:solidFill>
+            </a:endParaRPr>
+          </a:p>
+        </p:txBody>
+      </p:sp>
+      <p:sp>
+        <p:nvSpPr>
+          <p:cNvPr id="41" name="矩形: 圓角 40">
+            <a:extLst>
+              <a:ext uri="{FF2B5EF4-FFF2-40B4-BE49-F238E27FC236}">
+                <a16:creationId xmlns:a16="http://schemas.microsoft.com/office/drawing/2014/main" id="{37614059-BE27-4177-A35A-9E5F33435268}"/>
+              </a:ext>
+            </a:extLst>
+          </p:cNvPr>
+          <p:cNvSpPr/>
+          <p:nvPr/>
+        </p:nvSpPr>
+        <p:spPr>
+          <a:xfrm>
+            <a:off x="1387846" y="1518101"/>
+            <a:ext cx="643584" cy="1023098"/>
+          </a:xfrm>
+          <a:prstGeom prst="roundRect">
+            <a:avLst/>
+          </a:prstGeom>
+          <a:noFill/>
+          <a:ln>
+            <a:solidFill>
+              <a:schemeClr val="accent1"/>
+            </a:solidFill>
+          </a:ln>
+        </p:spPr>
+        <p:style>
+          <a:lnRef idx="2">
+            <a:schemeClr val="accent1">
+              <a:shade val="50000"/>
+            </a:schemeClr>
+          </a:lnRef>
+          <a:fillRef idx="1">
+            <a:schemeClr val="accent1"/>
+          </a:fillRef>
+          <a:effectRef idx="0">
+            <a:schemeClr val="accent1"/>
+          </a:effectRef>
+          <a:fontRef idx="minor">
+            <a:schemeClr val="lt1"/>
+          </a:fontRef>
+        </p:style>
+        <p:txBody>
+          <a:bodyPr rtlCol="0" anchor="ctr"/>
+          <a:lstStyle/>
+          <a:p>
+            <a:pPr algn="ctr"/>
+            <a:endParaRPr lang="zh-TW" altLang="en-US" dirty="0">
+              <a:solidFill>
+                <a:srgbClr val="FF0000"/>
+              </a:solidFill>
+            </a:endParaRPr>
+          </a:p>
+        </p:txBody>
+      </p:sp>
+      <p:pic>
+        <p:nvPicPr>
+          <p:cNvPr id="8" name="圖片 7">
+            <a:extLst>
+              <a:ext uri="{FF2B5EF4-FFF2-40B4-BE49-F238E27FC236}">
+                <a16:creationId xmlns:a16="http://schemas.microsoft.com/office/drawing/2014/main" id="{33F52219-01B5-4E78-9C84-9B6FE4A26D74}"/>
+              </a:ext>
+            </a:extLst>
+          </p:cNvPr>
+          <p:cNvPicPr>
+            <a:picLocks noChangeAspect="1"/>
+          </p:cNvPicPr>
+          <p:nvPr/>
+        </p:nvPicPr>
+        <p:blipFill>
+          <a:blip r:embed="rId3"/>
+          <a:stretch>
+            <a:fillRect/>
+          </a:stretch>
+        </p:blipFill>
+        <p:spPr>
+          <a:xfrm>
+            <a:off x="3126922" y="1060780"/>
+            <a:ext cx="1826208" cy="1997670"/>
+          </a:xfrm>
+          <a:prstGeom prst="rect">
+            <a:avLst/>
+          </a:prstGeom>
+        </p:spPr>
+      </p:pic>
+      <p:sp>
+        <p:nvSpPr>
+          <p:cNvPr id="9" name="文字方塊 8">
+            <a:extLst>
+              <a:ext uri="{FF2B5EF4-FFF2-40B4-BE49-F238E27FC236}">
+                <a16:creationId xmlns:a16="http://schemas.microsoft.com/office/drawing/2014/main" id="{E433CD50-8A1E-4F39-AEE4-5699DF73FB02}"/>
+              </a:ext>
+            </a:extLst>
+          </p:cNvPr>
+          <p:cNvSpPr txBox="1"/>
+          <p:nvPr/>
+        </p:nvSpPr>
+        <p:spPr>
+          <a:xfrm>
+            <a:off x="259845" y="788343"/>
+            <a:ext cx="4891631" cy="369332"/>
+          </a:xfrm>
+          <a:prstGeom prst="rect">
+            <a:avLst/>
+          </a:prstGeom>
+          <a:noFill/>
+        </p:spPr>
+        <p:txBody>
+          <a:bodyPr wrap="square" rtlCol="0">
+            <a:spAutoFit/>
+          </a:bodyPr>
+          <a:lstStyle/>
+          <a:p>
+            <a:pPr algn="ctr"/>
+            <a:r>
+              <a:rPr lang="en-US" altLang="zh-TW" dirty="0"/>
+              <a:t>Android</a:t>
+            </a:r>
+            <a:r>
+              <a:rPr lang="zh-TW" altLang="en-US" dirty="0"/>
+              <a:t> </a:t>
+            </a:r>
+            <a:r>
+              <a:rPr lang="en-US" altLang="zh-TW" dirty="0"/>
+              <a:t>OS</a:t>
+            </a:r>
+            <a:r>
+              <a:rPr lang="zh-TW" altLang="en-US" dirty="0"/>
+              <a:t>                                 </a:t>
+            </a:r>
+            <a:r>
+              <a:rPr lang="en-US" altLang="zh-TW" dirty="0"/>
+              <a:t>RD545 Device</a:t>
+            </a:r>
+            <a:endParaRPr lang="zh-TW" altLang="en-US" dirty="0"/>
+          </a:p>
+        </p:txBody>
+      </p:sp>
+      <p:cxnSp>
+        <p:nvCxnSpPr>
+          <p:cNvPr id="11" name="直線單箭頭接點 10">
+            <a:extLst>
+              <a:ext uri="{FF2B5EF4-FFF2-40B4-BE49-F238E27FC236}">
+                <a16:creationId xmlns:a16="http://schemas.microsoft.com/office/drawing/2014/main" id="{CD6ACC94-261E-443C-A45D-83DE1A201A54}"/>
+              </a:ext>
+            </a:extLst>
+          </p:cNvPr>
+          <p:cNvCxnSpPr>
+            <a:cxnSpLocks/>
+          </p:cNvCxnSpPr>
+          <p:nvPr/>
+        </p:nvCxnSpPr>
+        <p:spPr>
+          <a:xfrm flipV="1">
+            <a:off x="1732261" y="973009"/>
+            <a:ext cx="1697777" cy="1"/>
+          </a:xfrm>
+          <a:prstGeom prst="straightConnector1">
+            <a:avLst/>
+          </a:prstGeom>
+          <a:ln>
+            <a:headEnd type="triangle"/>
+            <a:tailEnd type="triangle"/>
+          </a:ln>
+        </p:spPr>
+        <p:style>
+          <a:lnRef idx="1">
+            <a:schemeClr val="accent1"/>
+          </a:lnRef>
+          <a:fillRef idx="0">
+            <a:schemeClr val="accent1"/>
+          </a:fillRef>
+          <a:effectRef idx="0">
+            <a:schemeClr val="accent1"/>
+          </a:effectRef>
+          <a:fontRef idx="minor">
+            <a:schemeClr val="tx1"/>
+          </a:fontRef>
+        </p:style>
+      </p:cxnSp>
+      <p:sp>
+        <p:nvSpPr>
+          <p:cNvPr id="12" name="文字方塊 11">
+            <a:extLst>
+              <a:ext uri="{FF2B5EF4-FFF2-40B4-BE49-F238E27FC236}">
+                <a16:creationId xmlns:a16="http://schemas.microsoft.com/office/drawing/2014/main" id="{E49634F5-CAD1-47B7-AAB8-D604B4F7C6E8}"/>
+              </a:ext>
+            </a:extLst>
+          </p:cNvPr>
+          <p:cNvSpPr txBox="1"/>
+          <p:nvPr/>
+        </p:nvSpPr>
+        <p:spPr>
+          <a:xfrm>
+            <a:off x="1972656" y="666191"/>
+            <a:ext cx="1448268" cy="369332"/>
+          </a:xfrm>
+          <a:prstGeom prst="rect">
+            <a:avLst/>
+          </a:prstGeom>
+          <a:noFill/>
+        </p:spPr>
+        <p:txBody>
+          <a:bodyPr wrap="square" rtlCol="0">
+            <a:spAutoFit/>
+          </a:bodyPr>
+          <a:lstStyle/>
+          <a:p>
+            <a:r>
+              <a:rPr lang="en-US" altLang="zh-TW" dirty="0">
+                <a:solidFill>
+                  <a:schemeClr val="accent1"/>
+                </a:solidFill>
+              </a:rPr>
+              <a:t>Bluetooth LE</a:t>
+            </a:r>
+            <a:endParaRPr lang="zh-TW" altLang="en-US" dirty="0">
+              <a:solidFill>
+                <a:schemeClr val="accent1"/>
               </a:solidFill>
             </a:endParaRPr>
           </a:p>

--- a/Teach.pptx
+++ b/Teach.pptx
@@ -9,6 +9,7 @@
     <p:sldId id="257" r:id="rId3"/>
     <p:sldId id="258" r:id="rId4"/>
     <p:sldId id="259" r:id="rId5"/>
+    <p:sldId id="260" r:id="rId6"/>
   </p:sldIdLst>
   <p:sldSz cx="12192000" cy="6858000"/>
   <p:notesSz cx="6858000" cy="9144000"/>
@@ -262,7 +263,7 @@
           <a:p>
             <a:fld id="{C1B7E2FF-282E-4E99-9339-886EC79B9799}" type="datetimeFigureOut">
               <a:rPr lang="zh-TW" altLang="en-US" smtClean="0"/>
-              <a:t>2025/5/20</a:t>
+              <a:t>2025/5/21</a:t>
             </a:fld>
             <a:endParaRPr lang="zh-TW" altLang="en-US"/>
           </a:p>
@@ -460,7 +461,7 @@
           <a:p>
             <a:fld id="{C1B7E2FF-282E-4E99-9339-886EC79B9799}" type="datetimeFigureOut">
               <a:rPr lang="zh-TW" altLang="en-US" smtClean="0"/>
-              <a:t>2025/5/20</a:t>
+              <a:t>2025/5/21</a:t>
             </a:fld>
             <a:endParaRPr lang="zh-TW" altLang="en-US"/>
           </a:p>
@@ -668,7 +669,7 @@
           <a:p>
             <a:fld id="{C1B7E2FF-282E-4E99-9339-886EC79B9799}" type="datetimeFigureOut">
               <a:rPr lang="zh-TW" altLang="en-US" smtClean="0"/>
-              <a:t>2025/5/20</a:t>
+              <a:t>2025/5/21</a:t>
             </a:fld>
             <a:endParaRPr lang="zh-TW" altLang="en-US"/>
           </a:p>
@@ -866,7 +867,7 @@
           <a:p>
             <a:fld id="{C1B7E2FF-282E-4E99-9339-886EC79B9799}" type="datetimeFigureOut">
               <a:rPr lang="zh-TW" altLang="en-US" smtClean="0"/>
-              <a:t>2025/5/20</a:t>
+              <a:t>2025/5/21</a:t>
             </a:fld>
             <a:endParaRPr lang="zh-TW" altLang="en-US"/>
           </a:p>
@@ -1141,7 +1142,7 @@
           <a:p>
             <a:fld id="{C1B7E2FF-282E-4E99-9339-886EC79B9799}" type="datetimeFigureOut">
               <a:rPr lang="zh-TW" altLang="en-US" smtClean="0"/>
-              <a:t>2025/5/20</a:t>
+              <a:t>2025/5/21</a:t>
             </a:fld>
             <a:endParaRPr lang="zh-TW" altLang="en-US"/>
           </a:p>
@@ -1406,7 +1407,7 @@
           <a:p>
             <a:fld id="{C1B7E2FF-282E-4E99-9339-886EC79B9799}" type="datetimeFigureOut">
               <a:rPr lang="zh-TW" altLang="en-US" smtClean="0"/>
-              <a:t>2025/5/20</a:t>
+              <a:t>2025/5/21</a:t>
             </a:fld>
             <a:endParaRPr lang="zh-TW" altLang="en-US"/>
           </a:p>
@@ -1818,7 +1819,7 @@
           <a:p>
             <a:fld id="{C1B7E2FF-282E-4E99-9339-886EC79B9799}" type="datetimeFigureOut">
               <a:rPr lang="zh-TW" altLang="en-US" smtClean="0"/>
-              <a:t>2025/5/20</a:t>
+              <a:t>2025/5/21</a:t>
             </a:fld>
             <a:endParaRPr lang="zh-TW" altLang="en-US"/>
           </a:p>
@@ -1959,7 +1960,7 @@
           <a:p>
             <a:fld id="{C1B7E2FF-282E-4E99-9339-886EC79B9799}" type="datetimeFigureOut">
               <a:rPr lang="zh-TW" altLang="en-US" smtClean="0"/>
-              <a:t>2025/5/20</a:t>
+              <a:t>2025/5/21</a:t>
             </a:fld>
             <a:endParaRPr lang="zh-TW" altLang="en-US"/>
           </a:p>
@@ -2072,7 +2073,7 @@
           <a:p>
             <a:fld id="{C1B7E2FF-282E-4E99-9339-886EC79B9799}" type="datetimeFigureOut">
               <a:rPr lang="zh-TW" altLang="en-US" smtClean="0"/>
-              <a:t>2025/5/20</a:t>
+              <a:t>2025/5/21</a:t>
             </a:fld>
             <a:endParaRPr lang="zh-TW" altLang="en-US"/>
           </a:p>
@@ -2383,7 +2384,7 @@
           <a:p>
             <a:fld id="{C1B7E2FF-282E-4E99-9339-886EC79B9799}" type="datetimeFigureOut">
               <a:rPr lang="zh-TW" altLang="en-US" smtClean="0"/>
-              <a:t>2025/5/20</a:t>
+              <a:t>2025/5/21</a:t>
             </a:fld>
             <a:endParaRPr lang="zh-TW" altLang="en-US"/>
           </a:p>
@@ -2671,7 +2672,7 @@
           <a:p>
             <a:fld id="{C1B7E2FF-282E-4E99-9339-886EC79B9799}" type="datetimeFigureOut">
               <a:rPr lang="zh-TW" altLang="en-US" smtClean="0"/>
-              <a:t>2025/5/20</a:t>
+              <a:t>2025/5/21</a:t>
             </a:fld>
             <a:endParaRPr lang="zh-TW" altLang="en-US"/>
           </a:p>
@@ -2912,7 +2913,7 @@
           <a:p>
             <a:fld id="{C1B7E2FF-282E-4E99-9339-886EC79B9799}" type="datetimeFigureOut">
               <a:rPr lang="zh-TW" altLang="en-US" smtClean="0"/>
-              <a:t>2025/5/20</a:t>
+              <a:t>2025/5/21</a:t>
             </a:fld>
             <a:endParaRPr lang="zh-TW" altLang="en-US"/>
           </a:p>
@@ -3358,31 +3359,6 @@
           </a:p>
         </p:txBody>
       </p:sp>
-      <p:sp>
-        <p:nvSpPr>
-          <p:cNvPr id="3" name="副標題 2">
-            <a:extLst>
-              <a:ext uri="{FF2B5EF4-FFF2-40B4-BE49-F238E27FC236}">
-                <a16:creationId xmlns:a16="http://schemas.microsoft.com/office/drawing/2014/main" id="{D8012585-9B92-406E-90CD-DB412119D13E}"/>
-              </a:ext>
-            </a:extLst>
-          </p:cNvPr>
-          <p:cNvSpPr>
-            <a:spLocks noGrp="1"/>
-          </p:cNvSpPr>
-          <p:nvPr>
-            <p:ph type="subTitle" idx="1"/>
-          </p:nvPr>
-        </p:nvSpPr>
-        <p:spPr/>
-        <p:txBody>
-          <a:bodyPr/>
-          <a:lstStyle/>
-          <a:p>
-            <a:endParaRPr lang="zh-TW" altLang="en-US" dirty="0"/>
-          </a:p>
-        </p:txBody>
-      </p:sp>
     </p:spTree>
     <p:extLst>
       <p:ext uri="{BB962C8B-B14F-4D97-AF65-F5344CB8AC3E}">
@@ -3461,8 +3437,8 @@
         </p:nvSpPr>
         <p:spPr>
           <a:xfrm>
-            <a:off x="0" y="807689"/>
-            <a:ext cx="10964333" cy="646331"/>
+            <a:off x="1" y="807689"/>
+            <a:ext cx="7715794" cy="646331"/>
           </a:xfrm>
           <a:prstGeom prst="rect">
             <a:avLst/>
@@ -3518,52 +3494,6 @@
           </a:prstGeom>
         </p:spPr>
       </p:pic>
-      <p:sp>
-        <p:nvSpPr>
-          <p:cNvPr id="10" name="箭號: 向右 9">
-            <a:extLst>
-              <a:ext uri="{FF2B5EF4-FFF2-40B4-BE49-F238E27FC236}">
-                <a16:creationId xmlns:a16="http://schemas.microsoft.com/office/drawing/2014/main" id="{60F705A5-3FC2-4CEC-8E58-344F18E4C670}"/>
-              </a:ext>
-            </a:extLst>
-          </p:cNvPr>
-          <p:cNvSpPr/>
-          <p:nvPr/>
-        </p:nvSpPr>
-        <p:spPr>
-          <a:xfrm>
-            <a:off x="6544734" y="6307666"/>
-            <a:ext cx="1515533" cy="364066"/>
-          </a:xfrm>
-          <a:prstGeom prst="rightArrow">
-            <a:avLst/>
-          </a:prstGeom>
-        </p:spPr>
-        <p:style>
-          <a:lnRef idx="2">
-            <a:schemeClr val="accent1">
-              <a:shade val="50000"/>
-            </a:schemeClr>
-          </a:lnRef>
-          <a:fillRef idx="1">
-            <a:schemeClr val="accent1"/>
-          </a:fillRef>
-          <a:effectRef idx="0">
-            <a:schemeClr val="accent1"/>
-          </a:effectRef>
-          <a:fontRef idx="minor">
-            <a:schemeClr val="lt1"/>
-          </a:fontRef>
-        </p:style>
-        <p:txBody>
-          <a:bodyPr rtlCol="0" anchor="ctr"/>
-          <a:lstStyle/>
-          <a:p>
-            <a:pPr algn="ctr"/>
-            <a:endParaRPr lang="zh-TW" altLang="en-US"/>
-          </a:p>
-        </p:txBody>
-      </p:sp>
       <p:pic>
         <p:nvPicPr>
           <p:cNvPr id="12" name="圖片 11">
@@ -3592,8 +3522,8 @@
         </p:blipFill>
         <p:spPr>
           <a:xfrm>
-            <a:off x="8271934" y="3962399"/>
-            <a:ext cx="2830082" cy="2830082"/>
+            <a:off x="8418013" y="4076975"/>
+            <a:ext cx="2676455" cy="2676455"/>
           </a:xfrm>
           <a:prstGeom prst="rect">
             <a:avLst/>
@@ -3622,8 +3552,76 @@
         </p:blipFill>
         <p:spPr>
           <a:xfrm>
-            <a:off x="6877030" y="1565690"/>
+            <a:off x="6912768" y="2261709"/>
             <a:ext cx="5226980" cy="1844448"/>
+          </a:xfrm>
+          <a:prstGeom prst="rect">
+            <a:avLst/>
+          </a:prstGeom>
+        </p:spPr>
+      </p:pic>
+      <p:sp>
+        <p:nvSpPr>
+          <p:cNvPr id="3" name="文字方塊 2"/>
+          <p:cNvSpPr txBox="1"/>
+          <p:nvPr/>
+        </p:nvSpPr>
+        <p:spPr>
+          <a:xfrm>
+            <a:off x="8008257" y="3707643"/>
+            <a:ext cx="3545597" cy="369332"/>
+          </a:xfrm>
+          <a:prstGeom prst="rect">
+            <a:avLst/>
+          </a:prstGeom>
+          <a:noFill/>
+        </p:spPr>
+        <p:txBody>
+          <a:bodyPr wrap="square" rtlCol="0">
+            <a:spAutoFit/>
+          </a:bodyPr>
+          <a:lstStyle/>
+          <a:p>
+            <a:r>
+              <a:rPr lang="en-US" altLang="zh-TW" dirty="0"/>
+              <a:t>This is the code provided by </a:t>
+            </a:r>
+            <a:r>
+              <a:rPr lang="en-US" altLang="zh-TW" dirty="0" err="1"/>
+              <a:t>Tanita</a:t>
+            </a:r>
+            <a:r>
+              <a:rPr lang="en-US" altLang="zh-TW" dirty="0"/>
+              <a:t>.</a:t>
+            </a:r>
+            <a:endParaRPr lang="zh-TW" altLang="en-US" dirty="0"/>
+          </a:p>
+        </p:txBody>
+      </p:sp>
+      <p:pic>
+        <p:nvPicPr>
+          <p:cNvPr id="4" name="圖片 3"/>
+          <p:cNvPicPr>
+            <a:picLocks noChangeAspect="1"/>
+          </p:cNvPicPr>
+          <p:nvPr/>
+        </p:nvPicPr>
+        <p:blipFill>
+          <a:blip r:embed="rId6" cstate="hqprint">
+            <a:extLst>
+              <a:ext uri="{28A0092B-C50C-407E-A947-70E740481C1C}">
+                <a14:useLocalDpi xmlns:a14="http://schemas.microsoft.com/office/drawing/2010/main" val="0"/>
+              </a:ext>
+            </a:extLst>
+          </a:blip>
+          <a:stretch>
+            <a:fillRect/>
+          </a:stretch>
+        </p:blipFill>
+        <p:spPr>
+          <a:xfrm>
+            <a:off x="7797715" y="216551"/>
+            <a:ext cx="3657209" cy="1828605"/>
           </a:xfrm>
           <a:prstGeom prst="rect">
             <a:avLst/>
@@ -3996,8 +3994,8 @@
         </p:nvSpPr>
         <p:spPr>
           <a:xfrm>
-            <a:off x="6297825" y="5121578"/>
-            <a:ext cx="5190066" cy="707886"/>
+            <a:off x="6282806" y="5029725"/>
+            <a:ext cx="5190066" cy="1631216"/>
           </a:xfrm>
           <a:prstGeom prst="rect">
             <a:avLst/>
@@ -4036,8 +4034,30 @@
             </a:r>
             <a:r>
               <a:rPr lang="en-US" altLang="zh-TW" sz="2000" dirty="0"/>
-              <a:t> are produced by two different unit engineers.</a:t>
-            </a:r>
+              <a:t> are produced by two different unit engineers</a:t>
+            </a:r>
+            <a:r>
+              <a:rPr lang="en-US" altLang="zh-TW" sz="2000" dirty="0" smtClean="0"/>
+              <a:t>.</a:t>
+            </a:r>
+          </a:p>
+          <a:p>
+            <a:endParaRPr lang="en-US" altLang="zh-TW" sz="2000" dirty="0" smtClean="0"/>
+          </a:p>
+          <a:p>
+            <a:r>
+              <a:rPr lang="en-US" altLang="zh-TW" sz="2000" dirty="0"/>
+              <a:t>Therefore, Intent </a:t>
+            </a:r>
+            <a:r>
+              <a:rPr lang="en-US" altLang="zh-TW" sz="2000" dirty="0" smtClean="0"/>
+              <a:t>method </a:t>
+            </a:r>
+            <a:r>
+              <a:rPr lang="en-US" altLang="zh-TW" sz="2000" dirty="0"/>
+              <a:t>is needed to call the other party's APP and transmit messages.</a:t>
+            </a:r>
+            <a:endParaRPr lang="en-US" altLang="zh-TW" sz="2000" dirty="0"/>
           </a:p>
         </p:txBody>
       </p:sp>
@@ -4654,6 +4674,40 @@
           </a:fontRef>
         </p:style>
       </p:cxnSp>
+      <p:sp>
+        <p:nvSpPr>
+          <p:cNvPr id="3" name="文字方塊 2"/>
+          <p:cNvSpPr txBox="1"/>
+          <p:nvPr/>
+        </p:nvSpPr>
+        <p:spPr>
+          <a:xfrm>
+            <a:off x="10377895" y="0"/>
+            <a:ext cx="2132212" cy="369332"/>
+          </a:xfrm>
+          <a:prstGeom prst="rect">
+            <a:avLst/>
+          </a:prstGeom>
+          <a:noFill/>
+        </p:spPr>
+        <p:txBody>
+          <a:bodyPr wrap="square" rtlCol="0">
+            <a:spAutoFit/>
+          </a:bodyPr>
+          <a:lstStyle/>
+          <a:p>
+            <a:r>
+              <a:rPr lang="en-US" altLang="zh-TW" dirty="0" smtClean="0"/>
+              <a:t>Reference </a:t>
+            </a:r>
+            <a:r>
+              <a:rPr lang="en-US" altLang="zh-TW" dirty="0"/>
+              <a:t>from AI</a:t>
+            </a:r>
+            <a:endParaRPr lang="zh-TW" altLang="en-US" dirty="0"/>
+          </a:p>
+        </p:txBody>
+      </p:sp>
     </p:spTree>
     <p:extLst>
       <p:ext uri="{BB962C8B-B14F-4D97-AF65-F5344CB8AC3E}">
@@ -4728,1594 +4782,12 @@
           </a:p>
         </p:txBody>
       </p:sp>
-      <p:sp>
-        <p:nvSpPr>
-          <p:cNvPr id="14" name="矩形: 圓角 13">
-            <a:extLst>
-              <a:ext uri="{FF2B5EF4-FFF2-40B4-BE49-F238E27FC236}">
-                <a16:creationId xmlns:a16="http://schemas.microsoft.com/office/drawing/2014/main" id="{5E9E59B9-3319-40D2-9AB8-EBF3A9260D42}"/>
-              </a:ext>
-            </a:extLst>
-          </p:cNvPr>
-          <p:cNvSpPr/>
-          <p:nvPr/>
-        </p:nvSpPr>
-        <p:spPr>
-          <a:xfrm>
-            <a:off x="5264277" y="1829447"/>
-            <a:ext cx="1365116" cy="472418"/>
-          </a:xfrm>
-          <a:prstGeom prst="roundRect">
-            <a:avLst/>
-          </a:prstGeom>
-          <a:noFill/>
-          <a:ln>
-            <a:solidFill>
-              <a:schemeClr val="tx1">
-                <a:lumMod val="75000"/>
-                <a:lumOff val="25000"/>
-              </a:schemeClr>
-            </a:solidFill>
-          </a:ln>
-        </p:spPr>
-        <p:style>
-          <a:lnRef idx="2">
-            <a:schemeClr val="accent1">
-              <a:shade val="50000"/>
-            </a:schemeClr>
-          </a:lnRef>
-          <a:fillRef idx="1">
-            <a:schemeClr val="accent1"/>
-          </a:fillRef>
-          <a:effectRef idx="0">
-            <a:schemeClr val="accent1"/>
-          </a:effectRef>
-          <a:fontRef idx="minor">
-            <a:schemeClr val="lt1"/>
-          </a:fontRef>
-        </p:style>
-        <p:txBody>
-          <a:bodyPr rtlCol="0" anchor="ctr"/>
-          <a:lstStyle/>
-          <a:p>
-            <a:pPr algn="ctr"/>
-            <a:r>
-              <a:rPr lang="en-US" altLang="zh-TW" dirty="0">
-                <a:solidFill>
-                  <a:schemeClr val="tx1"/>
-                </a:solidFill>
-              </a:rPr>
-              <a:t>TempData1</a:t>
-            </a:r>
-            <a:endParaRPr lang="zh-TW" altLang="en-US" dirty="0">
-              <a:solidFill>
-                <a:schemeClr val="tx1"/>
-              </a:solidFill>
-            </a:endParaRPr>
-          </a:p>
-        </p:txBody>
-      </p:sp>
-      <p:cxnSp>
-        <p:nvCxnSpPr>
-          <p:cNvPr id="16" name="直線單箭頭接點 15">
-            <a:extLst>
-              <a:ext uri="{FF2B5EF4-FFF2-40B4-BE49-F238E27FC236}">
-                <a16:creationId xmlns:a16="http://schemas.microsoft.com/office/drawing/2014/main" id="{676044CD-868B-4822-8F99-3AC8CA36202E}"/>
-              </a:ext>
-            </a:extLst>
-          </p:cNvPr>
-          <p:cNvCxnSpPr>
-            <a:cxnSpLocks/>
-            <a:stCxn id="25" idx="2"/>
-            <a:endCxn id="14" idx="0"/>
-          </p:cNvCxnSpPr>
-          <p:nvPr/>
-        </p:nvCxnSpPr>
-        <p:spPr>
-          <a:xfrm flipH="1">
-            <a:off x="5946835" y="1219205"/>
-            <a:ext cx="1" cy="610242"/>
-          </a:xfrm>
-          <a:prstGeom prst="straightConnector1">
-            <a:avLst/>
-          </a:prstGeom>
-          <a:ln w="19050">
-            <a:solidFill>
-              <a:srgbClr val="FF0000"/>
-            </a:solidFill>
-            <a:prstDash val="sysDash"/>
-            <a:tailEnd type="triangle"/>
-          </a:ln>
-        </p:spPr>
-        <p:style>
-          <a:lnRef idx="1">
-            <a:schemeClr val="accent1"/>
-          </a:lnRef>
-          <a:fillRef idx="0">
-            <a:schemeClr val="accent1"/>
-          </a:fillRef>
-          <a:effectRef idx="0">
-            <a:schemeClr val="accent1"/>
-          </a:effectRef>
-          <a:fontRef idx="minor">
-            <a:schemeClr val="tx1"/>
-          </a:fontRef>
-        </p:style>
-      </p:cxnSp>
-      <p:sp>
-        <p:nvSpPr>
-          <p:cNvPr id="18" name="文字方塊 17">
-            <a:extLst>
-              <a:ext uri="{FF2B5EF4-FFF2-40B4-BE49-F238E27FC236}">
-                <a16:creationId xmlns:a16="http://schemas.microsoft.com/office/drawing/2014/main" id="{29F8C742-31AE-4C59-A1EB-7FBF71E91369}"/>
-              </a:ext>
-            </a:extLst>
-          </p:cNvPr>
-          <p:cNvSpPr txBox="1"/>
-          <p:nvPr/>
-        </p:nvSpPr>
-        <p:spPr>
-          <a:xfrm>
-            <a:off x="5969051" y="1204862"/>
-            <a:ext cx="1071034" cy="646331"/>
-          </a:xfrm>
-          <a:prstGeom prst="rect">
-            <a:avLst/>
-          </a:prstGeom>
-          <a:noFill/>
-        </p:spPr>
-        <p:txBody>
-          <a:bodyPr wrap="square">
-            <a:spAutoFit/>
-          </a:bodyPr>
-          <a:lstStyle/>
-          <a:p>
-            <a:pPr algn="ctr"/>
-            <a:r>
-              <a:rPr lang="en-US" altLang="zh-TW" dirty="0">
-                <a:solidFill>
-                  <a:srgbClr val="FF0000"/>
-                </a:solidFill>
-              </a:rPr>
-              <a:t>Message</a:t>
-            </a:r>
-          </a:p>
-          <a:p>
-            <a:pPr algn="ctr"/>
-            <a:r>
-              <a:rPr lang="en-US" altLang="zh-TW" dirty="0">
-                <a:solidFill>
-                  <a:srgbClr val="FF0000"/>
-                </a:solidFill>
-              </a:rPr>
-              <a:t>Intent </a:t>
-            </a:r>
-          </a:p>
-        </p:txBody>
-      </p:sp>
-      <p:sp>
-        <p:nvSpPr>
-          <p:cNvPr id="25" name="矩形: 圓角 24">
-            <a:extLst>
-              <a:ext uri="{FF2B5EF4-FFF2-40B4-BE49-F238E27FC236}">
-                <a16:creationId xmlns:a16="http://schemas.microsoft.com/office/drawing/2014/main" id="{AC3EE1C3-AF11-4B91-9DAC-81950A4A08D9}"/>
-              </a:ext>
-            </a:extLst>
-          </p:cNvPr>
-          <p:cNvSpPr/>
-          <p:nvPr/>
-        </p:nvSpPr>
-        <p:spPr>
-          <a:xfrm>
-            <a:off x="5411321" y="746787"/>
-            <a:ext cx="1071030" cy="472418"/>
-          </a:xfrm>
-          <a:prstGeom prst="roundRect">
-            <a:avLst/>
-          </a:prstGeom>
-          <a:noFill/>
-          <a:ln>
-            <a:solidFill>
-              <a:schemeClr val="tx1">
-                <a:lumMod val="75000"/>
-                <a:lumOff val="25000"/>
-              </a:schemeClr>
-            </a:solidFill>
-          </a:ln>
-        </p:spPr>
-        <p:style>
-          <a:lnRef idx="2">
-            <a:schemeClr val="accent1">
-              <a:shade val="50000"/>
-            </a:schemeClr>
-          </a:lnRef>
-          <a:fillRef idx="1">
-            <a:schemeClr val="accent1"/>
-          </a:fillRef>
-          <a:effectRef idx="0">
-            <a:schemeClr val="accent1"/>
-          </a:effectRef>
-          <a:fontRef idx="minor">
-            <a:schemeClr val="lt1"/>
-          </a:fontRef>
-        </p:style>
-        <p:txBody>
-          <a:bodyPr rtlCol="0" anchor="ctr"/>
-          <a:lstStyle/>
-          <a:p>
-            <a:pPr algn="ctr"/>
-            <a:r>
-              <a:rPr lang="en-US" altLang="zh-TW" dirty="0">
-                <a:solidFill>
-                  <a:srgbClr val="FF0000"/>
-                </a:solidFill>
-              </a:rPr>
-              <a:t>App1</a:t>
-            </a:r>
-            <a:endParaRPr lang="zh-TW" altLang="en-US" dirty="0">
-              <a:solidFill>
-                <a:srgbClr val="FF0000"/>
-              </a:solidFill>
-            </a:endParaRPr>
-          </a:p>
-        </p:txBody>
-      </p:sp>
-      <p:sp>
-        <p:nvSpPr>
-          <p:cNvPr id="30" name="矩形: 圓角 29">
-            <a:extLst>
-              <a:ext uri="{FF2B5EF4-FFF2-40B4-BE49-F238E27FC236}">
-                <a16:creationId xmlns:a16="http://schemas.microsoft.com/office/drawing/2014/main" id="{EC108A00-9CAC-4188-B428-FD6B5C33A075}"/>
-              </a:ext>
-            </a:extLst>
-          </p:cNvPr>
-          <p:cNvSpPr/>
-          <p:nvPr/>
-        </p:nvSpPr>
-        <p:spPr>
-          <a:xfrm>
-            <a:off x="5264275" y="1830813"/>
-            <a:ext cx="5806324" cy="2511445"/>
-          </a:xfrm>
-          <a:prstGeom prst="roundRect">
-            <a:avLst>
-              <a:gd name="adj" fmla="val 3581"/>
-            </a:avLst>
-          </a:prstGeom>
-          <a:noFill/>
-          <a:ln>
-            <a:solidFill>
-              <a:schemeClr val="tx1">
-                <a:lumMod val="75000"/>
-                <a:lumOff val="25000"/>
-              </a:schemeClr>
-            </a:solidFill>
-          </a:ln>
-        </p:spPr>
-        <p:style>
-          <a:lnRef idx="2">
-            <a:schemeClr val="accent1">
-              <a:shade val="50000"/>
-            </a:schemeClr>
-          </a:lnRef>
-          <a:fillRef idx="1">
-            <a:schemeClr val="accent1"/>
-          </a:fillRef>
-          <a:effectRef idx="0">
-            <a:schemeClr val="accent1"/>
-          </a:effectRef>
-          <a:fontRef idx="minor">
-            <a:schemeClr val="lt1"/>
-          </a:fontRef>
-        </p:style>
-        <p:txBody>
-          <a:bodyPr rtlCol="0" anchor="ctr"/>
-          <a:lstStyle/>
-          <a:p>
-            <a:pPr algn="ctr"/>
-            <a:endParaRPr lang="zh-TW" altLang="en-US" dirty="0">
-              <a:solidFill>
-                <a:schemeClr val="tx1"/>
-              </a:solidFill>
-            </a:endParaRPr>
-          </a:p>
-        </p:txBody>
-      </p:sp>
-      <p:sp>
-        <p:nvSpPr>
-          <p:cNvPr id="32" name="文字方塊 31">
-            <a:extLst>
-              <a:ext uri="{FF2B5EF4-FFF2-40B4-BE49-F238E27FC236}">
-                <a16:creationId xmlns:a16="http://schemas.microsoft.com/office/drawing/2014/main" id="{4BCAFF1C-D3E7-4478-9570-EF9734860943}"/>
-              </a:ext>
-            </a:extLst>
-          </p:cNvPr>
-          <p:cNvSpPr txBox="1"/>
-          <p:nvPr/>
-        </p:nvSpPr>
-        <p:spPr>
-          <a:xfrm>
-            <a:off x="7763926" y="1779630"/>
-            <a:ext cx="922732" cy="369332"/>
-          </a:xfrm>
-          <a:prstGeom prst="rect">
-            <a:avLst/>
-          </a:prstGeom>
-          <a:noFill/>
-        </p:spPr>
-        <p:txBody>
-          <a:bodyPr wrap="square">
-            <a:spAutoFit/>
-          </a:bodyPr>
-          <a:lstStyle/>
-          <a:p>
-            <a:pPr algn="ctr"/>
-            <a:r>
-              <a:rPr lang="en-US" altLang="zh-TW" dirty="0">
-                <a:solidFill>
-                  <a:schemeClr val="accent1"/>
-                </a:solidFill>
-              </a:rPr>
-              <a:t>App2</a:t>
-            </a:r>
-            <a:endParaRPr lang="zh-TW" altLang="en-US" dirty="0">
-              <a:solidFill>
-                <a:schemeClr val="accent1"/>
-              </a:solidFill>
-            </a:endParaRPr>
-          </a:p>
-        </p:txBody>
-      </p:sp>
-      <p:sp>
-        <p:nvSpPr>
-          <p:cNvPr id="33" name="矩形: 圓角 32">
-            <a:extLst>
-              <a:ext uri="{FF2B5EF4-FFF2-40B4-BE49-F238E27FC236}">
-                <a16:creationId xmlns:a16="http://schemas.microsoft.com/office/drawing/2014/main" id="{0A1A6423-84BC-4FDB-8C59-894091C7573B}"/>
-              </a:ext>
-            </a:extLst>
-          </p:cNvPr>
-          <p:cNvSpPr/>
-          <p:nvPr/>
-        </p:nvSpPr>
-        <p:spPr>
-          <a:xfrm>
-            <a:off x="5520398" y="3869840"/>
-            <a:ext cx="1987410" cy="472418"/>
-          </a:xfrm>
-          <a:prstGeom prst="roundRect">
-            <a:avLst/>
-          </a:prstGeom>
-          <a:noFill/>
-          <a:ln>
-            <a:solidFill>
-              <a:schemeClr val="tx1">
-                <a:lumMod val="75000"/>
-                <a:lumOff val="25000"/>
-              </a:schemeClr>
-            </a:solidFill>
-          </a:ln>
-        </p:spPr>
-        <p:style>
-          <a:lnRef idx="2">
-            <a:schemeClr val="accent1">
-              <a:shade val="50000"/>
-            </a:schemeClr>
-          </a:lnRef>
-          <a:fillRef idx="1">
-            <a:schemeClr val="accent1"/>
-          </a:fillRef>
-          <a:effectRef idx="0">
-            <a:schemeClr val="accent1"/>
-          </a:effectRef>
-          <a:fontRef idx="minor">
-            <a:schemeClr val="lt1"/>
-          </a:fontRef>
-        </p:style>
-        <p:txBody>
-          <a:bodyPr rtlCol="0" anchor="ctr"/>
-          <a:lstStyle/>
-          <a:p>
-            <a:pPr algn="ctr"/>
-            <a:r>
-              <a:rPr lang="en-US" altLang="zh-TW" dirty="0">
-                <a:solidFill>
-                  <a:schemeClr val="tx1"/>
-                </a:solidFill>
-              </a:rPr>
-              <a:t>Control RD545</a:t>
-            </a:r>
-            <a:endParaRPr lang="zh-TW" altLang="en-US" dirty="0">
-              <a:solidFill>
-                <a:schemeClr val="tx1"/>
-              </a:solidFill>
-            </a:endParaRPr>
-          </a:p>
-        </p:txBody>
-      </p:sp>
-      <p:sp>
-        <p:nvSpPr>
-          <p:cNvPr id="34" name="矩形: 圓角 33">
-            <a:extLst>
-              <a:ext uri="{FF2B5EF4-FFF2-40B4-BE49-F238E27FC236}">
-                <a16:creationId xmlns:a16="http://schemas.microsoft.com/office/drawing/2014/main" id="{0A61CEE1-DB9C-464D-A434-1CA10913A515}"/>
-              </a:ext>
-            </a:extLst>
-          </p:cNvPr>
-          <p:cNvSpPr/>
-          <p:nvPr/>
-        </p:nvSpPr>
-        <p:spPr>
-          <a:xfrm>
-            <a:off x="5520391" y="5383654"/>
-            <a:ext cx="1987420" cy="472418"/>
-          </a:xfrm>
-          <a:prstGeom prst="roundRect">
-            <a:avLst/>
-          </a:prstGeom>
-          <a:noFill/>
-          <a:ln>
-            <a:solidFill>
-              <a:schemeClr val="tx1">
-                <a:lumMod val="75000"/>
-                <a:lumOff val="25000"/>
-              </a:schemeClr>
-            </a:solidFill>
-          </a:ln>
-        </p:spPr>
-        <p:style>
-          <a:lnRef idx="2">
-            <a:schemeClr val="accent1">
-              <a:shade val="50000"/>
-            </a:schemeClr>
-          </a:lnRef>
-          <a:fillRef idx="1">
-            <a:schemeClr val="accent1"/>
-          </a:fillRef>
-          <a:effectRef idx="0">
-            <a:schemeClr val="accent1"/>
-          </a:effectRef>
-          <a:fontRef idx="minor">
-            <a:schemeClr val="lt1"/>
-          </a:fontRef>
-        </p:style>
-        <p:txBody>
-          <a:bodyPr rtlCol="0" anchor="ctr"/>
-          <a:lstStyle/>
-          <a:p>
-            <a:pPr algn="ctr"/>
-            <a:r>
-              <a:rPr lang="en-US" altLang="zh-TW" dirty="0">
-                <a:solidFill>
-                  <a:schemeClr val="tx1"/>
-                </a:solidFill>
-              </a:rPr>
-              <a:t>RD545</a:t>
-            </a:r>
-            <a:r>
-              <a:rPr lang="zh-TW" altLang="en-US" dirty="0">
-                <a:solidFill>
-                  <a:schemeClr val="tx1"/>
-                </a:solidFill>
-              </a:rPr>
-              <a:t> </a:t>
-            </a:r>
-            <a:r>
-              <a:rPr lang="en-US" altLang="zh-TW" dirty="0">
-                <a:solidFill>
-                  <a:schemeClr val="tx1"/>
-                </a:solidFill>
-              </a:rPr>
-              <a:t>Device </a:t>
-            </a:r>
-            <a:endParaRPr lang="zh-TW" altLang="en-US" dirty="0">
-              <a:solidFill>
-                <a:schemeClr val="tx1"/>
-              </a:solidFill>
-            </a:endParaRPr>
-          </a:p>
-        </p:txBody>
-      </p:sp>
-      <p:sp>
-        <p:nvSpPr>
-          <p:cNvPr id="35" name="矩形: 圓角 34">
-            <a:extLst>
-              <a:ext uri="{FF2B5EF4-FFF2-40B4-BE49-F238E27FC236}">
-                <a16:creationId xmlns:a16="http://schemas.microsoft.com/office/drawing/2014/main" id="{35304806-0792-443A-A535-7EF52266BAB0}"/>
-              </a:ext>
-            </a:extLst>
-          </p:cNvPr>
-          <p:cNvSpPr/>
-          <p:nvPr/>
-        </p:nvSpPr>
-        <p:spPr>
-          <a:xfrm>
-            <a:off x="5264275" y="2311213"/>
-            <a:ext cx="2499651" cy="472418"/>
-          </a:xfrm>
-          <a:prstGeom prst="roundRect">
-            <a:avLst/>
-          </a:prstGeom>
-          <a:noFill/>
-          <a:ln>
-            <a:solidFill>
-              <a:schemeClr val="tx1">
-                <a:lumMod val="75000"/>
-                <a:lumOff val="25000"/>
-              </a:schemeClr>
-            </a:solidFill>
-          </a:ln>
-        </p:spPr>
-        <p:style>
-          <a:lnRef idx="2">
-            <a:schemeClr val="accent1">
-              <a:shade val="50000"/>
-            </a:schemeClr>
-          </a:lnRef>
-          <a:fillRef idx="1">
-            <a:schemeClr val="accent1"/>
-          </a:fillRef>
-          <a:effectRef idx="0">
-            <a:schemeClr val="accent1"/>
-          </a:effectRef>
-          <a:fontRef idx="minor">
-            <a:schemeClr val="lt1"/>
-          </a:fontRef>
-        </p:style>
-        <p:txBody>
-          <a:bodyPr rtlCol="0" anchor="ctr"/>
-          <a:lstStyle/>
-          <a:p>
-            <a:pPr algn="ctr"/>
-            <a:r>
-              <a:rPr lang="en-US" altLang="zh-TW" dirty="0" err="1">
-                <a:solidFill>
-                  <a:schemeClr val="tx1"/>
-                </a:solidFill>
-              </a:rPr>
-              <a:t>TempData</a:t>
-            </a:r>
-            <a:r>
-              <a:rPr lang="en-US" altLang="zh-TW" dirty="0">
-                <a:solidFill>
-                  <a:schemeClr val="tx1"/>
-                </a:solidFill>
-              </a:rPr>
-              <a:t> Parsing</a:t>
-            </a:r>
-            <a:endParaRPr lang="zh-TW" altLang="en-US" dirty="0">
-              <a:solidFill>
-                <a:schemeClr val="tx1"/>
-              </a:solidFill>
-            </a:endParaRPr>
-          </a:p>
-        </p:txBody>
-      </p:sp>
-      <p:cxnSp>
-        <p:nvCxnSpPr>
-          <p:cNvPr id="37" name="直線單箭頭接點 36">
-            <a:extLst>
-              <a:ext uri="{FF2B5EF4-FFF2-40B4-BE49-F238E27FC236}">
-                <a16:creationId xmlns:a16="http://schemas.microsoft.com/office/drawing/2014/main" id="{AC3D3C75-DA17-42C7-919E-557A4F8136C3}"/>
-              </a:ext>
-            </a:extLst>
-          </p:cNvPr>
-          <p:cNvCxnSpPr>
-            <a:cxnSpLocks/>
-            <a:stCxn id="35" idx="2"/>
-            <a:endCxn id="33" idx="0"/>
-          </p:cNvCxnSpPr>
-          <p:nvPr/>
-        </p:nvCxnSpPr>
-        <p:spPr>
-          <a:xfrm>
-            <a:off x="6514101" y="2783631"/>
-            <a:ext cx="2" cy="1086209"/>
-          </a:xfrm>
-          <a:prstGeom prst="straightConnector1">
-            <a:avLst/>
-          </a:prstGeom>
-          <a:ln w="19050">
-            <a:solidFill>
-              <a:srgbClr val="FF0000"/>
-            </a:solidFill>
-            <a:prstDash val="sysDash"/>
-            <a:tailEnd type="triangle"/>
-          </a:ln>
-        </p:spPr>
-        <p:style>
-          <a:lnRef idx="1">
-            <a:schemeClr val="accent1"/>
-          </a:lnRef>
-          <a:fillRef idx="0">
-            <a:schemeClr val="accent1"/>
-          </a:fillRef>
-          <a:effectRef idx="0">
-            <a:schemeClr val="accent1"/>
-          </a:effectRef>
-          <a:fontRef idx="minor">
-            <a:schemeClr val="tx1"/>
-          </a:fontRef>
-        </p:style>
-      </p:cxnSp>
-      <p:sp>
-        <p:nvSpPr>
-          <p:cNvPr id="42" name="文字方塊 41">
-            <a:extLst>
-              <a:ext uri="{FF2B5EF4-FFF2-40B4-BE49-F238E27FC236}">
-                <a16:creationId xmlns:a16="http://schemas.microsoft.com/office/drawing/2014/main" id="{280233BE-E9BB-4D25-BA3A-B1074190A1E4}"/>
-              </a:ext>
-            </a:extLst>
-          </p:cNvPr>
-          <p:cNvSpPr txBox="1"/>
-          <p:nvPr/>
-        </p:nvSpPr>
-        <p:spPr>
-          <a:xfrm>
-            <a:off x="6514100" y="2877285"/>
-            <a:ext cx="2404534" cy="923330"/>
-          </a:xfrm>
-          <a:prstGeom prst="rect">
-            <a:avLst/>
-          </a:prstGeom>
-          <a:noFill/>
-        </p:spPr>
-        <p:txBody>
-          <a:bodyPr wrap="square">
-            <a:spAutoFit/>
-          </a:bodyPr>
-          <a:lstStyle/>
-          <a:p>
-            <a:r>
-              <a:rPr lang="zh-TW" altLang="en-US" dirty="0">
-                <a:solidFill>
-                  <a:srgbClr val="FF0000"/>
-                </a:solidFill>
-              </a:rPr>
-              <a:t>TempData</a:t>
-            </a:r>
-            <a:r>
-              <a:rPr lang="en-US" altLang="zh-TW" dirty="0">
-                <a:solidFill>
-                  <a:srgbClr val="FF0000"/>
-                </a:solidFill>
-              </a:rPr>
-              <a:t>1</a:t>
-            </a:r>
-            <a:r>
-              <a:rPr lang="zh-TW" altLang="en-US" dirty="0">
-                <a:solidFill>
-                  <a:srgbClr val="FF0000"/>
-                </a:solidFill>
-              </a:rPr>
-              <a:t> is parsed into</a:t>
-            </a:r>
-            <a:r>
-              <a:rPr lang="en-US" altLang="zh-TW" dirty="0">
-                <a:solidFill>
-                  <a:srgbClr val="FF0000"/>
-                </a:solidFill>
-              </a:rPr>
-              <a:t>:</a:t>
-            </a:r>
-            <a:r>
-              <a:rPr lang="zh-TW" altLang="en-US" dirty="0">
-                <a:solidFill>
-                  <a:srgbClr val="FF0000"/>
-                </a:solidFill>
-              </a:rPr>
-              <a:t> gender, birthday, height, clothing weight</a:t>
-            </a:r>
-            <a:r>
-              <a:rPr lang="en-US" altLang="zh-TW" dirty="0">
-                <a:solidFill>
-                  <a:srgbClr val="FF0000"/>
-                </a:solidFill>
-              </a:rPr>
-              <a:t>.</a:t>
-            </a:r>
-            <a:endParaRPr lang="zh-TW" altLang="en-US" dirty="0">
-              <a:solidFill>
-                <a:srgbClr val="FF0000"/>
-              </a:solidFill>
-            </a:endParaRPr>
-          </a:p>
-        </p:txBody>
-      </p:sp>
-      <p:cxnSp>
-        <p:nvCxnSpPr>
-          <p:cNvPr id="44" name="直線單箭頭接點 43">
-            <a:extLst>
-              <a:ext uri="{FF2B5EF4-FFF2-40B4-BE49-F238E27FC236}">
-                <a16:creationId xmlns:a16="http://schemas.microsoft.com/office/drawing/2014/main" id="{8CCB0611-BBE7-4FFA-A1FC-50016CE4441B}"/>
-              </a:ext>
-            </a:extLst>
-          </p:cNvPr>
-          <p:cNvCxnSpPr>
-            <a:cxnSpLocks/>
-            <a:stCxn id="33" idx="2"/>
-            <a:endCxn id="34" idx="0"/>
-          </p:cNvCxnSpPr>
-          <p:nvPr/>
-        </p:nvCxnSpPr>
-        <p:spPr>
-          <a:xfrm flipH="1">
-            <a:off x="6514101" y="4342258"/>
-            <a:ext cx="2" cy="1041396"/>
-          </a:xfrm>
-          <a:prstGeom prst="straightConnector1">
-            <a:avLst/>
-          </a:prstGeom>
-          <a:ln w="19050">
-            <a:solidFill>
-              <a:schemeClr val="accent1"/>
-            </a:solidFill>
-            <a:prstDash val="sysDash"/>
-            <a:tailEnd type="triangle"/>
-          </a:ln>
-        </p:spPr>
-        <p:style>
-          <a:lnRef idx="1">
-            <a:schemeClr val="accent1"/>
-          </a:lnRef>
-          <a:fillRef idx="0">
-            <a:schemeClr val="accent1"/>
-          </a:fillRef>
-          <a:effectRef idx="0">
-            <a:schemeClr val="accent1"/>
-          </a:effectRef>
-          <a:fontRef idx="minor">
-            <a:schemeClr val="tx1"/>
-          </a:fontRef>
-        </p:style>
-      </p:cxnSp>
-      <p:sp>
-        <p:nvSpPr>
-          <p:cNvPr id="49" name="文字方塊 48">
-            <a:extLst>
-              <a:ext uri="{FF2B5EF4-FFF2-40B4-BE49-F238E27FC236}">
-                <a16:creationId xmlns:a16="http://schemas.microsoft.com/office/drawing/2014/main" id="{2CF02CAA-A5D0-407E-9738-3ADC5BA325A2}"/>
-              </a:ext>
-            </a:extLst>
-          </p:cNvPr>
-          <p:cNvSpPr txBox="1"/>
-          <p:nvPr/>
-        </p:nvSpPr>
-        <p:spPr>
-          <a:xfrm>
-            <a:off x="6633359" y="4384702"/>
-            <a:ext cx="2510634" cy="923330"/>
-          </a:xfrm>
-          <a:prstGeom prst="rect">
-            <a:avLst/>
-          </a:prstGeom>
-          <a:noFill/>
-        </p:spPr>
-        <p:txBody>
-          <a:bodyPr wrap="square">
-            <a:spAutoFit/>
-          </a:bodyPr>
-          <a:lstStyle/>
-          <a:p>
-            <a:r>
-              <a:rPr lang="en-US" altLang="zh-TW" dirty="0" err="1">
-                <a:solidFill>
-                  <a:schemeClr val="accent1"/>
-                </a:solidFill>
-              </a:rPr>
-              <a:t>Ble</a:t>
-            </a:r>
-            <a:r>
-              <a:rPr lang="en-US" altLang="zh-TW" dirty="0">
-                <a:solidFill>
-                  <a:schemeClr val="accent1"/>
-                </a:solidFill>
-              </a:rPr>
-              <a:t> Pass Base Data:</a:t>
-            </a:r>
-          </a:p>
-          <a:p>
-            <a:r>
-              <a:rPr lang="zh-TW" altLang="en-US" dirty="0">
-                <a:solidFill>
-                  <a:schemeClr val="accent1"/>
-                </a:solidFill>
-              </a:rPr>
-              <a:t>gender, birthday, height, clothing weight</a:t>
-            </a:r>
-            <a:r>
-              <a:rPr lang="en-US" altLang="zh-TW" dirty="0">
-                <a:solidFill>
-                  <a:schemeClr val="accent1"/>
-                </a:solidFill>
-              </a:rPr>
-              <a:t>.</a:t>
-            </a:r>
-            <a:endParaRPr lang="zh-TW" altLang="en-US" dirty="0">
-              <a:solidFill>
-                <a:schemeClr val="accent1"/>
-              </a:solidFill>
-            </a:endParaRPr>
-          </a:p>
-        </p:txBody>
-      </p:sp>
-      <p:sp>
-        <p:nvSpPr>
-          <p:cNvPr id="58" name="矩形: 圓角 57">
-            <a:extLst>
-              <a:ext uri="{FF2B5EF4-FFF2-40B4-BE49-F238E27FC236}">
-                <a16:creationId xmlns:a16="http://schemas.microsoft.com/office/drawing/2014/main" id="{01303C9C-BCD1-4164-950D-D98CE27569B0}"/>
-              </a:ext>
-            </a:extLst>
-          </p:cNvPr>
-          <p:cNvSpPr/>
-          <p:nvPr/>
-        </p:nvSpPr>
-        <p:spPr>
-          <a:xfrm>
-            <a:off x="5520387" y="5856072"/>
-            <a:ext cx="3090213" cy="472418"/>
-          </a:xfrm>
-          <a:prstGeom prst="roundRect">
-            <a:avLst/>
-          </a:prstGeom>
-          <a:noFill/>
-          <a:ln>
-            <a:solidFill>
-              <a:schemeClr val="tx1">
-                <a:lumMod val="75000"/>
-                <a:lumOff val="25000"/>
-              </a:schemeClr>
-            </a:solidFill>
-          </a:ln>
-        </p:spPr>
-        <p:style>
-          <a:lnRef idx="2">
-            <a:schemeClr val="accent1">
-              <a:shade val="50000"/>
-            </a:schemeClr>
-          </a:lnRef>
-          <a:fillRef idx="1">
-            <a:schemeClr val="accent1"/>
-          </a:fillRef>
-          <a:effectRef idx="0">
-            <a:schemeClr val="accent1"/>
-          </a:effectRef>
-          <a:fontRef idx="minor">
-            <a:schemeClr val="lt1"/>
-          </a:fontRef>
-        </p:style>
-        <p:txBody>
-          <a:bodyPr rtlCol="0" anchor="ctr"/>
-          <a:lstStyle/>
-          <a:p>
-            <a:pPr algn="ctr"/>
-            <a:r>
-              <a:rPr lang="en-US" altLang="zh-TW" dirty="0">
-                <a:solidFill>
-                  <a:schemeClr val="tx1"/>
-                </a:solidFill>
-              </a:rPr>
-              <a:t>RD545</a:t>
-            </a:r>
-            <a:r>
-              <a:rPr lang="zh-TW" altLang="en-US" dirty="0">
-                <a:solidFill>
-                  <a:schemeClr val="tx1"/>
-                </a:solidFill>
-              </a:rPr>
-              <a:t> </a:t>
-            </a:r>
-            <a:r>
-              <a:rPr lang="en-US" altLang="zh-TW" dirty="0">
-                <a:solidFill>
-                  <a:schemeClr val="tx1"/>
-                </a:solidFill>
-              </a:rPr>
-              <a:t>Device Measurement </a:t>
-            </a:r>
-            <a:endParaRPr lang="zh-TW" altLang="en-US" dirty="0">
-              <a:solidFill>
-                <a:schemeClr val="tx1"/>
-              </a:solidFill>
-            </a:endParaRPr>
-          </a:p>
-        </p:txBody>
-      </p:sp>
-      <p:cxnSp>
-        <p:nvCxnSpPr>
-          <p:cNvPr id="63" name="接點: 肘形 62">
-            <a:extLst>
-              <a:ext uri="{FF2B5EF4-FFF2-40B4-BE49-F238E27FC236}">
-                <a16:creationId xmlns:a16="http://schemas.microsoft.com/office/drawing/2014/main" id="{EFAD7A4C-1CDE-483D-98F9-C84D9F7C28BD}"/>
-              </a:ext>
-            </a:extLst>
-          </p:cNvPr>
-          <p:cNvCxnSpPr>
-            <a:cxnSpLocks/>
-            <a:stCxn id="58" idx="3"/>
-          </p:cNvCxnSpPr>
-          <p:nvPr/>
-        </p:nvCxnSpPr>
-        <p:spPr>
-          <a:xfrm flipV="1">
-            <a:off x="8610600" y="4332198"/>
-            <a:ext cx="1412483" cy="1760083"/>
-          </a:xfrm>
-          <a:prstGeom prst="bentConnector2">
-            <a:avLst/>
-          </a:prstGeom>
-          <a:ln w="19050">
-            <a:prstDash val="sysDash"/>
-            <a:tailEnd type="triangle"/>
-          </a:ln>
-        </p:spPr>
-        <p:style>
-          <a:lnRef idx="1">
-            <a:schemeClr val="accent1"/>
-          </a:lnRef>
-          <a:fillRef idx="0">
-            <a:schemeClr val="accent1"/>
-          </a:fillRef>
-          <a:effectRef idx="0">
-            <a:schemeClr val="accent1"/>
-          </a:effectRef>
-          <a:fontRef idx="minor">
-            <a:schemeClr val="tx1"/>
-          </a:fontRef>
-        </p:style>
-      </p:cxnSp>
-      <p:sp>
-        <p:nvSpPr>
-          <p:cNvPr id="65" name="矩形: 圓角 64">
-            <a:extLst>
-              <a:ext uri="{FF2B5EF4-FFF2-40B4-BE49-F238E27FC236}">
-                <a16:creationId xmlns:a16="http://schemas.microsoft.com/office/drawing/2014/main" id="{3AC88E5F-33C7-46DD-A10F-BE107081F090}"/>
-              </a:ext>
-            </a:extLst>
-          </p:cNvPr>
-          <p:cNvSpPr/>
-          <p:nvPr/>
-        </p:nvSpPr>
-        <p:spPr>
-          <a:xfrm>
-            <a:off x="9132633" y="3706690"/>
-            <a:ext cx="1780892" cy="635568"/>
-          </a:xfrm>
-          <a:prstGeom prst="roundRect">
-            <a:avLst/>
-          </a:prstGeom>
-          <a:noFill/>
-          <a:ln>
-            <a:solidFill>
-              <a:schemeClr val="tx1">
-                <a:lumMod val="75000"/>
-                <a:lumOff val="25000"/>
-              </a:schemeClr>
-            </a:solidFill>
-          </a:ln>
-        </p:spPr>
-        <p:style>
-          <a:lnRef idx="2">
-            <a:schemeClr val="accent1">
-              <a:shade val="50000"/>
-            </a:schemeClr>
-          </a:lnRef>
-          <a:fillRef idx="1">
-            <a:schemeClr val="accent1"/>
-          </a:fillRef>
-          <a:effectRef idx="0">
-            <a:schemeClr val="accent1"/>
-          </a:effectRef>
-          <a:fontRef idx="minor">
-            <a:schemeClr val="lt1"/>
-          </a:fontRef>
-        </p:style>
-        <p:txBody>
-          <a:bodyPr rtlCol="0" anchor="ctr"/>
-          <a:lstStyle/>
-          <a:p>
-            <a:pPr algn="ctr"/>
-            <a:r>
-              <a:rPr lang="en-US" altLang="zh-TW" dirty="0">
-                <a:solidFill>
-                  <a:schemeClr val="tx1"/>
-                </a:solidFill>
-              </a:rPr>
-              <a:t>Measurement Data Get</a:t>
-            </a:r>
-            <a:endParaRPr lang="zh-TW" altLang="en-US" dirty="0">
-              <a:solidFill>
-                <a:schemeClr val="tx1"/>
-              </a:solidFill>
-            </a:endParaRPr>
-          </a:p>
-        </p:txBody>
-      </p:sp>
-      <p:sp>
-        <p:nvSpPr>
-          <p:cNvPr id="67" name="文字方塊 66">
-            <a:extLst>
-              <a:ext uri="{FF2B5EF4-FFF2-40B4-BE49-F238E27FC236}">
-                <a16:creationId xmlns:a16="http://schemas.microsoft.com/office/drawing/2014/main" id="{E5EEA9D4-2A19-421D-9BBC-94777EA6017E}"/>
-              </a:ext>
-            </a:extLst>
-          </p:cNvPr>
-          <p:cNvSpPr txBox="1"/>
-          <p:nvPr/>
-        </p:nvSpPr>
-        <p:spPr>
-          <a:xfrm>
-            <a:off x="8975559" y="5769115"/>
-            <a:ext cx="2095041" cy="646331"/>
-          </a:xfrm>
-          <a:prstGeom prst="rect">
-            <a:avLst/>
-          </a:prstGeom>
-          <a:noFill/>
-        </p:spPr>
-        <p:txBody>
-          <a:bodyPr wrap="square">
-            <a:spAutoFit/>
-          </a:bodyPr>
-          <a:lstStyle/>
-          <a:p>
-            <a:r>
-              <a:rPr lang="en-US" altLang="zh-TW" dirty="0" err="1">
-                <a:solidFill>
-                  <a:schemeClr val="accent1"/>
-                </a:solidFill>
-              </a:rPr>
-              <a:t>Ble</a:t>
-            </a:r>
-            <a:r>
-              <a:rPr lang="en-US" altLang="zh-TW" dirty="0">
-                <a:solidFill>
-                  <a:schemeClr val="accent1"/>
-                </a:solidFill>
-              </a:rPr>
-              <a:t> Pass Measurement Data</a:t>
-            </a:r>
-            <a:endParaRPr lang="zh-TW" altLang="en-US" dirty="0"/>
-          </a:p>
-        </p:txBody>
-      </p:sp>
-      <p:sp>
-        <p:nvSpPr>
-          <p:cNvPr id="68" name="雲朵形 67">
-            <a:extLst>
-              <a:ext uri="{FF2B5EF4-FFF2-40B4-BE49-F238E27FC236}">
-                <a16:creationId xmlns:a16="http://schemas.microsoft.com/office/drawing/2014/main" id="{27A0946F-6339-45E9-A0BD-2C5153771188}"/>
-              </a:ext>
-            </a:extLst>
-          </p:cNvPr>
-          <p:cNvSpPr/>
-          <p:nvPr/>
-        </p:nvSpPr>
-        <p:spPr>
-          <a:xfrm>
-            <a:off x="9014878" y="360927"/>
-            <a:ext cx="2017185" cy="1016789"/>
-          </a:xfrm>
-          <a:prstGeom prst="cloud">
-            <a:avLst/>
-          </a:prstGeom>
-          <a:noFill/>
-          <a:ln>
-            <a:solidFill>
-              <a:srgbClr val="00B0F0"/>
-            </a:solidFill>
-          </a:ln>
-        </p:spPr>
-        <p:style>
-          <a:lnRef idx="2">
-            <a:schemeClr val="accent1">
-              <a:shade val="50000"/>
-            </a:schemeClr>
-          </a:lnRef>
-          <a:fillRef idx="1">
-            <a:schemeClr val="accent1"/>
-          </a:fillRef>
-          <a:effectRef idx="0">
-            <a:schemeClr val="accent1"/>
-          </a:effectRef>
-          <a:fontRef idx="minor">
-            <a:schemeClr val="lt1"/>
-          </a:fontRef>
-        </p:style>
-        <p:txBody>
-          <a:bodyPr rtlCol="0" anchor="ctr"/>
-          <a:lstStyle/>
-          <a:p>
-            <a:pPr algn="ctr"/>
-            <a:r>
-              <a:rPr lang="en-US" altLang="zh-TW" dirty="0">
-                <a:solidFill>
-                  <a:srgbClr val="00B0F0"/>
-                </a:solidFill>
-              </a:rPr>
-              <a:t>Cloud Server App</a:t>
-            </a:r>
-            <a:endParaRPr lang="zh-TW" altLang="en-US" dirty="0">
-              <a:solidFill>
-                <a:srgbClr val="00B0F0"/>
-              </a:solidFill>
-            </a:endParaRPr>
-          </a:p>
-        </p:txBody>
-      </p:sp>
-      <p:sp>
-        <p:nvSpPr>
-          <p:cNvPr id="70" name="矩形: 圓角 69">
-            <a:extLst>
-              <a:ext uri="{FF2B5EF4-FFF2-40B4-BE49-F238E27FC236}">
-                <a16:creationId xmlns:a16="http://schemas.microsoft.com/office/drawing/2014/main" id="{3F83DA63-AC4D-4341-B5F2-836ACF5328D0}"/>
-              </a:ext>
-            </a:extLst>
-          </p:cNvPr>
-          <p:cNvSpPr/>
-          <p:nvPr/>
-        </p:nvSpPr>
-        <p:spPr>
-          <a:xfrm>
-            <a:off x="8975559" y="1830332"/>
-            <a:ext cx="2095040" cy="458567"/>
-          </a:xfrm>
-          <a:prstGeom prst="roundRect">
-            <a:avLst/>
-          </a:prstGeom>
-          <a:noFill/>
-          <a:ln>
-            <a:solidFill>
-              <a:schemeClr val="tx1">
-                <a:lumMod val="75000"/>
-                <a:lumOff val="25000"/>
-              </a:schemeClr>
-            </a:solidFill>
-          </a:ln>
-        </p:spPr>
-        <p:style>
-          <a:lnRef idx="2">
-            <a:schemeClr val="accent1">
-              <a:shade val="50000"/>
-            </a:schemeClr>
-          </a:lnRef>
-          <a:fillRef idx="1">
-            <a:schemeClr val="accent1"/>
-          </a:fillRef>
-          <a:effectRef idx="0">
-            <a:schemeClr val="accent1"/>
-          </a:effectRef>
-          <a:fontRef idx="minor">
-            <a:schemeClr val="lt1"/>
-          </a:fontRef>
-        </p:style>
-        <p:txBody>
-          <a:bodyPr rtlCol="0" anchor="ctr"/>
-          <a:lstStyle/>
-          <a:p>
-            <a:pPr algn="ctr"/>
-            <a:r>
-              <a:rPr lang="en-US" altLang="zh-TW" dirty="0">
-                <a:solidFill>
-                  <a:schemeClr val="tx1"/>
-                </a:solidFill>
-              </a:rPr>
-              <a:t>Pass Server Event</a:t>
-            </a:r>
-            <a:endParaRPr lang="zh-TW" altLang="en-US" dirty="0">
-              <a:solidFill>
-                <a:schemeClr val="tx1"/>
-              </a:solidFill>
-            </a:endParaRPr>
-          </a:p>
-        </p:txBody>
-      </p:sp>
-      <p:cxnSp>
-        <p:nvCxnSpPr>
-          <p:cNvPr id="71" name="直線單箭頭接點 70">
-            <a:extLst>
-              <a:ext uri="{FF2B5EF4-FFF2-40B4-BE49-F238E27FC236}">
-                <a16:creationId xmlns:a16="http://schemas.microsoft.com/office/drawing/2014/main" id="{5246AF2F-9E15-4EF2-839D-C62EE297C7CC}"/>
-              </a:ext>
-            </a:extLst>
-          </p:cNvPr>
-          <p:cNvCxnSpPr>
-            <a:cxnSpLocks/>
-            <a:stCxn id="65" idx="0"/>
-            <a:endCxn id="70" idx="2"/>
-          </p:cNvCxnSpPr>
-          <p:nvPr/>
-        </p:nvCxnSpPr>
-        <p:spPr>
-          <a:xfrm flipV="1">
-            <a:off x="10023079" y="2288899"/>
-            <a:ext cx="0" cy="1417791"/>
-          </a:xfrm>
-          <a:prstGeom prst="straightConnector1">
-            <a:avLst/>
-          </a:prstGeom>
-          <a:ln w="19050">
-            <a:solidFill>
-              <a:srgbClr val="FF0000"/>
-            </a:solidFill>
-            <a:prstDash val="sysDash"/>
-            <a:tailEnd type="triangle"/>
-          </a:ln>
-        </p:spPr>
-        <p:style>
-          <a:lnRef idx="1">
-            <a:schemeClr val="accent1"/>
-          </a:lnRef>
-          <a:fillRef idx="0">
-            <a:schemeClr val="accent1"/>
-          </a:fillRef>
-          <a:effectRef idx="0">
-            <a:schemeClr val="accent1"/>
-          </a:effectRef>
-          <a:fontRef idx="minor">
-            <a:schemeClr val="tx1"/>
-          </a:fontRef>
-        </p:style>
-      </p:cxnSp>
-      <p:cxnSp>
-        <p:nvCxnSpPr>
-          <p:cNvPr id="74" name="直線單箭頭接點 73">
-            <a:extLst>
-              <a:ext uri="{FF2B5EF4-FFF2-40B4-BE49-F238E27FC236}">
-                <a16:creationId xmlns:a16="http://schemas.microsoft.com/office/drawing/2014/main" id="{1E3969CA-13E2-4331-85C0-86801900585B}"/>
-              </a:ext>
-            </a:extLst>
-          </p:cNvPr>
-          <p:cNvCxnSpPr>
-            <a:cxnSpLocks/>
-            <a:stCxn id="70" idx="0"/>
-            <a:endCxn id="68" idx="1"/>
-          </p:cNvCxnSpPr>
-          <p:nvPr/>
-        </p:nvCxnSpPr>
-        <p:spPr>
-          <a:xfrm flipV="1">
-            <a:off x="10023079" y="1376633"/>
-            <a:ext cx="392" cy="453699"/>
-          </a:xfrm>
-          <a:prstGeom prst="straightConnector1">
-            <a:avLst/>
-          </a:prstGeom>
-          <a:ln w="19050">
-            <a:solidFill>
-              <a:srgbClr val="00B0F0"/>
-            </a:solidFill>
-            <a:prstDash val="sysDash"/>
-            <a:tailEnd type="triangle"/>
-          </a:ln>
-        </p:spPr>
-        <p:style>
-          <a:lnRef idx="1">
-            <a:schemeClr val="accent1"/>
-          </a:lnRef>
-          <a:fillRef idx="0">
-            <a:schemeClr val="accent1"/>
-          </a:fillRef>
-          <a:effectRef idx="0">
-            <a:schemeClr val="accent1"/>
-          </a:effectRef>
-          <a:fontRef idx="minor">
-            <a:schemeClr val="tx1"/>
-          </a:fontRef>
-        </p:style>
-      </p:cxnSp>
-      <p:sp>
-        <p:nvSpPr>
-          <p:cNvPr id="80" name="矩形: 圓角 79">
-            <a:extLst>
-              <a:ext uri="{FF2B5EF4-FFF2-40B4-BE49-F238E27FC236}">
-                <a16:creationId xmlns:a16="http://schemas.microsoft.com/office/drawing/2014/main" id="{E072A839-AD9A-41AF-AB00-F3921CBEEBFC}"/>
-              </a:ext>
-            </a:extLst>
-          </p:cNvPr>
-          <p:cNvSpPr/>
-          <p:nvPr/>
-        </p:nvSpPr>
-        <p:spPr>
-          <a:xfrm>
-            <a:off x="10168460" y="2721554"/>
-            <a:ext cx="902139" cy="635568"/>
-          </a:xfrm>
-          <a:prstGeom prst="roundRect">
-            <a:avLst/>
-          </a:prstGeom>
-          <a:noFill/>
-          <a:ln>
-            <a:solidFill>
-              <a:schemeClr val="tx1">
-                <a:lumMod val="75000"/>
-                <a:lumOff val="25000"/>
-              </a:schemeClr>
-            </a:solidFill>
-          </a:ln>
-        </p:spPr>
-        <p:style>
-          <a:lnRef idx="2">
-            <a:schemeClr val="accent1">
-              <a:shade val="50000"/>
-            </a:schemeClr>
-          </a:lnRef>
-          <a:fillRef idx="1">
-            <a:schemeClr val="accent1"/>
-          </a:fillRef>
-          <a:effectRef idx="0">
-            <a:schemeClr val="accent1"/>
-          </a:effectRef>
-          <a:fontRef idx="minor">
-            <a:schemeClr val="lt1"/>
-          </a:fontRef>
-        </p:style>
-        <p:txBody>
-          <a:bodyPr rtlCol="0" anchor="ctr"/>
-          <a:lstStyle/>
-          <a:p>
-            <a:pPr algn="ctr"/>
-            <a:r>
-              <a:rPr lang="en-US" altLang="zh-TW" dirty="0">
-                <a:solidFill>
-                  <a:schemeClr val="tx1"/>
-                </a:solidFill>
-              </a:rPr>
-              <a:t>UI</a:t>
-            </a:r>
-          </a:p>
-          <a:p>
-            <a:pPr algn="ctr"/>
-            <a:r>
-              <a:rPr lang="en-US" altLang="zh-TW" dirty="0">
-                <a:solidFill>
-                  <a:schemeClr val="tx1"/>
-                </a:solidFill>
-              </a:rPr>
-              <a:t>output</a:t>
-            </a:r>
-            <a:endParaRPr lang="zh-TW" altLang="en-US" dirty="0">
-              <a:solidFill>
-                <a:schemeClr val="tx1"/>
-              </a:solidFill>
-            </a:endParaRPr>
-          </a:p>
-        </p:txBody>
-      </p:sp>
-      <p:cxnSp>
-        <p:nvCxnSpPr>
-          <p:cNvPr id="81" name="直線單箭頭接點 80">
-            <a:extLst>
-              <a:ext uri="{FF2B5EF4-FFF2-40B4-BE49-F238E27FC236}">
-                <a16:creationId xmlns:a16="http://schemas.microsoft.com/office/drawing/2014/main" id="{E31A6EA7-BC07-45C1-BC91-86AACD3D3B6D}"/>
-              </a:ext>
-            </a:extLst>
-          </p:cNvPr>
-          <p:cNvCxnSpPr>
-            <a:cxnSpLocks/>
-            <a:endCxn id="80" idx="2"/>
-          </p:cNvCxnSpPr>
-          <p:nvPr/>
-        </p:nvCxnSpPr>
-        <p:spPr>
-          <a:xfrm flipV="1">
-            <a:off x="10619530" y="3357122"/>
-            <a:ext cx="0" cy="349568"/>
-          </a:xfrm>
-          <a:prstGeom prst="straightConnector1">
-            <a:avLst/>
-          </a:prstGeom>
-          <a:ln w="19050">
-            <a:solidFill>
-              <a:srgbClr val="FF0000"/>
-            </a:solidFill>
-            <a:prstDash val="sysDash"/>
-            <a:tailEnd type="triangle"/>
-          </a:ln>
-        </p:spPr>
-        <p:style>
-          <a:lnRef idx="1">
-            <a:schemeClr val="accent1"/>
-          </a:lnRef>
-          <a:fillRef idx="0">
-            <a:schemeClr val="accent1"/>
-          </a:fillRef>
-          <a:effectRef idx="0">
-            <a:schemeClr val="accent1"/>
-          </a:effectRef>
-          <a:fontRef idx="minor">
-            <a:schemeClr val="tx1"/>
-          </a:fontRef>
-        </p:style>
-      </p:cxnSp>
-      <p:sp>
-        <p:nvSpPr>
-          <p:cNvPr id="88" name="矩形: 摺角紙張 87">
-            <a:extLst>
-              <a:ext uri="{FF2B5EF4-FFF2-40B4-BE49-F238E27FC236}">
-                <a16:creationId xmlns:a16="http://schemas.microsoft.com/office/drawing/2014/main" id="{049C73AD-E4EF-4A3F-8E1D-8238DFBB91A6}"/>
-              </a:ext>
-            </a:extLst>
-          </p:cNvPr>
-          <p:cNvSpPr/>
-          <p:nvPr/>
-        </p:nvSpPr>
-        <p:spPr>
-          <a:xfrm rot="10800000">
-            <a:off x="11375844" y="2500697"/>
-            <a:ext cx="742275" cy="1081546"/>
-          </a:xfrm>
-          <a:prstGeom prst="foldedCorner">
-            <a:avLst>
-              <a:gd name="adj" fmla="val 25070"/>
-            </a:avLst>
-          </a:prstGeom>
-          <a:noFill/>
-          <a:ln>
-            <a:solidFill>
-              <a:schemeClr val="accent1">
-                <a:lumMod val="75000"/>
-              </a:schemeClr>
-            </a:solidFill>
-          </a:ln>
-        </p:spPr>
-        <p:style>
-          <a:lnRef idx="2">
-            <a:schemeClr val="accent1">
-              <a:shade val="50000"/>
-            </a:schemeClr>
-          </a:lnRef>
-          <a:fillRef idx="1">
-            <a:schemeClr val="accent1"/>
-          </a:fillRef>
-          <a:effectRef idx="0">
-            <a:schemeClr val="accent1"/>
-          </a:effectRef>
-          <a:fontRef idx="minor">
-            <a:schemeClr val="lt1"/>
-          </a:fontRef>
-        </p:style>
-        <p:txBody>
-          <a:bodyPr rtlCol="0" anchor="ctr"/>
-          <a:lstStyle/>
-          <a:p>
-            <a:pPr algn="ctr"/>
-            <a:endParaRPr lang="zh-TW" altLang="en-US" dirty="0">
-              <a:solidFill>
-                <a:srgbClr val="00B0F0"/>
-              </a:solidFill>
-            </a:endParaRPr>
-          </a:p>
-        </p:txBody>
-      </p:sp>
-      <p:cxnSp>
-        <p:nvCxnSpPr>
-          <p:cNvPr id="89" name="直線單箭頭接點 88">
-            <a:extLst>
-              <a:ext uri="{FF2B5EF4-FFF2-40B4-BE49-F238E27FC236}">
-                <a16:creationId xmlns:a16="http://schemas.microsoft.com/office/drawing/2014/main" id="{91830442-864D-4267-92D9-725698275EE7}"/>
-              </a:ext>
-            </a:extLst>
-          </p:cNvPr>
-          <p:cNvCxnSpPr>
-            <a:cxnSpLocks/>
-            <a:stCxn id="80" idx="3"/>
-            <a:endCxn id="88" idx="3"/>
-          </p:cNvCxnSpPr>
-          <p:nvPr/>
-        </p:nvCxnSpPr>
-        <p:spPr>
-          <a:xfrm>
-            <a:off x="11070599" y="3039338"/>
-            <a:ext cx="305245" cy="2132"/>
-          </a:xfrm>
-          <a:prstGeom prst="straightConnector1">
-            <a:avLst/>
-          </a:prstGeom>
-          <a:ln w="19050">
-            <a:solidFill>
-              <a:schemeClr val="accent1">
-                <a:lumMod val="75000"/>
-              </a:schemeClr>
-            </a:solidFill>
-            <a:prstDash val="sysDash"/>
-            <a:tailEnd type="triangle"/>
-          </a:ln>
-        </p:spPr>
-        <p:style>
-          <a:lnRef idx="1">
-            <a:schemeClr val="accent1"/>
-          </a:lnRef>
-          <a:fillRef idx="0">
-            <a:schemeClr val="accent1"/>
-          </a:fillRef>
-          <a:effectRef idx="0">
-            <a:schemeClr val="accent1"/>
-          </a:effectRef>
-          <a:fontRef idx="minor">
-            <a:schemeClr val="tx1"/>
-          </a:fontRef>
-        </p:style>
-      </p:cxnSp>
-      <p:sp>
-        <p:nvSpPr>
-          <p:cNvPr id="96" name="文字方塊 95">
-            <a:extLst>
-              <a:ext uri="{FF2B5EF4-FFF2-40B4-BE49-F238E27FC236}">
-                <a16:creationId xmlns:a16="http://schemas.microsoft.com/office/drawing/2014/main" id="{ED02D2D7-1194-466E-9032-28B547A2C938}"/>
-              </a:ext>
-            </a:extLst>
-          </p:cNvPr>
-          <p:cNvSpPr txBox="1"/>
-          <p:nvPr/>
-        </p:nvSpPr>
-        <p:spPr>
-          <a:xfrm>
-            <a:off x="11374829" y="2631837"/>
-            <a:ext cx="800215" cy="923330"/>
-          </a:xfrm>
-          <a:prstGeom prst="rect">
-            <a:avLst/>
-          </a:prstGeom>
-          <a:noFill/>
-        </p:spPr>
-        <p:txBody>
-          <a:bodyPr wrap="square" rtlCol="0">
-            <a:spAutoFit/>
-          </a:bodyPr>
-          <a:lstStyle/>
-          <a:p>
-            <a:r>
-              <a:rPr lang="en-US" altLang="zh-TW" dirty="0">
-                <a:solidFill>
-                  <a:schemeClr val="accent1">
-                    <a:lumMod val="75000"/>
-                  </a:schemeClr>
-                </a:solidFill>
-              </a:rPr>
-              <a:t>*.csv</a:t>
-            </a:r>
-          </a:p>
-          <a:p>
-            <a:r>
-              <a:rPr lang="en-US" altLang="zh-TW" dirty="0">
-                <a:solidFill>
-                  <a:schemeClr val="accent1">
-                    <a:lumMod val="75000"/>
-                  </a:schemeClr>
-                </a:solidFill>
-              </a:rPr>
-              <a:t>*.pdf</a:t>
-            </a:r>
-          </a:p>
-          <a:p>
-            <a:r>
-              <a:rPr lang="en-US" altLang="zh-TW" dirty="0">
-                <a:solidFill>
-                  <a:schemeClr val="accent1">
-                    <a:lumMod val="75000"/>
-                  </a:schemeClr>
-                </a:solidFill>
-              </a:rPr>
-              <a:t>*.jpg</a:t>
-            </a:r>
-            <a:endParaRPr lang="zh-TW" altLang="en-US" dirty="0">
-              <a:solidFill>
-                <a:schemeClr val="accent1">
-                  <a:lumMod val="75000"/>
-                </a:schemeClr>
-              </a:solidFill>
-            </a:endParaRPr>
-          </a:p>
-        </p:txBody>
-      </p:sp>
       <p:pic>
         <p:nvPicPr>
-          <p:cNvPr id="4" name="圖片 3">
-            <a:extLst>
-              <a:ext uri="{FF2B5EF4-FFF2-40B4-BE49-F238E27FC236}">
-                <a16:creationId xmlns:a16="http://schemas.microsoft.com/office/drawing/2014/main" id="{4B6E04D9-6017-46F7-8E39-AB7E473A5C22}"/>
+          <p:cNvPr id="40" name="圖片 39">
+            <a:extLst>
+              <a:ext uri="{FF2B5EF4-FFF2-40B4-BE49-F238E27FC236}">
+                <a16:creationId xmlns:a16="http://schemas.microsoft.com/office/drawing/2014/main" id="{33F52219-01B5-4E78-9C84-9B6FE4A26D74}"/>
               </a:ext>
             </a:extLst>
           </p:cNvPr>
@@ -6325,21 +4797,15 @@
           <p:nvPr/>
         </p:nvPicPr>
         <p:blipFill>
-          <a:blip r:embed="rId2">
-            <a:extLst>
-              <a:ext uri="{28A0092B-C50C-407E-A947-70E740481C1C}">
-                <a14:useLocalDpi xmlns:a14="http://schemas.microsoft.com/office/drawing/2010/main" val="0"/>
-              </a:ext>
-            </a:extLst>
-          </a:blip>
+          <a:blip r:embed="rId2"/>
           <a:stretch>
             <a:fillRect/>
           </a:stretch>
         </p:blipFill>
         <p:spPr>
           <a:xfrm>
-            <a:off x="87219" y="1166582"/>
-            <a:ext cx="2532098" cy="5626885"/>
+            <a:off x="9179766" y="1097821"/>
+            <a:ext cx="1826208" cy="1997670"/>
           </a:xfrm>
           <a:prstGeom prst="rect">
             <a:avLst/>
@@ -6348,10 +4814,10 @@
       </p:pic>
       <p:sp>
         <p:nvSpPr>
-          <p:cNvPr id="36" name="文字方塊 35">
-            <a:extLst>
-              <a:ext uri="{FF2B5EF4-FFF2-40B4-BE49-F238E27FC236}">
-                <a16:creationId xmlns:a16="http://schemas.microsoft.com/office/drawing/2014/main" id="{257F27CD-1695-40A9-862E-7292F9AA0EEC}"/>
+          <p:cNvPr id="45" name="文字方塊 44">
+            <a:extLst>
+              <a:ext uri="{FF2B5EF4-FFF2-40B4-BE49-F238E27FC236}">
+                <a16:creationId xmlns:a16="http://schemas.microsoft.com/office/drawing/2014/main" id="{E49634F5-CAD1-47B7-AAB8-D604B4F7C6E8}"/>
               </a:ext>
             </a:extLst>
           </p:cNvPr>
@@ -6360,203 +4826,66 @@
         </p:nvSpPr>
         <p:spPr>
           <a:xfrm>
-            <a:off x="618831" y="2149552"/>
-            <a:ext cx="844550" cy="369332"/>
+            <a:off x="6151357" y="674391"/>
+            <a:ext cx="2881955" cy="369332"/>
           </a:xfrm>
           <a:prstGeom prst="rect">
             <a:avLst/>
           </a:prstGeom>
           <a:noFill/>
-        </p:spPr>
-        <p:txBody>
-          <a:bodyPr wrap="square">
+          <a:ln>
+            <a:noFill/>
+          </a:ln>
+        </p:spPr>
+        <p:txBody>
+          <a:bodyPr wrap="square" rtlCol="0">
             <a:spAutoFit/>
           </a:bodyPr>
           <a:lstStyle/>
           <a:p>
-            <a:pPr algn="ctr"/>
             <a:r>
               <a:rPr lang="en-US" altLang="zh-TW" dirty="0">
                 <a:solidFill>
-                  <a:srgbClr val="FF0000"/>
+                  <a:srgbClr val="00B050"/>
                 </a:solidFill>
               </a:rPr>
-              <a:t>App1</a:t>
+              <a:t>Bluetooth </a:t>
+            </a:r>
+            <a:r>
+              <a:rPr lang="en-US" altLang="zh-TW" dirty="0" smtClean="0">
+                <a:solidFill>
+                  <a:srgbClr val="00B050"/>
+                </a:solidFill>
+              </a:rPr>
+              <a:t>LE</a:t>
+            </a:r>
+            <a:r>
+              <a:rPr lang="zh-TW" altLang="en-US" dirty="0" smtClean="0">
+                <a:solidFill>
+                  <a:srgbClr val="00B050"/>
+                </a:solidFill>
+              </a:rPr>
+              <a:t> </a:t>
+            </a:r>
+            <a:r>
+              <a:rPr lang="en-US" altLang="zh-TW" dirty="0" smtClean="0">
+                <a:solidFill>
+                  <a:srgbClr val="00B050"/>
+                </a:solidFill>
+              </a:rPr>
+              <a:t>Control Test</a:t>
             </a:r>
             <a:endParaRPr lang="zh-TW" altLang="en-US" dirty="0">
               <a:solidFill>
-                <a:srgbClr val="FF0000"/>
+                <a:srgbClr val="00B050"/>
               </a:solidFill>
             </a:endParaRPr>
           </a:p>
         </p:txBody>
       </p:sp>
-      <p:sp>
-        <p:nvSpPr>
-          <p:cNvPr id="38" name="文字方塊 37">
-            <a:extLst>
-              <a:ext uri="{FF2B5EF4-FFF2-40B4-BE49-F238E27FC236}">
-                <a16:creationId xmlns:a16="http://schemas.microsoft.com/office/drawing/2014/main" id="{22ECA52D-C1D8-47F5-9414-5955716D7E59}"/>
-              </a:ext>
-            </a:extLst>
-          </p:cNvPr>
-          <p:cNvSpPr txBox="1"/>
-          <p:nvPr/>
-        </p:nvSpPr>
-        <p:spPr>
-          <a:xfrm>
-            <a:off x="1356553" y="2149552"/>
-            <a:ext cx="751417" cy="369332"/>
-          </a:xfrm>
-          <a:prstGeom prst="rect">
-            <a:avLst/>
-          </a:prstGeom>
-          <a:noFill/>
-        </p:spPr>
-        <p:txBody>
-          <a:bodyPr wrap="square">
-            <a:spAutoFit/>
-          </a:bodyPr>
-          <a:lstStyle/>
-          <a:p>
-            <a:pPr algn="ctr"/>
-            <a:r>
-              <a:rPr lang="en-US" altLang="zh-TW" dirty="0">
-                <a:solidFill>
-                  <a:schemeClr val="accent1"/>
-                </a:solidFill>
-              </a:rPr>
-              <a:t>App2</a:t>
-            </a:r>
-            <a:endParaRPr lang="zh-TW" altLang="en-US" dirty="0">
-              <a:solidFill>
-                <a:schemeClr val="accent1"/>
-              </a:solidFill>
-            </a:endParaRPr>
-          </a:p>
-        </p:txBody>
-      </p:sp>
-      <p:sp>
-        <p:nvSpPr>
-          <p:cNvPr id="39" name="矩形: 圓角 38">
-            <a:extLst>
-              <a:ext uri="{FF2B5EF4-FFF2-40B4-BE49-F238E27FC236}">
-                <a16:creationId xmlns:a16="http://schemas.microsoft.com/office/drawing/2014/main" id="{B71B5CA5-A95D-47C7-9429-84A706FC73B0}"/>
-              </a:ext>
-            </a:extLst>
-          </p:cNvPr>
-          <p:cNvSpPr/>
-          <p:nvPr/>
-        </p:nvSpPr>
-        <p:spPr>
-          <a:xfrm>
-            <a:off x="712747" y="1518102"/>
-            <a:ext cx="643584" cy="1023098"/>
-          </a:xfrm>
-          <a:prstGeom prst="roundRect">
-            <a:avLst/>
-          </a:prstGeom>
-          <a:noFill/>
-          <a:ln>
-            <a:solidFill>
-              <a:srgbClr val="FF0000"/>
-            </a:solidFill>
-          </a:ln>
-        </p:spPr>
-        <p:style>
-          <a:lnRef idx="2">
-            <a:schemeClr val="accent1">
-              <a:shade val="50000"/>
-            </a:schemeClr>
-          </a:lnRef>
-          <a:fillRef idx="1">
-            <a:schemeClr val="accent1"/>
-          </a:fillRef>
-          <a:effectRef idx="0">
-            <a:schemeClr val="accent1"/>
-          </a:effectRef>
-          <a:fontRef idx="minor">
-            <a:schemeClr val="lt1"/>
-          </a:fontRef>
-        </p:style>
-        <p:txBody>
-          <a:bodyPr rtlCol="0" anchor="ctr"/>
-          <a:lstStyle/>
-          <a:p>
-            <a:pPr algn="ctr"/>
-            <a:endParaRPr lang="zh-TW" altLang="en-US" dirty="0">
-              <a:solidFill>
-                <a:srgbClr val="FF0000"/>
-              </a:solidFill>
-            </a:endParaRPr>
-          </a:p>
-        </p:txBody>
-      </p:sp>
-      <p:sp>
-        <p:nvSpPr>
-          <p:cNvPr id="41" name="矩形: 圓角 40">
-            <a:extLst>
-              <a:ext uri="{FF2B5EF4-FFF2-40B4-BE49-F238E27FC236}">
-                <a16:creationId xmlns:a16="http://schemas.microsoft.com/office/drawing/2014/main" id="{37614059-BE27-4177-A35A-9E5F33435268}"/>
-              </a:ext>
-            </a:extLst>
-          </p:cNvPr>
-          <p:cNvSpPr/>
-          <p:nvPr/>
-        </p:nvSpPr>
-        <p:spPr>
-          <a:xfrm>
-            <a:off x="1387846" y="1518101"/>
-            <a:ext cx="643584" cy="1023098"/>
-          </a:xfrm>
-          <a:prstGeom prst="roundRect">
-            <a:avLst/>
-          </a:prstGeom>
-          <a:noFill/>
-          <a:ln>
-            <a:solidFill>
-              <a:schemeClr val="accent1"/>
-            </a:solidFill>
-          </a:ln>
-        </p:spPr>
-        <p:style>
-          <a:lnRef idx="2">
-            <a:schemeClr val="accent1">
-              <a:shade val="50000"/>
-            </a:schemeClr>
-          </a:lnRef>
-          <a:fillRef idx="1">
-            <a:schemeClr val="accent1"/>
-          </a:fillRef>
-          <a:effectRef idx="0">
-            <a:schemeClr val="accent1"/>
-          </a:effectRef>
-          <a:fontRef idx="minor">
-            <a:schemeClr val="lt1"/>
-          </a:fontRef>
-        </p:style>
-        <p:txBody>
-          <a:bodyPr rtlCol="0" anchor="ctr"/>
-          <a:lstStyle/>
-          <a:p>
-            <a:pPr algn="ctr"/>
-            <a:endParaRPr lang="zh-TW" altLang="en-US" dirty="0">
-              <a:solidFill>
-                <a:srgbClr val="FF0000"/>
-              </a:solidFill>
-            </a:endParaRPr>
-          </a:p>
-        </p:txBody>
-      </p:sp>
       <p:pic>
         <p:nvPicPr>
-          <p:cNvPr id="8" name="圖片 7">
-            <a:extLst>
-              <a:ext uri="{FF2B5EF4-FFF2-40B4-BE49-F238E27FC236}">
-                <a16:creationId xmlns:a16="http://schemas.microsoft.com/office/drawing/2014/main" id="{33F52219-01B5-4E78-9C84-9B6FE4A26D74}"/>
-              </a:ext>
-            </a:extLst>
-          </p:cNvPr>
+          <p:cNvPr id="5" name="圖片 4"/>
           <p:cNvPicPr>
             <a:picLocks noChangeAspect="1"/>
           </p:cNvPicPr>
@@ -6570,8 +4899,8 @@
         </p:blipFill>
         <p:spPr>
           <a:xfrm>
-            <a:off x="3126922" y="1060780"/>
-            <a:ext cx="1826208" cy="1997670"/>
+            <a:off x="308558" y="1137032"/>
+            <a:ext cx="2763099" cy="2302583"/>
           </a:xfrm>
           <a:prstGeom prst="rect">
             <a:avLst/>
@@ -6580,20 +4909,68 @@
       </p:pic>
       <p:sp>
         <p:nvSpPr>
-          <p:cNvPr id="9" name="文字方塊 8">
-            <a:extLst>
-              <a:ext uri="{FF2B5EF4-FFF2-40B4-BE49-F238E27FC236}">
-                <a16:creationId xmlns:a16="http://schemas.microsoft.com/office/drawing/2014/main" id="{E433CD50-8A1E-4F39-AEE4-5699DF73FB02}"/>
-              </a:ext>
-            </a:extLst>
-          </p:cNvPr>
+          <p:cNvPr id="6" name="矩形 5"/>
+          <p:cNvSpPr/>
+          <p:nvPr/>
+        </p:nvSpPr>
+        <p:spPr>
+          <a:xfrm>
+            <a:off x="9277870" y="784813"/>
+            <a:ext cx="1483547" cy="369332"/>
+          </a:xfrm>
+          <a:prstGeom prst="rect">
+            <a:avLst/>
+          </a:prstGeom>
+        </p:spPr>
+        <p:txBody>
+          <a:bodyPr wrap="none">
+            <a:spAutoFit/>
+          </a:bodyPr>
+          <a:lstStyle/>
+          <a:p>
+            <a:pPr algn="ctr"/>
+            <a:r>
+              <a:rPr lang="en-US" altLang="zh-TW" dirty="0"/>
+              <a:t>RD545 Device</a:t>
+            </a:r>
+            <a:endParaRPr lang="zh-TW" altLang="en-US" dirty="0"/>
+          </a:p>
+        </p:txBody>
+      </p:sp>
+      <p:pic>
+        <p:nvPicPr>
+          <p:cNvPr id="7" name="圖片 6"/>
+          <p:cNvPicPr>
+            <a:picLocks noChangeAspect="1"/>
+          </p:cNvPicPr>
+          <p:nvPr/>
+        </p:nvPicPr>
+        <p:blipFill>
+          <a:blip r:embed="rId4"/>
+          <a:stretch>
+            <a:fillRect/>
+          </a:stretch>
+        </p:blipFill>
+        <p:spPr>
+          <a:xfrm>
+            <a:off x="4769809" y="1137032"/>
+            <a:ext cx="2763099" cy="2302583"/>
+          </a:xfrm>
+          <a:prstGeom prst="rect">
+            <a:avLst/>
+          </a:prstGeom>
+        </p:spPr>
+      </p:pic>
+      <p:sp>
+        <p:nvSpPr>
+          <p:cNvPr id="10" name="文字方塊 9"/>
           <p:cNvSpPr txBox="1"/>
           <p:nvPr/>
         </p:nvSpPr>
         <p:spPr>
           <a:xfrm>
-            <a:off x="259845" y="788343"/>
-            <a:ext cx="4891631" cy="369332"/>
+            <a:off x="4851097" y="797540"/>
+            <a:ext cx="1014804" cy="369332"/>
           </a:xfrm>
           <a:prstGeom prst="rect">
             <a:avLst/>
@@ -6606,26 +4983,39 @@
           </a:bodyPr>
           <a:lstStyle/>
           <a:p>
-            <a:pPr algn="ctr"/>
-            <a:r>
-              <a:rPr lang="en-US" altLang="zh-TW" dirty="0"/>
-              <a:t>Android</a:t>
-            </a:r>
-            <a:r>
-              <a:rPr lang="zh-TW" altLang="en-US" dirty="0"/>
-              <a:t> </a:t>
-            </a:r>
-            <a:r>
-              <a:rPr lang="en-US" altLang="zh-TW" dirty="0"/>
-              <a:t>OS</a:t>
-            </a:r>
-            <a:r>
-              <a:rPr lang="zh-TW" altLang="en-US" dirty="0"/>
-              <a:t>                                 </a:t>
-            </a:r>
-            <a:r>
-              <a:rPr lang="en-US" altLang="zh-TW" dirty="0"/>
-              <a:t>RD545 Device</a:t>
+            <a:r>
+              <a:rPr lang="en-US" altLang="zh-TW" dirty="0" smtClean="0"/>
+              <a:t>Activity2</a:t>
+            </a:r>
+            <a:endParaRPr lang="zh-TW" altLang="en-US" dirty="0"/>
+          </a:p>
+        </p:txBody>
+      </p:sp>
+      <p:sp>
+        <p:nvSpPr>
+          <p:cNvPr id="47" name="文字方塊 46"/>
+          <p:cNvSpPr txBox="1"/>
+          <p:nvPr/>
+        </p:nvSpPr>
+        <p:spPr>
+          <a:xfrm>
+            <a:off x="1172972" y="817599"/>
+            <a:ext cx="1036875" cy="369332"/>
+          </a:xfrm>
+          <a:prstGeom prst="rect">
+            <a:avLst/>
+          </a:prstGeom>
+          <a:noFill/>
+        </p:spPr>
+        <p:txBody>
+          <a:bodyPr wrap="square" rtlCol="0">
+            <a:spAutoFit/>
+          </a:bodyPr>
+          <a:lstStyle/>
+          <a:p>
+            <a:r>
+              <a:rPr lang="en-US" altLang="zh-TW" dirty="0" smtClean="0"/>
+              <a:t>Activity1</a:t>
             </a:r>
             <a:endParaRPr lang="zh-TW" altLang="en-US" dirty="0"/>
           </a:p>
@@ -6633,28 +5023,25 @@
       </p:sp>
       <p:cxnSp>
         <p:nvCxnSpPr>
-          <p:cNvPr id="11" name="直線單箭頭接點 10">
-            <a:extLst>
-              <a:ext uri="{FF2B5EF4-FFF2-40B4-BE49-F238E27FC236}">
-                <a16:creationId xmlns:a16="http://schemas.microsoft.com/office/drawing/2014/main" id="{CD6ACC94-261E-443C-A45D-83DE1A201A54}"/>
-              </a:ext>
-            </a:extLst>
-          </p:cNvPr>
+          <p:cNvPr id="27" name="直線單箭頭接點 26"/>
           <p:cNvCxnSpPr>
-            <a:cxnSpLocks/>
+            <a:stCxn id="10" idx="3"/>
+            <a:endCxn id="6" idx="1"/>
           </p:cNvCxnSpPr>
           <p:nvPr/>
         </p:nvCxnSpPr>
         <p:spPr>
           <a:xfrm flipV="1">
-            <a:off x="1732261" y="973009"/>
-            <a:ext cx="1697777" cy="1"/>
+            <a:off x="5865901" y="969479"/>
+            <a:ext cx="3411969" cy="12727"/>
           </a:xfrm>
           <a:prstGeom prst="straightConnector1">
             <a:avLst/>
           </a:prstGeom>
-          <a:ln>
-            <a:headEnd type="triangle"/>
+          <a:ln w="38100">
+            <a:solidFill>
+              <a:srgbClr val="00B050"/>
+            </a:solidFill>
             <a:tailEnd type="triangle"/>
           </a:ln>
         </p:spPr>
@@ -6673,9 +5060,72 @@
           </a:fontRef>
         </p:style>
       </p:cxnSp>
-      <p:sp>
-        <p:nvSpPr>
-          <p:cNvPr id="12" name="文字方塊 11">
+      <p:pic>
+        <p:nvPicPr>
+          <p:cNvPr id="29" name="圖片 28"/>
+          <p:cNvPicPr>
+            <a:picLocks noChangeAspect="1"/>
+          </p:cNvPicPr>
+          <p:nvPr/>
+        </p:nvPicPr>
+        <p:blipFill>
+          <a:blip r:embed="rId5"/>
+          <a:stretch>
+            <a:fillRect/>
+          </a:stretch>
+        </p:blipFill>
+        <p:spPr>
+          <a:xfrm>
+            <a:off x="4775678" y="3500275"/>
+            <a:ext cx="2757230" cy="2297692"/>
+          </a:xfrm>
+          <a:prstGeom prst="rect">
+            <a:avLst/>
+          </a:prstGeom>
+        </p:spPr>
+      </p:pic>
+      <p:cxnSp>
+        <p:nvCxnSpPr>
+          <p:cNvPr id="53" name="肘形接點 52"/>
+          <p:cNvCxnSpPr>
+            <a:stCxn id="40" idx="2"/>
+            <a:endCxn id="29" idx="3"/>
+          </p:cNvCxnSpPr>
+          <p:nvPr/>
+        </p:nvCxnSpPr>
+        <p:spPr>
+          <a:xfrm rot="5400000">
+            <a:off x="8036074" y="2592325"/>
+            <a:ext cx="1553630" cy="2559962"/>
+          </a:xfrm>
+          <a:prstGeom prst="bentConnector2">
+            <a:avLst/>
+          </a:prstGeom>
+          <a:ln w="38100">
+            <a:solidFill>
+              <a:srgbClr val="00B050"/>
+            </a:solidFill>
+            <a:tailEnd type="triangle"/>
+          </a:ln>
+        </p:spPr>
+        <p:style>
+          <a:lnRef idx="1">
+            <a:schemeClr val="accent1"/>
+          </a:lnRef>
+          <a:fillRef idx="0">
+            <a:schemeClr val="accent1"/>
+          </a:fillRef>
+          <a:effectRef idx="0">
+            <a:schemeClr val="accent1"/>
+          </a:effectRef>
+          <a:fontRef idx="minor">
+            <a:schemeClr val="tx1"/>
+          </a:fontRef>
+        </p:style>
+      </p:cxnSp>
+      <p:sp>
+        <p:nvSpPr>
+          <p:cNvPr id="69" name="文字方塊 68">
             <a:extLst>
               <a:ext uri="{FF2B5EF4-FFF2-40B4-BE49-F238E27FC236}">
                 <a16:creationId xmlns:a16="http://schemas.microsoft.com/office/drawing/2014/main" id="{E49634F5-CAD1-47B7-AAB8-D604B4F7C6E8}"/>
@@ -6687,13 +5137,16 @@
         </p:nvSpPr>
         <p:spPr>
           <a:xfrm>
-            <a:off x="1972656" y="666191"/>
-            <a:ext cx="1448268" cy="369332"/>
+            <a:off x="7658100" y="4317889"/>
+            <a:ext cx="2434770" cy="369332"/>
           </a:xfrm>
           <a:prstGeom prst="rect">
             <a:avLst/>
           </a:prstGeom>
           <a:noFill/>
+          <a:ln>
+            <a:noFill/>
+          </a:ln>
         </p:spPr>
         <p:txBody>
           <a:bodyPr wrap="square" rtlCol="0">
@@ -6701,13 +5154,763 @@
           </a:bodyPr>
           <a:lstStyle/>
           <a:p>
+            <a:r>
+              <a:rPr lang="en-US" altLang="zh-TW" dirty="0">
+                <a:solidFill>
+                  <a:srgbClr val="00B050"/>
+                </a:solidFill>
+              </a:rPr>
+              <a:t>Bluetooth </a:t>
+            </a:r>
+            <a:r>
+              <a:rPr lang="en-US" altLang="zh-TW" dirty="0" smtClean="0">
+                <a:solidFill>
+                  <a:srgbClr val="00B050"/>
+                </a:solidFill>
+              </a:rPr>
+              <a:t>LE Read Data</a:t>
+            </a:r>
+            <a:endParaRPr lang="zh-TW" altLang="en-US" dirty="0">
+              <a:solidFill>
+                <a:srgbClr val="00B050"/>
+              </a:solidFill>
+            </a:endParaRPr>
+          </a:p>
+        </p:txBody>
+      </p:sp>
+      <p:sp>
+        <p:nvSpPr>
+          <p:cNvPr id="72" name="雲朵形 71">
+            <a:extLst>
+              <a:ext uri="{FF2B5EF4-FFF2-40B4-BE49-F238E27FC236}">
+                <a16:creationId xmlns:a16="http://schemas.microsoft.com/office/drawing/2014/main" id="{27A0946F-6339-45E9-A0BD-2C5153771188}"/>
+              </a:ext>
+            </a:extLst>
+          </p:cNvPr>
+          <p:cNvSpPr/>
+          <p:nvPr/>
+        </p:nvSpPr>
+        <p:spPr>
+          <a:xfrm>
+            <a:off x="8755760" y="5380961"/>
+            <a:ext cx="2675080" cy="1432703"/>
+          </a:xfrm>
+          <a:prstGeom prst="cloud">
+            <a:avLst/>
+          </a:prstGeom>
+          <a:noFill/>
+          <a:ln>
+            <a:solidFill>
+              <a:srgbClr val="00B0F0"/>
+            </a:solidFill>
+          </a:ln>
+        </p:spPr>
+        <p:style>
+          <a:lnRef idx="2">
+            <a:schemeClr val="accent1">
+              <a:shade val="50000"/>
+            </a:schemeClr>
+          </a:lnRef>
+          <a:fillRef idx="1">
+            <a:schemeClr val="accent1"/>
+          </a:fillRef>
+          <a:effectRef idx="0">
+            <a:schemeClr val="accent1"/>
+          </a:effectRef>
+          <a:fontRef idx="minor">
+            <a:schemeClr val="lt1"/>
+          </a:fontRef>
+        </p:style>
+        <p:txBody>
+          <a:bodyPr rtlCol="0" anchor="ctr"/>
+          <a:lstStyle/>
+          <a:p>
+            <a:pPr algn="ctr"/>
+            <a:r>
+              <a:rPr lang="en-US" altLang="zh-TW" dirty="0">
+                <a:solidFill>
+                  <a:srgbClr val="00B0F0"/>
+                </a:solidFill>
+              </a:rPr>
+              <a:t>Cloud Server App</a:t>
+            </a:r>
+            <a:endParaRPr lang="zh-TW" altLang="en-US" dirty="0">
+              <a:solidFill>
+                <a:srgbClr val="00B0F0"/>
+              </a:solidFill>
+            </a:endParaRPr>
+          </a:p>
+        </p:txBody>
+      </p:sp>
+      <p:cxnSp>
+        <p:nvCxnSpPr>
+          <p:cNvPr id="73" name="肘形接點 72"/>
+          <p:cNvCxnSpPr>
+            <a:endCxn id="72" idx="2"/>
+          </p:cNvCxnSpPr>
+          <p:nvPr/>
+        </p:nvCxnSpPr>
+        <p:spPr>
+          <a:xfrm>
+            <a:off x="6654800" y="5676900"/>
+            <a:ext cx="2109258" cy="420413"/>
+          </a:xfrm>
+          <a:prstGeom prst="bentConnector3">
+            <a:avLst>
+              <a:gd name="adj1" fmla="val 928"/>
+            </a:avLst>
+          </a:prstGeom>
+          <a:ln w="38100">
+            <a:solidFill>
+              <a:srgbClr val="00B0F0"/>
+            </a:solidFill>
+            <a:tailEnd type="triangle"/>
+          </a:ln>
+        </p:spPr>
+        <p:style>
+          <a:lnRef idx="1">
+            <a:schemeClr val="accent1"/>
+          </a:lnRef>
+          <a:fillRef idx="0">
+            <a:schemeClr val="accent1"/>
+          </a:fillRef>
+          <a:effectRef idx="0">
+            <a:schemeClr val="accent1"/>
+          </a:effectRef>
+          <a:fontRef idx="minor">
+            <a:schemeClr val="tx1"/>
+          </a:fontRef>
+        </p:style>
+      </p:cxnSp>
+      <p:cxnSp>
+        <p:nvCxnSpPr>
+          <p:cNvPr id="64" name="肘形接點 63"/>
+          <p:cNvCxnSpPr>
+            <a:endCxn id="10" idx="1"/>
+          </p:cNvCxnSpPr>
+          <p:nvPr/>
+        </p:nvCxnSpPr>
+        <p:spPr>
+          <a:xfrm flipV="1">
+            <a:off x="2603212" y="982206"/>
+            <a:ext cx="2247885" cy="2218723"/>
+          </a:xfrm>
+          <a:prstGeom prst="bentConnector3">
+            <a:avLst>
+              <a:gd name="adj1" fmla="val 44068"/>
+            </a:avLst>
+          </a:prstGeom>
+          <a:ln w="38100">
+            <a:solidFill>
+              <a:srgbClr val="FFC000"/>
+            </a:solidFill>
+            <a:tailEnd type="triangle"/>
+          </a:ln>
+        </p:spPr>
+        <p:style>
+          <a:lnRef idx="1">
+            <a:schemeClr val="accent1"/>
+          </a:lnRef>
+          <a:fillRef idx="0">
+            <a:schemeClr val="accent1"/>
+          </a:fillRef>
+          <a:effectRef idx="0">
+            <a:schemeClr val="accent1"/>
+          </a:effectRef>
+          <a:fontRef idx="minor">
+            <a:schemeClr val="tx1"/>
+          </a:fontRef>
+        </p:style>
+      </p:cxnSp>
+      <p:sp>
+        <p:nvSpPr>
+          <p:cNvPr id="90" name="文字方塊 89">
+            <a:extLst>
+              <a:ext uri="{FF2B5EF4-FFF2-40B4-BE49-F238E27FC236}">
+                <a16:creationId xmlns:a16="http://schemas.microsoft.com/office/drawing/2014/main" id="{D930549F-59AD-4918-8345-7B99F453B9F6}"/>
+              </a:ext>
+            </a:extLst>
+          </p:cNvPr>
+          <p:cNvSpPr txBox="1"/>
+          <p:nvPr/>
+        </p:nvSpPr>
+        <p:spPr>
+          <a:xfrm>
+            <a:off x="107546" y="3802735"/>
+            <a:ext cx="4542940" cy="1015663"/>
+          </a:xfrm>
+          <a:prstGeom prst="rect">
+            <a:avLst/>
+          </a:prstGeom>
+          <a:noFill/>
+        </p:spPr>
+        <p:txBody>
+          <a:bodyPr wrap="square" rtlCol="0">
+            <a:spAutoFit/>
+          </a:bodyPr>
+          <a:lstStyle/>
+          <a:p>
+            <a:r>
+              <a:rPr lang="en-US" altLang="zh-TW" sz="2000" dirty="0"/>
+              <a:t>This example has two Activities</a:t>
+            </a:r>
+            <a:r>
+              <a:rPr lang="en-US" altLang="zh-TW" sz="2000" dirty="0" smtClean="0"/>
+              <a:t>:</a:t>
+            </a:r>
+          </a:p>
+          <a:p>
+            <a:pPr marL="457200" indent="-457200">
+              <a:buAutoNum type="arabicPeriod"/>
+            </a:pPr>
+            <a:r>
+              <a:rPr lang="en-US" altLang="zh-TW" sz="2000" dirty="0" smtClean="0"/>
+              <a:t>Set </a:t>
+            </a:r>
+            <a:r>
+              <a:rPr lang="en-US" altLang="zh-TW" sz="2000" dirty="0"/>
+              <a:t>up user </a:t>
+            </a:r>
+            <a:r>
+              <a:rPr lang="en-US" altLang="zh-TW" sz="2000" dirty="0" smtClean="0"/>
+              <a:t>identity.</a:t>
+            </a:r>
+          </a:p>
+          <a:p>
+            <a:pPr marL="457200" indent="-457200">
+              <a:buAutoNum type="arabicPeriod"/>
+            </a:pPr>
+            <a:r>
+              <a:rPr lang="en-US" altLang="zh-TW" sz="2000" dirty="0" smtClean="0"/>
+              <a:t>Start test </a:t>
+            </a:r>
+            <a:r>
+              <a:rPr lang="en-US" altLang="zh-TW" sz="2000" dirty="0"/>
+              <a:t>and </a:t>
+            </a:r>
+            <a:r>
+              <a:rPr lang="en-US" altLang="zh-TW" sz="2000" dirty="0" smtClean="0"/>
+              <a:t>update cloud server.</a:t>
+            </a:r>
+            <a:endParaRPr lang="en-US" altLang="zh-TW" sz="2000" dirty="0"/>
+          </a:p>
+        </p:txBody>
+      </p:sp>
+      <p:sp>
+        <p:nvSpPr>
+          <p:cNvPr id="98" name="矩形 97"/>
+          <p:cNvSpPr/>
+          <p:nvPr/>
+        </p:nvSpPr>
+        <p:spPr>
+          <a:xfrm>
+            <a:off x="3465022" y="1877110"/>
+            <a:ext cx="1143000" cy="646331"/>
+          </a:xfrm>
+          <a:prstGeom prst="rect">
+            <a:avLst/>
+          </a:prstGeom>
+        </p:spPr>
+        <p:txBody>
+          <a:bodyPr wrap="square">
+            <a:spAutoFit/>
+          </a:bodyPr>
+          <a:lstStyle/>
+          <a:p>
+            <a:pPr algn="ctr"/>
+            <a:r>
+              <a:rPr lang="en-US" altLang="zh-TW" dirty="0">
+                <a:solidFill>
+                  <a:srgbClr val="FFC000"/>
+                </a:solidFill>
+              </a:rPr>
+              <a:t>Message</a:t>
+            </a:r>
+          </a:p>
+          <a:p>
+            <a:pPr algn="ctr"/>
+            <a:r>
+              <a:rPr lang="en-US" altLang="zh-TW" dirty="0">
+                <a:solidFill>
+                  <a:srgbClr val="FFC000"/>
+                </a:solidFill>
+              </a:rPr>
+              <a:t>Intent </a:t>
+            </a:r>
+            <a:endParaRPr lang="en-US" altLang="zh-TW" dirty="0">
+              <a:solidFill>
+                <a:srgbClr val="FFC000"/>
+              </a:solidFill>
+            </a:endParaRPr>
+          </a:p>
+        </p:txBody>
+      </p:sp>
+      <p:sp>
+        <p:nvSpPr>
+          <p:cNvPr id="99" name="文字方塊 98">
+            <a:extLst>
+              <a:ext uri="{FF2B5EF4-FFF2-40B4-BE49-F238E27FC236}">
+                <a16:creationId xmlns:a16="http://schemas.microsoft.com/office/drawing/2014/main" id="{E49634F5-CAD1-47B7-AAB8-D604B4F7C6E8}"/>
+              </a:ext>
+            </a:extLst>
+          </p:cNvPr>
+          <p:cNvSpPr txBox="1"/>
+          <p:nvPr/>
+        </p:nvSpPr>
+        <p:spPr>
+          <a:xfrm>
+            <a:off x="6364067" y="6108140"/>
+            <a:ext cx="2511418" cy="369332"/>
+          </a:xfrm>
+          <a:prstGeom prst="rect">
+            <a:avLst/>
+          </a:prstGeom>
+          <a:noFill/>
+          <a:ln>
+            <a:noFill/>
+          </a:ln>
+        </p:spPr>
+        <p:txBody>
+          <a:bodyPr wrap="square" rtlCol="0">
+            <a:spAutoFit/>
+          </a:bodyPr>
+          <a:lstStyle/>
+          <a:p>
+            <a:r>
+              <a:rPr lang="en-US" altLang="zh-TW" dirty="0">
+                <a:solidFill>
+                  <a:srgbClr val="00B0F0"/>
+                </a:solidFill>
+              </a:rPr>
+              <a:t>Wi-Fi or 4G/5G Network</a:t>
+            </a:r>
+            <a:endParaRPr lang="zh-TW" altLang="en-US" dirty="0">
+              <a:solidFill>
+                <a:srgbClr val="00B0F0"/>
+              </a:solidFill>
+            </a:endParaRPr>
+          </a:p>
+        </p:txBody>
+      </p:sp>
+      <p:sp>
+        <p:nvSpPr>
+          <p:cNvPr id="101" name="文字方塊 100"/>
+          <p:cNvSpPr txBox="1"/>
+          <p:nvPr/>
+        </p:nvSpPr>
+        <p:spPr>
+          <a:xfrm>
+            <a:off x="9494690" y="-11052"/>
+            <a:ext cx="3022568" cy="369332"/>
+          </a:xfrm>
+          <a:prstGeom prst="rect">
+            <a:avLst/>
+          </a:prstGeom>
+          <a:noFill/>
+        </p:spPr>
+        <p:txBody>
+          <a:bodyPr wrap="square" rtlCol="0">
+            <a:spAutoFit/>
+          </a:bodyPr>
+          <a:lstStyle/>
+          <a:p>
+            <a:r>
+              <a:rPr lang="en-US" altLang="zh-TW" dirty="0" smtClean="0"/>
+              <a:t>Reference from TANITA API</a:t>
+            </a:r>
+            <a:endParaRPr lang="zh-TW" altLang="en-US" dirty="0"/>
+          </a:p>
+        </p:txBody>
+      </p:sp>
+    </p:spTree>
+    <p:extLst>
+      <p:ext uri="{BB962C8B-B14F-4D97-AF65-F5344CB8AC3E}">
+        <p14:creationId xmlns:p14="http://schemas.microsoft.com/office/powerpoint/2010/main" val="3951226644"/>
+      </p:ext>
+    </p:extLst>
+  </p:cSld>
+  <p:clrMapOvr>
+    <a:masterClrMapping/>
+  </p:clrMapOvr>
+</p:sld>
+</file>
+
+<file path=ppt/slides/slide5.xml><?xml version="1.0" encoding="utf-8"?>
+<p:sld xmlns:a="http://schemas.openxmlformats.org/drawingml/2006/main" xmlns:r="http://schemas.openxmlformats.org/officeDocument/2006/relationships" xmlns:p="http://schemas.openxmlformats.org/presentationml/2006/main">
+  <p:cSld>
+    <p:spTree>
+      <p:nvGrpSpPr>
+        <p:cNvPr id="1" name=""/>
+        <p:cNvGrpSpPr/>
+        <p:nvPr/>
+      </p:nvGrpSpPr>
+      <p:grpSpPr>
+        <a:xfrm>
+          <a:off x="0" y="0"/>
+          <a:ext cx="0" cy="0"/>
+          <a:chOff x="0" y="0"/>
+          <a:chExt cx="0" cy="0"/>
+        </a:xfrm>
+      </p:grpSpPr>
+      <p:sp>
+        <p:nvSpPr>
+          <p:cNvPr id="2" name="標題 1">
+            <a:extLst>
+              <a:ext uri="{FF2B5EF4-FFF2-40B4-BE49-F238E27FC236}">
+                <a16:creationId xmlns:a16="http://schemas.microsoft.com/office/drawing/2014/main" id="{8097AD09-7E5F-4C90-999F-B344884E6094}"/>
+              </a:ext>
+            </a:extLst>
+          </p:cNvPr>
+          <p:cNvSpPr>
+            <a:spLocks noGrp="1"/>
+          </p:cNvSpPr>
+          <p:nvPr>
+            <p:ph type="title"/>
+          </p:nvPr>
+        </p:nvSpPr>
+        <p:spPr>
+          <a:xfrm>
+            <a:off x="-1" y="0"/>
+            <a:ext cx="12039601" cy="922867"/>
+          </a:xfrm>
+        </p:spPr>
+        <p:txBody>
+          <a:bodyPr>
+            <a:normAutofit/>
+          </a:bodyPr>
+          <a:lstStyle/>
+          <a:p>
+            <a:r>
+              <a:rPr lang="en-US" altLang="zh-TW" dirty="0" smtClean="0"/>
+              <a:t>QRTest1(App1) Call Rd545cmd1(App2)</a:t>
+            </a:r>
+            <a:endParaRPr lang="zh-TW" altLang="en-US" dirty="0"/>
+          </a:p>
+        </p:txBody>
+      </p:sp>
+      <p:sp>
+        <p:nvSpPr>
+          <p:cNvPr id="14" name="矩形: 圓角 13">
+            <a:extLst>
+              <a:ext uri="{FF2B5EF4-FFF2-40B4-BE49-F238E27FC236}">
+                <a16:creationId xmlns:a16="http://schemas.microsoft.com/office/drawing/2014/main" id="{5E9E59B9-3319-40D2-9AB8-EBF3A9260D42}"/>
+              </a:ext>
+            </a:extLst>
+          </p:cNvPr>
+          <p:cNvSpPr/>
+          <p:nvPr/>
+        </p:nvSpPr>
+        <p:spPr>
+          <a:xfrm>
+            <a:off x="5264277" y="1829447"/>
+            <a:ext cx="1365116" cy="472418"/>
+          </a:xfrm>
+          <a:prstGeom prst="roundRect">
+            <a:avLst/>
+          </a:prstGeom>
+          <a:noFill/>
+          <a:ln>
+            <a:solidFill>
+              <a:schemeClr val="tx1">
+                <a:lumMod val="75000"/>
+                <a:lumOff val="25000"/>
+              </a:schemeClr>
+            </a:solidFill>
+          </a:ln>
+        </p:spPr>
+        <p:style>
+          <a:lnRef idx="2">
+            <a:schemeClr val="accent1">
+              <a:shade val="50000"/>
+            </a:schemeClr>
+          </a:lnRef>
+          <a:fillRef idx="1">
+            <a:schemeClr val="accent1"/>
+          </a:fillRef>
+          <a:effectRef idx="0">
+            <a:schemeClr val="accent1"/>
+          </a:effectRef>
+          <a:fontRef idx="minor">
+            <a:schemeClr val="lt1"/>
+          </a:fontRef>
+        </p:style>
+        <p:txBody>
+          <a:bodyPr rtlCol="0" anchor="ctr"/>
+          <a:lstStyle/>
+          <a:p>
+            <a:pPr algn="ctr"/>
+            <a:r>
+              <a:rPr lang="en-US" altLang="zh-TW" dirty="0">
+                <a:solidFill>
+                  <a:schemeClr val="tx1"/>
+                </a:solidFill>
+              </a:rPr>
+              <a:t>TempData1</a:t>
+            </a:r>
+            <a:endParaRPr lang="zh-TW" altLang="en-US" dirty="0">
+              <a:solidFill>
+                <a:schemeClr val="tx1"/>
+              </a:solidFill>
+            </a:endParaRPr>
+          </a:p>
+        </p:txBody>
+      </p:sp>
+      <p:cxnSp>
+        <p:nvCxnSpPr>
+          <p:cNvPr id="16" name="直線單箭頭接點 15">
+            <a:extLst>
+              <a:ext uri="{FF2B5EF4-FFF2-40B4-BE49-F238E27FC236}">
+                <a16:creationId xmlns:a16="http://schemas.microsoft.com/office/drawing/2014/main" id="{676044CD-868B-4822-8F99-3AC8CA36202E}"/>
+              </a:ext>
+            </a:extLst>
+          </p:cNvPr>
+          <p:cNvCxnSpPr>
+            <a:cxnSpLocks/>
+            <a:stCxn id="25" idx="2"/>
+            <a:endCxn id="14" idx="0"/>
+          </p:cNvCxnSpPr>
+          <p:nvPr/>
+        </p:nvCxnSpPr>
+        <p:spPr>
+          <a:xfrm flipH="1">
+            <a:off x="5946835" y="1219205"/>
+            <a:ext cx="1" cy="610242"/>
+          </a:xfrm>
+          <a:prstGeom prst="straightConnector1">
+            <a:avLst/>
+          </a:prstGeom>
+          <a:ln w="19050">
+            <a:solidFill>
+              <a:srgbClr val="FF0000"/>
+            </a:solidFill>
+            <a:prstDash val="sysDash"/>
+            <a:tailEnd type="triangle"/>
+          </a:ln>
+        </p:spPr>
+        <p:style>
+          <a:lnRef idx="1">
+            <a:schemeClr val="accent1"/>
+          </a:lnRef>
+          <a:fillRef idx="0">
+            <a:schemeClr val="accent1"/>
+          </a:fillRef>
+          <a:effectRef idx="0">
+            <a:schemeClr val="accent1"/>
+          </a:effectRef>
+          <a:fontRef idx="minor">
+            <a:schemeClr val="tx1"/>
+          </a:fontRef>
+        </p:style>
+      </p:cxnSp>
+      <p:sp>
+        <p:nvSpPr>
+          <p:cNvPr id="18" name="文字方塊 17">
+            <a:extLst>
+              <a:ext uri="{FF2B5EF4-FFF2-40B4-BE49-F238E27FC236}">
+                <a16:creationId xmlns:a16="http://schemas.microsoft.com/office/drawing/2014/main" id="{29F8C742-31AE-4C59-A1EB-7FBF71E91369}"/>
+              </a:ext>
+            </a:extLst>
+          </p:cNvPr>
+          <p:cNvSpPr txBox="1"/>
+          <p:nvPr/>
+        </p:nvSpPr>
+        <p:spPr>
+          <a:xfrm>
+            <a:off x="5969051" y="1204862"/>
+            <a:ext cx="1071034" cy="646331"/>
+          </a:xfrm>
+          <a:prstGeom prst="rect">
+            <a:avLst/>
+          </a:prstGeom>
+          <a:noFill/>
+        </p:spPr>
+        <p:txBody>
+          <a:bodyPr wrap="square">
+            <a:spAutoFit/>
+          </a:bodyPr>
+          <a:lstStyle/>
+          <a:p>
+            <a:pPr algn="ctr"/>
+            <a:r>
+              <a:rPr lang="en-US" altLang="zh-TW" dirty="0">
+                <a:solidFill>
+                  <a:srgbClr val="FF0000"/>
+                </a:solidFill>
+              </a:rPr>
+              <a:t>Message</a:t>
+            </a:r>
+          </a:p>
+          <a:p>
+            <a:pPr algn="ctr"/>
+            <a:r>
+              <a:rPr lang="en-US" altLang="zh-TW" dirty="0">
+                <a:solidFill>
+                  <a:srgbClr val="FF0000"/>
+                </a:solidFill>
+              </a:rPr>
+              <a:t>Intent </a:t>
+            </a:r>
+          </a:p>
+        </p:txBody>
+      </p:sp>
+      <p:sp>
+        <p:nvSpPr>
+          <p:cNvPr id="25" name="矩形: 圓角 24">
+            <a:extLst>
+              <a:ext uri="{FF2B5EF4-FFF2-40B4-BE49-F238E27FC236}">
+                <a16:creationId xmlns:a16="http://schemas.microsoft.com/office/drawing/2014/main" id="{AC3EE1C3-AF11-4B91-9DAC-81950A4A08D9}"/>
+              </a:ext>
+            </a:extLst>
+          </p:cNvPr>
+          <p:cNvSpPr/>
+          <p:nvPr/>
+        </p:nvSpPr>
+        <p:spPr>
+          <a:xfrm>
+            <a:off x="5411321" y="746787"/>
+            <a:ext cx="1071030" cy="472418"/>
+          </a:xfrm>
+          <a:prstGeom prst="roundRect">
+            <a:avLst/>
+          </a:prstGeom>
+          <a:noFill/>
+          <a:ln>
+            <a:solidFill>
+              <a:srgbClr val="FF0000"/>
+            </a:solidFill>
+          </a:ln>
+        </p:spPr>
+        <p:style>
+          <a:lnRef idx="2">
+            <a:schemeClr val="accent1">
+              <a:shade val="50000"/>
+            </a:schemeClr>
+          </a:lnRef>
+          <a:fillRef idx="1">
+            <a:schemeClr val="accent1"/>
+          </a:fillRef>
+          <a:effectRef idx="0">
+            <a:schemeClr val="accent1"/>
+          </a:effectRef>
+          <a:fontRef idx="minor">
+            <a:schemeClr val="lt1"/>
+          </a:fontRef>
+        </p:style>
+        <p:txBody>
+          <a:bodyPr rtlCol="0" anchor="ctr"/>
+          <a:lstStyle/>
+          <a:p>
+            <a:pPr algn="ctr"/>
+            <a:r>
+              <a:rPr lang="en-US" altLang="zh-TW" dirty="0">
+                <a:solidFill>
+                  <a:srgbClr val="FF0000"/>
+                </a:solidFill>
+              </a:rPr>
+              <a:t>App1</a:t>
+            </a:r>
+            <a:endParaRPr lang="zh-TW" altLang="en-US" dirty="0">
+              <a:solidFill>
+                <a:srgbClr val="FF0000"/>
+              </a:solidFill>
+            </a:endParaRPr>
+          </a:p>
+        </p:txBody>
+      </p:sp>
+      <p:sp>
+        <p:nvSpPr>
+          <p:cNvPr id="30" name="矩形: 圓角 29">
+            <a:extLst>
+              <a:ext uri="{FF2B5EF4-FFF2-40B4-BE49-F238E27FC236}">
+                <a16:creationId xmlns:a16="http://schemas.microsoft.com/office/drawing/2014/main" id="{EC108A00-9CAC-4188-B428-FD6B5C33A075}"/>
+              </a:ext>
+            </a:extLst>
+          </p:cNvPr>
+          <p:cNvSpPr/>
+          <p:nvPr/>
+        </p:nvSpPr>
+        <p:spPr>
+          <a:xfrm>
+            <a:off x="5264275" y="1830813"/>
+            <a:ext cx="5806324" cy="2511445"/>
+          </a:xfrm>
+          <a:prstGeom prst="roundRect">
+            <a:avLst>
+              <a:gd name="adj" fmla="val 3581"/>
+            </a:avLst>
+          </a:prstGeom>
+          <a:noFill/>
+          <a:ln>
+            <a:solidFill>
+              <a:schemeClr val="accent1"/>
+            </a:solidFill>
+          </a:ln>
+        </p:spPr>
+        <p:style>
+          <a:lnRef idx="2">
+            <a:schemeClr val="accent1">
+              <a:shade val="50000"/>
+            </a:schemeClr>
+          </a:lnRef>
+          <a:fillRef idx="1">
+            <a:schemeClr val="accent1"/>
+          </a:fillRef>
+          <a:effectRef idx="0">
+            <a:schemeClr val="accent1"/>
+          </a:effectRef>
+          <a:fontRef idx="minor">
+            <a:schemeClr val="lt1"/>
+          </a:fontRef>
+        </p:style>
+        <p:txBody>
+          <a:bodyPr rtlCol="0" anchor="ctr"/>
+          <a:lstStyle/>
+          <a:p>
+            <a:pPr algn="ctr"/>
+            <a:endParaRPr lang="zh-TW" altLang="en-US" dirty="0">
+              <a:solidFill>
+                <a:schemeClr val="tx1"/>
+              </a:solidFill>
+            </a:endParaRPr>
+          </a:p>
+        </p:txBody>
+      </p:sp>
+      <p:sp>
+        <p:nvSpPr>
+          <p:cNvPr id="32" name="文字方塊 31">
+            <a:extLst>
+              <a:ext uri="{FF2B5EF4-FFF2-40B4-BE49-F238E27FC236}">
+                <a16:creationId xmlns:a16="http://schemas.microsoft.com/office/drawing/2014/main" id="{4BCAFF1C-D3E7-4478-9570-EF9734860943}"/>
+              </a:ext>
+            </a:extLst>
+          </p:cNvPr>
+          <p:cNvSpPr txBox="1"/>
+          <p:nvPr/>
+        </p:nvSpPr>
+        <p:spPr>
+          <a:xfrm>
+            <a:off x="7763926" y="1779630"/>
+            <a:ext cx="922732" cy="369332"/>
+          </a:xfrm>
+          <a:prstGeom prst="rect">
+            <a:avLst/>
+          </a:prstGeom>
+          <a:noFill/>
+        </p:spPr>
+        <p:txBody>
+          <a:bodyPr wrap="square">
+            <a:spAutoFit/>
+          </a:bodyPr>
+          <a:lstStyle/>
+          <a:p>
+            <a:pPr algn="ctr"/>
             <a:r>
               <a:rPr lang="en-US" altLang="zh-TW" dirty="0">
                 <a:solidFill>
                   <a:schemeClr val="accent1"/>
                 </a:solidFill>
               </a:rPr>
-              <a:t>Bluetooth LE</a:t>
+              <a:t>App2</a:t>
             </a:r>
             <a:endParaRPr lang="zh-TW" altLang="en-US" dirty="0">
               <a:solidFill>
@@ -6717,10 +5920,1863 @@
           </a:p>
         </p:txBody>
       </p:sp>
+      <p:sp>
+        <p:nvSpPr>
+          <p:cNvPr id="33" name="矩形: 圓角 32">
+            <a:extLst>
+              <a:ext uri="{FF2B5EF4-FFF2-40B4-BE49-F238E27FC236}">
+                <a16:creationId xmlns:a16="http://schemas.microsoft.com/office/drawing/2014/main" id="{0A1A6423-84BC-4FDB-8C59-894091C7573B}"/>
+              </a:ext>
+            </a:extLst>
+          </p:cNvPr>
+          <p:cNvSpPr/>
+          <p:nvPr/>
+        </p:nvSpPr>
+        <p:spPr>
+          <a:xfrm>
+            <a:off x="5520398" y="3869840"/>
+            <a:ext cx="1987410" cy="472418"/>
+          </a:xfrm>
+          <a:prstGeom prst="roundRect">
+            <a:avLst/>
+          </a:prstGeom>
+          <a:noFill/>
+          <a:ln>
+            <a:solidFill>
+              <a:schemeClr val="tx1">
+                <a:lumMod val="75000"/>
+                <a:lumOff val="25000"/>
+              </a:schemeClr>
+            </a:solidFill>
+          </a:ln>
+        </p:spPr>
+        <p:style>
+          <a:lnRef idx="2">
+            <a:schemeClr val="accent1">
+              <a:shade val="50000"/>
+            </a:schemeClr>
+          </a:lnRef>
+          <a:fillRef idx="1">
+            <a:schemeClr val="accent1"/>
+          </a:fillRef>
+          <a:effectRef idx="0">
+            <a:schemeClr val="accent1"/>
+          </a:effectRef>
+          <a:fontRef idx="minor">
+            <a:schemeClr val="lt1"/>
+          </a:fontRef>
+        </p:style>
+        <p:txBody>
+          <a:bodyPr rtlCol="0" anchor="ctr"/>
+          <a:lstStyle/>
+          <a:p>
+            <a:pPr algn="ctr"/>
+            <a:r>
+              <a:rPr lang="en-US" altLang="zh-TW" dirty="0">
+                <a:solidFill>
+                  <a:schemeClr val="tx1"/>
+                </a:solidFill>
+              </a:rPr>
+              <a:t>Control RD545</a:t>
+            </a:r>
+            <a:endParaRPr lang="zh-TW" altLang="en-US" dirty="0">
+              <a:solidFill>
+                <a:schemeClr val="tx1"/>
+              </a:solidFill>
+            </a:endParaRPr>
+          </a:p>
+        </p:txBody>
+      </p:sp>
+      <p:sp>
+        <p:nvSpPr>
+          <p:cNvPr id="34" name="矩形: 圓角 33">
+            <a:extLst>
+              <a:ext uri="{FF2B5EF4-FFF2-40B4-BE49-F238E27FC236}">
+                <a16:creationId xmlns:a16="http://schemas.microsoft.com/office/drawing/2014/main" id="{0A61CEE1-DB9C-464D-A434-1CA10913A515}"/>
+              </a:ext>
+            </a:extLst>
+          </p:cNvPr>
+          <p:cNvSpPr/>
+          <p:nvPr/>
+        </p:nvSpPr>
+        <p:spPr>
+          <a:xfrm>
+            <a:off x="5520391" y="5383654"/>
+            <a:ext cx="1987420" cy="472418"/>
+          </a:xfrm>
+          <a:prstGeom prst="roundRect">
+            <a:avLst/>
+          </a:prstGeom>
+          <a:noFill/>
+          <a:ln>
+            <a:solidFill>
+              <a:schemeClr val="tx1">
+                <a:lumMod val="75000"/>
+                <a:lumOff val="25000"/>
+              </a:schemeClr>
+            </a:solidFill>
+          </a:ln>
+        </p:spPr>
+        <p:style>
+          <a:lnRef idx="2">
+            <a:schemeClr val="accent1">
+              <a:shade val="50000"/>
+            </a:schemeClr>
+          </a:lnRef>
+          <a:fillRef idx="1">
+            <a:schemeClr val="accent1"/>
+          </a:fillRef>
+          <a:effectRef idx="0">
+            <a:schemeClr val="accent1"/>
+          </a:effectRef>
+          <a:fontRef idx="minor">
+            <a:schemeClr val="lt1"/>
+          </a:fontRef>
+        </p:style>
+        <p:txBody>
+          <a:bodyPr rtlCol="0" anchor="ctr"/>
+          <a:lstStyle/>
+          <a:p>
+            <a:pPr algn="ctr"/>
+            <a:r>
+              <a:rPr lang="en-US" altLang="zh-TW" dirty="0">
+                <a:solidFill>
+                  <a:schemeClr val="tx1"/>
+                </a:solidFill>
+              </a:rPr>
+              <a:t>RD545</a:t>
+            </a:r>
+            <a:r>
+              <a:rPr lang="zh-TW" altLang="en-US" dirty="0">
+                <a:solidFill>
+                  <a:schemeClr val="tx1"/>
+                </a:solidFill>
+              </a:rPr>
+              <a:t> </a:t>
+            </a:r>
+            <a:r>
+              <a:rPr lang="en-US" altLang="zh-TW" dirty="0">
+                <a:solidFill>
+                  <a:schemeClr val="tx1"/>
+                </a:solidFill>
+              </a:rPr>
+              <a:t>Device </a:t>
+            </a:r>
+            <a:endParaRPr lang="zh-TW" altLang="en-US" dirty="0">
+              <a:solidFill>
+                <a:schemeClr val="tx1"/>
+              </a:solidFill>
+            </a:endParaRPr>
+          </a:p>
+        </p:txBody>
+      </p:sp>
+      <p:sp>
+        <p:nvSpPr>
+          <p:cNvPr id="35" name="矩形: 圓角 34">
+            <a:extLst>
+              <a:ext uri="{FF2B5EF4-FFF2-40B4-BE49-F238E27FC236}">
+                <a16:creationId xmlns:a16="http://schemas.microsoft.com/office/drawing/2014/main" id="{35304806-0792-443A-A535-7EF52266BAB0}"/>
+              </a:ext>
+            </a:extLst>
+          </p:cNvPr>
+          <p:cNvSpPr/>
+          <p:nvPr/>
+        </p:nvSpPr>
+        <p:spPr>
+          <a:xfrm>
+            <a:off x="5264275" y="2311213"/>
+            <a:ext cx="2499651" cy="472418"/>
+          </a:xfrm>
+          <a:prstGeom prst="roundRect">
+            <a:avLst/>
+          </a:prstGeom>
+          <a:noFill/>
+          <a:ln>
+            <a:solidFill>
+              <a:schemeClr val="tx1">
+                <a:lumMod val="75000"/>
+                <a:lumOff val="25000"/>
+              </a:schemeClr>
+            </a:solidFill>
+          </a:ln>
+        </p:spPr>
+        <p:style>
+          <a:lnRef idx="2">
+            <a:schemeClr val="accent1">
+              <a:shade val="50000"/>
+            </a:schemeClr>
+          </a:lnRef>
+          <a:fillRef idx="1">
+            <a:schemeClr val="accent1"/>
+          </a:fillRef>
+          <a:effectRef idx="0">
+            <a:schemeClr val="accent1"/>
+          </a:effectRef>
+          <a:fontRef idx="minor">
+            <a:schemeClr val="lt1"/>
+          </a:fontRef>
+        </p:style>
+        <p:txBody>
+          <a:bodyPr rtlCol="0" anchor="ctr"/>
+          <a:lstStyle/>
+          <a:p>
+            <a:pPr algn="ctr"/>
+            <a:r>
+              <a:rPr lang="en-US" altLang="zh-TW" dirty="0" err="1">
+                <a:solidFill>
+                  <a:schemeClr val="tx1"/>
+                </a:solidFill>
+              </a:rPr>
+              <a:t>TempData</a:t>
+            </a:r>
+            <a:r>
+              <a:rPr lang="en-US" altLang="zh-TW" dirty="0">
+                <a:solidFill>
+                  <a:schemeClr val="tx1"/>
+                </a:solidFill>
+              </a:rPr>
+              <a:t> Parsing</a:t>
+            </a:r>
+            <a:endParaRPr lang="zh-TW" altLang="en-US" dirty="0">
+              <a:solidFill>
+                <a:schemeClr val="tx1"/>
+              </a:solidFill>
+            </a:endParaRPr>
+          </a:p>
+        </p:txBody>
+      </p:sp>
+      <p:cxnSp>
+        <p:nvCxnSpPr>
+          <p:cNvPr id="37" name="直線單箭頭接點 36">
+            <a:extLst>
+              <a:ext uri="{FF2B5EF4-FFF2-40B4-BE49-F238E27FC236}">
+                <a16:creationId xmlns:a16="http://schemas.microsoft.com/office/drawing/2014/main" id="{AC3D3C75-DA17-42C7-919E-557A4F8136C3}"/>
+              </a:ext>
+            </a:extLst>
+          </p:cNvPr>
+          <p:cNvCxnSpPr>
+            <a:cxnSpLocks/>
+            <a:stCxn id="35" idx="2"/>
+            <a:endCxn id="33" idx="0"/>
+          </p:cNvCxnSpPr>
+          <p:nvPr/>
+        </p:nvCxnSpPr>
+        <p:spPr>
+          <a:xfrm>
+            <a:off x="6514101" y="2783631"/>
+            <a:ext cx="2" cy="1086209"/>
+          </a:xfrm>
+          <a:prstGeom prst="straightConnector1">
+            <a:avLst/>
+          </a:prstGeom>
+          <a:ln w="19050">
+            <a:solidFill>
+              <a:srgbClr val="FF0000"/>
+            </a:solidFill>
+            <a:prstDash val="sysDash"/>
+            <a:tailEnd type="triangle"/>
+          </a:ln>
+        </p:spPr>
+        <p:style>
+          <a:lnRef idx="1">
+            <a:schemeClr val="accent1"/>
+          </a:lnRef>
+          <a:fillRef idx="0">
+            <a:schemeClr val="accent1"/>
+          </a:fillRef>
+          <a:effectRef idx="0">
+            <a:schemeClr val="accent1"/>
+          </a:effectRef>
+          <a:fontRef idx="minor">
+            <a:schemeClr val="tx1"/>
+          </a:fontRef>
+        </p:style>
+      </p:cxnSp>
+      <p:sp>
+        <p:nvSpPr>
+          <p:cNvPr id="42" name="文字方塊 41">
+            <a:extLst>
+              <a:ext uri="{FF2B5EF4-FFF2-40B4-BE49-F238E27FC236}">
+                <a16:creationId xmlns:a16="http://schemas.microsoft.com/office/drawing/2014/main" id="{280233BE-E9BB-4D25-BA3A-B1074190A1E4}"/>
+              </a:ext>
+            </a:extLst>
+          </p:cNvPr>
+          <p:cNvSpPr txBox="1"/>
+          <p:nvPr/>
+        </p:nvSpPr>
+        <p:spPr>
+          <a:xfrm>
+            <a:off x="6514100" y="2877285"/>
+            <a:ext cx="2404534" cy="923330"/>
+          </a:xfrm>
+          <a:prstGeom prst="rect">
+            <a:avLst/>
+          </a:prstGeom>
+          <a:noFill/>
+        </p:spPr>
+        <p:txBody>
+          <a:bodyPr wrap="square">
+            <a:spAutoFit/>
+          </a:bodyPr>
+          <a:lstStyle/>
+          <a:p>
+            <a:r>
+              <a:rPr lang="zh-TW" altLang="en-US" dirty="0">
+                <a:solidFill>
+                  <a:srgbClr val="FF0000"/>
+                </a:solidFill>
+              </a:rPr>
+              <a:t>TempData</a:t>
+            </a:r>
+            <a:r>
+              <a:rPr lang="en-US" altLang="zh-TW" dirty="0">
+                <a:solidFill>
+                  <a:srgbClr val="FF0000"/>
+                </a:solidFill>
+              </a:rPr>
+              <a:t>1</a:t>
+            </a:r>
+            <a:r>
+              <a:rPr lang="zh-TW" altLang="en-US" dirty="0">
+                <a:solidFill>
+                  <a:srgbClr val="FF0000"/>
+                </a:solidFill>
+              </a:rPr>
+              <a:t> is parsed into</a:t>
+            </a:r>
+            <a:r>
+              <a:rPr lang="en-US" altLang="zh-TW" dirty="0">
+                <a:solidFill>
+                  <a:srgbClr val="FF0000"/>
+                </a:solidFill>
+              </a:rPr>
+              <a:t>:</a:t>
+            </a:r>
+            <a:r>
+              <a:rPr lang="zh-TW" altLang="en-US" dirty="0">
+                <a:solidFill>
+                  <a:srgbClr val="FF0000"/>
+                </a:solidFill>
+              </a:rPr>
+              <a:t> gender, birthday, height, clothing weight</a:t>
+            </a:r>
+            <a:r>
+              <a:rPr lang="en-US" altLang="zh-TW" dirty="0">
+                <a:solidFill>
+                  <a:srgbClr val="FF0000"/>
+                </a:solidFill>
+              </a:rPr>
+              <a:t>.</a:t>
+            </a:r>
+            <a:endParaRPr lang="zh-TW" altLang="en-US" dirty="0">
+              <a:solidFill>
+                <a:srgbClr val="FF0000"/>
+              </a:solidFill>
+            </a:endParaRPr>
+          </a:p>
+        </p:txBody>
+      </p:sp>
+      <p:cxnSp>
+        <p:nvCxnSpPr>
+          <p:cNvPr id="44" name="直線單箭頭接點 43">
+            <a:extLst>
+              <a:ext uri="{FF2B5EF4-FFF2-40B4-BE49-F238E27FC236}">
+                <a16:creationId xmlns:a16="http://schemas.microsoft.com/office/drawing/2014/main" id="{8CCB0611-BBE7-4FFA-A1FC-50016CE4441B}"/>
+              </a:ext>
+            </a:extLst>
+          </p:cNvPr>
+          <p:cNvCxnSpPr>
+            <a:cxnSpLocks/>
+            <a:stCxn id="33" idx="2"/>
+            <a:endCxn id="34" idx="0"/>
+          </p:cNvCxnSpPr>
+          <p:nvPr/>
+        </p:nvCxnSpPr>
+        <p:spPr>
+          <a:xfrm flipH="1">
+            <a:off x="6514101" y="4342258"/>
+            <a:ext cx="2" cy="1041396"/>
+          </a:xfrm>
+          <a:prstGeom prst="straightConnector1">
+            <a:avLst/>
+          </a:prstGeom>
+          <a:ln w="19050">
+            <a:solidFill>
+              <a:schemeClr val="accent1"/>
+            </a:solidFill>
+            <a:prstDash val="sysDash"/>
+            <a:tailEnd type="triangle"/>
+          </a:ln>
+        </p:spPr>
+        <p:style>
+          <a:lnRef idx="1">
+            <a:schemeClr val="accent1"/>
+          </a:lnRef>
+          <a:fillRef idx="0">
+            <a:schemeClr val="accent1"/>
+          </a:fillRef>
+          <a:effectRef idx="0">
+            <a:schemeClr val="accent1"/>
+          </a:effectRef>
+          <a:fontRef idx="minor">
+            <a:schemeClr val="tx1"/>
+          </a:fontRef>
+        </p:style>
+      </p:cxnSp>
+      <p:sp>
+        <p:nvSpPr>
+          <p:cNvPr id="49" name="文字方塊 48">
+            <a:extLst>
+              <a:ext uri="{FF2B5EF4-FFF2-40B4-BE49-F238E27FC236}">
+                <a16:creationId xmlns:a16="http://schemas.microsoft.com/office/drawing/2014/main" id="{2CF02CAA-A5D0-407E-9738-3ADC5BA325A2}"/>
+              </a:ext>
+            </a:extLst>
+          </p:cNvPr>
+          <p:cNvSpPr txBox="1"/>
+          <p:nvPr/>
+        </p:nvSpPr>
+        <p:spPr>
+          <a:xfrm>
+            <a:off x="6633359" y="4384702"/>
+            <a:ext cx="2510634" cy="923330"/>
+          </a:xfrm>
+          <a:prstGeom prst="rect">
+            <a:avLst/>
+          </a:prstGeom>
+          <a:noFill/>
+        </p:spPr>
+        <p:txBody>
+          <a:bodyPr wrap="square">
+            <a:spAutoFit/>
+          </a:bodyPr>
+          <a:lstStyle/>
+          <a:p>
+            <a:r>
+              <a:rPr lang="en-US" altLang="zh-TW" dirty="0" err="1">
+                <a:solidFill>
+                  <a:schemeClr val="accent1"/>
+                </a:solidFill>
+              </a:rPr>
+              <a:t>Ble</a:t>
+            </a:r>
+            <a:r>
+              <a:rPr lang="en-US" altLang="zh-TW" dirty="0">
+                <a:solidFill>
+                  <a:schemeClr val="accent1"/>
+                </a:solidFill>
+              </a:rPr>
+              <a:t> Pass Base Data:</a:t>
+            </a:r>
+          </a:p>
+          <a:p>
+            <a:r>
+              <a:rPr lang="zh-TW" altLang="en-US" dirty="0">
+                <a:solidFill>
+                  <a:schemeClr val="accent1"/>
+                </a:solidFill>
+              </a:rPr>
+              <a:t>gender, birthday, height, clothing weight</a:t>
+            </a:r>
+            <a:r>
+              <a:rPr lang="en-US" altLang="zh-TW" dirty="0">
+                <a:solidFill>
+                  <a:schemeClr val="accent1"/>
+                </a:solidFill>
+              </a:rPr>
+              <a:t>.</a:t>
+            </a:r>
+            <a:endParaRPr lang="zh-TW" altLang="en-US" dirty="0">
+              <a:solidFill>
+                <a:schemeClr val="accent1"/>
+              </a:solidFill>
+            </a:endParaRPr>
+          </a:p>
+        </p:txBody>
+      </p:sp>
+      <p:sp>
+        <p:nvSpPr>
+          <p:cNvPr id="58" name="矩形: 圓角 57">
+            <a:extLst>
+              <a:ext uri="{FF2B5EF4-FFF2-40B4-BE49-F238E27FC236}">
+                <a16:creationId xmlns:a16="http://schemas.microsoft.com/office/drawing/2014/main" id="{01303C9C-BCD1-4164-950D-D98CE27569B0}"/>
+              </a:ext>
+            </a:extLst>
+          </p:cNvPr>
+          <p:cNvSpPr/>
+          <p:nvPr/>
+        </p:nvSpPr>
+        <p:spPr>
+          <a:xfrm>
+            <a:off x="5520387" y="5856072"/>
+            <a:ext cx="3090213" cy="472418"/>
+          </a:xfrm>
+          <a:prstGeom prst="roundRect">
+            <a:avLst/>
+          </a:prstGeom>
+          <a:noFill/>
+          <a:ln>
+            <a:solidFill>
+              <a:schemeClr val="tx1">
+                <a:lumMod val="75000"/>
+                <a:lumOff val="25000"/>
+              </a:schemeClr>
+            </a:solidFill>
+          </a:ln>
+        </p:spPr>
+        <p:style>
+          <a:lnRef idx="2">
+            <a:schemeClr val="accent1">
+              <a:shade val="50000"/>
+            </a:schemeClr>
+          </a:lnRef>
+          <a:fillRef idx="1">
+            <a:schemeClr val="accent1"/>
+          </a:fillRef>
+          <a:effectRef idx="0">
+            <a:schemeClr val="accent1"/>
+          </a:effectRef>
+          <a:fontRef idx="minor">
+            <a:schemeClr val="lt1"/>
+          </a:fontRef>
+        </p:style>
+        <p:txBody>
+          <a:bodyPr rtlCol="0" anchor="ctr"/>
+          <a:lstStyle/>
+          <a:p>
+            <a:pPr algn="ctr"/>
+            <a:r>
+              <a:rPr lang="en-US" altLang="zh-TW" dirty="0">
+                <a:solidFill>
+                  <a:schemeClr val="tx1"/>
+                </a:solidFill>
+              </a:rPr>
+              <a:t>RD545</a:t>
+            </a:r>
+            <a:r>
+              <a:rPr lang="zh-TW" altLang="en-US" dirty="0">
+                <a:solidFill>
+                  <a:schemeClr val="tx1"/>
+                </a:solidFill>
+              </a:rPr>
+              <a:t> </a:t>
+            </a:r>
+            <a:r>
+              <a:rPr lang="en-US" altLang="zh-TW" dirty="0">
+                <a:solidFill>
+                  <a:schemeClr val="tx1"/>
+                </a:solidFill>
+              </a:rPr>
+              <a:t>Device Measurement </a:t>
+            </a:r>
+            <a:endParaRPr lang="zh-TW" altLang="en-US" dirty="0">
+              <a:solidFill>
+                <a:schemeClr val="tx1"/>
+              </a:solidFill>
+            </a:endParaRPr>
+          </a:p>
+        </p:txBody>
+      </p:sp>
+      <p:cxnSp>
+        <p:nvCxnSpPr>
+          <p:cNvPr id="63" name="接點: 肘形 62">
+            <a:extLst>
+              <a:ext uri="{FF2B5EF4-FFF2-40B4-BE49-F238E27FC236}">
+                <a16:creationId xmlns:a16="http://schemas.microsoft.com/office/drawing/2014/main" id="{EFAD7A4C-1CDE-483D-98F9-C84D9F7C28BD}"/>
+              </a:ext>
+            </a:extLst>
+          </p:cNvPr>
+          <p:cNvCxnSpPr>
+            <a:cxnSpLocks/>
+            <a:stCxn id="58" idx="3"/>
+          </p:cNvCxnSpPr>
+          <p:nvPr/>
+        </p:nvCxnSpPr>
+        <p:spPr>
+          <a:xfrm flipV="1">
+            <a:off x="8610600" y="4332198"/>
+            <a:ext cx="1412483" cy="1760083"/>
+          </a:xfrm>
+          <a:prstGeom prst="bentConnector2">
+            <a:avLst/>
+          </a:prstGeom>
+          <a:ln w="19050">
+            <a:prstDash val="sysDash"/>
+            <a:tailEnd type="triangle"/>
+          </a:ln>
+        </p:spPr>
+        <p:style>
+          <a:lnRef idx="1">
+            <a:schemeClr val="accent1"/>
+          </a:lnRef>
+          <a:fillRef idx="0">
+            <a:schemeClr val="accent1"/>
+          </a:fillRef>
+          <a:effectRef idx="0">
+            <a:schemeClr val="accent1"/>
+          </a:effectRef>
+          <a:fontRef idx="minor">
+            <a:schemeClr val="tx1"/>
+          </a:fontRef>
+        </p:style>
+      </p:cxnSp>
+      <p:sp>
+        <p:nvSpPr>
+          <p:cNvPr id="65" name="矩形: 圓角 64">
+            <a:extLst>
+              <a:ext uri="{FF2B5EF4-FFF2-40B4-BE49-F238E27FC236}">
+                <a16:creationId xmlns:a16="http://schemas.microsoft.com/office/drawing/2014/main" id="{3AC88E5F-33C7-46DD-A10F-BE107081F090}"/>
+              </a:ext>
+            </a:extLst>
+          </p:cNvPr>
+          <p:cNvSpPr/>
+          <p:nvPr/>
+        </p:nvSpPr>
+        <p:spPr>
+          <a:xfrm>
+            <a:off x="9132633" y="3706690"/>
+            <a:ext cx="1780892" cy="635568"/>
+          </a:xfrm>
+          <a:prstGeom prst="roundRect">
+            <a:avLst/>
+          </a:prstGeom>
+          <a:noFill/>
+          <a:ln>
+            <a:solidFill>
+              <a:schemeClr val="tx1">
+                <a:lumMod val="75000"/>
+                <a:lumOff val="25000"/>
+              </a:schemeClr>
+            </a:solidFill>
+          </a:ln>
+        </p:spPr>
+        <p:style>
+          <a:lnRef idx="2">
+            <a:schemeClr val="accent1">
+              <a:shade val="50000"/>
+            </a:schemeClr>
+          </a:lnRef>
+          <a:fillRef idx="1">
+            <a:schemeClr val="accent1"/>
+          </a:fillRef>
+          <a:effectRef idx="0">
+            <a:schemeClr val="accent1"/>
+          </a:effectRef>
+          <a:fontRef idx="minor">
+            <a:schemeClr val="lt1"/>
+          </a:fontRef>
+        </p:style>
+        <p:txBody>
+          <a:bodyPr rtlCol="0" anchor="ctr"/>
+          <a:lstStyle/>
+          <a:p>
+            <a:pPr algn="ctr"/>
+            <a:r>
+              <a:rPr lang="en-US" altLang="zh-TW" dirty="0">
+                <a:solidFill>
+                  <a:schemeClr val="tx1"/>
+                </a:solidFill>
+              </a:rPr>
+              <a:t>Measurement Data Get</a:t>
+            </a:r>
+            <a:endParaRPr lang="zh-TW" altLang="en-US" dirty="0">
+              <a:solidFill>
+                <a:schemeClr val="tx1"/>
+              </a:solidFill>
+            </a:endParaRPr>
+          </a:p>
+        </p:txBody>
+      </p:sp>
+      <p:sp>
+        <p:nvSpPr>
+          <p:cNvPr id="67" name="文字方塊 66">
+            <a:extLst>
+              <a:ext uri="{FF2B5EF4-FFF2-40B4-BE49-F238E27FC236}">
+                <a16:creationId xmlns:a16="http://schemas.microsoft.com/office/drawing/2014/main" id="{E5EEA9D4-2A19-421D-9BBC-94777EA6017E}"/>
+              </a:ext>
+            </a:extLst>
+          </p:cNvPr>
+          <p:cNvSpPr txBox="1"/>
+          <p:nvPr/>
+        </p:nvSpPr>
+        <p:spPr>
+          <a:xfrm>
+            <a:off x="8975559" y="5769115"/>
+            <a:ext cx="2095041" cy="646331"/>
+          </a:xfrm>
+          <a:prstGeom prst="rect">
+            <a:avLst/>
+          </a:prstGeom>
+          <a:noFill/>
+        </p:spPr>
+        <p:txBody>
+          <a:bodyPr wrap="square">
+            <a:spAutoFit/>
+          </a:bodyPr>
+          <a:lstStyle/>
+          <a:p>
+            <a:r>
+              <a:rPr lang="en-US" altLang="zh-TW" dirty="0" err="1">
+                <a:solidFill>
+                  <a:schemeClr val="accent1"/>
+                </a:solidFill>
+              </a:rPr>
+              <a:t>Ble</a:t>
+            </a:r>
+            <a:r>
+              <a:rPr lang="en-US" altLang="zh-TW" dirty="0">
+                <a:solidFill>
+                  <a:schemeClr val="accent1"/>
+                </a:solidFill>
+              </a:rPr>
+              <a:t> Pass Measurement Data</a:t>
+            </a:r>
+            <a:endParaRPr lang="zh-TW" altLang="en-US" dirty="0"/>
+          </a:p>
+        </p:txBody>
+      </p:sp>
+      <p:sp>
+        <p:nvSpPr>
+          <p:cNvPr id="68" name="雲朵形 67">
+            <a:extLst>
+              <a:ext uri="{FF2B5EF4-FFF2-40B4-BE49-F238E27FC236}">
+                <a16:creationId xmlns:a16="http://schemas.microsoft.com/office/drawing/2014/main" id="{27A0946F-6339-45E9-A0BD-2C5153771188}"/>
+              </a:ext>
+            </a:extLst>
+          </p:cNvPr>
+          <p:cNvSpPr/>
+          <p:nvPr/>
+        </p:nvSpPr>
+        <p:spPr>
+          <a:xfrm>
+            <a:off x="9357644" y="586693"/>
+            <a:ext cx="2017185" cy="1016789"/>
+          </a:xfrm>
+          <a:prstGeom prst="cloud">
+            <a:avLst/>
+          </a:prstGeom>
+          <a:noFill/>
+          <a:ln>
+            <a:solidFill>
+              <a:srgbClr val="00B0F0"/>
+            </a:solidFill>
+          </a:ln>
+        </p:spPr>
+        <p:style>
+          <a:lnRef idx="2">
+            <a:schemeClr val="accent1">
+              <a:shade val="50000"/>
+            </a:schemeClr>
+          </a:lnRef>
+          <a:fillRef idx="1">
+            <a:schemeClr val="accent1"/>
+          </a:fillRef>
+          <a:effectRef idx="0">
+            <a:schemeClr val="accent1"/>
+          </a:effectRef>
+          <a:fontRef idx="minor">
+            <a:schemeClr val="lt1"/>
+          </a:fontRef>
+        </p:style>
+        <p:txBody>
+          <a:bodyPr rtlCol="0" anchor="ctr"/>
+          <a:lstStyle/>
+          <a:p>
+            <a:pPr algn="ctr"/>
+            <a:r>
+              <a:rPr lang="en-US" altLang="zh-TW" dirty="0">
+                <a:solidFill>
+                  <a:srgbClr val="00B0F0"/>
+                </a:solidFill>
+              </a:rPr>
+              <a:t>Cloud Server App</a:t>
+            </a:r>
+            <a:endParaRPr lang="zh-TW" altLang="en-US" dirty="0">
+              <a:solidFill>
+                <a:srgbClr val="00B0F0"/>
+              </a:solidFill>
+            </a:endParaRPr>
+          </a:p>
+        </p:txBody>
+      </p:sp>
+      <p:sp>
+        <p:nvSpPr>
+          <p:cNvPr id="70" name="矩形: 圓角 69">
+            <a:extLst>
+              <a:ext uri="{FF2B5EF4-FFF2-40B4-BE49-F238E27FC236}">
+                <a16:creationId xmlns:a16="http://schemas.microsoft.com/office/drawing/2014/main" id="{3F83DA63-AC4D-4341-B5F2-836ACF5328D0}"/>
+              </a:ext>
+            </a:extLst>
+          </p:cNvPr>
+          <p:cNvSpPr/>
+          <p:nvPr/>
+        </p:nvSpPr>
+        <p:spPr>
+          <a:xfrm>
+            <a:off x="8975559" y="1830332"/>
+            <a:ext cx="2095040" cy="458567"/>
+          </a:xfrm>
+          <a:prstGeom prst="roundRect">
+            <a:avLst/>
+          </a:prstGeom>
+          <a:noFill/>
+          <a:ln>
+            <a:solidFill>
+              <a:schemeClr val="tx1">
+                <a:lumMod val="75000"/>
+                <a:lumOff val="25000"/>
+              </a:schemeClr>
+            </a:solidFill>
+          </a:ln>
+        </p:spPr>
+        <p:style>
+          <a:lnRef idx="2">
+            <a:schemeClr val="accent1">
+              <a:shade val="50000"/>
+            </a:schemeClr>
+          </a:lnRef>
+          <a:fillRef idx="1">
+            <a:schemeClr val="accent1"/>
+          </a:fillRef>
+          <a:effectRef idx="0">
+            <a:schemeClr val="accent1"/>
+          </a:effectRef>
+          <a:fontRef idx="minor">
+            <a:schemeClr val="lt1"/>
+          </a:fontRef>
+        </p:style>
+        <p:txBody>
+          <a:bodyPr rtlCol="0" anchor="ctr"/>
+          <a:lstStyle/>
+          <a:p>
+            <a:pPr algn="ctr"/>
+            <a:r>
+              <a:rPr lang="en-US" altLang="zh-TW" dirty="0">
+                <a:solidFill>
+                  <a:schemeClr val="tx1"/>
+                </a:solidFill>
+              </a:rPr>
+              <a:t>Pass Server Event</a:t>
+            </a:r>
+            <a:endParaRPr lang="zh-TW" altLang="en-US" dirty="0">
+              <a:solidFill>
+                <a:schemeClr val="tx1"/>
+              </a:solidFill>
+            </a:endParaRPr>
+          </a:p>
+        </p:txBody>
+      </p:sp>
+      <p:cxnSp>
+        <p:nvCxnSpPr>
+          <p:cNvPr id="71" name="直線單箭頭接點 70">
+            <a:extLst>
+              <a:ext uri="{FF2B5EF4-FFF2-40B4-BE49-F238E27FC236}">
+                <a16:creationId xmlns:a16="http://schemas.microsoft.com/office/drawing/2014/main" id="{5246AF2F-9E15-4EF2-839D-C62EE297C7CC}"/>
+              </a:ext>
+            </a:extLst>
+          </p:cNvPr>
+          <p:cNvCxnSpPr>
+            <a:cxnSpLocks/>
+            <a:stCxn id="65" idx="0"/>
+            <a:endCxn id="70" idx="2"/>
+          </p:cNvCxnSpPr>
+          <p:nvPr/>
+        </p:nvCxnSpPr>
+        <p:spPr>
+          <a:xfrm flipV="1">
+            <a:off x="10023079" y="2288899"/>
+            <a:ext cx="0" cy="1417791"/>
+          </a:xfrm>
+          <a:prstGeom prst="straightConnector1">
+            <a:avLst/>
+          </a:prstGeom>
+          <a:ln w="19050">
+            <a:solidFill>
+              <a:srgbClr val="FF0000"/>
+            </a:solidFill>
+            <a:prstDash val="sysDash"/>
+            <a:tailEnd type="triangle"/>
+          </a:ln>
+        </p:spPr>
+        <p:style>
+          <a:lnRef idx="1">
+            <a:schemeClr val="accent1"/>
+          </a:lnRef>
+          <a:fillRef idx="0">
+            <a:schemeClr val="accent1"/>
+          </a:fillRef>
+          <a:effectRef idx="0">
+            <a:schemeClr val="accent1"/>
+          </a:effectRef>
+          <a:fontRef idx="minor">
+            <a:schemeClr val="tx1"/>
+          </a:fontRef>
+        </p:style>
+      </p:cxnSp>
+      <p:cxnSp>
+        <p:nvCxnSpPr>
+          <p:cNvPr id="74" name="直線單箭頭接點 73">
+            <a:extLst>
+              <a:ext uri="{FF2B5EF4-FFF2-40B4-BE49-F238E27FC236}">
+                <a16:creationId xmlns:a16="http://schemas.microsoft.com/office/drawing/2014/main" id="{1E3969CA-13E2-4331-85C0-86801900585B}"/>
+              </a:ext>
+            </a:extLst>
+          </p:cNvPr>
+          <p:cNvCxnSpPr>
+            <a:cxnSpLocks/>
+            <a:stCxn id="70" idx="0"/>
+            <a:endCxn id="68" idx="1"/>
+          </p:cNvCxnSpPr>
+          <p:nvPr/>
+        </p:nvCxnSpPr>
+        <p:spPr>
+          <a:xfrm flipV="1">
+            <a:off x="10023079" y="1376633"/>
+            <a:ext cx="392" cy="453699"/>
+          </a:xfrm>
+          <a:prstGeom prst="straightConnector1">
+            <a:avLst/>
+          </a:prstGeom>
+          <a:ln w="19050">
+            <a:solidFill>
+              <a:srgbClr val="00B0F0"/>
+            </a:solidFill>
+            <a:prstDash val="sysDash"/>
+            <a:tailEnd type="triangle"/>
+          </a:ln>
+        </p:spPr>
+        <p:style>
+          <a:lnRef idx="1">
+            <a:schemeClr val="accent1"/>
+          </a:lnRef>
+          <a:fillRef idx="0">
+            <a:schemeClr val="accent1"/>
+          </a:fillRef>
+          <a:effectRef idx="0">
+            <a:schemeClr val="accent1"/>
+          </a:effectRef>
+          <a:fontRef idx="minor">
+            <a:schemeClr val="tx1"/>
+          </a:fontRef>
+        </p:style>
+      </p:cxnSp>
+      <p:sp>
+        <p:nvSpPr>
+          <p:cNvPr id="80" name="矩形: 圓角 79">
+            <a:extLst>
+              <a:ext uri="{FF2B5EF4-FFF2-40B4-BE49-F238E27FC236}">
+                <a16:creationId xmlns:a16="http://schemas.microsoft.com/office/drawing/2014/main" id="{E072A839-AD9A-41AF-AB00-F3921CBEEBFC}"/>
+              </a:ext>
+            </a:extLst>
+          </p:cNvPr>
+          <p:cNvSpPr/>
+          <p:nvPr/>
+        </p:nvSpPr>
+        <p:spPr>
+          <a:xfrm>
+            <a:off x="10168460" y="2721554"/>
+            <a:ext cx="902139" cy="635568"/>
+          </a:xfrm>
+          <a:prstGeom prst="roundRect">
+            <a:avLst/>
+          </a:prstGeom>
+          <a:noFill/>
+          <a:ln>
+            <a:solidFill>
+              <a:schemeClr val="tx1">
+                <a:lumMod val="75000"/>
+                <a:lumOff val="25000"/>
+              </a:schemeClr>
+            </a:solidFill>
+          </a:ln>
+        </p:spPr>
+        <p:style>
+          <a:lnRef idx="2">
+            <a:schemeClr val="accent1">
+              <a:shade val="50000"/>
+            </a:schemeClr>
+          </a:lnRef>
+          <a:fillRef idx="1">
+            <a:schemeClr val="accent1"/>
+          </a:fillRef>
+          <a:effectRef idx="0">
+            <a:schemeClr val="accent1"/>
+          </a:effectRef>
+          <a:fontRef idx="minor">
+            <a:schemeClr val="lt1"/>
+          </a:fontRef>
+        </p:style>
+        <p:txBody>
+          <a:bodyPr rtlCol="0" anchor="ctr"/>
+          <a:lstStyle/>
+          <a:p>
+            <a:pPr algn="ctr"/>
+            <a:r>
+              <a:rPr lang="en-US" altLang="zh-TW" dirty="0">
+                <a:solidFill>
+                  <a:schemeClr val="tx1"/>
+                </a:solidFill>
+              </a:rPr>
+              <a:t>UI</a:t>
+            </a:r>
+          </a:p>
+          <a:p>
+            <a:pPr algn="ctr"/>
+            <a:r>
+              <a:rPr lang="en-US" altLang="zh-TW" dirty="0">
+                <a:solidFill>
+                  <a:schemeClr val="tx1"/>
+                </a:solidFill>
+              </a:rPr>
+              <a:t>output</a:t>
+            </a:r>
+            <a:endParaRPr lang="zh-TW" altLang="en-US" dirty="0">
+              <a:solidFill>
+                <a:schemeClr val="tx1"/>
+              </a:solidFill>
+            </a:endParaRPr>
+          </a:p>
+        </p:txBody>
+      </p:sp>
+      <p:cxnSp>
+        <p:nvCxnSpPr>
+          <p:cNvPr id="81" name="直線單箭頭接點 80">
+            <a:extLst>
+              <a:ext uri="{FF2B5EF4-FFF2-40B4-BE49-F238E27FC236}">
+                <a16:creationId xmlns:a16="http://schemas.microsoft.com/office/drawing/2014/main" id="{E31A6EA7-BC07-45C1-BC91-86AACD3D3B6D}"/>
+              </a:ext>
+            </a:extLst>
+          </p:cNvPr>
+          <p:cNvCxnSpPr>
+            <a:cxnSpLocks/>
+            <a:endCxn id="80" idx="2"/>
+          </p:cNvCxnSpPr>
+          <p:nvPr/>
+        </p:nvCxnSpPr>
+        <p:spPr>
+          <a:xfrm flipV="1">
+            <a:off x="10619530" y="3357122"/>
+            <a:ext cx="0" cy="349568"/>
+          </a:xfrm>
+          <a:prstGeom prst="straightConnector1">
+            <a:avLst/>
+          </a:prstGeom>
+          <a:ln w="19050">
+            <a:solidFill>
+              <a:srgbClr val="FF0000"/>
+            </a:solidFill>
+            <a:prstDash val="sysDash"/>
+            <a:tailEnd type="triangle"/>
+          </a:ln>
+        </p:spPr>
+        <p:style>
+          <a:lnRef idx="1">
+            <a:schemeClr val="accent1"/>
+          </a:lnRef>
+          <a:fillRef idx="0">
+            <a:schemeClr val="accent1"/>
+          </a:fillRef>
+          <a:effectRef idx="0">
+            <a:schemeClr val="accent1"/>
+          </a:effectRef>
+          <a:fontRef idx="minor">
+            <a:schemeClr val="tx1"/>
+          </a:fontRef>
+        </p:style>
+      </p:cxnSp>
+      <p:sp>
+        <p:nvSpPr>
+          <p:cNvPr id="88" name="矩形: 摺角紙張 87">
+            <a:extLst>
+              <a:ext uri="{FF2B5EF4-FFF2-40B4-BE49-F238E27FC236}">
+                <a16:creationId xmlns:a16="http://schemas.microsoft.com/office/drawing/2014/main" id="{049C73AD-E4EF-4A3F-8E1D-8238DFBB91A6}"/>
+              </a:ext>
+            </a:extLst>
+          </p:cNvPr>
+          <p:cNvSpPr/>
+          <p:nvPr/>
+        </p:nvSpPr>
+        <p:spPr>
+          <a:xfrm rot="10800000">
+            <a:off x="11375844" y="2500697"/>
+            <a:ext cx="742275" cy="1081546"/>
+          </a:xfrm>
+          <a:prstGeom prst="foldedCorner">
+            <a:avLst>
+              <a:gd name="adj" fmla="val 25070"/>
+            </a:avLst>
+          </a:prstGeom>
+          <a:noFill/>
+          <a:ln>
+            <a:solidFill>
+              <a:schemeClr val="accent1">
+                <a:lumMod val="75000"/>
+              </a:schemeClr>
+            </a:solidFill>
+          </a:ln>
+        </p:spPr>
+        <p:style>
+          <a:lnRef idx="2">
+            <a:schemeClr val="accent1">
+              <a:shade val="50000"/>
+            </a:schemeClr>
+          </a:lnRef>
+          <a:fillRef idx="1">
+            <a:schemeClr val="accent1"/>
+          </a:fillRef>
+          <a:effectRef idx="0">
+            <a:schemeClr val="accent1"/>
+          </a:effectRef>
+          <a:fontRef idx="minor">
+            <a:schemeClr val="lt1"/>
+          </a:fontRef>
+        </p:style>
+        <p:txBody>
+          <a:bodyPr rtlCol="0" anchor="ctr"/>
+          <a:lstStyle/>
+          <a:p>
+            <a:pPr algn="ctr"/>
+            <a:endParaRPr lang="zh-TW" altLang="en-US" dirty="0">
+              <a:solidFill>
+                <a:srgbClr val="00B0F0"/>
+              </a:solidFill>
+            </a:endParaRPr>
+          </a:p>
+        </p:txBody>
+      </p:sp>
+      <p:cxnSp>
+        <p:nvCxnSpPr>
+          <p:cNvPr id="89" name="直線單箭頭接點 88">
+            <a:extLst>
+              <a:ext uri="{FF2B5EF4-FFF2-40B4-BE49-F238E27FC236}">
+                <a16:creationId xmlns:a16="http://schemas.microsoft.com/office/drawing/2014/main" id="{91830442-864D-4267-92D9-725698275EE7}"/>
+              </a:ext>
+            </a:extLst>
+          </p:cNvPr>
+          <p:cNvCxnSpPr>
+            <a:cxnSpLocks/>
+            <a:stCxn id="80" idx="3"/>
+            <a:endCxn id="88" idx="3"/>
+          </p:cNvCxnSpPr>
+          <p:nvPr/>
+        </p:nvCxnSpPr>
+        <p:spPr>
+          <a:xfrm>
+            <a:off x="11070599" y="3039338"/>
+            <a:ext cx="305245" cy="2132"/>
+          </a:xfrm>
+          <a:prstGeom prst="straightConnector1">
+            <a:avLst/>
+          </a:prstGeom>
+          <a:ln w="19050">
+            <a:solidFill>
+              <a:schemeClr val="accent1">
+                <a:lumMod val="75000"/>
+              </a:schemeClr>
+            </a:solidFill>
+            <a:prstDash val="sysDash"/>
+            <a:tailEnd type="triangle"/>
+          </a:ln>
+        </p:spPr>
+        <p:style>
+          <a:lnRef idx="1">
+            <a:schemeClr val="accent1"/>
+          </a:lnRef>
+          <a:fillRef idx="0">
+            <a:schemeClr val="accent1"/>
+          </a:fillRef>
+          <a:effectRef idx="0">
+            <a:schemeClr val="accent1"/>
+          </a:effectRef>
+          <a:fontRef idx="minor">
+            <a:schemeClr val="tx1"/>
+          </a:fontRef>
+        </p:style>
+      </p:cxnSp>
+      <p:sp>
+        <p:nvSpPr>
+          <p:cNvPr id="96" name="文字方塊 95">
+            <a:extLst>
+              <a:ext uri="{FF2B5EF4-FFF2-40B4-BE49-F238E27FC236}">
+                <a16:creationId xmlns:a16="http://schemas.microsoft.com/office/drawing/2014/main" id="{ED02D2D7-1194-466E-9032-28B547A2C938}"/>
+              </a:ext>
+            </a:extLst>
+          </p:cNvPr>
+          <p:cNvSpPr txBox="1"/>
+          <p:nvPr/>
+        </p:nvSpPr>
+        <p:spPr>
+          <a:xfrm>
+            <a:off x="11374829" y="2631837"/>
+            <a:ext cx="800215" cy="923330"/>
+          </a:xfrm>
+          <a:prstGeom prst="rect">
+            <a:avLst/>
+          </a:prstGeom>
+          <a:noFill/>
+        </p:spPr>
+        <p:txBody>
+          <a:bodyPr wrap="square" rtlCol="0">
+            <a:spAutoFit/>
+          </a:bodyPr>
+          <a:lstStyle/>
+          <a:p>
+            <a:r>
+              <a:rPr lang="en-US" altLang="zh-TW" dirty="0">
+                <a:solidFill>
+                  <a:schemeClr val="accent1">
+                    <a:lumMod val="75000"/>
+                  </a:schemeClr>
+                </a:solidFill>
+              </a:rPr>
+              <a:t>*.csv</a:t>
+            </a:r>
+          </a:p>
+          <a:p>
+            <a:r>
+              <a:rPr lang="en-US" altLang="zh-TW" dirty="0">
+                <a:solidFill>
+                  <a:schemeClr val="accent1">
+                    <a:lumMod val="75000"/>
+                  </a:schemeClr>
+                </a:solidFill>
+              </a:rPr>
+              <a:t>*.pdf</a:t>
+            </a:r>
+          </a:p>
+          <a:p>
+            <a:r>
+              <a:rPr lang="en-US" altLang="zh-TW" dirty="0">
+                <a:solidFill>
+                  <a:schemeClr val="accent1">
+                    <a:lumMod val="75000"/>
+                  </a:schemeClr>
+                </a:solidFill>
+              </a:rPr>
+              <a:t>*.jpg</a:t>
+            </a:r>
+            <a:endParaRPr lang="zh-TW" altLang="en-US" dirty="0">
+              <a:solidFill>
+                <a:schemeClr val="accent1">
+                  <a:lumMod val="75000"/>
+                </a:schemeClr>
+              </a:solidFill>
+            </a:endParaRPr>
+          </a:p>
+        </p:txBody>
+      </p:sp>
+      <p:pic>
+        <p:nvPicPr>
+          <p:cNvPr id="4" name="圖片 3">
+            <a:extLst>
+              <a:ext uri="{FF2B5EF4-FFF2-40B4-BE49-F238E27FC236}">
+                <a16:creationId xmlns:a16="http://schemas.microsoft.com/office/drawing/2014/main" id="{4B6E04D9-6017-46F7-8E39-AB7E473A5C22}"/>
+              </a:ext>
+            </a:extLst>
+          </p:cNvPr>
+          <p:cNvPicPr>
+            <a:picLocks noChangeAspect="1"/>
+          </p:cNvPicPr>
+          <p:nvPr/>
+        </p:nvPicPr>
+        <p:blipFill>
+          <a:blip r:embed="rId2" cstate="hqprint">
+            <a:extLst>
+              <a:ext uri="{28A0092B-C50C-407E-A947-70E740481C1C}">
+                <a14:useLocalDpi xmlns:a14="http://schemas.microsoft.com/office/drawing/2010/main" val="0"/>
+              </a:ext>
+            </a:extLst>
+          </a:blip>
+          <a:stretch>
+            <a:fillRect/>
+          </a:stretch>
+        </p:blipFill>
+        <p:spPr>
+          <a:xfrm>
+            <a:off x="1154974" y="922867"/>
+            <a:ext cx="2532098" cy="5626885"/>
+          </a:xfrm>
+          <a:prstGeom prst="rect">
+            <a:avLst/>
+          </a:prstGeom>
+        </p:spPr>
+      </p:pic>
+      <p:sp>
+        <p:nvSpPr>
+          <p:cNvPr id="36" name="文字方塊 35">
+            <a:extLst>
+              <a:ext uri="{FF2B5EF4-FFF2-40B4-BE49-F238E27FC236}">
+                <a16:creationId xmlns:a16="http://schemas.microsoft.com/office/drawing/2014/main" id="{257F27CD-1695-40A9-862E-7292F9AA0EEC}"/>
+              </a:ext>
+            </a:extLst>
+          </p:cNvPr>
+          <p:cNvSpPr txBox="1"/>
+          <p:nvPr/>
+        </p:nvSpPr>
+        <p:spPr>
+          <a:xfrm>
+            <a:off x="1142787" y="1476402"/>
+            <a:ext cx="844550" cy="369332"/>
+          </a:xfrm>
+          <a:prstGeom prst="rect">
+            <a:avLst/>
+          </a:prstGeom>
+          <a:noFill/>
+        </p:spPr>
+        <p:txBody>
+          <a:bodyPr wrap="square">
+            <a:spAutoFit/>
+          </a:bodyPr>
+          <a:lstStyle/>
+          <a:p>
+            <a:pPr algn="ctr"/>
+            <a:r>
+              <a:rPr lang="en-US" altLang="zh-TW" dirty="0">
+                <a:solidFill>
+                  <a:srgbClr val="FF0000"/>
+                </a:solidFill>
+              </a:rPr>
+              <a:t>App1</a:t>
+            </a:r>
+            <a:endParaRPr lang="zh-TW" altLang="en-US" dirty="0">
+              <a:solidFill>
+                <a:srgbClr val="FF0000"/>
+              </a:solidFill>
+            </a:endParaRPr>
+          </a:p>
+        </p:txBody>
+      </p:sp>
+      <p:sp>
+        <p:nvSpPr>
+          <p:cNvPr id="38" name="文字方塊 37">
+            <a:extLst>
+              <a:ext uri="{FF2B5EF4-FFF2-40B4-BE49-F238E27FC236}">
+                <a16:creationId xmlns:a16="http://schemas.microsoft.com/office/drawing/2014/main" id="{22ECA52D-C1D8-47F5-9414-5955716D7E59}"/>
+              </a:ext>
+            </a:extLst>
+          </p:cNvPr>
+          <p:cNvSpPr txBox="1"/>
+          <p:nvPr/>
+        </p:nvSpPr>
+        <p:spPr>
+          <a:xfrm>
+            <a:off x="2893509" y="1476402"/>
+            <a:ext cx="751417" cy="369332"/>
+          </a:xfrm>
+          <a:prstGeom prst="rect">
+            <a:avLst/>
+          </a:prstGeom>
+          <a:noFill/>
+        </p:spPr>
+        <p:txBody>
+          <a:bodyPr wrap="square">
+            <a:spAutoFit/>
+          </a:bodyPr>
+          <a:lstStyle/>
+          <a:p>
+            <a:pPr algn="ctr"/>
+            <a:r>
+              <a:rPr lang="en-US" altLang="zh-TW" dirty="0">
+                <a:solidFill>
+                  <a:schemeClr val="accent1"/>
+                </a:solidFill>
+              </a:rPr>
+              <a:t>App2</a:t>
+            </a:r>
+            <a:endParaRPr lang="zh-TW" altLang="en-US" dirty="0">
+              <a:solidFill>
+                <a:schemeClr val="accent1"/>
+              </a:solidFill>
+            </a:endParaRPr>
+          </a:p>
+        </p:txBody>
+      </p:sp>
+      <p:sp>
+        <p:nvSpPr>
+          <p:cNvPr id="39" name="矩形: 圓角 38">
+            <a:extLst>
+              <a:ext uri="{FF2B5EF4-FFF2-40B4-BE49-F238E27FC236}">
+                <a16:creationId xmlns:a16="http://schemas.microsoft.com/office/drawing/2014/main" id="{B71B5CA5-A95D-47C7-9429-84A706FC73B0}"/>
+              </a:ext>
+            </a:extLst>
+          </p:cNvPr>
+          <p:cNvSpPr/>
+          <p:nvPr/>
+        </p:nvSpPr>
+        <p:spPr>
+          <a:xfrm>
+            <a:off x="1174486" y="1274386"/>
+            <a:ext cx="1224190" cy="2082735"/>
+          </a:xfrm>
+          <a:prstGeom prst="roundRect">
+            <a:avLst/>
+          </a:prstGeom>
+          <a:noFill/>
+          <a:ln>
+            <a:solidFill>
+              <a:srgbClr val="FF0000"/>
+            </a:solidFill>
+          </a:ln>
+        </p:spPr>
+        <p:style>
+          <a:lnRef idx="2">
+            <a:schemeClr val="accent1">
+              <a:shade val="50000"/>
+            </a:schemeClr>
+          </a:lnRef>
+          <a:fillRef idx="1">
+            <a:schemeClr val="accent1"/>
+          </a:fillRef>
+          <a:effectRef idx="0">
+            <a:schemeClr val="accent1"/>
+          </a:effectRef>
+          <a:fontRef idx="minor">
+            <a:schemeClr val="lt1"/>
+          </a:fontRef>
+        </p:style>
+        <p:txBody>
+          <a:bodyPr rtlCol="0" anchor="ctr"/>
+          <a:lstStyle/>
+          <a:p>
+            <a:pPr algn="ctr"/>
+            <a:endParaRPr lang="zh-TW" altLang="en-US" dirty="0">
+              <a:solidFill>
+                <a:srgbClr val="FF0000"/>
+              </a:solidFill>
+            </a:endParaRPr>
+          </a:p>
+        </p:txBody>
+      </p:sp>
+      <p:sp>
+        <p:nvSpPr>
+          <p:cNvPr id="41" name="矩形: 圓角 40">
+            <a:extLst>
+              <a:ext uri="{FF2B5EF4-FFF2-40B4-BE49-F238E27FC236}">
+                <a16:creationId xmlns:a16="http://schemas.microsoft.com/office/drawing/2014/main" id="{37614059-BE27-4177-A35A-9E5F33435268}"/>
+              </a:ext>
+            </a:extLst>
+          </p:cNvPr>
+          <p:cNvSpPr/>
+          <p:nvPr/>
+        </p:nvSpPr>
+        <p:spPr>
+          <a:xfrm>
+            <a:off x="2455600" y="1274385"/>
+            <a:ext cx="1196981" cy="2082735"/>
+          </a:xfrm>
+          <a:prstGeom prst="roundRect">
+            <a:avLst/>
+          </a:prstGeom>
+          <a:noFill/>
+          <a:ln>
+            <a:solidFill>
+              <a:schemeClr val="accent1"/>
+            </a:solidFill>
+          </a:ln>
+        </p:spPr>
+        <p:style>
+          <a:lnRef idx="2">
+            <a:schemeClr val="accent1">
+              <a:shade val="50000"/>
+            </a:schemeClr>
+          </a:lnRef>
+          <a:fillRef idx="1">
+            <a:schemeClr val="accent1"/>
+          </a:fillRef>
+          <a:effectRef idx="0">
+            <a:schemeClr val="accent1"/>
+          </a:effectRef>
+          <a:fontRef idx="minor">
+            <a:schemeClr val="lt1"/>
+          </a:fontRef>
+        </p:style>
+        <p:txBody>
+          <a:bodyPr rtlCol="0" anchor="ctr"/>
+          <a:lstStyle/>
+          <a:p>
+            <a:pPr algn="ctr"/>
+            <a:endParaRPr lang="zh-TW" altLang="en-US" dirty="0">
+              <a:solidFill>
+                <a:srgbClr val="FF0000"/>
+              </a:solidFill>
+            </a:endParaRPr>
+          </a:p>
+        </p:txBody>
+      </p:sp>
+      <p:sp>
+        <p:nvSpPr>
+          <p:cNvPr id="40" name="矩形: 圓角 40">
+            <a:extLst>
+              <a:ext uri="{FF2B5EF4-FFF2-40B4-BE49-F238E27FC236}">
+                <a16:creationId xmlns:a16="http://schemas.microsoft.com/office/drawing/2014/main" id="{37614059-BE27-4177-A35A-9E5F33435268}"/>
+              </a:ext>
+            </a:extLst>
+          </p:cNvPr>
+          <p:cNvSpPr/>
+          <p:nvPr/>
+        </p:nvSpPr>
+        <p:spPr>
+          <a:xfrm>
+            <a:off x="2526279" y="2076897"/>
+            <a:ext cx="1055621" cy="449935"/>
+          </a:xfrm>
+          <a:prstGeom prst="roundRect">
+            <a:avLst/>
+          </a:prstGeom>
+          <a:noFill/>
+          <a:ln>
+            <a:solidFill>
+              <a:schemeClr val="accent1"/>
+            </a:solidFill>
+          </a:ln>
+        </p:spPr>
+        <p:style>
+          <a:lnRef idx="2">
+            <a:schemeClr val="accent1">
+              <a:shade val="50000"/>
+            </a:schemeClr>
+          </a:lnRef>
+          <a:fillRef idx="1">
+            <a:schemeClr val="accent1"/>
+          </a:fillRef>
+          <a:effectRef idx="0">
+            <a:schemeClr val="accent1"/>
+          </a:effectRef>
+          <a:fontRef idx="minor">
+            <a:schemeClr val="lt1"/>
+          </a:fontRef>
+        </p:style>
+        <p:txBody>
+          <a:bodyPr rtlCol="0" anchor="ctr"/>
+          <a:lstStyle/>
+          <a:p>
+            <a:pPr algn="ctr"/>
+            <a:r>
+              <a:rPr lang="en-US" altLang="zh-TW" dirty="0" smtClean="0">
+                <a:solidFill>
+                  <a:schemeClr val="accent1"/>
+                </a:solidFill>
+              </a:rPr>
+              <a:t>Activity1</a:t>
+            </a:r>
+            <a:endParaRPr lang="zh-TW" altLang="en-US" dirty="0">
+              <a:solidFill>
+                <a:schemeClr val="accent1"/>
+              </a:solidFill>
+            </a:endParaRPr>
+          </a:p>
+        </p:txBody>
+      </p:sp>
+      <p:sp>
+        <p:nvSpPr>
+          <p:cNvPr id="43" name="矩形: 圓角 40">
+            <a:extLst>
+              <a:ext uri="{FF2B5EF4-FFF2-40B4-BE49-F238E27FC236}">
+                <a16:creationId xmlns:a16="http://schemas.microsoft.com/office/drawing/2014/main" id="{37614059-BE27-4177-A35A-9E5F33435268}"/>
+              </a:ext>
+            </a:extLst>
+          </p:cNvPr>
+          <p:cNvSpPr/>
+          <p:nvPr/>
+        </p:nvSpPr>
+        <p:spPr>
+          <a:xfrm>
+            <a:off x="2527768" y="2657223"/>
+            <a:ext cx="1055621" cy="449935"/>
+          </a:xfrm>
+          <a:prstGeom prst="roundRect">
+            <a:avLst/>
+          </a:prstGeom>
+          <a:noFill/>
+          <a:ln>
+            <a:solidFill>
+              <a:schemeClr val="accent1"/>
+            </a:solidFill>
+          </a:ln>
+        </p:spPr>
+        <p:style>
+          <a:lnRef idx="2">
+            <a:schemeClr val="accent1">
+              <a:shade val="50000"/>
+            </a:schemeClr>
+          </a:lnRef>
+          <a:fillRef idx="1">
+            <a:schemeClr val="accent1"/>
+          </a:fillRef>
+          <a:effectRef idx="0">
+            <a:schemeClr val="accent1"/>
+          </a:effectRef>
+          <a:fontRef idx="minor">
+            <a:schemeClr val="lt1"/>
+          </a:fontRef>
+        </p:style>
+        <p:txBody>
+          <a:bodyPr rtlCol="0" anchor="ctr"/>
+          <a:lstStyle/>
+          <a:p>
+            <a:pPr algn="ctr"/>
+            <a:r>
+              <a:rPr lang="en-US" altLang="zh-TW" dirty="0" smtClean="0">
+                <a:solidFill>
+                  <a:schemeClr val="accent1"/>
+                </a:solidFill>
+              </a:rPr>
+              <a:t>Activity2</a:t>
+            </a:r>
+            <a:endParaRPr lang="zh-TW" altLang="en-US" dirty="0">
+              <a:solidFill>
+                <a:schemeClr val="accent1"/>
+              </a:solidFill>
+            </a:endParaRPr>
+          </a:p>
+        </p:txBody>
+      </p:sp>
+      <p:sp>
+        <p:nvSpPr>
+          <p:cNvPr id="45" name="矩形: 圓角 40">
+            <a:extLst>
+              <a:ext uri="{FF2B5EF4-FFF2-40B4-BE49-F238E27FC236}">
+                <a16:creationId xmlns:a16="http://schemas.microsoft.com/office/drawing/2014/main" id="{37614059-BE27-4177-A35A-9E5F33435268}"/>
+              </a:ext>
+            </a:extLst>
+          </p:cNvPr>
+          <p:cNvSpPr/>
+          <p:nvPr/>
+        </p:nvSpPr>
+        <p:spPr>
+          <a:xfrm>
+            <a:off x="1261504" y="2657223"/>
+            <a:ext cx="1055621" cy="449935"/>
+          </a:xfrm>
+          <a:prstGeom prst="roundRect">
+            <a:avLst/>
+          </a:prstGeom>
+          <a:noFill/>
+          <a:ln>
+            <a:solidFill>
+              <a:srgbClr val="FF0000"/>
+            </a:solidFill>
+          </a:ln>
+        </p:spPr>
+        <p:style>
+          <a:lnRef idx="2">
+            <a:schemeClr val="accent1">
+              <a:shade val="50000"/>
+            </a:schemeClr>
+          </a:lnRef>
+          <a:fillRef idx="1">
+            <a:schemeClr val="accent1"/>
+          </a:fillRef>
+          <a:effectRef idx="0">
+            <a:schemeClr val="accent1"/>
+          </a:effectRef>
+          <a:fontRef idx="minor">
+            <a:schemeClr val="lt1"/>
+          </a:fontRef>
+        </p:style>
+        <p:txBody>
+          <a:bodyPr rtlCol="0" anchor="ctr"/>
+          <a:lstStyle/>
+          <a:p>
+            <a:pPr algn="ctr"/>
+            <a:r>
+              <a:rPr lang="en-US" altLang="zh-TW" dirty="0" smtClean="0">
+                <a:solidFill>
+                  <a:srgbClr val="FF0000"/>
+                </a:solidFill>
+              </a:rPr>
+              <a:t>Activity2</a:t>
+            </a:r>
+            <a:endParaRPr lang="zh-TW" altLang="en-US" dirty="0">
+              <a:solidFill>
+                <a:srgbClr val="FF0000"/>
+              </a:solidFill>
+            </a:endParaRPr>
+          </a:p>
+        </p:txBody>
+      </p:sp>
+      <p:sp>
+        <p:nvSpPr>
+          <p:cNvPr id="47" name="矩形: 圓角 40">
+            <a:extLst>
+              <a:ext uri="{FF2B5EF4-FFF2-40B4-BE49-F238E27FC236}">
+                <a16:creationId xmlns:a16="http://schemas.microsoft.com/office/drawing/2014/main" id="{37614059-BE27-4177-A35A-9E5F33435268}"/>
+              </a:ext>
+            </a:extLst>
+          </p:cNvPr>
+          <p:cNvSpPr/>
+          <p:nvPr/>
+        </p:nvSpPr>
+        <p:spPr>
+          <a:xfrm>
+            <a:off x="1278568" y="2050761"/>
+            <a:ext cx="1055621" cy="449935"/>
+          </a:xfrm>
+          <a:prstGeom prst="roundRect">
+            <a:avLst/>
+          </a:prstGeom>
+          <a:noFill/>
+          <a:ln>
+            <a:solidFill>
+              <a:srgbClr val="FF0000"/>
+            </a:solidFill>
+          </a:ln>
+        </p:spPr>
+        <p:style>
+          <a:lnRef idx="2">
+            <a:schemeClr val="accent1">
+              <a:shade val="50000"/>
+            </a:schemeClr>
+          </a:lnRef>
+          <a:fillRef idx="1">
+            <a:schemeClr val="accent1"/>
+          </a:fillRef>
+          <a:effectRef idx="0">
+            <a:schemeClr val="accent1"/>
+          </a:effectRef>
+          <a:fontRef idx="minor">
+            <a:schemeClr val="lt1"/>
+          </a:fontRef>
+        </p:style>
+        <p:txBody>
+          <a:bodyPr rtlCol="0" anchor="ctr"/>
+          <a:lstStyle/>
+          <a:p>
+            <a:pPr algn="ctr"/>
+            <a:r>
+              <a:rPr lang="en-US" altLang="zh-TW" dirty="0" smtClean="0">
+                <a:solidFill>
+                  <a:srgbClr val="FF0000"/>
+                </a:solidFill>
+              </a:rPr>
+              <a:t>Activity1</a:t>
+            </a:r>
+            <a:endParaRPr lang="zh-TW" altLang="en-US" dirty="0">
+              <a:solidFill>
+                <a:srgbClr val="FF0000"/>
+              </a:solidFill>
+            </a:endParaRPr>
+          </a:p>
+        </p:txBody>
+      </p:sp>
+      <p:sp>
+        <p:nvSpPr>
+          <p:cNvPr id="3" name="向下箭號 2"/>
+          <p:cNvSpPr/>
+          <p:nvPr/>
+        </p:nvSpPr>
+        <p:spPr>
+          <a:xfrm rot="18759912">
+            <a:off x="2292222" y="2258048"/>
+            <a:ext cx="318718" cy="646928"/>
+          </a:xfrm>
+          <a:prstGeom prst="downArrow">
+            <a:avLst/>
+          </a:prstGeom>
+          <a:solidFill>
+            <a:srgbClr val="FFC000"/>
+          </a:solidFill>
+        </p:spPr>
+        <p:style>
+          <a:lnRef idx="2">
+            <a:schemeClr val="accent1">
+              <a:shade val="50000"/>
+            </a:schemeClr>
+          </a:lnRef>
+          <a:fillRef idx="1">
+            <a:schemeClr val="accent1"/>
+          </a:fillRef>
+          <a:effectRef idx="0">
+            <a:schemeClr val="accent1"/>
+          </a:effectRef>
+          <a:fontRef idx="minor">
+            <a:schemeClr val="lt1"/>
+          </a:fontRef>
+        </p:style>
+        <p:txBody>
+          <a:bodyPr rtlCol="0" anchor="ctr"/>
+          <a:lstStyle/>
+          <a:p>
+            <a:pPr algn="ctr"/>
+            <a:endParaRPr lang="zh-TW" altLang="en-US" dirty="0"/>
+          </a:p>
+        </p:txBody>
+      </p:sp>
+      <p:sp>
+        <p:nvSpPr>
+          <p:cNvPr id="5" name="文字方塊 4"/>
+          <p:cNvSpPr txBox="1"/>
+          <p:nvPr/>
+        </p:nvSpPr>
+        <p:spPr>
+          <a:xfrm rot="2741817">
+            <a:off x="2116658" y="2371883"/>
+            <a:ext cx="526228" cy="276999"/>
+          </a:xfrm>
+          <a:prstGeom prst="rect">
+            <a:avLst/>
+          </a:prstGeom>
+          <a:noFill/>
+        </p:spPr>
+        <p:txBody>
+          <a:bodyPr wrap="square" rtlCol="0">
+            <a:spAutoFit/>
+          </a:bodyPr>
+          <a:lstStyle/>
+          <a:p>
+            <a:r>
+              <a:rPr lang="en-US" altLang="zh-TW" sz="1200" dirty="0" smtClean="0">
+                <a:solidFill>
+                  <a:srgbClr val="FF0000"/>
+                </a:solidFill>
+              </a:rPr>
+              <a:t>call</a:t>
+            </a:r>
+            <a:endParaRPr lang="zh-TW" altLang="en-US" sz="1200" dirty="0">
+              <a:solidFill>
+                <a:srgbClr val="FF0000"/>
+              </a:solidFill>
+            </a:endParaRPr>
+          </a:p>
+        </p:txBody>
+      </p:sp>
+      <p:sp>
+        <p:nvSpPr>
+          <p:cNvPr id="48" name="文字方塊 47"/>
+          <p:cNvSpPr txBox="1"/>
+          <p:nvPr/>
+        </p:nvSpPr>
+        <p:spPr>
+          <a:xfrm>
+            <a:off x="10308723" y="32012"/>
+            <a:ext cx="2132212" cy="369332"/>
+          </a:xfrm>
+          <a:prstGeom prst="rect">
+            <a:avLst/>
+          </a:prstGeom>
+          <a:noFill/>
+        </p:spPr>
+        <p:txBody>
+          <a:bodyPr wrap="square" rtlCol="0">
+            <a:spAutoFit/>
+          </a:bodyPr>
+          <a:lstStyle/>
+          <a:p>
+            <a:r>
+              <a:rPr lang="en-US" altLang="zh-TW" dirty="0" smtClean="0"/>
+              <a:t>Reference </a:t>
+            </a:r>
+            <a:r>
+              <a:rPr lang="en-US" altLang="zh-TW" dirty="0"/>
+              <a:t>from AI</a:t>
+            </a:r>
+            <a:endParaRPr lang="zh-TW" altLang="en-US" dirty="0"/>
+          </a:p>
+        </p:txBody>
+      </p:sp>
     </p:spTree>
     <p:extLst>
       <p:ext uri="{BB962C8B-B14F-4D97-AF65-F5344CB8AC3E}">
-        <p14:creationId xmlns:p14="http://schemas.microsoft.com/office/powerpoint/2010/main" val="3951226644"/>
+        <p14:creationId xmlns:p14="http://schemas.microsoft.com/office/powerpoint/2010/main" val="3098266929"/>
       </p:ext>
     </p:extLst>
   </p:cSld>

--- a/Teach.pptx
+++ b/Teach.pptx
@@ -3522,7 +3522,7 @@
         </p:blipFill>
         <p:spPr>
           <a:xfrm>
-            <a:off x="8418013" y="4076975"/>
+            <a:off x="8317619" y="4076975"/>
             <a:ext cx="2676455" cy="2676455"/>
           </a:xfrm>
           <a:prstGeom prst="rect">
@@ -3620,8 +3620,8 @@
         </p:blipFill>
         <p:spPr>
           <a:xfrm>
-            <a:off x="7797715" y="216551"/>
-            <a:ext cx="3657209" cy="1828605"/>
+            <a:off x="7715795" y="263710"/>
+            <a:ext cx="3880105" cy="1940053"/>
           </a:xfrm>
           <a:prstGeom prst="rect">
             <a:avLst/>
@@ -4034,30 +4034,17 @@
             </a:r>
             <a:r>
               <a:rPr lang="en-US" altLang="zh-TW" sz="2000" dirty="0"/>
-              <a:t> are produced by two different unit engineers</a:t>
-            </a:r>
-            <a:r>
-              <a:rPr lang="en-US" altLang="zh-TW" sz="2000" dirty="0" smtClean="0"/>
-              <a:t>.</a:t>
-            </a:r>
-          </a:p>
-          <a:p>
-            <a:endParaRPr lang="en-US" altLang="zh-TW" sz="2000" dirty="0" smtClean="0"/>
+              <a:t> are produced by two different unit engineers.</a:t>
+            </a:r>
+          </a:p>
+          <a:p>
+            <a:endParaRPr lang="en-US" altLang="zh-TW" sz="2000" dirty="0"/>
           </a:p>
           <a:p>
             <a:r>
               <a:rPr lang="en-US" altLang="zh-TW" sz="2000" dirty="0"/>
-              <a:t>Therefore, Intent </a:t>
-            </a:r>
-            <a:r>
-              <a:rPr lang="en-US" altLang="zh-TW" sz="2000" dirty="0" smtClean="0"/>
-              <a:t>method </a:t>
-            </a:r>
-            <a:r>
-              <a:rPr lang="en-US" altLang="zh-TW" sz="2000" dirty="0"/>
-              <a:t>is needed to call the other party's APP and transmit messages.</a:t>
-            </a:r>
-            <a:endParaRPr lang="en-US" altLang="zh-TW" sz="2000" dirty="0"/>
+              <a:t>Therefore, Intent method is needed to call the other party's APP and transmit messages.</a:t>
+            </a:r>
           </a:p>
         </p:txBody>
       </p:sp>
@@ -4243,15 +4230,7 @@
                   <a:srgbClr val="FF0000"/>
                 </a:solidFill>
               </a:rPr>
-              <a:t>APP1—</a:t>
-            </a:r>
-            <a:r>
-              <a:rPr lang="en-US" altLang="zh-TW" dirty="0" err="1">
-                <a:solidFill>
-                  <a:srgbClr val="FF0000"/>
-                </a:solidFill>
-              </a:rPr>
-              <a:t>MainActivity</a:t>
+              <a:t>APP1—Activity1</a:t>
             </a:r>
             <a:endParaRPr lang="zh-TW" altLang="en-US" dirty="0">
               <a:solidFill>
@@ -4276,7 +4255,7 @@
         <p:spPr>
           <a:xfrm>
             <a:off x="3149600" y="786633"/>
-            <a:ext cx="3494750" cy="369332"/>
+            <a:ext cx="2946400" cy="369332"/>
           </a:xfrm>
           <a:prstGeom prst="rect">
             <a:avLst/>
@@ -4697,12 +4676,8 @@
           <a:lstStyle/>
           <a:p>
             <a:r>
-              <a:rPr lang="en-US" altLang="zh-TW" dirty="0" smtClean="0"/>
-              <a:t>Reference </a:t>
-            </a:r>
-            <a:r>
               <a:rPr lang="en-US" altLang="zh-TW" dirty="0"/>
-              <a:t>from AI</a:t>
+              <a:t>Reference from AI</a:t>
             </a:r>
             <a:endParaRPr lang="zh-TW" altLang="en-US" dirty="0"/>
           </a:p>
@@ -4738,56 +4713,12 @@
           <a:chExt cx="0" cy="0"/>
         </a:xfrm>
       </p:grpSpPr>
-      <p:sp>
-        <p:nvSpPr>
-          <p:cNvPr id="2" name="標題 1">
-            <a:extLst>
-              <a:ext uri="{FF2B5EF4-FFF2-40B4-BE49-F238E27FC236}">
-                <a16:creationId xmlns:a16="http://schemas.microsoft.com/office/drawing/2014/main" id="{8097AD09-7E5F-4C90-999F-B344884E6094}"/>
-              </a:ext>
-            </a:extLst>
-          </p:cNvPr>
-          <p:cNvSpPr>
-            <a:spLocks noGrp="1"/>
-          </p:cNvSpPr>
-          <p:nvPr>
-            <p:ph type="title"/>
-          </p:nvPr>
-        </p:nvSpPr>
-        <p:spPr>
-          <a:xfrm>
-            <a:off x="-1" y="0"/>
-            <a:ext cx="8862061" cy="922867"/>
-          </a:xfrm>
-        </p:spPr>
-        <p:txBody>
-          <a:bodyPr>
-            <a:normAutofit/>
-          </a:bodyPr>
-          <a:lstStyle/>
-          <a:p>
-            <a:r>
-              <a:rPr lang="en-US" altLang="zh-TW" dirty="0"/>
-              <a:t>Rd545cmd1—Rd545 </a:t>
-            </a:r>
-            <a:r>
-              <a:rPr lang="en-US" altLang="zh-TW" dirty="0" err="1"/>
-              <a:t>Api</a:t>
-            </a:r>
-            <a:r>
-              <a:rPr lang="en-US" altLang="zh-TW" dirty="0"/>
-              <a:t> call Example</a:t>
-            </a:r>
-            <a:endParaRPr lang="zh-TW" altLang="en-US" dirty="0"/>
-          </a:p>
-        </p:txBody>
-      </p:sp>
       <p:pic>
         <p:nvPicPr>
-          <p:cNvPr id="40" name="圖片 39">
-            <a:extLst>
-              <a:ext uri="{FF2B5EF4-FFF2-40B4-BE49-F238E27FC236}">
-                <a16:creationId xmlns:a16="http://schemas.microsoft.com/office/drawing/2014/main" id="{33F52219-01B5-4E78-9C84-9B6FE4A26D74}"/>
+          <p:cNvPr id="4" name="圖片 3">
+            <a:extLst>
+              <a:ext uri="{FF2B5EF4-FFF2-40B4-BE49-F238E27FC236}">
+                <a16:creationId xmlns:a16="http://schemas.microsoft.com/office/drawing/2014/main" id="{DA3854EB-49E8-4D13-8094-E207058332ED}"/>
               </a:ext>
             </a:extLst>
           </p:cNvPr>
@@ -4804,88 +4735,23 @@
         </p:blipFill>
         <p:spPr>
           <a:xfrm>
-            <a:off x="9179766" y="1097821"/>
-            <a:ext cx="1826208" cy="1997670"/>
+            <a:off x="4679686" y="2710166"/>
+            <a:ext cx="2778079" cy="3048170"/>
           </a:xfrm>
           <a:prstGeom prst="rect">
             <a:avLst/>
           </a:prstGeom>
         </p:spPr>
       </p:pic>
-      <p:sp>
-        <p:nvSpPr>
-          <p:cNvPr id="45" name="文字方塊 44">
-            <a:extLst>
-              <a:ext uri="{FF2B5EF4-FFF2-40B4-BE49-F238E27FC236}">
-                <a16:creationId xmlns:a16="http://schemas.microsoft.com/office/drawing/2014/main" id="{E49634F5-CAD1-47B7-AAB8-D604B4F7C6E8}"/>
-              </a:ext>
-            </a:extLst>
-          </p:cNvPr>
-          <p:cNvSpPr txBox="1"/>
-          <p:nvPr/>
-        </p:nvSpPr>
-        <p:spPr>
-          <a:xfrm>
-            <a:off x="6151357" y="674391"/>
-            <a:ext cx="2881955" cy="369332"/>
-          </a:xfrm>
-          <a:prstGeom prst="rect">
-            <a:avLst/>
-          </a:prstGeom>
-          <a:noFill/>
-          <a:ln>
-            <a:noFill/>
-          </a:ln>
-        </p:spPr>
-        <p:txBody>
-          <a:bodyPr wrap="square" rtlCol="0">
-            <a:spAutoFit/>
-          </a:bodyPr>
-          <a:lstStyle/>
-          <a:p>
-            <a:r>
-              <a:rPr lang="en-US" altLang="zh-TW" dirty="0">
-                <a:solidFill>
-                  <a:srgbClr val="00B050"/>
-                </a:solidFill>
-              </a:rPr>
-              <a:t>Bluetooth </a:t>
-            </a:r>
-            <a:r>
-              <a:rPr lang="en-US" altLang="zh-TW" dirty="0" smtClean="0">
-                <a:solidFill>
-                  <a:srgbClr val="00B050"/>
-                </a:solidFill>
-              </a:rPr>
-              <a:t>LE</a:t>
-            </a:r>
-            <a:r>
-              <a:rPr lang="zh-TW" altLang="en-US" dirty="0" smtClean="0">
-                <a:solidFill>
-                  <a:srgbClr val="00B050"/>
-                </a:solidFill>
-              </a:rPr>
-              <a:t> </a:t>
-            </a:r>
-            <a:r>
-              <a:rPr lang="en-US" altLang="zh-TW" dirty="0" smtClean="0">
-                <a:solidFill>
-                  <a:srgbClr val="00B050"/>
-                </a:solidFill>
-              </a:rPr>
-              <a:t>Control Test</a:t>
-            </a:r>
-            <a:endParaRPr lang="zh-TW" altLang="en-US" dirty="0">
-              <a:solidFill>
-                <a:srgbClr val="00B050"/>
-              </a:solidFill>
-            </a:endParaRPr>
-          </a:p>
-        </p:txBody>
-      </p:sp>
       <p:pic>
         <p:nvPicPr>
-          <p:cNvPr id="5" name="圖片 4"/>
+          <p:cNvPr id="9" name="圖片 8">
+            <a:extLst>
+              <a:ext uri="{FF2B5EF4-FFF2-40B4-BE49-F238E27FC236}">
+                <a16:creationId xmlns:a16="http://schemas.microsoft.com/office/drawing/2014/main" id="{3AA1BB77-CE3F-46EA-A90F-28B1F542B1B2}"/>
+              </a:ext>
+            </a:extLst>
+          </p:cNvPr>
           <p:cNvPicPr>
             <a:picLocks noChangeAspect="1"/>
           </p:cNvPicPr>
@@ -4899,8 +4765,8 @@
         </p:blipFill>
         <p:spPr>
           <a:xfrm>
-            <a:off x="308558" y="1137032"/>
-            <a:ext cx="2763099" cy="2302583"/>
+            <a:off x="522428" y="1097821"/>
+            <a:ext cx="2392394" cy="2746823"/>
           </a:xfrm>
           <a:prstGeom prst="rect">
             <a:avLst/>
@@ -4909,29 +4775,43 @@
       </p:pic>
       <p:sp>
         <p:nvSpPr>
-          <p:cNvPr id="6" name="矩形 5"/>
-          <p:cNvSpPr/>
-          <p:nvPr/>
-        </p:nvSpPr>
-        <p:spPr>
-          <a:xfrm>
-            <a:off x="9277870" y="784813"/>
-            <a:ext cx="1483547" cy="369332"/>
-          </a:xfrm>
-          <a:prstGeom prst="rect">
-            <a:avLst/>
-          </a:prstGeom>
-        </p:spPr>
-        <p:txBody>
-          <a:bodyPr wrap="none">
-            <a:spAutoFit/>
+          <p:cNvPr id="2" name="標題 1">
+            <a:extLst>
+              <a:ext uri="{FF2B5EF4-FFF2-40B4-BE49-F238E27FC236}">
+                <a16:creationId xmlns:a16="http://schemas.microsoft.com/office/drawing/2014/main" id="{8097AD09-7E5F-4C90-999F-B344884E6094}"/>
+              </a:ext>
+            </a:extLst>
+          </p:cNvPr>
+          <p:cNvSpPr>
+            <a:spLocks noGrp="1"/>
+          </p:cNvSpPr>
+          <p:nvPr>
+            <p:ph type="title"/>
+          </p:nvPr>
+        </p:nvSpPr>
+        <p:spPr>
+          <a:xfrm>
+            <a:off x="-1" y="0"/>
+            <a:ext cx="8862061" cy="922867"/>
+          </a:xfrm>
+        </p:spPr>
+        <p:txBody>
+          <a:bodyPr>
+            <a:normAutofit/>
           </a:bodyPr>
           <a:lstStyle/>
           <a:p>
-            <a:pPr algn="ctr"/>
             <a:r>
               <a:rPr lang="en-US" altLang="zh-TW" dirty="0"/>
-              <a:t>RD545 Device</a:t>
+              <a:t>Rd545cmd1—Rd545 </a:t>
+            </a:r>
+            <a:r>
+              <a:rPr lang="en-US" altLang="zh-TW" dirty="0" err="1"/>
+              <a:t>Api</a:t>
+            </a:r>
+            <a:r>
+              <a:rPr lang="en-US" altLang="zh-TW" dirty="0"/>
+              <a:t> call Example</a:t>
             </a:r>
             <a:endParaRPr lang="zh-TW" altLang="en-US" dirty="0"/>
           </a:p>
@@ -4939,7 +4819,13 @@
       </p:sp>
       <p:pic>
         <p:nvPicPr>
-          <p:cNvPr id="7" name="圖片 6"/>
+          <p:cNvPr id="40" name="圖片 39">
+            <a:extLst>
+              <a:ext uri="{FF2B5EF4-FFF2-40B4-BE49-F238E27FC236}">
+                <a16:creationId xmlns:a16="http://schemas.microsoft.com/office/drawing/2014/main" id="{33F52219-01B5-4E78-9C84-9B6FE4A26D74}"/>
+              </a:ext>
+            </a:extLst>
+          </p:cNvPr>
           <p:cNvPicPr>
             <a:picLocks noChangeAspect="1"/>
           </p:cNvPicPr>
@@ -4953,8 +4839,8 @@
         </p:blipFill>
         <p:spPr>
           <a:xfrm>
-            <a:off x="4769809" y="1137032"/>
-            <a:ext cx="2763099" cy="2302583"/>
+            <a:off x="9179766" y="1097821"/>
+            <a:ext cx="1826208" cy="1997670"/>
           </a:xfrm>
           <a:prstGeom prst="rect">
             <a:avLst/>
@@ -4963,19 +4849,28 @@
       </p:pic>
       <p:sp>
         <p:nvSpPr>
-          <p:cNvPr id="10" name="文字方塊 9"/>
+          <p:cNvPr id="45" name="文字方塊 44">
+            <a:extLst>
+              <a:ext uri="{FF2B5EF4-FFF2-40B4-BE49-F238E27FC236}">
+                <a16:creationId xmlns:a16="http://schemas.microsoft.com/office/drawing/2014/main" id="{E49634F5-CAD1-47B7-AAB8-D604B4F7C6E8}"/>
+              </a:ext>
+            </a:extLst>
+          </p:cNvPr>
           <p:cNvSpPr txBox="1"/>
           <p:nvPr/>
         </p:nvSpPr>
         <p:spPr>
           <a:xfrm>
-            <a:off x="4851097" y="797540"/>
-            <a:ext cx="1014804" cy="369332"/>
+            <a:off x="6151357" y="674391"/>
+            <a:ext cx="2881955" cy="369332"/>
           </a:xfrm>
           <a:prstGeom prst="rect">
             <a:avLst/>
           </a:prstGeom>
           <a:noFill/>
+          <a:ln>
+            <a:noFill/>
+          </a:ln>
         </p:spPr>
         <p:txBody>
           <a:bodyPr wrap="square" rtlCol="0">
@@ -4984,8 +4879,62 @@
           <a:lstStyle/>
           <a:p>
             <a:r>
-              <a:rPr lang="en-US" altLang="zh-TW" dirty="0" smtClean="0"/>
-              <a:t>Activity2</a:t>
+              <a:rPr lang="en-US" altLang="zh-TW" dirty="0">
+                <a:solidFill>
+                  <a:srgbClr val="00B050"/>
+                </a:solidFill>
+              </a:rPr>
+              <a:t>Bluetooth LE</a:t>
+            </a:r>
+            <a:r>
+              <a:rPr lang="zh-TW" altLang="en-US" dirty="0">
+                <a:solidFill>
+                  <a:srgbClr val="00B050"/>
+                </a:solidFill>
+              </a:rPr>
+              <a:t> </a:t>
+            </a:r>
+            <a:r>
+              <a:rPr lang="en-US" altLang="zh-TW" dirty="0">
+                <a:solidFill>
+                  <a:srgbClr val="00B050"/>
+                </a:solidFill>
+              </a:rPr>
+              <a:t>Control Test</a:t>
+            </a:r>
+            <a:endParaRPr lang="zh-TW" altLang="en-US" dirty="0">
+              <a:solidFill>
+                <a:srgbClr val="00B050"/>
+              </a:solidFill>
+            </a:endParaRPr>
+          </a:p>
+        </p:txBody>
+      </p:sp>
+      <p:sp>
+        <p:nvSpPr>
+          <p:cNvPr id="6" name="矩形 5"/>
+          <p:cNvSpPr/>
+          <p:nvPr/>
+        </p:nvSpPr>
+        <p:spPr>
+          <a:xfrm>
+            <a:off x="9277870" y="784813"/>
+            <a:ext cx="1483547" cy="369332"/>
+          </a:xfrm>
+          <a:prstGeom prst="rect">
+            <a:avLst/>
+          </a:prstGeom>
+        </p:spPr>
+        <p:txBody>
+          <a:bodyPr wrap="none">
+            <a:spAutoFit/>
+          </a:bodyPr>
+          <a:lstStyle/>
+          <a:p>
+            <a:pPr algn="ctr"/>
+            <a:r>
+              <a:rPr lang="en-US" altLang="zh-TW" dirty="0"/>
+              <a:t>RD545 Device</a:t>
             </a:r>
             <a:endParaRPr lang="zh-TW" altLang="en-US" dirty="0"/>
           </a:p>
@@ -4993,14 +4942,14 @@
       </p:sp>
       <p:sp>
         <p:nvSpPr>
-          <p:cNvPr id="47" name="文字方塊 46"/>
+          <p:cNvPr id="10" name="文字方塊 9"/>
           <p:cNvSpPr txBox="1"/>
           <p:nvPr/>
         </p:nvSpPr>
         <p:spPr>
           <a:xfrm>
-            <a:off x="1172972" y="817599"/>
-            <a:ext cx="1036875" cy="369332"/>
+            <a:off x="4851097" y="797540"/>
+            <a:ext cx="1014804" cy="369332"/>
           </a:xfrm>
           <a:prstGeom prst="rect">
             <a:avLst/>
@@ -5014,7 +4963,37 @@
           <a:lstStyle/>
           <a:p>
             <a:r>
-              <a:rPr lang="en-US" altLang="zh-TW" dirty="0" smtClean="0"/>
+              <a:rPr lang="en-US" altLang="zh-TW" dirty="0"/>
+              <a:t>Activity2</a:t>
+            </a:r>
+            <a:endParaRPr lang="zh-TW" altLang="en-US" dirty="0"/>
+          </a:p>
+        </p:txBody>
+      </p:sp>
+      <p:sp>
+        <p:nvSpPr>
+          <p:cNvPr id="47" name="文字方塊 46"/>
+          <p:cNvSpPr txBox="1"/>
+          <p:nvPr/>
+        </p:nvSpPr>
+        <p:spPr>
+          <a:xfrm>
+            <a:off x="1200187" y="784813"/>
+            <a:ext cx="1036875" cy="369332"/>
+          </a:xfrm>
+          <a:prstGeom prst="rect">
+            <a:avLst/>
+          </a:prstGeom>
+          <a:noFill/>
+        </p:spPr>
+        <p:txBody>
+          <a:bodyPr wrap="square" rtlCol="0">
+            <a:spAutoFit/>
+          </a:bodyPr>
+          <a:lstStyle/>
+          <a:p>
+            <a:r>
+              <a:rPr lang="en-US" altLang="zh-TW" dirty="0"/>
               <a:t>Activity1</a:t>
             </a:r>
             <a:endParaRPr lang="zh-TW" altLang="en-US" dirty="0"/>
@@ -5060,43 +5039,19 @@
           </a:fontRef>
         </p:style>
       </p:cxnSp>
-      <p:pic>
-        <p:nvPicPr>
-          <p:cNvPr id="29" name="圖片 28"/>
-          <p:cNvPicPr>
-            <a:picLocks noChangeAspect="1"/>
-          </p:cNvPicPr>
-          <p:nvPr/>
-        </p:nvPicPr>
-        <p:blipFill>
-          <a:blip r:embed="rId5"/>
-          <a:stretch>
-            <a:fillRect/>
-          </a:stretch>
-        </p:blipFill>
-        <p:spPr>
-          <a:xfrm>
-            <a:off x="4775678" y="3500275"/>
-            <a:ext cx="2757230" cy="2297692"/>
-          </a:xfrm>
-          <a:prstGeom prst="rect">
-            <a:avLst/>
-          </a:prstGeom>
-        </p:spPr>
-      </p:pic>
       <p:cxnSp>
         <p:nvCxnSpPr>
           <p:cNvPr id="53" name="肘形接點 52"/>
           <p:cNvCxnSpPr>
+            <a:cxnSpLocks/>
             <a:stCxn id="40" idx="2"/>
-            <a:endCxn id="29" idx="3"/>
           </p:cNvCxnSpPr>
           <p:nvPr/>
         </p:nvCxnSpPr>
         <p:spPr>
           <a:xfrm rot="5400000">
-            <a:off x="8036074" y="2592325"/>
-            <a:ext cx="1553630" cy="2559962"/>
+            <a:off x="8223962" y="2212435"/>
+            <a:ext cx="985853" cy="2751965"/>
           </a:xfrm>
           <a:prstGeom prst="bentConnector2">
             <a:avLst/>
@@ -5137,7 +5092,7 @@
         </p:nvSpPr>
         <p:spPr>
           <a:xfrm>
-            <a:off x="7658100" y="4317889"/>
+            <a:off x="7504951" y="3648974"/>
             <a:ext cx="2434770" cy="369332"/>
           </a:xfrm>
           <a:prstGeom prst="rect">
@@ -5160,15 +5115,7 @@
                   <a:srgbClr val="00B050"/>
                 </a:solidFill>
               </a:rPr>
-              <a:t>Bluetooth </a:t>
-            </a:r>
-            <a:r>
-              <a:rPr lang="en-US" altLang="zh-TW" dirty="0" smtClean="0">
-                <a:solidFill>
-                  <a:srgbClr val="00B050"/>
-                </a:solidFill>
-              </a:rPr>
-              <a:t>LE Read Data</a:t>
+              <a:t>Bluetooth LE Read Data</a:t>
             </a:r>
             <a:endParaRPr lang="zh-TW" altLang="en-US" dirty="0">
               <a:solidFill>
@@ -5192,8 +5139,8 @@
         </p:nvSpPr>
         <p:spPr>
           <a:xfrm>
-            <a:off x="8755760" y="5380961"/>
-            <a:ext cx="2675080" cy="1432703"/>
+            <a:off x="9939721" y="4130997"/>
+            <a:ext cx="2154321" cy="1432703"/>
           </a:xfrm>
           <a:prstGeom prst="cloud">
             <a:avLst/>
@@ -5246,18 +5193,19 @@
         <p:nvCxnSpPr>
           <p:cNvPr id="73" name="肘形接點 72"/>
           <p:cNvCxnSpPr>
+            <a:cxnSpLocks/>
             <a:endCxn id="72" idx="2"/>
           </p:cNvCxnSpPr>
           <p:nvPr/>
         </p:nvCxnSpPr>
         <p:spPr>
-          <a:xfrm>
-            <a:off x="6654800" y="5676900"/>
-            <a:ext cx="2109258" cy="420413"/>
+          <a:xfrm flipV="1">
+            <a:off x="7319259" y="4847349"/>
+            <a:ext cx="2627144" cy="189488"/>
           </a:xfrm>
           <a:prstGeom prst="bentConnector3">
             <a:avLst>
-              <a:gd name="adj1" fmla="val 928"/>
+              <a:gd name="adj1" fmla="val 50000"/>
             </a:avLst>
           </a:prstGeom>
           <a:ln w="38100">
@@ -5286,18 +5234,19 @@
         <p:nvCxnSpPr>
           <p:cNvPr id="64" name="肘形接點 63"/>
           <p:cNvCxnSpPr>
+            <a:cxnSpLocks/>
             <a:endCxn id="10" idx="1"/>
           </p:cNvCxnSpPr>
           <p:nvPr/>
         </p:nvCxnSpPr>
         <p:spPr>
           <a:xfrm flipV="1">
-            <a:off x="2603212" y="982206"/>
-            <a:ext cx="2247885" cy="2218723"/>
+            <a:off x="2099129" y="982206"/>
+            <a:ext cx="2751968" cy="2666768"/>
           </a:xfrm>
           <a:prstGeom prst="bentConnector3">
             <a:avLst>
-              <a:gd name="adj1" fmla="val 44068"/>
+              <a:gd name="adj1" fmla="val 50000"/>
             </a:avLst>
           </a:prstGeom>
           <a:ln w="38100">
@@ -5336,7 +5285,7 @@
         </p:nvSpPr>
         <p:spPr>
           <a:xfrm>
-            <a:off x="107546" y="3802735"/>
+            <a:off x="65082" y="4026843"/>
             <a:ext cx="4542940" cy="1015663"/>
           </a:xfrm>
           <a:prstGeom prst="rect">
@@ -5352,11 +5301,7 @@
           <a:p>
             <a:r>
               <a:rPr lang="en-US" altLang="zh-TW" sz="2000" dirty="0"/>
-              <a:t>This example has two Activities</a:t>
-            </a:r>
-            <a:r>
-              <a:rPr lang="en-US" altLang="zh-TW" sz="2000" dirty="0" smtClean="0"/>
-              <a:t>:</a:t>
+              <a:t>This example has two Activities:</a:t>
             </a:r>
           </a:p>
           <a:p>
@@ -5364,16 +5309,8 @@
               <a:buAutoNum type="arabicPeriod"/>
             </a:pPr>
             <a:r>
-              <a:rPr lang="en-US" altLang="zh-TW" sz="2000" dirty="0" smtClean="0"/>
-              <a:t>Set </a:t>
-            </a:r>
-            <a:r>
               <a:rPr lang="en-US" altLang="zh-TW" sz="2000" dirty="0"/>
-              <a:t>up user </a:t>
-            </a:r>
-            <a:r>
-              <a:rPr lang="en-US" altLang="zh-TW" sz="2000" dirty="0" smtClean="0"/>
-              <a:t>identity.</a:t>
+              <a:t>Set up user identity.</a:t>
             </a:r>
           </a:p>
           <a:p>
@@ -5381,18 +5318,9 @@
               <a:buAutoNum type="arabicPeriod"/>
             </a:pPr>
             <a:r>
-              <a:rPr lang="en-US" altLang="zh-TW" sz="2000" dirty="0" smtClean="0"/>
-              <a:t>Start test </a:t>
-            </a:r>
-            <a:r>
               <a:rPr lang="en-US" altLang="zh-TW" sz="2000" dirty="0"/>
-              <a:t>and </a:t>
-            </a:r>
-            <a:r>
-              <a:rPr lang="en-US" altLang="zh-TW" sz="2000" dirty="0" smtClean="0"/>
-              <a:t>update cloud server.</a:t>
-            </a:r>
-            <a:endParaRPr lang="en-US" altLang="zh-TW" sz="2000" dirty="0"/>
+              <a:t>Start test and update cloud server.</a:t>
+            </a:r>
           </a:p>
         </p:txBody>
       </p:sp>
@@ -5437,11 +5365,6 @@
               </a:rPr>
               <a:t>Intent </a:t>
             </a:r>
-            <a:endParaRPr lang="en-US" altLang="zh-TW" dirty="0">
-              <a:solidFill>
-                <a:srgbClr val="FFC000"/>
-              </a:solidFill>
-            </a:endParaRPr>
           </a:p>
         </p:txBody>
       </p:sp>
@@ -5459,7 +5382,7 @@
         </p:nvSpPr>
         <p:spPr>
           <a:xfrm>
-            <a:off x="6364067" y="6108140"/>
+            <a:off x="7467860" y="4478017"/>
             <a:ext cx="2511418" cy="369332"/>
           </a:xfrm>
           <a:prstGeom prst="rect">
@@ -5515,13 +5438,192 @@
           <a:lstStyle/>
           <a:p>
             <a:r>
-              <a:rPr lang="en-US" altLang="zh-TW" dirty="0" smtClean="0"/>
+              <a:rPr lang="en-US" altLang="zh-TW" dirty="0"/>
               <a:t>Reference from TANITA API</a:t>
             </a:r>
             <a:endParaRPr lang="zh-TW" altLang="en-US" dirty="0"/>
           </a:p>
         </p:txBody>
       </p:sp>
+      <p:pic>
+        <p:nvPicPr>
+          <p:cNvPr id="16" name="圖片 15">
+            <a:extLst>
+              <a:ext uri="{FF2B5EF4-FFF2-40B4-BE49-F238E27FC236}">
+                <a16:creationId xmlns:a16="http://schemas.microsoft.com/office/drawing/2014/main" id="{8BB45227-2EEA-428A-A171-14DA06BA070A}"/>
+              </a:ext>
+            </a:extLst>
+          </p:cNvPr>
+          <p:cNvPicPr>
+            <a:picLocks noChangeAspect="1"/>
+          </p:cNvPicPr>
+          <p:nvPr/>
+        </p:nvPicPr>
+        <p:blipFill>
+          <a:blip r:embed="rId5"/>
+          <a:stretch>
+            <a:fillRect/>
+          </a:stretch>
+        </p:blipFill>
+        <p:spPr>
+          <a:xfrm>
+            <a:off x="4679686" y="1154145"/>
+            <a:ext cx="2778079" cy="1494503"/>
+          </a:xfrm>
+          <a:prstGeom prst="rect">
+            <a:avLst/>
+          </a:prstGeom>
+        </p:spPr>
+      </p:pic>
+      <p:sp>
+        <p:nvSpPr>
+          <p:cNvPr id="37" name="矩形: 摺角紙張 36">
+            <a:extLst>
+              <a:ext uri="{FF2B5EF4-FFF2-40B4-BE49-F238E27FC236}">
+                <a16:creationId xmlns:a16="http://schemas.microsoft.com/office/drawing/2014/main" id="{6CEF6EB6-2F27-4CC2-8AB4-39C554A8C349}"/>
+              </a:ext>
+            </a:extLst>
+          </p:cNvPr>
+          <p:cNvSpPr/>
+          <p:nvPr/>
+        </p:nvSpPr>
+        <p:spPr>
+          <a:xfrm rot="10800000">
+            <a:off x="7611222" y="5685156"/>
+            <a:ext cx="614872" cy="895911"/>
+          </a:xfrm>
+          <a:prstGeom prst="foldedCorner">
+            <a:avLst>
+              <a:gd name="adj" fmla="val 25070"/>
+            </a:avLst>
+          </a:prstGeom>
+          <a:noFill/>
+          <a:ln>
+            <a:solidFill>
+              <a:schemeClr val="accent1">
+                <a:lumMod val="75000"/>
+              </a:schemeClr>
+            </a:solidFill>
+          </a:ln>
+        </p:spPr>
+        <p:style>
+          <a:lnRef idx="2">
+            <a:schemeClr val="accent1">
+              <a:shade val="50000"/>
+            </a:schemeClr>
+          </a:lnRef>
+          <a:fillRef idx="1">
+            <a:schemeClr val="accent1"/>
+          </a:fillRef>
+          <a:effectRef idx="0">
+            <a:schemeClr val="accent1"/>
+          </a:effectRef>
+          <a:fontRef idx="minor">
+            <a:schemeClr val="lt1"/>
+          </a:fontRef>
+        </p:style>
+        <p:txBody>
+          <a:bodyPr rtlCol="0" anchor="ctr"/>
+          <a:lstStyle/>
+          <a:p>
+            <a:pPr algn="ctr"/>
+            <a:endParaRPr lang="zh-TW" altLang="en-US" dirty="0">
+              <a:solidFill>
+                <a:srgbClr val="00B0F0"/>
+              </a:solidFill>
+            </a:endParaRPr>
+          </a:p>
+        </p:txBody>
+      </p:sp>
+      <p:sp>
+        <p:nvSpPr>
+          <p:cNvPr id="38" name="文字方塊 37">
+            <a:extLst>
+              <a:ext uri="{FF2B5EF4-FFF2-40B4-BE49-F238E27FC236}">
+                <a16:creationId xmlns:a16="http://schemas.microsoft.com/office/drawing/2014/main" id="{B6CCEE2B-BF4C-4B42-B8B3-BEC1F7661D28}"/>
+              </a:ext>
+            </a:extLst>
+          </p:cNvPr>
+          <p:cNvSpPr txBox="1"/>
+          <p:nvPr/>
+        </p:nvSpPr>
+        <p:spPr>
+          <a:xfrm>
+            <a:off x="7562722" y="5948446"/>
+            <a:ext cx="800215" cy="369332"/>
+          </a:xfrm>
+          <a:prstGeom prst="rect">
+            <a:avLst/>
+          </a:prstGeom>
+          <a:noFill/>
+        </p:spPr>
+        <p:txBody>
+          <a:bodyPr wrap="square" rtlCol="0">
+            <a:spAutoFit/>
+          </a:bodyPr>
+          <a:lstStyle/>
+          <a:p>
+            <a:r>
+              <a:rPr lang="en-US" altLang="zh-TW" dirty="0">
+                <a:solidFill>
+                  <a:schemeClr val="accent1">
+                    <a:lumMod val="75000"/>
+                  </a:schemeClr>
+                </a:solidFill>
+              </a:rPr>
+              <a:t>*.csv</a:t>
+            </a:r>
+            <a:endParaRPr lang="zh-TW" altLang="en-US" dirty="0">
+              <a:solidFill>
+                <a:schemeClr val="accent1">
+                  <a:lumMod val="75000"/>
+                </a:schemeClr>
+              </a:solidFill>
+            </a:endParaRPr>
+          </a:p>
+        </p:txBody>
+      </p:sp>
+      <p:cxnSp>
+        <p:nvCxnSpPr>
+          <p:cNvPr id="24" name="接點: 肘形 23">
+            <a:extLst>
+              <a:ext uri="{FF2B5EF4-FFF2-40B4-BE49-F238E27FC236}">
+                <a16:creationId xmlns:a16="http://schemas.microsoft.com/office/drawing/2014/main" id="{64ECF066-091A-4402-B817-9564EFCC9F16}"/>
+              </a:ext>
+            </a:extLst>
+          </p:cNvPr>
+          <p:cNvCxnSpPr>
+            <a:cxnSpLocks/>
+          </p:cNvCxnSpPr>
+          <p:nvPr/>
+        </p:nvCxnSpPr>
+        <p:spPr>
+          <a:xfrm>
+            <a:off x="7315028" y="5306999"/>
+            <a:ext cx="577752" cy="378157"/>
+          </a:xfrm>
+          <a:prstGeom prst="bentConnector2">
+            <a:avLst/>
+          </a:prstGeom>
+          <a:ln w="38100">
+            <a:tailEnd type="triangle"/>
+          </a:ln>
+        </p:spPr>
+        <p:style>
+          <a:lnRef idx="1">
+            <a:schemeClr val="accent1"/>
+          </a:lnRef>
+          <a:fillRef idx="0">
+            <a:schemeClr val="accent1"/>
+          </a:fillRef>
+          <a:effectRef idx="0">
+            <a:schemeClr val="accent1"/>
+          </a:effectRef>
+          <a:fontRef idx="minor">
+            <a:schemeClr val="tx1"/>
+          </a:fontRef>
+        </p:style>
+      </p:cxnSp>
     </p:spTree>
     <p:extLst>
       <p:ext uri="{BB962C8B-B14F-4D97-AF65-F5344CB8AC3E}">
@@ -5581,7 +5683,7 @@
           <a:lstStyle/>
           <a:p>
             <a:r>
-              <a:rPr lang="en-US" altLang="zh-TW" dirty="0" smtClean="0"/>
+              <a:rPr lang="en-US" altLang="zh-TW" dirty="0"/>
               <a:t>QRTest1(App1) Call Rd545cmd1(App2)</a:t>
             </a:r>
             <a:endParaRPr lang="zh-TW" altLang="en-US" dirty="0"/>
@@ -7451,7 +7553,7 @@
           <a:p>
             <a:pPr algn="ctr"/>
             <a:r>
-              <a:rPr lang="en-US" altLang="zh-TW" dirty="0" smtClean="0">
+              <a:rPr lang="en-US" altLang="zh-TW" dirty="0">
                 <a:solidFill>
                   <a:schemeClr val="accent1"/>
                 </a:solidFill>
@@ -7515,7 +7617,7 @@
           <a:p>
             <a:pPr algn="ctr"/>
             <a:r>
-              <a:rPr lang="en-US" altLang="zh-TW" dirty="0" smtClean="0">
+              <a:rPr lang="en-US" altLang="zh-TW" dirty="0">
                 <a:solidFill>
                   <a:schemeClr val="accent1"/>
                 </a:solidFill>
@@ -7579,7 +7681,7 @@
           <a:p>
             <a:pPr algn="ctr"/>
             <a:r>
-              <a:rPr lang="en-US" altLang="zh-TW" dirty="0" smtClean="0">
+              <a:rPr lang="en-US" altLang="zh-TW" dirty="0">
                 <a:solidFill>
                   <a:srgbClr val="FF0000"/>
                 </a:solidFill>
@@ -7643,7 +7745,7 @@
           <a:p>
             <a:pPr algn="ctr"/>
             <a:r>
-              <a:rPr lang="en-US" altLang="zh-TW" dirty="0" smtClean="0">
+              <a:rPr lang="en-US" altLang="zh-TW" dirty="0">
                 <a:solidFill>
                   <a:srgbClr val="FF0000"/>
                 </a:solidFill>
@@ -7709,7 +7811,7 @@
         </p:nvSpPr>
         <p:spPr>
           <a:xfrm rot="2741817">
-            <a:off x="2116658" y="2371883"/>
+            <a:off x="2167458" y="2429033"/>
             <a:ext cx="526228" cy="276999"/>
           </a:xfrm>
           <a:prstGeom prst="rect">
@@ -7724,7 +7826,7 @@
           <a:lstStyle/>
           <a:p>
             <a:r>
-              <a:rPr lang="en-US" altLang="zh-TW" sz="1200" dirty="0" smtClean="0">
+              <a:rPr lang="en-US" altLang="zh-TW" sz="1200" dirty="0">
                 <a:solidFill>
                   <a:srgbClr val="FF0000"/>
                 </a:solidFill>
@@ -7762,12 +7864,8 @@
           <a:lstStyle/>
           <a:p>
             <a:r>
-              <a:rPr lang="en-US" altLang="zh-TW" dirty="0" smtClean="0"/>
-              <a:t>Reference </a:t>
-            </a:r>
-            <a:r>
               <a:rPr lang="en-US" altLang="zh-TW" dirty="0"/>
-              <a:t>from AI</a:t>
+              <a:t>Reference from AI</a:t>
             </a:r>
             <a:endParaRPr lang="zh-TW" altLang="en-US" dirty="0"/>
           </a:p>

--- a/Teach.pptx
+++ b/Teach.pptx
@@ -7,9 +7,13 @@
   <p:sldIdLst>
     <p:sldId id="256" r:id="rId2"/>
     <p:sldId id="257" r:id="rId3"/>
-    <p:sldId id="258" r:id="rId4"/>
-    <p:sldId id="259" r:id="rId5"/>
-    <p:sldId id="260" r:id="rId6"/>
+    <p:sldId id="261" r:id="rId4"/>
+    <p:sldId id="258" r:id="rId5"/>
+    <p:sldId id="259" r:id="rId6"/>
+    <p:sldId id="264" r:id="rId7"/>
+    <p:sldId id="260" r:id="rId8"/>
+    <p:sldId id="262" r:id="rId9"/>
+    <p:sldId id="263" r:id="rId10"/>
   </p:sldIdLst>
   <p:sldSz cx="12192000" cy="6858000"/>
   <p:notesSz cx="6858000" cy="9144000"/>
@@ -3677,7 +3681,7 @@
         <p:spPr>
           <a:xfrm>
             <a:off x="0" y="0"/>
-            <a:ext cx="7747000" cy="922867"/>
+            <a:ext cx="11353800" cy="922867"/>
           </a:xfrm>
         </p:spPr>
         <p:txBody>
@@ -3686,425 +3690,18 @@
           <a:p>
             <a:r>
               <a:rPr lang="en-US" altLang="zh-TW" dirty="0"/>
-              <a:t>QRTest1-- Read QR Code Example</a:t>
+              <a:t>How import Project to Android Studio?</a:t>
             </a:r>
             <a:endParaRPr lang="zh-TW" altLang="en-US" dirty="0"/>
-          </a:p>
-        </p:txBody>
-      </p:sp>
-      <p:sp>
-        <p:nvSpPr>
-          <p:cNvPr id="15" name="矩形: 圓角 14">
-            <a:extLst>
-              <a:ext uri="{FF2B5EF4-FFF2-40B4-BE49-F238E27FC236}">
-                <a16:creationId xmlns:a16="http://schemas.microsoft.com/office/drawing/2014/main" id="{5AA11F69-BC6A-490A-9DD7-3D4477E0A9B9}"/>
-              </a:ext>
-            </a:extLst>
-          </p:cNvPr>
-          <p:cNvSpPr/>
-          <p:nvPr/>
-        </p:nvSpPr>
-        <p:spPr>
-          <a:xfrm>
-            <a:off x="7858139" y="1886909"/>
-            <a:ext cx="2753650" cy="472418"/>
-          </a:xfrm>
-          <a:prstGeom prst="roundRect">
-            <a:avLst/>
-          </a:prstGeom>
-          <a:noFill/>
-          <a:ln>
-            <a:solidFill>
-              <a:schemeClr val="tx1">
-                <a:lumMod val="75000"/>
-                <a:lumOff val="25000"/>
-              </a:schemeClr>
-            </a:solidFill>
-          </a:ln>
-        </p:spPr>
-        <p:style>
-          <a:lnRef idx="2">
-            <a:schemeClr val="accent1">
-              <a:shade val="50000"/>
-            </a:schemeClr>
-          </a:lnRef>
-          <a:fillRef idx="1">
-            <a:schemeClr val="accent1"/>
-          </a:fillRef>
-          <a:effectRef idx="0">
-            <a:schemeClr val="accent1"/>
-          </a:effectRef>
-          <a:fontRef idx="minor">
-            <a:schemeClr val="lt1"/>
-          </a:fontRef>
-        </p:style>
-        <p:txBody>
-          <a:bodyPr rtlCol="0" anchor="ctr"/>
-          <a:lstStyle/>
-          <a:p>
-            <a:pPr algn="ctr"/>
-            <a:r>
-              <a:rPr lang="en-US" altLang="zh-TW" dirty="0">
-                <a:solidFill>
-                  <a:schemeClr val="tx1"/>
-                </a:solidFill>
-              </a:rPr>
-              <a:t>Entry Interface</a:t>
-            </a:r>
-            <a:endParaRPr lang="zh-TW" altLang="en-US" dirty="0">
-              <a:solidFill>
-                <a:schemeClr val="tx1"/>
-              </a:solidFill>
-            </a:endParaRPr>
-          </a:p>
-        </p:txBody>
-      </p:sp>
-      <p:sp>
-        <p:nvSpPr>
-          <p:cNvPr id="17" name="矩形: 圓角 16">
-            <a:extLst>
-              <a:ext uri="{FF2B5EF4-FFF2-40B4-BE49-F238E27FC236}">
-                <a16:creationId xmlns:a16="http://schemas.microsoft.com/office/drawing/2014/main" id="{F7B50835-C80A-45D4-8AA1-9E9B9F1A0A86}"/>
-              </a:ext>
-            </a:extLst>
-          </p:cNvPr>
-          <p:cNvSpPr/>
-          <p:nvPr/>
-        </p:nvSpPr>
-        <p:spPr>
-          <a:xfrm>
-            <a:off x="8478855" y="2829044"/>
-            <a:ext cx="1512214" cy="472418"/>
-          </a:xfrm>
-          <a:prstGeom prst="roundRect">
-            <a:avLst/>
-          </a:prstGeom>
-          <a:noFill/>
-          <a:ln>
-            <a:solidFill>
-              <a:schemeClr val="tx1">
-                <a:lumMod val="75000"/>
-                <a:lumOff val="25000"/>
-              </a:schemeClr>
-            </a:solidFill>
-          </a:ln>
-        </p:spPr>
-        <p:style>
-          <a:lnRef idx="2">
-            <a:schemeClr val="accent1">
-              <a:shade val="50000"/>
-            </a:schemeClr>
-          </a:lnRef>
-          <a:fillRef idx="1">
-            <a:schemeClr val="accent1"/>
-          </a:fillRef>
-          <a:effectRef idx="0">
-            <a:schemeClr val="accent1"/>
-          </a:effectRef>
-          <a:fontRef idx="minor">
-            <a:schemeClr val="lt1"/>
-          </a:fontRef>
-        </p:style>
-        <p:txBody>
-          <a:bodyPr rtlCol="0" anchor="ctr"/>
-          <a:lstStyle/>
-          <a:p>
-            <a:pPr algn="ctr"/>
-            <a:r>
-              <a:rPr lang="en-US" altLang="zh-TW" dirty="0">
-                <a:solidFill>
-                  <a:schemeClr val="tx1"/>
-                </a:solidFill>
-              </a:rPr>
-              <a:t>Control Event</a:t>
-            </a:r>
-            <a:endParaRPr lang="zh-TW" altLang="en-US" dirty="0">
-              <a:solidFill>
-                <a:schemeClr val="tx1"/>
-              </a:solidFill>
-            </a:endParaRPr>
-          </a:p>
-        </p:txBody>
-      </p:sp>
-      <p:sp>
-        <p:nvSpPr>
-          <p:cNvPr id="19" name="文字方塊 18">
-            <a:extLst>
-              <a:ext uri="{FF2B5EF4-FFF2-40B4-BE49-F238E27FC236}">
-                <a16:creationId xmlns:a16="http://schemas.microsoft.com/office/drawing/2014/main" id="{EE1625DC-3C91-4BFB-AD93-23C8A70DC8B7}"/>
-              </a:ext>
-            </a:extLst>
-          </p:cNvPr>
-          <p:cNvSpPr txBox="1"/>
-          <p:nvPr/>
-        </p:nvSpPr>
-        <p:spPr>
-          <a:xfrm>
-            <a:off x="9897149" y="2779264"/>
-            <a:ext cx="1590742" cy="646331"/>
-          </a:xfrm>
-          <a:prstGeom prst="rect">
-            <a:avLst/>
-          </a:prstGeom>
-          <a:noFill/>
-        </p:spPr>
-        <p:txBody>
-          <a:bodyPr wrap="square">
-            <a:spAutoFit/>
-          </a:bodyPr>
-          <a:lstStyle/>
-          <a:p>
-            <a:r>
-              <a:rPr lang="zh-TW" altLang="en-US" dirty="0"/>
-              <a:t>*Automation</a:t>
-            </a:r>
-          </a:p>
-          <a:p>
-            <a:r>
-              <a:rPr lang="zh-TW" altLang="en-US" dirty="0"/>
-              <a:t>*Button</a:t>
-            </a:r>
-          </a:p>
-        </p:txBody>
-      </p:sp>
-      <p:sp>
-        <p:nvSpPr>
-          <p:cNvPr id="20" name="矩形: 圓角 19">
-            <a:extLst>
-              <a:ext uri="{FF2B5EF4-FFF2-40B4-BE49-F238E27FC236}">
-                <a16:creationId xmlns:a16="http://schemas.microsoft.com/office/drawing/2014/main" id="{30573961-3A78-44FD-AFBF-917207ED880F}"/>
-              </a:ext>
-            </a:extLst>
-          </p:cNvPr>
-          <p:cNvSpPr/>
-          <p:nvPr/>
-        </p:nvSpPr>
-        <p:spPr>
-          <a:xfrm>
-            <a:off x="9306865" y="4359275"/>
-            <a:ext cx="1071030" cy="472418"/>
-          </a:xfrm>
-          <a:prstGeom prst="roundRect">
-            <a:avLst/>
-          </a:prstGeom>
-          <a:noFill/>
-          <a:ln>
-            <a:solidFill>
-              <a:schemeClr val="tx1">
-                <a:lumMod val="75000"/>
-                <a:lumOff val="25000"/>
-              </a:schemeClr>
-            </a:solidFill>
-          </a:ln>
-        </p:spPr>
-        <p:style>
-          <a:lnRef idx="2">
-            <a:schemeClr val="accent1">
-              <a:shade val="50000"/>
-            </a:schemeClr>
-          </a:lnRef>
-          <a:fillRef idx="1">
-            <a:schemeClr val="accent1"/>
-          </a:fillRef>
-          <a:effectRef idx="0">
-            <a:schemeClr val="accent1"/>
-          </a:effectRef>
-          <a:fontRef idx="minor">
-            <a:schemeClr val="lt1"/>
-          </a:fontRef>
-        </p:style>
-        <p:txBody>
-          <a:bodyPr rtlCol="0" anchor="ctr"/>
-          <a:lstStyle/>
-          <a:p>
-            <a:pPr algn="ctr"/>
-            <a:r>
-              <a:rPr lang="en-US" altLang="zh-TW" dirty="0">
-                <a:solidFill>
-                  <a:schemeClr val="accent1"/>
-                </a:solidFill>
-              </a:rPr>
-              <a:t>App2</a:t>
-            </a:r>
-            <a:endParaRPr lang="zh-TW" altLang="en-US" dirty="0">
-              <a:solidFill>
-                <a:schemeClr val="accent1"/>
-              </a:solidFill>
-            </a:endParaRPr>
-          </a:p>
-        </p:txBody>
-      </p:sp>
-      <p:cxnSp>
-        <p:nvCxnSpPr>
-          <p:cNvPr id="24" name="直線單箭頭接點 23">
-            <a:extLst>
-              <a:ext uri="{FF2B5EF4-FFF2-40B4-BE49-F238E27FC236}">
-                <a16:creationId xmlns:a16="http://schemas.microsoft.com/office/drawing/2014/main" id="{310047A6-D771-4D04-9EBA-1216C7B041ED}"/>
-              </a:ext>
-            </a:extLst>
-          </p:cNvPr>
-          <p:cNvCxnSpPr>
-            <a:cxnSpLocks/>
-            <a:endCxn id="20" idx="0"/>
-          </p:cNvCxnSpPr>
-          <p:nvPr/>
-        </p:nvCxnSpPr>
-        <p:spPr>
-          <a:xfrm>
-            <a:off x="9828225" y="3302221"/>
-            <a:ext cx="14155" cy="1057054"/>
-          </a:xfrm>
-          <a:prstGeom prst="straightConnector1">
-            <a:avLst/>
-          </a:prstGeom>
-          <a:ln w="19050">
-            <a:solidFill>
-              <a:srgbClr val="FF0000"/>
-            </a:solidFill>
-            <a:prstDash val="sysDash"/>
-            <a:tailEnd type="triangle"/>
-          </a:ln>
-        </p:spPr>
-        <p:style>
-          <a:lnRef idx="1">
-            <a:schemeClr val="accent1"/>
-          </a:lnRef>
-          <a:fillRef idx="0">
-            <a:schemeClr val="accent1"/>
-          </a:fillRef>
-          <a:effectRef idx="0">
-            <a:schemeClr val="accent1"/>
-          </a:effectRef>
-          <a:fontRef idx="minor">
-            <a:schemeClr val="tx1"/>
-          </a:fontRef>
-        </p:style>
-      </p:cxnSp>
-      <p:sp>
-        <p:nvSpPr>
-          <p:cNvPr id="29" name="文字方塊 28">
-            <a:extLst>
-              <a:ext uri="{FF2B5EF4-FFF2-40B4-BE49-F238E27FC236}">
-                <a16:creationId xmlns:a16="http://schemas.microsoft.com/office/drawing/2014/main" id="{D930549F-59AD-4918-8345-7B99F453B9F6}"/>
-              </a:ext>
-            </a:extLst>
-          </p:cNvPr>
-          <p:cNvSpPr txBox="1"/>
-          <p:nvPr/>
-        </p:nvSpPr>
-        <p:spPr>
-          <a:xfrm>
-            <a:off x="6282806" y="5029725"/>
-            <a:ext cx="5190066" cy="1631216"/>
-          </a:xfrm>
-          <a:prstGeom prst="rect">
-            <a:avLst/>
-          </a:prstGeom>
-          <a:noFill/>
-        </p:spPr>
-        <p:txBody>
-          <a:bodyPr wrap="square" rtlCol="0">
-            <a:spAutoFit/>
-          </a:bodyPr>
-          <a:lstStyle/>
-          <a:p>
-            <a:r>
-              <a:rPr lang="en-US" altLang="zh-TW" sz="2000" dirty="0"/>
-              <a:t>Most of the time, </a:t>
-            </a:r>
-            <a:r>
-              <a:rPr lang="en-US" altLang="zh-TW" sz="2000" dirty="0">
-                <a:solidFill>
-                  <a:srgbClr val="FF0000"/>
-                </a:solidFill>
-              </a:rPr>
-              <a:t>APP1</a:t>
-            </a:r>
-            <a:r>
-              <a:rPr lang="en-US" altLang="zh-TW" sz="2000" dirty="0"/>
-              <a:t> and </a:t>
-            </a:r>
-            <a:r>
-              <a:rPr lang="en-US" altLang="zh-TW" sz="2000" dirty="0">
-                <a:solidFill>
-                  <a:schemeClr val="accent1"/>
-                </a:solidFill>
-              </a:rPr>
-              <a:t>APP2</a:t>
-            </a:r>
-            <a:r>
-              <a:rPr lang="en-US" altLang="zh-TW" sz="2000" dirty="0"/>
-              <a:t> are produced by two different unit engineers.</a:t>
-            </a:r>
-          </a:p>
-          <a:p>
-            <a:endParaRPr lang="en-US" altLang="zh-TW" sz="2000" dirty="0"/>
-          </a:p>
-          <a:p>
-            <a:r>
-              <a:rPr lang="en-US" altLang="zh-TW" sz="2000" dirty="0"/>
-              <a:t>Therefore, Intent method is needed to call the other party's APP and transmit messages.</a:t>
-            </a:r>
-          </a:p>
-        </p:txBody>
-      </p:sp>
-      <p:sp>
-        <p:nvSpPr>
-          <p:cNvPr id="31" name="文字方塊 30">
-            <a:extLst>
-              <a:ext uri="{FF2B5EF4-FFF2-40B4-BE49-F238E27FC236}">
-                <a16:creationId xmlns:a16="http://schemas.microsoft.com/office/drawing/2014/main" id="{EE1EE678-1BC8-4E60-B106-6B3581F60FB7}"/>
-              </a:ext>
-            </a:extLst>
-          </p:cNvPr>
-          <p:cNvSpPr txBox="1"/>
-          <p:nvPr/>
-        </p:nvSpPr>
-        <p:spPr>
-          <a:xfrm>
-            <a:off x="8753640" y="3514912"/>
-            <a:ext cx="1071034" cy="646331"/>
-          </a:xfrm>
-          <a:prstGeom prst="rect">
-            <a:avLst/>
-          </a:prstGeom>
-          <a:noFill/>
-        </p:spPr>
-        <p:txBody>
-          <a:bodyPr wrap="square">
-            <a:spAutoFit/>
-          </a:bodyPr>
-          <a:lstStyle/>
-          <a:p>
-            <a:pPr algn="ctr"/>
-            <a:r>
-              <a:rPr lang="en-US" altLang="zh-TW" dirty="0">
-                <a:solidFill>
-                  <a:srgbClr val="FF0000"/>
-                </a:solidFill>
-              </a:rPr>
-              <a:t>Message</a:t>
-            </a:r>
-          </a:p>
-          <a:p>
-            <a:pPr algn="ctr"/>
-            <a:r>
-              <a:rPr lang="en-US" altLang="zh-TW" dirty="0">
-                <a:solidFill>
-                  <a:srgbClr val="FF0000"/>
-                </a:solidFill>
-              </a:rPr>
-              <a:t>Intent </a:t>
-            </a:r>
           </a:p>
         </p:txBody>
       </p:sp>
       <p:pic>
         <p:nvPicPr>
-          <p:cNvPr id="36" name="圖片 35">
-            <a:extLst>
-              <a:ext uri="{FF2B5EF4-FFF2-40B4-BE49-F238E27FC236}">
-                <a16:creationId xmlns:a16="http://schemas.microsoft.com/office/drawing/2014/main" id="{05ACE0C5-5BCB-4EBF-A8A2-FD97DE063513}"/>
+          <p:cNvPr id="10" name="圖片 9">
+            <a:extLst>
+              <a:ext uri="{FF2B5EF4-FFF2-40B4-BE49-F238E27FC236}">
+                <a16:creationId xmlns:a16="http://schemas.microsoft.com/office/drawing/2014/main" id="{46D99B56-1B75-4860-8CEB-D0B68ED46EA2}"/>
               </a:ext>
             </a:extLst>
           </p:cNvPr>
@@ -4121,572 +3718,18 @@
         </p:blipFill>
         <p:spPr>
           <a:xfrm>
-            <a:off x="421352" y="1091433"/>
-            <a:ext cx="5470911" cy="5749633"/>
+            <a:off x="2325436" y="735179"/>
+            <a:ext cx="6961719" cy="6006822"/>
           </a:xfrm>
           <a:prstGeom prst="rect">
             <a:avLst/>
           </a:prstGeom>
         </p:spPr>
       </p:pic>
-      <p:sp>
-        <p:nvSpPr>
-          <p:cNvPr id="42" name="矩形: 圓角 41">
-            <a:extLst>
-              <a:ext uri="{FF2B5EF4-FFF2-40B4-BE49-F238E27FC236}">
-                <a16:creationId xmlns:a16="http://schemas.microsoft.com/office/drawing/2014/main" id="{AC98C4BE-2EB4-4A3E-ACFF-7A9950519F6C}"/>
-              </a:ext>
-            </a:extLst>
-          </p:cNvPr>
-          <p:cNvSpPr/>
-          <p:nvPr/>
-        </p:nvSpPr>
-        <p:spPr>
-          <a:xfrm>
-            <a:off x="8163932" y="2354375"/>
-            <a:ext cx="2142068" cy="472418"/>
-          </a:xfrm>
-          <a:prstGeom prst="roundRect">
-            <a:avLst/>
-          </a:prstGeom>
-          <a:noFill/>
-          <a:ln>
-            <a:solidFill>
-              <a:schemeClr val="tx1">
-                <a:lumMod val="75000"/>
-                <a:lumOff val="25000"/>
-              </a:schemeClr>
-            </a:solidFill>
-          </a:ln>
-        </p:spPr>
-        <p:style>
-          <a:lnRef idx="2">
-            <a:schemeClr val="accent1">
-              <a:shade val="50000"/>
-            </a:schemeClr>
-          </a:lnRef>
-          <a:fillRef idx="1">
-            <a:schemeClr val="accent1"/>
-          </a:fillRef>
-          <a:effectRef idx="0">
-            <a:schemeClr val="accent1"/>
-          </a:effectRef>
-          <a:fontRef idx="minor">
-            <a:schemeClr val="lt1"/>
-          </a:fontRef>
-        </p:style>
-        <p:txBody>
-          <a:bodyPr rtlCol="0" anchor="ctr"/>
-          <a:lstStyle/>
-          <a:p>
-            <a:pPr algn="ctr"/>
-            <a:r>
-              <a:rPr lang="en-US" altLang="zh-TW" dirty="0">
-                <a:solidFill>
-                  <a:schemeClr val="tx1"/>
-                </a:solidFill>
-              </a:rPr>
-              <a:t>Camera Sense Event</a:t>
-            </a:r>
-            <a:endParaRPr lang="zh-TW" altLang="en-US" dirty="0">
-              <a:solidFill>
-                <a:schemeClr val="tx1"/>
-              </a:solidFill>
-            </a:endParaRPr>
-          </a:p>
-        </p:txBody>
-      </p:sp>
-      <p:sp>
-        <p:nvSpPr>
-          <p:cNvPr id="45" name="文字方塊 44">
-            <a:extLst>
-              <a:ext uri="{FF2B5EF4-FFF2-40B4-BE49-F238E27FC236}">
-                <a16:creationId xmlns:a16="http://schemas.microsoft.com/office/drawing/2014/main" id="{D70B8315-AFAA-4DAD-AB4D-F96CBFE6CCBC}"/>
-              </a:ext>
-            </a:extLst>
-          </p:cNvPr>
-          <p:cNvSpPr txBox="1"/>
-          <p:nvPr/>
-        </p:nvSpPr>
-        <p:spPr>
-          <a:xfrm>
-            <a:off x="421353" y="807416"/>
-            <a:ext cx="2499648" cy="381000"/>
-          </a:xfrm>
-          <a:prstGeom prst="rect">
-            <a:avLst/>
-          </a:prstGeom>
-          <a:noFill/>
-        </p:spPr>
-        <p:txBody>
-          <a:bodyPr wrap="square" rtlCol="0">
-            <a:spAutoFit/>
-          </a:bodyPr>
-          <a:lstStyle/>
-          <a:p>
-            <a:r>
-              <a:rPr lang="en-US" altLang="zh-TW" dirty="0">
-                <a:solidFill>
-                  <a:srgbClr val="FF0000"/>
-                </a:solidFill>
-              </a:rPr>
-              <a:t>APP1—Activity1</a:t>
-            </a:r>
-            <a:endParaRPr lang="zh-TW" altLang="en-US" dirty="0">
-              <a:solidFill>
-                <a:srgbClr val="FF0000"/>
-              </a:solidFill>
-            </a:endParaRPr>
-          </a:p>
-        </p:txBody>
-      </p:sp>
-      <p:sp>
-        <p:nvSpPr>
-          <p:cNvPr id="46" name="文字方塊 45">
-            <a:extLst>
-              <a:ext uri="{FF2B5EF4-FFF2-40B4-BE49-F238E27FC236}">
-                <a16:creationId xmlns:a16="http://schemas.microsoft.com/office/drawing/2014/main" id="{860C61A0-1FF5-4D33-87B1-3F26BC04F512}"/>
-              </a:ext>
-            </a:extLst>
-          </p:cNvPr>
-          <p:cNvSpPr txBox="1"/>
-          <p:nvPr/>
-        </p:nvSpPr>
-        <p:spPr>
-          <a:xfrm>
-            <a:off x="3149600" y="786633"/>
-            <a:ext cx="2946400" cy="369332"/>
-          </a:xfrm>
-          <a:prstGeom prst="rect">
-            <a:avLst/>
-          </a:prstGeom>
-          <a:noFill/>
-        </p:spPr>
-        <p:txBody>
-          <a:bodyPr wrap="square" rtlCol="0">
-            <a:spAutoFit/>
-          </a:bodyPr>
-          <a:lstStyle/>
-          <a:p>
-            <a:r>
-              <a:rPr lang="en-US" altLang="zh-TW" dirty="0">
-                <a:solidFill>
-                  <a:srgbClr val="FF0000"/>
-                </a:solidFill>
-              </a:rPr>
-              <a:t>APP1—Activity2  or  </a:t>
-            </a:r>
-            <a:r>
-              <a:rPr lang="en-US" altLang="zh-TW" dirty="0">
-                <a:solidFill>
-                  <a:schemeClr val="accent1"/>
-                </a:solidFill>
-              </a:rPr>
-              <a:t>APP2</a:t>
-            </a:r>
-            <a:endParaRPr lang="zh-TW" altLang="en-US" dirty="0">
-              <a:solidFill>
-                <a:schemeClr val="accent1"/>
-              </a:solidFill>
-            </a:endParaRPr>
-          </a:p>
-        </p:txBody>
-      </p:sp>
-      <p:sp>
-        <p:nvSpPr>
-          <p:cNvPr id="48" name="文字方塊 47">
-            <a:extLst>
-              <a:ext uri="{FF2B5EF4-FFF2-40B4-BE49-F238E27FC236}">
-                <a16:creationId xmlns:a16="http://schemas.microsoft.com/office/drawing/2014/main" id="{523623D1-E4B0-4401-AFA3-B01BED3DBAC4}"/>
-              </a:ext>
-            </a:extLst>
-          </p:cNvPr>
-          <p:cNvSpPr txBox="1"/>
-          <p:nvPr/>
-        </p:nvSpPr>
-        <p:spPr>
-          <a:xfrm>
-            <a:off x="6344450" y="1158962"/>
-            <a:ext cx="853017" cy="369332"/>
-          </a:xfrm>
-          <a:prstGeom prst="rect">
-            <a:avLst/>
-          </a:prstGeom>
-          <a:noFill/>
-        </p:spPr>
-        <p:txBody>
-          <a:bodyPr wrap="square">
-            <a:spAutoFit/>
-          </a:bodyPr>
-          <a:lstStyle/>
-          <a:p>
-            <a:r>
-              <a:rPr lang="en-US" altLang="zh-TW" dirty="0">
-                <a:solidFill>
-                  <a:srgbClr val="FF0000"/>
-                </a:solidFill>
-              </a:rPr>
-              <a:t>App1</a:t>
-            </a:r>
-            <a:endParaRPr lang="zh-TW" altLang="en-US" dirty="0"/>
-          </a:p>
-        </p:txBody>
-      </p:sp>
-      <p:sp>
-        <p:nvSpPr>
-          <p:cNvPr id="50" name="矩形: 圓角 49">
-            <a:extLst>
-              <a:ext uri="{FF2B5EF4-FFF2-40B4-BE49-F238E27FC236}">
-                <a16:creationId xmlns:a16="http://schemas.microsoft.com/office/drawing/2014/main" id="{0B3E72B1-6D9E-4662-A938-24907A2B9478}"/>
-              </a:ext>
-            </a:extLst>
-          </p:cNvPr>
-          <p:cNvSpPr/>
-          <p:nvPr/>
-        </p:nvSpPr>
-        <p:spPr>
-          <a:xfrm>
-            <a:off x="6282806" y="1155965"/>
-            <a:ext cx="5404250" cy="2382711"/>
-          </a:xfrm>
-          <a:prstGeom prst="roundRect">
-            <a:avLst>
-              <a:gd name="adj" fmla="val 6784"/>
-            </a:avLst>
-          </a:prstGeom>
-          <a:noFill/>
-          <a:ln>
-            <a:solidFill>
-              <a:schemeClr val="tx1">
-                <a:lumMod val="75000"/>
-                <a:lumOff val="25000"/>
-              </a:schemeClr>
-            </a:solidFill>
-          </a:ln>
-        </p:spPr>
-        <p:style>
-          <a:lnRef idx="2">
-            <a:schemeClr val="accent1">
-              <a:shade val="50000"/>
-            </a:schemeClr>
-          </a:lnRef>
-          <a:fillRef idx="1">
-            <a:schemeClr val="accent1"/>
-          </a:fillRef>
-          <a:effectRef idx="0">
-            <a:schemeClr val="accent1"/>
-          </a:effectRef>
-          <a:fontRef idx="minor">
-            <a:schemeClr val="lt1"/>
-          </a:fontRef>
-        </p:style>
-        <p:txBody>
-          <a:bodyPr rtlCol="0" anchor="ctr"/>
-          <a:lstStyle/>
-          <a:p>
-            <a:pPr algn="ctr"/>
-            <a:endParaRPr lang="zh-TW" altLang="en-US" dirty="0">
-              <a:solidFill>
-                <a:schemeClr val="tx1"/>
-              </a:solidFill>
-            </a:endParaRPr>
-          </a:p>
-        </p:txBody>
-      </p:sp>
-      <p:sp>
-        <p:nvSpPr>
-          <p:cNvPr id="21" name="矩形: 圓角 20">
-            <a:extLst>
-              <a:ext uri="{FF2B5EF4-FFF2-40B4-BE49-F238E27FC236}">
-                <a16:creationId xmlns:a16="http://schemas.microsoft.com/office/drawing/2014/main" id="{47FCA231-5286-4576-B959-F6030B598710}"/>
-              </a:ext>
-            </a:extLst>
-          </p:cNvPr>
-          <p:cNvSpPr/>
-          <p:nvPr/>
-        </p:nvSpPr>
-        <p:spPr>
-          <a:xfrm>
-            <a:off x="6476631" y="1528294"/>
-            <a:ext cx="1200202" cy="2007126"/>
-          </a:xfrm>
-          <a:prstGeom prst="roundRect">
-            <a:avLst/>
-          </a:prstGeom>
-          <a:noFill/>
-          <a:ln>
-            <a:solidFill>
-              <a:schemeClr val="tx1">
-                <a:lumMod val="75000"/>
-                <a:lumOff val="25000"/>
-              </a:schemeClr>
-            </a:solidFill>
-          </a:ln>
-        </p:spPr>
-        <p:style>
-          <a:lnRef idx="2">
-            <a:schemeClr val="accent1">
-              <a:shade val="50000"/>
-            </a:schemeClr>
-          </a:lnRef>
-          <a:fillRef idx="1">
-            <a:schemeClr val="accent1"/>
-          </a:fillRef>
-          <a:effectRef idx="0">
-            <a:schemeClr val="accent1"/>
-          </a:effectRef>
-          <a:fontRef idx="minor">
-            <a:schemeClr val="lt1"/>
-          </a:fontRef>
-        </p:style>
-        <p:txBody>
-          <a:bodyPr rtlCol="0" anchor="ctr"/>
-          <a:lstStyle/>
-          <a:p>
-            <a:pPr algn="ctr"/>
-            <a:r>
-              <a:rPr lang="en-US" altLang="zh-TW" dirty="0">
-                <a:solidFill>
-                  <a:srgbClr val="FF0000"/>
-                </a:solidFill>
-              </a:rPr>
-              <a:t>Activity2</a:t>
-            </a:r>
-          </a:p>
-          <a:p>
-            <a:pPr algn="ctr"/>
-            <a:endParaRPr lang="en-US" altLang="zh-TW" dirty="0">
-              <a:solidFill>
-                <a:srgbClr val="FF0000"/>
-              </a:solidFill>
-            </a:endParaRPr>
-          </a:p>
-          <a:p>
-            <a:pPr algn="ctr"/>
-            <a:endParaRPr lang="en-US" altLang="zh-TW" dirty="0">
-              <a:solidFill>
-                <a:srgbClr val="FF0000"/>
-              </a:solidFill>
-            </a:endParaRPr>
-          </a:p>
-          <a:p>
-            <a:pPr algn="ctr"/>
-            <a:endParaRPr lang="en-US" altLang="zh-TW" dirty="0">
-              <a:solidFill>
-                <a:srgbClr val="FF0000"/>
-              </a:solidFill>
-            </a:endParaRPr>
-          </a:p>
-          <a:p>
-            <a:pPr algn="ctr"/>
-            <a:endParaRPr lang="en-US" altLang="zh-TW" dirty="0">
-              <a:solidFill>
-                <a:srgbClr val="FF0000"/>
-              </a:solidFill>
-            </a:endParaRPr>
-          </a:p>
-          <a:p>
-            <a:pPr algn="ctr"/>
-            <a:endParaRPr lang="en-US" altLang="zh-TW" dirty="0">
-              <a:solidFill>
-                <a:srgbClr val="FF0000"/>
-              </a:solidFill>
-            </a:endParaRPr>
-          </a:p>
-          <a:p>
-            <a:pPr algn="ctr"/>
-            <a:endParaRPr lang="zh-TW" altLang="en-US" dirty="0">
-              <a:solidFill>
-                <a:schemeClr val="accent1"/>
-              </a:solidFill>
-            </a:endParaRPr>
-          </a:p>
-        </p:txBody>
-      </p:sp>
-      <p:sp>
-        <p:nvSpPr>
-          <p:cNvPr id="23" name="矩形: 圓角 22">
-            <a:extLst>
-              <a:ext uri="{FF2B5EF4-FFF2-40B4-BE49-F238E27FC236}">
-                <a16:creationId xmlns:a16="http://schemas.microsoft.com/office/drawing/2014/main" id="{2EA35345-6E7C-429E-AA77-805F22946D85}"/>
-              </a:ext>
-            </a:extLst>
-          </p:cNvPr>
-          <p:cNvSpPr/>
-          <p:nvPr/>
-        </p:nvSpPr>
-        <p:spPr>
-          <a:xfrm>
-            <a:off x="7858138" y="1532997"/>
-            <a:ext cx="3472393" cy="2005680"/>
-          </a:xfrm>
-          <a:prstGeom prst="roundRect">
-            <a:avLst>
-              <a:gd name="adj" fmla="val 6784"/>
-            </a:avLst>
-          </a:prstGeom>
-          <a:noFill/>
-          <a:ln>
-            <a:solidFill>
-              <a:schemeClr val="tx1">
-                <a:lumMod val="75000"/>
-                <a:lumOff val="25000"/>
-              </a:schemeClr>
-            </a:solidFill>
-          </a:ln>
-        </p:spPr>
-        <p:style>
-          <a:lnRef idx="2">
-            <a:schemeClr val="accent1">
-              <a:shade val="50000"/>
-            </a:schemeClr>
-          </a:lnRef>
-          <a:fillRef idx="1">
-            <a:schemeClr val="accent1"/>
-          </a:fillRef>
-          <a:effectRef idx="0">
-            <a:schemeClr val="accent1"/>
-          </a:effectRef>
-          <a:fontRef idx="minor">
-            <a:schemeClr val="lt1"/>
-          </a:fontRef>
-        </p:style>
-        <p:txBody>
-          <a:bodyPr rtlCol="0" anchor="ctr"/>
-          <a:lstStyle/>
-          <a:p>
-            <a:pPr algn="ctr"/>
-            <a:endParaRPr lang="zh-TW" altLang="en-US" dirty="0">
-              <a:solidFill>
-                <a:schemeClr val="tx1"/>
-              </a:solidFill>
-            </a:endParaRPr>
-          </a:p>
-        </p:txBody>
-      </p:sp>
-      <p:sp>
-        <p:nvSpPr>
-          <p:cNvPr id="25" name="文字方塊 24">
-            <a:extLst>
-              <a:ext uri="{FF2B5EF4-FFF2-40B4-BE49-F238E27FC236}">
-                <a16:creationId xmlns:a16="http://schemas.microsoft.com/office/drawing/2014/main" id="{05030436-20B9-4C53-8E3D-75E365E50F22}"/>
-              </a:ext>
-            </a:extLst>
-          </p:cNvPr>
-          <p:cNvSpPr txBox="1"/>
-          <p:nvPr/>
-        </p:nvSpPr>
-        <p:spPr>
-          <a:xfrm>
-            <a:off x="7834193" y="1516452"/>
-            <a:ext cx="1437217" cy="369332"/>
-          </a:xfrm>
-          <a:prstGeom prst="rect">
-            <a:avLst/>
-          </a:prstGeom>
-          <a:noFill/>
-        </p:spPr>
-        <p:txBody>
-          <a:bodyPr wrap="square">
-            <a:spAutoFit/>
-          </a:bodyPr>
-          <a:lstStyle/>
-          <a:p>
-            <a:r>
-              <a:rPr lang="en-US" altLang="zh-TW" dirty="0" err="1">
-                <a:solidFill>
-                  <a:srgbClr val="FF0000"/>
-                </a:solidFill>
-              </a:rPr>
-              <a:t>MainActivity</a:t>
-            </a:r>
-            <a:endParaRPr lang="zh-TW" altLang="en-US" dirty="0"/>
-          </a:p>
-        </p:txBody>
-      </p:sp>
-      <p:cxnSp>
-        <p:nvCxnSpPr>
-          <p:cNvPr id="13" name="接點: 肘形 12">
-            <a:extLst>
-              <a:ext uri="{FF2B5EF4-FFF2-40B4-BE49-F238E27FC236}">
-                <a16:creationId xmlns:a16="http://schemas.microsoft.com/office/drawing/2014/main" id="{DBCC42C7-9973-48AC-9B17-2108F40D9CE7}"/>
-              </a:ext>
-            </a:extLst>
-          </p:cNvPr>
-          <p:cNvCxnSpPr>
-            <a:cxnSpLocks/>
-            <a:endCxn id="21" idx="2"/>
-          </p:cNvCxnSpPr>
-          <p:nvPr/>
-        </p:nvCxnSpPr>
-        <p:spPr>
-          <a:xfrm rot="10800000" flipV="1">
-            <a:off x="7076732" y="3299210"/>
-            <a:ext cx="1612324" cy="236210"/>
-          </a:xfrm>
-          <a:prstGeom prst="bentConnector4">
-            <a:avLst>
-              <a:gd name="adj1" fmla="val -117"/>
-              <a:gd name="adj2" fmla="val 196778"/>
-            </a:avLst>
-          </a:prstGeom>
-          <a:ln w="19050">
-            <a:solidFill>
-              <a:srgbClr val="FF0000"/>
-            </a:solidFill>
-            <a:prstDash val="sysDash"/>
-            <a:tailEnd type="triangle"/>
-          </a:ln>
-        </p:spPr>
-        <p:style>
-          <a:lnRef idx="1">
-            <a:schemeClr val="accent1"/>
-          </a:lnRef>
-          <a:fillRef idx="0">
-            <a:schemeClr val="accent1"/>
-          </a:fillRef>
-          <a:effectRef idx="0">
-            <a:schemeClr val="accent1"/>
-          </a:effectRef>
-          <a:fontRef idx="minor">
-            <a:schemeClr val="tx1"/>
-          </a:fontRef>
-        </p:style>
-      </p:cxnSp>
-      <p:sp>
-        <p:nvSpPr>
-          <p:cNvPr id="3" name="文字方塊 2"/>
-          <p:cNvSpPr txBox="1"/>
-          <p:nvPr/>
-        </p:nvSpPr>
-        <p:spPr>
-          <a:xfrm>
-            <a:off x="10377895" y="0"/>
-            <a:ext cx="2132212" cy="369332"/>
-          </a:xfrm>
-          <a:prstGeom prst="rect">
-            <a:avLst/>
-          </a:prstGeom>
-          <a:noFill/>
-        </p:spPr>
-        <p:txBody>
-          <a:bodyPr wrap="square" rtlCol="0">
-            <a:spAutoFit/>
-          </a:bodyPr>
-          <a:lstStyle/>
-          <a:p>
-            <a:r>
-              <a:rPr lang="en-US" altLang="zh-TW" dirty="0"/>
-              <a:t>Reference from AI</a:t>
-            </a:r>
-            <a:endParaRPr lang="zh-TW" altLang="en-US" dirty="0"/>
-          </a:p>
-        </p:txBody>
-      </p:sp>
     </p:spTree>
     <p:extLst>
       <p:ext uri="{BB962C8B-B14F-4D97-AF65-F5344CB8AC3E}">
-        <p14:creationId xmlns:p14="http://schemas.microsoft.com/office/powerpoint/2010/main" val="3456095250"/>
+        <p14:creationId xmlns:p14="http://schemas.microsoft.com/office/powerpoint/2010/main" val="2153053370"/>
       </p:ext>
     </p:extLst>
   </p:cSld>
@@ -4713,12 +3756,453 @@
           <a:chExt cx="0" cy="0"/>
         </a:xfrm>
       </p:grpSpPr>
+      <p:sp>
+        <p:nvSpPr>
+          <p:cNvPr id="2" name="標題 1">
+            <a:extLst>
+              <a:ext uri="{FF2B5EF4-FFF2-40B4-BE49-F238E27FC236}">
+                <a16:creationId xmlns:a16="http://schemas.microsoft.com/office/drawing/2014/main" id="{8097AD09-7E5F-4C90-999F-B344884E6094}"/>
+              </a:ext>
+            </a:extLst>
+          </p:cNvPr>
+          <p:cNvSpPr>
+            <a:spLocks noGrp="1"/>
+          </p:cNvSpPr>
+          <p:nvPr>
+            <p:ph type="title"/>
+          </p:nvPr>
+        </p:nvSpPr>
+        <p:spPr>
+          <a:xfrm>
+            <a:off x="0" y="0"/>
+            <a:ext cx="7747000" cy="922867"/>
+          </a:xfrm>
+        </p:spPr>
+        <p:txBody>
+          <a:bodyPr/>
+          <a:lstStyle/>
+          <a:p>
+            <a:r>
+              <a:rPr lang="en-US" altLang="zh-TW" dirty="0"/>
+              <a:t>QRTest1-- Read QR Code Example</a:t>
+            </a:r>
+            <a:endParaRPr lang="zh-TW" altLang="en-US" dirty="0"/>
+          </a:p>
+        </p:txBody>
+      </p:sp>
+      <p:sp>
+        <p:nvSpPr>
+          <p:cNvPr id="15" name="矩形: 圓角 14">
+            <a:extLst>
+              <a:ext uri="{FF2B5EF4-FFF2-40B4-BE49-F238E27FC236}">
+                <a16:creationId xmlns:a16="http://schemas.microsoft.com/office/drawing/2014/main" id="{5AA11F69-BC6A-490A-9DD7-3D4477E0A9B9}"/>
+              </a:ext>
+            </a:extLst>
+          </p:cNvPr>
+          <p:cNvSpPr/>
+          <p:nvPr/>
+        </p:nvSpPr>
+        <p:spPr>
+          <a:xfrm>
+            <a:off x="7858139" y="1886909"/>
+            <a:ext cx="2753650" cy="472418"/>
+          </a:xfrm>
+          <a:prstGeom prst="roundRect">
+            <a:avLst/>
+          </a:prstGeom>
+          <a:noFill/>
+          <a:ln>
+            <a:solidFill>
+              <a:schemeClr val="tx1">
+                <a:lumMod val="75000"/>
+                <a:lumOff val="25000"/>
+              </a:schemeClr>
+            </a:solidFill>
+          </a:ln>
+        </p:spPr>
+        <p:style>
+          <a:lnRef idx="2">
+            <a:schemeClr val="accent1">
+              <a:shade val="50000"/>
+            </a:schemeClr>
+          </a:lnRef>
+          <a:fillRef idx="1">
+            <a:schemeClr val="accent1"/>
+          </a:fillRef>
+          <a:effectRef idx="0">
+            <a:schemeClr val="accent1"/>
+          </a:effectRef>
+          <a:fontRef idx="minor">
+            <a:schemeClr val="lt1"/>
+          </a:fontRef>
+        </p:style>
+        <p:txBody>
+          <a:bodyPr rtlCol="0" anchor="ctr"/>
+          <a:lstStyle/>
+          <a:p>
+            <a:pPr algn="ctr"/>
+            <a:r>
+              <a:rPr lang="en-US" altLang="zh-TW" dirty="0">
+                <a:solidFill>
+                  <a:schemeClr val="tx1"/>
+                </a:solidFill>
+              </a:rPr>
+              <a:t>Entry Interface</a:t>
+            </a:r>
+            <a:endParaRPr lang="zh-TW" altLang="en-US" dirty="0">
+              <a:solidFill>
+                <a:schemeClr val="tx1"/>
+              </a:solidFill>
+            </a:endParaRPr>
+          </a:p>
+        </p:txBody>
+      </p:sp>
+      <p:sp>
+        <p:nvSpPr>
+          <p:cNvPr id="17" name="矩形: 圓角 16">
+            <a:extLst>
+              <a:ext uri="{FF2B5EF4-FFF2-40B4-BE49-F238E27FC236}">
+                <a16:creationId xmlns:a16="http://schemas.microsoft.com/office/drawing/2014/main" id="{F7B50835-C80A-45D4-8AA1-9E9B9F1A0A86}"/>
+              </a:ext>
+            </a:extLst>
+          </p:cNvPr>
+          <p:cNvSpPr/>
+          <p:nvPr/>
+        </p:nvSpPr>
+        <p:spPr>
+          <a:xfrm>
+            <a:off x="8478855" y="2829044"/>
+            <a:ext cx="1512214" cy="472418"/>
+          </a:xfrm>
+          <a:prstGeom prst="roundRect">
+            <a:avLst/>
+          </a:prstGeom>
+          <a:noFill/>
+          <a:ln>
+            <a:solidFill>
+              <a:schemeClr val="tx1">
+                <a:lumMod val="75000"/>
+                <a:lumOff val="25000"/>
+              </a:schemeClr>
+            </a:solidFill>
+          </a:ln>
+        </p:spPr>
+        <p:style>
+          <a:lnRef idx="2">
+            <a:schemeClr val="accent1">
+              <a:shade val="50000"/>
+            </a:schemeClr>
+          </a:lnRef>
+          <a:fillRef idx="1">
+            <a:schemeClr val="accent1"/>
+          </a:fillRef>
+          <a:effectRef idx="0">
+            <a:schemeClr val="accent1"/>
+          </a:effectRef>
+          <a:fontRef idx="minor">
+            <a:schemeClr val="lt1"/>
+          </a:fontRef>
+        </p:style>
+        <p:txBody>
+          <a:bodyPr rtlCol="0" anchor="ctr"/>
+          <a:lstStyle/>
+          <a:p>
+            <a:pPr algn="ctr"/>
+            <a:r>
+              <a:rPr lang="en-US" altLang="zh-TW" dirty="0">
+                <a:solidFill>
+                  <a:schemeClr val="tx1"/>
+                </a:solidFill>
+              </a:rPr>
+              <a:t>Control Event</a:t>
+            </a:r>
+            <a:endParaRPr lang="zh-TW" altLang="en-US" dirty="0">
+              <a:solidFill>
+                <a:schemeClr val="tx1"/>
+              </a:solidFill>
+            </a:endParaRPr>
+          </a:p>
+        </p:txBody>
+      </p:sp>
+      <p:sp>
+        <p:nvSpPr>
+          <p:cNvPr id="19" name="文字方塊 18">
+            <a:extLst>
+              <a:ext uri="{FF2B5EF4-FFF2-40B4-BE49-F238E27FC236}">
+                <a16:creationId xmlns:a16="http://schemas.microsoft.com/office/drawing/2014/main" id="{EE1625DC-3C91-4BFB-AD93-23C8A70DC8B7}"/>
+              </a:ext>
+            </a:extLst>
+          </p:cNvPr>
+          <p:cNvSpPr txBox="1"/>
+          <p:nvPr/>
+        </p:nvSpPr>
+        <p:spPr>
+          <a:xfrm>
+            <a:off x="9897149" y="2779264"/>
+            <a:ext cx="1590742" cy="646331"/>
+          </a:xfrm>
+          <a:prstGeom prst="rect">
+            <a:avLst/>
+          </a:prstGeom>
+          <a:noFill/>
+        </p:spPr>
+        <p:txBody>
+          <a:bodyPr wrap="square">
+            <a:spAutoFit/>
+          </a:bodyPr>
+          <a:lstStyle/>
+          <a:p>
+            <a:r>
+              <a:rPr lang="zh-TW" altLang="en-US" dirty="0"/>
+              <a:t>*Automation</a:t>
+            </a:r>
+          </a:p>
+          <a:p>
+            <a:r>
+              <a:rPr lang="zh-TW" altLang="en-US" dirty="0"/>
+              <a:t>*Button</a:t>
+            </a:r>
+          </a:p>
+        </p:txBody>
+      </p:sp>
+      <p:sp>
+        <p:nvSpPr>
+          <p:cNvPr id="20" name="矩形: 圓角 19">
+            <a:extLst>
+              <a:ext uri="{FF2B5EF4-FFF2-40B4-BE49-F238E27FC236}">
+                <a16:creationId xmlns:a16="http://schemas.microsoft.com/office/drawing/2014/main" id="{30573961-3A78-44FD-AFBF-917207ED880F}"/>
+              </a:ext>
+            </a:extLst>
+          </p:cNvPr>
+          <p:cNvSpPr/>
+          <p:nvPr/>
+        </p:nvSpPr>
+        <p:spPr>
+          <a:xfrm>
+            <a:off x="9306865" y="4359275"/>
+            <a:ext cx="1071030" cy="472418"/>
+          </a:xfrm>
+          <a:prstGeom prst="roundRect">
+            <a:avLst/>
+          </a:prstGeom>
+          <a:noFill/>
+          <a:ln>
+            <a:solidFill>
+              <a:schemeClr val="tx1">
+                <a:lumMod val="75000"/>
+                <a:lumOff val="25000"/>
+              </a:schemeClr>
+            </a:solidFill>
+          </a:ln>
+        </p:spPr>
+        <p:style>
+          <a:lnRef idx="2">
+            <a:schemeClr val="accent1">
+              <a:shade val="50000"/>
+            </a:schemeClr>
+          </a:lnRef>
+          <a:fillRef idx="1">
+            <a:schemeClr val="accent1"/>
+          </a:fillRef>
+          <a:effectRef idx="0">
+            <a:schemeClr val="accent1"/>
+          </a:effectRef>
+          <a:fontRef idx="minor">
+            <a:schemeClr val="lt1"/>
+          </a:fontRef>
+        </p:style>
+        <p:txBody>
+          <a:bodyPr rtlCol="0" anchor="ctr"/>
+          <a:lstStyle/>
+          <a:p>
+            <a:pPr algn="ctr"/>
+            <a:r>
+              <a:rPr lang="en-US" altLang="zh-TW" dirty="0">
+                <a:solidFill>
+                  <a:schemeClr val="accent1"/>
+                </a:solidFill>
+              </a:rPr>
+              <a:t>App2</a:t>
+            </a:r>
+            <a:endParaRPr lang="zh-TW" altLang="en-US" dirty="0">
+              <a:solidFill>
+                <a:schemeClr val="accent1"/>
+              </a:solidFill>
+            </a:endParaRPr>
+          </a:p>
+        </p:txBody>
+      </p:sp>
+      <p:cxnSp>
+        <p:nvCxnSpPr>
+          <p:cNvPr id="24" name="直線單箭頭接點 23">
+            <a:extLst>
+              <a:ext uri="{FF2B5EF4-FFF2-40B4-BE49-F238E27FC236}">
+                <a16:creationId xmlns:a16="http://schemas.microsoft.com/office/drawing/2014/main" id="{310047A6-D771-4D04-9EBA-1216C7B041ED}"/>
+              </a:ext>
+            </a:extLst>
+          </p:cNvPr>
+          <p:cNvCxnSpPr>
+            <a:cxnSpLocks/>
+            <a:endCxn id="20" idx="0"/>
+          </p:cNvCxnSpPr>
+          <p:nvPr/>
+        </p:nvCxnSpPr>
+        <p:spPr>
+          <a:xfrm>
+            <a:off x="9828225" y="3302221"/>
+            <a:ext cx="14155" cy="1057054"/>
+          </a:xfrm>
+          <a:prstGeom prst="straightConnector1">
+            <a:avLst/>
+          </a:prstGeom>
+          <a:ln w="19050">
+            <a:solidFill>
+              <a:srgbClr val="FF0000"/>
+            </a:solidFill>
+            <a:prstDash val="sysDash"/>
+            <a:tailEnd type="triangle"/>
+          </a:ln>
+        </p:spPr>
+        <p:style>
+          <a:lnRef idx="1">
+            <a:schemeClr val="accent1"/>
+          </a:lnRef>
+          <a:fillRef idx="0">
+            <a:schemeClr val="accent1"/>
+          </a:fillRef>
+          <a:effectRef idx="0">
+            <a:schemeClr val="accent1"/>
+          </a:effectRef>
+          <a:fontRef idx="minor">
+            <a:schemeClr val="tx1"/>
+          </a:fontRef>
+        </p:style>
+      </p:cxnSp>
+      <p:sp>
+        <p:nvSpPr>
+          <p:cNvPr id="29" name="文字方塊 28">
+            <a:extLst>
+              <a:ext uri="{FF2B5EF4-FFF2-40B4-BE49-F238E27FC236}">
+                <a16:creationId xmlns:a16="http://schemas.microsoft.com/office/drawing/2014/main" id="{D930549F-59AD-4918-8345-7B99F453B9F6}"/>
+              </a:ext>
+            </a:extLst>
+          </p:cNvPr>
+          <p:cNvSpPr txBox="1"/>
+          <p:nvPr/>
+        </p:nvSpPr>
+        <p:spPr>
+          <a:xfrm>
+            <a:off x="6282806" y="5029725"/>
+            <a:ext cx="5190066" cy="1631216"/>
+          </a:xfrm>
+          <a:prstGeom prst="rect">
+            <a:avLst/>
+          </a:prstGeom>
+          <a:noFill/>
+        </p:spPr>
+        <p:txBody>
+          <a:bodyPr wrap="square" rtlCol="0">
+            <a:spAutoFit/>
+          </a:bodyPr>
+          <a:lstStyle/>
+          <a:p>
+            <a:r>
+              <a:rPr lang="en-US" altLang="zh-TW" sz="2000" dirty="0"/>
+              <a:t>Most of the time, </a:t>
+            </a:r>
+            <a:r>
+              <a:rPr lang="en-US" altLang="zh-TW" sz="2000" dirty="0">
+                <a:solidFill>
+                  <a:srgbClr val="FF0000"/>
+                </a:solidFill>
+              </a:rPr>
+              <a:t>APP1</a:t>
+            </a:r>
+            <a:r>
+              <a:rPr lang="en-US" altLang="zh-TW" sz="2000" dirty="0"/>
+              <a:t> and </a:t>
+            </a:r>
+            <a:r>
+              <a:rPr lang="en-US" altLang="zh-TW" sz="2000" dirty="0">
+                <a:solidFill>
+                  <a:schemeClr val="accent1"/>
+                </a:solidFill>
+              </a:rPr>
+              <a:t>APP2</a:t>
+            </a:r>
+            <a:r>
+              <a:rPr lang="en-US" altLang="zh-TW" sz="2000" dirty="0"/>
+              <a:t> are produced by two different unit engineers.</a:t>
+            </a:r>
+          </a:p>
+          <a:p>
+            <a:endParaRPr lang="en-US" altLang="zh-TW" sz="2000" dirty="0"/>
+          </a:p>
+          <a:p>
+            <a:r>
+              <a:rPr lang="en-US" altLang="zh-TW" sz="2000" dirty="0"/>
+              <a:t>Therefore, Intent method is needed to call the other party's APP and transmit messages.</a:t>
+            </a:r>
+          </a:p>
+        </p:txBody>
+      </p:sp>
+      <p:sp>
+        <p:nvSpPr>
+          <p:cNvPr id="31" name="文字方塊 30">
+            <a:extLst>
+              <a:ext uri="{FF2B5EF4-FFF2-40B4-BE49-F238E27FC236}">
+                <a16:creationId xmlns:a16="http://schemas.microsoft.com/office/drawing/2014/main" id="{EE1EE678-1BC8-4E60-B106-6B3581F60FB7}"/>
+              </a:ext>
+            </a:extLst>
+          </p:cNvPr>
+          <p:cNvSpPr txBox="1"/>
+          <p:nvPr/>
+        </p:nvSpPr>
+        <p:spPr>
+          <a:xfrm>
+            <a:off x="8753640" y="3514912"/>
+            <a:ext cx="1071034" cy="646331"/>
+          </a:xfrm>
+          <a:prstGeom prst="rect">
+            <a:avLst/>
+          </a:prstGeom>
+          <a:noFill/>
+        </p:spPr>
+        <p:txBody>
+          <a:bodyPr wrap="square">
+            <a:spAutoFit/>
+          </a:bodyPr>
+          <a:lstStyle/>
+          <a:p>
+            <a:pPr algn="ctr"/>
+            <a:r>
+              <a:rPr lang="en-US" altLang="zh-TW" dirty="0">
+                <a:solidFill>
+                  <a:srgbClr val="FF0000"/>
+                </a:solidFill>
+              </a:rPr>
+              <a:t>Message</a:t>
+            </a:r>
+          </a:p>
+          <a:p>
+            <a:pPr algn="ctr"/>
+            <a:r>
+              <a:rPr lang="en-US" altLang="zh-TW" dirty="0">
+                <a:solidFill>
+                  <a:srgbClr val="FF0000"/>
+                </a:solidFill>
+              </a:rPr>
+              <a:t>Intent </a:t>
+            </a:r>
+          </a:p>
+        </p:txBody>
+      </p:sp>
       <p:pic>
         <p:nvPicPr>
-          <p:cNvPr id="4" name="圖片 3">
-            <a:extLst>
-              <a:ext uri="{FF2B5EF4-FFF2-40B4-BE49-F238E27FC236}">
-                <a16:creationId xmlns:a16="http://schemas.microsoft.com/office/drawing/2014/main" id="{DA3854EB-49E8-4D13-8094-E207058332ED}"/>
+          <p:cNvPr id="36" name="圖片 35">
+            <a:extLst>
+              <a:ext uri="{FF2B5EF4-FFF2-40B4-BE49-F238E27FC236}">
+                <a16:creationId xmlns:a16="http://schemas.microsoft.com/office/drawing/2014/main" id="{05ACE0C5-5BCB-4EBF-A8A2-FD97DE063513}"/>
               </a:ext>
             </a:extLst>
           </p:cNvPr>
@@ -4735,420 +4219,41 @@
         </p:blipFill>
         <p:spPr>
           <a:xfrm>
-            <a:off x="4679686" y="2710166"/>
-            <a:ext cx="2778079" cy="3048170"/>
+            <a:off x="421352" y="1091433"/>
+            <a:ext cx="5470911" cy="5749633"/>
           </a:xfrm>
           <a:prstGeom prst="rect">
             <a:avLst/>
           </a:prstGeom>
         </p:spPr>
       </p:pic>
-      <p:pic>
-        <p:nvPicPr>
-          <p:cNvPr id="9" name="圖片 8">
-            <a:extLst>
-              <a:ext uri="{FF2B5EF4-FFF2-40B4-BE49-F238E27FC236}">
-                <a16:creationId xmlns:a16="http://schemas.microsoft.com/office/drawing/2014/main" id="{3AA1BB77-CE3F-46EA-A90F-28B1F542B1B2}"/>
-              </a:ext>
-            </a:extLst>
-          </p:cNvPr>
-          <p:cNvPicPr>
-            <a:picLocks noChangeAspect="1"/>
-          </p:cNvPicPr>
-          <p:nvPr/>
-        </p:nvPicPr>
-        <p:blipFill>
-          <a:blip r:embed="rId3"/>
-          <a:stretch>
-            <a:fillRect/>
-          </a:stretch>
-        </p:blipFill>
-        <p:spPr>
-          <a:xfrm>
-            <a:off x="522428" y="1097821"/>
-            <a:ext cx="2392394" cy="2746823"/>
-          </a:xfrm>
-          <a:prstGeom prst="rect">
-            <a:avLst/>
-          </a:prstGeom>
-        </p:spPr>
-      </p:pic>
-      <p:sp>
-        <p:nvSpPr>
-          <p:cNvPr id="2" name="標題 1">
-            <a:extLst>
-              <a:ext uri="{FF2B5EF4-FFF2-40B4-BE49-F238E27FC236}">
-                <a16:creationId xmlns:a16="http://schemas.microsoft.com/office/drawing/2014/main" id="{8097AD09-7E5F-4C90-999F-B344884E6094}"/>
-              </a:ext>
-            </a:extLst>
-          </p:cNvPr>
-          <p:cNvSpPr>
-            <a:spLocks noGrp="1"/>
-          </p:cNvSpPr>
-          <p:nvPr>
-            <p:ph type="title"/>
-          </p:nvPr>
-        </p:nvSpPr>
-        <p:spPr>
-          <a:xfrm>
-            <a:off x="-1" y="0"/>
-            <a:ext cx="8862061" cy="922867"/>
-          </a:xfrm>
-        </p:spPr>
-        <p:txBody>
-          <a:bodyPr>
-            <a:normAutofit/>
-          </a:bodyPr>
-          <a:lstStyle/>
-          <a:p>
-            <a:r>
-              <a:rPr lang="en-US" altLang="zh-TW" dirty="0"/>
-              <a:t>Rd545cmd1—Rd545 </a:t>
-            </a:r>
-            <a:r>
-              <a:rPr lang="en-US" altLang="zh-TW" dirty="0" err="1"/>
-              <a:t>Api</a:t>
-            </a:r>
-            <a:r>
-              <a:rPr lang="en-US" altLang="zh-TW" dirty="0"/>
-              <a:t> call Example</a:t>
-            </a:r>
-            <a:endParaRPr lang="zh-TW" altLang="en-US" dirty="0"/>
-          </a:p>
-        </p:txBody>
-      </p:sp>
-      <p:pic>
-        <p:nvPicPr>
-          <p:cNvPr id="40" name="圖片 39">
-            <a:extLst>
-              <a:ext uri="{FF2B5EF4-FFF2-40B4-BE49-F238E27FC236}">
-                <a16:creationId xmlns:a16="http://schemas.microsoft.com/office/drawing/2014/main" id="{33F52219-01B5-4E78-9C84-9B6FE4A26D74}"/>
-              </a:ext>
-            </a:extLst>
-          </p:cNvPr>
-          <p:cNvPicPr>
-            <a:picLocks noChangeAspect="1"/>
-          </p:cNvPicPr>
-          <p:nvPr/>
-        </p:nvPicPr>
-        <p:blipFill>
-          <a:blip r:embed="rId4"/>
-          <a:stretch>
-            <a:fillRect/>
-          </a:stretch>
-        </p:blipFill>
-        <p:spPr>
-          <a:xfrm>
-            <a:off x="9179766" y="1097821"/>
-            <a:ext cx="1826208" cy="1997670"/>
-          </a:xfrm>
-          <a:prstGeom prst="rect">
-            <a:avLst/>
-          </a:prstGeom>
-        </p:spPr>
-      </p:pic>
-      <p:sp>
-        <p:nvSpPr>
-          <p:cNvPr id="45" name="文字方塊 44">
-            <a:extLst>
-              <a:ext uri="{FF2B5EF4-FFF2-40B4-BE49-F238E27FC236}">
-                <a16:creationId xmlns:a16="http://schemas.microsoft.com/office/drawing/2014/main" id="{E49634F5-CAD1-47B7-AAB8-D604B4F7C6E8}"/>
-              </a:ext>
-            </a:extLst>
-          </p:cNvPr>
-          <p:cNvSpPr txBox="1"/>
-          <p:nvPr/>
-        </p:nvSpPr>
-        <p:spPr>
-          <a:xfrm>
-            <a:off x="6151357" y="674391"/>
-            <a:ext cx="2881955" cy="369332"/>
-          </a:xfrm>
-          <a:prstGeom prst="rect">
-            <a:avLst/>
-          </a:prstGeom>
-          <a:noFill/>
-          <a:ln>
-            <a:noFill/>
-          </a:ln>
-        </p:spPr>
-        <p:txBody>
-          <a:bodyPr wrap="square" rtlCol="0">
-            <a:spAutoFit/>
-          </a:bodyPr>
-          <a:lstStyle/>
-          <a:p>
-            <a:r>
-              <a:rPr lang="en-US" altLang="zh-TW" dirty="0">
-                <a:solidFill>
-                  <a:srgbClr val="00B050"/>
-                </a:solidFill>
-              </a:rPr>
-              <a:t>Bluetooth LE</a:t>
-            </a:r>
-            <a:r>
-              <a:rPr lang="zh-TW" altLang="en-US" dirty="0">
-                <a:solidFill>
-                  <a:srgbClr val="00B050"/>
-                </a:solidFill>
-              </a:rPr>
-              <a:t> </a:t>
-            </a:r>
-            <a:r>
-              <a:rPr lang="en-US" altLang="zh-TW" dirty="0">
-                <a:solidFill>
-                  <a:srgbClr val="00B050"/>
-                </a:solidFill>
-              </a:rPr>
-              <a:t>Control Test</a:t>
-            </a:r>
-            <a:endParaRPr lang="zh-TW" altLang="en-US" dirty="0">
-              <a:solidFill>
-                <a:srgbClr val="00B050"/>
-              </a:solidFill>
-            </a:endParaRPr>
-          </a:p>
-        </p:txBody>
-      </p:sp>
-      <p:sp>
-        <p:nvSpPr>
-          <p:cNvPr id="6" name="矩形 5"/>
+      <p:sp>
+        <p:nvSpPr>
+          <p:cNvPr id="42" name="矩形: 圓角 41">
+            <a:extLst>
+              <a:ext uri="{FF2B5EF4-FFF2-40B4-BE49-F238E27FC236}">
+                <a16:creationId xmlns:a16="http://schemas.microsoft.com/office/drawing/2014/main" id="{AC98C4BE-2EB4-4A3E-ACFF-7A9950519F6C}"/>
+              </a:ext>
+            </a:extLst>
+          </p:cNvPr>
           <p:cNvSpPr/>
           <p:nvPr/>
         </p:nvSpPr>
         <p:spPr>
           <a:xfrm>
-            <a:off x="9277870" y="784813"/>
-            <a:ext cx="1483547" cy="369332"/>
-          </a:xfrm>
-          <a:prstGeom prst="rect">
-            <a:avLst/>
-          </a:prstGeom>
-        </p:spPr>
-        <p:txBody>
-          <a:bodyPr wrap="none">
-            <a:spAutoFit/>
-          </a:bodyPr>
-          <a:lstStyle/>
-          <a:p>
-            <a:pPr algn="ctr"/>
-            <a:r>
-              <a:rPr lang="en-US" altLang="zh-TW" dirty="0"/>
-              <a:t>RD545 Device</a:t>
-            </a:r>
-            <a:endParaRPr lang="zh-TW" altLang="en-US" dirty="0"/>
-          </a:p>
-        </p:txBody>
-      </p:sp>
-      <p:sp>
-        <p:nvSpPr>
-          <p:cNvPr id="10" name="文字方塊 9"/>
-          <p:cNvSpPr txBox="1"/>
-          <p:nvPr/>
-        </p:nvSpPr>
-        <p:spPr>
-          <a:xfrm>
-            <a:off x="4851097" y="797540"/>
-            <a:ext cx="1014804" cy="369332"/>
-          </a:xfrm>
-          <a:prstGeom prst="rect">
-            <a:avLst/>
-          </a:prstGeom>
-          <a:noFill/>
-        </p:spPr>
-        <p:txBody>
-          <a:bodyPr wrap="square" rtlCol="0">
-            <a:spAutoFit/>
-          </a:bodyPr>
-          <a:lstStyle/>
-          <a:p>
-            <a:r>
-              <a:rPr lang="en-US" altLang="zh-TW" dirty="0"/>
-              <a:t>Activity2</a:t>
-            </a:r>
-            <a:endParaRPr lang="zh-TW" altLang="en-US" dirty="0"/>
-          </a:p>
-        </p:txBody>
-      </p:sp>
-      <p:sp>
-        <p:nvSpPr>
-          <p:cNvPr id="47" name="文字方塊 46"/>
-          <p:cNvSpPr txBox="1"/>
-          <p:nvPr/>
-        </p:nvSpPr>
-        <p:spPr>
-          <a:xfrm>
-            <a:off x="1200187" y="784813"/>
-            <a:ext cx="1036875" cy="369332"/>
-          </a:xfrm>
-          <a:prstGeom prst="rect">
-            <a:avLst/>
-          </a:prstGeom>
-          <a:noFill/>
-        </p:spPr>
-        <p:txBody>
-          <a:bodyPr wrap="square" rtlCol="0">
-            <a:spAutoFit/>
-          </a:bodyPr>
-          <a:lstStyle/>
-          <a:p>
-            <a:r>
-              <a:rPr lang="en-US" altLang="zh-TW" dirty="0"/>
-              <a:t>Activity1</a:t>
-            </a:r>
-            <a:endParaRPr lang="zh-TW" altLang="en-US" dirty="0"/>
-          </a:p>
-        </p:txBody>
-      </p:sp>
-      <p:cxnSp>
-        <p:nvCxnSpPr>
-          <p:cNvPr id="27" name="直線單箭頭接點 26"/>
-          <p:cNvCxnSpPr>
-            <a:stCxn id="10" idx="3"/>
-            <a:endCxn id="6" idx="1"/>
-          </p:cNvCxnSpPr>
-          <p:nvPr/>
-        </p:nvCxnSpPr>
-        <p:spPr>
-          <a:xfrm flipV="1">
-            <a:off x="5865901" y="969479"/>
-            <a:ext cx="3411969" cy="12727"/>
-          </a:xfrm>
-          <a:prstGeom prst="straightConnector1">
-            <a:avLst/>
-          </a:prstGeom>
-          <a:ln w="38100">
-            <a:solidFill>
-              <a:srgbClr val="00B050"/>
-            </a:solidFill>
-            <a:tailEnd type="triangle"/>
-          </a:ln>
-        </p:spPr>
-        <p:style>
-          <a:lnRef idx="1">
-            <a:schemeClr val="accent1"/>
-          </a:lnRef>
-          <a:fillRef idx="0">
-            <a:schemeClr val="accent1"/>
-          </a:fillRef>
-          <a:effectRef idx="0">
-            <a:schemeClr val="accent1"/>
-          </a:effectRef>
-          <a:fontRef idx="minor">
-            <a:schemeClr val="tx1"/>
-          </a:fontRef>
-        </p:style>
-      </p:cxnSp>
-      <p:cxnSp>
-        <p:nvCxnSpPr>
-          <p:cNvPr id="53" name="肘形接點 52"/>
-          <p:cNvCxnSpPr>
-            <a:cxnSpLocks/>
-            <a:stCxn id="40" idx="2"/>
-          </p:cNvCxnSpPr>
-          <p:nvPr/>
-        </p:nvCxnSpPr>
-        <p:spPr>
-          <a:xfrm rot="5400000">
-            <a:off x="8223962" y="2212435"/>
-            <a:ext cx="985853" cy="2751965"/>
-          </a:xfrm>
-          <a:prstGeom prst="bentConnector2">
-            <a:avLst/>
-          </a:prstGeom>
-          <a:ln w="38100">
-            <a:solidFill>
-              <a:srgbClr val="00B050"/>
-            </a:solidFill>
-            <a:tailEnd type="triangle"/>
-          </a:ln>
-        </p:spPr>
-        <p:style>
-          <a:lnRef idx="1">
-            <a:schemeClr val="accent1"/>
-          </a:lnRef>
-          <a:fillRef idx="0">
-            <a:schemeClr val="accent1"/>
-          </a:fillRef>
-          <a:effectRef idx="0">
-            <a:schemeClr val="accent1"/>
-          </a:effectRef>
-          <a:fontRef idx="minor">
-            <a:schemeClr val="tx1"/>
-          </a:fontRef>
-        </p:style>
-      </p:cxnSp>
-      <p:sp>
-        <p:nvSpPr>
-          <p:cNvPr id="69" name="文字方塊 68">
-            <a:extLst>
-              <a:ext uri="{FF2B5EF4-FFF2-40B4-BE49-F238E27FC236}">
-                <a16:creationId xmlns:a16="http://schemas.microsoft.com/office/drawing/2014/main" id="{E49634F5-CAD1-47B7-AAB8-D604B4F7C6E8}"/>
-              </a:ext>
-            </a:extLst>
-          </p:cNvPr>
-          <p:cNvSpPr txBox="1"/>
-          <p:nvPr/>
-        </p:nvSpPr>
-        <p:spPr>
-          <a:xfrm>
-            <a:off x="7504951" y="3648974"/>
-            <a:ext cx="2434770" cy="369332"/>
-          </a:xfrm>
-          <a:prstGeom prst="rect">
-            <a:avLst/>
-          </a:prstGeom>
-          <a:noFill/>
-          <a:ln>
-            <a:noFill/>
-          </a:ln>
-        </p:spPr>
-        <p:txBody>
-          <a:bodyPr wrap="square" rtlCol="0">
-            <a:spAutoFit/>
-          </a:bodyPr>
-          <a:lstStyle/>
-          <a:p>
-            <a:r>
-              <a:rPr lang="en-US" altLang="zh-TW" dirty="0">
-                <a:solidFill>
-                  <a:srgbClr val="00B050"/>
-                </a:solidFill>
-              </a:rPr>
-              <a:t>Bluetooth LE Read Data</a:t>
-            </a:r>
-            <a:endParaRPr lang="zh-TW" altLang="en-US" dirty="0">
-              <a:solidFill>
-                <a:srgbClr val="00B050"/>
-              </a:solidFill>
-            </a:endParaRPr>
-          </a:p>
-        </p:txBody>
-      </p:sp>
-      <p:sp>
-        <p:nvSpPr>
-          <p:cNvPr id="72" name="雲朵形 71">
-            <a:extLst>
-              <a:ext uri="{FF2B5EF4-FFF2-40B4-BE49-F238E27FC236}">
-                <a16:creationId xmlns:a16="http://schemas.microsoft.com/office/drawing/2014/main" id="{27A0946F-6339-45E9-A0BD-2C5153771188}"/>
-              </a:ext>
-            </a:extLst>
-          </p:cNvPr>
-          <p:cNvSpPr/>
-          <p:nvPr/>
-        </p:nvSpPr>
-        <p:spPr>
-          <a:xfrm>
-            <a:off x="9939721" y="4130997"/>
-            <a:ext cx="2154321" cy="1432703"/>
-          </a:xfrm>
-          <a:prstGeom prst="cloud">
+            <a:off x="8163932" y="2354375"/>
+            <a:ext cx="2142068" cy="472418"/>
+          </a:xfrm>
+          <a:prstGeom prst="roundRect">
             <a:avLst/>
           </a:prstGeom>
           <a:noFill/>
           <a:ln>
             <a:solidFill>
-              <a:srgbClr val="00B0F0"/>
+              <a:schemeClr val="tx1">
+                <a:lumMod val="75000"/>
+                <a:lumOff val="25000"/>
+              </a:schemeClr>
             </a:solidFill>
           </a:ln>
         </p:spPr>
@@ -5176,107 +4281,25 @@
             <a:r>
               <a:rPr lang="en-US" altLang="zh-TW" dirty="0">
                 <a:solidFill>
-                  <a:srgbClr val="00B0F0"/>
+                  <a:schemeClr val="tx1"/>
                 </a:solidFill>
               </a:rPr>
-              <a:t>Cloud Server App</a:t>
+              <a:t>Camera Sense Event</a:t>
             </a:r>
             <a:endParaRPr lang="zh-TW" altLang="en-US" dirty="0">
               <a:solidFill>
-                <a:srgbClr val="00B0F0"/>
+                <a:schemeClr val="tx1"/>
               </a:solidFill>
             </a:endParaRPr>
           </a:p>
         </p:txBody>
       </p:sp>
-      <p:cxnSp>
-        <p:nvCxnSpPr>
-          <p:cNvPr id="73" name="肘形接點 72"/>
-          <p:cNvCxnSpPr>
-            <a:cxnSpLocks/>
-            <a:endCxn id="72" idx="2"/>
-          </p:cNvCxnSpPr>
-          <p:nvPr/>
-        </p:nvCxnSpPr>
-        <p:spPr>
-          <a:xfrm flipV="1">
-            <a:off x="7319259" y="4847349"/>
-            <a:ext cx="2627144" cy="189488"/>
-          </a:xfrm>
-          <a:prstGeom prst="bentConnector3">
-            <a:avLst>
-              <a:gd name="adj1" fmla="val 50000"/>
-            </a:avLst>
-          </a:prstGeom>
-          <a:ln w="38100">
-            <a:solidFill>
-              <a:srgbClr val="00B0F0"/>
-            </a:solidFill>
-            <a:tailEnd type="triangle"/>
-          </a:ln>
-        </p:spPr>
-        <p:style>
-          <a:lnRef idx="1">
-            <a:schemeClr val="accent1"/>
-          </a:lnRef>
-          <a:fillRef idx="0">
-            <a:schemeClr val="accent1"/>
-          </a:fillRef>
-          <a:effectRef idx="0">
-            <a:schemeClr val="accent1"/>
-          </a:effectRef>
-          <a:fontRef idx="minor">
-            <a:schemeClr val="tx1"/>
-          </a:fontRef>
-        </p:style>
-      </p:cxnSp>
-      <p:cxnSp>
-        <p:nvCxnSpPr>
-          <p:cNvPr id="64" name="肘形接點 63"/>
-          <p:cNvCxnSpPr>
-            <a:cxnSpLocks/>
-            <a:endCxn id="10" idx="1"/>
-          </p:cNvCxnSpPr>
-          <p:nvPr/>
-        </p:nvCxnSpPr>
-        <p:spPr>
-          <a:xfrm flipV="1">
-            <a:off x="2099129" y="982206"/>
-            <a:ext cx="2751968" cy="2666768"/>
-          </a:xfrm>
-          <a:prstGeom prst="bentConnector3">
-            <a:avLst>
-              <a:gd name="adj1" fmla="val 50000"/>
-            </a:avLst>
-          </a:prstGeom>
-          <a:ln w="38100">
-            <a:solidFill>
-              <a:srgbClr val="FFC000"/>
-            </a:solidFill>
-            <a:tailEnd type="triangle"/>
-          </a:ln>
-        </p:spPr>
-        <p:style>
-          <a:lnRef idx="1">
-            <a:schemeClr val="accent1"/>
-          </a:lnRef>
-          <a:fillRef idx="0">
-            <a:schemeClr val="accent1"/>
-          </a:fillRef>
-          <a:effectRef idx="0">
-            <a:schemeClr val="accent1"/>
-          </a:effectRef>
-          <a:fontRef idx="minor">
-            <a:schemeClr val="tx1"/>
-          </a:fontRef>
-        </p:style>
-      </p:cxnSp>
-      <p:sp>
-        <p:nvSpPr>
-          <p:cNvPr id="90" name="文字方塊 89">
-            <a:extLst>
-              <a:ext uri="{FF2B5EF4-FFF2-40B4-BE49-F238E27FC236}">
-                <a16:creationId xmlns:a16="http://schemas.microsoft.com/office/drawing/2014/main" id="{D930549F-59AD-4918-8345-7B99F453B9F6}"/>
+      <p:sp>
+        <p:nvSpPr>
+          <p:cNvPr id="45" name="文字方塊 44">
+            <a:extLst>
+              <a:ext uri="{FF2B5EF4-FFF2-40B4-BE49-F238E27FC236}">
+                <a16:creationId xmlns:a16="http://schemas.microsoft.com/office/drawing/2014/main" id="{D70B8315-AFAA-4DAD-AB4D-F96CBFE6CCBC}"/>
               </a:ext>
             </a:extLst>
           </p:cNvPr>
@@ -5285,8 +4308,8 @@
         </p:nvSpPr>
         <p:spPr>
           <a:xfrm>
-            <a:off x="65082" y="4026843"/>
-            <a:ext cx="4542940" cy="1015663"/>
+            <a:off x="421353" y="807416"/>
+            <a:ext cx="2499648" cy="381000"/>
           </a:xfrm>
           <a:prstGeom prst="rect">
             <a:avLst/>
@@ -5300,44 +4323,94 @@
           <a:lstStyle/>
           <a:p>
             <a:r>
-              <a:rPr lang="en-US" altLang="zh-TW" sz="2000" dirty="0"/>
-              <a:t>This example has two Activities:</a:t>
-            </a:r>
-          </a:p>
-          <a:p>
-            <a:pPr marL="457200" indent="-457200">
-              <a:buAutoNum type="arabicPeriod"/>
-            </a:pPr>
-            <a:r>
-              <a:rPr lang="en-US" altLang="zh-TW" sz="2000" dirty="0"/>
-              <a:t>Set up user identity.</a:t>
-            </a:r>
-          </a:p>
-          <a:p>
-            <a:pPr marL="457200" indent="-457200">
-              <a:buAutoNum type="arabicPeriod"/>
-            </a:pPr>
-            <a:r>
-              <a:rPr lang="en-US" altLang="zh-TW" sz="2000" dirty="0"/>
-              <a:t>Start test and update cloud server.</a:t>
-            </a:r>
-          </a:p>
-        </p:txBody>
-      </p:sp>
-      <p:sp>
-        <p:nvSpPr>
-          <p:cNvPr id="98" name="矩形 97"/>
-          <p:cNvSpPr/>
-          <p:nvPr/>
-        </p:nvSpPr>
-        <p:spPr>
-          <a:xfrm>
-            <a:off x="3465022" y="1877110"/>
-            <a:ext cx="1143000" cy="646331"/>
+              <a:rPr lang="en-US" altLang="zh-TW" dirty="0">
+                <a:solidFill>
+                  <a:srgbClr val="FF0000"/>
+                </a:solidFill>
+              </a:rPr>
+              <a:t>APP1—Activity1</a:t>
+            </a:r>
+            <a:endParaRPr lang="zh-TW" altLang="en-US" dirty="0">
+              <a:solidFill>
+                <a:srgbClr val="FF0000"/>
+              </a:solidFill>
+            </a:endParaRPr>
+          </a:p>
+        </p:txBody>
+      </p:sp>
+      <p:sp>
+        <p:nvSpPr>
+          <p:cNvPr id="46" name="文字方塊 45">
+            <a:extLst>
+              <a:ext uri="{FF2B5EF4-FFF2-40B4-BE49-F238E27FC236}">
+                <a16:creationId xmlns:a16="http://schemas.microsoft.com/office/drawing/2014/main" id="{860C61A0-1FF5-4D33-87B1-3F26BC04F512}"/>
+              </a:ext>
+            </a:extLst>
+          </p:cNvPr>
+          <p:cNvSpPr txBox="1"/>
+          <p:nvPr/>
+        </p:nvSpPr>
+        <p:spPr>
+          <a:xfrm>
+            <a:off x="3149600" y="786633"/>
+            <a:ext cx="2946400" cy="369332"/>
           </a:xfrm>
           <a:prstGeom prst="rect">
             <a:avLst/>
           </a:prstGeom>
+          <a:noFill/>
+        </p:spPr>
+        <p:txBody>
+          <a:bodyPr wrap="square" rtlCol="0">
+            <a:spAutoFit/>
+          </a:bodyPr>
+          <a:lstStyle/>
+          <a:p>
+            <a:r>
+              <a:rPr lang="en-US" altLang="zh-TW" dirty="0">
+                <a:solidFill>
+                  <a:srgbClr val="FF0000"/>
+                </a:solidFill>
+              </a:rPr>
+              <a:t>APP1—Activity2  or  </a:t>
+            </a:r>
+            <a:r>
+              <a:rPr lang="en-US" altLang="zh-TW" dirty="0">
+                <a:solidFill>
+                  <a:schemeClr val="accent1"/>
+                </a:solidFill>
+              </a:rPr>
+              <a:t>APP2</a:t>
+            </a:r>
+            <a:endParaRPr lang="zh-TW" altLang="en-US" dirty="0">
+              <a:solidFill>
+                <a:schemeClr val="accent1"/>
+              </a:solidFill>
+            </a:endParaRPr>
+          </a:p>
+        </p:txBody>
+      </p:sp>
+      <p:sp>
+        <p:nvSpPr>
+          <p:cNvPr id="48" name="文字方塊 47">
+            <a:extLst>
+              <a:ext uri="{FF2B5EF4-FFF2-40B4-BE49-F238E27FC236}">
+                <a16:creationId xmlns:a16="http://schemas.microsoft.com/office/drawing/2014/main" id="{523623D1-E4B0-4401-AFA3-B01BED3DBAC4}"/>
+              </a:ext>
+            </a:extLst>
+          </p:cNvPr>
+          <p:cNvSpPr txBox="1"/>
+          <p:nvPr/>
+        </p:nvSpPr>
+        <p:spPr>
+          <a:xfrm>
+            <a:off x="6344450" y="1158962"/>
+            <a:ext cx="853017" cy="369332"/>
+          </a:xfrm>
+          <a:prstGeom prst="rect">
+            <a:avLst/>
+          </a:prstGeom>
+          <a:noFill/>
         </p:spPr>
         <p:txBody>
           <a:bodyPr wrap="square">
@@ -5345,142 +4418,24 @@
           </a:bodyPr>
           <a:lstStyle/>
           <a:p>
-            <a:pPr algn="ctr"/>
             <a:r>
               <a:rPr lang="en-US" altLang="zh-TW" dirty="0">
                 <a:solidFill>
-                  <a:srgbClr val="FFC000"/>
+                  <a:srgbClr val="FF0000"/>
                 </a:solidFill>
               </a:rPr>
-              <a:t>Message</a:t>
-            </a:r>
-          </a:p>
-          <a:p>
-            <a:pPr algn="ctr"/>
-            <a:r>
-              <a:rPr lang="en-US" altLang="zh-TW" dirty="0">
-                <a:solidFill>
-                  <a:srgbClr val="FFC000"/>
-                </a:solidFill>
-              </a:rPr>
-              <a:t>Intent </a:t>
-            </a:r>
-          </a:p>
-        </p:txBody>
-      </p:sp>
-      <p:sp>
-        <p:nvSpPr>
-          <p:cNvPr id="99" name="文字方塊 98">
-            <a:extLst>
-              <a:ext uri="{FF2B5EF4-FFF2-40B4-BE49-F238E27FC236}">
-                <a16:creationId xmlns:a16="http://schemas.microsoft.com/office/drawing/2014/main" id="{E49634F5-CAD1-47B7-AAB8-D604B4F7C6E8}"/>
-              </a:ext>
-            </a:extLst>
-          </p:cNvPr>
-          <p:cNvSpPr txBox="1"/>
-          <p:nvPr/>
-        </p:nvSpPr>
-        <p:spPr>
-          <a:xfrm>
-            <a:off x="7467860" y="4478017"/>
-            <a:ext cx="2511418" cy="369332"/>
-          </a:xfrm>
-          <a:prstGeom prst="rect">
-            <a:avLst/>
-          </a:prstGeom>
-          <a:noFill/>
-          <a:ln>
-            <a:noFill/>
-          </a:ln>
-        </p:spPr>
-        <p:txBody>
-          <a:bodyPr wrap="square" rtlCol="0">
-            <a:spAutoFit/>
-          </a:bodyPr>
-          <a:lstStyle/>
-          <a:p>
-            <a:r>
-              <a:rPr lang="en-US" altLang="zh-TW" dirty="0">
-                <a:solidFill>
-                  <a:srgbClr val="00B0F0"/>
-                </a:solidFill>
-              </a:rPr>
-              <a:t>Wi-Fi or 4G/5G Network</a:t>
-            </a:r>
-            <a:endParaRPr lang="zh-TW" altLang="en-US" dirty="0">
-              <a:solidFill>
-                <a:srgbClr val="00B0F0"/>
-              </a:solidFill>
-            </a:endParaRPr>
-          </a:p>
-        </p:txBody>
-      </p:sp>
-      <p:sp>
-        <p:nvSpPr>
-          <p:cNvPr id="101" name="文字方塊 100"/>
-          <p:cNvSpPr txBox="1"/>
-          <p:nvPr/>
-        </p:nvSpPr>
-        <p:spPr>
-          <a:xfrm>
-            <a:off x="9494690" y="-11052"/>
-            <a:ext cx="3022568" cy="369332"/>
-          </a:xfrm>
-          <a:prstGeom prst="rect">
-            <a:avLst/>
-          </a:prstGeom>
-          <a:noFill/>
-        </p:spPr>
-        <p:txBody>
-          <a:bodyPr wrap="square" rtlCol="0">
-            <a:spAutoFit/>
-          </a:bodyPr>
-          <a:lstStyle/>
-          <a:p>
-            <a:r>
-              <a:rPr lang="en-US" altLang="zh-TW" dirty="0"/>
-              <a:t>Reference from TANITA API</a:t>
+              <a:t>App1</a:t>
             </a:r>
             <a:endParaRPr lang="zh-TW" altLang="en-US" dirty="0"/>
           </a:p>
         </p:txBody>
       </p:sp>
-      <p:pic>
-        <p:nvPicPr>
-          <p:cNvPr id="16" name="圖片 15">
-            <a:extLst>
-              <a:ext uri="{FF2B5EF4-FFF2-40B4-BE49-F238E27FC236}">
-                <a16:creationId xmlns:a16="http://schemas.microsoft.com/office/drawing/2014/main" id="{8BB45227-2EEA-428A-A171-14DA06BA070A}"/>
-              </a:ext>
-            </a:extLst>
-          </p:cNvPr>
-          <p:cNvPicPr>
-            <a:picLocks noChangeAspect="1"/>
-          </p:cNvPicPr>
-          <p:nvPr/>
-        </p:nvPicPr>
-        <p:blipFill>
-          <a:blip r:embed="rId5"/>
-          <a:stretch>
-            <a:fillRect/>
-          </a:stretch>
-        </p:blipFill>
-        <p:spPr>
-          <a:xfrm>
-            <a:off x="4679686" y="1154145"/>
-            <a:ext cx="2778079" cy="1494503"/>
-          </a:xfrm>
-          <a:prstGeom prst="rect">
-            <a:avLst/>
-          </a:prstGeom>
-        </p:spPr>
-      </p:pic>
-      <p:sp>
-        <p:nvSpPr>
-          <p:cNvPr id="37" name="矩形: 摺角紙張 36">
-            <a:extLst>
-              <a:ext uri="{FF2B5EF4-FFF2-40B4-BE49-F238E27FC236}">
-                <a16:creationId xmlns:a16="http://schemas.microsoft.com/office/drawing/2014/main" id="{6CEF6EB6-2F27-4CC2-8AB4-39C554A8C349}"/>
+      <p:sp>
+        <p:nvSpPr>
+          <p:cNvPr id="50" name="矩形: 圓角 49">
+            <a:extLst>
+              <a:ext uri="{FF2B5EF4-FFF2-40B4-BE49-F238E27FC236}">
+                <a16:creationId xmlns:a16="http://schemas.microsoft.com/office/drawing/2014/main" id="{0B3E72B1-6D9E-4662-A938-24907A2B9478}"/>
               </a:ext>
             </a:extLst>
           </p:cNvPr>
@@ -5488,20 +4443,21 @@
           <p:nvPr/>
         </p:nvSpPr>
         <p:spPr>
-          <a:xfrm rot="10800000">
-            <a:off x="7611222" y="5685156"/>
-            <a:ext cx="614872" cy="895911"/>
-          </a:xfrm>
-          <a:prstGeom prst="foldedCorner">
+          <a:xfrm>
+            <a:off x="6282806" y="1155965"/>
+            <a:ext cx="5404250" cy="2382711"/>
+          </a:xfrm>
+          <a:prstGeom prst="roundRect">
             <a:avLst>
-              <a:gd name="adj" fmla="val 25070"/>
+              <a:gd name="adj" fmla="val 6784"/>
             </a:avLst>
           </a:prstGeom>
           <a:noFill/>
           <a:ln>
             <a:solidFill>
-              <a:schemeClr val="accent1">
+              <a:schemeClr val="tx1">
                 <a:lumMod val="75000"/>
+                <a:lumOff val="25000"/>
               </a:schemeClr>
             </a:solidFill>
           </a:ln>
@@ -5529,7 +4485,7 @@
             <a:pPr algn="ctr"/>
             <a:endParaRPr lang="zh-TW" altLang="en-US" dirty="0">
               <a:solidFill>
-                <a:srgbClr val="00B0F0"/>
+                <a:schemeClr val="tx1"/>
               </a:solidFill>
             </a:endParaRPr>
           </a:p>
@@ -5537,10 +4493,181 @@
       </p:sp>
       <p:sp>
         <p:nvSpPr>
-          <p:cNvPr id="38" name="文字方塊 37">
-            <a:extLst>
-              <a:ext uri="{FF2B5EF4-FFF2-40B4-BE49-F238E27FC236}">
-                <a16:creationId xmlns:a16="http://schemas.microsoft.com/office/drawing/2014/main" id="{B6CCEE2B-BF4C-4B42-B8B3-BEC1F7661D28}"/>
+          <p:cNvPr id="21" name="矩形: 圓角 20">
+            <a:extLst>
+              <a:ext uri="{FF2B5EF4-FFF2-40B4-BE49-F238E27FC236}">
+                <a16:creationId xmlns:a16="http://schemas.microsoft.com/office/drawing/2014/main" id="{47FCA231-5286-4576-B959-F6030B598710}"/>
+              </a:ext>
+            </a:extLst>
+          </p:cNvPr>
+          <p:cNvSpPr/>
+          <p:nvPr/>
+        </p:nvSpPr>
+        <p:spPr>
+          <a:xfrm>
+            <a:off x="6476631" y="1528294"/>
+            <a:ext cx="1200202" cy="2007126"/>
+          </a:xfrm>
+          <a:prstGeom prst="roundRect">
+            <a:avLst/>
+          </a:prstGeom>
+          <a:noFill/>
+          <a:ln>
+            <a:solidFill>
+              <a:schemeClr val="tx1">
+                <a:lumMod val="75000"/>
+                <a:lumOff val="25000"/>
+              </a:schemeClr>
+            </a:solidFill>
+          </a:ln>
+        </p:spPr>
+        <p:style>
+          <a:lnRef idx="2">
+            <a:schemeClr val="accent1">
+              <a:shade val="50000"/>
+            </a:schemeClr>
+          </a:lnRef>
+          <a:fillRef idx="1">
+            <a:schemeClr val="accent1"/>
+          </a:fillRef>
+          <a:effectRef idx="0">
+            <a:schemeClr val="accent1"/>
+          </a:effectRef>
+          <a:fontRef idx="minor">
+            <a:schemeClr val="lt1"/>
+          </a:fontRef>
+        </p:style>
+        <p:txBody>
+          <a:bodyPr rtlCol="0" anchor="ctr"/>
+          <a:lstStyle/>
+          <a:p>
+            <a:pPr algn="ctr"/>
+            <a:r>
+              <a:rPr lang="en-US" altLang="zh-TW" dirty="0">
+                <a:solidFill>
+                  <a:srgbClr val="FF0000"/>
+                </a:solidFill>
+              </a:rPr>
+              <a:t>Activity2</a:t>
+            </a:r>
+          </a:p>
+          <a:p>
+            <a:pPr algn="ctr"/>
+            <a:endParaRPr lang="en-US" altLang="zh-TW" dirty="0">
+              <a:solidFill>
+                <a:srgbClr val="FF0000"/>
+              </a:solidFill>
+            </a:endParaRPr>
+          </a:p>
+          <a:p>
+            <a:pPr algn="ctr"/>
+            <a:endParaRPr lang="en-US" altLang="zh-TW" dirty="0">
+              <a:solidFill>
+                <a:srgbClr val="FF0000"/>
+              </a:solidFill>
+            </a:endParaRPr>
+          </a:p>
+          <a:p>
+            <a:pPr algn="ctr"/>
+            <a:endParaRPr lang="en-US" altLang="zh-TW" dirty="0">
+              <a:solidFill>
+                <a:srgbClr val="FF0000"/>
+              </a:solidFill>
+            </a:endParaRPr>
+          </a:p>
+          <a:p>
+            <a:pPr algn="ctr"/>
+            <a:endParaRPr lang="en-US" altLang="zh-TW" dirty="0">
+              <a:solidFill>
+                <a:srgbClr val="FF0000"/>
+              </a:solidFill>
+            </a:endParaRPr>
+          </a:p>
+          <a:p>
+            <a:pPr algn="ctr"/>
+            <a:endParaRPr lang="en-US" altLang="zh-TW" dirty="0">
+              <a:solidFill>
+                <a:srgbClr val="FF0000"/>
+              </a:solidFill>
+            </a:endParaRPr>
+          </a:p>
+          <a:p>
+            <a:pPr algn="ctr"/>
+            <a:endParaRPr lang="zh-TW" altLang="en-US" dirty="0">
+              <a:solidFill>
+                <a:schemeClr val="accent1"/>
+              </a:solidFill>
+            </a:endParaRPr>
+          </a:p>
+        </p:txBody>
+      </p:sp>
+      <p:sp>
+        <p:nvSpPr>
+          <p:cNvPr id="23" name="矩形: 圓角 22">
+            <a:extLst>
+              <a:ext uri="{FF2B5EF4-FFF2-40B4-BE49-F238E27FC236}">
+                <a16:creationId xmlns:a16="http://schemas.microsoft.com/office/drawing/2014/main" id="{2EA35345-6E7C-429E-AA77-805F22946D85}"/>
+              </a:ext>
+            </a:extLst>
+          </p:cNvPr>
+          <p:cNvSpPr/>
+          <p:nvPr/>
+        </p:nvSpPr>
+        <p:spPr>
+          <a:xfrm>
+            <a:off x="7858138" y="1532997"/>
+            <a:ext cx="3472393" cy="2005680"/>
+          </a:xfrm>
+          <a:prstGeom prst="roundRect">
+            <a:avLst>
+              <a:gd name="adj" fmla="val 6784"/>
+            </a:avLst>
+          </a:prstGeom>
+          <a:noFill/>
+          <a:ln>
+            <a:solidFill>
+              <a:schemeClr val="tx1">
+                <a:lumMod val="75000"/>
+                <a:lumOff val="25000"/>
+              </a:schemeClr>
+            </a:solidFill>
+          </a:ln>
+        </p:spPr>
+        <p:style>
+          <a:lnRef idx="2">
+            <a:schemeClr val="accent1">
+              <a:shade val="50000"/>
+            </a:schemeClr>
+          </a:lnRef>
+          <a:fillRef idx="1">
+            <a:schemeClr val="accent1"/>
+          </a:fillRef>
+          <a:effectRef idx="0">
+            <a:schemeClr val="accent1"/>
+          </a:effectRef>
+          <a:fontRef idx="minor">
+            <a:schemeClr val="lt1"/>
+          </a:fontRef>
+        </p:style>
+        <p:txBody>
+          <a:bodyPr rtlCol="0" anchor="ctr"/>
+          <a:lstStyle/>
+          <a:p>
+            <a:pPr algn="ctr"/>
+            <a:endParaRPr lang="zh-TW" altLang="en-US" dirty="0">
+              <a:solidFill>
+                <a:schemeClr val="tx1"/>
+              </a:solidFill>
+            </a:endParaRPr>
+          </a:p>
+        </p:txBody>
+      </p:sp>
+      <p:sp>
+        <p:nvSpPr>
+          <p:cNvPr id="25" name="文字方塊 24">
+            <a:extLst>
+              <a:ext uri="{FF2B5EF4-FFF2-40B4-BE49-F238E27FC236}">
+                <a16:creationId xmlns:a16="http://schemas.microsoft.com/office/drawing/2014/main" id="{05030436-20B9-4C53-8E3D-75E365E50F22}"/>
               </a:ext>
             </a:extLst>
           </p:cNvPr>
@@ -5549,8 +4676,8 @@
         </p:nvSpPr>
         <p:spPr>
           <a:xfrm>
-            <a:off x="7562722" y="5948446"/>
-            <a:ext cx="800215" cy="369332"/>
+            <a:off x="7834193" y="1516452"/>
+            <a:ext cx="1437217" cy="369332"/>
           </a:xfrm>
           <a:prstGeom prst="rect">
             <a:avLst/>
@@ -5558,54 +4685,54 @@
           <a:noFill/>
         </p:spPr>
         <p:txBody>
-          <a:bodyPr wrap="square" rtlCol="0">
+          <a:bodyPr wrap="square">
             <a:spAutoFit/>
           </a:bodyPr>
           <a:lstStyle/>
           <a:p>
             <a:r>
-              <a:rPr lang="en-US" altLang="zh-TW" dirty="0">
+              <a:rPr lang="en-US" altLang="zh-TW" dirty="0" err="1">
                 <a:solidFill>
-                  <a:schemeClr val="accent1">
-                    <a:lumMod val="75000"/>
-                  </a:schemeClr>
+                  <a:srgbClr val="FF0000"/>
                 </a:solidFill>
               </a:rPr>
-              <a:t>*.csv</a:t>
-            </a:r>
-            <a:endParaRPr lang="zh-TW" altLang="en-US" dirty="0">
-              <a:solidFill>
-                <a:schemeClr val="accent1">
-                  <a:lumMod val="75000"/>
-                </a:schemeClr>
-              </a:solidFill>
-            </a:endParaRPr>
+              <a:t>MainActivity</a:t>
+            </a:r>
+            <a:endParaRPr lang="zh-TW" altLang="en-US" dirty="0"/>
           </a:p>
         </p:txBody>
       </p:sp>
       <p:cxnSp>
         <p:nvCxnSpPr>
-          <p:cNvPr id="24" name="接點: 肘形 23">
-            <a:extLst>
-              <a:ext uri="{FF2B5EF4-FFF2-40B4-BE49-F238E27FC236}">
-                <a16:creationId xmlns:a16="http://schemas.microsoft.com/office/drawing/2014/main" id="{64ECF066-091A-4402-B817-9564EFCC9F16}"/>
+          <p:cNvPr id="13" name="接點: 肘形 12">
+            <a:extLst>
+              <a:ext uri="{FF2B5EF4-FFF2-40B4-BE49-F238E27FC236}">
+                <a16:creationId xmlns:a16="http://schemas.microsoft.com/office/drawing/2014/main" id="{DBCC42C7-9973-48AC-9B17-2108F40D9CE7}"/>
               </a:ext>
             </a:extLst>
           </p:cNvPr>
           <p:cNvCxnSpPr>
             <a:cxnSpLocks/>
+            <a:endCxn id="21" idx="2"/>
           </p:cNvCxnSpPr>
           <p:nvPr/>
         </p:nvCxnSpPr>
         <p:spPr>
-          <a:xfrm>
-            <a:off x="7315028" y="5306999"/>
-            <a:ext cx="577752" cy="378157"/>
-          </a:xfrm>
-          <a:prstGeom prst="bentConnector2">
-            <a:avLst/>
-          </a:prstGeom>
-          <a:ln w="38100">
+          <a:xfrm rot="10800000" flipV="1">
+            <a:off x="7076732" y="3299210"/>
+            <a:ext cx="1612324" cy="236210"/>
+          </a:xfrm>
+          <a:prstGeom prst="bentConnector4">
+            <a:avLst>
+              <a:gd name="adj1" fmla="val -117"/>
+              <a:gd name="adj2" fmla="val 196778"/>
+            </a:avLst>
+          </a:prstGeom>
+          <a:ln w="19050">
+            <a:solidFill>
+              <a:srgbClr val="FF0000"/>
+            </a:solidFill>
+            <a:prstDash val="sysDash"/>
             <a:tailEnd type="triangle"/>
           </a:ln>
         </p:spPr>
@@ -5624,10 +4751,40 @@
           </a:fontRef>
         </p:style>
       </p:cxnSp>
+      <p:sp>
+        <p:nvSpPr>
+          <p:cNvPr id="3" name="文字方塊 2"/>
+          <p:cNvSpPr txBox="1"/>
+          <p:nvPr/>
+        </p:nvSpPr>
+        <p:spPr>
+          <a:xfrm>
+            <a:off x="10377895" y="0"/>
+            <a:ext cx="2132212" cy="369332"/>
+          </a:xfrm>
+          <a:prstGeom prst="rect">
+            <a:avLst/>
+          </a:prstGeom>
+          <a:noFill/>
+        </p:spPr>
+        <p:txBody>
+          <a:bodyPr wrap="square" rtlCol="0">
+            <a:spAutoFit/>
+          </a:bodyPr>
+          <a:lstStyle/>
+          <a:p>
+            <a:r>
+              <a:rPr lang="en-US" altLang="zh-TW" dirty="0"/>
+              <a:t>Reference from AI</a:t>
+            </a:r>
+            <a:endParaRPr lang="zh-TW" altLang="en-US" dirty="0"/>
+          </a:p>
+        </p:txBody>
+      </p:sp>
     </p:spTree>
     <p:extLst>
       <p:ext uri="{BB962C8B-B14F-4D97-AF65-F5344CB8AC3E}">
-        <p14:creationId xmlns:p14="http://schemas.microsoft.com/office/powerpoint/2010/main" val="3951226644"/>
+        <p14:creationId xmlns:p14="http://schemas.microsoft.com/office/powerpoint/2010/main" val="3456095250"/>
       </p:ext>
     </p:extLst>
   </p:cSld>
@@ -5654,6 +4811,1325 @@
           <a:chExt cx="0" cy="0"/>
         </a:xfrm>
       </p:grpSpPr>
+      <p:pic>
+        <p:nvPicPr>
+          <p:cNvPr id="4" name="圖片 3">
+            <a:extLst>
+              <a:ext uri="{FF2B5EF4-FFF2-40B4-BE49-F238E27FC236}">
+                <a16:creationId xmlns:a16="http://schemas.microsoft.com/office/drawing/2014/main" id="{DA3854EB-49E8-4D13-8094-E207058332ED}"/>
+              </a:ext>
+            </a:extLst>
+          </p:cNvPr>
+          <p:cNvPicPr>
+            <a:picLocks noChangeAspect="1"/>
+          </p:cNvPicPr>
+          <p:nvPr/>
+        </p:nvPicPr>
+        <p:blipFill>
+          <a:blip r:embed="rId2"/>
+          <a:stretch>
+            <a:fillRect/>
+          </a:stretch>
+        </p:blipFill>
+        <p:spPr>
+          <a:xfrm>
+            <a:off x="4679686" y="2710166"/>
+            <a:ext cx="2778079" cy="3048170"/>
+          </a:xfrm>
+          <a:prstGeom prst="rect">
+            <a:avLst/>
+          </a:prstGeom>
+        </p:spPr>
+      </p:pic>
+      <p:pic>
+        <p:nvPicPr>
+          <p:cNvPr id="9" name="圖片 8">
+            <a:extLst>
+              <a:ext uri="{FF2B5EF4-FFF2-40B4-BE49-F238E27FC236}">
+                <a16:creationId xmlns:a16="http://schemas.microsoft.com/office/drawing/2014/main" id="{3AA1BB77-CE3F-46EA-A90F-28B1F542B1B2}"/>
+              </a:ext>
+            </a:extLst>
+          </p:cNvPr>
+          <p:cNvPicPr>
+            <a:picLocks noChangeAspect="1"/>
+          </p:cNvPicPr>
+          <p:nvPr/>
+        </p:nvPicPr>
+        <p:blipFill>
+          <a:blip r:embed="rId3"/>
+          <a:stretch>
+            <a:fillRect/>
+          </a:stretch>
+        </p:blipFill>
+        <p:spPr>
+          <a:xfrm>
+            <a:off x="522428" y="1097821"/>
+            <a:ext cx="2392394" cy="2746823"/>
+          </a:xfrm>
+          <a:prstGeom prst="rect">
+            <a:avLst/>
+          </a:prstGeom>
+        </p:spPr>
+      </p:pic>
+      <p:sp>
+        <p:nvSpPr>
+          <p:cNvPr id="2" name="標題 1">
+            <a:extLst>
+              <a:ext uri="{FF2B5EF4-FFF2-40B4-BE49-F238E27FC236}">
+                <a16:creationId xmlns:a16="http://schemas.microsoft.com/office/drawing/2014/main" id="{8097AD09-7E5F-4C90-999F-B344884E6094}"/>
+              </a:ext>
+            </a:extLst>
+          </p:cNvPr>
+          <p:cNvSpPr>
+            <a:spLocks noGrp="1"/>
+          </p:cNvSpPr>
+          <p:nvPr>
+            <p:ph type="title"/>
+          </p:nvPr>
+        </p:nvSpPr>
+        <p:spPr>
+          <a:xfrm>
+            <a:off x="-1" y="0"/>
+            <a:ext cx="8862061" cy="922867"/>
+          </a:xfrm>
+        </p:spPr>
+        <p:txBody>
+          <a:bodyPr>
+            <a:normAutofit/>
+          </a:bodyPr>
+          <a:lstStyle/>
+          <a:p>
+            <a:r>
+              <a:rPr lang="en-US" altLang="zh-TW" dirty="0"/>
+              <a:t>Rd545cmd1--</a:t>
+            </a:r>
+            <a:r>
+              <a:rPr lang="zh-TW" altLang="en-US" dirty="0"/>
+              <a:t> </a:t>
+            </a:r>
+            <a:r>
+              <a:rPr lang="en-US" altLang="zh-TW" dirty="0"/>
+              <a:t>Rd545 </a:t>
+            </a:r>
+            <a:r>
+              <a:rPr lang="en-US" altLang="zh-TW" dirty="0" err="1"/>
+              <a:t>Api</a:t>
+            </a:r>
+            <a:r>
+              <a:rPr lang="en-US" altLang="zh-TW" dirty="0"/>
+              <a:t> call Example</a:t>
+            </a:r>
+            <a:endParaRPr lang="zh-TW" altLang="en-US" dirty="0"/>
+          </a:p>
+        </p:txBody>
+      </p:sp>
+      <p:pic>
+        <p:nvPicPr>
+          <p:cNvPr id="40" name="圖片 39">
+            <a:extLst>
+              <a:ext uri="{FF2B5EF4-FFF2-40B4-BE49-F238E27FC236}">
+                <a16:creationId xmlns:a16="http://schemas.microsoft.com/office/drawing/2014/main" id="{33F52219-01B5-4E78-9C84-9B6FE4A26D74}"/>
+              </a:ext>
+            </a:extLst>
+          </p:cNvPr>
+          <p:cNvPicPr>
+            <a:picLocks noChangeAspect="1"/>
+          </p:cNvPicPr>
+          <p:nvPr/>
+        </p:nvPicPr>
+        <p:blipFill>
+          <a:blip r:embed="rId4"/>
+          <a:stretch>
+            <a:fillRect/>
+          </a:stretch>
+        </p:blipFill>
+        <p:spPr>
+          <a:xfrm>
+            <a:off x="9179766" y="1097821"/>
+            <a:ext cx="1826208" cy="1997670"/>
+          </a:xfrm>
+          <a:prstGeom prst="rect">
+            <a:avLst/>
+          </a:prstGeom>
+        </p:spPr>
+      </p:pic>
+      <p:sp>
+        <p:nvSpPr>
+          <p:cNvPr id="45" name="文字方塊 44">
+            <a:extLst>
+              <a:ext uri="{FF2B5EF4-FFF2-40B4-BE49-F238E27FC236}">
+                <a16:creationId xmlns:a16="http://schemas.microsoft.com/office/drawing/2014/main" id="{E49634F5-CAD1-47B7-AAB8-D604B4F7C6E8}"/>
+              </a:ext>
+            </a:extLst>
+          </p:cNvPr>
+          <p:cNvSpPr txBox="1"/>
+          <p:nvPr/>
+        </p:nvSpPr>
+        <p:spPr>
+          <a:xfrm>
+            <a:off x="6151357" y="674391"/>
+            <a:ext cx="2881955" cy="369332"/>
+          </a:xfrm>
+          <a:prstGeom prst="rect">
+            <a:avLst/>
+          </a:prstGeom>
+          <a:noFill/>
+          <a:ln>
+            <a:noFill/>
+          </a:ln>
+        </p:spPr>
+        <p:txBody>
+          <a:bodyPr wrap="square" rtlCol="0">
+            <a:spAutoFit/>
+          </a:bodyPr>
+          <a:lstStyle/>
+          <a:p>
+            <a:r>
+              <a:rPr lang="en-US" altLang="zh-TW" dirty="0">
+                <a:solidFill>
+                  <a:srgbClr val="00B050"/>
+                </a:solidFill>
+              </a:rPr>
+              <a:t>Bluetooth LE</a:t>
+            </a:r>
+            <a:r>
+              <a:rPr lang="zh-TW" altLang="en-US" dirty="0">
+                <a:solidFill>
+                  <a:srgbClr val="00B050"/>
+                </a:solidFill>
+              </a:rPr>
+              <a:t> </a:t>
+            </a:r>
+            <a:r>
+              <a:rPr lang="en-US" altLang="zh-TW" dirty="0">
+                <a:solidFill>
+                  <a:srgbClr val="00B050"/>
+                </a:solidFill>
+              </a:rPr>
+              <a:t>Control Test</a:t>
+            </a:r>
+            <a:endParaRPr lang="zh-TW" altLang="en-US" dirty="0">
+              <a:solidFill>
+                <a:srgbClr val="00B050"/>
+              </a:solidFill>
+            </a:endParaRPr>
+          </a:p>
+        </p:txBody>
+      </p:sp>
+      <p:sp>
+        <p:nvSpPr>
+          <p:cNvPr id="6" name="矩形 5"/>
+          <p:cNvSpPr/>
+          <p:nvPr/>
+        </p:nvSpPr>
+        <p:spPr>
+          <a:xfrm>
+            <a:off x="9277870" y="784813"/>
+            <a:ext cx="1483547" cy="369332"/>
+          </a:xfrm>
+          <a:prstGeom prst="rect">
+            <a:avLst/>
+          </a:prstGeom>
+        </p:spPr>
+        <p:txBody>
+          <a:bodyPr wrap="none">
+            <a:spAutoFit/>
+          </a:bodyPr>
+          <a:lstStyle/>
+          <a:p>
+            <a:pPr algn="ctr"/>
+            <a:r>
+              <a:rPr lang="en-US" altLang="zh-TW" dirty="0"/>
+              <a:t>RD545 Device</a:t>
+            </a:r>
+            <a:endParaRPr lang="zh-TW" altLang="en-US" dirty="0"/>
+          </a:p>
+        </p:txBody>
+      </p:sp>
+      <p:sp>
+        <p:nvSpPr>
+          <p:cNvPr id="10" name="文字方塊 9"/>
+          <p:cNvSpPr txBox="1"/>
+          <p:nvPr/>
+        </p:nvSpPr>
+        <p:spPr>
+          <a:xfrm>
+            <a:off x="4851097" y="797540"/>
+            <a:ext cx="1014804" cy="369332"/>
+          </a:xfrm>
+          <a:prstGeom prst="rect">
+            <a:avLst/>
+          </a:prstGeom>
+          <a:noFill/>
+        </p:spPr>
+        <p:txBody>
+          <a:bodyPr wrap="square" rtlCol="0">
+            <a:spAutoFit/>
+          </a:bodyPr>
+          <a:lstStyle/>
+          <a:p>
+            <a:r>
+              <a:rPr lang="en-US" altLang="zh-TW" dirty="0"/>
+              <a:t>Activity2</a:t>
+            </a:r>
+            <a:endParaRPr lang="zh-TW" altLang="en-US" dirty="0"/>
+          </a:p>
+        </p:txBody>
+      </p:sp>
+      <p:sp>
+        <p:nvSpPr>
+          <p:cNvPr id="47" name="文字方塊 46"/>
+          <p:cNvSpPr txBox="1"/>
+          <p:nvPr/>
+        </p:nvSpPr>
+        <p:spPr>
+          <a:xfrm>
+            <a:off x="1200187" y="784813"/>
+            <a:ext cx="1036875" cy="369332"/>
+          </a:xfrm>
+          <a:prstGeom prst="rect">
+            <a:avLst/>
+          </a:prstGeom>
+          <a:noFill/>
+        </p:spPr>
+        <p:txBody>
+          <a:bodyPr wrap="square" rtlCol="0">
+            <a:spAutoFit/>
+          </a:bodyPr>
+          <a:lstStyle/>
+          <a:p>
+            <a:r>
+              <a:rPr lang="en-US" altLang="zh-TW" dirty="0"/>
+              <a:t>Activity1</a:t>
+            </a:r>
+            <a:endParaRPr lang="zh-TW" altLang="en-US" dirty="0"/>
+          </a:p>
+        </p:txBody>
+      </p:sp>
+      <p:cxnSp>
+        <p:nvCxnSpPr>
+          <p:cNvPr id="27" name="直線單箭頭接點 26"/>
+          <p:cNvCxnSpPr>
+            <a:stCxn id="10" idx="3"/>
+            <a:endCxn id="6" idx="1"/>
+          </p:cNvCxnSpPr>
+          <p:nvPr/>
+        </p:nvCxnSpPr>
+        <p:spPr>
+          <a:xfrm flipV="1">
+            <a:off x="5865901" y="969479"/>
+            <a:ext cx="3411969" cy="12727"/>
+          </a:xfrm>
+          <a:prstGeom prst="straightConnector1">
+            <a:avLst/>
+          </a:prstGeom>
+          <a:ln w="38100">
+            <a:solidFill>
+              <a:srgbClr val="00B050"/>
+            </a:solidFill>
+            <a:tailEnd type="triangle"/>
+          </a:ln>
+        </p:spPr>
+        <p:style>
+          <a:lnRef idx="1">
+            <a:schemeClr val="accent1"/>
+          </a:lnRef>
+          <a:fillRef idx="0">
+            <a:schemeClr val="accent1"/>
+          </a:fillRef>
+          <a:effectRef idx="0">
+            <a:schemeClr val="accent1"/>
+          </a:effectRef>
+          <a:fontRef idx="minor">
+            <a:schemeClr val="tx1"/>
+          </a:fontRef>
+        </p:style>
+      </p:cxnSp>
+      <p:cxnSp>
+        <p:nvCxnSpPr>
+          <p:cNvPr id="53" name="肘形接點 52"/>
+          <p:cNvCxnSpPr>
+            <a:cxnSpLocks/>
+            <a:stCxn id="40" idx="2"/>
+          </p:cNvCxnSpPr>
+          <p:nvPr/>
+        </p:nvCxnSpPr>
+        <p:spPr>
+          <a:xfrm rot="5400000">
+            <a:off x="8223962" y="2212435"/>
+            <a:ext cx="985853" cy="2751965"/>
+          </a:xfrm>
+          <a:prstGeom prst="bentConnector2">
+            <a:avLst/>
+          </a:prstGeom>
+          <a:ln w="38100">
+            <a:solidFill>
+              <a:srgbClr val="00B050"/>
+            </a:solidFill>
+            <a:tailEnd type="triangle"/>
+          </a:ln>
+        </p:spPr>
+        <p:style>
+          <a:lnRef idx="1">
+            <a:schemeClr val="accent1"/>
+          </a:lnRef>
+          <a:fillRef idx="0">
+            <a:schemeClr val="accent1"/>
+          </a:fillRef>
+          <a:effectRef idx="0">
+            <a:schemeClr val="accent1"/>
+          </a:effectRef>
+          <a:fontRef idx="minor">
+            <a:schemeClr val="tx1"/>
+          </a:fontRef>
+        </p:style>
+      </p:cxnSp>
+      <p:sp>
+        <p:nvSpPr>
+          <p:cNvPr id="69" name="文字方塊 68">
+            <a:extLst>
+              <a:ext uri="{FF2B5EF4-FFF2-40B4-BE49-F238E27FC236}">
+                <a16:creationId xmlns:a16="http://schemas.microsoft.com/office/drawing/2014/main" id="{E49634F5-CAD1-47B7-AAB8-D604B4F7C6E8}"/>
+              </a:ext>
+            </a:extLst>
+          </p:cNvPr>
+          <p:cNvSpPr txBox="1"/>
+          <p:nvPr/>
+        </p:nvSpPr>
+        <p:spPr>
+          <a:xfrm>
+            <a:off x="7504951" y="3648974"/>
+            <a:ext cx="2434770" cy="369332"/>
+          </a:xfrm>
+          <a:prstGeom prst="rect">
+            <a:avLst/>
+          </a:prstGeom>
+          <a:noFill/>
+          <a:ln>
+            <a:noFill/>
+          </a:ln>
+        </p:spPr>
+        <p:txBody>
+          <a:bodyPr wrap="square" rtlCol="0">
+            <a:spAutoFit/>
+          </a:bodyPr>
+          <a:lstStyle/>
+          <a:p>
+            <a:r>
+              <a:rPr lang="en-US" altLang="zh-TW" dirty="0">
+                <a:solidFill>
+                  <a:srgbClr val="00B050"/>
+                </a:solidFill>
+              </a:rPr>
+              <a:t>Bluetooth LE Read Data</a:t>
+            </a:r>
+            <a:endParaRPr lang="zh-TW" altLang="en-US" dirty="0">
+              <a:solidFill>
+                <a:srgbClr val="00B050"/>
+              </a:solidFill>
+            </a:endParaRPr>
+          </a:p>
+        </p:txBody>
+      </p:sp>
+      <p:sp>
+        <p:nvSpPr>
+          <p:cNvPr id="72" name="雲朵形 71">
+            <a:extLst>
+              <a:ext uri="{FF2B5EF4-FFF2-40B4-BE49-F238E27FC236}">
+                <a16:creationId xmlns:a16="http://schemas.microsoft.com/office/drawing/2014/main" id="{27A0946F-6339-45E9-A0BD-2C5153771188}"/>
+              </a:ext>
+            </a:extLst>
+          </p:cNvPr>
+          <p:cNvSpPr/>
+          <p:nvPr/>
+        </p:nvSpPr>
+        <p:spPr>
+          <a:xfrm>
+            <a:off x="9939721" y="4130997"/>
+            <a:ext cx="2154321" cy="1432703"/>
+          </a:xfrm>
+          <a:prstGeom prst="cloud">
+            <a:avLst/>
+          </a:prstGeom>
+          <a:noFill/>
+          <a:ln>
+            <a:solidFill>
+              <a:srgbClr val="00B0F0"/>
+            </a:solidFill>
+          </a:ln>
+        </p:spPr>
+        <p:style>
+          <a:lnRef idx="2">
+            <a:schemeClr val="accent1">
+              <a:shade val="50000"/>
+            </a:schemeClr>
+          </a:lnRef>
+          <a:fillRef idx="1">
+            <a:schemeClr val="accent1"/>
+          </a:fillRef>
+          <a:effectRef idx="0">
+            <a:schemeClr val="accent1"/>
+          </a:effectRef>
+          <a:fontRef idx="minor">
+            <a:schemeClr val="lt1"/>
+          </a:fontRef>
+        </p:style>
+        <p:txBody>
+          <a:bodyPr rtlCol="0" anchor="ctr"/>
+          <a:lstStyle/>
+          <a:p>
+            <a:pPr algn="ctr"/>
+            <a:r>
+              <a:rPr lang="en-US" altLang="zh-TW" dirty="0">
+                <a:solidFill>
+                  <a:srgbClr val="00B0F0"/>
+                </a:solidFill>
+              </a:rPr>
+              <a:t>Cloud Server App</a:t>
+            </a:r>
+            <a:endParaRPr lang="zh-TW" altLang="en-US" dirty="0">
+              <a:solidFill>
+                <a:srgbClr val="00B0F0"/>
+              </a:solidFill>
+            </a:endParaRPr>
+          </a:p>
+        </p:txBody>
+      </p:sp>
+      <p:cxnSp>
+        <p:nvCxnSpPr>
+          <p:cNvPr id="73" name="肘形接點 72"/>
+          <p:cNvCxnSpPr>
+            <a:cxnSpLocks/>
+            <a:endCxn id="72" idx="2"/>
+          </p:cNvCxnSpPr>
+          <p:nvPr/>
+        </p:nvCxnSpPr>
+        <p:spPr>
+          <a:xfrm flipV="1">
+            <a:off x="7319259" y="4847349"/>
+            <a:ext cx="2627144" cy="189488"/>
+          </a:xfrm>
+          <a:prstGeom prst="bentConnector3">
+            <a:avLst>
+              <a:gd name="adj1" fmla="val 50000"/>
+            </a:avLst>
+          </a:prstGeom>
+          <a:ln w="38100">
+            <a:solidFill>
+              <a:srgbClr val="00B0F0"/>
+            </a:solidFill>
+            <a:tailEnd type="triangle"/>
+          </a:ln>
+        </p:spPr>
+        <p:style>
+          <a:lnRef idx="1">
+            <a:schemeClr val="accent1"/>
+          </a:lnRef>
+          <a:fillRef idx="0">
+            <a:schemeClr val="accent1"/>
+          </a:fillRef>
+          <a:effectRef idx="0">
+            <a:schemeClr val="accent1"/>
+          </a:effectRef>
+          <a:fontRef idx="minor">
+            <a:schemeClr val="tx1"/>
+          </a:fontRef>
+        </p:style>
+      </p:cxnSp>
+      <p:cxnSp>
+        <p:nvCxnSpPr>
+          <p:cNvPr id="64" name="肘形接點 63"/>
+          <p:cNvCxnSpPr>
+            <a:cxnSpLocks/>
+            <a:endCxn id="10" idx="1"/>
+          </p:cNvCxnSpPr>
+          <p:nvPr/>
+        </p:nvCxnSpPr>
+        <p:spPr>
+          <a:xfrm flipV="1">
+            <a:off x="2099129" y="982206"/>
+            <a:ext cx="2751968" cy="2666768"/>
+          </a:xfrm>
+          <a:prstGeom prst="bentConnector3">
+            <a:avLst>
+              <a:gd name="adj1" fmla="val 50000"/>
+            </a:avLst>
+          </a:prstGeom>
+          <a:ln w="38100">
+            <a:solidFill>
+              <a:srgbClr val="FFC000"/>
+            </a:solidFill>
+            <a:tailEnd type="triangle"/>
+          </a:ln>
+        </p:spPr>
+        <p:style>
+          <a:lnRef idx="1">
+            <a:schemeClr val="accent1"/>
+          </a:lnRef>
+          <a:fillRef idx="0">
+            <a:schemeClr val="accent1"/>
+          </a:fillRef>
+          <a:effectRef idx="0">
+            <a:schemeClr val="accent1"/>
+          </a:effectRef>
+          <a:fontRef idx="minor">
+            <a:schemeClr val="tx1"/>
+          </a:fontRef>
+        </p:style>
+      </p:cxnSp>
+      <p:sp>
+        <p:nvSpPr>
+          <p:cNvPr id="90" name="文字方塊 89">
+            <a:extLst>
+              <a:ext uri="{FF2B5EF4-FFF2-40B4-BE49-F238E27FC236}">
+                <a16:creationId xmlns:a16="http://schemas.microsoft.com/office/drawing/2014/main" id="{D930549F-59AD-4918-8345-7B99F453B9F6}"/>
+              </a:ext>
+            </a:extLst>
+          </p:cNvPr>
+          <p:cNvSpPr txBox="1"/>
+          <p:nvPr/>
+        </p:nvSpPr>
+        <p:spPr>
+          <a:xfrm>
+            <a:off x="65082" y="4026843"/>
+            <a:ext cx="4542940" cy="1015663"/>
+          </a:xfrm>
+          <a:prstGeom prst="rect">
+            <a:avLst/>
+          </a:prstGeom>
+          <a:noFill/>
+        </p:spPr>
+        <p:txBody>
+          <a:bodyPr wrap="square" rtlCol="0">
+            <a:spAutoFit/>
+          </a:bodyPr>
+          <a:lstStyle/>
+          <a:p>
+            <a:r>
+              <a:rPr lang="en-US" altLang="zh-TW" sz="2000" dirty="0"/>
+              <a:t>This example has two Activities:</a:t>
+            </a:r>
+          </a:p>
+          <a:p>
+            <a:pPr marL="457200" indent="-457200">
+              <a:buAutoNum type="arabicPeriod"/>
+            </a:pPr>
+            <a:r>
+              <a:rPr lang="en-US" altLang="zh-TW" sz="2000" dirty="0"/>
+              <a:t>Set up user identity.</a:t>
+            </a:r>
+          </a:p>
+          <a:p>
+            <a:pPr marL="457200" indent="-457200">
+              <a:buAutoNum type="arabicPeriod"/>
+            </a:pPr>
+            <a:r>
+              <a:rPr lang="en-US" altLang="zh-TW" sz="2000" dirty="0"/>
+              <a:t>Start test and update cloud server.</a:t>
+            </a:r>
+          </a:p>
+        </p:txBody>
+      </p:sp>
+      <p:sp>
+        <p:nvSpPr>
+          <p:cNvPr id="98" name="矩形 97"/>
+          <p:cNvSpPr/>
+          <p:nvPr/>
+        </p:nvSpPr>
+        <p:spPr>
+          <a:xfrm>
+            <a:off x="3465022" y="1877110"/>
+            <a:ext cx="1143000" cy="646331"/>
+          </a:xfrm>
+          <a:prstGeom prst="rect">
+            <a:avLst/>
+          </a:prstGeom>
+        </p:spPr>
+        <p:txBody>
+          <a:bodyPr wrap="square">
+            <a:spAutoFit/>
+          </a:bodyPr>
+          <a:lstStyle/>
+          <a:p>
+            <a:pPr algn="ctr"/>
+            <a:r>
+              <a:rPr lang="en-US" altLang="zh-TW" dirty="0">
+                <a:solidFill>
+                  <a:srgbClr val="FFC000"/>
+                </a:solidFill>
+              </a:rPr>
+              <a:t>Message</a:t>
+            </a:r>
+          </a:p>
+          <a:p>
+            <a:pPr algn="ctr"/>
+            <a:r>
+              <a:rPr lang="en-US" altLang="zh-TW" dirty="0">
+                <a:solidFill>
+                  <a:srgbClr val="FFC000"/>
+                </a:solidFill>
+              </a:rPr>
+              <a:t>Intent </a:t>
+            </a:r>
+          </a:p>
+        </p:txBody>
+      </p:sp>
+      <p:sp>
+        <p:nvSpPr>
+          <p:cNvPr id="99" name="文字方塊 98">
+            <a:extLst>
+              <a:ext uri="{FF2B5EF4-FFF2-40B4-BE49-F238E27FC236}">
+                <a16:creationId xmlns:a16="http://schemas.microsoft.com/office/drawing/2014/main" id="{E49634F5-CAD1-47B7-AAB8-D604B4F7C6E8}"/>
+              </a:ext>
+            </a:extLst>
+          </p:cNvPr>
+          <p:cNvSpPr txBox="1"/>
+          <p:nvPr/>
+        </p:nvSpPr>
+        <p:spPr>
+          <a:xfrm>
+            <a:off x="7467860" y="4478017"/>
+            <a:ext cx="2511418" cy="369332"/>
+          </a:xfrm>
+          <a:prstGeom prst="rect">
+            <a:avLst/>
+          </a:prstGeom>
+          <a:noFill/>
+          <a:ln>
+            <a:noFill/>
+          </a:ln>
+        </p:spPr>
+        <p:txBody>
+          <a:bodyPr wrap="square" rtlCol="0">
+            <a:spAutoFit/>
+          </a:bodyPr>
+          <a:lstStyle/>
+          <a:p>
+            <a:r>
+              <a:rPr lang="en-US" altLang="zh-TW" dirty="0">
+                <a:solidFill>
+                  <a:srgbClr val="00B0F0"/>
+                </a:solidFill>
+              </a:rPr>
+              <a:t>Wi-Fi or 4G/5G Network</a:t>
+            </a:r>
+            <a:endParaRPr lang="zh-TW" altLang="en-US" dirty="0">
+              <a:solidFill>
+                <a:srgbClr val="00B0F0"/>
+              </a:solidFill>
+            </a:endParaRPr>
+          </a:p>
+        </p:txBody>
+      </p:sp>
+      <p:sp>
+        <p:nvSpPr>
+          <p:cNvPr id="101" name="文字方塊 100"/>
+          <p:cNvSpPr txBox="1"/>
+          <p:nvPr/>
+        </p:nvSpPr>
+        <p:spPr>
+          <a:xfrm>
+            <a:off x="9494690" y="-11052"/>
+            <a:ext cx="3022568" cy="369332"/>
+          </a:xfrm>
+          <a:prstGeom prst="rect">
+            <a:avLst/>
+          </a:prstGeom>
+          <a:noFill/>
+        </p:spPr>
+        <p:txBody>
+          <a:bodyPr wrap="square" rtlCol="0">
+            <a:spAutoFit/>
+          </a:bodyPr>
+          <a:lstStyle/>
+          <a:p>
+            <a:r>
+              <a:rPr lang="en-US" altLang="zh-TW" dirty="0"/>
+              <a:t>Reference from TANITA API</a:t>
+            </a:r>
+            <a:endParaRPr lang="zh-TW" altLang="en-US" dirty="0"/>
+          </a:p>
+        </p:txBody>
+      </p:sp>
+      <p:pic>
+        <p:nvPicPr>
+          <p:cNvPr id="16" name="圖片 15">
+            <a:extLst>
+              <a:ext uri="{FF2B5EF4-FFF2-40B4-BE49-F238E27FC236}">
+                <a16:creationId xmlns:a16="http://schemas.microsoft.com/office/drawing/2014/main" id="{8BB45227-2EEA-428A-A171-14DA06BA070A}"/>
+              </a:ext>
+            </a:extLst>
+          </p:cNvPr>
+          <p:cNvPicPr>
+            <a:picLocks noChangeAspect="1"/>
+          </p:cNvPicPr>
+          <p:nvPr/>
+        </p:nvPicPr>
+        <p:blipFill>
+          <a:blip r:embed="rId5"/>
+          <a:stretch>
+            <a:fillRect/>
+          </a:stretch>
+        </p:blipFill>
+        <p:spPr>
+          <a:xfrm>
+            <a:off x="4679686" y="1154145"/>
+            <a:ext cx="2778079" cy="1494503"/>
+          </a:xfrm>
+          <a:prstGeom prst="rect">
+            <a:avLst/>
+          </a:prstGeom>
+        </p:spPr>
+      </p:pic>
+      <p:sp>
+        <p:nvSpPr>
+          <p:cNvPr id="37" name="矩形: 摺角紙張 36">
+            <a:extLst>
+              <a:ext uri="{FF2B5EF4-FFF2-40B4-BE49-F238E27FC236}">
+                <a16:creationId xmlns:a16="http://schemas.microsoft.com/office/drawing/2014/main" id="{6CEF6EB6-2F27-4CC2-8AB4-39C554A8C349}"/>
+              </a:ext>
+            </a:extLst>
+          </p:cNvPr>
+          <p:cNvSpPr/>
+          <p:nvPr/>
+        </p:nvSpPr>
+        <p:spPr>
+          <a:xfrm rot="10800000">
+            <a:off x="7611222" y="5685156"/>
+            <a:ext cx="614872" cy="895911"/>
+          </a:xfrm>
+          <a:prstGeom prst="foldedCorner">
+            <a:avLst>
+              <a:gd name="adj" fmla="val 25070"/>
+            </a:avLst>
+          </a:prstGeom>
+          <a:noFill/>
+          <a:ln>
+            <a:solidFill>
+              <a:schemeClr val="accent1">
+                <a:lumMod val="75000"/>
+              </a:schemeClr>
+            </a:solidFill>
+          </a:ln>
+        </p:spPr>
+        <p:style>
+          <a:lnRef idx="2">
+            <a:schemeClr val="accent1">
+              <a:shade val="50000"/>
+            </a:schemeClr>
+          </a:lnRef>
+          <a:fillRef idx="1">
+            <a:schemeClr val="accent1"/>
+          </a:fillRef>
+          <a:effectRef idx="0">
+            <a:schemeClr val="accent1"/>
+          </a:effectRef>
+          <a:fontRef idx="minor">
+            <a:schemeClr val="lt1"/>
+          </a:fontRef>
+        </p:style>
+        <p:txBody>
+          <a:bodyPr rtlCol="0" anchor="ctr"/>
+          <a:lstStyle/>
+          <a:p>
+            <a:pPr algn="ctr"/>
+            <a:endParaRPr lang="zh-TW" altLang="en-US" dirty="0">
+              <a:solidFill>
+                <a:srgbClr val="00B0F0"/>
+              </a:solidFill>
+            </a:endParaRPr>
+          </a:p>
+        </p:txBody>
+      </p:sp>
+      <p:sp>
+        <p:nvSpPr>
+          <p:cNvPr id="38" name="文字方塊 37">
+            <a:extLst>
+              <a:ext uri="{FF2B5EF4-FFF2-40B4-BE49-F238E27FC236}">
+                <a16:creationId xmlns:a16="http://schemas.microsoft.com/office/drawing/2014/main" id="{B6CCEE2B-BF4C-4B42-B8B3-BEC1F7661D28}"/>
+              </a:ext>
+            </a:extLst>
+          </p:cNvPr>
+          <p:cNvSpPr txBox="1"/>
+          <p:nvPr/>
+        </p:nvSpPr>
+        <p:spPr>
+          <a:xfrm>
+            <a:off x="7562722" y="5948446"/>
+            <a:ext cx="800215" cy="369332"/>
+          </a:xfrm>
+          <a:prstGeom prst="rect">
+            <a:avLst/>
+          </a:prstGeom>
+          <a:noFill/>
+        </p:spPr>
+        <p:txBody>
+          <a:bodyPr wrap="square" rtlCol="0">
+            <a:spAutoFit/>
+          </a:bodyPr>
+          <a:lstStyle/>
+          <a:p>
+            <a:r>
+              <a:rPr lang="en-US" altLang="zh-TW" dirty="0">
+                <a:solidFill>
+                  <a:schemeClr val="accent1">
+                    <a:lumMod val="75000"/>
+                  </a:schemeClr>
+                </a:solidFill>
+              </a:rPr>
+              <a:t>*.csv</a:t>
+            </a:r>
+            <a:endParaRPr lang="zh-TW" altLang="en-US" dirty="0">
+              <a:solidFill>
+                <a:schemeClr val="accent1">
+                  <a:lumMod val="75000"/>
+                </a:schemeClr>
+              </a:solidFill>
+            </a:endParaRPr>
+          </a:p>
+        </p:txBody>
+      </p:sp>
+      <p:cxnSp>
+        <p:nvCxnSpPr>
+          <p:cNvPr id="24" name="接點: 肘形 23">
+            <a:extLst>
+              <a:ext uri="{FF2B5EF4-FFF2-40B4-BE49-F238E27FC236}">
+                <a16:creationId xmlns:a16="http://schemas.microsoft.com/office/drawing/2014/main" id="{64ECF066-091A-4402-B817-9564EFCC9F16}"/>
+              </a:ext>
+            </a:extLst>
+          </p:cNvPr>
+          <p:cNvCxnSpPr>
+            <a:cxnSpLocks/>
+          </p:cNvCxnSpPr>
+          <p:nvPr/>
+        </p:nvCxnSpPr>
+        <p:spPr>
+          <a:xfrm>
+            <a:off x="7315028" y="5306999"/>
+            <a:ext cx="577752" cy="378157"/>
+          </a:xfrm>
+          <a:prstGeom prst="bentConnector2">
+            <a:avLst/>
+          </a:prstGeom>
+          <a:ln w="38100">
+            <a:tailEnd type="triangle"/>
+          </a:ln>
+        </p:spPr>
+        <p:style>
+          <a:lnRef idx="1">
+            <a:schemeClr val="accent1"/>
+          </a:lnRef>
+          <a:fillRef idx="0">
+            <a:schemeClr val="accent1"/>
+          </a:fillRef>
+          <a:effectRef idx="0">
+            <a:schemeClr val="accent1"/>
+          </a:effectRef>
+          <a:fontRef idx="minor">
+            <a:schemeClr val="tx1"/>
+          </a:fontRef>
+        </p:style>
+      </p:cxnSp>
+    </p:spTree>
+    <p:extLst>
+      <p:ext uri="{BB962C8B-B14F-4D97-AF65-F5344CB8AC3E}">
+        <p14:creationId xmlns:p14="http://schemas.microsoft.com/office/powerpoint/2010/main" val="3951226644"/>
+      </p:ext>
+    </p:extLst>
+  </p:cSld>
+  <p:clrMapOvr>
+    <a:masterClrMapping/>
+  </p:clrMapOvr>
+</p:sld>
+</file>
+
+<file path=ppt/slides/slide6.xml><?xml version="1.0" encoding="utf-8"?>
+<p:sld xmlns:a="http://schemas.openxmlformats.org/drawingml/2006/main" xmlns:r="http://schemas.openxmlformats.org/officeDocument/2006/relationships" xmlns:p="http://schemas.openxmlformats.org/presentationml/2006/main">
+  <p:cSld>
+    <p:spTree>
+      <p:nvGrpSpPr>
+        <p:cNvPr id="1" name=""/>
+        <p:cNvGrpSpPr/>
+        <p:nvPr/>
+      </p:nvGrpSpPr>
+      <p:grpSpPr>
+        <a:xfrm>
+          <a:off x="0" y="0"/>
+          <a:ext cx="0" cy="0"/>
+          <a:chOff x="0" y="0"/>
+          <a:chExt cx="0" cy="0"/>
+        </a:xfrm>
+      </p:grpSpPr>
+      <p:sp>
+        <p:nvSpPr>
+          <p:cNvPr id="2" name="標題 1">
+            <a:extLst>
+              <a:ext uri="{FF2B5EF4-FFF2-40B4-BE49-F238E27FC236}">
+                <a16:creationId xmlns:a16="http://schemas.microsoft.com/office/drawing/2014/main" id="{8097AD09-7E5F-4C90-999F-B344884E6094}"/>
+              </a:ext>
+            </a:extLst>
+          </p:cNvPr>
+          <p:cNvSpPr>
+            <a:spLocks noGrp="1"/>
+          </p:cNvSpPr>
+          <p:nvPr>
+            <p:ph type="title"/>
+          </p:nvPr>
+        </p:nvSpPr>
+        <p:spPr>
+          <a:xfrm>
+            <a:off x="-1" y="0"/>
+            <a:ext cx="8862061" cy="922867"/>
+          </a:xfrm>
+        </p:spPr>
+        <p:txBody>
+          <a:bodyPr>
+            <a:normAutofit/>
+          </a:bodyPr>
+          <a:lstStyle/>
+          <a:p>
+            <a:r>
+              <a:rPr lang="en-US" altLang="zh-TW" dirty="0"/>
+              <a:t>Rd545cmd1--</a:t>
+            </a:r>
+            <a:r>
+              <a:rPr lang="zh-TW" altLang="en-US" dirty="0"/>
+              <a:t> </a:t>
+            </a:r>
+            <a:r>
+              <a:rPr lang="en-US" altLang="zh-TW" dirty="0"/>
+              <a:t>Rd545 </a:t>
+            </a:r>
+            <a:r>
+              <a:rPr lang="en-US" altLang="zh-TW" dirty="0" err="1"/>
+              <a:t>Api</a:t>
+            </a:r>
+            <a:r>
+              <a:rPr lang="en-US" altLang="zh-TW" dirty="0"/>
+              <a:t> call Example</a:t>
+            </a:r>
+            <a:endParaRPr lang="zh-TW" altLang="en-US" dirty="0"/>
+          </a:p>
+        </p:txBody>
+      </p:sp>
+      <p:sp>
+        <p:nvSpPr>
+          <p:cNvPr id="101" name="文字方塊 100"/>
+          <p:cNvSpPr txBox="1"/>
+          <p:nvPr/>
+        </p:nvSpPr>
+        <p:spPr>
+          <a:xfrm>
+            <a:off x="9494690" y="-11052"/>
+            <a:ext cx="3022568" cy="369332"/>
+          </a:xfrm>
+          <a:prstGeom prst="rect">
+            <a:avLst/>
+          </a:prstGeom>
+          <a:noFill/>
+        </p:spPr>
+        <p:txBody>
+          <a:bodyPr wrap="square" rtlCol="0">
+            <a:spAutoFit/>
+          </a:bodyPr>
+          <a:lstStyle/>
+          <a:p>
+            <a:r>
+              <a:rPr lang="en-US" altLang="zh-TW" dirty="0"/>
+              <a:t>Reference from TANITA API</a:t>
+            </a:r>
+            <a:endParaRPr lang="zh-TW" altLang="en-US" dirty="0"/>
+          </a:p>
+        </p:txBody>
+      </p:sp>
+      <p:pic>
+        <p:nvPicPr>
+          <p:cNvPr id="18" name="圖片 17">
+            <a:extLst>
+              <a:ext uri="{FF2B5EF4-FFF2-40B4-BE49-F238E27FC236}">
+                <a16:creationId xmlns:a16="http://schemas.microsoft.com/office/drawing/2014/main" id="{A5FAF3C2-50D5-46B5-8BD6-4583A7496341}"/>
+              </a:ext>
+            </a:extLst>
+          </p:cNvPr>
+          <p:cNvPicPr>
+            <a:picLocks noChangeAspect="1"/>
+          </p:cNvPicPr>
+          <p:nvPr/>
+        </p:nvPicPr>
+        <p:blipFill>
+          <a:blip r:embed="rId2"/>
+          <a:stretch>
+            <a:fillRect/>
+          </a:stretch>
+        </p:blipFill>
+        <p:spPr>
+          <a:xfrm>
+            <a:off x="306814" y="778186"/>
+            <a:ext cx="5606306" cy="5215322"/>
+          </a:xfrm>
+          <a:prstGeom prst="rect">
+            <a:avLst/>
+          </a:prstGeom>
+        </p:spPr>
+      </p:pic>
+      <p:sp>
+        <p:nvSpPr>
+          <p:cNvPr id="25" name="文字方塊 24">
+            <a:extLst>
+              <a:ext uri="{FF2B5EF4-FFF2-40B4-BE49-F238E27FC236}">
+                <a16:creationId xmlns:a16="http://schemas.microsoft.com/office/drawing/2014/main" id="{BE097659-A387-4936-B85B-F342D0DE95DB}"/>
+              </a:ext>
+            </a:extLst>
+          </p:cNvPr>
+          <p:cNvSpPr txBox="1"/>
+          <p:nvPr/>
+        </p:nvSpPr>
+        <p:spPr>
+          <a:xfrm>
+            <a:off x="276504" y="778186"/>
+            <a:ext cx="1664898" cy="369332"/>
+          </a:xfrm>
+          <a:prstGeom prst="rect">
+            <a:avLst/>
+          </a:prstGeom>
+          <a:noFill/>
+        </p:spPr>
+        <p:txBody>
+          <a:bodyPr wrap="square">
+            <a:spAutoFit/>
+          </a:bodyPr>
+          <a:lstStyle/>
+          <a:p>
+            <a:r>
+              <a:rPr lang="en-US" altLang="zh-TW" dirty="0" err="1"/>
+              <a:t>Api</a:t>
+            </a:r>
+            <a:r>
+              <a:rPr lang="en-US" altLang="zh-TW" dirty="0"/>
+              <a:t> Setting</a:t>
+            </a:r>
+            <a:endParaRPr lang="zh-TW" altLang="en-US" dirty="0"/>
+          </a:p>
+        </p:txBody>
+      </p:sp>
+      <p:pic>
+        <p:nvPicPr>
+          <p:cNvPr id="22" name="圖片 21">
+            <a:extLst>
+              <a:ext uri="{FF2B5EF4-FFF2-40B4-BE49-F238E27FC236}">
+                <a16:creationId xmlns:a16="http://schemas.microsoft.com/office/drawing/2014/main" id="{400F3F45-4168-42BA-9373-5CF6C88E079E}"/>
+              </a:ext>
+            </a:extLst>
+          </p:cNvPr>
+          <p:cNvPicPr>
+            <a:picLocks noChangeAspect="1"/>
+          </p:cNvPicPr>
+          <p:nvPr/>
+        </p:nvPicPr>
+        <p:blipFill>
+          <a:blip r:embed="rId3"/>
+          <a:stretch>
+            <a:fillRect/>
+          </a:stretch>
+        </p:blipFill>
+        <p:spPr>
+          <a:xfrm>
+            <a:off x="6446265" y="913764"/>
+            <a:ext cx="3048425" cy="4944165"/>
+          </a:xfrm>
+          <a:prstGeom prst="rect">
+            <a:avLst/>
+          </a:prstGeom>
+        </p:spPr>
+      </p:pic>
+      <p:cxnSp>
+        <p:nvCxnSpPr>
+          <p:cNvPr id="26" name="直線單箭頭接點 25">
+            <a:extLst>
+              <a:ext uri="{FF2B5EF4-FFF2-40B4-BE49-F238E27FC236}">
+                <a16:creationId xmlns:a16="http://schemas.microsoft.com/office/drawing/2014/main" id="{F7E2B0C6-57CD-4F32-A065-3CC17C5B54C1}"/>
+              </a:ext>
+            </a:extLst>
+          </p:cNvPr>
+          <p:cNvCxnSpPr>
+            <a:cxnSpLocks/>
+            <a:endCxn id="30" idx="3"/>
+          </p:cNvCxnSpPr>
+          <p:nvPr/>
+        </p:nvCxnSpPr>
+        <p:spPr>
+          <a:xfrm flipH="1">
+            <a:off x="8732520" y="3989066"/>
+            <a:ext cx="952755" cy="0"/>
+          </a:xfrm>
+          <a:prstGeom prst="straightConnector1">
+            <a:avLst/>
+          </a:prstGeom>
+          <a:ln w="28575">
+            <a:solidFill>
+              <a:srgbClr val="FF0000"/>
+            </a:solidFill>
+            <a:prstDash val="sysDash"/>
+            <a:tailEnd type="triangle"/>
+          </a:ln>
+        </p:spPr>
+        <p:style>
+          <a:lnRef idx="1">
+            <a:schemeClr val="accent1"/>
+          </a:lnRef>
+          <a:fillRef idx="0">
+            <a:schemeClr val="accent1"/>
+          </a:fillRef>
+          <a:effectRef idx="0">
+            <a:schemeClr val="accent1"/>
+          </a:effectRef>
+          <a:fontRef idx="minor">
+            <a:schemeClr val="tx1"/>
+          </a:fontRef>
+        </p:style>
+      </p:cxnSp>
+      <p:sp>
+        <p:nvSpPr>
+          <p:cNvPr id="30" name="矩形 29">
+            <a:extLst>
+              <a:ext uri="{FF2B5EF4-FFF2-40B4-BE49-F238E27FC236}">
+                <a16:creationId xmlns:a16="http://schemas.microsoft.com/office/drawing/2014/main" id="{04381441-4E32-4711-9565-25DB28EFF271}"/>
+              </a:ext>
+            </a:extLst>
+          </p:cNvPr>
+          <p:cNvSpPr/>
+          <p:nvPr/>
+        </p:nvSpPr>
+        <p:spPr>
+          <a:xfrm>
+            <a:off x="7399020" y="3749040"/>
+            <a:ext cx="1333500" cy="480051"/>
+          </a:xfrm>
+          <a:prstGeom prst="rect">
+            <a:avLst/>
+          </a:prstGeom>
+          <a:noFill/>
+          <a:ln w="28575">
+            <a:solidFill>
+              <a:srgbClr val="FF0000"/>
+            </a:solidFill>
+            <a:prstDash val="sysDash"/>
+          </a:ln>
+        </p:spPr>
+        <p:style>
+          <a:lnRef idx="2">
+            <a:schemeClr val="accent1">
+              <a:shade val="50000"/>
+            </a:schemeClr>
+          </a:lnRef>
+          <a:fillRef idx="1">
+            <a:schemeClr val="accent1"/>
+          </a:fillRef>
+          <a:effectRef idx="0">
+            <a:schemeClr val="accent1"/>
+          </a:effectRef>
+          <a:fontRef idx="minor">
+            <a:schemeClr val="lt1"/>
+          </a:fontRef>
+        </p:style>
+        <p:txBody>
+          <a:bodyPr rtlCol="0" anchor="ctr"/>
+          <a:lstStyle/>
+          <a:p>
+            <a:pPr algn="ctr"/>
+            <a:endParaRPr lang="zh-TW" altLang="en-US"/>
+          </a:p>
+        </p:txBody>
+      </p:sp>
+      <p:sp>
+        <p:nvSpPr>
+          <p:cNvPr id="48" name="文字方塊 47">
+            <a:extLst>
+              <a:ext uri="{FF2B5EF4-FFF2-40B4-BE49-F238E27FC236}">
+                <a16:creationId xmlns:a16="http://schemas.microsoft.com/office/drawing/2014/main" id="{0CB08F20-B386-46B4-B5A9-06EFEBD9A7B2}"/>
+              </a:ext>
+            </a:extLst>
+          </p:cNvPr>
+          <p:cNvSpPr txBox="1"/>
+          <p:nvPr/>
+        </p:nvSpPr>
+        <p:spPr>
+          <a:xfrm>
+            <a:off x="9654795" y="3749040"/>
+            <a:ext cx="1988565" cy="1015663"/>
+          </a:xfrm>
+          <a:prstGeom prst="rect">
+            <a:avLst/>
+          </a:prstGeom>
+          <a:noFill/>
+        </p:spPr>
+        <p:txBody>
+          <a:bodyPr wrap="square" rtlCol="0">
+            <a:spAutoFit/>
+          </a:bodyPr>
+          <a:lstStyle/>
+          <a:p>
+            <a:r>
+              <a:rPr lang="en-US" altLang="zh-TW" sz="2000" dirty="0">
+                <a:solidFill>
+                  <a:srgbClr val="FF0000"/>
+                </a:solidFill>
+              </a:rPr>
+              <a:t>Setup:</a:t>
+            </a:r>
+          </a:p>
+          <a:p>
+            <a:r>
+              <a:rPr lang="en-US" altLang="zh-TW" sz="2000" dirty="0">
+                <a:solidFill>
+                  <a:srgbClr val="FF0000"/>
+                </a:solidFill>
+              </a:rPr>
+              <a:t>encr_bl.csv</a:t>
+            </a:r>
+          </a:p>
+          <a:p>
+            <a:r>
+              <a:rPr lang="en-US" altLang="zh-TW" sz="2000" dirty="0">
+                <a:solidFill>
+                  <a:srgbClr val="FF0000"/>
+                </a:solidFill>
+              </a:rPr>
+              <a:t>non_encr_bl.csv</a:t>
+            </a:r>
+          </a:p>
+        </p:txBody>
+      </p:sp>
+    </p:spTree>
+    <p:extLst>
+      <p:ext uri="{BB962C8B-B14F-4D97-AF65-F5344CB8AC3E}">
+        <p14:creationId xmlns:p14="http://schemas.microsoft.com/office/powerpoint/2010/main" val="395426889"/>
+      </p:ext>
+    </p:extLst>
+  </p:cSld>
+  <p:clrMapOvr>
+    <a:masterClrMapping/>
+  </p:clrMapOvr>
+</p:sld>
+</file>
+
+<file path=ppt/slides/slide7.xml><?xml version="1.0" encoding="utf-8"?>
+<p:sld xmlns:a="http://schemas.openxmlformats.org/drawingml/2006/main" xmlns:r="http://schemas.openxmlformats.org/officeDocument/2006/relationships" xmlns:p="http://schemas.openxmlformats.org/presentationml/2006/main">
+  <p:cSld>
+    <p:spTree>
+      <p:nvGrpSpPr>
+        <p:cNvPr id="1" name=""/>
+        <p:cNvGrpSpPr/>
+        <p:nvPr/>
+      </p:nvGrpSpPr>
+      <p:grpSpPr>
+        <a:xfrm>
+          <a:off x="0" y="0"/>
+          <a:ext cx="0" cy="0"/>
+          <a:chOff x="0" y="0"/>
+          <a:chExt cx="0" cy="0"/>
+        </a:xfrm>
+      </p:grpSpPr>
       <p:sp>
         <p:nvSpPr>
           <p:cNvPr id="2" name="標題 1">
@@ -7875,6 +8351,651 @@
     <p:extLst>
       <p:ext uri="{BB962C8B-B14F-4D97-AF65-F5344CB8AC3E}">
         <p14:creationId xmlns:p14="http://schemas.microsoft.com/office/powerpoint/2010/main" val="3098266929"/>
+      </p:ext>
+    </p:extLst>
+  </p:cSld>
+  <p:clrMapOvr>
+    <a:masterClrMapping/>
+  </p:clrMapOvr>
+</p:sld>
+</file>
+
+<file path=ppt/slides/slide8.xml><?xml version="1.0" encoding="utf-8"?>
+<p:sld xmlns:a="http://schemas.openxmlformats.org/drawingml/2006/main" xmlns:r="http://schemas.openxmlformats.org/officeDocument/2006/relationships" xmlns:p="http://schemas.openxmlformats.org/presentationml/2006/main">
+  <p:cSld>
+    <p:spTree>
+      <p:nvGrpSpPr>
+        <p:cNvPr id="1" name=""/>
+        <p:cNvGrpSpPr/>
+        <p:nvPr/>
+      </p:nvGrpSpPr>
+      <p:grpSpPr>
+        <a:xfrm>
+          <a:off x="0" y="0"/>
+          <a:ext cx="0" cy="0"/>
+          <a:chOff x="0" y="0"/>
+          <a:chExt cx="0" cy="0"/>
+        </a:xfrm>
+      </p:grpSpPr>
+      <p:sp>
+        <p:nvSpPr>
+          <p:cNvPr id="2" name="標題 1">
+            <a:extLst>
+              <a:ext uri="{FF2B5EF4-FFF2-40B4-BE49-F238E27FC236}">
+                <a16:creationId xmlns:a16="http://schemas.microsoft.com/office/drawing/2014/main" id="{8097AD09-7E5F-4C90-999F-B344884E6094}"/>
+              </a:ext>
+            </a:extLst>
+          </p:cNvPr>
+          <p:cNvSpPr>
+            <a:spLocks noGrp="1"/>
+          </p:cNvSpPr>
+          <p:nvPr>
+            <p:ph type="title"/>
+          </p:nvPr>
+        </p:nvSpPr>
+        <p:spPr>
+          <a:xfrm>
+            <a:off x="-1" y="0"/>
+            <a:ext cx="12039601" cy="922867"/>
+          </a:xfrm>
+        </p:spPr>
+        <p:txBody>
+          <a:bodyPr>
+            <a:normAutofit/>
+          </a:bodyPr>
+          <a:lstStyle/>
+          <a:p>
+            <a:r>
+              <a:rPr lang="en-US" altLang="zh-TW" dirty="0"/>
+              <a:t>QRTest1(App1) Call Rd545cmd1(App2)</a:t>
+            </a:r>
+            <a:endParaRPr lang="zh-TW" altLang="en-US" dirty="0"/>
+          </a:p>
+        </p:txBody>
+      </p:sp>
+      <p:pic>
+        <p:nvPicPr>
+          <p:cNvPr id="7" name="圖片 6">
+            <a:extLst>
+              <a:ext uri="{FF2B5EF4-FFF2-40B4-BE49-F238E27FC236}">
+                <a16:creationId xmlns:a16="http://schemas.microsoft.com/office/drawing/2014/main" id="{97E50E55-BE5E-4628-91BB-D29C82BE6AC7}"/>
+              </a:ext>
+            </a:extLst>
+          </p:cNvPr>
+          <p:cNvPicPr>
+            <a:picLocks noChangeAspect="1"/>
+          </p:cNvPicPr>
+          <p:nvPr/>
+        </p:nvPicPr>
+        <p:blipFill>
+          <a:blip r:embed="rId2"/>
+          <a:stretch>
+            <a:fillRect/>
+          </a:stretch>
+        </p:blipFill>
+        <p:spPr>
+          <a:xfrm>
+            <a:off x="136351" y="1383365"/>
+            <a:ext cx="7247862" cy="5336610"/>
+          </a:xfrm>
+          <a:prstGeom prst="rect">
+            <a:avLst/>
+          </a:prstGeom>
+        </p:spPr>
+      </p:pic>
+      <p:sp>
+        <p:nvSpPr>
+          <p:cNvPr id="46" name="文字方塊 45">
+            <a:extLst>
+              <a:ext uri="{FF2B5EF4-FFF2-40B4-BE49-F238E27FC236}">
+                <a16:creationId xmlns:a16="http://schemas.microsoft.com/office/drawing/2014/main" id="{54E4FD1B-3D7F-433F-95D7-8607446F96EB}"/>
+              </a:ext>
+            </a:extLst>
+          </p:cNvPr>
+          <p:cNvSpPr txBox="1"/>
+          <p:nvPr/>
+        </p:nvSpPr>
+        <p:spPr>
+          <a:xfrm>
+            <a:off x="136351" y="888625"/>
+            <a:ext cx="6219644" cy="369332"/>
+          </a:xfrm>
+          <a:prstGeom prst="rect">
+            <a:avLst/>
+          </a:prstGeom>
+          <a:noFill/>
+        </p:spPr>
+        <p:txBody>
+          <a:bodyPr wrap="square">
+            <a:spAutoFit/>
+          </a:bodyPr>
+          <a:lstStyle/>
+          <a:p>
+            <a:r>
+              <a:rPr lang="en-US" altLang="zh-TW" dirty="0"/>
+              <a:t>App1:Activity1 Button Event change call Object.</a:t>
+            </a:r>
+            <a:endParaRPr lang="zh-TW" altLang="en-US" dirty="0"/>
+          </a:p>
+        </p:txBody>
+      </p:sp>
+      <p:sp>
+        <p:nvSpPr>
+          <p:cNvPr id="9" name="文字方塊 8">
+            <a:extLst>
+              <a:ext uri="{FF2B5EF4-FFF2-40B4-BE49-F238E27FC236}">
+                <a16:creationId xmlns:a16="http://schemas.microsoft.com/office/drawing/2014/main" id="{8778D78B-845D-4C79-95F9-E7364A9C790F}"/>
+              </a:ext>
+            </a:extLst>
+          </p:cNvPr>
+          <p:cNvSpPr txBox="1"/>
+          <p:nvPr/>
+        </p:nvSpPr>
+        <p:spPr>
+          <a:xfrm>
+            <a:off x="1406107" y="2018581"/>
+            <a:ext cx="5745191" cy="646331"/>
+          </a:xfrm>
+          <a:prstGeom prst="rect">
+            <a:avLst/>
+          </a:prstGeom>
+          <a:noFill/>
+          <a:ln w="28575">
+            <a:solidFill>
+              <a:srgbClr val="FFC000"/>
+            </a:solidFill>
+          </a:ln>
+        </p:spPr>
+        <p:txBody>
+          <a:bodyPr wrap="square" rtlCol="0">
+            <a:spAutoFit/>
+          </a:bodyPr>
+          <a:lstStyle/>
+          <a:p>
+            <a:endParaRPr lang="en-US" altLang="zh-TW" dirty="0"/>
+          </a:p>
+          <a:p>
+            <a:endParaRPr lang="en-US" altLang="zh-TW" dirty="0"/>
+          </a:p>
+        </p:txBody>
+      </p:sp>
+      <p:sp>
+        <p:nvSpPr>
+          <p:cNvPr id="10" name="矩形 9">
+            <a:extLst>
+              <a:ext uri="{FF2B5EF4-FFF2-40B4-BE49-F238E27FC236}">
+                <a16:creationId xmlns:a16="http://schemas.microsoft.com/office/drawing/2014/main" id="{BE85694E-6883-4318-B364-6716A84B2A4C}"/>
+              </a:ext>
+            </a:extLst>
+          </p:cNvPr>
+          <p:cNvSpPr/>
+          <p:nvPr/>
+        </p:nvSpPr>
+        <p:spPr>
+          <a:xfrm>
+            <a:off x="1406106" y="2915728"/>
+            <a:ext cx="5745191" cy="3148642"/>
+          </a:xfrm>
+          <a:prstGeom prst="rect">
+            <a:avLst/>
+          </a:prstGeom>
+          <a:noFill/>
+          <a:ln w="28575">
+            <a:solidFill>
+              <a:srgbClr val="00B050"/>
+            </a:solidFill>
+          </a:ln>
+        </p:spPr>
+        <p:style>
+          <a:lnRef idx="2">
+            <a:schemeClr val="accent1">
+              <a:shade val="50000"/>
+            </a:schemeClr>
+          </a:lnRef>
+          <a:fillRef idx="1">
+            <a:schemeClr val="accent1"/>
+          </a:fillRef>
+          <a:effectRef idx="0">
+            <a:schemeClr val="accent1"/>
+          </a:effectRef>
+          <a:fontRef idx="minor">
+            <a:schemeClr val="lt1"/>
+          </a:fontRef>
+        </p:style>
+        <p:txBody>
+          <a:bodyPr rtlCol="0" anchor="ctr"/>
+          <a:lstStyle/>
+          <a:p>
+            <a:pPr algn="ctr"/>
+            <a:endParaRPr lang="zh-TW" altLang="en-US"/>
+          </a:p>
+        </p:txBody>
+      </p:sp>
+      <p:sp>
+        <p:nvSpPr>
+          <p:cNvPr id="11" name="文字方塊 10">
+            <a:extLst>
+              <a:ext uri="{FF2B5EF4-FFF2-40B4-BE49-F238E27FC236}">
+                <a16:creationId xmlns:a16="http://schemas.microsoft.com/office/drawing/2014/main" id="{231E69F2-22CF-4244-8C61-3495DAD87A9D}"/>
+              </a:ext>
+            </a:extLst>
+          </p:cNvPr>
+          <p:cNvSpPr txBox="1"/>
+          <p:nvPr/>
+        </p:nvSpPr>
+        <p:spPr>
+          <a:xfrm>
+            <a:off x="7573995" y="4305383"/>
+            <a:ext cx="3786996" cy="369332"/>
+          </a:xfrm>
+          <a:prstGeom prst="rect">
+            <a:avLst/>
+          </a:prstGeom>
+          <a:noFill/>
+        </p:spPr>
+        <p:txBody>
+          <a:bodyPr wrap="square" rtlCol="0">
+            <a:spAutoFit/>
+          </a:bodyPr>
+          <a:lstStyle/>
+          <a:p>
+            <a:r>
+              <a:rPr lang="en-US" altLang="zh-TW" dirty="0">
+                <a:solidFill>
+                  <a:srgbClr val="00B050"/>
+                </a:solidFill>
+              </a:rPr>
+              <a:t>This Code is call Activity2 of App2.</a:t>
+            </a:r>
+            <a:endParaRPr lang="zh-TW" altLang="en-US" dirty="0">
+              <a:solidFill>
+                <a:srgbClr val="00B050"/>
+              </a:solidFill>
+            </a:endParaRPr>
+          </a:p>
+        </p:txBody>
+      </p:sp>
+      <p:sp>
+        <p:nvSpPr>
+          <p:cNvPr id="50" name="文字方塊 49">
+            <a:extLst>
+              <a:ext uri="{FF2B5EF4-FFF2-40B4-BE49-F238E27FC236}">
+                <a16:creationId xmlns:a16="http://schemas.microsoft.com/office/drawing/2014/main" id="{32929928-D5E9-4315-B4E9-04C4EA9C5828}"/>
+              </a:ext>
+            </a:extLst>
+          </p:cNvPr>
+          <p:cNvSpPr txBox="1"/>
+          <p:nvPr/>
+        </p:nvSpPr>
+        <p:spPr>
+          <a:xfrm>
+            <a:off x="7573995" y="2157080"/>
+            <a:ext cx="3786996" cy="369332"/>
+          </a:xfrm>
+          <a:prstGeom prst="rect">
+            <a:avLst/>
+          </a:prstGeom>
+          <a:noFill/>
+        </p:spPr>
+        <p:txBody>
+          <a:bodyPr wrap="square" rtlCol="0">
+            <a:spAutoFit/>
+          </a:bodyPr>
+          <a:lstStyle/>
+          <a:p>
+            <a:r>
+              <a:rPr lang="en-US" altLang="zh-TW" dirty="0">
+                <a:solidFill>
+                  <a:srgbClr val="FFC000"/>
+                </a:solidFill>
+              </a:rPr>
+              <a:t>This Code is call Activity2 of App1.</a:t>
+            </a:r>
+            <a:endParaRPr lang="zh-TW" altLang="en-US" dirty="0">
+              <a:solidFill>
+                <a:srgbClr val="FFC000"/>
+              </a:solidFill>
+            </a:endParaRPr>
+          </a:p>
+        </p:txBody>
+      </p:sp>
+      <p:cxnSp>
+        <p:nvCxnSpPr>
+          <p:cNvPr id="13" name="直線單箭頭接點 12">
+            <a:extLst>
+              <a:ext uri="{FF2B5EF4-FFF2-40B4-BE49-F238E27FC236}">
+                <a16:creationId xmlns:a16="http://schemas.microsoft.com/office/drawing/2014/main" id="{8B6BBC62-7A39-4B61-BB03-F41D7EDB80FB}"/>
+              </a:ext>
+            </a:extLst>
+          </p:cNvPr>
+          <p:cNvCxnSpPr>
+            <a:cxnSpLocks/>
+            <a:stCxn id="50" idx="1"/>
+            <a:endCxn id="9" idx="3"/>
+          </p:cNvCxnSpPr>
+          <p:nvPr/>
+        </p:nvCxnSpPr>
+        <p:spPr>
+          <a:xfrm flipH="1">
+            <a:off x="7151298" y="2341746"/>
+            <a:ext cx="422697" cy="1"/>
+          </a:xfrm>
+          <a:prstGeom prst="straightConnector1">
+            <a:avLst/>
+          </a:prstGeom>
+          <a:ln w="38100">
+            <a:solidFill>
+              <a:srgbClr val="FFC000"/>
+            </a:solidFill>
+            <a:tailEnd type="triangle"/>
+          </a:ln>
+        </p:spPr>
+        <p:style>
+          <a:lnRef idx="1">
+            <a:schemeClr val="accent1"/>
+          </a:lnRef>
+          <a:fillRef idx="0">
+            <a:schemeClr val="accent1"/>
+          </a:fillRef>
+          <a:effectRef idx="0">
+            <a:schemeClr val="accent1"/>
+          </a:effectRef>
+          <a:fontRef idx="minor">
+            <a:schemeClr val="tx1"/>
+          </a:fontRef>
+        </p:style>
+      </p:cxnSp>
+      <p:cxnSp>
+        <p:nvCxnSpPr>
+          <p:cNvPr id="59" name="直線單箭頭接點 58">
+            <a:extLst>
+              <a:ext uri="{FF2B5EF4-FFF2-40B4-BE49-F238E27FC236}">
+                <a16:creationId xmlns:a16="http://schemas.microsoft.com/office/drawing/2014/main" id="{F3A60993-E032-4BC6-9BED-97322984B478}"/>
+              </a:ext>
+            </a:extLst>
+          </p:cNvPr>
+          <p:cNvCxnSpPr>
+            <a:cxnSpLocks/>
+            <a:stCxn id="11" idx="1"/>
+            <a:endCxn id="10" idx="3"/>
+          </p:cNvCxnSpPr>
+          <p:nvPr/>
+        </p:nvCxnSpPr>
+        <p:spPr>
+          <a:xfrm flipH="1">
+            <a:off x="7151297" y="4490049"/>
+            <a:ext cx="422698" cy="0"/>
+          </a:xfrm>
+          <a:prstGeom prst="straightConnector1">
+            <a:avLst/>
+          </a:prstGeom>
+          <a:ln w="38100">
+            <a:solidFill>
+              <a:srgbClr val="00B050"/>
+            </a:solidFill>
+            <a:tailEnd type="triangle"/>
+          </a:ln>
+        </p:spPr>
+        <p:style>
+          <a:lnRef idx="1">
+            <a:schemeClr val="accent1"/>
+          </a:lnRef>
+          <a:fillRef idx="0">
+            <a:schemeClr val="accent1"/>
+          </a:fillRef>
+          <a:effectRef idx="0">
+            <a:schemeClr val="accent1"/>
+          </a:effectRef>
+          <a:fontRef idx="minor">
+            <a:schemeClr val="tx1"/>
+          </a:fontRef>
+        </p:style>
+      </p:cxnSp>
+    </p:spTree>
+    <p:extLst>
+      <p:ext uri="{BB962C8B-B14F-4D97-AF65-F5344CB8AC3E}">
+        <p14:creationId xmlns:p14="http://schemas.microsoft.com/office/powerpoint/2010/main" val="3747277568"/>
+      </p:ext>
+    </p:extLst>
+  </p:cSld>
+  <p:clrMapOvr>
+    <a:masterClrMapping/>
+  </p:clrMapOvr>
+</p:sld>
+</file>
+
+<file path=ppt/slides/slide9.xml><?xml version="1.0" encoding="utf-8"?>
+<p:sld xmlns:a="http://schemas.openxmlformats.org/drawingml/2006/main" xmlns:r="http://schemas.openxmlformats.org/officeDocument/2006/relationships" xmlns:p="http://schemas.openxmlformats.org/presentationml/2006/main">
+  <p:cSld>
+    <p:spTree>
+      <p:nvGrpSpPr>
+        <p:cNvPr id="1" name=""/>
+        <p:cNvGrpSpPr/>
+        <p:nvPr/>
+      </p:nvGrpSpPr>
+      <p:grpSpPr>
+        <a:xfrm>
+          <a:off x="0" y="0"/>
+          <a:ext cx="0" cy="0"/>
+          <a:chOff x="0" y="0"/>
+          <a:chExt cx="0" cy="0"/>
+        </a:xfrm>
+      </p:grpSpPr>
+      <p:sp>
+        <p:nvSpPr>
+          <p:cNvPr id="2" name="標題 1">
+            <a:extLst>
+              <a:ext uri="{FF2B5EF4-FFF2-40B4-BE49-F238E27FC236}">
+                <a16:creationId xmlns:a16="http://schemas.microsoft.com/office/drawing/2014/main" id="{8097AD09-7E5F-4C90-999F-B344884E6094}"/>
+              </a:ext>
+            </a:extLst>
+          </p:cNvPr>
+          <p:cNvSpPr>
+            <a:spLocks noGrp="1"/>
+          </p:cNvSpPr>
+          <p:nvPr>
+            <p:ph type="title"/>
+          </p:nvPr>
+        </p:nvSpPr>
+        <p:spPr>
+          <a:xfrm>
+            <a:off x="-1" y="0"/>
+            <a:ext cx="12039601" cy="922867"/>
+          </a:xfrm>
+        </p:spPr>
+        <p:txBody>
+          <a:bodyPr>
+            <a:normAutofit/>
+          </a:bodyPr>
+          <a:lstStyle/>
+          <a:p>
+            <a:r>
+              <a:rPr lang="en-US" altLang="zh-TW" dirty="0"/>
+              <a:t>QRTest1(App1) Call Rd545cmd1(App2)</a:t>
+            </a:r>
+            <a:endParaRPr lang="zh-TW" altLang="en-US" dirty="0"/>
+          </a:p>
+        </p:txBody>
+      </p:sp>
+      <p:sp>
+        <p:nvSpPr>
+          <p:cNvPr id="46" name="文字方塊 45">
+            <a:extLst>
+              <a:ext uri="{FF2B5EF4-FFF2-40B4-BE49-F238E27FC236}">
+                <a16:creationId xmlns:a16="http://schemas.microsoft.com/office/drawing/2014/main" id="{54E4FD1B-3D7F-433F-95D7-8607446F96EB}"/>
+              </a:ext>
+            </a:extLst>
+          </p:cNvPr>
+          <p:cNvSpPr txBox="1"/>
+          <p:nvPr/>
+        </p:nvSpPr>
+        <p:spPr>
+          <a:xfrm>
+            <a:off x="136351" y="802364"/>
+            <a:ext cx="6219644" cy="369332"/>
+          </a:xfrm>
+          <a:prstGeom prst="rect">
+            <a:avLst/>
+          </a:prstGeom>
+          <a:noFill/>
+        </p:spPr>
+        <p:txBody>
+          <a:bodyPr wrap="square">
+            <a:spAutoFit/>
+          </a:bodyPr>
+          <a:lstStyle/>
+          <a:p>
+            <a:r>
+              <a:rPr lang="en-US" altLang="zh-TW" dirty="0"/>
+              <a:t>App2:Activity2 external call permission settings</a:t>
+            </a:r>
+            <a:endParaRPr lang="zh-TW" altLang="en-US" dirty="0"/>
+          </a:p>
+        </p:txBody>
+      </p:sp>
+      <p:pic>
+        <p:nvPicPr>
+          <p:cNvPr id="5" name="圖片 4">
+            <a:extLst>
+              <a:ext uri="{FF2B5EF4-FFF2-40B4-BE49-F238E27FC236}">
+                <a16:creationId xmlns:a16="http://schemas.microsoft.com/office/drawing/2014/main" id="{D3F5F878-1B0E-4742-8FC9-8D2CF5D81370}"/>
+              </a:ext>
+            </a:extLst>
+          </p:cNvPr>
+          <p:cNvPicPr>
+            <a:picLocks noChangeAspect="1"/>
+          </p:cNvPicPr>
+          <p:nvPr/>
+        </p:nvPicPr>
+        <p:blipFill>
+          <a:blip r:embed="rId2"/>
+          <a:stretch>
+            <a:fillRect/>
+          </a:stretch>
+        </p:blipFill>
+        <p:spPr>
+          <a:xfrm>
+            <a:off x="215621" y="1271567"/>
+            <a:ext cx="8591952" cy="4836728"/>
+          </a:xfrm>
+          <a:prstGeom prst="rect">
+            <a:avLst/>
+          </a:prstGeom>
+        </p:spPr>
+      </p:pic>
+      <p:cxnSp>
+        <p:nvCxnSpPr>
+          <p:cNvPr id="8" name="直線單箭頭接點 7">
+            <a:extLst>
+              <a:ext uri="{FF2B5EF4-FFF2-40B4-BE49-F238E27FC236}">
+                <a16:creationId xmlns:a16="http://schemas.microsoft.com/office/drawing/2014/main" id="{BE6B0D59-5B7B-47D2-933E-312A8CE79278}"/>
+              </a:ext>
+            </a:extLst>
+          </p:cNvPr>
+          <p:cNvCxnSpPr>
+            <a:cxnSpLocks/>
+          </p:cNvCxnSpPr>
+          <p:nvPr/>
+        </p:nvCxnSpPr>
+        <p:spPr>
+          <a:xfrm flipH="1">
+            <a:off x="4390847" y="2725952"/>
+            <a:ext cx="4520241" cy="0"/>
+          </a:xfrm>
+          <a:prstGeom prst="straightConnector1">
+            <a:avLst/>
+          </a:prstGeom>
+          <a:ln w="28575">
+            <a:solidFill>
+              <a:srgbClr val="FF0000"/>
+            </a:solidFill>
+            <a:tailEnd type="triangle"/>
+          </a:ln>
+        </p:spPr>
+        <p:style>
+          <a:lnRef idx="1">
+            <a:schemeClr val="accent1"/>
+          </a:lnRef>
+          <a:fillRef idx="0">
+            <a:schemeClr val="accent1"/>
+          </a:fillRef>
+          <a:effectRef idx="0">
+            <a:schemeClr val="accent1"/>
+          </a:effectRef>
+          <a:fontRef idx="minor">
+            <a:schemeClr val="tx1"/>
+          </a:fontRef>
+        </p:style>
+      </p:cxnSp>
+      <p:sp>
+        <p:nvSpPr>
+          <p:cNvPr id="12" name="文字方塊 11">
+            <a:extLst>
+              <a:ext uri="{FF2B5EF4-FFF2-40B4-BE49-F238E27FC236}">
+                <a16:creationId xmlns:a16="http://schemas.microsoft.com/office/drawing/2014/main" id="{2DC98352-BACD-4ADA-9090-95599D3395DF}"/>
+              </a:ext>
+            </a:extLst>
+          </p:cNvPr>
+          <p:cNvSpPr txBox="1"/>
+          <p:nvPr/>
+        </p:nvSpPr>
+        <p:spPr>
+          <a:xfrm>
+            <a:off x="8911089" y="2353911"/>
+            <a:ext cx="3255034" cy="1477328"/>
+          </a:xfrm>
+          <a:prstGeom prst="rect">
+            <a:avLst/>
+          </a:prstGeom>
+          <a:noFill/>
+        </p:spPr>
+        <p:txBody>
+          <a:bodyPr wrap="square" rtlCol="0">
+            <a:spAutoFit/>
+          </a:bodyPr>
+          <a:lstStyle/>
+          <a:p>
+            <a:r>
+              <a:rPr lang="en-US" altLang="zh-TW" dirty="0">
+                <a:solidFill>
+                  <a:srgbClr val="FF0000"/>
+                </a:solidFill>
+              </a:rPr>
+              <a:t>Exported=“true”:</a:t>
+            </a:r>
+          </a:p>
+          <a:p>
+            <a:r>
+              <a:rPr lang="en-US" altLang="zh-TW" dirty="0">
+                <a:solidFill>
+                  <a:srgbClr val="FF0000"/>
+                </a:solidFill>
+              </a:rPr>
+              <a:t>This can be called externally.</a:t>
+            </a:r>
+          </a:p>
+          <a:p>
+            <a:endParaRPr lang="en-US" altLang="zh-TW" dirty="0"/>
+          </a:p>
+          <a:p>
+            <a:r>
+              <a:rPr lang="en-US" altLang="zh-TW" dirty="0"/>
+              <a:t>Exported=“false”:(Default)</a:t>
+            </a:r>
+          </a:p>
+          <a:p>
+            <a:r>
+              <a:rPr lang="en-US" altLang="zh-TW" dirty="0"/>
+              <a:t>This cannot be called externally.</a:t>
+            </a:r>
+            <a:endParaRPr lang="zh-TW" altLang="en-US" dirty="0"/>
+          </a:p>
+        </p:txBody>
+      </p:sp>
+    </p:spTree>
+    <p:extLst>
+      <p:ext uri="{BB962C8B-B14F-4D97-AF65-F5344CB8AC3E}">
+        <p14:creationId xmlns:p14="http://schemas.microsoft.com/office/powerpoint/2010/main" val="3873993158"/>
       </p:ext>
     </p:extLst>
   </p:cSld>

--- a/Teach.pptx
+++ b/Teach.pptx
@@ -11,9 +11,10 @@
     <p:sldId id="258" r:id="rId5"/>
     <p:sldId id="259" r:id="rId6"/>
     <p:sldId id="264" r:id="rId7"/>
-    <p:sldId id="260" r:id="rId8"/>
-    <p:sldId id="262" r:id="rId9"/>
-    <p:sldId id="263" r:id="rId10"/>
+    <p:sldId id="265" r:id="rId8"/>
+    <p:sldId id="260" r:id="rId9"/>
+    <p:sldId id="262" r:id="rId10"/>
+    <p:sldId id="263" r:id="rId11"/>
   </p:sldIdLst>
   <p:sldSz cx="12192000" cy="6858000"/>
   <p:notesSz cx="6858000" cy="9144000"/>
@@ -3376,6 +3377,247 @@
 </p:sld>
 </file>
 
+<file path=ppt/slides/slide10.xml><?xml version="1.0" encoding="utf-8"?>
+<p:sld xmlns:a="http://schemas.openxmlformats.org/drawingml/2006/main" xmlns:r="http://schemas.openxmlformats.org/officeDocument/2006/relationships" xmlns:p="http://schemas.openxmlformats.org/presentationml/2006/main">
+  <p:cSld>
+    <p:spTree>
+      <p:nvGrpSpPr>
+        <p:cNvPr id="1" name=""/>
+        <p:cNvGrpSpPr/>
+        <p:nvPr/>
+      </p:nvGrpSpPr>
+      <p:grpSpPr>
+        <a:xfrm>
+          <a:off x="0" y="0"/>
+          <a:ext cx="0" cy="0"/>
+          <a:chOff x="0" y="0"/>
+          <a:chExt cx="0" cy="0"/>
+        </a:xfrm>
+      </p:grpSpPr>
+      <p:sp>
+        <p:nvSpPr>
+          <p:cNvPr id="2" name="標題 1">
+            <a:extLst>
+              <a:ext uri="{FF2B5EF4-FFF2-40B4-BE49-F238E27FC236}">
+                <a16:creationId xmlns:a16="http://schemas.microsoft.com/office/drawing/2014/main" id="{8097AD09-7E5F-4C90-999F-B344884E6094}"/>
+              </a:ext>
+            </a:extLst>
+          </p:cNvPr>
+          <p:cNvSpPr>
+            <a:spLocks noGrp="1"/>
+          </p:cNvSpPr>
+          <p:nvPr>
+            <p:ph type="title"/>
+          </p:nvPr>
+        </p:nvSpPr>
+        <p:spPr>
+          <a:xfrm>
+            <a:off x="-1" y="0"/>
+            <a:ext cx="12039601" cy="922867"/>
+          </a:xfrm>
+        </p:spPr>
+        <p:txBody>
+          <a:bodyPr>
+            <a:normAutofit/>
+          </a:bodyPr>
+          <a:lstStyle/>
+          <a:p>
+            <a:r>
+              <a:rPr lang="en-US" altLang="zh-TW" dirty="0"/>
+              <a:t>QRTest1(App1) Call Rd545cmd1(App2)</a:t>
+            </a:r>
+            <a:endParaRPr lang="zh-TW" altLang="en-US" dirty="0"/>
+          </a:p>
+        </p:txBody>
+      </p:sp>
+      <p:sp>
+        <p:nvSpPr>
+          <p:cNvPr id="46" name="文字方塊 45">
+            <a:extLst>
+              <a:ext uri="{FF2B5EF4-FFF2-40B4-BE49-F238E27FC236}">
+                <a16:creationId xmlns:a16="http://schemas.microsoft.com/office/drawing/2014/main" id="{54E4FD1B-3D7F-433F-95D7-8607446F96EB}"/>
+              </a:ext>
+            </a:extLst>
+          </p:cNvPr>
+          <p:cNvSpPr txBox="1"/>
+          <p:nvPr/>
+        </p:nvSpPr>
+        <p:spPr>
+          <a:xfrm>
+            <a:off x="136351" y="802364"/>
+            <a:ext cx="6219644" cy="369332"/>
+          </a:xfrm>
+          <a:prstGeom prst="rect">
+            <a:avLst/>
+          </a:prstGeom>
+          <a:noFill/>
+        </p:spPr>
+        <p:txBody>
+          <a:bodyPr wrap="square">
+            <a:spAutoFit/>
+          </a:bodyPr>
+          <a:lstStyle/>
+          <a:p>
+            <a:r>
+              <a:rPr lang="en-US" altLang="zh-TW" dirty="0"/>
+              <a:t>App2:Activity2 external call permission settings</a:t>
+            </a:r>
+            <a:endParaRPr lang="zh-TW" altLang="en-US" dirty="0"/>
+          </a:p>
+        </p:txBody>
+      </p:sp>
+      <p:pic>
+        <p:nvPicPr>
+          <p:cNvPr id="5" name="圖片 4">
+            <a:extLst>
+              <a:ext uri="{FF2B5EF4-FFF2-40B4-BE49-F238E27FC236}">
+                <a16:creationId xmlns:a16="http://schemas.microsoft.com/office/drawing/2014/main" id="{D3F5F878-1B0E-4742-8FC9-8D2CF5D81370}"/>
+              </a:ext>
+            </a:extLst>
+          </p:cNvPr>
+          <p:cNvPicPr>
+            <a:picLocks noChangeAspect="1"/>
+          </p:cNvPicPr>
+          <p:nvPr/>
+        </p:nvPicPr>
+        <p:blipFill>
+          <a:blip r:embed="rId2"/>
+          <a:stretch>
+            <a:fillRect/>
+          </a:stretch>
+        </p:blipFill>
+        <p:spPr>
+          <a:xfrm>
+            <a:off x="215621" y="1271567"/>
+            <a:ext cx="8591952" cy="4836728"/>
+          </a:xfrm>
+          <a:prstGeom prst="rect">
+            <a:avLst/>
+          </a:prstGeom>
+        </p:spPr>
+      </p:pic>
+      <p:cxnSp>
+        <p:nvCxnSpPr>
+          <p:cNvPr id="8" name="直線單箭頭接點 7">
+            <a:extLst>
+              <a:ext uri="{FF2B5EF4-FFF2-40B4-BE49-F238E27FC236}">
+                <a16:creationId xmlns:a16="http://schemas.microsoft.com/office/drawing/2014/main" id="{BE6B0D59-5B7B-47D2-933E-312A8CE79278}"/>
+              </a:ext>
+            </a:extLst>
+          </p:cNvPr>
+          <p:cNvCxnSpPr>
+            <a:cxnSpLocks/>
+          </p:cNvCxnSpPr>
+          <p:nvPr/>
+        </p:nvCxnSpPr>
+        <p:spPr>
+          <a:xfrm flipH="1">
+            <a:off x="4390847" y="2725952"/>
+            <a:ext cx="4520241" cy="0"/>
+          </a:xfrm>
+          <a:prstGeom prst="straightConnector1">
+            <a:avLst/>
+          </a:prstGeom>
+          <a:ln w="28575">
+            <a:solidFill>
+              <a:srgbClr val="FF0000"/>
+            </a:solidFill>
+            <a:tailEnd type="triangle"/>
+          </a:ln>
+        </p:spPr>
+        <p:style>
+          <a:lnRef idx="1">
+            <a:schemeClr val="accent1"/>
+          </a:lnRef>
+          <a:fillRef idx="0">
+            <a:schemeClr val="accent1"/>
+          </a:fillRef>
+          <a:effectRef idx="0">
+            <a:schemeClr val="accent1"/>
+          </a:effectRef>
+          <a:fontRef idx="minor">
+            <a:schemeClr val="tx1"/>
+          </a:fontRef>
+        </p:style>
+      </p:cxnSp>
+      <p:sp>
+        <p:nvSpPr>
+          <p:cNvPr id="12" name="文字方塊 11">
+            <a:extLst>
+              <a:ext uri="{FF2B5EF4-FFF2-40B4-BE49-F238E27FC236}">
+                <a16:creationId xmlns:a16="http://schemas.microsoft.com/office/drawing/2014/main" id="{2DC98352-BACD-4ADA-9090-95599D3395DF}"/>
+              </a:ext>
+            </a:extLst>
+          </p:cNvPr>
+          <p:cNvSpPr txBox="1"/>
+          <p:nvPr/>
+        </p:nvSpPr>
+        <p:spPr>
+          <a:xfrm>
+            <a:off x="8911089" y="2353911"/>
+            <a:ext cx="3255034" cy="1477328"/>
+          </a:xfrm>
+          <a:prstGeom prst="rect">
+            <a:avLst/>
+          </a:prstGeom>
+          <a:noFill/>
+        </p:spPr>
+        <p:txBody>
+          <a:bodyPr wrap="square" rtlCol="0">
+            <a:spAutoFit/>
+          </a:bodyPr>
+          <a:lstStyle/>
+          <a:p>
+            <a:r>
+              <a:rPr lang="en-US" altLang="zh-TW" dirty="0">
+                <a:solidFill>
+                  <a:srgbClr val="FF0000"/>
+                </a:solidFill>
+              </a:rPr>
+              <a:t>Exported=“true”:</a:t>
+            </a:r>
+          </a:p>
+          <a:p>
+            <a:r>
+              <a:rPr lang="en-US" altLang="zh-TW" dirty="0">
+                <a:solidFill>
+                  <a:srgbClr val="FF0000"/>
+                </a:solidFill>
+              </a:rPr>
+              <a:t>This can be called externally.</a:t>
+            </a:r>
+          </a:p>
+          <a:p>
+            <a:endParaRPr lang="en-US" altLang="zh-TW" dirty="0"/>
+          </a:p>
+          <a:p>
+            <a:r>
+              <a:rPr lang="en-US" altLang="zh-TW" dirty="0"/>
+              <a:t>Exported=“false”:(Default)</a:t>
+            </a:r>
+          </a:p>
+          <a:p>
+            <a:r>
+              <a:rPr lang="en-US" altLang="zh-TW" dirty="0"/>
+              <a:t>This cannot be called externally.</a:t>
+            </a:r>
+            <a:endParaRPr lang="zh-TW" altLang="en-US" dirty="0"/>
+          </a:p>
+        </p:txBody>
+      </p:sp>
+    </p:spTree>
+    <p:extLst>
+      <p:ext uri="{BB962C8B-B14F-4D97-AF65-F5344CB8AC3E}">
+        <p14:creationId xmlns:p14="http://schemas.microsoft.com/office/powerpoint/2010/main" val="3873993158"/>
+      </p:ext>
+    </p:extLst>
+  </p:cSld>
+  <p:clrMapOvr>
+    <a:masterClrMapping/>
+  </p:clrMapOvr>
+</p:sld>
+</file>
+
 <file path=ppt/slides/slide2.xml><?xml version="1.0" encoding="utf-8"?>
 <p:sld xmlns:a="http://schemas.openxmlformats.org/drawingml/2006/main" xmlns:r="http://schemas.openxmlformats.org/officeDocument/2006/relationships" xmlns:p="http://schemas.openxmlformats.org/presentationml/2006/main">
   <p:cSld>
@@ -3442,7 +3684,7 @@
         <p:spPr>
           <a:xfrm>
             <a:off x="1" y="807689"/>
-            <a:ext cx="7715794" cy="646331"/>
+            <a:ext cx="7715794" cy="369332"/>
           </a:xfrm>
           <a:prstGeom prst="rect">
             <a:avLst/>
@@ -3462,9 +3704,6 @@
               <a:t>https://quickmark.com.tw/cht/qrcode-datamatrix-generator/default.asp?qrText</a:t>
             </a:r>
             <a:endParaRPr lang="en-US" altLang="zh-TW" dirty="0"/>
-          </a:p>
-          <a:p>
-            <a:endParaRPr lang="zh-TW" altLang="en-US" dirty="0"/>
           </a:p>
         </p:txBody>
       </p:sp>
@@ -6149,7 +6388,7 @@
         <p:spPr>
           <a:xfrm>
             <a:off x="-1" y="0"/>
-            <a:ext cx="12039601" cy="922867"/>
+            <a:ext cx="8862061" cy="922867"/>
           </a:xfrm>
         </p:spPr>
         <p:txBody>
@@ -6160,7 +6399,23 @@
           <a:p>
             <a:r>
               <a:rPr lang="en-US" altLang="zh-TW" dirty="0"/>
-              <a:t>QRTest1(App1) Call Rd545cmd1(App2)</a:t>
+              <a:t>Rd545cmd1--</a:t>
+            </a:r>
+            <a:r>
+              <a:rPr lang="zh-TW" altLang="en-US" dirty="0"/>
+              <a:t> </a:t>
+            </a:r>
+            <a:r>
+              <a:rPr lang="en-US" altLang="zh-TW" dirty="0"/>
+              <a:t>Rd545 </a:t>
+            </a:r>
+            <a:r>
+              <a:rPr lang="en-US" altLang="zh-TW" dirty="0" err="1"/>
+              <a:t>Api</a:t>
+            </a:r>
+            <a:r>
+              <a:rPr lang="en-US" altLang="zh-TW" dirty="0"/>
+              <a:t> call Example</a:t>
             </a:r>
             <a:endParaRPr lang="zh-TW" altLang="en-US" dirty="0"/>
           </a:p>
@@ -6168,1524 +6423,14 @@
       </p:sp>
       <p:sp>
         <p:nvSpPr>
-          <p:cNvPr id="14" name="矩形: 圓角 13">
-            <a:extLst>
-              <a:ext uri="{FF2B5EF4-FFF2-40B4-BE49-F238E27FC236}">
-                <a16:creationId xmlns:a16="http://schemas.microsoft.com/office/drawing/2014/main" id="{5E9E59B9-3319-40D2-9AB8-EBF3A9260D42}"/>
-              </a:ext>
-            </a:extLst>
-          </p:cNvPr>
-          <p:cNvSpPr/>
-          <p:nvPr/>
-        </p:nvSpPr>
-        <p:spPr>
-          <a:xfrm>
-            <a:off x="5264277" y="1829447"/>
-            <a:ext cx="1365116" cy="472418"/>
-          </a:xfrm>
-          <a:prstGeom prst="roundRect">
-            <a:avLst/>
-          </a:prstGeom>
-          <a:noFill/>
-          <a:ln>
-            <a:solidFill>
-              <a:schemeClr val="tx1">
-                <a:lumMod val="75000"/>
-                <a:lumOff val="25000"/>
-              </a:schemeClr>
-            </a:solidFill>
-          </a:ln>
-        </p:spPr>
-        <p:style>
-          <a:lnRef idx="2">
-            <a:schemeClr val="accent1">
-              <a:shade val="50000"/>
-            </a:schemeClr>
-          </a:lnRef>
-          <a:fillRef idx="1">
-            <a:schemeClr val="accent1"/>
-          </a:fillRef>
-          <a:effectRef idx="0">
-            <a:schemeClr val="accent1"/>
-          </a:effectRef>
-          <a:fontRef idx="minor">
-            <a:schemeClr val="lt1"/>
-          </a:fontRef>
-        </p:style>
-        <p:txBody>
-          <a:bodyPr rtlCol="0" anchor="ctr"/>
-          <a:lstStyle/>
-          <a:p>
-            <a:pPr algn="ctr"/>
-            <a:r>
-              <a:rPr lang="en-US" altLang="zh-TW" dirty="0">
-                <a:solidFill>
-                  <a:schemeClr val="tx1"/>
-                </a:solidFill>
-              </a:rPr>
-              <a:t>TempData1</a:t>
-            </a:r>
-            <a:endParaRPr lang="zh-TW" altLang="en-US" dirty="0">
-              <a:solidFill>
-                <a:schemeClr val="tx1"/>
-              </a:solidFill>
-            </a:endParaRPr>
-          </a:p>
-        </p:txBody>
-      </p:sp>
-      <p:cxnSp>
-        <p:nvCxnSpPr>
-          <p:cNvPr id="16" name="直線單箭頭接點 15">
-            <a:extLst>
-              <a:ext uri="{FF2B5EF4-FFF2-40B4-BE49-F238E27FC236}">
-                <a16:creationId xmlns:a16="http://schemas.microsoft.com/office/drawing/2014/main" id="{676044CD-868B-4822-8F99-3AC8CA36202E}"/>
-              </a:ext>
-            </a:extLst>
-          </p:cNvPr>
-          <p:cNvCxnSpPr>
-            <a:cxnSpLocks/>
-            <a:stCxn id="25" idx="2"/>
-            <a:endCxn id="14" idx="0"/>
-          </p:cNvCxnSpPr>
-          <p:nvPr/>
-        </p:nvCxnSpPr>
-        <p:spPr>
-          <a:xfrm flipH="1">
-            <a:off x="5946835" y="1219205"/>
-            <a:ext cx="1" cy="610242"/>
-          </a:xfrm>
-          <a:prstGeom prst="straightConnector1">
-            <a:avLst/>
-          </a:prstGeom>
-          <a:ln w="19050">
-            <a:solidFill>
-              <a:srgbClr val="FF0000"/>
-            </a:solidFill>
-            <a:prstDash val="sysDash"/>
-            <a:tailEnd type="triangle"/>
-          </a:ln>
-        </p:spPr>
-        <p:style>
-          <a:lnRef idx="1">
-            <a:schemeClr val="accent1"/>
-          </a:lnRef>
-          <a:fillRef idx="0">
-            <a:schemeClr val="accent1"/>
-          </a:fillRef>
-          <a:effectRef idx="0">
-            <a:schemeClr val="accent1"/>
-          </a:effectRef>
-          <a:fontRef idx="minor">
-            <a:schemeClr val="tx1"/>
-          </a:fontRef>
-        </p:style>
-      </p:cxnSp>
-      <p:sp>
-        <p:nvSpPr>
-          <p:cNvPr id="18" name="文字方塊 17">
-            <a:extLst>
-              <a:ext uri="{FF2B5EF4-FFF2-40B4-BE49-F238E27FC236}">
-                <a16:creationId xmlns:a16="http://schemas.microsoft.com/office/drawing/2014/main" id="{29F8C742-31AE-4C59-A1EB-7FBF71E91369}"/>
-              </a:ext>
-            </a:extLst>
-          </p:cNvPr>
+          <p:cNvPr id="101" name="文字方塊 100"/>
           <p:cNvSpPr txBox="1"/>
           <p:nvPr/>
         </p:nvSpPr>
         <p:spPr>
           <a:xfrm>
-            <a:off x="5969051" y="1204862"/>
-            <a:ext cx="1071034" cy="646331"/>
-          </a:xfrm>
-          <a:prstGeom prst="rect">
-            <a:avLst/>
-          </a:prstGeom>
-          <a:noFill/>
-        </p:spPr>
-        <p:txBody>
-          <a:bodyPr wrap="square">
-            <a:spAutoFit/>
-          </a:bodyPr>
-          <a:lstStyle/>
-          <a:p>
-            <a:pPr algn="ctr"/>
-            <a:r>
-              <a:rPr lang="en-US" altLang="zh-TW" dirty="0">
-                <a:solidFill>
-                  <a:srgbClr val="FF0000"/>
-                </a:solidFill>
-              </a:rPr>
-              <a:t>Message</a:t>
-            </a:r>
-          </a:p>
-          <a:p>
-            <a:pPr algn="ctr"/>
-            <a:r>
-              <a:rPr lang="en-US" altLang="zh-TW" dirty="0">
-                <a:solidFill>
-                  <a:srgbClr val="FF0000"/>
-                </a:solidFill>
-              </a:rPr>
-              <a:t>Intent </a:t>
-            </a:r>
-          </a:p>
-        </p:txBody>
-      </p:sp>
-      <p:sp>
-        <p:nvSpPr>
-          <p:cNvPr id="25" name="矩形: 圓角 24">
-            <a:extLst>
-              <a:ext uri="{FF2B5EF4-FFF2-40B4-BE49-F238E27FC236}">
-                <a16:creationId xmlns:a16="http://schemas.microsoft.com/office/drawing/2014/main" id="{AC3EE1C3-AF11-4B91-9DAC-81950A4A08D9}"/>
-              </a:ext>
-            </a:extLst>
-          </p:cNvPr>
-          <p:cNvSpPr/>
-          <p:nvPr/>
-        </p:nvSpPr>
-        <p:spPr>
-          <a:xfrm>
-            <a:off x="5411321" y="746787"/>
-            <a:ext cx="1071030" cy="472418"/>
-          </a:xfrm>
-          <a:prstGeom prst="roundRect">
-            <a:avLst/>
-          </a:prstGeom>
-          <a:noFill/>
-          <a:ln>
-            <a:solidFill>
-              <a:srgbClr val="FF0000"/>
-            </a:solidFill>
-          </a:ln>
-        </p:spPr>
-        <p:style>
-          <a:lnRef idx="2">
-            <a:schemeClr val="accent1">
-              <a:shade val="50000"/>
-            </a:schemeClr>
-          </a:lnRef>
-          <a:fillRef idx="1">
-            <a:schemeClr val="accent1"/>
-          </a:fillRef>
-          <a:effectRef idx="0">
-            <a:schemeClr val="accent1"/>
-          </a:effectRef>
-          <a:fontRef idx="minor">
-            <a:schemeClr val="lt1"/>
-          </a:fontRef>
-        </p:style>
-        <p:txBody>
-          <a:bodyPr rtlCol="0" anchor="ctr"/>
-          <a:lstStyle/>
-          <a:p>
-            <a:pPr algn="ctr"/>
-            <a:r>
-              <a:rPr lang="en-US" altLang="zh-TW" dirty="0">
-                <a:solidFill>
-                  <a:srgbClr val="FF0000"/>
-                </a:solidFill>
-              </a:rPr>
-              <a:t>App1</a:t>
-            </a:r>
-            <a:endParaRPr lang="zh-TW" altLang="en-US" dirty="0">
-              <a:solidFill>
-                <a:srgbClr val="FF0000"/>
-              </a:solidFill>
-            </a:endParaRPr>
-          </a:p>
-        </p:txBody>
-      </p:sp>
-      <p:sp>
-        <p:nvSpPr>
-          <p:cNvPr id="30" name="矩形: 圓角 29">
-            <a:extLst>
-              <a:ext uri="{FF2B5EF4-FFF2-40B4-BE49-F238E27FC236}">
-                <a16:creationId xmlns:a16="http://schemas.microsoft.com/office/drawing/2014/main" id="{EC108A00-9CAC-4188-B428-FD6B5C33A075}"/>
-              </a:ext>
-            </a:extLst>
-          </p:cNvPr>
-          <p:cNvSpPr/>
-          <p:nvPr/>
-        </p:nvSpPr>
-        <p:spPr>
-          <a:xfrm>
-            <a:off x="5264275" y="1830813"/>
-            <a:ext cx="5806324" cy="2511445"/>
-          </a:xfrm>
-          <a:prstGeom prst="roundRect">
-            <a:avLst>
-              <a:gd name="adj" fmla="val 3581"/>
-            </a:avLst>
-          </a:prstGeom>
-          <a:noFill/>
-          <a:ln>
-            <a:solidFill>
-              <a:schemeClr val="accent1"/>
-            </a:solidFill>
-          </a:ln>
-        </p:spPr>
-        <p:style>
-          <a:lnRef idx="2">
-            <a:schemeClr val="accent1">
-              <a:shade val="50000"/>
-            </a:schemeClr>
-          </a:lnRef>
-          <a:fillRef idx="1">
-            <a:schemeClr val="accent1"/>
-          </a:fillRef>
-          <a:effectRef idx="0">
-            <a:schemeClr val="accent1"/>
-          </a:effectRef>
-          <a:fontRef idx="minor">
-            <a:schemeClr val="lt1"/>
-          </a:fontRef>
-        </p:style>
-        <p:txBody>
-          <a:bodyPr rtlCol="0" anchor="ctr"/>
-          <a:lstStyle/>
-          <a:p>
-            <a:pPr algn="ctr"/>
-            <a:endParaRPr lang="zh-TW" altLang="en-US" dirty="0">
-              <a:solidFill>
-                <a:schemeClr val="tx1"/>
-              </a:solidFill>
-            </a:endParaRPr>
-          </a:p>
-        </p:txBody>
-      </p:sp>
-      <p:sp>
-        <p:nvSpPr>
-          <p:cNvPr id="32" name="文字方塊 31">
-            <a:extLst>
-              <a:ext uri="{FF2B5EF4-FFF2-40B4-BE49-F238E27FC236}">
-                <a16:creationId xmlns:a16="http://schemas.microsoft.com/office/drawing/2014/main" id="{4BCAFF1C-D3E7-4478-9570-EF9734860943}"/>
-              </a:ext>
-            </a:extLst>
-          </p:cNvPr>
-          <p:cNvSpPr txBox="1"/>
-          <p:nvPr/>
-        </p:nvSpPr>
-        <p:spPr>
-          <a:xfrm>
-            <a:off x="7763926" y="1779630"/>
-            <a:ext cx="922732" cy="369332"/>
-          </a:xfrm>
-          <a:prstGeom prst="rect">
-            <a:avLst/>
-          </a:prstGeom>
-          <a:noFill/>
-        </p:spPr>
-        <p:txBody>
-          <a:bodyPr wrap="square">
-            <a:spAutoFit/>
-          </a:bodyPr>
-          <a:lstStyle/>
-          <a:p>
-            <a:pPr algn="ctr"/>
-            <a:r>
-              <a:rPr lang="en-US" altLang="zh-TW" dirty="0">
-                <a:solidFill>
-                  <a:schemeClr val="accent1"/>
-                </a:solidFill>
-              </a:rPr>
-              <a:t>App2</a:t>
-            </a:r>
-            <a:endParaRPr lang="zh-TW" altLang="en-US" dirty="0">
-              <a:solidFill>
-                <a:schemeClr val="accent1"/>
-              </a:solidFill>
-            </a:endParaRPr>
-          </a:p>
-        </p:txBody>
-      </p:sp>
-      <p:sp>
-        <p:nvSpPr>
-          <p:cNvPr id="33" name="矩形: 圓角 32">
-            <a:extLst>
-              <a:ext uri="{FF2B5EF4-FFF2-40B4-BE49-F238E27FC236}">
-                <a16:creationId xmlns:a16="http://schemas.microsoft.com/office/drawing/2014/main" id="{0A1A6423-84BC-4FDB-8C59-894091C7573B}"/>
-              </a:ext>
-            </a:extLst>
-          </p:cNvPr>
-          <p:cNvSpPr/>
-          <p:nvPr/>
-        </p:nvSpPr>
-        <p:spPr>
-          <a:xfrm>
-            <a:off x="5520398" y="3869840"/>
-            <a:ext cx="1987410" cy="472418"/>
-          </a:xfrm>
-          <a:prstGeom prst="roundRect">
-            <a:avLst/>
-          </a:prstGeom>
-          <a:noFill/>
-          <a:ln>
-            <a:solidFill>
-              <a:schemeClr val="tx1">
-                <a:lumMod val="75000"/>
-                <a:lumOff val="25000"/>
-              </a:schemeClr>
-            </a:solidFill>
-          </a:ln>
-        </p:spPr>
-        <p:style>
-          <a:lnRef idx="2">
-            <a:schemeClr val="accent1">
-              <a:shade val="50000"/>
-            </a:schemeClr>
-          </a:lnRef>
-          <a:fillRef idx="1">
-            <a:schemeClr val="accent1"/>
-          </a:fillRef>
-          <a:effectRef idx="0">
-            <a:schemeClr val="accent1"/>
-          </a:effectRef>
-          <a:fontRef idx="minor">
-            <a:schemeClr val="lt1"/>
-          </a:fontRef>
-        </p:style>
-        <p:txBody>
-          <a:bodyPr rtlCol="0" anchor="ctr"/>
-          <a:lstStyle/>
-          <a:p>
-            <a:pPr algn="ctr"/>
-            <a:r>
-              <a:rPr lang="en-US" altLang="zh-TW" dirty="0">
-                <a:solidFill>
-                  <a:schemeClr val="tx1"/>
-                </a:solidFill>
-              </a:rPr>
-              <a:t>Control RD545</a:t>
-            </a:r>
-            <a:endParaRPr lang="zh-TW" altLang="en-US" dirty="0">
-              <a:solidFill>
-                <a:schemeClr val="tx1"/>
-              </a:solidFill>
-            </a:endParaRPr>
-          </a:p>
-        </p:txBody>
-      </p:sp>
-      <p:sp>
-        <p:nvSpPr>
-          <p:cNvPr id="34" name="矩形: 圓角 33">
-            <a:extLst>
-              <a:ext uri="{FF2B5EF4-FFF2-40B4-BE49-F238E27FC236}">
-                <a16:creationId xmlns:a16="http://schemas.microsoft.com/office/drawing/2014/main" id="{0A61CEE1-DB9C-464D-A434-1CA10913A515}"/>
-              </a:ext>
-            </a:extLst>
-          </p:cNvPr>
-          <p:cNvSpPr/>
-          <p:nvPr/>
-        </p:nvSpPr>
-        <p:spPr>
-          <a:xfrm>
-            <a:off x="5520391" y="5383654"/>
-            <a:ext cx="1987420" cy="472418"/>
-          </a:xfrm>
-          <a:prstGeom prst="roundRect">
-            <a:avLst/>
-          </a:prstGeom>
-          <a:noFill/>
-          <a:ln>
-            <a:solidFill>
-              <a:schemeClr val="tx1">
-                <a:lumMod val="75000"/>
-                <a:lumOff val="25000"/>
-              </a:schemeClr>
-            </a:solidFill>
-          </a:ln>
-        </p:spPr>
-        <p:style>
-          <a:lnRef idx="2">
-            <a:schemeClr val="accent1">
-              <a:shade val="50000"/>
-            </a:schemeClr>
-          </a:lnRef>
-          <a:fillRef idx="1">
-            <a:schemeClr val="accent1"/>
-          </a:fillRef>
-          <a:effectRef idx="0">
-            <a:schemeClr val="accent1"/>
-          </a:effectRef>
-          <a:fontRef idx="minor">
-            <a:schemeClr val="lt1"/>
-          </a:fontRef>
-        </p:style>
-        <p:txBody>
-          <a:bodyPr rtlCol="0" anchor="ctr"/>
-          <a:lstStyle/>
-          <a:p>
-            <a:pPr algn="ctr"/>
-            <a:r>
-              <a:rPr lang="en-US" altLang="zh-TW" dirty="0">
-                <a:solidFill>
-                  <a:schemeClr val="tx1"/>
-                </a:solidFill>
-              </a:rPr>
-              <a:t>RD545</a:t>
-            </a:r>
-            <a:r>
-              <a:rPr lang="zh-TW" altLang="en-US" dirty="0">
-                <a:solidFill>
-                  <a:schemeClr val="tx1"/>
-                </a:solidFill>
-              </a:rPr>
-              <a:t> </a:t>
-            </a:r>
-            <a:r>
-              <a:rPr lang="en-US" altLang="zh-TW" dirty="0">
-                <a:solidFill>
-                  <a:schemeClr val="tx1"/>
-                </a:solidFill>
-              </a:rPr>
-              <a:t>Device </a:t>
-            </a:r>
-            <a:endParaRPr lang="zh-TW" altLang="en-US" dirty="0">
-              <a:solidFill>
-                <a:schemeClr val="tx1"/>
-              </a:solidFill>
-            </a:endParaRPr>
-          </a:p>
-        </p:txBody>
-      </p:sp>
-      <p:sp>
-        <p:nvSpPr>
-          <p:cNvPr id="35" name="矩形: 圓角 34">
-            <a:extLst>
-              <a:ext uri="{FF2B5EF4-FFF2-40B4-BE49-F238E27FC236}">
-                <a16:creationId xmlns:a16="http://schemas.microsoft.com/office/drawing/2014/main" id="{35304806-0792-443A-A535-7EF52266BAB0}"/>
-              </a:ext>
-            </a:extLst>
-          </p:cNvPr>
-          <p:cNvSpPr/>
-          <p:nvPr/>
-        </p:nvSpPr>
-        <p:spPr>
-          <a:xfrm>
-            <a:off x="5264275" y="2311213"/>
-            <a:ext cx="2499651" cy="472418"/>
-          </a:xfrm>
-          <a:prstGeom prst="roundRect">
-            <a:avLst/>
-          </a:prstGeom>
-          <a:noFill/>
-          <a:ln>
-            <a:solidFill>
-              <a:schemeClr val="tx1">
-                <a:lumMod val="75000"/>
-                <a:lumOff val="25000"/>
-              </a:schemeClr>
-            </a:solidFill>
-          </a:ln>
-        </p:spPr>
-        <p:style>
-          <a:lnRef idx="2">
-            <a:schemeClr val="accent1">
-              <a:shade val="50000"/>
-            </a:schemeClr>
-          </a:lnRef>
-          <a:fillRef idx="1">
-            <a:schemeClr val="accent1"/>
-          </a:fillRef>
-          <a:effectRef idx="0">
-            <a:schemeClr val="accent1"/>
-          </a:effectRef>
-          <a:fontRef idx="minor">
-            <a:schemeClr val="lt1"/>
-          </a:fontRef>
-        </p:style>
-        <p:txBody>
-          <a:bodyPr rtlCol="0" anchor="ctr"/>
-          <a:lstStyle/>
-          <a:p>
-            <a:pPr algn="ctr"/>
-            <a:r>
-              <a:rPr lang="en-US" altLang="zh-TW" dirty="0" err="1">
-                <a:solidFill>
-                  <a:schemeClr val="tx1"/>
-                </a:solidFill>
-              </a:rPr>
-              <a:t>TempData</a:t>
-            </a:r>
-            <a:r>
-              <a:rPr lang="en-US" altLang="zh-TW" dirty="0">
-                <a:solidFill>
-                  <a:schemeClr val="tx1"/>
-                </a:solidFill>
-              </a:rPr>
-              <a:t> Parsing</a:t>
-            </a:r>
-            <a:endParaRPr lang="zh-TW" altLang="en-US" dirty="0">
-              <a:solidFill>
-                <a:schemeClr val="tx1"/>
-              </a:solidFill>
-            </a:endParaRPr>
-          </a:p>
-        </p:txBody>
-      </p:sp>
-      <p:cxnSp>
-        <p:nvCxnSpPr>
-          <p:cNvPr id="37" name="直線單箭頭接點 36">
-            <a:extLst>
-              <a:ext uri="{FF2B5EF4-FFF2-40B4-BE49-F238E27FC236}">
-                <a16:creationId xmlns:a16="http://schemas.microsoft.com/office/drawing/2014/main" id="{AC3D3C75-DA17-42C7-919E-557A4F8136C3}"/>
-              </a:ext>
-            </a:extLst>
-          </p:cNvPr>
-          <p:cNvCxnSpPr>
-            <a:cxnSpLocks/>
-            <a:stCxn id="35" idx="2"/>
-            <a:endCxn id="33" idx="0"/>
-          </p:cNvCxnSpPr>
-          <p:nvPr/>
-        </p:nvCxnSpPr>
-        <p:spPr>
-          <a:xfrm>
-            <a:off x="6514101" y="2783631"/>
-            <a:ext cx="2" cy="1086209"/>
-          </a:xfrm>
-          <a:prstGeom prst="straightConnector1">
-            <a:avLst/>
-          </a:prstGeom>
-          <a:ln w="19050">
-            <a:solidFill>
-              <a:srgbClr val="FF0000"/>
-            </a:solidFill>
-            <a:prstDash val="sysDash"/>
-            <a:tailEnd type="triangle"/>
-          </a:ln>
-        </p:spPr>
-        <p:style>
-          <a:lnRef idx="1">
-            <a:schemeClr val="accent1"/>
-          </a:lnRef>
-          <a:fillRef idx="0">
-            <a:schemeClr val="accent1"/>
-          </a:fillRef>
-          <a:effectRef idx="0">
-            <a:schemeClr val="accent1"/>
-          </a:effectRef>
-          <a:fontRef idx="minor">
-            <a:schemeClr val="tx1"/>
-          </a:fontRef>
-        </p:style>
-      </p:cxnSp>
-      <p:sp>
-        <p:nvSpPr>
-          <p:cNvPr id="42" name="文字方塊 41">
-            <a:extLst>
-              <a:ext uri="{FF2B5EF4-FFF2-40B4-BE49-F238E27FC236}">
-                <a16:creationId xmlns:a16="http://schemas.microsoft.com/office/drawing/2014/main" id="{280233BE-E9BB-4D25-BA3A-B1074190A1E4}"/>
-              </a:ext>
-            </a:extLst>
-          </p:cNvPr>
-          <p:cNvSpPr txBox="1"/>
-          <p:nvPr/>
-        </p:nvSpPr>
-        <p:spPr>
-          <a:xfrm>
-            <a:off x="6514100" y="2877285"/>
-            <a:ext cx="2404534" cy="923330"/>
-          </a:xfrm>
-          <a:prstGeom prst="rect">
-            <a:avLst/>
-          </a:prstGeom>
-          <a:noFill/>
-        </p:spPr>
-        <p:txBody>
-          <a:bodyPr wrap="square">
-            <a:spAutoFit/>
-          </a:bodyPr>
-          <a:lstStyle/>
-          <a:p>
-            <a:r>
-              <a:rPr lang="zh-TW" altLang="en-US" dirty="0">
-                <a:solidFill>
-                  <a:srgbClr val="FF0000"/>
-                </a:solidFill>
-              </a:rPr>
-              <a:t>TempData</a:t>
-            </a:r>
-            <a:r>
-              <a:rPr lang="en-US" altLang="zh-TW" dirty="0">
-                <a:solidFill>
-                  <a:srgbClr val="FF0000"/>
-                </a:solidFill>
-              </a:rPr>
-              <a:t>1</a:t>
-            </a:r>
-            <a:r>
-              <a:rPr lang="zh-TW" altLang="en-US" dirty="0">
-                <a:solidFill>
-                  <a:srgbClr val="FF0000"/>
-                </a:solidFill>
-              </a:rPr>
-              <a:t> is parsed into</a:t>
-            </a:r>
-            <a:r>
-              <a:rPr lang="en-US" altLang="zh-TW" dirty="0">
-                <a:solidFill>
-                  <a:srgbClr val="FF0000"/>
-                </a:solidFill>
-              </a:rPr>
-              <a:t>:</a:t>
-            </a:r>
-            <a:r>
-              <a:rPr lang="zh-TW" altLang="en-US" dirty="0">
-                <a:solidFill>
-                  <a:srgbClr val="FF0000"/>
-                </a:solidFill>
-              </a:rPr>
-              <a:t> gender, birthday, height, clothing weight</a:t>
-            </a:r>
-            <a:r>
-              <a:rPr lang="en-US" altLang="zh-TW" dirty="0">
-                <a:solidFill>
-                  <a:srgbClr val="FF0000"/>
-                </a:solidFill>
-              </a:rPr>
-              <a:t>.</a:t>
-            </a:r>
-            <a:endParaRPr lang="zh-TW" altLang="en-US" dirty="0">
-              <a:solidFill>
-                <a:srgbClr val="FF0000"/>
-              </a:solidFill>
-            </a:endParaRPr>
-          </a:p>
-        </p:txBody>
-      </p:sp>
-      <p:cxnSp>
-        <p:nvCxnSpPr>
-          <p:cNvPr id="44" name="直線單箭頭接點 43">
-            <a:extLst>
-              <a:ext uri="{FF2B5EF4-FFF2-40B4-BE49-F238E27FC236}">
-                <a16:creationId xmlns:a16="http://schemas.microsoft.com/office/drawing/2014/main" id="{8CCB0611-BBE7-4FFA-A1FC-50016CE4441B}"/>
-              </a:ext>
-            </a:extLst>
-          </p:cNvPr>
-          <p:cNvCxnSpPr>
-            <a:cxnSpLocks/>
-            <a:stCxn id="33" idx="2"/>
-            <a:endCxn id="34" idx="0"/>
-          </p:cNvCxnSpPr>
-          <p:nvPr/>
-        </p:nvCxnSpPr>
-        <p:spPr>
-          <a:xfrm flipH="1">
-            <a:off x="6514101" y="4342258"/>
-            <a:ext cx="2" cy="1041396"/>
-          </a:xfrm>
-          <a:prstGeom prst="straightConnector1">
-            <a:avLst/>
-          </a:prstGeom>
-          <a:ln w="19050">
-            <a:solidFill>
-              <a:schemeClr val="accent1"/>
-            </a:solidFill>
-            <a:prstDash val="sysDash"/>
-            <a:tailEnd type="triangle"/>
-          </a:ln>
-        </p:spPr>
-        <p:style>
-          <a:lnRef idx="1">
-            <a:schemeClr val="accent1"/>
-          </a:lnRef>
-          <a:fillRef idx="0">
-            <a:schemeClr val="accent1"/>
-          </a:fillRef>
-          <a:effectRef idx="0">
-            <a:schemeClr val="accent1"/>
-          </a:effectRef>
-          <a:fontRef idx="minor">
-            <a:schemeClr val="tx1"/>
-          </a:fontRef>
-        </p:style>
-      </p:cxnSp>
-      <p:sp>
-        <p:nvSpPr>
-          <p:cNvPr id="49" name="文字方塊 48">
-            <a:extLst>
-              <a:ext uri="{FF2B5EF4-FFF2-40B4-BE49-F238E27FC236}">
-                <a16:creationId xmlns:a16="http://schemas.microsoft.com/office/drawing/2014/main" id="{2CF02CAA-A5D0-407E-9738-3ADC5BA325A2}"/>
-              </a:ext>
-            </a:extLst>
-          </p:cNvPr>
-          <p:cNvSpPr txBox="1"/>
-          <p:nvPr/>
-        </p:nvSpPr>
-        <p:spPr>
-          <a:xfrm>
-            <a:off x="6633359" y="4384702"/>
-            <a:ext cx="2510634" cy="923330"/>
-          </a:xfrm>
-          <a:prstGeom prst="rect">
-            <a:avLst/>
-          </a:prstGeom>
-          <a:noFill/>
-        </p:spPr>
-        <p:txBody>
-          <a:bodyPr wrap="square">
-            <a:spAutoFit/>
-          </a:bodyPr>
-          <a:lstStyle/>
-          <a:p>
-            <a:r>
-              <a:rPr lang="en-US" altLang="zh-TW" dirty="0" err="1">
-                <a:solidFill>
-                  <a:schemeClr val="accent1"/>
-                </a:solidFill>
-              </a:rPr>
-              <a:t>Ble</a:t>
-            </a:r>
-            <a:r>
-              <a:rPr lang="en-US" altLang="zh-TW" dirty="0">
-                <a:solidFill>
-                  <a:schemeClr val="accent1"/>
-                </a:solidFill>
-              </a:rPr>
-              <a:t> Pass Base Data:</a:t>
-            </a:r>
-          </a:p>
-          <a:p>
-            <a:r>
-              <a:rPr lang="zh-TW" altLang="en-US" dirty="0">
-                <a:solidFill>
-                  <a:schemeClr val="accent1"/>
-                </a:solidFill>
-              </a:rPr>
-              <a:t>gender, birthday, height, clothing weight</a:t>
-            </a:r>
-            <a:r>
-              <a:rPr lang="en-US" altLang="zh-TW" dirty="0">
-                <a:solidFill>
-                  <a:schemeClr val="accent1"/>
-                </a:solidFill>
-              </a:rPr>
-              <a:t>.</a:t>
-            </a:r>
-            <a:endParaRPr lang="zh-TW" altLang="en-US" dirty="0">
-              <a:solidFill>
-                <a:schemeClr val="accent1"/>
-              </a:solidFill>
-            </a:endParaRPr>
-          </a:p>
-        </p:txBody>
-      </p:sp>
-      <p:sp>
-        <p:nvSpPr>
-          <p:cNvPr id="58" name="矩形: 圓角 57">
-            <a:extLst>
-              <a:ext uri="{FF2B5EF4-FFF2-40B4-BE49-F238E27FC236}">
-                <a16:creationId xmlns:a16="http://schemas.microsoft.com/office/drawing/2014/main" id="{01303C9C-BCD1-4164-950D-D98CE27569B0}"/>
-              </a:ext>
-            </a:extLst>
-          </p:cNvPr>
-          <p:cNvSpPr/>
-          <p:nvPr/>
-        </p:nvSpPr>
-        <p:spPr>
-          <a:xfrm>
-            <a:off x="5520387" y="5856072"/>
-            <a:ext cx="3090213" cy="472418"/>
-          </a:xfrm>
-          <a:prstGeom prst="roundRect">
-            <a:avLst/>
-          </a:prstGeom>
-          <a:noFill/>
-          <a:ln>
-            <a:solidFill>
-              <a:schemeClr val="tx1">
-                <a:lumMod val="75000"/>
-                <a:lumOff val="25000"/>
-              </a:schemeClr>
-            </a:solidFill>
-          </a:ln>
-        </p:spPr>
-        <p:style>
-          <a:lnRef idx="2">
-            <a:schemeClr val="accent1">
-              <a:shade val="50000"/>
-            </a:schemeClr>
-          </a:lnRef>
-          <a:fillRef idx="1">
-            <a:schemeClr val="accent1"/>
-          </a:fillRef>
-          <a:effectRef idx="0">
-            <a:schemeClr val="accent1"/>
-          </a:effectRef>
-          <a:fontRef idx="minor">
-            <a:schemeClr val="lt1"/>
-          </a:fontRef>
-        </p:style>
-        <p:txBody>
-          <a:bodyPr rtlCol="0" anchor="ctr"/>
-          <a:lstStyle/>
-          <a:p>
-            <a:pPr algn="ctr"/>
-            <a:r>
-              <a:rPr lang="en-US" altLang="zh-TW" dirty="0">
-                <a:solidFill>
-                  <a:schemeClr val="tx1"/>
-                </a:solidFill>
-              </a:rPr>
-              <a:t>RD545</a:t>
-            </a:r>
-            <a:r>
-              <a:rPr lang="zh-TW" altLang="en-US" dirty="0">
-                <a:solidFill>
-                  <a:schemeClr val="tx1"/>
-                </a:solidFill>
-              </a:rPr>
-              <a:t> </a:t>
-            </a:r>
-            <a:r>
-              <a:rPr lang="en-US" altLang="zh-TW" dirty="0">
-                <a:solidFill>
-                  <a:schemeClr val="tx1"/>
-                </a:solidFill>
-              </a:rPr>
-              <a:t>Device Measurement </a:t>
-            </a:r>
-            <a:endParaRPr lang="zh-TW" altLang="en-US" dirty="0">
-              <a:solidFill>
-                <a:schemeClr val="tx1"/>
-              </a:solidFill>
-            </a:endParaRPr>
-          </a:p>
-        </p:txBody>
-      </p:sp>
-      <p:cxnSp>
-        <p:nvCxnSpPr>
-          <p:cNvPr id="63" name="接點: 肘形 62">
-            <a:extLst>
-              <a:ext uri="{FF2B5EF4-FFF2-40B4-BE49-F238E27FC236}">
-                <a16:creationId xmlns:a16="http://schemas.microsoft.com/office/drawing/2014/main" id="{EFAD7A4C-1CDE-483D-98F9-C84D9F7C28BD}"/>
-              </a:ext>
-            </a:extLst>
-          </p:cNvPr>
-          <p:cNvCxnSpPr>
-            <a:cxnSpLocks/>
-            <a:stCxn id="58" idx="3"/>
-          </p:cNvCxnSpPr>
-          <p:nvPr/>
-        </p:nvCxnSpPr>
-        <p:spPr>
-          <a:xfrm flipV="1">
-            <a:off x="8610600" y="4332198"/>
-            <a:ext cx="1412483" cy="1760083"/>
-          </a:xfrm>
-          <a:prstGeom prst="bentConnector2">
-            <a:avLst/>
-          </a:prstGeom>
-          <a:ln w="19050">
-            <a:prstDash val="sysDash"/>
-            <a:tailEnd type="triangle"/>
-          </a:ln>
-        </p:spPr>
-        <p:style>
-          <a:lnRef idx="1">
-            <a:schemeClr val="accent1"/>
-          </a:lnRef>
-          <a:fillRef idx="0">
-            <a:schemeClr val="accent1"/>
-          </a:fillRef>
-          <a:effectRef idx="0">
-            <a:schemeClr val="accent1"/>
-          </a:effectRef>
-          <a:fontRef idx="minor">
-            <a:schemeClr val="tx1"/>
-          </a:fontRef>
-        </p:style>
-      </p:cxnSp>
-      <p:sp>
-        <p:nvSpPr>
-          <p:cNvPr id="65" name="矩形: 圓角 64">
-            <a:extLst>
-              <a:ext uri="{FF2B5EF4-FFF2-40B4-BE49-F238E27FC236}">
-                <a16:creationId xmlns:a16="http://schemas.microsoft.com/office/drawing/2014/main" id="{3AC88E5F-33C7-46DD-A10F-BE107081F090}"/>
-              </a:ext>
-            </a:extLst>
-          </p:cNvPr>
-          <p:cNvSpPr/>
-          <p:nvPr/>
-        </p:nvSpPr>
-        <p:spPr>
-          <a:xfrm>
-            <a:off x="9132633" y="3706690"/>
-            <a:ext cx="1780892" cy="635568"/>
-          </a:xfrm>
-          <a:prstGeom prst="roundRect">
-            <a:avLst/>
-          </a:prstGeom>
-          <a:noFill/>
-          <a:ln>
-            <a:solidFill>
-              <a:schemeClr val="tx1">
-                <a:lumMod val="75000"/>
-                <a:lumOff val="25000"/>
-              </a:schemeClr>
-            </a:solidFill>
-          </a:ln>
-        </p:spPr>
-        <p:style>
-          <a:lnRef idx="2">
-            <a:schemeClr val="accent1">
-              <a:shade val="50000"/>
-            </a:schemeClr>
-          </a:lnRef>
-          <a:fillRef idx="1">
-            <a:schemeClr val="accent1"/>
-          </a:fillRef>
-          <a:effectRef idx="0">
-            <a:schemeClr val="accent1"/>
-          </a:effectRef>
-          <a:fontRef idx="minor">
-            <a:schemeClr val="lt1"/>
-          </a:fontRef>
-        </p:style>
-        <p:txBody>
-          <a:bodyPr rtlCol="0" anchor="ctr"/>
-          <a:lstStyle/>
-          <a:p>
-            <a:pPr algn="ctr"/>
-            <a:r>
-              <a:rPr lang="en-US" altLang="zh-TW" dirty="0">
-                <a:solidFill>
-                  <a:schemeClr val="tx1"/>
-                </a:solidFill>
-              </a:rPr>
-              <a:t>Measurement Data Get</a:t>
-            </a:r>
-            <a:endParaRPr lang="zh-TW" altLang="en-US" dirty="0">
-              <a:solidFill>
-                <a:schemeClr val="tx1"/>
-              </a:solidFill>
-            </a:endParaRPr>
-          </a:p>
-        </p:txBody>
-      </p:sp>
-      <p:sp>
-        <p:nvSpPr>
-          <p:cNvPr id="67" name="文字方塊 66">
-            <a:extLst>
-              <a:ext uri="{FF2B5EF4-FFF2-40B4-BE49-F238E27FC236}">
-                <a16:creationId xmlns:a16="http://schemas.microsoft.com/office/drawing/2014/main" id="{E5EEA9D4-2A19-421D-9BBC-94777EA6017E}"/>
-              </a:ext>
-            </a:extLst>
-          </p:cNvPr>
-          <p:cNvSpPr txBox="1"/>
-          <p:nvPr/>
-        </p:nvSpPr>
-        <p:spPr>
-          <a:xfrm>
-            <a:off x="8975559" y="5769115"/>
-            <a:ext cx="2095041" cy="646331"/>
-          </a:xfrm>
-          <a:prstGeom prst="rect">
-            <a:avLst/>
-          </a:prstGeom>
-          <a:noFill/>
-        </p:spPr>
-        <p:txBody>
-          <a:bodyPr wrap="square">
-            <a:spAutoFit/>
-          </a:bodyPr>
-          <a:lstStyle/>
-          <a:p>
-            <a:r>
-              <a:rPr lang="en-US" altLang="zh-TW" dirty="0" err="1">
-                <a:solidFill>
-                  <a:schemeClr val="accent1"/>
-                </a:solidFill>
-              </a:rPr>
-              <a:t>Ble</a:t>
-            </a:r>
-            <a:r>
-              <a:rPr lang="en-US" altLang="zh-TW" dirty="0">
-                <a:solidFill>
-                  <a:schemeClr val="accent1"/>
-                </a:solidFill>
-              </a:rPr>
-              <a:t> Pass Measurement Data</a:t>
-            </a:r>
-            <a:endParaRPr lang="zh-TW" altLang="en-US" dirty="0"/>
-          </a:p>
-        </p:txBody>
-      </p:sp>
-      <p:sp>
-        <p:nvSpPr>
-          <p:cNvPr id="68" name="雲朵形 67">
-            <a:extLst>
-              <a:ext uri="{FF2B5EF4-FFF2-40B4-BE49-F238E27FC236}">
-                <a16:creationId xmlns:a16="http://schemas.microsoft.com/office/drawing/2014/main" id="{27A0946F-6339-45E9-A0BD-2C5153771188}"/>
-              </a:ext>
-            </a:extLst>
-          </p:cNvPr>
-          <p:cNvSpPr/>
-          <p:nvPr/>
-        </p:nvSpPr>
-        <p:spPr>
-          <a:xfrm>
-            <a:off x="9357644" y="586693"/>
-            <a:ext cx="2017185" cy="1016789"/>
-          </a:xfrm>
-          <a:prstGeom prst="cloud">
-            <a:avLst/>
-          </a:prstGeom>
-          <a:noFill/>
-          <a:ln>
-            <a:solidFill>
-              <a:srgbClr val="00B0F0"/>
-            </a:solidFill>
-          </a:ln>
-        </p:spPr>
-        <p:style>
-          <a:lnRef idx="2">
-            <a:schemeClr val="accent1">
-              <a:shade val="50000"/>
-            </a:schemeClr>
-          </a:lnRef>
-          <a:fillRef idx="1">
-            <a:schemeClr val="accent1"/>
-          </a:fillRef>
-          <a:effectRef idx="0">
-            <a:schemeClr val="accent1"/>
-          </a:effectRef>
-          <a:fontRef idx="minor">
-            <a:schemeClr val="lt1"/>
-          </a:fontRef>
-        </p:style>
-        <p:txBody>
-          <a:bodyPr rtlCol="0" anchor="ctr"/>
-          <a:lstStyle/>
-          <a:p>
-            <a:pPr algn="ctr"/>
-            <a:r>
-              <a:rPr lang="en-US" altLang="zh-TW" dirty="0">
-                <a:solidFill>
-                  <a:srgbClr val="00B0F0"/>
-                </a:solidFill>
-              </a:rPr>
-              <a:t>Cloud Server App</a:t>
-            </a:r>
-            <a:endParaRPr lang="zh-TW" altLang="en-US" dirty="0">
-              <a:solidFill>
-                <a:srgbClr val="00B0F0"/>
-              </a:solidFill>
-            </a:endParaRPr>
-          </a:p>
-        </p:txBody>
-      </p:sp>
-      <p:sp>
-        <p:nvSpPr>
-          <p:cNvPr id="70" name="矩形: 圓角 69">
-            <a:extLst>
-              <a:ext uri="{FF2B5EF4-FFF2-40B4-BE49-F238E27FC236}">
-                <a16:creationId xmlns:a16="http://schemas.microsoft.com/office/drawing/2014/main" id="{3F83DA63-AC4D-4341-B5F2-836ACF5328D0}"/>
-              </a:ext>
-            </a:extLst>
-          </p:cNvPr>
-          <p:cNvSpPr/>
-          <p:nvPr/>
-        </p:nvSpPr>
-        <p:spPr>
-          <a:xfrm>
-            <a:off x="8975559" y="1830332"/>
-            <a:ext cx="2095040" cy="458567"/>
-          </a:xfrm>
-          <a:prstGeom prst="roundRect">
-            <a:avLst/>
-          </a:prstGeom>
-          <a:noFill/>
-          <a:ln>
-            <a:solidFill>
-              <a:schemeClr val="tx1">
-                <a:lumMod val="75000"/>
-                <a:lumOff val="25000"/>
-              </a:schemeClr>
-            </a:solidFill>
-          </a:ln>
-        </p:spPr>
-        <p:style>
-          <a:lnRef idx="2">
-            <a:schemeClr val="accent1">
-              <a:shade val="50000"/>
-            </a:schemeClr>
-          </a:lnRef>
-          <a:fillRef idx="1">
-            <a:schemeClr val="accent1"/>
-          </a:fillRef>
-          <a:effectRef idx="0">
-            <a:schemeClr val="accent1"/>
-          </a:effectRef>
-          <a:fontRef idx="minor">
-            <a:schemeClr val="lt1"/>
-          </a:fontRef>
-        </p:style>
-        <p:txBody>
-          <a:bodyPr rtlCol="0" anchor="ctr"/>
-          <a:lstStyle/>
-          <a:p>
-            <a:pPr algn="ctr"/>
-            <a:r>
-              <a:rPr lang="en-US" altLang="zh-TW" dirty="0">
-                <a:solidFill>
-                  <a:schemeClr val="tx1"/>
-                </a:solidFill>
-              </a:rPr>
-              <a:t>Pass Server Event</a:t>
-            </a:r>
-            <a:endParaRPr lang="zh-TW" altLang="en-US" dirty="0">
-              <a:solidFill>
-                <a:schemeClr val="tx1"/>
-              </a:solidFill>
-            </a:endParaRPr>
-          </a:p>
-        </p:txBody>
-      </p:sp>
-      <p:cxnSp>
-        <p:nvCxnSpPr>
-          <p:cNvPr id="71" name="直線單箭頭接點 70">
-            <a:extLst>
-              <a:ext uri="{FF2B5EF4-FFF2-40B4-BE49-F238E27FC236}">
-                <a16:creationId xmlns:a16="http://schemas.microsoft.com/office/drawing/2014/main" id="{5246AF2F-9E15-4EF2-839D-C62EE297C7CC}"/>
-              </a:ext>
-            </a:extLst>
-          </p:cNvPr>
-          <p:cNvCxnSpPr>
-            <a:cxnSpLocks/>
-            <a:stCxn id="65" idx="0"/>
-            <a:endCxn id="70" idx="2"/>
-          </p:cNvCxnSpPr>
-          <p:nvPr/>
-        </p:nvCxnSpPr>
-        <p:spPr>
-          <a:xfrm flipV="1">
-            <a:off x="10023079" y="2288899"/>
-            <a:ext cx="0" cy="1417791"/>
-          </a:xfrm>
-          <a:prstGeom prst="straightConnector1">
-            <a:avLst/>
-          </a:prstGeom>
-          <a:ln w="19050">
-            <a:solidFill>
-              <a:srgbClr val="FF0000"/>
-            </a:solidFill>
-            <a:prstDash val="sysDash"/>
-            <a:tailEnd type="triangle"/>
-          </a:ln>
-        </p:spPr>
-        <p:style>
-          <a:lnRef idx="1">
-            <a:schemeClr val="accent1"/>
-          </a:lnRef>
-          <a:fillRef idx="0">
-            <a:schemeClr val="accent1"/>
-          </a:fillRef>
-          <a:effectRef idx="0">
-            <a:schemeClr val="accent1"/>
-          </a:effectRef>
-          <a:fontRef idx="minor">
-            <a:schemeClr val="tx1"/>
-          </a:fontRef>
-        </p:style>
-      </p:cxnSp>
-      <p:cxnSp>
-        <p:nvCxnSpPr>
-          <p:cNvPr id="74" name="直線單箭頭接點 73">
-            <a:extLst>
-              <a:ext uri="{FF2B5EF4-FFF2-40B4-BE49-F238E27FC236}">
-                <a16:creationId xmlns:a16="http://schemas.microsoft.com/office/drawing/2014/main" id="{1E3969CA-13E2-4331-85C0-86801900585B}"/>
-              </a:ext>
-            </a:extLst>
-          </p:cNvPr>
-          <p:cNvCxnSpPr>
-            <a:cxnSpLocks/>
-            <a:stCxn id="70" idx="0"/>
-            <a:endCxn id="68" idx="1"/>
-          </p:cNvCxnSpPr>
-          <p:nvPr/>
-        </p:nvCxnSpPr>
-        <p:spPr>
-          <a:xfrm flipV="1">
-            <a:off x="10023079" y="1376633"/>
-            <a:ext cx="392" cy="453699"/>
-          </a:xfrm>
-          <a:prstGeom prst="straightConnector1">
-            <a:avLst/>
-          </a:prstGeom>
-          <a:ln w="19050">
-            <a:solidFill>
-              <a:srgbClr val="00B0F0"/>
-            </a:solidFill>
-            <a:prstDash val="sysDash"/>
-            <a:tailEnd type="triangle"/>
-          </a:ln>
-        </p:spPr>
-        <p:style>
-          <a:lnRef idx="1">
-            <a:schemeClr val="accent1"/>
-          </a:lnRef>
-          <a:fillRef idx="0">
-            <a:schemeClr val="accent1"/>
-          </a:fillRef>
-          <a:effectRef idx="0">
-            <a:schemeClr val="accent1"/>
-          </a:effectRef>
-          <a:fontRef idx="minor">
-            <a:schemeClr val="tx1"/>
-          </a:fontRef>
-        </p:style>
-      </p:cxnSp>
-      <p:sp>
-        <p:nvSpPr>
-          <p:cNvPr id="80" name="矩形: 圓角 79">
-            <a:extLst>
-              <a:ext uri="{FF2B5EF4-FFF2-40B4-BE49-F238E27FC236}">
-                <a16:creationId xmlns:a16="http://schemas.microsoft.com/office/drawing/2014/main" id="{E072A839-AD9A-41AF-AB00-F3921CBEEBFC}"/>
-              </a:ext>
-            </a:extLst>
-          </p:cNvPr>
-          <p:cNvSpPr/>
-          <p:nvPr/>
-        </p:nvSpPr>
-        <p:spPr>
-          <a:xfrm>
-            <a:off x="10168460" y="2721554"/>
-            <a:ext cx="902139" cy="635568"/>
-          </a:xfrm>
-          <a:prstGeom prst="roundRect">
-            <a:avLst/>
-          </a:prstGeom>
-          <a:noFill/>
-          <a:ln>
-            <a:solidFill>
-              <a:schemeClr val="tx1">
-                <a:lumMod val="75000"/>
-                <a:lumOff val="25000"/>
-              </a:schemeClr>
-            </a:solidFill>
-          </a:ln>
-        </p:spPr>
-        <p:style>
-          <a:lnRef idx="2">
-            <a:schemeClr val="accent1">
-              <a:shade val="50000"/>
-            </a:schemeClr>
-          </a:lnRef>
-          <a:fillRef idx="1">
-            <a:schemeClr val="accent1"/>
-          </a:fillRef>
-          <a:effectRef idx="0">
-            <a:schemeClr val="accent1"/>
-          </a:effectRef>
-          <a:fontRef idx="minor">
-            <a:schemeClr val="lt1"/>
-          </a:fontRef>
-        </p:style>
-        <p:txBody>
-          <a:bodyPr rtlCol="0" anchor="ctr"/>
-          <a:lstStyle/>
-          <a:p>
-            <a:pPr algn="ctr"/>
-            <a:r>
-              <a:rPr lang="en-US" altLang="zh-TW" dirty="0">
-                <a:solidFill>
-                  <a:schemeClr val="tx1"/>
-                </a:solidFill>
-              </a:rPr>
-              <a:t>UI</a:t>
-            </a:r>
-          </a:p>
-          <a:p>
-            <a:pPr algn="ctr"/>
-            <a:r>
-              <a:rPr lang="en-US" altLang="zh-TW" dirty="0">
-                <a:solidFill>
-                  <a:schemeClr val="tx1"/>
-                </a:solidFill>
-              </a:rPr>
-              <a:t>output</a:t>
-            </a:r>
-            <a:endParaRPr lang="zh-TW" altLang="en-US" dirty="0">
-              <a:solidFill>
-                <a:schemeClr val="tx1"/>
-              </a:solidFill>
-            </a:endParaRPr>
-          </a:p>
-        </p:txBody>
-      </p:sp>
-      <p:cxnSp>
-        <p:nvCxnSpPr>
-          <p:cNvPr id="81" name="直線單箭頭接點 80">
-            <a:extLst>
-              <a:ext uri="{FF2B5EF4-FFF2-40B4-BE49-F238E27FC236}">
-                <a16:creationId xmlns:a16="http://schemas.microsoft.com/office/drawing/2014/main" id="{E31A6EA7-BC07-45C1-BC91-86AACD3D3B6D}"/>
-              </a:ext>
-            </a:extLst>
-          </p:cNvPr>
-          <p:cNvCxnSpPr>
-            <a:cxnSpLocks/>
-            <a:endCxn id="80" idx="2"/>
-          </p:cNvCxnSpPr>
-          <p:nvPr/>
-        </p:nvCxnSpPr>
-        <p:spPr>
-          <a:xfrm flipV="1">
-            <a:off x="10619530" y="3357122"/>
-            <a:ext cx="0" cy="349568"/>
-          </a:xfrm>
-          <a:prstGeom prst="straightConnector1">
-            <a:avLst/>
-          </a:prstGeom>
-          <a:ln w="19050">
-            <a:solidFill>
-              <a:srgbClr val="FF0000"/>
-            </a:solidFill>
-            <a:prstDash val="sysDash"/>
-            <a:tailEnd type="triangle"/>
-          </a:ln>
-        </p:spPr>
-        <p:style>
-          <a:lnRef idx="1">
-            <a:schemeClr val="accent1"/>
-          </a:lnRef>
-          <a:fillRef idx="0">
-            <a:schemeClr val="accent1"/>
-          </a:fillRef>
-          <a:effectRef idx="0">
-            <a:schemeClr val="accent1"/>
-          </a:effectRef>
-          <a:fontRef idx="minor">
-            <a:schemeClr val="tx1"/>
-          </a:fontRef>
-        </p:style>
-      </p:cxnSp>
-      <p:sp>
-        <p:nvSpPr>
-          <p:cNvPr id="88" name="矩形: 摺角紙張 87">
-            <a:extLst>
-              <a:ext uri="{FF2B5EF4-FFF2-40B4-BE49-F238E27FC236}">
-                <a16:creationId xmlns:a16="http://schemas.microsoft.com/office/drawing/2014/main" id="{049C73AD-E4EF-4A3F-8E1D-8238DFBB91A6}"/>
-              </a:ext>
-            </a:extLst>
-          </p:cNvPr>
-          <p:cNvSpPr/>
-          <p:nvPr/>
-        </p:nvSpPr>
-        <p:spPr>
-          <a:xfrm rot="10800000">
-            <a:off x="11375844" y="2500697"/>
-            <a:ext cx="742275" cy="1081546"/>
-          </a:xfrm>
-          <a:prstGeom prst="foldedCorner">
-            <a:avLst>
-              <a:gd name="adj" fmla="val 25070"/>
-            </a:avLst>
-          </a:prstGeom>
-          <a:noFill/>
-          <a:ln>
-            <a:solidFill>
-              <a:schemeClr val="accent1">
-                <a:lumMod val="75000"/>
-              </a:schemeClr>
-            </a:solidFill>
-          </a:ln>
-        </p:spPr>
-        <p:style>
-          <a:lnRef idx="2">
-            <a:schemeClr val="accent1">
-              <a:shade val="50000"/>
-            </a:schemeClr>
-          </a:lnRef>
-          <a:fillRef idx="1">
-            <a:schemeClr val="accent1"/>
-          </a:fillRef>
-          <a:effectRef idx="0">
-            <a:schemeClr val="accent1"/>
-          </a:effectRef>
-          <a:fontRef idx="minor">
-            <a:schemeClr val="lt1"/>
-          </a:fontRef>
-        </p:style>
-        <p:txBody>
-          <a:bodyPr rtlCol="0" anchor="ctr"/>
-          <a:lstStyle/>
-          <a:p>
-            <a:pPr algn="ctr"/>
-            <a:endParaRPr lang="zh-TW" altLang="en-US" dirty="0">
-              <a:solidFill>
-                <a:srgbClr val="00B0F0"/>
-              </a:solidFill>
-            </a:endParaRPr>
-          </a:p>
-        </p:txBody>
-      </p:sp>
-      <p:cxnSp>
-        <p:nvCxnSpPr>
-          <p:cNvPr id="89" name="直線單箭頭接點 88">
-            <a:extLst>
-              <a:ext uri="{FF2B5EF4-FFF2-40B4-BE49-F238E27FC236}">
-                <a16:creationId xmlns:a16="http://schemas.microsoft.com/office/drawing/2014/main" id="{91830442-864D-4267-92D9-725698275EE7}"/>
-              </a:ext>
-            </a:extLst>
-          </p:cNvPr>
-          <p:cNvCxnSpPr>
-            <a:cxnSpLocks/>
-            <a:stCxn id="80" idx="3"/>
-            <a:endCxn id="88" idx="3"/>
-          </p:cNvCxnSpPr>
-          <p:nvPr/>
-        </p:nvCxnSpPr>
-        <p:spPr>
-          <a:xfrm>
-            <a:off x="11070599" y="3039338"/>
-            <a:ext cx="305245" cy="2132"/>
-          </a:xfrm>
-          <a:prstGeom prst="straightConnector1">
-            <a:avLst/>
-          </a:prstGeom>
-          <a:ln w="19050">
-            <a:solidFill>
-              <a:schemeClr val="accent1">
-                <a:lumMod val="75000"/>
-              </a:schemeClr>
-            </a:solidFill>
-            <a:prstDash val="sysDash"/>
-            <a:tailEnd type="triangle"/>
-          </a:ln>
-        </p:spPr>
-        <p:style>
-          <a:lnRef idx="1">
-            <a:schemeClr val="accent1"/>
-          </a:lnRef>
-          <a:fillRef idx="0">
-            <a:schemeClr val="accent1"/>
-          </a:fillRef>
-          <a:effectRef idx="0">
-            <a:schemeClr val="accent1"/>
-          </a:effectRef>
-          <a:fontRef idx="minor">
-            <a:schemeClr val="tx1"/>
-          </a:fontRef>
-        </p:style>
-      </p:cxnSp>
-      <p:sp>
-        <p:nvSpPr>
-          <p:cNvPr id="96" name="文字方塊 95">
-            <a:extLst>
-              <a:ext uri="{FF2B5EF4-FFF2-40B4-BE49-F238E27FC236}">
-                <a16:creationId xmlns:a16="http://schemas.microsoft.com/office/drawing/2014/main" id="{ED02D2D7-1194-466E-9032-28B547A2C938}"/>
-              </a:ext>
-            </a:extLst>
-          </p:cNvPr>
-          <p:cNvSpPr txBox="1"/>
-          <p:nvPr/>
-        </p:nvSpPr>
-        <p:spPr>
-          <a:xfrm>
-            <a:off x="11374829" y="2631837"/>
-            <a:ext cx="800215" cy="923330"/>
+            <a:off x="9494690" y="-11052"/>
+            <a:ext cx="3022568" cy="369332"/>
           </a:xfrm>
           <a:prstGeom prst="rect">
             <a:avLst/>
@@ -7699,649 +6444,8 @@
           <a:lstStyle/>
           <a:p>
             <a:r>
-              <a:rPr lang="en-US" altLang="zh-TW" dirty="0">
-                <a:solidFill>
-                  <a:schemeClr val="accent1">
-                    <a:lumMod val="75000"/>
-                  </a:schemeClr>
-                </a:solidFill>
-              </a:rPr>
-              <a:t>*.csv</a:t>
-            </a:r>
-          </a:p>
-          <a:p>
-            <a:r>
-              <a:rPr lang="en-US" altLang="zh-TW" dirty="0">
-                <a:solidFill>
-                  <a:schemeClr val="accent1">
-                    <a:lumMod val="75000"/>
-                  </a:schemeClr>
-                </a:solidFill>
-              </a:rPr>
-              <a:t>*.pdf</a:t>
-            </a:r>
-          </a:p>
-          <a:p>
-            <a:r>
-              <a:rPr lang="en-US" altLang="zh-TW" dirty="0">
-                <a:solidFill>
-                  <a:schemeClr val="accent1">
-                    <a:lumMod val="75000"/>
-                  </a:schemeClr>
-                </a:solidFill>
-              </a:rPr>
-              <a:t>*.jpg</a:t>
-            </a:r>
-            <a:endParaRPr lang="zh-TW" altLang="en-US" dirty="0">
-              <a:solidFill>
-                <a:schemeClr val="accent1">
-                  <a:lumMod val="75000"/>
-                </a:schemeClr>
-              </a:solidFill>
-            </a:endParaRPr>
-          </a:p>
-        </p:txBody>
-      </p:sp>
-      <p:pic>
-        <p:nvPicPr>
-          <p:cNvPr id="4" name="圖片 3">
-            <a:extLst>
-              <a:ext uri="{FF2B5EF4-FFF2-40B4-BE49-F238E27FC236}">
-                <a16:creationId xmlns:a16="http://schemas.microsoft.com/office/drawing/2014/main" id="{4B6E04D9-6017-46F7-8E39-AB7E473A5C22}"/>
-              </a:ext>
-            </a:extLst>
-          </p:cNvPr>
-          <p:cNvPicPr>
-            <a:picLocks noChangeAspect="1"/>
-          </p:cNvPicPr>
-          <p:nvPr/>
-        </p:nvPicPr>
-        <p:blipFill>
-          <a:blip r:embed="rId2" cstate="hqprint">
-            <a:extLst>
-              <a:ext uri="{28A0092B-C50C-407E-A947-70E740481C1C}">
-                <a14:useLocalDpi xmlns:a14="http://schemas.microsoft.com/office/drawing/2010/main" val="0"/>
-              </a:ext>
-            </a:extLst>
-          </a:blip>
-          <a:stretch>
-            <a:fillRect/>
-          </a:stretch>
-        </p:blipFill>
-        <p:spPr>
-          <a:xfrm>
-            <a:off x="1154974" y="922867"/>
-            <a:ext cx="2532098" cy="5626885"/>
-          </a:xfrm>
-          <a:prstGeom prst="rect">
-            <a:avLst/>
-          </a:prstGeom>
-        </p:spPr>
-      </p:pic>
-      <p:sp>
-        <p:nvSpPr>
-          <p:cNvPr id="36" name="文字方塊 35">
-            <a:extLst>
-              <a:ext uri="{FF2B5EF4-FFF2-40B4-BE49-F238E27FC236}">
-                <a16:creationId xmlns:a16="http://schemas.microsoft.com/office/drawing/2014/main" id="{257F27CD-1695-40A9-862E-7292F9AA0EEC}"/>
-              </a:ext>
-            </a:extLst>
-          </p:cNvPr>
-          <p:cNvSpPr txBox="1"/>
-          <p:nvPr/>
-        </p:nvSpPr>
-        <p:spPr>
-          <a:xfrm>
-            <a:off x="1142787" y="1476402"/>
-            <a:ext cx="844550" cy="369332"/>
-          </a:xfrm>
-          <a:prstGeom prst="rect">
-            <a:avLst/>
-          </a:prstGeom>
-          <a:noFill/>
-        </p:spPr>
-        <p:txBody>
-          <a:bodyPr wrap="square">
-            <a:spAutoFit/>
-          </a:bodyPr>
-          <a:lstStyle/>
-          <a:p>
-            <a:pPr algn="ctr"/>
-            <a:r>
-              <a:rPr lang="en-US" altLang="zh-TW" dirty="0">
-                <a:solidFill>
-                  <a:srgbClr val="FF0000"/>
-                </a:solidFill>
-              </a:rPr>
-              <a:t>App1</a:t>
-            </a:r>
-            <a:endParaRPr lang="zh-TW" altLang="en-US" dirty="0">
-              <a:solidFill>
-                <a:srgbClr val="FF0000"/>
-              </a:solidFill>
-            </a:endParaRPr>
-          </a:p>
-        </p:txBody>
-      </p:sp>
-      <p:sp>
-        <p:nvSpPr>
-          <p:cNvPr id="38" name="文字方塊 37">
-            <a:extLst>
-              <a:ext uri="{FF2B5EF4-FFF2-40B4-BE49-F238E27FC236}">
-                <a16:creationId xmlns:a16="http://schemas.microsoft.com/office/drawing/2014/main" id="{22ECA52D-C1D8-47F5-9414-5955716D7E59}"/>
-              </a:ext>
-            </a:extLst>
-          </p:cNvPr>
-          <p:cNvSpPr txBox="1"/>
-          <p:nvPr/>
-        </p:nvSpPr>
-        <p:spPr>
-          <a:xfrm>
-            <a:off x="2893509" y="1476402"/>
-            <a:ext cx="751417" cy="369332"/>
-          </a:xfrm>
-          <a:prstGeom prst="rect">
-            <a:avLst/>
-          </a:prstGeom>
-          <a:noFill/>
-        </p:spPr>
-        <p:txBody>
-          <a:bodyPr wrap="square">
-            <a:spAutoFit/>
-          </a:bodyPr>
-          <a:lstStyle/>
-          <a:p>
-            <a:pPr algn="ctr"/>
-            <a:r>
-              <a:rPr lang="en-US" altLang="zh-TW" dirty="0">
-                <a:solidFill>
-                  <a:schemeClr val="accent1"/>
-                </a:solidFill>
-              </a:rPr>
-              <a:t>App2</a:t>
-            </a:r>
-            <a:endParaRPr lang="zh-TW" altLang="en-US" dirty="0">
-              <a:solidFill>
-                <a:schemeClr val="accent1"/>
-              </a:solidFill>
-            </a:endParaRPr>
-          </a:p>
-        </p:txBody>
-      </p:sp>
-      <p:sp>
-        <p:nvSpPr>
-          <p:cNvPr id="39" name="矩形: 圓角 38">
-            <a:extLst>
-              <a:ext uri="{FF2B5EF4-FFF2-40B4-BE49-F238E27FC236}">
-                <a16:creationId xmlns:a16="http://schemas.microsoft.com/office/drawing/2014/main" id="{B71B5CA5-A95D-47C7-9429-84A706FC73B0}"/>
-              </a:ext>
-            </a:extLst>
-          </p:cNvPr>
-          <p:cNvSpPr/>
-          <p:nvPr/>
-        </p:nvSpPr>
-        <p:spPr>
-          <a:xfrm>
-            <a:off x="1174486" y="1274386"/>
-            <a:ext cx="1224190" cy="2082735"/>
-          </a:xfrm>
-          <a:prstGeom prst="roundRect">
-            <a:avLst/>
-          </a:prstGeom>
-          <a:noFill/>
-          <a:ln>
-            <a:solidFill>
-              <a:srgbClr val="FF0000"/>
-            </a:solidFill>
-          </a:ln>
-        </p:spPr>
-        <p:style>
-          <a:lnRef idx="2">
-            <a:schemeClr val="accent1">
-              <a:shade val="50000"/>
-            </a:schemeClr>
-          </a:lnRef>
-          <a:fillRef idx="1">
-            <a:schemeClr val="accent1"/>
-          </a:fillRef>
-          <a:effectRef idx="0">
-            <a:schemeClr val="accent1"/>
-          </a:effectRef>
-          <a:fontRef idx="minor">
-            <a:schemeClr val="lt1"/>
-          </a:fontRef>
-        </p:style>
-        <p:txBody>
-          <a:bodyPr rtlCol="0" anchor="ctr"/>
-          <a:lstStyle/>
-          <a:p>
-            <a:pPr algn="ctr"/>
-            <a:endParaRPr lang="zh-TW" altLang="en-US" dirty="0">
-              <a:solidFill>
-                <a:srgbClr val="FF0000"/>
-              </a:solidFill>
-            </a:endParaRPr>
-          </a:p>
-        </p:txBody>
-      </p:sp>
-      <p:sp>
-        <p:nvSpPr>
-          <p:cNvPr id="41" name="矩形: 圓角 40">
-            <a:extLst>
-              <a:ext uri="{FF2B5EF4-FFF2-40B4-BE49-F238E27FC236}">
-                <a16:creationId xmlns:a16="http://schemas.microsoft.com/office/drawing/2014/main" id="{37614059-BE27-4177-A35A-9E5F33435268}"/>
-              </a:ext>
-            </a:extLst>
-          </p:cNvPr>
-          <p:cNvSpPr/>
-          <p:nvPr/>
-        </p:nvSpPr>
-        <p:spPr>
-          <a:xfrm>
-            <a:off x="2455600" y="1274385"/>
-            <a:ext cx="1196981" cy="2082735"/>
-          </a:xfrm>
-          <a:prstGeom prst="roundRect">
-            <a:avLst/>
-          </a:prstGeom>
-          <a:noFill/>
-          <a:ln>
-            <a:solidFill>
-              <a:schemeClr val="accent1"/>
-            </a:solidFill>
-          </a:ln>
-        </p:spPr>
-        <p:style>
-          <a:lnRef idx="2">
-            <a:schemeClr val="accent1">
-              <a:shade val="50000"/>
-            </a:schemeClr>
-          </a:lnRef>
-          <a:fillRef idx="1">
-            <a:schemeClr val="accent1"/>
-          </a:fillRef>
-          <a:effectRef idx="0">
-            <a:schemeClr val="accent1"/>
-          </a:effectRef>
-          <a:fontRef idx="minor">
-            <a:schemeClr val="lt1"/>
-          </a:fontRef>
-        </p:style>
-        <p:txBody>
-          <a:bodyPr rtlCol="0" anchor="ctr"/>
-          <a:lstStyle/>
-          <a:p>
-            <a:pPr algn="ctr"/>
-            <a:endParaRPr lang="zh-TW" altLang="en-US" dirty="0">
-              <a:solidFill>
-                <a:srgbClr val="FF0000"/>
-              </a:solidFill>
-            </a:endParaRPr>
-          </a:p>
-        </p:txBody>
-      </p:sp>
-      <p:sp>
-        <p:nvSpPr>
-          <p:cNvPr id="40" name="矩形: 圓角 40">
-            <a:extLst>
-              <a:ext uri="{FF2B5EF4-FFF2-40B4-BE49-F238E27FC236}">
-                <a16:creationId xmlns:a16="http://schemas.microsoft.com/office/drawing/2014/main" id="{37614059-BE27-4177-A35A-9E5F33435268}"/>
-              </a:ext>
-            </a:extLst>
-          </p:cNvPr>
-          <p:cNvSpPr/>
-          <p:nvPr/>
-        </p:nvSpPr>
-        <p:spPr>
-          <a:xfrm>
-            <a:off x="2526279" y="2076897"/>
-            <a:ext cx="1055621" cy="449935"/>
-          </a:xfrm>
-          <a:prstGeom prst="roundRect">
-            <a:avLst/>
-          </a:prstGeom>
-          <a:noFill/>
-          <a:ln>
-            <a:solidFill>
-              <a:schemeClr val="accent1"/>
-            </a:solidFill>
-          </a:ln>
-        </p:spPr>
-        <p:style>
-          <a:lnRef idx="2">
-            <a:schemeClr val="accent1">
-              <a:shade val="50000"/>
-            </a:schemeClr>
-          </a:lnRef>
-          <a:fillRef idx="1">
-            <a:schemeClr val="accent1"/>
-          </a:fillRef>
-          <a:effectRef idx="0">
-            <a:schemeClr val="accent1"/>
-          </a:effectRef>
-          <a:fontRef idx="minor">
-            <a:schemeClr val="lt1"/>
-          </a:fontRef>
-        </p:style>
-        <p:txBody>
-          <a:bodyPr rtlCol="0" anchor="ctr"/>
-          <a:lstStyle/>
-          <a:p>
-            <a:pPr algn="ctr"/>
-            <a:r>
-              <a:rPr lang="en-US" altLang="zh-TW" dirty="0">
-                <a:solidFill>
-                  <a:schemeClr val="accent1"/>
-                </a:solidFill>
-              </a:rPr>
-              <a:t>Activity1</a:t>
-            </a:r>
-            <a:endParaRPr lang="zh-TW" altLang="en-US" dirty="0">
-              <a:solidFill>
-                <a:schemeClr val="accent1"/>
-              </a:solidFill>
-            </a:endParaRPr>
-          </a:p>
-        </p:txBody>
-      </p:sp>
-      <p:sp>
-        <p:nvSpPr>
-          <p:cNvPr id="43" name="矩形: 圓角 40">
-            <a:extLst>
-              <a:ext uri="{FF2B5EF4-FFF2-40B4-BE49-F238E27FC236}">
-                <a16:creationId xmlns:a16="http://schemas.microsoft.com/office/drawing/2014/main" id="{37614059-BE27-4177-A35A-9E5F33435268}"/>
-              </a:ext>
-            </a:extLst>
-          </p:cNvPr>
-          <p:cNvSpPr/>
-          <p:nvPr/>
-        </p:nvSpPr>
-        <p:spPr>
-          <a:xfrm>
-            <a:off x="2527768" y="2657223"/>
-            <a:ext cx="1055621" cy="449935"/>
-          </a:xfrm>
-          <a:prstGeom prst="roundRect">
-            <a:avLst/>
-          </a:prstGeom>
-          <a:noFill/>
-          <a:ln>
-            <a:solidFill>
-              <a:schemeClr val="accent1"/>
-            </a:solidFill>
-          </a:ln>
-        </p:spPr>
-        <p:style>
-          <a:lnRef idx="2">
-            <a:schemeClr val="accent1">
-              <a:shade val="50000"/>
-            </a:schemeClr>
-          </a:lnRef>
-          <a:fillRef idx="1">
-            <a:schemeClr val="accent1"/>
-          </a:fillRef>
-          <a:effectRef idx="0">
-            <a:schemeClr val="accent1"/>
-          </a:effectRef>
-          <a:fontRef idx="minor">
-            <a:schemeClr val="lt1"/>
-          </a:fontRef>
-        </p:style>
-        <p:txBody>
-          <a:bodyPr rtlCol="0" anchor="ctr"/>
-          <a:lstStyle/>
-          <a:p>
-            <a:pPr algn="ctr"/>
-            <a:r>
-              <a:rPr lang="en-US" altLang="zh-TW" dirty="0">
-                <a:solidFill>
-                  <a:schemeClr val="accent1"/>
-                </a:solidFill>
-              </a:rPr>
-              <a:t>Activity2</a:t>
-            </a:r>
-            <a:endParaRPr lang="zh-TW" altLang="en-US" dirty="0">
-              <a:solidFill>
-                <a:schemeClr val="accent1"/>
-              </a:solidFill>
-            </a:endParaRPr>
-          </a:p>
-        </p:txBody>
-      </p:sp>
-      <p:sp>
-        <p:nvSpPr>
-          <p:cNvPr id="45" name="矩形: 圓角 40">
-            <a:extLst>
-              <a:ext uri="{FF2B5EF4-FFF2-40B4-BE49-F238E27FC236}">
-                <a16:creationId xmlns:a16="http://schemas.microsoft.com/office/drawing/2014/main" id="{37614059-BE27-4177-A35A-9E5F33435268}"/>
-              </a:ext>
-            </a:extLst>
-          </p:cNvPr>
-          <p:cNvSpPr/>
-          <p:nvPr/>
-        </p:nvSpPr>
-        <p:spPr>
-          <a:xfrm>
-            <a:off x="1261504" y="2657223"/>
-            <a:ext cx="1055621" cy="449935"/>
-          </a:xfrm>
-          <a:prstGeom prst="roundRect">
-            <a:avLst/>
-          </a:prstGeom>
-          <a:noFill/>
-          <a:ln>
-            <a:solidFill>
-              <a:srgbClr val="FF0000"/>
-            </a:solidFill>
-          </a:ln>
-        </p:spPr>
-        <p:style>
-          <a:lnRef idx="2">
-            <a:schemeClr val="accent1">
-              <a:shade val="50000"/>
-            </a:schemeClr>
-          </a:lnRef>
-          <a:fillRef idx="1">
-            <a:schemeClr val="accent1"/>
-          </a:fillRef>
-          <a:effectRef idx="0">
-            <a:schemeClr val="accent1"/>
-          </a:effectRef>
-          <a:fontRef idx="minor">
-            <a:schemeClr val="lt1"/>
-          </a:fontRef>
-        </p:style>
-        <p:txBody>
-          <a:bodyPr rtlCol="0" anchor="ctr"/>
-          <a:lstStyle/>
-          <a:p>
-            <a:pPr algn="ctr"/>
-            <a:r>
-              <a:rPr lang="en-US" altLang="zh-TW" dirty="0">
-                <a:solidFill>
-                  <a:srgbClr val="FF0000"/>
-                </a:solidFill>
-              </a:rPr>
-              <a:t>Activity2</a:t>
-            </a:r>
-            <a:endParaRPr lang="zh-TW" altLang="en-US" dirty="0">
-              <a:solidFill>
-                <a:srgbClr val="FF0000"/>
-              </a:solidFill>
-            </a:endParaRPr>
-          </a:p>
-        </p:txBody>
-      </p:sp>
-      <p:sp>
-        <p:nvSpPr>
-          <p:cNvPr id="47" name="矩形: 圓角 40">
-            <a:extLst>
-              <a:ext uri="{FF2B5EF4-FFF2-40B4-BE49-F238E27FC236}">
-                <a16:creationId xmlns:a16="http://schemas.microsoft.com/office/drawing/2014/main" id="{37614059-BE27-4177-A35A-9E5F33435268}"/>
-              </a:ext>
-            </a:extLst>
-          </p:cNvPr>
-          <p:cNvSpPr/>
-          <p:nvPr/>
-        </p:nvSpPr>
-        <p:spPr>
-          <a:xfrm>
-            <a:off x="1278568" y="2050761"/>
-            <a:ext cx="1055621" cy="449935"/>
-          </a:xfrm>
-          <a:prstGeom prst="roundRect">
-            <a:avLst/>
-          </a:prstGeom>
-          <a:noFill/>
-          <a:ln>
-            <a:solidFill>
-              <a:srgbClr val="FF0000"/>
-            </a:solidFill>
-          </a:ln>
-        </p:spPr>
-        <p:style>
-          <a:lnRef idx="2">
-            <a:schemeClr val="accent1">
-              <a:shade val="50000"/>
-            </a:schemeClr>
-          </a:lnRef>
-          <a:fillRef idx="1">
-            <a:schemeClr val="accent1"/>
-          </a:fillRef>
-          <a:effectRef idx="0">
-            <a:schemeClr val="accent1"/>
-          </a:effectRef>
-          <a:fontRef idx="minor">
-            <a:schemeClr val="lt1"/>
-          </a:fontRef>
-        </p:style>
-        <p:txBody>
-          <a:bodyPr rtlCol="0" anchor="ctr"/>
-          <a:lstStyle/>
-          <a:p>
-            <a:pPr algn="ctr"/>
-            <a:r>
-              <a:rPr lang="en-US" altLang="zh-TW" dirty="0">
-                <a:solidFill>
-                  <a:srgbClr val="FF0000"/>
-                </a:solidFill>
-              </a:rPr>
-              <a:t>Activity1</a:t>
-            </a:r>
-            <a:endParaRPr lang="zh-TW" altLang="en-US" dirty="0">
-              <a:solidFill>
-                <a:srgbClr val="FF0000"/>
-              </a:solidFill>
-            </a:endParaRPr>
-          </a:p>
-        </p:txBody>
-      </p:sp>
-      <p:sp>
-        <p:nvSpPr>
-          <p:cNvPr id="3" name="向下箭號 2"/>
-          <p:cNvSpPr/>
-          <p:nvPr/>
-        </p:nvSpPr>
-        <p:spPr>
-          <a:xfrm rot="18759912">
-            <a:off x="2292222" y="2258048"/>
-            <a:ext cx="318718" cy="646928"/>
-          </a:xfrm>
-          <a:prstGeom prst="downArrow">
-            <a:avLst/>
-          </a:prstGeom>
-          <a:solidFill>
-            <a:srgbClr val="FFC000"/>
-          </a:solidFill>
-        </p:spPr>
-        <p:style>
-          <a:lnRef idx="2">
-            <a:schemeClr val="accent1">
-              <a:shade val="50000"/>
-            </a:schemeClr>
-          </a:lnRef>
-          <a:fillRef idx="1">
-            <a:schemeClr val="accent1"/>
-          </a:fillRef>
-          <a:effectRef idx="0">
-            <a:schemeClr val="accent1"/>
-          </a:effectRef>
-          <a:fontRef idx="minor">
-            <a:schemeClr val="lt1"/>
-          </a:fontRef>
-        </p:style>
-        <p:txBody>
-          <a:bodyPr rtlCol="0" anchor="ctr"/>
-          <a:lstStyle/>
-          <a:p>
-            <a:pPr algn="ctr"/>
-            <a:endParaRPr lang="zh-TW" altLang="en-US" dirty="0"/>
-          </a:p>
-        </p:txBody>
-      </p:sp>
-      <p:sp>
-        <p:nvSpPr>
-          <p:cNvPr id="5" name="文字方塊 4"/>
-          <p:cNvSpPr txBox="1"/>
-          <p:nvPr/>
-        </p:nvSpPr>
-        <p:spPr>
-          <a:xfrm rot="2741817">
-            <a:off x="2167458" y="2429033"/>
-            <a:ext cx="526228" cy="276999"/>
-          </a:xfrm>
-          <a:prstGeom prst="rect">
-            <a:avLst/>
-          </a:prstGeom>
-          <a:noFill/>
-        </p:spPr>
-        <p:txBody>
-          <a:bodyPr wrap="square" rtlCol="0">
-            <a:spAutoFit/>
-          </a:bodyPr>
-          <a:lstStyle/>
-          <a:p>
-            <a:r>
-              <a:rPr lang="en-US" altLang="zh-TW" sz="1200" dirty="0">
-                <a:solidFill>
-                  <a:srgbClr val="FF0000"/>
-                </a:solidFill>
-              </a:rPr>
-              <a:t>call</a:t>
-            </a:r>
-            <a:endParaRPr lang="zh-TW" altLang="en-US" sz="1200" dirty="0">
-              <a:solidFill>
-                <a:srgbClr val="FF0000"/>
-              </a:solidFill>
-            </a:endParaRPr>
-          </a:p>
-        </p:txBody>
-      </p:sp>
-      <p:sp>
-        <p:nvSpPr>
-          <p:cNvPr id="48" name="文字方塊 47"/>
-          <p:cNvSpPr txBox="1"/>
-          <p:nvPr/>
-        </p:nvSpPr>
-        <p:spPr>
-          <a:xfrm>
-            <a:off x="10308723" y="32012"/>
-            <a:ext cx="2132212" cy="369332"/>
-          </a:xfrm>
-          <a:prstGeom prst="rect">
-            <a:avLst/>
-          </a:prstGeom>
-          <a:noFill/>
-        </p:spPr>
-        <p:txBody>
-          <a:bodyPr wrap="square" rtlCol="0">
-            <a:spAutoFit/>
-          </a:bodyPr>
-          <a:lstStyle/>
-          <a:p>
-            <a:r>
               <a:rPr lang="en-US" altLang="zh-TW" dirty="0"/>
-              <a:t>Reference from AI</a:t>
+              <a:t>Reference from TANITA API</a:t>
             </a:r>
             <a:endParaRPr lang="zh-TW" altLang="en-US" dirty="0"/>
           </a:p>
@@ -8350,7 +6454,7 @@
     </p:spTree>
     <p:extLst>
       <p:ext uri="{BB962C8B-B14F-4D97-AF65-F5344CB8AC3E}">
-        <p14:creationId xmlns:p14="http://schemas.microsoft.com/office/powerpoint/2010/main" val="3098266929"/>
+        <p14:creationId xmlns:p14="http://schemas.microsoft.com/office/powerpoint/2010/main" val="1764844527"/>
       </p:ext>
     </p:extLst>
   </p:cSld>
@@ -8413,136 +6517,33 @@
           </a:p>
         </p:txBody>
       </p:sp>
-      <p:pic>
-        <p:nvPicPr>
-          <p:cNvPr id="7" name="圖片 6">
-            <a:extLst>
-              <a:ext uri="{FF2B5EF4-FFF2-40B4-BE49-F238E27FC236}">
-                <a16:creationId xmlns:a16="http://schemas.microsoft.com/office/drawing/2014/main" id="{97E50E55-BE5E-4628-91BB-D29C82BE6AC7}"/>
-              </a:ext>
-            </a:extLst>
-          </p:cNvPr>
-          <p:cNvPicPr>
-            <a:picLocks noChangeAspect="1"/>
-          </p:cNvPicPr>
-          <p:nvPr/>
-        </p:nvPicPr>
-        <p:blipFill>
-          <a:blip r:embed="rId2"/>
-          <a:stretch>
-            <a:fillRect/>
-          </a:stretch>
-        </p:blipFill>
-        <p:spPr>
-          <a:xfrm>
-            <a:off x="136351" y="1383365"/>
-            <a:ext cx="7247862" cy="5336610"/>
-          </a:xfrm>
-          <a:prstGeom prst="rect">
-            <a:avLst/>
-          </a:prstGeom>
-        </p:spPr>
-      </p:pic>
-      <p:sp>
-        <p:nvSpPr>
-          <p:cNvPr id="46" name="文字方塊 45">
-            <a:extLst>
-              <a:ext uri="{FF2B5EF4-FFF2-40B4-BE49-F238E27FC236}">
-                <a16:creationId xmlns:a16="http://schemas.microsoft.com/office/drawing/2014/main" id="{54E4FD1B-3D7F-433F-95D7-8607446F96EB}"/>
-              </a:ext>
-            </a:extLst>
-          </p:cNvPr>
-          <p:cNvSpPr txBox="1"/>
-          <p:nvPr/>
-        </p:nvSpPr>
-        <p:spPr>
-          <a:xfrm>
-            <a:off x="136351" y="888625"/>
-            <a:ext cx="6219644" cy="369332"/>
-          </a:xfrm>
-          <a:prstGeom prst="rect">
+      <p:sp>
+        <p:nvSpPr>
+          <p:cNvPr id="14" name="矩形: 圓角 13">
+            <a:extLst>
+              <a:ext uri="{FF2B5EF4-FFF2-40B4-BE49-F238E27FC236}">
+                <a16:creationId xmlns:a16="http://schemas.microsoft.com/office/drawing/2014/main" id="{5E9E59B9-3319-40D2-9AB8-EBF3A9260D42}"/>
+              </a:ext>
+            </a:extLst>
+          </p:cNvPr>
+          <p:cNvSpPr/>
+          <p:nvPr/>
+        </p:nvSpPr>
+        <p:spPr>
+          <a:xfrm>
+            <a:off x="5264277" y="1829447"/>
+            <a:ext cx="1365116" cy="472418"/>
+          </a:xfrm>
+          <a:prstGeom prst="roundRect">
             <a:avLst/>
           </a:prstGeom>
           <a:noFill/>
-        </p:spPr>
-        <p:txBody>
-          <a:bodyPr wrap="square">
-            <a:spAutoFit/>
-          </a:bodyPr>
-          <a:lstStyle/>
-          <a:p>
-            <a:r>
-              <a:rPr lang="en-US" altLang="zh-TW" dirty="0"/>
-              <a:t>App1:Activity1 Button Event change call Object.</a:t>
-            </a:r>
-            <a:endParaRPr lang="zh-TW" altLang="en-US" dirty="0"/>
-          </a:p>
-        </p:txBody>
-      </p:sp>
-      <p:sp>
-        <p:nvSpPr>
-          <p:cNvPr id="9" name="文字方塊 8">
-            <a:extLst>
-              <a:ext uri="{FF2B5EF4-FFF2-40B4-BE49-F238E27FC236}">
-                <a16:creationId xmlns:a16="http://schemas.microsoft.com/office/drawing/2014/main" id="{8778D78B-845D-4C79-95F9-E7364A9C790F}"/>
-              </a:ext>
-            </a:extLst>
-          </p:cNvPr>
-          <p:cNvSpPr txBox="1"/>
-          <p:nvPr/>
-        </p:nvSpPr>
-        <p:spPr>
-          <a:xfrm>
-            <a:off x="1406107" y="2018581"/>
-            <a:ext cx="5745191" cy="646331"/>
-          </a:xfrm>
-          <a:prstGeom prst="rect">
-            <a:avLst/>
-          </a:prstGeom>
-          <a:noFill/>
-          <a:ln w="28575">
+          <a:ln>
             <a:solidFill>
-              <a:srgbClr val="FFC000"/>
-            </a:solidFill>
-          </a:ln>
-        </p:spPr>
-        <p:txBody>
-          <a:bodyPr wrap="square" rtlCol="0">
-            <a:spAutoFit/>
-          </a:bodyPr>
-          <a:lstStyle/>
-          <a:p>
-            <a:endParaRPr lang="en-US" altLang="zh-TW" dirty="0"/>
-          </a:p>
-          <a:p>
-            <a:endParaRPr lang="en-US" altLang="zh-TW" dirty="0"/>
-          </a:p>
-        </p:txBody>
-      </p:sp>
-      <p:sp>
-        <p:nvSpPr>
-          <p:cNvPr id="10" name="矩形 9">
-            <a:extLst>
-              <a:ext uri="{FF2B5EF4-FFF2-40B4-BE49-F238E27FC236}">
-                <a16:creationId xmlns:a16="http://schemas.microsoft.com/office/drawing/2014/main" id="{BE85694E-6883-4318-B364-6716A84B2A4C}"/>
-              </a:ext>
-            </a:extLst>
-          </p:cNvPr>
-          <p:cNvSpPr/>
-          <p:nvPr/>
-        </p:nvSpPr>
-        <p:spPr>
-          <a:xfrm>
-            <a:off x="1406106" y="2915728"/>
-            <a:ext cx="5745191" cy="3148642"/>
-          </a:xfrm>
-          <a:prstGeom prst="rect">
-            <a:avLst/>
-          </a:prstGeom>
-          <a:noFill/>
-          <a:ln w="28575">
-            <a:solidFill>
-              <a:srgbClr val="00B050"/>
+              <a:schemeClr val="tx1">
+                <a:lumMod val="75000"/>
+                <a:lumOff val="25000"/>
+              </a:schemeClr>
             </a:solidFill>
           </a:ln>
         </p:spPr>
@@ -8567,16 +6568,75 @@
           <a:lstStyle/>
           <a:p>
             <a:pPr algn="ctr"/>
-            <a:endParaRPr lang="zh-TW" altLang="en-US"/>
-          </a:p>
-        </p:txBody>
-      </p:sp>
-      <p:sp>
-        <p:nvSpPr>
-          <p:cNvPr id="11" name="文字方塊 10">
-            <a:extLst>
-              <a:ext uri="{FF2B5EF4-FFF2-40B4-BE49-F238E27FC236}">
-                <a16:creationId xmlns:a16="http://schemas.microsoft.com/office/drawing/2014/main" id="{231E69F2-22CF-4244-8C61-3495DAD87A9D}"/>
+            <a:r>
+              <a:rPr lang="en-US" altLang="zh-TW" dirty="0">
+                <a:solidFill>
+                  <a:schemeClr val="tx1"/>
+                </a:solidFill>
+              </a:rPr>
+              <a:t>TempData1</a:t>
+            </a:r>
+            <a:endParaRPr lang="zh-TW" altLang="en-US" dirty="0">
+              <a:solidFill>
+                <a:schemeClr val="tx1"/>
+              </a:solidFill>
+            </a:endParaRPr>
+          </a:p>
+        </p:txBody>
+      </p:sp>
+      <p:cxnSp>
+        <p:nvCxnSpPr>
+          <p:cNvPr id="16" name="直線單箭頭接點 15">
+            <a:extLst>
+              <a:ext uri="{FF2B5EF4-FFF2-40B4-BE49-F238E27FC236}">
+                <a16:creationId xmlns:a16="http://schemas.microsoft.com/office/drawing/2014/main" id="{676044CD-868B-4822-8F99-3AC8CA36202E}"/>
+              </a:ext>
+            </a:extLst>
+          </p:cNvPr>
+          <p:cNvCxnSpPr>
+            <a:cxnSpLocks/>
+            <a:stCxn id="25" idx="2"/>
+            <a:endCxn id="14" idx="0"/>
+          </p:cNvCxnSpPr>
+          <p:nvPr/>
+        </p:nvCxnSpPr>
+        <p:spPr>
+          <a:xfrm flipH="1">
+            <a:off x="5946835" y="1219205"/>
+            <a:ext cx="1" cy="610242"/>
+          </a:xfrm>
+          <a:prstGeom prst="straightConnector1">
+            <a:avLst/>
+          </a:prstGeom>
+          <a:ln w="19050">
+            <a:solidFill>
+              <a:srgbClr val="FF0000"/>
+            </a:solidFill>
+            <a:prstDash val="sysDash"/>
+            <a:tailEnd type="triangle"/>
+          </a:ln>
+        </p:spPr>
+        <p:style>
+          <a:lnRef idx="1">
+            <a:schemeClr val="accent1"/>
+          </a:lnRef>
+          <a:fillRef idx="0">
+            <a:schemeClr val="accent1"/>
+          </a:fillRef>
+          <a:effectRef idx="0">
+            <a:schemeClr val="accent1"/>
+          </a:effectRef>
+          <a:fontRef idx="minor">
+            <a:schemeClr val="tx1"/>
+          </a:fontRef>
+        </p:style>
+      </p:cxnSp>
+      <p:sp>
+        <p:nvSpPr>
+          <p:cNvPr id="18" name="文字方塊 17">
+            <a:extLst>
+              <a:ext uri="{FF2B5EF4-FFF2-40B4-BE49-F238E27FC236}">
+                <a16:creationId xmlns:a16="http://schemas.microsoft.com/office/drawing/2014/main" id="{29F8C742-31AE-4C59-A1EB-7FBF71E91369}"/>
               </a:ext>
             </a:extLst>
           </p:cNvPr>
@@ -8585,8 +6645,8 @@
         </p:nvSpPr>
         <p:spPr>
           <a:xfrm>
-            <a:off x="7573995" y="4305383"/>
-            <a:ext cx="3786996" cy="369332"/>
+            <a:off x="5969051" y="1204862"/>
+            <a:ext cx="1071034" cy="646331"/>
           </a:xfrm>
           <a:prstGeom prst="rect">
             <a:avLst/>
@@ -8594,22 +6654,93 @@
           <a:noFill/>
         </p:spPr>
         <p:txBody>
-          <a:bodyPr wrap="square" rtlCol="0">
+          <a:bodyPr wrap="square">
             <a:spAutoFit/>
           </a:bodyPr>
           <a:lstStyle/>
           <a:p>
+            <a:pPr algn="ctr"/>
             <a:r>
               <a:rPr lang="en-US" altLang="zh-TW" dirty="0">
                 <a:solidFill>
-                  <a:srgbClr val="00B050"/>
+                  <a:srgbClr val="FF0000"/>
                 </a:solidFill>
               </a:rPr>
-              <a:t>This Code is call Activity2 of App2.</a:t>
+              <a:t>Message</a:t>
+            </a:r>
+          </a:p>
+          <a:p>
+            <a:pPr algn="ctr"/>
+            <a:r>
+              <a:rPr lang="en-US" altLang="zh-TW" dirty="0">
+                <a:solidFill>
+                  <a:srgbClr val="FF0000"/>
+                </a:solidFill>
+              </a:rPr>
+              <a:t>Intent </a:t>
+            </a:r>
+          </a:p>
+        </p:txBody>
+      </p:sp>
+      <p:sp>
+        <p:nvSpPr>
+          <p:cNvPr id="25" name="矩形: 圓角 24">
+            <a:extLst>
+              <a:ext uri="{FF2B5EF4-FFF2-40B4-BE49-F238E27FC236}">
+                <a16:creationId xmlns:a16="http://schemas.microsoft.com/office/drawing/2014/main" id="{AC3EE1C3-AF11-4B91-9DAC-81950A4A08D9}"/>
+              </a:ext>
+            </a:extLst>
+          </p:cNvPr>
+          <p:cNvSpPr/>
+          <p:nvPr/>
+        </p:nvSpPr>
+        <p:spPr>
+          <a:xfrm>
+            <a:off x="5411321" y="746787"/>
+            <a:ext cx="1071030" cy="472418"/>
+          </a:xfrm>
+          <a:prstGeom prst="roundRect">
+            <a:avLst/>
+          </a:prstGeom>
+          <a:noFill/>
+          <a:ln>
+            <a:solidFill>
+              <a:srgbClr val="FF0000"/>
+            </a:solidFill>
+          </a:ln>
+        </p:spPr>
+        <p:style>
+          <a:lnRef idx="2">
+            <a:schemeClr val="accent1">
+              <a:shade val="50000"/>
+            </a:schemeClr>
+          </a:lnRef>
+          <a:fillRef idx="1">
+            <a:schemeClr val="accent1"/>
+          </a:fillRef>
+          <a:effectRef idx="0">
+            <a:schemeClr val="accent1"/>
+          </a:effectRef>
+          <a:fontRef idx="minor">
+            <a:schemeClr val="lt1"/>
+          </a:fontRef>
+        </p:style>
+        <p:txBody>
+          <a:bodyPr rtlCol="0" anchor="ctr"/>
+          <a:lstStyle/>
+          <a:p>
+            <a:pPr algn="ctr"/>
+            <a:r>
+              <a:rPr lang="en-US" altLang="zh-TW" dirty="0">
+                <a:solidFill>
+                  <a:srgbClr val="FF0000"/>
+                </a:solidFill>
+              </a:rPr>
+              <a:t>App1</a:t>
             </a:r>
             <a:endParaRPr lang="zh-TW" altLang="en-US" dirty="0">
               <a:solidFill>
-                <a:srgbClr val="00B050"/>
+                <a:srgbClr val="FF0000"/>
               </a:solidFill>
             </a:endParaRPr>
           </a:p>
@@ -8617,10 +6748,68 @@
       </p:sp>
       <p:sp>
         <p:nvSpPr>
-          <p:cNvPr id="50" name="文字方塊 49">
-            <a:extLst>
-              <a:ext uri="{FF2B5EF4-FFF2-40B4-BE49-F238E27FC236}">
-                <a16:creationId xmlns:a16="http://schemas.microsoft.com/office/drawing/2014/main" id="{32929928-D5E9-4315-B4E9-04C4EA9C5828}"/>
+          <p:cNvPr id="30" name="矩形: 圓角 29">
+            <a:extLst>
+              <a:ext uri="{FF2B5EF4-FFF2-40B4-BE49-F238E27FC236}">
+                <a16:creationId xmlns:a16="http://schemas.microsoft.com/office/drawing/2014/main" id="{EC108A00-9CAC-4188-B428-FD6B5C33A075}"/>
+              </a:ext>
+            </a:extLst>
+          </p:cNvPr>
+          <p:cNvSpPr/>
+          <p:nvPr/>
+        </p:nvSpPr>
+        <p:spPr>
+          <a:xfrm>
+            <a:off x="5264275" y="1830813"/>
+            <a:ext cx="5806324" cy="2511445"/>
+          </a:xfrm>
+          <a:prstGeom prst="roundRect">
+            <a:avLst>
+              <a:gd name="adj" fmla="val 3581"/>
+            </a:avLst>
+          </a:prstGeom>
+          <a:noFill/>
+          <a:ln>
+            <a:solidFill>
+              <a:schemeClr val="accent1"/>
+            </a:solidFill>
+          </a:ln>
+        </p:spPr>
+        <p:style>
+          <a:lnRef idx="2">
+            <a:schemeClr val="accent1">
+              <a:shade val="50000"/>
+            </a:schemeClr>
+          </a:lnRef>
+          <a:fillRef idx="1">
+            <a:schemeClr val="accent1"/>
+          </a:fillRef>
+          <a:effectRef idx="0">
+            <a:schemeClr val="accent1"/>
+          </a:effectRef>
+          <a:fontRef idx="minor">
+            <a:schemeClr val="lt1"/>
+          </a:fontRef>
+        </p:style>
+        <p:txBody>
+          <a:bodyPr rtlCol="0" anchor="ctr"/>
+          <a:lstStyle/>
+          <a:p>
+            <a:pPr algn="ctr"/>
+            <a:endParaRPr lang="zh-TW" altLang="en-US" dirty="0">
+              <a:solidFill>
+                <a:schemeClr val="tx1"/>
+              </a:solidFill>
+            </a:endParaRPr>
+          </a:p>
+        </p:txBody>
+      </p:sp>
+      <p:sp>
+        <p:nvSpPr>
+          <p:cNvPr id="32" name="文字方塊 31">
+            <a:extLst>
+              <a:ext uri="{FF2B5EF4-FFF2-40B4-BE49-F238E27FC236}">
+                <a16:creationId xmlns:a16="http://schemas.microsoft.com/office/drawing/2014/main" id="{4BCAFF1C-D3E7-4478-9570-EF9734860943}"/>
               </a:ext>
             </a:extLst>
           </p:cNvPr>
@@ -8629,8 +6818,8 @@
         </p:nvSpPr>
         <p:spPr>
           <a:xfrm>
-            <a:off x="7573995" y="2157080"/>
-            <a:ext cx="3786996" cy="369332"/>
+            <a:off x="7763926" y="1779630"/>
+            <a:ext cx="922732" cy="369332"/>
           </a:xfrm>
           <a:prstGeom prst="rect">
             <a:avLst/>
@@ -8638,55 +6827,902 @@
           <a:noFill/>
         </p:spPr>
         <p:txBody>
-          <a:bodyPr wrap="square" rtlCol="0">
+          <a:bodyPr wrap="square">
             <a:spAutoFit/>
           </a:bodyPr>
           <a:lstStyle/>
           <a:p>
+            <a:pPr algn="ctr"/>
             <a:r>
               <a:rPr lang="en-US" altLang="zh-TW" dirty="0">
                 <a:solidFill>
-                  <a:srgbClr val="FFC000"/>
+                  <a:schemeClr val="accent1"/>
                 </a:solidFill>
               </a:rPr>
-              <a:t>This Code is call Activity2 of App1.</a:t>
+              <a:t>App2</a:t>
             </a:r>
             <a:endParaRPr lang="zh-TW" altLang="en-US" dirty="0">
               <a:solidFill>
-                <a:srgbClr val="FFC000"/>
+                <a:schemeClr val="accent1"/>
               </a:solidFill>
             </a:endParaRPr>
           </a:p>
         </p:txBody>
       </p:sp>
+      <p:sp>
+        <p:nvSpPr>
+          <p:cNvPr id="33" name="矩形: 圓角 32">
+            <a:extLst>
+              <a:ext uri="{FF2B5EF4-FFF2-40B4-BE49-F238E27FC236}">
+                <a16:creationId xmlns:a16="http://schemas.microsoft.com/office/drawing/2014/main" id="{0A1A6423-84BC-4FDB-8C59-894091C7573B}"/>
+              </a:ext>
+            </a:extLst>
+          </p:cNvPr>
+          <p:cNvSpPr/>
+          <p:nvPr/>
+        </p:nvSpPr>
+        <p:spPr>
+          <a:xfrm>
+            <a:off x="5520398" y="3869840"/>
+            <a:ext cx="1987410" cy="472418"/>
+          </a:xfrm>
+          <a:prstGeom prst="roundRect">
+            <a:avLst/>
+          </a:prstGeom>
+          <a:noFill/>
+          <a:ln>
+            <a:solidFill>
+              <a:schemeClr val="tx1">
+                <a:lumMod val="75000"/>
+                <a:lumOff val="25000"/>
+              </a:schemeClr>
+            </a:solidFill>
+          </a:ln>
+        </p:spPr>
+        <p:style>
+          <a:lnRef idx="2">
+            <a:schemeClr val="accent1">
+              <a:shade val="50000"/>
+            </a:schemeClr>
+          </a:lnRef>
+          <a:fillRef idx="1">
+            <a:schemeClr val="accent1"/>
+          </a:fillRef>
+          <a:effectRef idx="0">
+            <a:schemeClr val="accent1"/>
+          </a:effectRef>
+          <a:fontRef idx="minor">
+            <a:schemeClr val="lt1"/>
+          </a:fontRef>
+        </p:style>
+        <p:txBody>
+          <a:bodyPr rtlCol="0" anchor="ctr"/>
+          <a:lstStyle/>
+          <a:p>
+            <a:pPr algn="ctr"/>
+            <a:r>
+              <a:rPr lang="en-US" altLang="zh-TW" dirty="0">
+                <a:solidFill>
+                  <a:schemeClr val="tx1"/>
+                </a:solidFill>
+              </a:rPr>
+              <a:t>Control RD545</a:t>
+            </a:r>
+            <a:endParaRPr lang="zh-TW" altLang="en-US" dirty="0">
+              <a:solidFill>
+                <a:schemeClr val="tx1"/>
+              </a:solidFill>
+            </a:endParaRPr>
+          </a:p>
+        </p:txBody>
+      </p:sp>
+      <p:sp>
+        <p:nvSpPr>
+          <p:cNvPr id="34" name="矩形: 圓角 33">
+            <a:extLst>
+              <a:ext uri="{FF2B5EF4-FFF2-40B4-BE49-F238E27FC236}">
+                <a16:creationId xmlns:a16="http://schemas.microsoft.com/office/drawing/2014/main" id="{0A61CEE1-DB9C-464D-A434-1CA10913A515}"/>
+              </a:ext>
+            </a:extLst>
+          </p:cNvPr>
+          <p:cNvSpPr/>
+          <p:nvPr/>
+        </p:nvSpPr>
+        <p:spPr>
+          <a:xfrm>
+            <a:off x="5520391" y="5383654"/>
+            <a:ext cx="1987420" cy="472418"/>
+          </a:xfrm>
+          <a:prstGeom prst="roundRect">
+            <a:avLst/>
+          </a:prstGeom>
+          <a:noFill/>
+          <a:ln>
+            <a:solidFill>
+              <a:schemeClr val="tx1">
+                <a:lumMod val="75000"/>
+                <a:lumOff val="25000"/>
+              </a:schemeClr>
+            </a:solidFill>
+          </a:ln>
+        </p:spPr>
+        <p:style>
+          <a:lnRef idx="2">
+            <a:schemeClr val="accent1">
+              <a:shade val="50000"/>
+            </a:schemeClr>
+          </a:lnRef>
+          <a:fillRef idx="1">
+            <a:schemeClr val="accent1"/>
+          </a:fillRef>
+          <a:effectRef idx="0">
+            <a:schemeClr val="accent1"/>
+          </a:effectRef>
+          <a:fontRef idx="minor">
+            <a:schemeClr val="lt1"/>
+          </a:fontRef>
+        </p:style>
+        <p:txBody>
+          <a:bodyPr rtlCol="0" anchor="ctr"/>
+          <a:lstStyle/>
+          <a:p>
+            <a:pPr algn="ctr"/>
+            <a:r>
+              <a:rPr lang="en-US" altLang="zh-TW" dirty="0">
+                <a:solidFill>
+                  <a:schemeClr val="tx1"/>
+                </a:solidFill>
+              </a:rPr>
+              <a:t>RD545</a:t>
+            </a:r>
+            <a:r>
+              <a:rPr lang="zh-TW" altLang="en-US" dirty="0">
+                <a:solidFill>
+                  <a:schemeClr val="tx1"/>
+                </a:solidFill>
+              </a:rPr>
+              <a:t> </a:t>
+            </a:r>
+            <a:r>
+              <a:rPr lang="en-US" altLang="zh-TW" dirty="0">
+                <a:solidFill>
+                  <a:schemeClr val="tx1"/>
+                </a:solidFill>
+              </a:rPr>
+              <a:t>Device </a:t>
+            </a:r>
+            <a:endParaRPr lang="zh-TW" altLang="en-US" dirty="0">
+              <a:solidFill>
+                <a:schemeClr val="tx1"/>
+              </a:solidFill>
+            </a:endParaRPr>
+          </a:p>
+        </p:txBody>
+      </p:sp>
+      <p:sp>
+        <p:nvSpPr>
+          <p:cNvPr id="35" name="矩形: 圓角 34">
+            <a:extLst>
+              <a:ext uri="{FF2B5EF4-FFF2-40B4-BE49-F238E27FC236}">
+                <a16:creationId xmlns:a16="http://schemas.microsoft.com/office/drawing/2014/main" id="{35304806-0792-443A-A535-7EF52266BAB0}"/>
+              </a:ext>
+            </a:extLst>
+          </p:cNvPr>
+          <p:cNvSpPr/>
+          <p:nvPr/>
+        </p:nvSpPr>
+        <p:spPr>
+          <a:xfrm>
+            <a:off x="5264275" y="2311213"/>
+            <a:ext cx="2499651" cy="472418"/>
+          </a:xfrm>
+          <a:prstGeom prst="roundRect">
+            <a:avLst/>
+          </a:prstGeom>
+          <a:noFill/>
+          <a:ln>
+            <a:solidFill>
+              <a:schemeClr val="tx1">
+                <a:lumMod val="75000"/>
+                <a:lumOff val="25000"/>
+              </a:schemeClr>
+            </a:solidFill>
+          </a:ln>
+        </p:spPr>
+        <p:style>
+          <a:lnRef idx="2">
+            <a:schemeClr val="accent1">
+              <a:shade val="50000"/>
+            </a:schemeClr>
+          </a:lnRef>
+          <a:fillRef idx="1">
+            <a:schemeClr val="accent1"/>
+          </a:fillRef>
+          <a:effectRef idx="0">
+            <a:schemeClr val="accent1"/>
+          </a:effectRef>
+          <a:fontRef idx="minor">
+            <a:schemeClr val="lt1"/>
+          </a:fontRef>
+        </p:style>
+        <p:txBody>
+          <a:bodyPr rtlCol="0" anchor="ctr"/>
+          <a:lstStyle/>
+          <a:p>
+            <a:pPr algn="ctr"/>
+            <a:r>
+              <a:rPr lang="en-US" altLang="zh-TW" dirty="0" err="1">
+                <a:solidFill>
+                  <a:schemeClr val="tx1"/>
+                </a:solidFill>
+              </a:rPr>
+              <a:t>TempData</a:t>
+            </a:r>
+            <a:r>
+              <a:rPr lang="en-US" altLang="zh-TW" dirty="0">
+                <a:solidFill>
+                  <a:schemeClr val="tx1"/>
+                </a:solidFill>
+              </a:rPr>
+              <a:t> Parsing</a:t>
+            </a:r>
+            <a:endParaRPr lang="zh-TW" altLang="en-US" dirty="0">
+              <a:solidFill>
+                <a:schemeClr val="tx1"/>
+              </a:solidFill>
+            </a:endParaRPr>
+          </a:p>
+        </p:txBody>
+      </p:sp>
       <p:cxnSp>
         <p:nvCxnSpPr>
-          <p:cNvPr id="13" name="直線單箭頭接點 12">
-            <a:extLst>
-              <a:ext uri="{FF2B5EF4-FFF2-40B4-BE49-F238E27FC236}">
-                <a16:creationId xmlns:a16="http://schemas.microsoft.com/office/drawing/2014/main" id="{8B6BBC62-7A39-4B61-BB03-F41D7EDB80FB}"/>
+          <p:cNvPr id="37" name="直線單箭頭接點 36">
+            <a:extLst>
+              <a:ext uri="{FF2B5EF4-FFF2-40B4-BE49-F238E27FC236}">
+                <a16:creationId xmlns:a16="http://schemas.microsoft.com/office/drawing/2014/main" id="{AC3D3C75-DA17-42C7-919E-557A4F8136C3}"/>
               </a:ext>
             </a:extLst>
           </p:cNvPr>
           <p:cNvCxnSpPr>
             <a:cxnSpLocks/>
-            <a:stCxn id="50" idx="1"/>
-            <a:endCxn id="9" idx="3"/>
+            <a:stCxn id="35" idx="2"/>
+            <a:endCxn id="33" idx="0"/>
           </p:cNvCxnSpPr>
           <p:nvPr/>
         </p:nvCxnSpPr>
         <p:spPr>
+          <a:xfrm>
+            <a:off x="6514101" y="2783631"/>
+            <a:ext cx="2" cy="1086209"/>
+          </a:xfrm>
+          <a:prstGeom prst="straightConnector1">
+            <a:avLst/>
+          </a:prstGeom>
+          <a:ln w="19050">
+            <a:solidFill>
+              <a:srgbClr val="FF0000"/>
+            </a:solidFill>
+            <a:prstDash val="sysDash"/>
+            <a:tailEnd type="triangle"/>
+          </a:ln>
+        </p:spPr>
+        <p:style>
+          <a:lnRef idx="1">
+            <a:schemeClr val="accent1"/>
+          </a:lnRef>
+          <a:fillRef idx="0">
+            <a:schemeClr val="accent1"/>
+          </a:fillRef>
+          <a:effectRef idx="0">
+            <a:schemeClr val="accent1"/>
+          </a:effectRef>
+          <a:fontRef idx="minor">
+            <a:schemeClr val="tx1"/>
+          </a:fontRef>
+        </p:style>
+      </p:cxnSp>
+      <p:sp>
+        <p:nvSpPr>
+          <p:cNvPr id="42" name="文字方塊 41">
+            <a:extLst>
+              <a:ext uri="{FF2B5EF4-FFF2-40B4-BE49-F238E27FC236}">
+                <a16:creationId xmlns:a16="http://schemas.microsoft.com/office/drawing/2014/main" id="{280233BE-E9BB-4D25-BA3A-B1074190A1E4}"/>
+              </a:ext>
+            </a:extLst>
+          </p:cNvPr>
+          <p:cNvSpPr txBox="1"/>
+          <p:nvPr/>
+        </p:nvSpPr>
+        <p:spPr>
+          <a:xfrm>
+            <a:off x="6514100" y="2877285"/>
+            <a:ext cx="2404534" cy="923330"/>
+          </a:xfrm>
+          <a:prstGeom prst="rect">
+            <a:avLst/>
+          </a:prstGeom>
+          <a:noFill/>
+        </p:spPr>
+        <p:txBody>
+          <a:bodyPr wrap="square">
+            <a:spAutoFit/>
+          </a:bodyPr>
+          <a:lstStyle/>
+          <a:p>
+            <a:r>
+              <a:rPr lang="zh-TW" altLang="en-US" dirty="0">
+                <a:solidFill>
+                  <a:srgbClr val="FF0000"/>
+                </a:solidFill>
+              </a:rPr>
+              <a:t>TempData</a:t>
+            </a:r>
+            <a:r>
+              <a:rPr lang="en-US" altLang="zh-TW" dirty="0">
+                <a:solidFill>
+                  <a:srgbClr val="FF0000"/>
+                </a:solidFill>
+              </a:rPr>
+              <a:t>1</a:t>
+            </a:r>
+            <a:r>
+              <a:rPr lang="zh-TW" altLang="en-US" dirty="0">
+                <a:solidFill>
+                  <a:srgbClr val="FF0000"/>
+                </a:solidFill>
+              </a:rPr>
+              <a:t> is parsed into</a:t>
+            </a:r>
+            <a:r>
+              <a:rPr lang="en-US" altLang="zh-TW" dirty="0">
+                <a:solidFill>
+                  <a:srgbClr val="FF0000"/>
+                </a:solidFill>
+              </a:rPr>
+              <a:t>:</a:t>
+            </a:r>
+            <a:r>
+              <a:rPr lang="zh-TW" altLang="en-US" dirty="0">
+                <a:solidFill>
+                  <a:srgbClr val="FF0000"/>
+                </a:solidFill>
+              </a:rPr>
+              <a:t> gender, birthday, height, clothing weight</a:t>
+            </a:r>
+            <a:r>
+              <a:rPr lang="en-US" altLang="zh-TW" dirty="0">
+                <a:solidFill>
+                  <a:srgbClr val="FF0000"/>
+                </a:solidFill>
+              </a:rPr>
+              <a:t>.</a:t>
+            </a:r>
+            <a:endParaRPr lang="zh-TW" altLang="en-US" dirty="0">
+              <a:solidFill>
+                <a:srgbClr val="FF0000"/>
+              </a:solidFill>
+            </a:endParaRPr>
+          </a:p>
+        </p:txBody>
+      </p:sp>
+      <p:cxnSp>
+        <p:nvCxnSpPr>
+          <p:cNvPr id="44" name="直線單箭頭接點 43">
+            <a:extLst>
+              <a:ext uri="{FF2B5EF4-FFF2-40B4-BE49-F238E27FC236}">
+                <a16:creationId xmlns:a16="http://schemas.microsoft.com/office/drawing/2014/main" id="{8CCB0611-BBE7-4FFA-A1FC-50016CE4441B}"/>
+              </a:ext>
+            </a:extLst>
+          </p:cNvPr>
+          <p:cNvCxnSpPr>
+            <a:cxnSpLocks/>
+            <a:stCxn id="33" idx="2"/>
+            <a:endCxn id="34" idx="0"/>
+          </p:cNvCxnSpPr>
+          <p:nvPr/>
+        </p:nvCxnSpPr>
+        <p:spPr>
           <a:xfrm flipH="1">
-            <a:off x="7151298" y="2341746"/>
-            <a:ext cx="422697" cy="1"/>
+            <a:off x="6514101" y="4342258"/>
+            <a:ext cx="2" cy="1041396"/>
           </a:xfrm>
           <a:prstGeom prst="straightConnector1">
             <a:avLst/>
           </a:prstGeom>
-          <a:ln w="38100">
+          <a:ln w="19050">
             <a:solidFill>
-              <a:srgbClr val="FFC000"/>
+              <a:schemeClr val="accent1"/>
             </a:solidFill>
+            <a:prstDash val="sysDash"/>
+            <a:tailEnd type="triangle"/>
+          </a:ln>
+        </p:spPr>
+        <p:style>
+          <a:lnRef idx="1">
+            <a:schemeClr val="accent1"/>
+          </a:lnRef>
+          <a:fillRef idx="0">
+            <a:schemeClr val="accent1"/>
+          </a:fillRef>
+          <a:effectRef idx="0">
+            <a:schemeClr val="accent1"/>
+          </a:effectRef>
+          <a:fontRef idx="minor">
+            <a:schemeClr val="tx1"/>
+          </a:fontRef>
+        </p:style>
+      </p:cxnSp>
+      <p:sp>
+        <p:nvSpPr>
+          <p:cNvPr id="49" name="文字方塊 48">
+            <a:extLst>
+              <a:ext uri="{FF2B5EF4-FFF2-40B4-BE49-F238E27FC236}">
+                <a16:creationId xmlns:a16="http://schemas.microsoft.com/office/drawing/2014/main" id="{2CF02CAA-A5D0-407E-9738-3ADC5BA325A2}"/>
+              </a:ext>
+            </a:extLst>
+          </p:cNvPr>
+          <p:cNvSpPr txBox="1"/>
+          <p:nvPr/>
+        </p:nvSpPr>
+        <p:spPr>
+          <a:xfrm>
+            <a:off x="6633359" y="4384702"/>
+            <a:ext cx="2510634" cy="923330"/>
+          </a:xfrm>
+          <a:prstGeom prst="rect">
+            <a:avLst/>
+          </a:prstGeom>
+          <a:noFill/>
+        </p:spPr>
+        <p:txBody>
+          <a:bodyPr wrap="square">
+            <a:spAutoFit/>
+          </a:bodyPr>
+          <a:lstStyle/>
+          <a:p>
+            <a:r>
+              <a:rPr lang="en-US" altLang="zh-TW" dirty="0" err="1">
+                <a:solidFill>
+                  <a:schemeClr val="accent1"/>
+                </a:solidFill>
+              </a:rPr>
+              <a:t>Ble</a:t>
+            </a:r>
+            <a:r>
+              <a:rPr lang="en-US" altLang="zh-TW" dirty="0">
+                <a:solidFill>
+                  <a:schemeClr val="accent1"/>
+                </a:solidFill>
+              </a:rPr>
+              <a:t> Pass Base Data:</a:t>
+            </a:r>
+          </a:p>
+          <a:p>
+            <a:r>
+              <a:rPr lang="zh-TW" altLang="en-US" dirty="0">
+                <a:solidFill>
+                  <a:schemeClr val="accent1"/>
+                </a:solidFill>
+              </a:rPr>
+              <a:t>gender, birthday, height, clothing weight</a:t>
+            </a:r>
+            <a:r>
+              <a:rPr lang="en-US" altLang="zh-TW" dirty="0">
+                <a:solidFill>
+                  <a:schemeClr val="accent1"/>
+                </a:solidFill>
+              </a:rPr>
+              <a:t>.</a:t>
+            </a:r>
+            <a:endParaRPr lang="zh-TW" altLang="en-US" dirty="0">
+              <a:solidFill>
+                <a:schemeClr val="accent1"/>
+              </a:solidFill>
+            </a:endParaRPr>
+          </a:p>
+        </p:txBody>
+      </p:sp>
+      <p:sp>
+        <p:nvSpPr>
+          <p:cNvPr id="58" name="矩形: 圓角 57">
+            <a:extLst>
+              <a:ext uri="{FF2B5EF4-FFF2-40B4-BE49-F238E27FC236}">
+                <a16:creationId xmlns:a16="http://schemas.microsoft.com/office/drawing/2014/main" id="{01303C9C-BCD1-4164-950D-D98CE27569B0}"/>
+              </a:ext>
+            </a:extLst>
+          </p:cNvPr>
+          <p:cNvSpPr/>
+          <p:nvPr/>
+        </p:nvSpPr>
+        <p:spPr>
+          <a:xfrm>
+            <a:off x="5520387" y="5856072"/>
+            <a:ext cx="3090213" cy="472418"/>
+          </a:xfrm>
+          <a:prstGeom prst="roundRect">
+            <a:avLst/>
+          </a:prstGeom>
+          <a:noFill/>
+          <a:ln>
+            <a:solidFill>
+              <a:schemeClr val="tx1">
+                <a:lumMod val="75000"/>
+                <a:lumOff val="25000"/>
+              </a:schemeClr>
+            </a:solidFill>
+          </a:ln>
+        </p:spPr>
+        <p:style>
+          <a:lnRef idx="2">
+            <a:schemeClr val="accent1">
+              <a:shade val="50000"/>
+            </a:schemeClr>
+          </a:lnRef>
+          <a:fillRef idx="1">
+            <a:schemeClr val="accent1"/>
+          </a:fillRef>
+          <a:effectRef idx="0">
+            <a:schemeClr val="accent1"/>
+          </a:effectRef>
+          <a:fontRef idx="minor">
+            <a:schemeClr val="lt1"/>
+          </a:fontRef>
+        </p:style>
+        <p:txBody>
+          <a:bodyPr rtlCol="0" anchor="ctr"/>
+          <a:lstStyle/>
+          <a:p>
+            <a:pPr algn="ctr"/>
+            <a:r>
+              <a:rPr lang="en-US" altLang="zh-TW" dirty="0">
+                <a:solidFill>
+                  <a:schemeClr val="tx1"/>
+                </a:solidFill>
+              </a:rPr>
+              <a:t>RD545</a:t>
+            </a:r>
+            <a:r>
+              <a:rPr lang="zh-TW" altLang="en-US" dirty="0">
+                <a:solidFill>
+                  <a:schemeClr val="tx1"/>
+                </a:solidFill>
+              </a:rPr>
+              <a:t> </a:t>
+            </a:r>
+            <a:r>
+              <a:rPr lang="en-US" altLang="zh-TW" dirty="0">
+                <a:solidFill>
+                  <a:schemeClr val="tx1"/>
+                </a:solidFill>
+              </a:rPr>
+              <a:t>Device Measurement </a:t>
+            </a:r>
+            <a:endParaRPr lang="zh-TW" altLang="en-US" dirty="0">
+              <a:solidFill>
+                <a:schemeClr val="tx1"/>
+              </a:solidFill>
+            </a:endParaRPr>
+          </a:p>
+        </p:txBody>
+      </p:sp>
+      <p:cxnSp>
+        <p:nvCxnSpPr>
+          <p:cNvPr id="63" name="接點: 肘形 62">
+            <a:extLst>
+              <a:ext uri="{FF2B5EF4-FFF2-40B4-BE49-F238E27FC236}">
+                <a16:creationId xmlns:a16="http://schemas.microsoft.com/office/drawing/2014/main" id="{EFAD7A4C-1CDE-483D-98F9-C84D9F7C28BD}"/>
+              </a:ext>
+            </a:extLst>
+          </p:cNvPr>
+          <p:cNvCxnSpPr>
+            <a:cxnSpLocks/>
+            <a:stCxn id="58" idx="3"/>
+          </p:cNvCxnSpPr>
+          <p:nvPr/>
+        </p:nvCxnSpPr>
+        <p:spPr>
+          <a:xfrm flipV="1">
+            <a:off x="8610600" y="4332198"/>
+            <a:ext cx="1412483" cy="1760083"/>
+          </a:xfrm>
+          <a:prstGeom prst="bentConnector2">
+            <a:avLst/>
+          </a:prstGeom>
+          <a:ln w="19050">
+            <a:prstDash val="sysDash"/>
+            <a:tailEnd type="triangle"/>
+          </a:ln>
+        </p:spPr>
+        <p:style>
+          <a:lnRef idx="1">
+            <a:schemeClr val="accent1"/>
+          </a:lnRef>
+          <a:fillRef idx="0">
+            <a:schemeClr val="accent1"/>
+          </a:fillRef>
+          <a:effectRef idx="0">
+            <a:schemeClr val="accent1"/>
+          </a:effectRef>
+          <a:fontRef idx="minor">
+            <a:schemeClr val="tx1"/>
+          </a:fontRef>
+        </p:style>
+      </p:cxnSp>
+      <p:sp>
+        <p:nvSpPr>
+          <p:cNvPr id="65" name="矩形: 圓角 64">
+            <a:extLst>
+              <a:ext uri="{FF2B5EF4-FFF2-40B4-BE49-F238E27FC236}">
+                <a16:creationId xmlns:a16="http://schemas.microsoft.com/office/drawing/2014/main" id="{3AC88E5F-33C7-46DD-A10F-BE107081F090}"/>
+              </a:ext>
+            </a:extLst>
+          </p:cNvPr>
+          <p:cNvSpPr/>
+          <p:nvPr/>
+        </p:nvSpPr>
+        <p:spPr>
+          <a:xfrm>
+            <a:off x="9132633" y="3706690"/>
+            <a:ext cx="1780892" cy="635568"/>
+          </a:xfrm>
+          <a:prstGeom prst="roundRect">
+            <a:avLst/>
+          </a:prstGeom>
+          <a:noFill/>
+          <a:ln>
+            <a:solidFill>
+              <a:schemeClr val="tx1">
+                <a:lumMod val="75000"/>
+                <a:lumOff val="25000"/>
+              </a:schemeClr>
+            </a:solidFill>
+          </a:ln>
+        </p:spPr>
+        <p:style>
+          <a:lnRef idx="2">
+            <a:schemeClr val="accent1">
+              <a:shade val="50000"/>
+            </a:schemeClr>
+          </a:lnRef>
+          <a:fillRef idx="1">
+            <a:schemeClr val="accent1"/>
+          </a:fillRef>
+          <a:effectRef idx="0">
+            <a:schemeClr val="accent1"/>
+          </a:effectRef>
+          <a:fontRef idx="minor">
+            <a:schemeClr val="lt1"/>
+          </a:fontRef>
+        </p:style>
+        <p:txBody>
+          <a:bodyPr rtlCol="0" anchor="ctr"/>
+          <a:lstStyle/>
+          <a:p>
+            <a:pPr algn="ctr"/>
+            <a:r>
+              <a:rPr lang="en-US" altLang="zh-TW" dirty="0">
+                <a:solidFill>
+                  <a:schemeClr val="tx1"/>
+                </a:solidFill>
+              </a:rPr>
+              <a:t>Measurement Data Get</a:t>
+            </a:r>
+            <a:endParaRPr lang="zh-TW" altLang="en-US" dirty="0">
+              <a:solidFill>
+                <a:schemeClr val="tx1"/>
+              </a:solidFill>
+            </a:endParaRPr>
+          </a:p>
+        </p:txBody>
+      </p:sp>
+      <p:sp>
+        <p:nvSpPr>
+          <p:cNvPr id="67" name="文字方塊 66">
+            <a:extLst>
+              <a:ext uri="{FF2B5EF4-FFF2-40B4-BE49-F238E27FC236}">
+                <a16:creationId xmlns:a16="http://schemas.microsoft.com/office/drawing/2014/main" id="{E5EEA9D4-2A19-421D-9BBC-94777EA6017E}"/>
+              </a:ext>
+            </a:extLst>
+          </p:cNvPr>
+          <p:cNvSpPr txBox="1"/>
+          <p:nvPr/>
+        </p:nvSpPr>
+        <p:spPr>
+          <a:xfrm>
+            <a:off x="8975559" y="5769115"/>
+            <a:ext cx="2095041" cy="646331"/>
+          </a:xfrm>
+          <a:prstGeom prst="rect">
+            <a:avLst/>
+          </a:prstGeom>
+          <a:noFill/>
+        </p:spPr>
+        <p:txBody>
+          <a:bodyPr wrap="square">
+            <a:spAutoFit/>
+          </a:bodyPr>
+          <a:lstStyle/>
+          <a:p>
+            <a:r>
+              <a:rPr lang="en-US" altLang="zh-TW" dirty="0" err="1">
+                <a:solidFill>
+                  <a:schemeClr val="accent1"/>
+                </a:solidFill>
+              </a:rPr>
+              <a:t>Ble</a:t>
+            </a:r>
+            <a:r>
+              <a:rPr lang="en-US" altLang="zh-TW" dirty="0">
+                <a:solidFill>
+                  <a:schemeClr val="accent1"/>
+                </a:solidFill>
+              </a:rPr>
+              <a:t> Pass Measurement Data</a:t>
+            </a:r>
+            <a:endParaRPr lang="zh-TW" altLang="en-US" dirty="0"/>
+          </a:p>
+        </p:txBody>
+      </p:sp>
+      <p:sp>
+        <p:nvSpPr>
+          <p:cNvPr id="68" name="雲朵形 67">
+            <a:extLst>
+              <a:ext uri="{FF2B5EF4-FFF2-40B4-BE49-F238E27FC236}">
+                <a16:creationId xmlns:a16="http://schemas.microsoft.com/office/drawing/2014/main" id="{27A0946F-6339-45E9-A0BD-2C5153771188}"/>
+              </a:ext>
+            </a:extLst>
+          </p:cNvPr>
+          <p:cNvSpPr/>
+          <p:nvPr/>
+        </p:nvSpPr>
+        <p:spPr>
+          <a:xfrm>
+            <a:off x="9357644" y="586693"/>
+            <a:ext cx="2017185" cy="1016789"/>
+          </a:xfrm>
+          <a:prstGeom prst="cloud">
+            <a:avLst/>
+          </a:prstGeom>
+          <a:noFill/>
+          <a:ln>
+            <a:solidFill>
+              <a:srgbClr val="00B0F0"/>
+            </a:solidFill>
+          </a:ln>
+        </p:spPr>
+        <p:style>
+          <a:lnRef idx="2">
+            <a:schemeClr val="accent1">
+              <a:shade val="50000"/>
+            </a:schemeClr>
+          </a:lnRef>
+          <a:fillRef idx="1">
+            <a:schemeClr val="accent1"/>
+          </a:fillRef>
+          <a:effectRef idx="0">
+            <a:schemeClr val="accent1"/>
+          </a:effectRef>
+          <a:fontRef idx="minor">
+            <a:schemeClr val="lt1"/>
+          </a:fontRef>
+        </p:style>
+        <p:txBody>
+          <a:bodyPr rtlCol="0" anchor="ctr"/>
+          <a:lstStyle/>
+          <a:p>
+            <a:pPr algn="ctr"/>
+            <a:r>
+              <a:rPr lang="en-US" altLang="zh-TW" dirty="0">
+                <a:solidFill>
+                  <a:srgbClr val="00B0F0"/>
+                </a:solidFill>
+              </a:rPr>
+              <a:t>Cloud Server App</a:t>
+            </a:r>
+            <a:endParaRPr lang="zh-TW" altLang="en-US" dirty="0">
+              <a:solidFill>
+                <a:srgbClr val="00B0F0"/>
+              </a:solidFill>
+            </a:endParaRPr>
+          </a:p>
+        </p:txBody>
+      </p:sp>
+      <p:sp>
+        <p:nvSpPr>
+          <p:cNvPr id="70" name="矩形: 圓角 69">
+            <a:extLst>
+              <a:ext uri="{FF2B5EF4-FFF2-40B4-BE49-F238E27FC236}">
+                <a16:creationId xmlns:a16="http://schemas.microsoft.com/office/drawing/2014/main" id="{3F83DA63-AC4D-4341-B5F2-836ACF5328D0}"/>
+              </a:ext>
+            </a:extLst>
+          </p:cNvPr>
+          <p:cNvSpPr/>
+          <p:nvPr/>
+        </p:nvSpPr>
+        <p:spPr>
+          <a:xfrm>
+            <a:off x="8975559" y="1830332"/>
+            <a:ext cx="2095040" cy="458567"/>
+          </a:xfrm>
+          <a:prstGeom prst="roundRect">
+            <a:avLst/>
+          </a:prstGeom>
+          <a:noFill/>
+          <a:ln>
+            <a:solidFill>
+              <a:schemeClr val="tx1">
+                <a:lumMod val="75000"/>
+                <a:lumOff val="25000"/>
+              </a:schemeClr>
+            </a:solidFill>
+          </a:ln>
+        </p:spPr>
+        <p:style>
+          <a:lnRef idx="2">
+            <a:schemeClr val="accent1">
+              <a:shade val="50000"/>
+            </a:schemeClr>
+          </a:lnRef>
+          <a:fillRef idx="1">
+            <a:schemeClr val="accent1"/>
+          </a:fillRef>
+          <a:effectRef idx="0">
+            <a:schemeClr val="accent1"/>
+          </a:effectRef>
+          <a:fontRef idx="minor">
+            <a:schemeClr val="lt1"/>
+          </a:fontRef>
+        </p:style>
+        <p:txBody>
+          <a:bodyPr rtlCol="0" anchor="ctr"/>
+          <a:lstStyle/>
+          <a:p>
+            <a:pPr algn="ctr"/>
+            <a:r>
+              <a:rPr lang="en-US" altLang="zh-TW" dirty="0">
+                <a:solidFill>
+                  <a:schemeClr val="tx1"/>
+                </a:solidFill>
+              </a:rPr>
+              <a:t>Pass Server Event</a:t>
+            </a:r>
+            <a:endParaRPr lang="zh-TW" altLang="en-US" dirty="0">
+              <a:solidFill>
+                <a:schemeClr val="tx1"/>
+              </a:solidFill>
+            </a:endParaRPr>
+          </a:p>
+        </p:txBody>
+      </p:sp>
+      <p:cxnSp>
+        <p:nvCxnSpPr>
+          <p:cNvPr id="71" name="直線單箭頭接點 70">
+            <a:extLst>
+              <a:ext uri="{FF2B5EF4-FFF2-40B4-BE49-F238E27FC236}">
+                <a16:creationId xmlns:a16="http://schemas.microsoft.com/office/drawing/2014/main" id="{5246AF2F-9E15-4EF2-839D-C62EE297C7CC}"/>
+              </a:ext>
+            </a:extLst>
+          </p:cNvPr>
+          <p:cNvCxnSpPr>
+            <a:cxnSpLocks/>
+            <a:stCxn id="65" idx="0"/>
+            <a:endCxn id="70" idx="2"/>
+          </p:cNvCxnSpPr>
+          <p:nvPr/>
+        </p:nvCxnSpPr>
+        <p:spPr>
+          <a:xfrm flipV="1">
+            <a:off x="10023079" y="2288899"/>
+            <a:ext cx="0" cy="1417791"/>
+          </a:xfrm>
+          <a:prstGeom prst="straightConnector1">
+            <a:avLst/>
+          </a:prstGeom>
+          <a:ln w="19050">
+            <a:solidFill>
+              <a:srgbClr val="FF0000"/>
+            </a:solidFill>
+            <a:prstDash val="sysDash"/>
             <a:tailEnd type="triangle"/>
           </a:ln>
         </p:spPr>
@@ -8707,32 +7743,33 @@
       </p:cxnSp>
       <p:cxnSp>
         <p:nvCxnSpPr>
-          <p:cNvPr id="59" name="直線單箭頭接點 58">
-            <a:extLst>
-              <a:ext uri="{FF2B5EF4-FFF2-40B4-BE49-F238E27FC236}">
-                <a16:creationId xmlns:a16="http://schemas.microsoft.com/office/drawing/2014/main" id="{F3A60993-E032-4BC6-9BED-97322984B478}"/>
+          <p:cNvPr id="74" name="直線單箭頭接點 73">
+            <a:extLst>
+              <a:ext uri="{FF2B5EF4-FFF2-40B4-BE49-F238E27FC236}">
+                <a16:creationId xmlns:a16="http://schemas.microsoft.com/office/drawing/2014/main" id="{1E3969CA-13E2-4331-85C0-86801900585B}"/>
               </a:ext>
             </a:extLst>
           </p:cNvPr>
           <p:cNvCxnSpPr>
             <a:cxnSpLocks/>
-            <a:stCxn id="11" idx="1"/>
-            <a:endCxn id="10" idx="3"/>
+            <a:stCxn id="70" idx="0"/>
+            <a:endCxn id="68" idx="1"/>
           </p:cNvCxnSpPr>
           <p:nvPr/>
         </p:nvCxnSpPr>
         <p:spPr>
-          <a:xfrm flipH="1">
-            <a:off x="7151297" y="4490049"/>
-            <a:ext cx="422698" cy="0"/>
+          <a:xfrm flipV="1">
+            <a:off x="10023079" y="1376633"/>
+            <a:ext cx="392" cy="453699"/>
           </a:xfrm>
           <a:prstGeom prst="straightConnector1">
             <a:avLst/>
           </a:prstGeom>
-          <a:ln w="38100">
+          <a:ln w="19050">
             <a:solidFill>
-              <a:srgbClr val="00B050"/>
+              <a:srgbClr val="00B0F0"/>
             </a:solidFill>
+            <a:prstDash val="sysDash"/>
             <a:tailEnd type="triangle"/>
           </a:ln>
         </p:spPr>
@@ -8751,10 +7788,920 @@
           </a:fontRef>
         </p:style>
       </p:cxnSp>
+      <p:sp>
+        <p:nvSpPr>
+          <p:cNvPr id="80" name="矩形: 圓角 79">
+            <a:extLst>
+              <a:ext uri="{FF2B5EF4-FFF2-40B4-BE49-F238E27FC236}">
+                <a16:creationId xmlns:a16="http://schemas.microsoft.com/office/drawing/2014/main" id="{E072A839-AD9A-41AF-AB00-F3921CBEEBFC}"/>
+              </a:ext>
+            </a:extLst>
+          </p:cNvPr>
+          <p:cNvSpPr/>
+          <p:nvPr/>
+        </p:nvSpPr>
+        <p:spPr>
+          <a:xfrm>
+            <a:off x="10168460" y="2721554"/>
+            <a:ext cx="902139" cy="635568"/>
+          </a:xfrm>
+          <a:prstGeom prst="roundRect">
+            <a:avLst/>
+          </a:prstGeom>
+          <a:noFill/>
+          <a:ln>
+            <a:solidFill>
+              <a:schemeClr val="tx1">
+                <a:lumMod val="75000"/>
+                <a:lumOff val="25000"/>
+              </a:schemeClr>
+            </a:solidFill>
+          </a:ln>
+        </p:spPr>
+        <p:style>
+          <a:lnRef idx="2">
+            <a:schemeClr val="accent1">
+              <a:shade val="50000"/>
+            </a:schemeClr>
+          </a:lnRef>
+          <a:fillRef idx="1">
+            <a:schemeClr val="accent1"/>
+          </a:fillRef>
+          <a:effectRef idx="0">
+            <a:schemeClr val="accent1"/>
+          </a:effectRef>
+          <a:fontRef idx="minor">
+            <a:schemeClr val="lt1"/>
+          </a:fontRef>
+        </p:style>
+        <p:txBody>
+          <a:bodyPr rtlCol="0" anchor="ctr"/>
+          <a:lstStyle/>
+          <a:p>
+            <a:pPr algn="ctr"/>
+            <a:r>
+              <a:rPr lang="en-US" altLang="zh-TW" dirty="0">
+                <a:solidFill>
+                  <a:schemeClr val="tx1"/>
+                </a:solidFill>
+              </a:rPr>
+              <a:t>UI</a:t>
+            </a:r>
+          </a:p>
+          <a:p>
+            <a:pPr algn="ctr"/>
+            <a:r>
+              <a:rPr lang="en-US" altLang="zh-TW" dirty="0">
+                <a:solidFill>
+                  <a:schemeClr val="tx1"/>
+                </a:solidFill>
+              </a:rPr>
+              <a:t>output</a:t>
+            </a:r>
+            <a:endParaRPr lang="zh-TW" altLang="en-US" dirty="0">
+              <a:solidFill>
+                <a:schemeClr val="tx1"/>
+              </a:solidFill>
+            </a:endParaRPr>
+          </a:p>
+        </p:txBody>
+      </p:sp>
+      <p:cxnSp>
+        <p:nvCxnSpPr>
+          <p:cNvPr id="81" name="直線單箭頭接點 80">
+            <a:extLst>
+              <a:ext uri="{FF2B5EF4-FFF2-40B4-BE49-F238E27FC236}">
+                <a16:creationId xmlns:a16="http://schemas.microsoft.com/office/drawing/2014/main" id="{E31A6EA7-BC07-45C1-BC91-86AACD3D3B6D}"/>
+              </a:ext>
+            </a:extLst>
+          </p:cNvPr>
+          <p:cNvCxnSpPr>
+            <a:cxnSpLocks/>
+            <a:endCxn id="80" idx="2"/>
+          </p:cNvCxnSpPr>
+          <p:nvPr/>
+        </p:nvCxnSpPr>
+        <p:spPr>
+          <a:xfrm flipV="1">
+            <a:off x="10619530" y="3357122"/>
+            <a:ext cx="0" cy="349568"/>
+          </a:xfrm>
+          <a:prstGeom prst="straightConnector1">
+            <a:avLst/>
+          </a:prstGeom>
+          <a:ln w="19050">
+            <a:solidFill>
+              <a:srgbClr val="FF0000"/>
+            </a:solidFill>
+            <a:prstDash val="sysDash"/>
+            <a:tailEnd type="triangle"/>
+          </a:ln>
+        </p:spPr>
+        <p:style>
+          <a:lnRef idx="1">
+            <a:schemeClr val="accent1"/>
+          </a:lnRef>
+          <a:fillRef idx="0">
+            <a:schemeClr val="accent1"/>
+          </a:fillRef>
+          <a:effectRef idx="0">
+            <a:schemeClr val="accent1"/>
+          </a:effectRef>
+          <a:fontRef idx="minor">
+            <a:schemeClr val="tx1"/>
+          </a:fontRef>
+        </p:style>
+      </p:cxnSp>
+      <p:sp>
+        <p:nvSpPr>
+          <p:cNvPr id="88" name="矩形: 摺角紙張 87">
+            <a:extLst>
+              <a:ext uri="{FF2B5EF4-FFF2-40B4-BE49-F238E27FC236}">
+                <a16:creationId xmlns:a16="http://schemas.microsoft.com/office/drawing/2014/main" id="{049C73AD-E4EF-4A3F-8E1D-8238DFBB91A6}"/>
+              </a:ext>
+            </a:extLst>
+          </p:cNvPr>
+          <p:cNvSpPr/>
+          <p:nvPr/>
+        </p:nvSpPr>
+        <p:spPr>
+          <a:xfrm rot="10800000">
+            <a:off x="11375844" y="2500697"/>
+            <a:ext cx="742275" cy="1081546"/>
+          </a:xfrm>
+          <a:prstGeom prst="foldedCorner">
+            <a:avLst>
+              <a:gd name="adj" fmla="val 25070"/>
+            </a:avLst>
+          </a:prstGeom>
+          <a:noFill/>
+          <a:ln>
+            <a:solidFill>
+              <a:schemeClr val="accent1">
+                <a:lumMod val="75000"/>
+              </a:schemeClr>
+            </a:solidFill>
+          </a:ln>
+        </p:spPr>
+        <p:style>
+          <a:lnRef idx="2">
+            <a:schemeClr val="accent1">
+              <a:shade val="50000"/>
+            </a:schemeClr>
+          </a:lnRef>
+          <a:fillRef idx="1">
+            <a:schemeClr val="accent1"/>
+          </a:fillRef>
+          <a:effectRef idx="0">
+            <a:schemeClr val="accent1"/>
+          </a:effectRef>
+          <a:fontRef idx="minor">
+            <a:schemeClr val="lt1"/>
+          </a:fontRef>
+        </p:style>
+        <p:txBody>
+          <a:bodyPr rtlCol="0" anchor="ctr"/>
+          <a:lstStyle/>
+          <a:p>
+            <a:pPr algn="ctr"/>
+            <a:endParaRPr lang="zh-TW" altLang="en-US" dirty="0">
+              <a:solidFill>
+                <a:srgbClr val="00B0F0"/>
+              </a:solidFill>
+            </a:endParaRPr>
+          </a:p>
+        </p:txBody>
+      </p:sp>
+      <p:cxnSp>
+        <p:nvCxnSpPr>
+          <p:cNvPr id="89" name="直線單箭頭接點 88">
+            <a:extLst>
+              <a:ext uri="{FF2B5EF4-FFF2-40B4-BE49-F238E27FC236}">
+                <a16:creationId xmlns:a16="http://schemas.microsoft.com/office/drawing/2014/main" id="{91830442-864D-4267-92D9-725698275EE7}"/>
+              </a:ext>
+            </a:extLst>
+          </p:cNvPr>
+          <p:cNvCxnSpPr>
+            <a:cxnSpLocks/>
+            <a:stCxn id="80" idx="3"/>
+            <a:endCxn id="88" idx="3"/>
+          </p:cNvCxnSpPr>
+          <p:nvPr/>
+        </p:nvCxnSpPr>
+        <p:spPr>
+          <a:xfrm>
+            <a:off x="11070599" y="3039338"/>
+            <a:ext cx="305245" cy="2132"/>
+          </a:xfrm>
+          <a:prstGeom prst="straightConnector1">
+            <a:avLst/>
+          </a:prstGeom>
+          <a:ln w="19050">
+            <a:solidFill>
+              <a:schemeClr val="accent1">
+                <a:lumMod val="75000"/>
+              </a:schemeClr>
+            </a:solidFill>
+            <a:prstDash val="sysDash"/>
+            <a:tailEnd type="triangle"/>
+          </a:ln>
+        </p:spPr>
+        <p:style>
+          <a:lnRef idx="1">
+            <a:schemeClr val="accent1"/>
+          </a:lnRef>
+          <a:fillRef idx="0">
+            <a:schemeClr val="accent1"/>
+          </a:fillRef>
+          <a:effectRef idx="0">
+            <a:schemeClr val="accent1"/>
+          </a:effectRef>
+          <a:fontRef idx="minor">
+            <a:schemeClr val="tx1"/>
+          </a:fontRef>
+        </p:style>
+      </p:cxnSp>
+      <p:sp>
+        <p:nvSpPr>
+          <p:cNvPr id="96" name="文字方塊 95">
+            <a:extLst>
+              <a:ext uri="{FF2B5EF4-FFF2-40B4-BE49-F238E27FC236}">
+                <a16:creationId xmlns:a16="http://schemas.microsoft.com/office/drawing/2014/main" id="{ED02D2D7-1194-466E-9032-28B547A2C938}"/>
+              </a:ext>
+            </a:extLst>
+          </p:cNvPr>
+          <p:cNvSpPr txBox="1"/>
+          <p:nvPr/>
+        </p:nvSpPr>
+        <p:spPr>
+          <a:xfrm>
+            <a:off x="11374829" y="2631837"/>
+            <a:ext cx="800215" cy="923330"/>
+          </a:xfrm>
+          <a:prstGeom prst="rect">
+            <a:avLst/>
+          </a:prstGeom>
+          <a:noFill/>
+        </p:spPr>
+        <p:txBody>
+          <a:bodyPr wrap="square" rtlCol="0">
+            <a:spAutoFit/>
+          </a:bodyPr>
+          <a:lstStyle/>
+          <a:p>
+            <a:r>
+              <a:rPr lang="en-US" altLang="zh-TW" dirty="0">
+                <a:solidFill>
+                  <a:schemeClr val="accent1">
+                    <a:lumMod val="75000"/>
+                  </a:schemeClr>
+                </a:solidFill>
+              </a:rPr>
+              <a:t>*.csv</a:t>
+            </a:r>
+          </a:p>
+          <a:p>
+            <a:r>
+              <a:rPr lang="en-US" altLang="zh-TW" dirty="0">
+                <a:solidFill>
+                  <a:schemeClr val="accent1">
+                    <a:lumMod val="75000"/>
+                  </a:schemeClr>
+                </a:solidFill>
+              </a:rPr>
+              <a:t>*.pdf</a:t>
+            </a:r>
+          </a:p>
+          <a:p>
+            <a:r>
+              <a:rPr lang="en-US" altLang="zh-TW" dirty="0">
+                <a:solidFill>
+                  <a:schemeClr val="accent1">
+                    <a:lumMod val="75000"/>
+                  </a:schemeClr>
+                </a:solidFill>
+              </a:rPr>
+              <a:t>*.jpg</a:t>
+            </a:r>
+            <a:endParaRPr lang="zh-TW" altLang="en-US" dirty="0">
+              <a:solidFill>
+                <a:schemeClr val="accent1">
+                  <a:lumMod val="75000"/>
+                </a:schemeClr>
+              </a:solidFill>
+            </a:endParaRPr>
+          </a:p>
+        </p:txBody>
+      </p:sp>
+      <p:pic>
+        <p:nvPicPr>
+          <p:cNvPr id="4" name="圖片 3">
+            <a:extLst>
+              <a:ext uri="{FF2B5EF4-FFF2-40B4-BE49-F238E27FC236}">
+                <a16:creationId xmlns:a16="http://schemas.microsoft.com/office/drawing/2014/main" id="{4B6E04D9-6017-46F7-8E39-AB7E473A5C22}"/>
+              </a:ext>
+            </a:extLst>
+          </p:cNvPr>
+          <p:cNvPicPr>
+            <a:picLocks noChangeAspect="1"/>
+          </p:cNvPicPr>
+          <p:nvPr/>
+        </p:nvPicPr>
+        <p:blipFill>
+          <a:blip r:embed="rId2" cstate="hqprint">
+            <a:extLst>
+              <a:ext uri="{28A0092B-C50C-407E-A947-70E740481C1C}">
+                <a14:useLocalDpi xmlns:a14="http://schemas.microsoft.com/office/drawing/2010/main" val="0"/>
+              </a:ext>
+            </a:extLst>
+          </a:blip>
+          <a:stretch>
+            <a:fillRect/>
+          </a:stretch>
+        </p:blipFill>
+        <p:spPr>
+          <a:xfrm>
+            <a:off x="1154974" y="922867"/>
+            <a:ext cx="2532098" cy="5626885"/>
+          </a:xfrm>
+          <a:prstGeom prst="rect">
+            <a:avLst/>
+          </a:prstGeom>
+        </p:spPr>
+      </p:pic>
+      <p:sp>
+        <p:nvSpPr>
+          <p:cNvPr id="36" name="文字方塊 35">
+            <a:extLst>
+              <a:ext uri="{FF2B5EF4-FFF2-40B4-BE49-F238E27FC236}">
+                <a16:creationId xmlns:a16="http://schemas.microsoft.com/office/drawing/2014/main" id="{257F27CD-1695-40A9-862E-7292F9AA0EEC}"/>
+              </a:ext>
+            </a:extLst>
+          </p:cNvPr>
+          <p:cNvSpPr txBox="1"/>
+          <p:nvPr/>
+        </p:nvSpPr>
+        <p:spPr>
+          <a:xfrm>
+            <a:off x="1142787" y="1476402"/>
+            <a:ext cx="844550" cy="369332"/>
+          </a:xfrm>
+          <a:prstGeom prst="rect">
+            <a:avLst/>
+          </a:prstGeom>
+          <a:noFill/>
+        </p:spPr>
+        <p:txBody>
+          <a:bodyPr wrap="square">
+            <a:spAutoFit/>
+          </a:bodyPr>
+          <a:lstStyle/>
+          <a:p>
+            <a:pPr algn="ctr"/>
+            <a:r>
+              <a:rPr lang="en-US" altLang="zh-TW" dirty="0">
+                <a:solidFill>
+                  <a:srgbClr val="FF0000"/>
+                </a:solidFill>
+              </a:rPr>
+              <a:t>App1</a:t>
+            </a:r>
+            <a:endParaRPr lang="zh-TW" altLang="en-US" dirty="0">
+              <a:solidFill>
+                <a:srgbClr val="FF0000"/>
+              </a:solidFill>
+            </a:endParaRPr>
+          </a:p>
+        </p:txBody>
+      </p:sp>
+      <p:sp>
+        <p:nvSpPr>
+          <p:cNvPr id="38" name="文字方塊 37">
+            <a:extLst>
+              <a:ext uri="{FF2B5EF4-FFF2-40B4-BE49-F238E27FC236}">
+                <a16:creationId xmlns:a16="http://schemas.microsoft.com/office/drawing/2014/main" id="{22ECA52D-C1D8-47F5-9414-5955716D7E59}"/>
+              </a:ext>
+            </a:extLst>
+          </p:cNvPr>
+          <p:cNvSpPr txBox="1"/>
+          <p:nvPr/>
+        </p:nvSpPr>
+        <p:spPr>
+          <a:xfrm>
+            <a:off x="2893509" y="1476402"/>
+            <a:ext cx="751417" cy="369332"/>
+          </a:xfrm>
+          <a:prstGeom prst="rect">
+            <a:avLst/>
+          </a:prstGeom>
+          <a:noFill/>
+        </p:spPr>
+        <p:txBody>
+          <a:bodyPr wrap="square">
+            <a:spAutoFit/>
+          </a:bodyPr>
+          <a:lstStyle/>
+          <a:p>
+            <a:pPr algn="ctr"/>
+            <a:r>
+              <a:rPr lang="en-US" altLang="zh-TW" dirty="0">
+                <a:solidFill>
+                  <a:schemeClr val="accent1"/>
+                </a:solidFill>
+              </a:rPr>
+              <a:t>App2</a:t>
+            </a:r>
+            <a:endParaRPr lang="zh-TW" altLang="en-US" dirty="0">
+              <a:solidFill>
+                <a:schemeClr val="accent1"/>
+              </a:solidFill>
+            </a:endParaRPr>
+          </a:p>
+        </p:txBody>
+      </p:sp>
+      <p:sp>
+        <p:nvSpPr>
+          <p:cNvPr id="39" name="矩形: 圓角 38">
+            <a:extLst>
+              <a:ext uri="{FF2B5EF4-FFF2-40B4-BE49-F238E27FC236}">
+                <a16:creationId xmlns:a16="http://schemas.microsoft.com/office/drawing/2014/main" id="{B71B5CA5-A95D-47C7-9429-84A706FC73B0}"/>
+              </a:ext>
+            </a:extLst>
+          </p:cNvPr>
+          <p:cNvSpPr/>
+          <p:nvPr/>
+        </p:nvSpPr>
+        <p:spPr>
+          <a:xfrm>
+            <a:off x="1174486" y="1274386"/>
+            <a:ext cx="1224190" cy="2082735"/>
+          </a:xfrm>
+          <a:prstGeom prst="roundRect">
+            <a:avLst/>
+          </a:prstGeom>
+          <a:noFill/>
+          <a:ln>
+            <a:solidFill>
+              <a:srgbClr val="FF0000"/>
+            </a:solidFill>
+          </a:ln>
+        </p:spPr>
+        <p:style>
+          <a:lnRef idx="2">
+            <a:schemeClr val="accent1">
+              <a:shade val="50000"/>
+            </a:schemeClr>
+          </a:lnRef>
+          <a:fillRef idx="1">
+            <a:schemeClr val="accent1"/>
+          </a:fillRef>
+          <a:effectRef idx="0">
+            <a:schemeClr val="accent1"/>
+          </a:effectRef>
+          <a:fontRef idx="minor">
+            <a:schemeClr val="lt1"/>
+          </a:fontRef>
+        </p:style>
+        <p:txBody>
+          <a:bodyPr rtlCol="0" anchor="ctr"/>
+          <a:lstStyle/>
+          <a:p>
+            <a:pPr algn="ctr"/>
+            <a:endParaRPr lang="zh-TW" altLang="en-US" dirty="0">
+              <a:solidFill>
+                <a:srgbClr val="FF0000"/>
+              </a:solidFill>
+            </a:endParaRPr>
+          </a:p>
+        </p:txBody>
+      </p:sp>
+      <p:sp>
+        <p:nvSpPr>
+          <p:cNvPr id="41" name="矩形: 圓角 40">
+            <a:extLst>
+              <a:ext uri="{FF2B5EF4-FFF2-40B4-BE49-F238E27FC236}">
+                <a16:creationId xmlns:a16="http://schemas.microsoft.com/office/drawing/2014/main" id="{37614059-BE27-4177-A35A-9E5F33435268}"/>
+              </a:ext>
+            </a:extLst>
+          </p:cNvPr>
+          <p:cNvSpPr/>
+          <p:nvPr/>
+        </p:nvSpPr>
+        <p:spPr>
+          <a:xfrm>
+            <a:off x="2455600" y="1274385"/>
+            <a:ext cx="1196981" cy="2082735"/>
+          </a:xfrm>
+          <a:prstGeom prst="roundRect">
+            <a:avLst/>
+          </a:prstGeom>
+          <a:noFill/>
+          <a:ln>
+            <a:solidFill>
+              <a:schemeClr val="accent1"/>
+            </a:solidFill>
+          </a:ln>
+        </p:spPr>
+        <p:style>
+          <a:lnRef idx="2">
+            <a:schemeClr val="accent1">
+              <a:shade val="50000"/>
+            </a:schemeClr>
+          </a:lnRef>
+          <a:fillRef idx="1">
+            <a:schemeClr val="accent1"/>
+          </a:fillRef>
+          <a:effectRef idx="0">
+            <a:schemeClr val="accent1"/>
+          </a:effectRef>
+          <a:fontRef idx="minor">
+            <a:schemeClr val="lt1"/>
+          </a:fontRef>
+        </p:style>
+        <p:txBody>
+          <a:bodyPr rtlCol="0" anchor="ctr"/>
+          <a:lstStyle/>
+          <a:p>
+            <a:pPr algn="ctr"/>
+            <a:endParaRPr lang="zh-TW" altLang="en-US" dirty="0">
+              <a:solidFill>
+                <a:srgbClr val="FF0000"/>
+              </a:solidFill>
+            </a:endParaRPr>
+          </a:p>
+        </p:txBody>
+      </p:sp>
+      <p:sp>
+        <p:nvSpPr>
+          <p:cNvPr id="40" name="矩形: 圓角 40">
+            <a:extLst>
+              <a:ext uri="{FF2B5EF4-FFF2-40B4-BE49-F238E27FC236}">
+                <a16:creationId xmlns:a16="http://schemas.microsoft.com/office/drawing/2014/main" id="{37614059-BE27-4177-A35A-9E5F33435268}"/>
+              </a:ext>
+            </a:extLst>
+          </p:cNvPr>
+          <p:cNvSpPr/>
+          <p:nvPr/>
+        </p:nvSpPr>
+        <p:spPr>
+          <a:xfrm>
+            <a:off x="2526279" y="2076897"/>
+            <a:ext cx="1055621" cy="449935"/>
+          </a:xfrm>
+          <a:prstGeom prst="roundRect">
+            <a:avLst/>
+          </a:prstGeom>
+          <a:noFill/>
+          <a:ln>
+            <a:solidFill>
+              <a:schemeClr val="accent1"/>
+            </a:solidFill>
+          </a:ln>
+        </p:spPr>
+        <p:style>
+          <a:lnRef idx="2">
+            <a:schemeClr val="accent1">
+              <a:shade val="50000"/>
+            </a:schemeClr>
+          </a:lnRef>
+          <a:fillRef idx="1">
+            <a:schemeClr val="accent1"/>
+          </a:fillRef>
+          <a:effectRef idx="0">
+            <a:schemeClr val="accent1"/>
+          </a:effectRef>
+          <a:fontRef idx="minor">
+            <a:schemeClr val="lt1"/>
+          </a:fontRef>
+        </p:style>
+        <p:txBody>
+          <a:bodyPr rtlCol="0" anchor="ctr"/>
+          <a:lstStyle/>
+          <a:p>
+            <a:pPr algn="ctr"/>
+            <a:r>
+              <a:rPr lang="en-US" altLang="zh-TW" dirty="0">
+                <a:solidFill>
+                  <a:schemeClr val="accent1"/>
+                </a:solidFill>
+              </a:rPr>
+              <a:t>Activity1</a:t>
+            </a:r>
+            <a:endParaRPr lang="zh-TW" altLang="en-US" dirty="0">
+              <a:solidFill>
+                <a:schemeClr val="accent1"/>
+              </a:solidFill>
+            </a:endParaRPr>
+          </a:p>
+        </p:txBody>
+      </p:sp>
+      <p:sp>
+        <p:nvSpPr>
+          <p:cNvPr id="43" name="矩形: 圓角 40">
+            <a:extLst>
+              <a:ext uri="{FF2B5EF4-FFF2-40B4-BE49-F238E27FC236}">
+                <a16:creationId xmlns:a16="http://schemas.microsoft.com/office/drawing/2014/main" id="{37614059-BE27-4177-A35A-9E5F33435268}"/>
+              </a:ext>
+            </a:extLst>
+          </p:cNvPr>
+          <p:cNvSpPr/>
+          <p:nvPr/>
+        </p:nvSpPr>
+        <p:spPr>
+          <a:xfrm>
+            <a:off x="2527768" y="2657223"/>
+            <a:ext cx="1055621" cy="449935"/>
+          </a:xfrm>
+          <a:prstGeom prst="roundRect">
+            <a:avLst/>
+          </a:prstGeom>
+          <a:noFill/>
+          <a:ln>
+            <a:solidFill>
+              <a:schemeClr val="accent1"/>
+            </a:solidFill>
+          </a:ln>
+        </p:spPr>
+        <p:style>
+          <a:lnRef idx="2">
+            <a:schemeClr val="accent1">
+              <a:shade val="50000"/>
+            </a:schemeClr>
+          </a:lnRef>
+          <a:fillRef idx="1">
+            <a:schemeClr val="accent1"/>
+          </a:fillRef>
+          <a:effectRef idx="0">
+            <a:schemeClr val="accent1"/>
+          </a:effectRef>
+          <a:fontRef idx="minor">
+            <a:schemeClr val="lt1"/>
+          </a:fontRef>
+        </p:style>
+        <p:txBody>
+          <a:bodyPr rtlCol="0" anchor="ctr"/>
+          <a:lstStyle/>
+          <a:p>
+            <a:pPr algn="ctr"/>
+            <a:r>
+              <a:rPr lang="en-US" altLang="zh-TW" dirty="0">
+                <a:solidFill>
+                  <a:schemeClr val="accent1"/>
+                </a:solidFill>
+              </a:rPr>
+              <a:t>Activity2</a:t>
+            </a:r>
+            <a:endParaRPr lang="zh-TW" altLang="en-US" dirty="0">
+              <a:solidFill>
+                <a:schemeClr val="accent1"/>
+              </a:solidFill>
+            </a:endParaRPr>
+          </a:p>
+        </p:txBody>
+      </p:sp>
+      <p:sp>
+        <p:nvSpPr>
+          <p:cNvPr id="45" name="矩形: 圓角 40">
+            <a:extLst>
+              <a:ext uri="{FF2B5EF4-FFF2-40B4-BE49-F238E27FC236}">
+                <a16:creationId xmlns:a16="http://schemas.microsoft.com/office/drawing/2014/main" id="{37614059-BE27-4177-A35A-9E5F33435268}"/>
+              </a:ext>
+            </a:extLst>
+          </p:cNvPr>
+          <p:cNvSpPr/>
+          <p:nvPr/>
+        </p:nvSpPr>
+        <p:spPr>
+          <a:xfrm>
+            <a:off x="1261504" y="2657223"/>
+            <a:ext cx="1055621" cy="449935"/>
+          </a:xfrm>
+          <a:prstGeom prst="roundRect">
+            <a:avLst/>
+          </a:prstGeom>
+          <a:noFill/>
+          <a:ln>
+            <a:solidFill>
+              <a:srgbClr val="FF0000"/>
+            </a:solidFill>
+          </a:ln>
+        </p:spPr>
+        <p:style>
+          <a:lnRef idx="2">
+            <a:schemeClr val="accent1">
+              <a:shade val="50000"/>
+            </a:schemeClr>
+          </a:lnRef>
+          <a:fillRef idx="1">
+            <a:schemeClr val="accent1"/>
+          </a:fillRef>
+          <a:effectRef idx="0">
+            <a:schemeClr val="accent1"/>
+          </a:effectRef>
+          <a:fontRef idx="minor">
+            <a:schemeClr val="lt1"/>
+          </a:fontRef>
+        </p:style>
+        <p:txBody>
+          <a:bodyPr rtlCol="0" anchor="ctr"/>
+          <a:lstStyle/>
+          <a:p>
+            <a:pPr algn="ctr"/>
+            <a:r>
+              <a:rPr lang="en-US" altLang="zh-TW" dirty="0">
+                <a:solidFill>
+                  <a:srgbClr val="FF0000"/>
+                </a:solidFill>
+              </a:rPr>
+              <a:t>Activity2</a:t>
+            </a:r>
+            <a:endParaRPr lang="zh-TW" altLang="en-US" dirty="0">
+              <a:solidFill>
+                <a:srgbClr val="FF0000"/>
+              </a:solidFill>
+            </a:endParaRPr>
+          </a:p>
+        </p:txBody>
+      </p:sp>
+      <p:sp>
+        <p:nvSpPr>
+          <p:cNvPr id="47" name="矩形: 圓角 40">
+            <a:extLst>
+              <a:ext uri="{FF2B5EF4-FFF2-40B4-BE49-F238E27FC236}">
+                <a16:creationId xmlns:a16="http://schemas.microsoft.com/office/drawing/2014/main" id="{37614059-BE27-4177-A35A-9E5F33435268}"/>
+              </a:ext>
+            </a:extLst>
+          </p:cNvPr>
+          <p:cNvSpPr/>
+          <p:nvPr/>
+        </p:nvSpPr>
+        <p:spPr>
+          <a:xfrm>
+            <a:off x="1278568" y="2050761"/>
+            <a:ext cx="1055621" cy="449935"/>
+          </a:xfrm>
+          <a:prstGeom prst="roundRect">
+            <a:avLst/>
+          </a:prstGeom>
+          <a:noFill/>
+          <a:ln>
+            <a:solidFill>
+              <a:srgbClr val="FF0000"/>
+            </a:solidFill>
+          </a:ln>
+        </p:spPr>
+        <p:style>
+          <a:lnRef idx="2">
+            <a:schemeClr val="accent1">
+              <a:shade val="50000"/>
+            </a:schemeClr>
+          </a:lnRef>
+          <a:fillRef idx="1">
+            <a:schemeClr val="accent1"/>
+          </a:fillRef>
+          <a:effectRef idx="0">
+            <a:schemeClr val="accent1"/>
+          </a:effectRef>
+          <a:fontRef idx="minor">
+            <a:schemeClr val="lt1"/>
+          </a:fontRef>
+        </p:style>
+        <p:txBody>
+          <a:bodyPr rtlCol="0" anchor="ctr"/>
+          <a:lstStyle/>
+          <a:p>
+            <a:pPr algn="ctr"/>
+            <a:r>
+              <a:rPr lang="en-US" altLang="zh-TW" dirty="0">
+                <a:solidFill>
+                  <a:srgbClr val="FF0000"/>
+                </a:solidFill>
+              </a:rPr>
+              <a:t>Activity1</a:t>
+            </a:r>
+            <a:endParaRPr lang="zh-TW" altLang="en-US" dirty="0">
+              <a:solidFill>
+                <a:srgbClr val="FF0000"/>
+              </a:solidFill>
+            </a:endParaRPr>
+          </a:p>
+        </p:txBody>
+      </p:sp>
+      <p:sp>
+        <p:nvSpPr>
+          <p:cNvPr id="3" name="向下箭號 2"/>
+          <p:cNvSpPr/>
+          <p:nvPr/>
+        </p:nvSpPr>
+        <p:spPr>
+          <a:xfrm rot="18759912">
+            <a:off x="2292222" y="2258048"/>
+            <a:ext cx="318718" cy="646928"/>
+          </a:xfrm>
+          <a:prstGeom prst="downArrow">
+            <a:avLst/>
+          </a:prstGeom>
+          <a:solidFill>
+            <a:srgbClr val="FFC000"/>
+          </a:solidFill>
+        </p:spPr>
+        <p:style>
+          <a:lnRef idx="2">
+            <a:schemeClr val="accent1">
+              <a:shade val="50000"/>
+            </a:schemeClr>
+          </a:lnRef>
+          <a:fillRef idx="1">
+            <a:schemeClr val="accent1"/>
+          </a:fillRef>
+          <a:effectRef idx="0">
+            <a:schemeClr val="accent1"/>
+          </a:effectRef>
+          <a:fontRef idx="minor">
+            <a:schemeClr val="lt1"/>
+          </a:fontRef>
+        </p:style>
+        <p:txBody>
+          <a:bodyPr rtlCol="0" anchor="ctr"/>
+          <a:lstStyle/>
+          <a:p>
+            <a:pPr algn="ctr"/>
+            <a:endParaRPr lang="zh-TW" altLang="en-US" dirty="0"/>
+          </a:p>
+        </p:txBody>
+      </p:sp>
+      <p:sp>
+        <p:nvSpPr>
+          <p:cNvPr id="5" name="文字方塊 4"/>
+          <p:cNvSpPr txBox="1"/>
+          <p:nvPr/>
+        </p:nvSpPr>
+        <p:spPr>
+          <a:xfrm rot="2741817">
+            <a:off x="2167458" y="2429033"/>
+            <a:ext cx="526228" cy="276999"/>
+          </a:xfrm>
+          <a:prstGeom prst="rect">
+            <a:avLst/>
+          </a:prstGeom>
+          <a:noFill/>
+        </p:spPr>
+        <p:txBody>
+          <a:bodyPr wrap="square" rtlCol="0">
+            <a:spAutoFit/>
+          </a:bodyPr>
+          <a:lstStyle/>
+          <a:p>
+            <a:r>
+              <a:rPr lang="en-US" altLang="zh-TW" sz="1200" dirty="0">
+                <a:solidFill>
+                  <a:srgbClr val="FF0000"/>
+                </a:solidFill>
+              </a:rPr>
+              <a:t>call</a:t>
+            </a:r>
+            <a:endParaRPr lang="zh-TW" altLang="en-US" sz="1200" dirty="0">
+              <a:solidFill>
+                <a:srgbClr val="FF0000"/>
+              </a:solidFill>
+            </a:endParaRPr>
+          </a:p>
+        </p:txBody>
+      </p:sp>
+      <p:sp>
+        <p:nvSpPr>
+          <p:cNvPr id="48" name="文字方塊 47"/>
+          <p:cNvSpPr txBox="1"/>
+          <p:nvPr/>
+        </p:nvSpPr>
+        <p:spPr>
+          <a:xfrm>
+            <a:off x="10308723" y="32012"/>
+            <a:ext cx="2132212" cy="369332"/>
+          </a:xfrm>
+          <a:prstGeom prst="rect">
+            <a:avLst/>
+          </a:prstGeom>
+          <a:noFill/>
+        </p:spPr>
+        <p:txBody>
+          <a:bodyPr wrap="square" rtlCol="0">
+            <a:spAutoFit/>
+          </a:bodyPr>
+          <a:lstStyle/>
+          <a:p>
+            <a:r>
+              <a:rPr lang="en-US" altLang="zh-TW" dirty="0"/>
+              <a:t>Reference from AI</a:t>
+            </a:r>
+            <a:endParaRPr lang="zh-TW" altLang="en-US" dirty="0"/>
+          </a:p>
+        </p:txBody>
+      </p:sp>
     </p:spTree>
     <p:extLst>
       <p:ext uri="{BB962C8B-B14F-4D97-AF65-F5344CB8AC3E}">
-        <p14:creationId xmlns:p14="http://schemas.microsoft.com/office/powerpoint/2010/main" val="3747277568"/>
+        <p14:creationId xmlns:p14="http://schemas.microsoft.com/office/powerpoint/2010/main" val="3098266929"/>
       </p:ext>
     </p:extLst>
   </p:cSld>
@@ -8817,48 +8764,12 @@
           </a:p>
         </p:txBody>
       </p:sp>
-      <p:sp>
-        <p:nvSpPr>
-          <p:cNvPr id="46" name="文字方塊 45">
-            <a:extLst>
-              <a:ext uri="{FF2B5EF4-FFF2-40B4-BE49-F238E27FC236}">
-                <a16:creationId xmlns:a16="http://schemas.microsoft.com/office/drawing/2014/main" id="{54E4FD1B-3D7F-433F-95D7-8607446F96EB}"/>
-              </a:ext>
-            </a:extLst>
-          </p:cNvPr>
-          <p:cNvSpPr txBox="1"/>
-          <p:nvPr/>
-        </p:nvSpPr>
-        <p:spPr>
-          <a:xfrm>
-            <a:off x="136351" y="802364"/>
-            <a:ext cx="6219644" cy="369332"/>
-          </a:xfrm>
-          <a:prstGeom prst="rect">
-            <a:avLst/>
-          </a:prstGeom>
-          <a:noFill/>
-        </p:spPr>
-        <p:txBody>
-          <a:bodyPr wrap="square">
-            <a:spAutoFit/>
-          </a:bodyPr>
-          <a:lstStyle/>
-          <a:p>
-            <a:r>
-              <a:rPr lang="en-US" altLang="zh-TW" dirty="0"/>
-              <a:t>App2:Activity2 external call permission settings</a:t>
-            </a:r>
-            <a:endParaRPr lang="zh-TW" altLang="en-US" dirty="0"/>
-          </a:p>
-        </p:txBody>
-      </p:sp>
       <p:pic>
         <p:nvPicPr>
-          <p:cNvPr id="5" name="圖片 4">
-            <a:extLst>
-              <a:ext uri="{FF2B5EF4-FFF2-40B4-BE49-F238E27FC236}">
-                <a16:creationId xmlns:a16="http://schemas.microsoft.com/office/drawing/2014/main" id="{D3F5F878-1B0E-4742-8FC9-8D2CF5D81370}"/>
+          <p:cNvPr id="7" name="圖片 6">
+            <a:extLst>
+              <a:ext uri="{FF2B5EF4-FFF2-40B4-BE49-F238E27FC236}">
+                <a16:creationId xmlns:a16="http://schemas.microsoft.com/office/drawing/2014/main" id="{97E50E55-BE5E-4628-91BB-D29C82BE6AC7}"/>
               </a:ext>
             </a:extLst>
           </p:cNvPr>
@@ -8875,39 +8786,257 @@
         </p:blipFill>
         <p:spPr>
           <a:xfrm>
-            <a:off x="215621" y="1271567"/>
-            <a:ext cx="8591952" cy="4836728"/>
+            <a:off x="136351" y="1383365"/>
+            <a:ext cx="7247862" cy="5336610"/>
           </a:xfrm>
           <a:prstGeom prst="rect">
             <a:avLst/>
           </a:prstGeom>
         </p:spPr>
       </p:pic>
+      <p:sp>
+        <p:nvSpPr>
+          <p:cNvPr id="46" name="文字方塊 45">
+            <a:extLst>
+              <a:ext uri="{FF2B5EF4-FFF2-40B4-BE49-F238E27FC236}">
+                <a16:creationId xmlns:a16="http://schemas.microsoft.com/office/drawing/2014/main" id="{54E4FD1B-3D7F-433F-95D7-8607446F96EB}"/>
+              </a:ext>
+            </a:extLst>
+          </p:cNvPr>
+          <p:cNvSpPr txBox="1"/>
+          <p:nvPr/>
+        </p:nvSpPr>
+        <p:spPr>
+          <a:xfrm>
+            <a:off x="136351" y="888625"/>
+            <a:ext cx="6219644" cy="369332"/>
+          </a:xfrm>
+          <a:prstGeom prst="rect">
+            <a:avLst/>
+          </a:prstGeom>
+          <a:noFill/>
+        </p:spPr>
+        <p:txBody>
+          <a:bodyPr wrap="square">
+            <a:spAutoFit/>
+          </a:bodyPr>
+          <a:lstStyle/>
+          <a:p>
+            <a:r>
+              <a:rPr lang="en-US" altLang="zh-TW" dirty="0"/>
+              <a:t>App1:Activity1 Button Event change call Object.</a:t>
+            </a:r>
+            <a:endParaRPr lang="zh-TW" altLang="en-US" dirty="0"/>
+          </a:p>
+        </p:txBody>
+      </p:sp>
+      <p:sp>
+        <p:nvSpPr>
+          <p:cNvPr id="9" name="文字方塊 8">
+            <a:extLst>
+              <a:ext uri="{FF2B5EF4-FFF2-40B4-BE49-F238E27FC236}">
+                <a16:creationId xmlns:a16="http://schemas.microsoft.com/office/drawing/2014/main" id="{8778D78B-845D-4C79-95F9-E7364A9C790F}"/>
+              </a:ext>
+            </a:extLst>
+          </p:cNvPr>
+          <p:cNvSpPr txBox="1"/>
+          <p:nvPr/>
+        </p:nvSpPr>
+        <p:spPr>
+          <a:xfrm>
+            <a:off x="1406107" y="2018581"/>
+            <a:ext cx="5745191" cy="646331"/>
+          </a:xfrm>
+          <a:prstGeom prst="rect">
+            <a:avLst/>
+          </a:prstGeom>
+          <a:noFill/>
+          <a:ln w="28575">
+            <a:solidFill>
+              <a:srgbClr val="FFC000"/>
+            </a:solidFill>
+          </a:ln>
+        </p:spPr>
+        <p:txBody>
+          <a:bodyPr wrap="square" rtlCol="0">
+            <a:spAutoFit/>
+          </a:bodyPr>
+          <a:lstStyle/>
+          <a:p>
+            <a:endParaRPr lang="en-US" altLang="zh-TW" dirty="0"/>
+          </a:p>
+          <a:p>
+            <a:endParaRPr lang="en-US" altLang="zh-TW" dirty="0"/>
+          </a:p>
+        </p:txBody>
+      </p:sp>
+      <p:sp>
+        <p:nvSpPr>
+          <p:cNvPr id="10" name="矩形 9">
+            <a:extLst>
+              <a:ext uri="{FF2B5EF4-FFF2-40B4-BE49-F238E27FC236}">
+                <a16:creationId xmlns:a16="http://schemas.microsoft.com/office/drawing/2014/main" id="{BE85694E-6883-4318-B364-6716A84B2A4C}"/>
+              </a:ext>
+            </a:extLst>
+          </p:cNvPr>
+          <p:cNvSpPr/>
+          <p:nvPr/>
+        </p:nvSpPr>
+        <p:spPr>
+          <a:xfrm>
+            <a:off x="1406106" y="2915728"/>
+            <a:ext cx="5745191" cy="3148642"/>
+          </a:xfrm>
+          <a:prstGeom prst="rect">
+            <a:avLst/>
+          </a:prstGeom>
+          <a:noFill/>
+          <a:ln w="28575">
+            <a:solidFill>
+              <a:srgbClr val="00B050"/>
+            </a:solidFill>
+          </a:ln>
+        </p:spPr>
+        <p:style>
+          <a:lnRef idx="2">
+            <a:schemeClr val="accent1">
+              <a:shade val="50000"/>
+            </a:schemeClr>
+          </a:lnRef>
+          <a:fillRef idx="1">
+            <a:schemeClr val="accent1"/>
+          </a:fillRef>
+          <a:effectRef idx="0">
+            <a:schemeClr val="accent1"/>
+          </a:effectRef>
+          <a:fontRef idx="minor">
+            <a:schemeClr val="lt1"/>
+          </a:fontRef>
+        </p:style>
+        <p:txBody>
+          <a:bodyPr rtlCol="0" anchor="ctr"/>
+          <a:lstStyle/>
+          <a:p>
+            <a:pPr algn="ctr"/>
+            <a:endParaRPr lang="zh-TW" altLang="en-US"/>
+          </a:p>
+        </p:txBody>
+      </p:sp>
+      <p:sp>
+        <p:nvSpPr>
+          <p:cNvPr id="11" name="文字方塊 10">
+            <a:extLst>
+              <a:ext uri="{FF2B5EF4-FFF2-40B4-BE49-F238E27FC236}">
+                <a16:creationId xmlns:a16="http://schemas.microsoft.com/office/drawing/2014/main" id="{231E69F2-22CF-4244-8C61-3495DAD87A9D}"/>
+              </a:ext>
+            </a:extLst>
+          </p:cNvPr>
+          <p:cNvSpPr txBox="1"/>
+          <p:nvPr/>
+        </p:nvSpPr>
+        <p:spPr>
+          <a:xfrm>
+            <a:off x="7573995" y="4305383"/>
+            <a:ext cx="3786996" cy="369332"/>
+          </a:xfrm>
+          <a:prstGeom prst="rect">
+            <a:avLst/>
+          </a:prstGeom>
+          <a:noFill/>
+        </p:spPr>
+        <p:txBody>
+          <a:bodyPr wrap="square" rtlCol="0">
+            <a:spAutoFit/>
+          </a:bodyPr>
+          <a:lstStyle/>
+          <a:p>
+            <a:r>
+              <a:rPr lang="en-US" altLang="zh-TW" dirty="0">
+                <a:solidFill>
+                  <a:srgbClr val="00B050"/>
+                </a:solidFill>
+              </a:rPr>
+              <a:t>This Code is call Activity2 of App2.</a:t>
+            </a:r>
+            <a:endParaRPr lang="zh-TW" altLang="en-US" dirty="0">
+              <a:solidFill>
+                <a:srgbClr val="00B050"/>
+              </a:solidFill>
+            </a:endParaRPr>
+          </a:p>
+        </p:txBody>
+      </p:sp>
+      <p:sp>
+        <p:nvSpPr>
+          <p:cNvPr id="50" name="文字方塊 49">
+            <a:extLst>
+              <a:ext uri="{FF2B5EF4-FFF2-40B4-BE49-F238E27FC236}">
+                <a16:creationId xmlns:a16="http://schemas.microsoft.com/office/drawing/2014/main" id="{32929928-D5E9-4315-B4E9-04C4EA9C5828}"/>
+              </a:ext>
+            </a:extLst>
+          </p:cNvPr>
+          <p:cNvSpPr txBox="1"/>
+          <p:nvPr/>
+        </p:nvSpPr>
+        <p:spPr>
+          <a:xfrm>
+            <a:off x="7573995" y="2157080"/>
+            <a:ext cx="3786996" cy="369332"/>
+          </a:xfrm>
+          <a:prstGeom prst="rect">
+            <a:avLst/>
+          </a:prstGeom>
+          <a:noFill/>
+        </p:spPr>
+        <p:txBody>
+          <a:bodyPr wrap="square" rtlCol="0">
+            <a:spAutoFit/>
+          </a:bodyPr>
+          <a:lstStyle/>
+          <a:p>
+            <a:r>
+              <a:rPr lang="en-US" altLang="zh-TW" dirty="0">
+                <a:solidFill>
+                  <a:srgbClr val="FFC000"/>
+                </a:solidFill>
+              </a:rPr>
+              <a:t>This Code is call Activity2 of App1.</a:t>
+            </a:r>
+            <a:endParaRPr lang="zh-TW" altLang="en-US" dirty="0">
+              <a:solidFill>
+                <a:srgbClr val="FFC000"/>
+              </a:solidFill>
+            </a:endParaRPr>
+          </a:p>
+        </p:txBody>
+      </p:sp>
       <p:cxnSp>
         <p:nvCxnSpPr>
-          <p:cNvPr id="8" name="直線單箭頭接點 7">
-            <a:extLst>
-              <a:ext uri="{FF2B5EF4-FFF2-40B4-BE49-F238E27FC236}">
-                <a16:creationId xmlns:a16="http://schemas.microsoft.com/office/drawing/2014/main" id="{BE6B0D59-5B7B-47D2-933E-312A8CE79278}"/>
+          <p:cNvPr id="13" name="直線單箭頭接點 12">
+            <a:extLst>
+              <a:ext uri="{FF2B5EF4-FFF2-40B4-BE49-F238E27FC236}">
+                <a16:creationId xmlns:a16="http://schemas.microsoft.com/office/drawing/2014/main" id="{8B6BBC62-7A39-4B61-BB03-F41D7EDB80FB}"/>
               </a:ext>
             </a:extLst>
           </p:cNvPr>
           <p:cNvCxnSpPr>
             <a:cxnSpLocks/>
+            <a:stCxn id="50" idx="1"/>
+            <a:endCxn id="9" idx="3"/>
           </p:cNvCxnSpPr>
           <p:nvPr/>
         </p:nvCxnSpPr>
         <p:spPr>
           <a:xfrm flipH="1">
-            <a:off x="4390847" y="2725952"/>
-            <a:ext cx="4520241" cy="0"/>
+            <a:off x="7151298" y="2341746"/>
+            <a:ext cx="422697" cy="1"/>
           </a:xfrm>
           <a:prstGeom prst="straightConnector1">
             <a:avLst/>
           </a:prstGeom>
-          <a:ln w="28575">
+          <a:ln w="38100">
             <a:solidFill>
-              <a:srgbClr val="FF0000"/>
+              <a:srgbClr val="FFC000"/>
             </a:solidFill>
             <a:tailEnd type="triangle"/>
           </a:ln>
@@ -8927,75 +9056,56 @@
           </a:fontRef>
         </p:style>
       </p:cxnSp>
-      <p:sp>
-        <p:nvSpPr>
-          <p:cNvPr id="12" name="文字方塊 11">
-            <a:extLst>
-              <a:ext uri="{FF2B5EF4-FFF2-40B4-BE49-F238E27FC236}">
-                <a16:creationId xmlns:a16="http://schemas.microsoft.com/office/drawing/2014/main" id="{2DC98352-BACD-4ADA-9090-95599D3395DF}"/>
-              </a:ext>
-            </a:extLst>
-          </p:cNvPr>
-          <p:cNvSpPr txBox="1"/>
-          <p:nvPr/>
-        </p:nvSpPr>
-        <p:spPr>
-          <a:xfrm>
-            <a:off x="8911089" y="2353911"/>
-            <a:ext cx="3255034" cy="1477328"/>
-          </a:xfrm>
-          <a:prstGeom prst="rect">
-            <a:avLst/>
-          </a:prstGeom>
-          <a:noFill/>
-        </p:spPr>
-        <p:txBody>
-          <a:bodyPr wrap="square" rtlCol="0">
-            <a:spAutoFit/>
-          </a:bodyPr>
-          <a:lstStyle/>
-          <a:p>
-            <a:r>
-              <a:rPr lang="en-US" altLang="zh-TW" dirty="0">
-                <a:solidFill>
-                  <a:srgbClr val="FF0000"/>
-                </a:solidFill>
-              </a:rPr>
-              <a:t>Exported=“true”:</a:t>
-            </a:r>
-          </a:p>
-          <a:p>
-            <a:r>
-              <a:rPr lang="en-US" altLang="zh-TW" dirty="0">
-                <a:solidFill>
-                  <a:srgbClr val="FF0000"/>
-                </a:solidFill>
-              </a:rPr>
-              <a:t>This can be called externally.</a:t>
-            </a:r>
-          </a:p>
-          <a:p>
-            <a:endParaRPr lang="en-US" altLang="zh-TW" dirty="0"/>
-          </a:p>
-          <a:p>
-            <a:r>
-              <a:rPr lang="en-US" altLang="zh-TW" dirty="0"/>
-              <a:t>Exported=“false”:(Default)</a:t>
-            </a:r>
-          </a:p>
-          <a:p>
-            <a:r>
-              <a:rPr lang="en-US" altLang="zh-TW" dirty="0"/>
-              <a:t>This cannot be called externally.</a:t>
-            </a:r>
-            <a:endParaRPr lang="zh-TW" altLang="en-US" dirty="0"/>
-          </a:p>
-        </p:txBody>
-      </p:sp>
+      <p:cxnSp>
+        <p:nvCxnSpPr>
+          <p:cNvPr id="59" name="直線單箭頭接點 58">
+            <a:extLst>
+              <a:ext uri="{FF2B5EF4-FFF2-40B4-BE49-F238E27FC236}">
+                <a16:creationId xmlns:a16="http://schemas.microsoft.com/office/drawing/2014/main" id="{F3A60993-E032-4BC6-9BED-97322984B478}"/>
+              </a:ext>
+            </a:extLst>
+          </p:cNvPr>
+          <p:cNvCxnSpPr>
+            <a:cxnSpLocks/>
+            <a:stCxn id="11" idx="1"/>
+            <a:endCxn id="10" idx="3"/>
+          </p:cNvCxnSpPr>
+          <p:nvPr/>
+        </p:nvCxnSpPr>
+        <p:spPr>
+          <a:xfrm flipH="1">
+            <a:off x="7151297" y="4490049"/>
+            <a:ext cx="422698" cy="0"/>
+          </a:xfrm>
+          <a:prstGeom prst="straightConnector1">
+            <a:avLst/>
+          </a:prstGeom>
+          <a:ln w="38100">
+            <a:solidFill>
+              <a:srgbClr val="00B050"/>
+            </a:solidFill>
+            <a:tailEnd type="triangle"/>
+          </a:ln>
+        </p:spPr>
+        <p:style>
+          <a:lnRef idx="1">
+            <a:schemeClr val="accent1"/>
+          </a:lnRef>
+          <a:fillRef idx="0">
+            <a:schemeClr val="accent1"/>
+          </a:fillRef>
+          <a:effectRef idx="0">
+            <a:schemeClr val="accent1"/>
+          </a:effectRef>
+          <a:fontRef idx="minor">
+            <a:schemeClr val="tx1"/>
+          </a:fontRef>
+        </p:style>
+      </p:cxnSp>
     </p:spTree>
     <p:extLst>
       <p:ext uri="{BB962C8B-B14F-4D97-AF65-F5344CB8AC3E}">
-        <p14:creationId xmlns:p14="http://schemas.microsoft.com/office/powerpoint/2010/main" val="3873993158"/>
+        <p14:creationId xmlns:p14="http://schemas.microsoft.com/office/powerpoint/2010/main" val="3747277568"/>
       </p:ext>
     </p:extLst>
   </p:cSld>

--- a/Teach.pptx
+++ b/Teach.pptx
@@ -12,9 +12,10 @@
     <p:sldId id="259" r:id="rId6"/>
     <p:sldId id="264" r:id="rId7"/>
     <p:sldId id="265" r:id="rId8"/>
-    <p:sldId id="260" r:id="rId9"/>
-    <p:sldId id="262" r:id="rId10"/>
-    <p:sldId id="263" r:id="rId11"/>
+    <p:sldId id="266" r:id="rId9"/>
+    <p:sldId id="260" r:id="rId10"/>
+    <p:sldId id="262" r:id="rId11"/>
+    <p:sldId id="263" r:id="rId12"/>
   </p:sldIdLst>
   <p:sldSz cx="12192000" cy="6858000"/>
   <p:notesSz cx="6858000" cy="9144000"/>
@@ -268,7 +269,7 @@
           <a:p>
             <a:fld id="{C1B7E2FF-282E-4E99-9339-886EC79B9799}" type="datetimeFigureOut">
               <a:rPr lang="zh-TW" altLang="en-US" smtClean="0"/>
-              <a:t>2025/5/21</a:t>
+              <a:t>2025/5/27</a:t>
             </a:fld>
             <a:endParaRPr lang="zh-TW" altLang="en-US"/>
           </a:p>
@@ -466,7 +467,7 @@
           <a:p>
             <a:fld id="{C1B7E2FF-282E-4E99-9339-886EC79B9799}" type="datetimeFigureOut">
               <a:rPr lang="zh-TW" altLang="en-US" smtClean="0"/>
-              <a:t>2025/5/21</a:t>
+              <a:t>2025/5/27</a:t>
             </a:fld>
             <a:endParaRPr lang="zh-TW" altLang="en-US"/>
           </a:p>
@@ -674,7 +675,7 @@
           <a:p>
             <a:fld id="{C1B7E2FF-282E-4E99-9339-886EC79B9799}" type="datetimeFigureOut">
               <a:rPr lang="zh-TW" altLang="en-US" smtClean="0"/>
-              <a:t>2025/5/21</a:t>
+              <a:t>2025/5/27</a:t>
             </a:fld>
             <a:endParaRPr lang="zh-TW" altLang="en-US"/>
           </a:p>
@@ -872,7 +873,7 @@
           <a:p>
             <a:fld id="{C1B7E2FF-282E-4E99-9339-886EC79B9799}" type="datetimeFigureOut">
               <a:rPr lang="zh-TW" altLang="en-US" smtClean="0"/>
-              <a:t>2025/5/21</a:t>
+              <a:t>2025/5/27</a:t>
             </a:fld>
             <a:endParaRPr lang="zh-TW" altLang="en-US"/>
           </a:p>
@@ -1147,7 +1148,7 @@
           <a:p>
             <a:fld id="{C1B7E2FF-282E-4E99-9339-886EC79B9799}" type="datetimeFigureOut">
               <a:rPr lang="zh-TW" altLang="en-US" smtClean="0"/>
-              <a:t>2025/5/21</a:t>
+              <a:t>2025/5/27</a:t>
             </a:fld>
             <a:endParaRPr lang="zh-TW" altLang="en-US"/>
           </a:p>
@@ -1412,7 +1413,7 @@
           <a:p>
             <a:fld id="{C1B7E2FF-282E-4E99-9339-886EC79B9799}" type="datetimeFigureOut">
               <a:rPr lang="zh-TW" altLang="en-US" smtClean="0"/>
-              <a:t>2025/5/21</a:t>
+              <a:t>2025/5/27</a:t>
             </a:fld>
             <a:endParaRPr lang="zh-TW" altLang="en-US"/>
           </a:p>
@@ -1824,7 +1825,7 @@
           <a:p>
             <a:fld id="{C1B7E2FF-282E-4E99-9339-886EC79B9799}" type="datetimeFigureOut">
               <a:rPr lang="zh-TW" altLang="en-US" smtClean="0"/>
-              <a:t>2025/5/21</a:t>
+              <a:t>2025/5/27</a:t>
             </a:fld>
             <a:endParaRPr lang="zh-TW" altLang="en-US"/>
           </a:p>
@@ -1965,7 +1966,7 @@
           <a:p>
             <a:fld id="{C1B7E2FF-282E-4E99-9339-886EC79B9799}" type="datetimeFigureOut">
               <a:rPr lang="zh-TW" altLang="en-US" smtClean="0"/>
-              <a:t>2025/5/21</a:t>
+              <a:t>2025/5/27</a:t>
             </a:fld>
             <a:endParaRPr lang="zh-TW" altLang="en-US"/>
           </a:p>
@@ -2078,7 +2079,7 @@
           <a:p>
             <a:fld id="{C1B7E2FF-282E-4E99-9339-886EC79B9799}" type="datetimeFigureOut">
               <a:rPr lang="zh-TW" altLang="en-US" smtClean="0"/>
-              <a:t>2025/5/21</a:t>
+              <a:t>2025/5/27</a:t>
             </a:fld>
             <a:endParaRPr lang="zh-TW" altLang="en-US"/>
           </a:p>
@@ -2389,7 +2390,7 @@
           <a:p>
             <a:fld id="{C1B7E2FF-282E-4E99-9339-886EC79B9799}" type="datetimeFigureOut">
               <a:rPr lang="zh-TW" altLang="en-US" smtClean="0"/>
-              <a:t>2025/5/21</a:t>
+              <a:t>2025/5/27</a:t>
             </a:fld>
             <a:endParaRPr lang="zh-TW" altLang="en-US"/>
           </a:p>
@@ -2677,7 +2678,7 @@
           <a:p>
             <a:fld id="{C1B7E2FF-282E-4E99-9339-886EC79B9799}" type="datetimeFigureOut">
               <a:rPr lang="zh-TW" altLang="en-US" smtClean="0"/>
-              <a:t>2025/5/21</a:t>
+              <a:t>2025/5/27</a:t>
             </a:fld>
             <a:endParaRPr lang="zh-TW" altLang="en-US"/>
           </a:p>
@@ -2918,7 +2919,7 @@
           <a:p>
             <a:fld id="{C1B7E2FF-282E-4E99-9339-886EC79B9799}" type="datetimeFigureOut">
               <a:rPr lang="zh-TW" altLang="en-US" smtClean="0"/>
-              <a:t>2025/5/21</a:t>
+              <a:t>2025/5/27</a:t>
             </a:fld>
             <a:endParaRPr lang="zh-TW" altLang="en-US"/>
           </a:p>
@@ -3430,6 +3431,410 @@
           </a:p>
         </p:txBody>
       </p:sp>
+      <p:pic>
+        <p:nvPicPr>
+          <p:cNvPr id="7" name="圖片 6">
+            <a:extLst>
+              <a:ext uri="{FF2B5EF4-FFF2-40B4-BE49-F238E27FC236}">
+                <a16:creationId xmlns:a16="http://schemas.microsoft.com/office/drawing/2014/main" id="{97E50E55-BE5E-4628-91BB-D29C82BE6AC7}"/>
+              </a:ext>
+            </a:extLst>
+          </p:cNvPr>
+          <p:cNvPicPr>
+            <a:picLocks noChangeAspect="1"/>
+          </p:cNvPicPr>
+          <p:nvPr/>
+        </p:nvPicPr>
+        <p:blipFill>
+          <a:blip r:embed="rId2"/>
+          <a:stretch>
+            <a:fillRect/>
+          </a:stretch>
+        </p:blipFill>
+        <p:spPr>
+          <a:xfrm>
+            <a:off x="136351" y="1383365"/>
+            <a:ext cx="7247862" cy="5336610"/>
+          </a:xfrm>
+          <a:prstGeom prst="rect">
+            <a:avLst/>
+          </a:prstGeom>
+        </p:spPr>
+      </p:pic>
+      <p:sp>
+        <p:nvSpPr>
+          <p:cNvPr id="46" name="文字方塊 45">
+            <a:extLst>
+              <a:ext uri="{FF2B5EF4-FFF2-40B4-BE49-F238E27FC236}">
+                <a16:creationId xmlns:a16="http://schemas.microsoft.com/office/drawing/2014/main" id="{54E4FD1B-3D7F-433F-95D7-8607446F96EB}"/>
+              </a:ext>
+            </a:extLst>
+          </p:cNvPr>
+          <p:cNvSpPr txBox="1"/>
+          <p:nvPr/>
+        </p:nvSpPr>
+        <p:spPr>
+          <a:xfrm>
+            <a:off x="136351" y="888625"/>
+            <a:ext cx="6219644" cy="369332"/>
+          </a:xfrm>
+          <a:prstGeom prst="rect">
+            <a:avLst/>
+          </a:prstGeom>
+          <a:noFill/>
+        </p:spPr>
+        <p:txBody>
+          <a:bodyPr wrap="square">
+            <a:spAutoFit/>
+          </a:bodyPr>
+          <a:lstStyle/>
+          <a:p>
+            <a:r>
+              <a:rPr lang="en-US" altLang="zh-TW" dirty="0"/>
+              <a:t>App1:Activity1 Button Event change call Object.</a:t>
+            </a:r>
+            <a:endParaRPr lang="zh-TW" altLang="en-US" dirty="0"/>
+          </a:p>
+        </p:txBody>
+      </p:sp>
+      <p:sp>
+        <p:nvSpPr>
+          <p:cNvPr id="9" name="文字方塊 8">
+            <a:extLst>
+              <a:ext uri="{FF2B5EF4-FFF2-40B4-BE49-F238E27FC236}">
+                <a16:creationId xmlns:a16="http://schemas.microsoft.com/office/drawing/2014/main" id="{8778D78B-845D-4C79-95F9-E7364A9C790F}"/>
+              </a:ext>
+            </a:extLst>
+          </p:cNvPr>
+          <p:cNvSpPr txBox="1"/>
+          <p:nvPr/>
+        </p:nvSpPr>
+        <p:spPr>
+          <a:xfrm>
+            <a:off x="1406107" y="2018581"/>
+            <a:ext cx="5745191" cy="646331"/>
+          </a:xfrm>
+          <a:prstGeom prst="rect">
+            <a:avLst/>
+          </a:prstGeom>
+          <a:noFill/>
+          <a:ln w="28575">
+            <a:solidFill>
+              <a:srgbClr val="FFC000"/>
+            </a:solidFill>
+          </a:ln>
+        </p:spPr>
+        <p:txBody>
+          <a:bodyPr wrap="square" rtlCol="0">
+            <a:spAutoFit/>
+          </a:bodyPr>
+          <a:lstStyle/>
+          <a:p>
+            <a:endParaRPr lang="en-US" altLang="zh-TW" dirty="0"/>
+          </a:p>
+          <a:p>
+            <a:endParaRPr lang="en-US" altLang="zh-TW" dirty="0"/>
+          </a:p>
+        </p:txBody>
+      </p:sp>
+      <p:sp>
+        <p:nvSpPr>
+          <p:cNvPr id="10" name="矩形 9">
+            <a:extLst>
+              <a:ext uri="{FF2B5EF4-FFF2-40B4-BE49-F238E27FC236}">
+                <a16:creationId xmlns:a16="http://schemas.microsoft.com/office/drawing/2014/main" id="{BE85694E-6883-4318-B364-6716A84B2A4C}"/>
+              </a:ext>
+            </a:extLst>
+          </p:cNvPr>
+          <p:cNvSpPr/>
+          <p:nvPr/>
+        </p:nvSpPr>
+        <p:spPr>
+          <a:xfrm>
+            <a:off x="1406106" y="2915728"/>
+            <a:ext cx="5745191" cy="3148642"/>
+          </a:xfrm>
+          <a:prstGeom prst="rect">
+            <a:avLst/>
+          </a:prstGeom>
+          <a:noFill/>
+          <a:ln w="28575">
+            <a:solidFill>
+              <a:srgbClr val="00B050"/>
+            </a:solidFill>
+          </a:ln>
+        </p:spPr>
+        <p:style>
+          <a:lnRef idx="2">
+            <a:schemeClr val="accent1">
+              <a:shade val="50000"/>
+            </a:schemeClr>
+          </a:lnRef>
+          <a:fillRef idx="1">
+            <a:schemeClr val="accent1"/>
+          </a:fillRef>
+          <a:effectRef idx="0">
+            <a:schemeClr val="accent1"/>
+          </a:effectRef>
+          <a:fontRef idx="minor">
+            <a:schemeClr val="lt1"/>
+          </a:fontRef>
+        </p:style>
+        <p:txBody>
+          <a:bodyPr rtlCol="0" anchor="ctr"/>
+          <a:lstStyle/>
+          <a:p>
+            <a:pPr algn="ctr"/>
+            <a:endParaRPr lang="zh-TW" altLang="en-US"/>
+          </a:p>
+        </p:txBody>
+      </p:sp>
+      <p:sp>
+        <p:nvSpPr>
+          <p:cNvPr id="11" name="文字方塊 10">
+            <a:extLst>
+              <a:ext uri="{FF2B5EF4-FFF2-40B4-BE49-F238E27FC236}">
+                <a16:creationId xmlns:a16="http://schemas.microsoft.com/office/drawing/2014/main" id="{231E69F2-22CF-4244-8C61-3495DAD87A9D}"/>
+              </a:ext>
+            </a:extLst>
+          </p:cNvPr>
+          <p:cNvSpPr txBox="1"/>
+          <p:nvPr/>
+        </p:nvSpPr>
+        <p:spPr>
+          <a:xfrm>
+            <a:off x="7573995" y="4305383"/>
+            <a:ext cx="3786996" cy="369332"/>
+          </a:xfrm>
+          <a:prstGeom prst="rect">
+            <a:avLst/>
+          </a:prstGeom>
+          <a:noFill/>
+        </p:spPr>
+        <p:txBody>
+          <a:bodyPr wrap="square" rtlCol="0">
+            <a:spAutoFit/>
+          </a:bodyPr>
+          <a:lstStyle/>
+          <a:p>
+            <a:r>
+              <a:rPr lang="en-US" altLang="zh-TW" dirty="0">
+                <a:solidFill>
+                  <a:srgbClr val="00B050"/>
+                </a:solidFill>
+              </a:rPr>
+              <a:t>This Code is call Activity2 of App2.</a:t>
+            </a:r>
+            <a:endParaRPr lang="zh-TW" altLang="en-US" dirty="0">
+              <a:solidFill>
+                <a:srgbClr val="00B050"/>
+              </a:solidFill>
+            </a:endParaRPr>
+          </a:p>
+        </p:txBody>
+      </p:sp>
+      <p:sp>
+        <p:nvSpPr>
+          <p:cNvPr id="50" name="文字方塊 49">
+            <a:extLst>
+              <a:ext uri="{FF2B5EF4-FFF2-40B4-BE49-F238E27FC236}">
+                <a16:creationId xmlns:a16="http://schemas.microsoft.com/office/drawing/2014/main" id="{32929928-D5E9-4315-B4E9-04C4EA9C5828}"/>
+              </a:ext>
+            </a:extLst>
+          </p:cNvPr>
+          <p:cNvSpPr txBox="1"/>
+          <p:nvPr/>
+        </p:nvSpPr>
+        <p:spPr>
+          <a:xfrm>
+            <a:off x="7573995" y="2157080"/>
+            <a:ext cx="3786996" cy="369332"/>
+          </a:xfrm>
+          <a:prstGeom prst="rect">
+            <a:avLst/>
+          </a:prstGeom>
+          <a:noFill/>
+        </p:spPr>
+        <p:txBody>
+          <a:bodyPr wrap="square" rtlCol="0">
+            <a:spAutoFit/>
+          </a:bodyPr>
+          <a:lstStyle/>
+          <a:p>
+            <a:r>
+              <a:rPr lang="en-US" altLang="zh-TW" dirty="0">
+                <a:solidFill>
+                  <a:srgbClr val="FFC000"/>
+                </a:solidFill>
+              </a:rPr>
+              <a:t>This Code is call Activity2 of App1.</a:t>
+            </a:r>
+            <a:endParaRPr lang="zh-TW" altLang="en-US" dirty="0">
+              <a:solidFill>
+                <a:srgbClr val="FFC000"/>
+              </a:solidFill>
+            </a:endParaRPr>
+          </a:p>
+        </p:txBody>
+      </p:sp>
+      <p:cxnSp>
+        <p:nvCxnSpPr>
+          <p:cNvPr id="13" name="直線單箭頭接點 12">
+            <a:extLst>
+              <a:ext uri="{FF2B5EF4-FFF2-40B4-BE49-F238E27FC236}">
+                <a16:creationId xmlns:a16="http://schemas.microsoft.com/office/drawing/2014/main" id="{8B6BBC62-7A39-4B61-BB03-F41D7EDB80FB}"/>
+              </a:ext>
+            </a:extLst>
+          </p:cNvPr>
+          <p:cNvCxnSpPr>
+            <a:cxnSpLocks/>
+            <a:stCxn id="50" idx="1"/>
+            <a:endCxn id="9" idx="3"/>
+          </p:cNvCxnSpPr>
+          <p:nvPr/>
+        </p:nvCxnSpPr>
+        <p:spPr>
+          <a:xfrm flipH="1">
+            <a:off x="7151298" y="2341746"/>
+            <a:ext cx="422697" cy="1"/>
+          </a:xfrm>
+          <a:prstGeom prst="straightConnector1">
+            <a:avLst/>
+          </a:prstGeom>
+          <a:ln w="38100">
+            <a:solidFill>
+              <a:srgbClr val="FFC000"/>
+            </a:solidFill>
+            <a:tailEnd type="triangle"/>
+          </a:ln>
+        </p:spPr>
+        <p:style>
+          <a:lnRef idx="1">
+            <a:schemeClr val="accent1"/>
+          </a:lnRef>
+          <a:fillRef idx="0">
+            <a:schemeClr val="accent1"/>
+          </a:fillRef>
+          <a:effectRef idx="0">
+            <a:schemeClr val="accent1"/>
+          </a:effectRef>
+          <a:fontRef idx="minor">
+            <a:schemeClr val="tx1"/>
+          </a:fontRef>
+        </p:style>
+      </p:cxnSp>
+      <p:cxnSp>
+        <p:nvCxnSpPr>
+          <p:cNvPr id="59" name="直線單箭頭接點 58">
+            <a:extLst>
+              <a:ext uri="{FF2B5EF4-FFF2-40B4-BE49-F238E27FC236}">
+                <a16:creationId xmlns:a16="http://schemas.microsoft.com/office/drawing/2014/main" id="{F3A60993-E032-4BC6-9BED-97322984B478}"/>
+              </a:ext>
+            </a:extLst>
+          </p:cNvPr>
+          <p:cNvCxnSpPr>
+            <a:cxnSpLocks/>
+            <a:stCxn id="11" idx="1"/>
+            <a:endCxn id="10" idx="3"/>
+          </p:cNvCxnSpPr>
+          <p:nvPr/>
+        </p:nvCxnSpPr>
+        <p:spPr>
+          <a:xfrm flipH="1">
+            <a:off x="7151297" y="4490049"/>
+            <a:ext cx="422698" cy="0"/>
+          </a:xfrm>
+          <a:prstGeom prst="straightConnector1">
+            <a:avLst/>
+          </a:prstGeom>
+          <a:ln w="38100">
+            <a:solidFill>
+              <a:srgbClr val="00B050"/>
+            </a:solidFill>
+            <a:tailEnd type="triangle"/>
+          </a:ln>
+        </p:spPr>
+        <p:style>
+          <a:lnRef idx="1">
+            <a:schemeClr val="accent1"/>
+          </a:lnRef>
+          <a:fillRef idx="0">
+            <a:schemeClr val="accent1"/>
+          </a:fillRef>
+          <a:effectRef idx="0">
+            <a:schemeClr val="accent1"/>
+          </a:effectRef>
+          <a:fontRef idx="minor">
+            <a:schemeClr val="tx1"/>
+          </a:fontRef>
+        </p:style>
+      </p:cxnSp>
+    </p:spTree>
+    <p:extLst>
+      <p:ext uri="{BB962C8B-B14F-4D97-AF65-F5344CB8AC3E}">
+        <p14:creationId xmlns:p14="http://schemas.microsoft.com/office/powerpoint/2010/main" val="3747277568"/>
+      </p:ext>
+    </p:extLst>
+  </p:cSld>
+  <p:clrMapOvr>
+    <a:masterClrMapping/>
+  </p:clrMapOvr>
+</p:sld>
+</file>
+
+<file path=ppt/slides/slide11.xml><?xml version="1.0" encoding="utf-8"?>
+<p:sld xmlns:a="http://schemas.openxmlformats.org/drawingml/2006/main" xmlns:r="http://schemas.openxmlformats.org/officeDocument/2006/relationships" xmlns:p="http://schemas.openxmlformats.org/presentationml/2006/main">
+  <p:cSld>
+    <p:spTree>
+      <p:nvGrpSpPr>
+        <p:cNvPr id="1" name=""/>
+        <p:cNvGrpSpPr/>
+        <p:nvPr/>
+      </p:nvGrpSpPr>
+      <p:grpSpPr>
+        <a:xfrm>
+          <a:off x="0" y="0"/>
+          <a:ext cx="0" cy="0"/>
+          <a:chOff x="0" y="0"/>
+          <a:chExt cx="0" cy="0"/>
+        </a:xfrm>
+      </p:grpSpPr>
+      <p:sp>
+        <p:nvSpPr>
+          <p:cNvPr id="2" name="標題 1">
+            <a:extLst>
+              <a:ext uri="{FF2B5EF4-FFF2-40B4-BE49-F238E27FC236}">
+                <a16:creationId xmlns:a16="http://schemas.microsoft.com/office/drawing/2014/main" id="{8097AD09-7E5F-4C90-999F-B344884E6094}"/>
+              </a:ext>
+            </a:extLst>
+          </p:cNvPr>
+          <p:cNvSpPr>
+            <a:spLocks noGrp="1"/>
+          </p:cNvSpPr>
+          <p:nvPr>
+            <p:ph type="title"/>
+          </p:nvPr>
+        </p:nvSpPr>
+        <p:spPr>
+          <a:xfrm>
+            <a:off x="-1" y="0"/>
+            <a:ext cx="12039601" cy="922867"/>
+          </a:xfrm>
+        </p:spPr>
+        <p:txBody>
+          <a:bodyPr>
+            <a:normAutofit/>
+          </a:bodyPr>
+          <a:lstStyle/>
+          <a:p>
+            <a:r>
+              <a:rPr lang="en-US" altLang="zh-TW" dirty="0"/>
+              <a:t>QRTest1(App1) Call Rd545cmd1(App2)</a:t>
+            </a:r>
+            <a:endParaRPr lang="zh-TW" altLang="en-US" dirty="0"/>
+          </a:p>
+        </p:txBody>
+      </p:sp>
       <p:sp>
         <p:nvSpPr>
           <p:cNvPr id="46" name="文字方塊 45">
@@ -6173,7 +6578,7 @@
         </p:blipFill>
         <p:spPr>
           <a:xfrm>
-            <a:off x="6446265" y="913764"/>
+            <a:off x="6014945" y="922867"/>
             <a:ext cx="3048425" cy="4944165"/>
           </a:xfrm>
           <a:prstGeom prst="rect">
@@ -6198,7 +6603,7 @@
         </p:nvCxnSpPr>
         <p:spPr>
           <a:xfrm flipH="1">
-            <a:off x="8732520" y="3989066"/>
+            <a:off x="8301200" y="3998169"/>
             <a:ext cx="952755" cy="0"/>
           </a:xfrm>
           <a:prstGeom prst="straightConnector1">
@@ -6241,7 +6646,7 @@
         </p:nvSpPr>
         <p:spPr>
           <a:xfrm>
-            <a:off x="7399020" y="3749040"/>
+            <a:off x="6967700" y="3758143"/>
             <a:ext cx="1333500" cy="480051"/>
           </a:xfrm>
           <a:prstGeom prst="rect">
@@ -6294,8 +6699,8 @@
         </p:nvSpPr>
         <p:spPr>
           <a:xfrm>
-            <a:off x="9654795" y="3749040"/>
-            <a:ext cx="1988565" cy="1015663"/>
+            <a:off x="9253955" y="3749040"/>
+            <a:ext cx="2938045" cy="2246769"/>
           </a:xfrm>
           <a:prstGeom prst="rect">
             <a:avLst/>
@@ -6335,6 +6740,23 @@
                 </a:solidFill>
               </a:rPr>
               <a:t>non_encr_bl.csv</a:t>
+            </a:r>
+          </a:p>
+          <a:p>
+            <a:endParaRPr lang="en-US" altLang="zh-TW" sz="2000" dirty="0">
+              <a:solidFill>
+                <a:srgbClr val="FF0000"/>
+              </a:solidFill>
+            </a:endParaRPr>
+          </a:p>
+          <a:p>
+            <a:r>
+              <a:rPr lang="en-US" altLang="zh-TW" sz="2000" dirty="0">
+                <a:solidFill>
+                  <a:srgbClr val="FF0000"/>
+                </a:solidFill>
+              </a:rPr>
+              <a:t>*if not setup ,the program will be back off when call library.</a:t>
             </a:r>
           </a:p>
         </p:txBody>
@@ -6447,10 +6869,910 @@
               <a:rPr lang="en-US" altLang="zh-TW" dirty="0"/>
               <a:t>Reference from TANITA API</a:t>
             </a:r>
+          </a:p>
+        </p:txBody>
+      </p:sp>
+      <p:sp>
+        <p:nvSpPr>
+          <p:cNvPr id="6" name="文字方塊 5">
+            <a:extLst>
+              <a:ext uri="{FF2B5EF4-FFF2-40B4-BE49-F238E27FC236}">
+                <a16:creationId xmlns:a16="http://schemas.microsoft.com/office/drawing/2014/main" id="{46A06E37-DC84-4DAB-9E81-73C7013D8F4E}"/>
+              </a:ext>
+            </a:extLst>
+          </p:cNvPr>
+          <p:cNvSpPr txBox="1"/>
+          <p:nvPr/>
+        </p:nvSpPr>
+        <p:spPr>
+          <a:xfrm>
+            <a:off x="129398" y="1146144"/>
+            <a:ext cx="8238224" cy="5632311"/>
+          </a:xfrm>
+          <a:prstGeom prst="rect">
+            <a:avLst/>
+          </a:prstGeom>
+          <a:solidFill>
+            <a:schemeClr val="tx2">
+              <a:lumMod val="20000"/>
+              <a:lumOff val="80000"/>
+            </a:schemeClr>
+          </a:solidFill>
+        </p:spPr>
+        <p:txBody>
+          <a:bodyPr wrap="square">
+            <a:spAutoFit/>
+          </a:bodyPr>
+          <a:lstStyle/>
+          <a:p>
+            <a:r>
+              <a:rPr lang="en-US" altLang="zh-TW" dirty="0"/>
+              <a:t>&lt;uses-permission </a:t>
+            </a:r>
+            <a:r>
+              <a:rPr lang="en-US" altLang="zh-TW" dirty="0" err="1"/>
+              <a:t>android:name</a:t>
+            </a:r>
+            <a:r>
+              <a:rPr lang="en-US" altLang="zh-TW" dirty="0"/>
+              <a:t>="</a:t>
+            </a:r>
+            <a:r>
+              <a:rPr lang="en-US" altLang="zh-TW" dirty="0" err="1"/>
+              <a:t>android.permission.WRITE_EXTERNAL_STORAGE</a:t>
+            </a:r>
+            <a:r>
+              <a:rPr lang="en-US" altLang="zh-TW" dirty="0"/>
+              <a:t>" /&gt;</a:t>
+            </a:r>
+          </a:p>
+          <a:p>
+            <a:r>
+              <a:rPr lang="en-US" altLang="zh-TW" dirty="0"/>
+              <a:t>&lt;uses-permission </a:t>
+            </a:r>
+            <a:r>
+              <a:rPr lang="en-US" altLang="zh-TW" dirty="0" err="1"/>
+              <a:t>android:name</a:t>
+            </a:r>
+            <a:r>
+              <a:rPr lang="en-US" altLang="zh-TW" dirty="0"/>
+              <a:t>="</a:t>
+            </a:r>
+            <a:r>
+              <a:rPr lang="en-US" altLang="zh-TW" dirty="0" err="1"/>
+              <a:t>android.permission.READ_EXTERNAL_STORAGE</a:t>
+            </a:r>
+            <a:r>
+              <a:rPr lang="en-US" altLang="zh-TW" dirty="0"/>
+              <a:t>" /&gt;</a:t>
+            </a:r>
+            <a:br>
+              <a:rPr lang="en-US" altLang="zh-TW" dirty="0"/>
+            </a:br>
+            <a:r>
+              <a:rPr lang="en-US" altLang="zh-TW" dirty="0"/>
+              <a:t>&lt;uses-permission </a:t>
+            </a:r>
+            <a:r>
+              <a:rPr lang="en-US" altLang="zh-TW" dirty="0" err="1"/>
+              <a:t>android:name</a:t>
+            </a:r>
+            <a:r>
+              <a:rPr lang="en-US" altLang="zh-TW" dirty="0"/>
+              <a:t>="</a:t>
+            </a:r>
+            <a:r>
+              <a:rPr lang="en-US" altLang="zh-TW" dirty="0" err="1"/>
+              <a:t>android.permission.INTERNET</a:t>
+            </a:r>
+            <a:r>
+              <a:rPr lang="en-US" altLang="zh-TW" dirty="0"/>
+              <a:t>" /&gt;</a:t>
+            </a:r>
+          </a:p>
+          <a:p>
+            <a:r>
+              <a:rPr lang="en-US" altLang="zh-TW" dirty="0"/>
+              <a:t>&lt;uses-permission </a:t>
+            </a:r>
+            <a:r>
+              <a:rPr lang="en-US" altLang="zh-TW" dirty="0" err="1"/>
+              <a:t>android:name</a:t>
+            </a:r>
+            <a:r>
+              <a:rPr lang="en-US" altLang="zh-TW" dirty="0"/>
+              <a:t>="</a:t>
+            </a:r>
+            <a:r>
+              <a:rPr lang="en-US" altLang="zh-TW" dirty="0" err="1"/>
+              <a:t>android.permission.BLUETOOTH</a:t>
+            </a:r>
+            <a:r>
+              <a:rPr lang="en-US" altLang="zh-TW" dirty="0"/>
+              <a:t>" /&gt;</a:t>
+            </a:r>
+          </a:p>
+          <a:p>
+            <a:r>
+              <a:rPr lang="en-US" altLang="zh-TW" dirty="0"/>
+              <a:t>&lt;uses-permission </a:t>
+            </a:r>
+            <a:r>
+              <a:rPr lang="en-US" altLang="zh-TW" dirty="0" err="1"/>
+              <a:t>android:name</a:t>
+            </a:r>
+            <a:r>
+              <a:rPr lang="en-US" altLang="zh-TW" dirty="0"/>
+              <a:t>="</a:t>
+            </a:r>
+            <a:r>
+              <a:rPr lang="en-US" altLang="zh-TW" dirty="0" err="1"/>
+              <a:t>android.permission.BLUETOOTH_ADMIN</a:t>
+            </a:r>
+            <a:r>
+              <a:rPr lang="en-US" altLang="zh-TW" dirty="0"/>
+              <a:t>" /&gt;</a:t>
+            </a:r>
+          </a:p>
+          <a:p>
+            <a:r>
+              <a:rPr lang="en-US" altLang="zh-TW" dirty="0"/>
+              <a:t>&lt;uses-permission </a:t>
+            </a:r>
+            <a:r>
+              <a:rPr lang="en-US" altLang="zh-TW" dirty="0" err="1"/>
+              <a:t>android:name</a:t>
+            </a:r>
+            <a:r>
+              <a:rPr lang="en-US" altLang="zh-TW" dirty="0"/>
+              <a:t>="</a:t>
+            </a:r>
+            <a:r>
+              <a:rPr lang="en-US" altLang="zh-TW" dirty="0" err="1"/>
+              <a:t>android.permission.ACCESS_COARSE_LOCATION</a:t>
+            </a:r>
+            <a:r>
+              <a:rPr lang="en-US" altLang="zh-TW" dirty="0"/>
+              <a:t>" /&gt;</a:t>
+            </a:r>
+          </a:p>
+          <a:p>
+            <a:r>
+              <a:rPr lang="en-US" altLang="zh-TW" dirty="0"/>
+              <a:t>&lt;uses-permission </a:t>
+            </a:r>
+            <a:r>
+              <a:rPr lang="en-US" altLang="zh-TW" dirty="0" err="1"/>
+              <a:t>android:name</a:t>
+            </a:r>
+            <a:r>
+              <a:rPr lang="en-US" altLang="zh-TW" dirty="0"/>
+              <a:t>="</a:t>
+            </a:r>
+            <a:r>
+              <a:rPr lang="en-US" altLang="zh-TW" dirty="0" err="1"/>
+              <a:t>android.permission.ACCESS_FINE_LOCATION</a:t>
+            </a:r>
+            <a:r>
+              <a:rPr lang="en-US" altLang="zh-TW" dirty="0"/>
+              <a:t>" /&gt;</a:t>
+            </a:r>
+          </a:p>
+          <a:p>
+            <a:r>
+              <a:rPr lang="en-US" altLang="zh-TW" dirty="0"/>
+              <a:t>&lt;uses-permission </a:t>
+            </a:r>
+            <a:r>
+              <a:rPr lang="en-US" altLang="zh-TW" dirty="0" err="1"/>
+              <a:t>android:name</a:t>
+            </a:r>
+            <a:r>
+              <a:rPr lang="en-US" altLang="zh-TW" dirty="0"/>
+              <a:t>="</a:t>
+            </a:r>
+            <a:r>
+              <a:rPr lang="en-US" altLang="zh-TW" dirty="0" err="1"/>
+              <a:t>android.permission.BLUETOOTH_SCAN</a:t>
+            </a:r>
+            <a:r>
+              <a:rPr lang="en-US" altLang="zh-TW" dirty="0"/>
+              <a:t>" /&gt;</a:t>
+            </a:r>
+          </a:p>
+          <a:p>
+            <a:r>
+              <a:rPr lang="en-US" altLang="zh-TW" dirty="0"/>
+              <a:t>&lt;uses-permission </a:t>
+            </a:r>
+            <a:r>
+              <a:rPr lang="en-US" altLang="zh-TW" dirty="0" err="1"/>
+              <a:t>android:name</a:t>
+            </a:r>
+            <a:r>
+              <a:rPr lang="en-US" altLang="zh-TW" dirty="0"/>
+              <a:t>="</a:t>
+            </a:r>
+            <a:r>
+              <a:rPr lang="en-US" altLang="zh-TW" dirty="0" err="1"/>
+              <a:t>android.permission.BLUETOOTH_CONNECT</a:t>
+            </a:r>
+            <a:r>
+              <a:rPr lang="en-US" altLang="zh-TW" dirty="0"/>
+              <a:t>" /&gt;</a:t>
+            </a:r>
+          </a:p>
+          <a:p>
+            <a:r>
+              <a:rPr lang="en-US" altLang="zh-TW" dirty="0"/>
+              <a:t>&lt;uses-feature</a:t>
+            </a:r>
+          </a:p>
+          <a:p>
+            <a:r>
+              <a:rPr lang="en-US" altLang="zh-TW" dirty="0"/>
+              <a:t>        </a:t>
+            </a:r>
+            <a:r>
+              <a:rPr lang="en-US" altLang="zh-TW" dirty="0" err="1"/>
+              <a:t>android:name</a:t>
+            </a:r>
+            <a:r>
+              <a:rPr lang="en-US" altLang="zh-TW" dirty="0"/>
+              <a:t>="</a:t>
+            </a:r>
+            <a:r>
+              <a:rPr lang="en-US" altLang="zh-TW" dirty="0" err="1"/>
+              <a:t>android.hardware.bluetooth_le</a:t>
+            </a:r>
+            <a:r>
+              <a:rPr lang="en-US" altLang="zh-TW" dirty="0"/>
+              <a:t>"</a:t>
+            </a:r>
+          </a:p>
+          <a:p>
+            <a:r>
+              <a:rPr lang="en-US" altLang="zh-TW" dirty="0"/>
+              <a:t>        </a:t>
+            </a:r>
+            <a:r>
+              <a:rPr lang="en-US" altLang="zh-TW" dirty="0" err="1"/>
+              <a:t>android:required</a:t>
+            </a:r>
+            <a:r>
+              <a:rPr lang="en-US" altLang="zh-TW" dirty="0"/>
+              <a:t>="true" /&gt;</a:t>
+            </a:r>
+          </a:p>
+          <a:p>
+            <a:endParaRPr lang="en-US" altLang="zh-TW" dirty="0"/>
+          </a:p>
+          <a:p>
+            <a:r>
+              <a:rPr lang="en-US" altLang="zh-TW" dirty="0"/>
+              <a:t>&lt;application</a:t>
+            </a:r>
+          </a:p>
+          <a:p>
+            <a:r>
+              <a:rPr lang="en-US" altLang="zh-TW" dirty="0"/>
+              <a:t>…</a:t>
+            </a:r>
+          </a:p>
+          <a:p>
+            <a:r>
+              <a:rPr lang="en-US" altLang="zh-TW" dirty="0"/>
+              <a:t>&lt;uses-library</a:t>
+            </a:r>
+          </a:p>
+          <a:p>
+            <a:r>
+              <a:rPr lang="en-US" altLang="zh-TW" dirty="0"/>
+              <a:t>            </a:t>
+            </a:r>
+            <a:r>
+              <a:rPr lang="en-US" altLang="zh-TW" dirty="0" err="1"/>
+              <a:t>android:name</a:t>
+            </a:r>
+            <a:r>
+              <a:rPr lang="en-US" altLang="zh-TW" dirty="0"/>
+              <a:t>="</a:t>
+            </a:r>
+            <a:r>
+              <a:rPr lang="en-US" altLang="zh-TW" dirty="0" err="1"/>
+              <a:t>org.apache.http.legacy</a:t>
+            </a:r>
+            <a:r>
+              <a:rPr lang="en-US" altLang="zh-TW" dirty="0"/>
+              <a:t>"</a:t>
+            </a:r>
+          </a:p>
+          <a:p>
+            <a:r>
+              <a:rPr lang="en-US" altLang="zh-TW" dirty="0"/>
+              <a:t>            </a:t>
+            </a:r>
+            <a:r>
+              <a:rPr lang="en-US" altLang="zh-TW" dirty="0" err="1"/>
+              <a:t>android:required</a:t>
+            </a:r>
+            <a:r>
+              <a:rPr lang="en-US" altLang="zh-TW" dirty="0"/>
+              <a:t>="false" /&gt;</a:t>
+            </a:r>
+          </a:p>
+          <a:p>
+            <a:r>
+              <a:rPr lang="en-US" altLang="zh-TW" dirty="0"/>
+              <a:t>…</a:t>
+            </a:r>
+          </a:p>
+          <a:p>
+            <a:r>
+              <a:rPr lang="en-US" altLang="zh-TW" dirty="0"/>
+              <a:t>&lt;/application&gt;</a:t>
+            </a:r>
             <a:endParaRPr lang="zh-TW" altLang="en-US" dirty="0"/>
           </a:p>
         </p:txBody>
       </p:sp>
+      <p:sp>
+        <p:nvSpPr>
+          <p:cNvPr id="8" name="文字方塊 7">
+            <a:extLst>
+              <a:ext uri="{FF2B5EF4-FFF2-40B4-BE49-F238E27FC236}">
+                <a16:creationId xmlns:a16="http://schemas.microsoft.com/office/drawing/2014/main" id="{69050F9B-6512-456A-A007-28B80DA058D1}"/>
+              </a:ext>
+            </a:extLst>
+          </p:cNvPr>
+          <p:cNvSpPr txBox="1"/>
+          <p:nvPr/>
+        </p:nvSpPr>
+        <p:spPr>
+          <a:xfrm>
+            <a:off x="129398" y="699590"/>
+            <a:ext cx="11766428" cy="369332"/>
+          </a:xfrm>
+          <a:prstGeom prst="rect">
+            <a:avLst/>
+          </a:prstGeom>
+          <a:noFill/>
+        </p:spPr>
+        <p:txBody>
+          <a:bodyPr wrap="square" rtlCol="0">
+            <a:spAutoFit/>
+          </a:bodyPr>
+          <a:lstStyle/>
+          <a:p>
+            <a:r>
+              <a:rPr lang="en-US" altLang="zh-TW" dirty="0"/>
+              <a:t>Code in ‘AndroidManifest.xml’ ,this is a unified management interface for APP permissions.</a:t>
+            </a:r>
+            <a:endParaRPr lang="zh-TW" altLang="en-US" dirty="0"/>
+          </a:p>
+        </p:txBody>
+      </p:sp>
+      <p:sp>
+        <p:nvSpPr>
+          <p:cNvPr id="10" name="矩形 9">
+            <a:extLst>
+              <a:ext uri="{FF2B5EF4-FFF2-40B4-BE49-F238E27FC236}">
+                <a16:creationId xmlns:a16="http://schemas.microsoft.com/office/drawing/2014/main" id="{856B131E-4968-4682-8282-7581F48C89B2}"/>
+              </a:ext>
+            </a:extLst>
+          </p:cNvPr>
+          <p:cNvSpPr/>
+          <p:nvPr/>
+        </p:nvSpPr>
+        <p:spPr>
+          <a:xfrm>
+            <a:off x="207034" y="1224951"/>
+            <a:ext cx="8065698" cy="500332"/>
+          </a:xfrm>
+          <a:prstGeom prst="rect">
+            <a:avLst/>
+          </a:prstGeom>
+          <a:noFill/>
+          <a:ln w="28575">
+            <a:solidFill>
+              <a:srgbClr val="FF0000"/>
+            </a:solidFill>
+            <a:prstDash val="sysDash"/>
+          </a:ln>
+        </p:spPr>
+        <p:style>
+          <a:lnRef idx="2">
+            <a:schemeClr val="accent1">
+              <a:shade val="50000"/>
+            </a:schemeClr>
+          </a:lnRef>
+          <a:fillRef idx="1">
+            <a:schemeClr val="accent1"/>
+          </a:fillRef>
+          <a:effectRef idx="0">
+            <a:schemeClr val="accent1"/>
+          </a:effectRef>
+          <a:fontRef idx="minor">
+            <a:schemeClr val="lt1"/>
+          </a:fontRef>
+        </p:style>
+        <p:txBody>
+          <a:bodyPr rtlCol="0" anchor="ctr"/>
+          <a:lstStyle/>
+          <a:p>
+            <a:pPr algn="ctr"/>
+            <a:endParaRPr lang="zh-TW" altLang="en-US"/>
+          </a:p>
+        </p:txBody>
+      </p:sp>
+      <p:sp>
+        <p:nvSpPr>
+          <p:cNvPr id="13" name="文字方塊 12">
+            <a:extLst>
+              <a:ext uri="{FF2B5EF4-FFF2-40B4-BE49-F238E27FC236}">
+                <a16:creationId xmlns:a16="http://schemas.microsoft.com/office/drawing/2014/main" id="{5CD56925-5BD0-44EC-A48B-A8D6FDDA2AB9}"/>
+              </a:ext>
+            </a:extLst>
+          </p:cNvPr>
+          <p:cNvSpPr txBox="1"/>
+          <p:nvPr/>
+        </p:nvSpPr>
+        <p:spPr>
+          <a:xfrm>
+            <a:off x="8289985" y="970592"/>
+            <a:ext cx="3902015" cy="923330"/>
+          </a:xfrm>
+          <a:prstGeom prst="rect">
+            <a:avLst/>
+          </a:prstGeom>
+          <a:noFill/>
+        </p:spPr>
+        <p:txBody>
+          <a:bodyPr wrap="square" rtlCol="0">
+            <a:spAutoFit/>
+          </a:bodyPr>
+          <a:lstStyle/>
+          <a:p>
+            <a:r>
+              <a:rPr lang="en-US" altLang="zh-TW" dirty="0">
+                <a:solidFill>
+                  <a:srgbClr val="FF0000"/>
+                </a:solidFill>
+              </a:rPr>
+              <a:t>This is the permission statement for smart devices to read and write Rom files.</a:t>
+            </a:r>
+            <a:endParaRPr lang="zh-TW" altLang="en-US" dirty="0">
+              <a:solidFill>
+                <a:srgbClr val="FF0000"/>
+              </a:solidFill>
+            </a:endParaRPr>
+          </a:p>
+        </p:txBody>
+      </p:sp>
+      <p:sp>
+        <p:nvSpPr>
+          <p:cNvPr id="15" name="矩形 14">
+            <a:extLst>
+              <a:ext uri="{FF2B5EF4-FFF2-40B4-BE49-F238E27FC236}">
+                <a16:creationId xmlns:a16="http://schemas.microsoft.com/office/drawing/2014/main" id="{202F1E7B-57E6-4F65-9042-086BC925B83B}"/>
+              </a:ext>
+            </a:extLst>
+          </p:cNvPr>
+          <p:cNvSpPr/>
+          <p:nvPr/>
+        </p:nvSpPr>
+        <p:spPr>
+          <a:xfrm>
+            <a:off x="207034" y="2044459"/>
+            <a:ext cx="8065698" cy="2432649"/>
+          </a:xfrm>
+          <a:prstGeom prst="rect">
+            <a:avLst/>
+          </a:prstGeom>
+          <a:noFill/>
+          <a:ln w="28575">
+            <a:solidFill>
+              <a:schemeClr val="accent1"/>
+            </a:solidFill>
+            <a:prstDash val="sysDash"/>
+          </a:ln>
+        </p:spPr>
+        <p:style>
+          <a:lnRef idx="2">
+            <a:schemeClr val="accent1">
+              <a:shade val="50000"/>
+            </a:schemeClr>
+          </a:lnRef>
+          <a:fillRef idx="1">
+            <a:schemeClr val="accent1"/>
+          </a:fillRef>
+          <a:effectRef idx="0">
+            <a:schemeClr val="accent1"/>
+          </a:effectRef>
+          <a:fontRef idx="minor">
+            <a:schemeClr val="lt1"/>
+          </a:fontRef>
+        </p:style>
+        <p:txBody>
+          <a:bodyPr rtlCol="0" anchor="ctr"/>
+          <a:lstStyle/>
+          <a:p>
+            <a:pPr algn="ctr"/>
+            <a:endParaRPr lang="zh-TW" altLang="en-US">
+              <a:solidFill>
+                <a:schemeClr val="accent1"/>
+              </a:solidFill>
+            </a:endParaRPr>
+          </a:p>
+        </p:txBody>
+      </p:sp>
+      <p:sp>
+        <p:nvSpPr>
+          <p:cNvPr id="14" name="文字方塊 13">
+            <a:extLst>
+              <a:ext uri="{FF2B5EF4-FFF2-40B4-BE49-F238E27FC236}">
+                <a16:creationId xmlns:a16="http://schemas.microsoft.com/office/drawing/2014/main" id="{790CF90F-6EAD-49D5-8BF1-76BBE5747D52}"/>
+              </a:ext>
+            </a:extLst>
+          </p:cNvPr>
+          <p:cNvSpPr txBox="1"/>
+          <p:nvPr/>
+        </p:nvSpPr>
+        <p:spPr>
+          <a:xfrm>
+            <a:off x="8289986" y="2765709"/>
+            <a:ext cx="3694980" cy="646331"/>
+          </a:xfrm>
+          <a:prstGeom prst="rect">
+            <a:avLst/>
+          </a:prstGeom>
+          <a:noFill/>
+        </p:spPr>
+        <p:txBody>
+          <a:bodyPr wrap="square" rtlCol="0">
+            <a:spAutoFit/>
+          </a:bodyPr>
+          <a:lstStyle/>
+          <a:p>
+            <a:r>
+              <a:rPr lang="en-US" altLang="zh-TW" dirty="0">
+                <a:solidFill>
+                  <a:schemeClr val="accent1"/>
+                </a:solidFill>
+              </a:rPr>
+              <a:t>This is the permission statement for smart devices to </a:t>
+            </a:r>
+            <a:r>
+              <a:rPr lang="en-US" altLang="zh-TW" dirty="0" err="1">
+                <a:solidFill>
+                  <a:schemeClr val="accent1"/>
+                </a:solidFill>
+              </a:rPr>
+              <a:t>bluetooth</a:t>
+            </a:r>
+            <a:r>
+              <a:rPr lang="en-US" altLang="zh-TW" dirty="0">
+                <a:solidFill>
+                  <a:schemeClr val="accent1"/>
+                </a:solidFill>
+              </a:rPr>
+              <a:t> control.</a:t>
+            </a:r>
+            <a:endParaRPr lang="zh-TW" altLang="en-US" dirty="0">
+              <a:solidFill>
+                <a:schemeClr val="accent1"/>
+              </a:solidFill>
+            </a:endParaRPr>
+          </a:p>
+        </p:txBody>
+      </p:sp>
+      <p:sp>
+        <p:nvSpPr>
+          <p:cNvPr id="18" name="文字方塊 17">
+            <a:extLst>
+              <a:ext uri="{FF2B5EF4-FFF2-40B4-BE49-F238E27FC236}">
+                <a16:creationId xmlns:a16="http://schemas.microsoft.com/office/drawing/2014/main" id="{47875F90-B3AE-4D96-B456-6ACC3D4A1C43}"/>
+              </a:ext>
+            </a:extLst>
+          </p:cNvPr>
+          <p:cNvSpPr txBox="1"/>
+          <p:nvPr/>
+        </p:nvSpPr>
+        <p:spPr>
+          <a:xfrm>
+            <a:off x="8367622" y="1767227"/>
+            <a:ext cx="3824379" cy="646331"/>
+          </a:xfrm>
+          <a:prstGeom prst="rect">
+            <a:avLst/>
+          </a:prstGeom>
+          <a:noFill/>
+        </p:spPr>
+        <p:txBody>
+          <a:bodyPr wrap="square" rtlCol="0">
+            <a:spAutoFit/>
+          </a:bodyPr>
+          <a:lstStyle/>
+          <a:p>
+            <a:r>
+              <a:rPr lang="en-US" altLang="zh-TW" dirty="0">
+                <a:solidFill>
+                  <a:schemeClr val="accent4"/>
+                </a:solidFill>
+              </a:rPr>
+              <a:t>This is the permission statement for smart devices to internet.</a:t>
+            </a:r>
+            <a:endParaRPr lang="zh-TW" altLang="en-US" dirty="0">
+              <a:solidFill>
+                <a:schemeClr val="accent4"/>
+              </a:solidFill>
+            </a:endParaRPr>
+          </a:p>
+        </p:txBody>
+      </p:sp>
+      <p:sp>
+        <p:nvSpPr>
+          <p:cNvPr id="19" name="矩形 18">
+            <a:extLst>
+              <a:ext uri="{FF2B5EF4-FFF2-40B4-BE49-F238E27FC236}">
+                <a16:creationId xmlns:a16="http://schemas.microsoft.com/office/drawing/2014/main" id="{BC79A204-6667-442A-8126-E4686BD7669D}"/>
+              </a:ext>
+            </a:extLst>
+          </p:cNvPr>
+          <p:cNvSpPr/>
+          <p:nvPr/>
+        </p:nvSpPr>
+        <p:spPr>
+          <a:xfrm>
+            <a:off x="207034" y="1784480"/>
+            <a:ext cx="6426679" cy="208221"/>
+          </a:xfrm>
+          <a:prstGeom prst="rect">
+            <a:avLst/>
+          </a:prstGeom>
+          <a:noFill/>
+          <a:ln w="28575">
+            <a:solidFill>
+              <a:srgbClr val="FFC000"/>
+            </a:solidFill>
+            <a:prstDash val="sysDash"/>
+          </a:ln>
+        </p:spPr>
+        <p:style>
+          <a:lnRef idx="2">
+            <a:schemeClr val="accent1">
+              <a:shade val="50000"/>
+            </a:schemeClr>
+          </a:lnRef>
+          <a:fillRef idx="1">
+            <a:schemeClr val="accent1"/>
+          </a:fillRef>
+          <a:effectRef idx="0">
+            <a:schemeClr val="accent1"/>
+          </a:effectRef>
+          <a:fontRef idx="minor">
+            <a:schemeClr val="lt1"/>
+          </a:fontRef>
+        </p:style>
+        <p:txBody>
+          <a:bodyPr rtlCol="0" anchor="ctr"/>
+          <a:lstStyle/>
+          <a:p>
+            <a:pPr algn="ctr"/>
+            <a:endParaRPr lang="zh-TW" altLang="en-US"/>
+          </a:p>
+        </p:txBody>
+      </p:sp>
+      <p:cxnSp>
+        <p:nvCxnSpPr>
+          <p:cNvPr id="20" name="直線單箭頭接點 19">
+            <a:extLst>
+              <a:ext uri="{FF2B5EF4-FFF2-40B4-BE49-F238E27FC236}">
+                <a16:creationId xmlns:a16="http://schemas.microsoft.com/office/drawing/2014/main" id="{8EC4FED8-145E-44CE-8163-3B5AFD7DB21B}"/>
+              </a:ext>
+            </a:extLst>
+          </p:cNvPr>
+          <p:cNvCxnSpPr>
+            <a:cxnSpLocks/>
+            <a:stCxn id="19" idx="3"/>
+          </p:cNvCxnSpPr>
+          <p:nvPr/>
+        </p:nvCxnSpPr>
+        <p:spPr>
+          <a:xfrm>
+            <a:off x="6633713" y="1888591"/>
+            <a:ext cx="1811545" cy="5331"/>
+          </a:xfrm>
+          <a:prstGeom prst="straightConnector1">
+            <a:avLst/>
+          </a:prstGeom>
+          <a:ln w="28575">
+            <a:solidFill>
+              <a:srgbClr val="FFC000"/>
+            </a:solidFill>
+            <a:prstDash val="sysDash"/>
+            <a:tailEnd type="triangle"/>
+          </a:ln>
+        </p:spPr>
+        <p:style>
+          <a:lnRef idx="1">
+            <a:schemeClr val="accent1"/>
+          </a:lnRef>
+          <a:fillRef idx="0">
+            <a:schemeClr val="accent1"/>
+          </a:fillRef>
+          <a:effectRef idx="0">
+            <a:schemeClr val="accent1"/>
+          </a:effectRef>
+          <a:fontRef idx="minor">
+            <a:schemeClr val="tx1"/>
+          </a:fontRef>
+        </p:style>
+      </p:cxnSp>
+      <p:sp>
+        <p:nvSpPr>
+          <p:cNvPr id="22" name="文字方塊 21">
+            <a:extLst>
+              <a:ext uri="{FF2B5EF4-FFF2-40B4-BE49-F238E27FC236}">
+                <a16:creationId xmlns:a16="http://schemas.microsoft.com/office/drawing/2014/main" id="{4A07FAAA-8726-4E68-A034-262A933D30F9}"/>
+              </a:ext>
+            </a:extLst>
+          </p:cNvPr>
+          <p:cNvSpPr txBox="1"/>
+          <p:nvPr/>
+        </p:nvSpPr>
+        <p:spPr>
+          <a:xfrm>
+            <a:off x="8367622" y="4477108"/>
+            <a:ext cx="3824377" cy="2031325"/>
+          </a:xfrm>
+          <a:prstGeom prst="rect">
+            <a:avLst/>
+          </a:prstGeom>
+          <a:noFill/>
+        </p:spPr>
+        <p:txBody>
+          <a:bodyPr wrap="square" rtlCol="0">
+            <a:spAutoFit/>
+          </a:bodyPr>
+          <a:lstStyle/>
+          <a:p>
+            <a:r>
+              <a:rPr lang="en-US" altLang="zh-TW" dirty="0">
+                <a:solidFill>
+                  <a:schemeClr val="accent4"/>
+                </a:solidFill>
+              </a:rPr>
+              <a:t>This is the permission statement for smart devices to internet library.</a:t>
+            </a:r>
+          </a:p>
+          <a:p>
+            <a:r>
+              <a:rPr lang="en-US" altLang="zh-TW" dirty="0">
+                <a:solidFill>
+                  <a:schemeClr val="accent4"/>
+                </a:solidFill>
+              </a:rPr>
+              <a:t>Different libraries may be required, but this example only requires this one.</a:t>
+            </a:r>
+          </a:p>
+          <a:p>
+            <a:r>
+              <a:rPr lang="en-US" altLang="zh-TW" dirty="0">
+                <a:solidFill>
+                  <a:schemeClr val="accent4"/>
+                </a:solidFill>
+              </a:rPr>
+              <a:t>If this library is not called, the program will be back off when the BIA measurement completed.</a:t>
+            </a:r>
+            <a:endParaRPr lang="zh-TW" altLang="en-US" dirty="0">
+              <a:solidFill>
+                <a:schemeClr val="accent4"/>
+              </a:solidFill>
+            </a:endParaRPr>
+          </a:p>
+        </p:txBody>
+      </p:sp>
+      <p:sp>
+        <p:nvSpPr>
+          <p:cNvPr id="23" name="矩形 22">
+            <a:extLst>
+              <a:ext uri="{FF2B5EF4-FFF2-40B4-BE49-F238E27FC236}">
+                <a16:creationId xmlns:a16="http://schemas.microsoft.com/office/drawing/2014/main" id="{F077A29F-C0D3-4A49-96DF-8B4BD74DB55A}"/>
+              </a:ext>
+            </a:extLst>
+          </p:cNvPr>
+          <p:cNvSpPr/>
+          <p:nvPr/>
+        </p:nvSpPr>
+        <p:spPr>
+          <a:xfrm>
+            <a:off x="207035" y="5352941"/>
+            <a:ext cx="4416724" cy="805469"/>
+          </a:xfrm>
+          <a:prstGeom prst="rect">
+            <a:avLst/>
+          </a:prstGeom>
+          <a:noFill/>
+          <a:ln w="28575">
+            <a:solidFill>
+              <a:srgbClr val="FFC000"/>
+            </a:solidFill>
+            <a:prstDash val="sysDash"/>
+          </a:ln>
+        </p:spPr>
+        <p:style>
+          <a:lnRef idx="2">
+            <a:schemeClr val="accent1">
+              <a:shade val="50000"/>
+            </a:schemeClr>
+          </a:lnRef>
+          <a:fillRef idx="1">
+            <a:schemeClr val="accent1"/>
+          </a:fillRef>
+          <a:effectRef idx="0">
+            <a:schemeClr val="accent1"/>
+          </a:effectRef>
+          <a:fontRef idx="minor">
+            <a:schemeClr val="lt1"/>
+          </a:fontRef>
+        </p:style>
+        <p:txBody>
+          <a:bodyPr rtlCol="0" anchor="ctr"/>
+          <a:lstStyle/>
+          <a:p>
+            <a:pPr algn="ctr"/>
+            <a:endParaRPr lang="zh-TW" altLang="en-US"/>
+          </a:p>
+        </p:txBody>
+      </p:sp>
+      <p:cxnSp>
+        <p:nvCxnSpPr>
+          <p:cNvPr id="24" name="直線單箭頭接點 23">
+            <a:extLst>
+              <a:ext uri="{FF2B5EF4-FFF2-40B4-BE49-F238E27FC236}">
+                <a16:creationId xmlns:a16="http://schemas.microsoft.com/office/drawing/2014/main" id="{B065DA48-A604-4FC2-9804-5A83896D7E47}"/>
+              </a:ext>
+            </a:extLst>
+          </p:cNvPr>
+          <p:cNvCxnSpPr>
+            <a:cxnSpLocks/>
+            <a:stCxn id="23" idx="3"/>
+          </p:cNvCxnSpPr>
+          <p:nvPr/>
+        </p:nvCxnSpPr>
+        <p:spPr>
+          <a:xfrm flipV="1">
+            <a:off x="4623759" y="4623758"/>
+            <a:ext cx="3821499" cy="1131918"/>
+          </a:xfrm>
+          <a:prstGeom prst="straightConnector1">
+            <a:avLst/>
+          </a:prstGeom>
+          <a:ln w="28575">
+            <a:solidFill>
+              <a:srgbClr val="FFC000"/>
+            </a:solidFill>
+            <a:prstDash val="sysDash"/>
+            <a:tailEnd type="triangle"/>
+          </a:ln>
+        </p:spPr>
+        <p:style>
+          <a:lnRef idx="1">
+            <a:schemeClr val="accent1"/>
+          </a:lnRef>
+          <a:fillRef idx="0">
+            <a:schemeClr val="accent1"/>
+          </a:fillRef>
+          <a:effectRef idx="0">
+            <a:schemeClr val="accent1"/>
+          </a:effectRef>
+          <a:fontRef idx="minor">
+            <a:schemeClr val="tx1"/>
+          </a:fontRef>
+        </p:style>
+      </p:cxnSp>
     </p:spTree>
     <p:extLst>
       <p:ext uri="{BB962C8B-B14F-4D97-AF65-F5344CB8AC3E}">
@@ -6500,7 +7822,7 @@
         <p:spPr>
           <a:xfrm>
             <a:off x="-1" y="0"/>
-            <a:ext cx="12039601" cy="922867"/>
+            <a:ext cx="8862061" cy="922867"/>
           </a:xfrm>
         </p:spPr>
         <p:txBody>
@@ -6511,7 +7833,23 @@
           <a:p>
             <a:r>
               <a:rPr lang="en-US" altLang="zh-TW" dirty="0"/>
-              <a:t>QRTest1(App1) Call Rd545cmd1(App2)</a:t>
+              <a:t>Rd545cmd1--</a:t>
+            </a:r>
+            <a:r>
+              <a:rPr lang="zh-TW" altLang="en-US" dirty="0"/>
+              <a:t> </a:t>
+            </a:r>
+            <a:r>
+              <a:rPr lang="en-US" altLang="zh-TW" dirty="0"/>
+              <a:t>Rd545 </a:t>
+            </a:r>
+            <a:r>
+              <a:rPr lang="en-US" altLang="zh-TW" dirty="0" err="1"/>
+              <a:t>Api</a:t>
+            </a:r>
+            <a:r>
+              <a:rPr lang="en-US" altLang="zh-TW" dirty="0"/>
+              <a:t> call Example</a:t>
             </a:r>
             <a:endParaRPr lang="zh-TW" altLang="en-US" dirty="0"/>
           </a:p>
@@ -6519,1524 +7857,14 @@
       </p:sp>
       <p:sp>
         <p:nvSpPr>
-          <p:cNvPr id="14" name="矩形: 圓角 13">
-            <a:extLst>
-              <a:ext uri="{FF2B5EF4-FFF2-40B4-BE49-F238E27FC236}">
-                <a16:creationId xmlns:a16="http://schemas.microsoft.com/office/drawing/2014/main" id="{5E9E59B9-3319-40D2-9AB8-EBF3A9260D42}"/>
-              </a:ext>
-            </a:extLst>
-          </p:cNvPr>
-          <p:cNvSpPr/>
-          <p:nvPr/>
-        </p:nvSpPr>
-        <p:spPr>
-          <a:xfrm>
-            <a:off x="5264277" y="1829447"/>
-            <a:ext cx="1365116" cy="472418"/>
-          </a:xfrm>
-          <a:prstGeom prst="roundRect">
-            <a:avLst/>
-          </a:prstGeom>
-          <a:noFill/>
-          <a:ln>
-            <a:solidFill>
-              <a:schemeClr val="tx1">
-                <a:lumMod val="75000"/>
-                <a:lumOff val="25000"/>
-              </a:schemeClr>
-            </a:solidFill>
-          </a:ln>
-        </p:spPr>
-        <p:style>
-          <a:lnRef idx="2">
-            <a:schemeClr val="accent1">
-              <a:shade val="50000"/>
-            </a:schemeClr>
-          </a:lnRef>
-          <a:fillRef idx="1">
-            <a:schemeClr val="accent1"/>
-          </a:fillRef>
-          <a:effectRef idx="0">
-            <a:schemeClr val="accent1"/>
-          </a:effectRef>
-          <a:fontRef idx="minor">
-            <a:schemeClr val="lt1"/>
-          </a:fontRef>
-        </p:style>
-        <p:txBody>
-          <a:bodyPr rtlCol="0" anchor="ctr"/>
-          <a:lstStyle/>
-          <a:p>
-            <a:pPr algn="ctr"/>
-            <a:r>
-              <a:rPr lang="en-US" altLang="zh-TW" dirty="0">
-                <a:solidFill>
-                  <a:schemeClr val="tx1"/>
-                </a:solidFill>
-              </a:rPr>
-              <a:t>TempData1</a:t>
-            </a:r>
-            <a:endParaRPr lang="zh-TW" altLang="en-US" dirty="0">
-              <a:solidFill>
-                <a:schemeClr val="tx1"/>
-              </a:solidFill>
-            </a:endParaRPr>
-          </a:p>
-        </p:txBody>
-      </p:sp>
-      <p:cxnSp>
-        <p:nvCxnSpPr>
-          <p:cNvPr id="16" name="直線單箭頭接點 15">
-            <a:extLst>
-              <a:ext uri="{FF2B5EF4-FFF2-40B4-BE49-F238E27FC236}">
-                <a16:creationId xmlns:a16="http://schemas.microsoft.com/office/drawing/2014/main" id="{676044CD-868B-4822-8F99-3AC8CA36202E}"/>
-              </a:ext>
-            </a:extLst>
-          </p:cNvPr>
-          <p:cNvCxnSpPr>
-            <a:cxnSpLocks/>
-            <a:stCxn id="25" idx="2"/>
-            <a:endCxn id="14" idx="0"/>
-          </p:cNvCxnSpPr>
-          <p:nvPr/>
-        </p:nvCxnSpPr>
-        <p:spPr>
-          <a:xfrm flipH="1">
-            <a:off x="5946835" y="1219205"/>
-            <a:ext cx="1" cy="610242"/>
-          </a:xfrm>
-          <a:prstGeom prst="straightConnector1">
-            <a:avLst/>
-          </a:prstGeom>
-          <a:ln w="19050">
-            <a:solidFill>
-              <a:srgbClr val="FF0000"/>
-            </a:solidFill>
-            <a:prstDash val="sysDash"/>
-            <a:tailEnd type="triangle"/>
-          </a:ln>
-        </p:spPr>
-        <p:style>
-          <a:lnRef idx="1">
-            <a:schemeClr val="accent1"/>
-          </a:lnRef>
-          <a:fillRef idx="0">
-            <a:schemeClr val="accent1"/>
-          </a:fillRef>
-          <a:effectRef idx="0">
-            <a:schemeClr val="accent1"/>
-          </a:effectRef>
-          <a:fontRef idx="minor">
-            <a:schemeClr val="tx1"/>
-          </a:fontRef>
-        </p:style>
-      </p:cxnSp>
-      <p:sp>
-        <p:nvSpPr>
-          <p:cNvPr id="18" name="文字方塊 17">
-            <a:extLst>
-              <a:ext uri="{FF2B5EF4-FFF2-40B4-BE49-F238E27FC236}">
-                <a16:creationId xmlns:a16="http://schemas.microsoft.com/office/drawing/2014/main" id="{29F8C742-31AE-4C59-A1EB-7FBF71E91369}"/>
-              </a:ext>
-            </a:extLst>
-          </p:cNvPr>
+          <p:cNvPr id="101" name="文字方塊 100"/>
           <p:cNvSpPr txBox="1"/>
           <p:nvPr/>
         </p:nvSpPr>
         <p:spPr>
           <a:xfrm>
-            <a:off x="5969051" y="1204862"/>
-            <a:ext cx="1071034" cy="646331"/>
-          </a:xfrm>
-          <a:prstGeom prst="rect">
-            <a:avLst/>
-          </a:prstGeom>
-          <a:noFill/>
-        </p:spPr>
-        <p:txBody>
-          <a:bodyPr wrap="square">
-            <a:spAutoFit/>
-          </a:bodyPr>
-          <a:lstStyle/>
-          <a:p>
-            <a:pPr algn="ctr"/>
-            <a:r>
-              <a:rPr lang="en-US" altLang="zh-TW" dirty="0">
-                <a:solidFill>
-                  <a:srgbClr val="FF0000"/>
-                </a:solidFill>
-              </a:rPr>
-              <a:t>Message</a:t>
-            </a:r>
-          </a:p>
-          <a:p>
-            <a:pPr algn="ctr"/>
-            <a:r>
-              <a:rPr lang="en-US" altLang="zh-TW" dirty="0">
-                <a:solidFill>
-                  <a:srgbClr val="FF0000"/>
-                </a:solidFill>
-              </a:rPr>
-              <a:t>Intent </a:t>
-            </a:r>
-          </a:p>
-        </p:txBody>
-      </p:sp>
-      <p:sp>
-        <p:nvSpPr>
-          <p:cNvPr id="25" name="矩形: 圓角 24">
-            <a:extLst>
-              <a:ext uri="{FF2B5EF4-FFF2-40B4-BE49-F238E27FC236}">
-                <a16:creationId xmlns:a16="http://schemas.microsoft.com/office/drawing/2014/main" id="{AC3EE1C3-AF11-4B91-9DAC-81950A4A08D9}"/>
-              </a:ext>
-            </a:extLst>
-          </p:cNvPr>
-          <p:cNvSpPr/>
-          <p:nvPr/>
-        </p:nvSpPr>
-        <p:spPr>
-          <a:xfrm>
-            <a:off x="5411321" y="746787"/>
-            <a:ext cx="1071030" cy="472418"/>
-          </a:xfrm>
-          <a:prstGeom prst="roundRect">
-            <a:avLst/>
-          </a:prstGeom>
-          <a:noFill/>
-          <a:ln>
-            <a:solidFill>
-              <a:srgbClr val="FF0000"/>
-            </a:solidFill>
-          </a:ln>
-        </p:spPr>
-        <p:style>
-          <a:lnRef idx="2">
-            <a:schemeClr val="accent1">
-              <a:shade val="50000"/>
-            </a:schemeClr>
-          </a:lnRef>
-          <a:fillRef idx="1">
-            <a:schemeClr val="accent1"/>
-          </a:fillRef>
-          <a:effectRef idx="0">
-            <a:schemeClr val="accent1"/>
-          </a:effectRef>
-          <a:fontRef idx="minor">
-            <a:schemeClr val="lt1"/>
-          </a:fontRef>
-        </p:style>
-        <p:txBody>
-          <a:bodyPr rtlCol="0" anchor="ctr"/>
-          <a:lstStyle/>
-          <a:p>
-            <a:pPr algn="ctr"/>
-            <a:r>
-              <a:rPr lang="en-US" altLang="zh-TW" dirty="0">
-                <a:solidFill>
-                  <a:srgbClr val="FF0000"/>
-                </a:solidFill>
-              </a:rPr>
-              <a:t>App1</a:t>
-            </a:r>
-            <a:endParaRPr lang="zh-TW" altLang="en-US" dirty="0">
-              <a:solidFill>
-                <a:srgbClr val="FF0000"/>
-              </a:solidFill>
-            </a:endParaRPr>
-          </a:p>
-        </p:txBody>
-      </p:sp>
-      <p:sp>
-        <p:nvSpPr>
-          <p:cNvPr id="30" name="矩形: 圓角 29">
-            <a:extLst>
-              <a:ext uri="{FF2B5EF4-FFF2-40B4-BE49-F238E27FC236}">
-                <a16:creationId xmlns:a16="http://schemas.microsoft.com/office/drawing/2014/main" id="{EC108A00-9CAC-4188-B428-FD6B5C33A075}"/>
-              </a:ext>
-            </a:extLst>
-          </p:cNvPr>
-          <p:cNvSpPr/>
-          <p:nvPr/>
-        </p:nvSpPr>
-        <p:spPr>
-          <a:xfrm>
-            <a:off x="5264275" y="1830813"/>
-            <a:ext cx="5806324" cy="2511445"/>
-          </a:xfrm>
-          <a:prstGeom prst="roundRect">
-            <a:avLst>
-              <a:gd name="adj" fmla="val 3581"/>
-            </a:avLst>
-          </a:prstGeom>
-          <a:noFill/>
-          <a:ln>
-            <a:solidFill>
-              <a:schemeClr val="accent1"/>
-            </a:solidFill>
-          </a:ln>
-        </p:spPr>
-        <p:style>
-          <a:lnRef idx="2">
-            <a:schemeClr val="accent1">
-              <a:shade val="50000"/>
-            </a:schemeClr>
-          </a:lnRef>
-          <a:fillRef idx="1">
-            <a:schemeClr val="accent1"/>
-          </a:fillRef>
-          <a:effectRef idx="0">
-            <a:schemeClr val="accent1"/>
-          </a:effectRef>
-          <a:fontRef idx="minor">
-            <a:schemeClr val="lt1"/>
-          </a:fontRef>
-        </p:style>
-        <p:txBody>
-          <a:bodyPr rtlCol="0" anchor="ctr"/>
-          <a:lstStyle/>
-          <a:p>
-            <a:pPr algn="ctr"/>
-            <a:endParaRPr lang="zh-TW" altLang="en-US" dirty="0">
-              <a:solidFill>
-                <a:schemeClr val="tx1"/>
-              </a:solidFill>
-            </a:endParaRPr>
-          </a:p>
-        </p:txBody>
-      </p:sp>
-      <p:sp>
-        <p:nvSpPr>
-          <p:cNvPr id="32" name="文字方塊 31">
-            <a:extLst>
-              <a:ext uri="{FF2B5EF4-FFF2-40B4-BE49-F238E27FC236}">
-                <a16:creationId xmlns:a16="http://schemas.microsoft.com/office/drawing/2014/main" id="{4BCAFF1C-D3E7-4478-9570-EF9734860943}"/>
-              </a:ext>
-            </a:extLst>
-          </p:cNvPr>
-          <p:cNvSpPr txBox="1"/>
-          <p:nvPr/>
-        </p:nvSpPr>
-        <p:spPr>
-          <a:xfrm>
-            <a:off x="7763926" y="1779630"/>
-            <a:ext cx="922732" cy="369332"/>
-          </a:xfrm>
-          <a:prstGeom prst="rect">
-            <a:avLst/>
-          </a:prstGeom>
-          <a:noFill/>
-        </p:spPr>
-        <p:txBody>
-          <a:bodyPr wrap="square">
-            <a:spAutoFit/>
-          </a:bodyPr>
-          <a:lstStyle/>
-          <a:p>
-            <a:pPr algn="ctr"/>
-            <a:r>
-              <a:rPr lang="en-US" altLang="zh-TW" dirty="0">
-                <a:solidFill>
-                  <a:schemeClr val="accent1"/>
-                </a:solidFill>
-              </a:rPr>
-              <a:t>App2</a:t>
-            </a:r>
-            <a:endParaRPr lang="zh-TW" altLang="en-US" dirty="0">
-              <a:solidFill>
-                <a:schemeClr val="accent1"/>
-              </a:solidFill>
-            </a:endParaRPr>
-          </a:p>
-        </p:txBody>
-      </p:sp>
-      <p:sp>
-        <p:nvSpPr>
-          <p:cNvPr id="33" name="矩形: 圓角 32">
-            <a:extLst>
-              <a:ext uri="{FF2B5EF4-FFF2-40B4-BE49-F238E27FC236}">
-                <a16:creationId xmlns:a16="http://schemas.microsoft.com/office/drawing/2014/main" id="{0A1A6423-84BC-4FDB-8C59-894091C7573B}"/>
-              </a:ext>
-            </a:extLst>
-          </p:cNvPr>
-          <p:cNvSpPr/>
-          <p:nvPr/>
-        </p:nvSpPr>
-        <p:spPr>
-          <a:xfrm>
-            <a:off x="5520398" y="3869840"/>
-            <a:ext cx="1987410" cy="472418"/>
-          </a:xfrm>
-          <a:prstGeom prst="roundRect">
-            <a:avLst/>
-          </a:prstGeom>
-          <a:noFill/>
-          <a:ln>
-            <a:solidFill>
-              <a:schemeClr val="tx1">
-                <a:lumMod val="75000"/>
-                <a:lumOff val="25000"/>
-              </a:schemeClr>
-            </a:solidFill>
-          </a:ln>
-        </p:spPr>
-        <p:style>
-          <a:lnRef idx="2">
-            <a:schemeClr val="accent1">
-              <a:shade val="50000"/>
-            </a:schemeClr>
-          </a:lnRef>
-          <a:fillRef idx="1">
-            <a:schemeClr val="accent1"/>
-          </a:fillRef>
-          <a:effectRef idx="0">
-            <a:schemeClr val="accent1"/>
-          </a:effectRef>
-          <a:fontRef idx="minor">
-            <a:schemeClr val="lt1"/>
-          </a:fontRef>
-        </p:style>
-        <p:txBody>
-          <a:bodyPr rtlCol="0" anchor="ctr"/>
-          <a:lstStyle/>
-          <a:p>
-            <a:pPr algn="ctr"/>
-            <a:r>
-              <a:rPr lang="en-US" altLang="zh-TW" dirty="0">
-                <a:solidFill>
-                  <a:schemeClr val="tx1"/>
-                </a:solidFill>
-              </a:rPr>
-              <a:t>Control RD545</a:t>
-            </a:r>
-            <a:endParaRPr lang="zh-TW" altLang="en-US" dirty="0">
-              <a:solidFill>
-                <a:schemeClr val="tx1"/>
-              </a:solidFill>
-            </a:endParaRPr>
-          </a:p>
-        </p:txBody>
-      </p:sp>
-      <p:sp>
-        <p:nvSpPr>
-          <p:cNvPr id="34" name="矩形: 圓角 33">
-            <a:extLst>
-              <a:ext uri="{FF2B5EF4-FFF2-40B4-BE49-F238E27FC236}">
-                <a16:creationId xmlns:a16="http://schemas.microsoft.com/office/drawing/2014/main" id="{0A61CEE1-DB9C-464D-A434-1CA10913A515}"/>
-              </a:ext>
-            </a:extLst>
-          </p:cNvPr>
-          <p:cNvSpPr/>
-          <p:nvPr/>
-        </p:nvSpPr>
-        <p:spPr>
-          <a:xfrm>
-            <a:off x="5520391" y="5383654"/>
-            <a:ext cx="1987420" cy="472418"/>
-          </a:xfrm>
-          <a:prstGeom prst="roundRect">
-            <a:avLst/>
-          </a:prstGeom>
-          <a:noFill/>
-          <a:ln>
-            <a:solidFill>
-              <a:schemeClr val="tx1">
-                <a:lumMod val="75000"/>
-                <a:lumOff val="25000"/>
-              </a:schemeClr>
-            </a:solidFill>
-          </a:ln>
-        </p:spPr>
-        <p:style>
-          <a:lnRef idx="2">
-            <a:schemeClr val="accent1">
-              <a:shade val="50000"/>
-            </a:schemeClr>
-          </a:lnRef>
-          <a:fillRef idx="1">
-            <a:schemeClr val="accent1"/>
-          </a:fillRef>
-          <a:effectRef idx="0">
-            <a:schemeClr val="accent1"/>
-          </a:effectRef>
-          <a:fontRef idx="minor">
-            <a:schemeClr val="lt1"/>
-          </a:fontRef>
-        </p:style>
-        <p:txBody>
-          <a:bodyPr rtlCol="0" anchor="ctr"/>
-          <a:lstStyle/>
-          <a:p>
-            <a:pPr algn="ctr"/>
-            <a:r>
-              <a:rPr lang="en-US" altLang="zh-TW" dirty="0">
-                <a:solidFill>
-                  <a:schemeClr val="tx1"/>
-                </a:solidFill>
-              </a:rPr>
-              <a:t>RD545</a:t>
-            </a:r>
-            <a:r>
-              <a:rPr lang="zh-TW" altLang="en-US" dirty="0">
-                <a:solidFill>
-                  <a:schemeClr val="tx1"/>
-                </a:solidFill>
-              </a:rPr>
-              <a:t> </a:t>
-            </a:r>
-            <a:r>
-              <a:rPr lang="en-US" altLang="zh-TW" dirty="0">
-                <a:solidFill>
-                  <a:schemeClr val="tx1"/>
-                </a:solidFill>
-              </a:rPr>
-              <a:t>Device </a:t>
-            </a:r>
-            <a:endParaRPr lang="zh-TW" altLang="en-US" dirty="0">
-              <a:solidFill>
-                <a:schemeClr val="tx1"/>
-              </a:solidFill>
-            </a:endParaRPr>
-          </a:p>
-        </p:txBody>
-      </p:sp>
-      <p:sp>
-        <p:nvSpPr>
-          <p:cNvPr id="35" name="矩形: 圓角 34">
-            <a:extLst>
-              <a:ext uri="{FF2B5EF4-FFF2-40B4-BE49-F238E27FC236}">
-                <a16:creationId xmlns:a16="http://schemas.microsoft.com/office/drawing/2014/main" id="{35304806-0792-443A-A535-7EF52266BAB0}"/>
-              </a:ext>
-            </a:extLst>
-          </p:cNvPr>
-          <p:cNvSpPr/>
-          <p:nvPr/>
-        </p:nvSpPr>
-        <p:spPr>
-          <a:xfrm>
-            <a:off x="5264275" y="2311213"/>
-            <a:ext cx="2499651" cy="472418"/>
-          </a:xfrm>
-          <a:prstGeom prst="roundRect">
-            <a:avLst/>
-          </a:prstGeom>
-          <a:noFill/>
-          <a:ln>
-            <a:solidFill>
-              <a:schemeClr val="tx1">
-                <a:lumMod val="75000"/>
-                <a:lumOff val="25000"/>
-              </a:schemeClr>
-            </a:solidFill>
-          </a:ln>
-        </p:spPr>
-        <p:style>
-          <a:lnRef idx="2">
-            <a:schemeClr val="accent1">
-              <a:shade val="50000"/>
-            </a:schemeClr>
-          </a:lnRef>
-          <a:fillRef idx="1">
-            <a:schemeClr val="accent1"/>
-          </a:fillRef>
-          <a:effectRef idx="0">
-            <a:schemeClr val="accent1"/>
-          </a:effectRef>
-          <a:fontRef idx="minor">
-            <a:schemeClr val="lt1"/>
-          </a:fontRef>
-        </p:style>
-        <p:txBody>
-          <a:bodyPr rtlCol="0" anchor="ctr"/>
-          <a:lstStyle/>
-          <a:p>
-            <a:pPr algn="ctr"/>
-            <a:r>
-              <a:rPr lang="en-US" altLang="zh-TW" dirty="0" err="1">
-                <a:solidFill>
-                  <a:schemeClr val="tx1"/>
-                </a:solidFill>
-              </a:rPr>
-              <a:t>TempData</a:t>
-            </a:r>
-            <a:r>
-              <a:rPr lang="en-US" altLang="zh-TW" dirty="0">
-                <a:solidFill>
-                  <a:schemeClr val="tx1"/>
-                </a:solidFill>
-              </a:rPr>
-              <a:t> Parsing</a:t>
-            </a:r>
-            <a:endParaRPr lang="zh-TW" altLang="en-US" dirty="0">
-              <a:solidFill>
-                <a:schemeClr val="tx1"/>
-              </a:solidFill>
-            </a:endParaRPr>
-          </a:p>
-        </p:txBody>
-      </p:sp>
-      <p:cxnSp>
-        <p:nvCxnSpPr>
-          <p:cNvPr id="37" name="直線單箭頭接點 36">
-            <a:extLst>
-              <a:ext uri="{FF2B5EF4-FFF2-40B4-BE49-F238E27FC236}">
-                <a16:creationId xmlns:a16="http://schemas.microsoft.com/office/drawing/2014/main" id="{AC3D3C75-DA17-42C7-919E-557A4F8136C3}"/>
-              </a:ext>
-            </a:extLst>
-          </p:cNvPr>
-          <p:cNvCxnSpPr>
-            <a:cxnSpLocks/>
-            <a:stCxn id="35" idx="2"/>
-            <a:endCxn id="33" idx="0"/>
-          </p:cNvCxnSpPr>
-          <p:nvPr/>
-        </p:nvCxnSpPr>
-        <p:spPr>
-          <a:xfrm>
-            <a:off x="6514101" y="2783631"/>
-            <a:ext cx="2" cy="1086209"/>
-          </a:xfrm>
-          <a:prstGeom prst="straightConnector1">
-            <a:avLst/>
-          </a:prstGeom>
-          <a:ln w="19050">
-            <a:solidFill>
-              <a:srgbClr val="FF0000"/>
-            </a:solidFill>
-            <a:prstDash val="sysDash"/>
-            <a:tailEnd type="triangle"/>
-          </a:ln>
-        </p:spPr>
-        <p:style>
-          <a:lnRef idx="1">
-            <a:schemeClr val="accent1"/>
-          </a:lnRef>
-          <a:fillRef idx="0">
-            <a:schemeClr val="accent1"/>
-          </a:fillRef>
-          <a:effectRef idx="0">
-            <a:schemeClr val="accent1"/>
-          </a:effectRef>
-          <a:fontRef idx="minor">
-            <a:schemeClr val="tx1"/>
-          </a:fontRef>
-        </p:style>
-      </p:cxnSp>
-      <p:sp>
-        <p:nvSpPr>
-          <p:cNvPr id="42" name="文字方塊 41">
-            <a:extLst>
-              <a:ext uri="{FF2B5EF4-FFF2-40B4-BE49-F238E27FC236}">
-                <a16:creationId xmlns:a16="http://schemas.microsoft.com/office/drawing/2014/main" id="{280233BE-E9BB-4D25-BA3A-B1074190A1E4}"/>
-              </a:ext>
-            </a:extLst>
-          </p:cNvPr>
-          <p:cNvSpPr txBox="1"/>
-          <p:nvPr/>
-        </p:nvSpPr>
-        <p:spPr>
-          <a:xfrm>
-            <a:off x="6514100" y="2877285"/>
-            <a:ext cx="2404534" cy="923330"/>
-          </a:xfrm>
-          <a:prstGeom prst="rect">
-            <a:avLst/>
-          </a:prstGeom>
-          <a:noFill/>
-        </p:spPr>
-        <p:txBody>
-          <a:bodyPr wrap="square">
-            <a:spAutoFit/>
-          </a:bodyPr>
-          <a:lstStyle/>
-          <a:p>
-            <a:r>
-              <a:rPr lang="zh-TW" altLang="en-US" dirty="0">
-                <a:solidFill>
-                  <a:srgbClr val="FF0000"/>
-                </a:solidFill>
-              </a:rPr>
-              <a:t>TempData</a:t>
-            </a:r>
-            <a:r>
-              <a:rPr lang="en-US" altLang="zh-TW" dirty="0">
-                <a:solidFill>
-                  <a:srgbClr val="FF0000"/>
-                </a:solidFill>
-              </a:rPr>
-              <a:t>1</a:t>
-            </a:r>
-            <a:r>
-              <a:rPr lang="zh-TW" altLang="en-US" dirty="0">
-                <a:solidFill>
-                  <a:srgbClr val="FF0000"/>
-                </a:solidFill>
-              </a:rPr>
-              <a:t> is parsed into</a:t>
-            </a:r>
-            <a:r>
-              <a:rPr lang="en-US" altLang="zh-TW" dirty="0">
-                <a:solidFill>
-                  <a:srgbClr val="FF0000"/>
-                </a:solidFill>
-              </a:rPr>
-              <a:t>:</a:t>
-            </a:r>
-            <a:r>
-              <a:rPr lang="zh-TW" altLang="en-US" dirty="0">
-                <a:solidFill>
-                  <a:srgbClr val="FF0000"/>
-                </a:solidFill>
-              </a:rPr>
-              <a:t> gender, birthday, height, clothing weight</a:t>
-            </a:r>
-            <a:r>
-              <a:rPr lang="en-US" altLang="zh-TW" dirty="0">
-                <a:solidFill>
-                  <a:srgbClr val="FF0000"/>
-                </a:solidFill>
-              </a:rPr>
-              <a:t>.</a:t>
-            </a:r>
-            <a:endParaRPr lang="zh-TW" altLang="en-US" dirty="0">
-              <a:solidFill>
-                <a:srgbClr val="FF0000"/>
-              </a:solidFill>
-            </a:endParaRPr>
-          </a:p>
-        </p:txBody>
-      </p:sp>
-      <p:cxnSp>
-        <p:nvCxnSpPr>
-          <p:cNvPr id="44" name="直線單箭頭接點 43">
-            <a:extLst>
-              <a:ext uri="{FF2B5EF4-FFF2-40B4-BE49-F238E27FC236}">
-                <a16:creationId xmlns:a16="http://schemas.microsoft.com/office/drawing/2014/main" id="{8CCB0611-BBE7-4FFA-A1FC-50016CE4441B}"/>
-              </a:ext>
-            </a:extLst>
-          </p:cNvPr>
-          <p:cNvCxnSpPr>
-            <a:cxnSpLocks/>
-            <a:stCxn id="33" idx="2"/>
-            <a:endCxn id="34" idx="0"/>
-          </p:cNvCxnSpPr>
-          <p:nvPr/>
-        </p:nvCxnSpPr>
-        <p:spPr>
-          <a:xfrm flipH="1">
-            <a:off x="6514101" y="4342258"/>
-            <a:ext cx="2" cy="1041396"/>
-          </a:xfrm>
-          <a:prstGeom prst="straightConnector1">
-            <a:avLst/>
-          </a:prstGeom>
-          <a:ln w="19050">
-            <a:solidFill>
-              <a:schemeClr val="accent1"/>
-            </a:solidFill>
-            <a:prstDash val="sysDash"/>
-            <a:tailEnd type="triangle"/>
-          </a:ln>
-        </p:spPr>
-        <p:style>
-          <a:lnRef idx="1">
-            <a:schemeClr val="accent1"/>
-          </a:lnRef>
-          <a:fillRef idx="0">
-            <a:schemeClr val="accent1"/>
-          </a:fillRef>
-          <a:effectRef idx="0">
-            <a:schemeClr val="accent1"/>
-          </a:effectRef>
-          <a:fontRef idx="minor">
-            <a:schemeClr val="tx1"/>
-          </a:fontRef>
-        </p:style>
-      </p:cxnSp>
-      <p:sp>
-        <p:nvSpPr>
-          <p:cNvPr id="49" name="文字方塊 48">
-            <a:extLst>
-              <a:ext uri="{FF2B5EF4-FFF2-40B4-BE49-F238E27FC236}">
-                <a16:creationId xmlns:a16="http://schemas.microsoft.com/office/drawing/2014/main" id="{2CF02CAA-A5D0-407E-9738-3ADC5BA325A2}"/>
-              </a:ext>
-            </a:extLst>
-          </p:cNvPr>
-          <p:cNvSpPr txBox="1"/>
-          <p:nvPr/>
-        </p:nvSpPr>
-        <p:spPr>
-          <a:xfrm>
-            <a:off x="6633359" y="4384702"/>
-            <a:ext cx="2510634" cy="923330"/>
-          </a:xfrm>
-          <a:prstGeom prst="rect">
-            <a:avLst/>
-          </a:prstGeom>
-          <a:noFill/>
-        </p:spPr>
-        <p:txBody>
-          <a:bodyPr wrap="square">
-            <a:spAutoFit/>
-          </a:bodyPr>
-          <a:lstStyle/>
-          <a:p>
-            <a:r>
-              <a:rPr lang="en-US" altLang="zh-TW" dirty="0" err="1">
-                <a:solidFill>
-                  <a:schemeClr val="accent1"/>
-                </a:solidFill>
-              </a:rPr>
-              <a:t>Ble</a:t>
-            </a:r>
-            <a:r>
-              <a:rPr lang="en-US" altLang="zh-TW" dirty="0">
-                <a:solidFill>
-                  <a:schemeClr val="accent1"/>
-                </a:solidFill>
-              </a:rPr>
-              <a:t> Pass Base Data:</a:t>
-            </a:r>
-          </a:p>
-          <a:p>
-            <a:r>
-              <a:rPr lang="zh-TW" altLang="en-US" dirty="0">
-                <a:solidFill>
-                  <a:schemeClr val="accent1"/>
-                </a:solidFill>
-              </a:rPr>
-              <a:t>gender, birthday, height, clothing weight</a:t>
-            </a:r>
-            <a:r>
-              <a:rPr lang="en-US" altLang="zh-TW" dirty="0">
-                <a:solidFill>
-                  <a:schemeClr val="accent1"/>
-                </a:solidFill>
-              </a:rPr>
-              <a:t>.</a:t>
-            </a:r>
-            <a:endParaRPr lang="zh-TW" altLang="en-US" dirty="0">
-              <a:solidFill>
-                <a:schemeClr val="accent1"/>
-              </a:solidFill>
-            </a:endParaRPr>
-          </a:p>
-        </p:txBody>
-      </p:sp>
-      <p:sp>
-        <p:nvSpPr>
-          <p:cNvPr id="58" name="矩形: 圓角 57">
-            <a:extLst>
-              <a:ext uri="{FF2B5EF4-FFF2-40B4-BE49-F238E27FC236}">
-                <a16:creationId xmlns:a16="http://schemas.microsoft.com/office/drawing/2014/main" id="{01303C9C-BCD1-4164-950D-D98CE27569B0}"/>
-              </a:ext>
-            </a:extLst>
-          </p:cNvPr>
-          <p:cNvSpPr/>
-          <p:nvPr/>
-        </p:nvSpPr>
-        <p:spPr>
-          <a:xfrm>
-            <a:off x="5520387" y="5856072"/>
-            <a:ext cx="3090213" cy="472418"/>
-          </a:xfrm>
-          <a:prstGeom prst="roundRect">
-            <a:avLst/>
-          </a:prstGeom>
-          <a:noFill/>
-          <a:ln>
-            <a:solidFill>
-              <a:schemeClr val="tx1">
-                <a:lumMod val="75000"/>
-                <a:lumOff val="25000"/>
-              </a:schemeClr>
-            </a:solidFill>
-          </a:ln>
-        </p:spPr>
-        <p:style>
-          <a:lnRef idx="2">
-            <a:schemeClr val="accent1">
-              <a:shade val="50000"/>
-            </a:schemeClr>
-          </a:lnRef>
-          <a:fillRef idx="1">
-            <a:schemeClr val="accent1"/>
-          </a:fillRef>
-          <a:effectRef idx="0">
-            <a:schemeClr val="accent1"/>
-          </a:effectRef>
-          <a:fontRef idx="minor">
-            <a:schemeClr val="lt1"/>
-          </a:fontRef>
-        </p:style>
-        <p:txBody>
-          <a:bodyPr rtlCol="0" anchor="ctr"/>
-          <a:lstStyle/>
-          <a:p>
-            <a:pPr algn="ctr"/>
-            <a:r>
-              <a:rPr lang="en-US" altLang="zh-TW" dirty="0">
-                <a:solidFill>
-                  <a:schemeClr val="tx1"/>
-                </a:solidFill>
-              </a:rPr>
-              <a:t>RD545</a:t>
-            </a:r>
-            <a:r>
-              <a:rPr lang="zh-TW" altLang="en-US" dirty="0">
-                <a:solidFill>
-                  <a:schemeClr val="tx1"/>
-                </a:solidFill>
-              </a:rPr>
-              <a:t> </a:t>
-            </a:r>
-            <a:r>
-              <a:rPr lang="en-US" altLang="zh-TW" dirty="0">
-                <a:solidFill>
-                  <a:schemeClr val="tx1"/>
-                </a:solidFill>
-              </a:rPr>
-              <a:t>Device Measurement </a:t>
-            </a:r>
-            <a:endParaRPr lang="zh-TW" altLang="en-US" dirty="0">
-              <a:solidFill>
-                <a:schemeClr val="tx1"/>
-              </a:solidFill>
-            </a:endParaRPr>
-          </a:p>
-        </p:txBody>
-      </p:sp>
-      <p:cxnSp>
-        <p:nvCxnSpPr>
-          <p:cNvPr id="63" name="接點: 肘形 62">
-            <a:extLst>
-              <a:ext uri="{FF2B5EF4-FFF2-40B4-BE49-F238E27FC236}">
-                <a16:creationId xmlns:a16="http://schemas.microsoft.com/office/drawing/2014/main" id="{EFAD7A4C-1CDE-483D-98F9-C84D9F7C28BD}"/>
-              </a:ext>
-            </a:extLst>
-          </p:cNvPr>
-          <p:cNvCxnSpPr>
-            <a:cxnSpLocks/>
-            <a:stCxn id="58" idx="3"/>
-          </p:cNvCxnSpPr>
-          <p:nvPr/>
-        </p:nvCxnSpPr>
-        <p:spPr>
-          <a:xfrm flipV="1">
-            <a:off x="8610600" y="4332198"/>
-            <a:ext cx="1412483" cy="1760083"/>
-          </a:xfrm>
-          <a:prstGeom prst="bentConnector2">
-            <a:avLst/>
-          </a:prstGeom>
-          <a:ln w="19050">
-            <a:prstDash val="sysDash"/>
-            <a:tailEnd type="triangle"/>
-          </a:ln>
-        </p:spPr>
-        <p:style>
-          <a:lnRef idx="1">
-            <a:schemeClr val="accent1"/>
-          </a:lnRef>
-          <a:fillRef idx="0">
-            <a:schemeClr val="accent1"/>
-          </a:fillRef>
-          <a:effectRef idx="0">
-            <a:schemeClr val="accent1"/>
-          </a:effectRef>
-          <a:fontRef idx="minor">
-            <a:schemeClr val="tx1"/>
-          </a:fontRef>
-        </p:style>
-      </p:cxnSp>
-      <p:sp>
-        <p:nvSpPr>
-          <p:cNvPr id="65" name="矩形: 圓角 64">
-            <a:extLst>
-              <a:ext uri="{FF2B5EF4-FFF2-40B4-BE49-F238E27FC236}">
-                <a16:creationId xmlns:a16="http://schemas.microsoft.com/office/drawing/2014/main" id="{3AC88E5F-33C7-46DD-A10F-BE107081F090}"/>
-              </a:ext>
-            </a:extLst>
-          </p:cNvPr>
-          <p:cNvSpPr/>
-          <p:nvPr/>
-        </p:nvSpPr>
-        <p:spPr>
-          <a:xfrm>
-            <a:off x="9132633" y="3706690"/>
-            <a:ext cx="1780892" cy="635568"/>
-          </a:xfrm>
-          <a:prstGeom prst="roundRect">
-            <a:avLst/>
-          </a:prstGeom>
-          <a:noFill/>
-          <a:ln>
-            <a:solidFill>
-              <a:schemeClr val="tx1">
-                <a:lumMod val="75000"/>
-                <a:lumOff val="25000"/>
-              </a:schemeClr>
-            </a:solidFill>
-          </a:ln>
-        </p:spPr>
-        <p:style>
-          <a:lnRef idx="2">
-            <a:schemeClr val="accent1">
-              <a:shade val="50000"/>
-            </a:schemeClr>
-          </a:lnRef>
-          <a:fillRef idx="1">
-            <a:schemeClr val="accent1"/>
-          </a:fillRef>
-          <a:effectRef idx="0">
-            <a:schemeClr val="accent1"/>
-          </a:effectRef>
-          <a:fontRef idx="minor">
-            <a:schemeClr val="lt1"/>
-          </a:fontRef>
-        </p:style>
-        <p:txBody>
-          <a:bodyPr rtlCol="0" anchor="ctr"/>
-          <a:lstStyle/>
-          <a:p>
-            <a:pPr algn="ctr"/>
-            <a:r>
-              <a:rPr lang="en-US" altLang="zh-TW" dirty="0">
-                <a:solidFill>
-                  <a:schemeClr val="tx1"/>
-                </a:solidFill>
-              </a:rPr>
-              <a:t>Measurement Data Get</a:t>
-            </a:r>
-            <a:endParaRPr lang="zh-TW" altLang="en-US" dirty="0">
-              <a:solidFill>
-                <a:schemeClr val="tx1"/>
-              </a:solidFill>
-            </a:endParaRPr>
-          </a:p>
-        </p:txBody>
-      </p:sp>
-      <p:sp>
-        <p:nvSpPr>
-          <p:cNvPr id="67" name="文字方塊 66">
-            <a:extLst>
-              <a:ext uri="{FF2B5EF4-FFF2-40B4-BE49-F238E27FC236}">
-                <a16:creationId xmlns:a16="http://schemas.microsoft.com/office/drawing/2014/main" id="{E5EEA9D4-2A19-421D-9BBC-94777EA6017E}"/>
-              </a:ext>
-            </a:extLst>
-          </p:cNvPr>
-          <p:cNvSpPr txBox="1"/>
-          <p:nvPr/>
-        </p:nvSpPr>
-        <p:spPr>
-          <a:xfrm>
-            <a:off x="8975559" y="5769115"/>
-            <a:ext cx="2095041" cy="646331"/>
-          </a:xfrm>
-          <a:prstGeom prst="rect">
-            <a:avLst/>
-          </a:prstGeom>
-          <a:noFill/>
-        </p:spPr>
-        <p:txBody>
-          <a:bodyPr wrap="square">
-            <a:spAutoFit/>
-          </a:bodyPr>
-          <a:lstStyle/>
-          <a:p>
-            <a:r>
-              <a:rPr lang="en-US" altLang="zh-TW" dirty="0" err="1">
-                <a:solidFill>
-                  <a:schemeClr val="accent1"/>
-                </a:solidFill>
-              </a:rPr>
-              <a:t>Ble</a:t>
-            </a:r>
-            <a:r>
-              <a:rPr lang="en-US" altLang="zh-TW" dirty="0">
-                <a:solidFill>
-                  <a:schemeClr val="accent1"/>
-                </a:solidFill>
-              </a:rPr>
-              <a:t> Pass Measurement Data</a:t>
-            </a:r>
-            <a:endParaRPr lang="zh-TW" altLang="en-US" dirty="0"/>
-          </a:p>
-        </p:txBody>
-      </p:sp>
-      <p:sp>
-        <p:nvSpPr>
-          <p:cNvPr id="68" name="雲朵形 67">
-            <a:extLst>
-              <a:ext uri="{FF2B5EF4-FFF2-40B4-BE49-F238E27FC236}">
-                <a16:creationId xmlns:a16="http://schemas.microsoft.com/office/drawing/2014/main" id="{27A0946F-6339-45E9-A0BD-2C5153771188}"/>
-              </a:ext>
-            </a:extLst>
-          </p:cNvPr>
-          <p:cNvSpPr/>
-          <p:nvPr/>
-        </p:nvSpPr>
-        <p:spPr>
-          <a:xfrm>
-            <a:off x="9357644" y="586693"/>
-            <a:ext cx="2017185" cy="1016789"/>
-          </a:xfrm>
-          <a:prstGeom prst="cloud">
-            <a:avLst/>
-          </a:prstGeom>
-          <a:noFill/>
-          <a:ln>
-            <a:solidFill>
-              <a:srgbClr val="00B0F0"/>
-            </a:solidFill>
-          </a:ln>
-        </p:spPr>
-        <p:style>
-          <a:lnRef idx="2">
-            <a:schemeClr val="accent1">
-              <a:shade val="50000"/>
-            </a:schemeClr>
-          </a:lnRef>
-          <a:fillRef idx="1">
-            <a:schemeClr val="accent1"/>
-          </a:fillRef>
-          <a:effectRef idx="0">
-            <a:schemeClr val="accent1"/>
-          </a:effectRef>
-          <a:fontRef idx="minor">
-            <a:schemeClr val="lt1"/>
-          </a:fontRef>
-        </p:style>
-        <p:txBody>
-          <a:bodyPr rtlCol="0" anchor="ctr"/>
-          <a:lstStyle/>
-          <a:p>
-            <a:pPr algn="ctr"/>
-            <a:r>
-              <a:rPr lang="en-US" altLang="zh-TW" dirty="0">
-                <a:solidFill>
-                  <a:srgbClr val="00B0F0"/>
-                </a:solidFill>
-              </a:rPr>
-              <a:t>Cloud Server App</a:t>
-            </a:r>
-            <a:endParaRPr lang="zh-TW" altLang="en-US" dirty="0">
-              <a:solidFill>
-                <a:srgbClr val="00B0F0"/>
-              </a:solidFill>
-            </a:endParaRPr>
-          </a:p>
-        </p:txBody>
-      </p:sp>
-      <p:sp>
-        <p:nvSpPr>
-          <p:cNvPr id="70" name="矩形: 圓角 69">
-            <a:extLst>
-              <a:ext uri="{FF2B5EF4-FFF2-40B4-BE49-F238E27FC236}">
-                <a16:creationId xmlns:a16="http://schemas.microsoft.com/office/drawing/2014/main" id="{3F83DA63-AC4D-4341-B5F2-836ACF5328D0}"/>
-              </a:ext>
-            </a:extLst>
-          </p:cNvPr>
-          <p:cNvSpPr/>
-          <p:nvPr/>
-        </p:nvSpPr>
-        <p:spPr>
-          <a:xfrm>
-            <a:off x="8975559" y="1830332"/>
-            <a:ext cx="2095040" cy="458567"/>
-          </a:xfrm>
-          <a:prstGeom prst="roundRect">
-            <a:avLst/>
-          </a:prstGeom>
-          <a:noFill/>
-          <a:ln>
-            <a:solidFill>
-              <a:schemeClr val="tx1">
-                <a:lumMod val="75000"/>
-                <a:lumOff val="25000"/>
-              </a:schemeClr>
-            </a:solidFill>
-          </a:ln>
-        </p:spPr>
-        <p:style>
-          <a:lnRef idx="2">
-            <a:schemeClr val="accent1">
-              <a:shade val="50000"/>
-            </a:schemeClr>
-          </a:lnRef>
-          <a:fillRef idx="1">
-            <a:schemeClr val="accent1"/>
-          </a:fillRef>
-          <a:effectRef idx="0">
-            <a:schemeClr val="accent1"/>
-          </a:effectRef>
-          <a:fontRef idx="minor">
-            <a:schemeClr val="lt1"/>
-          </a:fontRef>
-        </p:style>
-        <p:txBody>
-          <a:bodyPr rtlCol="0" anchor="ctr"/>
-          <a:lstStyle/>
-          <a:p>
-            <a:pPr algn="ctr"/>
-            <a:r>
-              <a:rPr lang="en-US" altLang="zh-TW" dirty="0">
-                <a:solidFill>
-                  <a:schemeClr val="tx1"/>
-                </a:solidFill>
-              </a:rPr>
-              <a:t>Pass Server Event</a:t>
-            </a:r>
-            <a:endParaRPr lang="zh-TW" altLang="en-US" dirty="0">
-              <a:solidFill>
-                <a:schemeClr val="tx1"/>
-              </a:solidFill>
-            </a:endParaRPr>
-          </a:p>
-        </p:txBody>
-      </p:sp>
-      <p:cxnSp>
-        <p:nvCxnSpPr>
-          <p:cNvPr id="71" name="直線單箭頭接點 70">
-            <a:extLst>
-              <a:ext uri="{FF2B5EF4-FFF2-40B4-BE49-F238E27FC236}">
-                <a16:creationId xmlns:a16="http://schemas.microsoft.com/office/drawing/2014/main" id="{5246AF2F-9E15-4EF2-839D-C62EE297C7CC}"/>
-              </a:ext>
-            </a:extLst>
-          </p:cNvPr>
-          <p:cNvCxnSpPr>
-            <a:cxnSpLocks/>
-            <a:stCxn id="65" idx="0"/>
-            <a:endCxn id="70" idx="2"/>
-          </p:cNvCxnSpPr>
-          <p:nvPr/>
-        </p:nvCxnSpPr>
-        <p:spPr>
-          <a:xfrm flipV="1">
-            <a:off x="10023079" y="2288899"/>
-            <a:ext cx="0" cy="1417791"/>
-          </a:xfrm>
-          <a:prstGeom prst="straightConnector1">
-            <a:avLst/>
-          </a:prstGeom>
-          <a:ln w="19050">
-            <a:solidFill>
-              <a:srgbClr val="FF0000"/>
-            </a:solidFill>
-            <a:prstDash val="sysDash"/>
-            <a:tailEnd type="triangle"/>
-          </a:ln>
-        </p:spPr>
-        <p:style>
-          <a:lnRef idx="1">
-            <a:schemeClr val="accent1"/>
-          </a:lnRef>
-          <a:fillRef idx="0">
-            <a:schemeClr val="accent1"/>
-          </a:fillRef>
-          <a:effectRef idx="0">
-            <a:schemeClr val="accent1"/>
-          </a:effectRef>
-          <a:fontRef idx="minor">
-            <a:schemeClr val="tx1"/>
-          </a:fontRef>
-        </p:style>
-      </p:cxnSp>
-      <p:cxnSp>
-        <p:nvCxnSpPr>
-          <p:cNvPr id="74" name="直線單箭頭接點 73">
-            <a:extLst>
-              <a:ext uri="{FF2B5EF4-FFF2-40B4-BE49-F238E27FC236}">
-                <a16:creationId xmlns:a16="http://schemas.microsoft.com/office/drawing/2014/main" id="{1E3969CA-13E2-4331-85C0-86801900585B}"/>
-              </a:ext>
-            </a:extLst>
-          </p:cNvPr>
-          <p:cNvCxnSpPr>
-            <a:cxnSpLocks/>
-            <a:stCxn id="70" idx="0"/>
-            <a:endCxn id="68" idx="1"/>
-          </p:cNvCxnSpPr>
-          <p:nvPr/>
-        </p:nvCxnSpPr>
-        <p:spPr>
-          <a:xfrm flipV="1">
-            <a:off x="10023079" y="1376633"/>
-            <a:ext cx="392" cy="453699"/>
-          </a:xfrm>
-          <a:prstGeom prst="straightConnector1">
-            <a:avLst/>
-          </a:prstGeom>
-          <a:ln w="19050">
-            <a:solidFill>
-              <a:srgbClr val="00B0F0"/>
-            </a:solidFill>
-            <a:prstDash val="sysDash"/>
-            <a:tailEnd type="triangle"/>
-          </a:ln>
-        </p:spPr>
-        <p:style>
-          <a:lnRef idx="1">
-            <a:schemeClr val="accent1"/>
-          </a:lnRef>
-          <a:fillRef idx="0">
-            <a:schemeClr val="accent1"/>
-          </a:fillRef>
-          <a:effectRef idx="0">
-            <a:schemeClr val="accent1"/>
-          </a:effectRef>
-          <a:fontRef idx="minor">
-            <a:schemeClr val="tx1"/>
-          </a:fontRef>
-        </p:style>
-      </p:cxnSp>
-      <p:sp>
-        <p:nvSpPr>
-          <p:cNvPr id="80" name="矩形: 圓角 79">
-            <a:extLst>
-              <a:ext uri="{FF2B5EF4-FFF2-40B4-BE49-F238E27FC236}">
-                <a16:creationId xmlns:a16="http://schemas.microsoft.com/office/drawing/2014/main" id="{E072A839-AD9A-41AF-AB00-F3921CBEEBFC}"/>
-              </a:ext>
-            </a:extLst>
-          </p:cNvPr>
-          <p:cNvSpPr/>
-          <p:nvPr/>
-        </p:nvSpPr>
-        <p:spPr>
-          <a:xfrm>
-            <a:off x="10168460" y="2721554"/>
-            <a:ext cx="902139" cy="635568"/>
-          </a:xfrm>
-          <a:prstGeom prst="roundRect">
-            <a:avLst/>
-          </a:prstGeom>
-          <a:noFill/>
-          <a:ln>
-            <a:solidFill>
-              <a:schemeClr val="tx1">
-                <a:lumMod val="75000"/>
-                <a:lumOff val="25000"/>
-              </a:schemeClr>
-            </a:solidFill>
-          </a:ln>
-        </p:spPr>
-        <p:style>
-          <a:lnRef idx="2">
-            <a:schemeClr val="accent1">
-              <a:shade val="50000"/>
-            </a:schemeClr>
-          </a:lnRef>
-          <a:fillRef idx="1">
-            <a:schemeClr val="accent1"/>
-          </a:fillRef>
-          <a:effectRef idx="0">
-            <a:schemeClr val="accent1"/>
-          </a:effectRef>
-          <a:fontRef idx="minor">
-            <a:schemeClr val="lt1"/>
-          </a:fontRef>
-        </p:style>
-        <p:txBody>
-          <a:bodyPr rtlCol="0" anchor="ctr"/>
-          <a:lstStyle/>
-          <a:p>
-            <a:pPr algn="ctr"/>
-            <a:r>
-              <a:rPr lang="en-US" altLang="zh-TW" dirty="0">
-                <a:solidFill>
-                  <a:schemeClr val="tx1"/>
-                </a:solidFill>
-              </a:rPr>
-              <a:t>UI</a:t>
-            </a:r>
-          </a:p>
-          <a:p>
-            <a:pPr algn="ctr"/>
-            <a:r>
-              <a:rPr lang="en-US" altLang="zh-TW" dirty="0">
-                <a:solidFill>
-                  <a:schemeClr val="tx1"/>
-                </a:solidFill>
-              </a:rPr>
-              <a:t>output</a:t>
-            </a:r>
-            <a:endParaRPr lang="zh-TW" altLang="en-US" dirty="0">
-              <a:solidFill>
-                <a:schemeClr val="tx1"/>
-              </a:solidFill>
-            </a:endParaRPr>
-          </a:p>
-        </p:txBody>
-      </p:sp>
-      <p:cxnSp>
-        <p:nvCxnSpPr>
-          <p:cNvPr id="81" name="直線單箭頭接點 80">
-            <a:extLst>
-              <a:ext uri="{FF2B5EF4-FFF2-40B4-BE49-F238E27FC236}">
-                <a16:creationId xmlns:a16="http://schemas.microsoft.com/office/drawing/2014/main" id="{E31A6EA7-BC07-45C1-BC91-86AACD3D3B6D}"/>
-              </a:ext>
-            </a:extLst>
-          </p:cNvPr>
-          <p:cNvCxnSpPr>
-            <a:cxnSpLocks/>
-            <a:endCxn id="80" idx="2"/>
-          </p:cNvCxnSpPr>
-          <p:nvPr/>
-        </p:nvCxnSpPr>
-        <p:spPr>
-          <a:xfrm flipV="1">
-            <a:off x="10619530" y="3357122"/>
-            <a:ext cx="0" cy="349568"/>
-          </a:xfrm>
-          <a:prstGeom prst="straightConnector1">
-            <a:avLst/>
-          </a:prstGeom>
-          <a:ln w="19050">
-            <a:solidFill>
-              <a:srgbClr val="FF0000"/>
-            </a:solidFill>
-            <a:prstDash val="sysDash"/>
-            <a:tailEnd type="triangle"/>
-          </a:ln>
-        </p:spPr>
-        <p:style>
-          <a:lnRef idx="1">
-            <a:schemeClr val="accent1"/>
-          </a:lnRef>
-          <a:fillRef idx="0">
-            <a:schemeClr val="accent1"/>
-          </a:fillRef>
-          <a:effectRef idx="0">
-            <a:schemeClr val="accent1"/>
-          </a:effectRef>
-          <a:fontRef idx="minor">
-            <a:schemeClr val="tx1"/>
-          </a:fontRef>
-        </p:style>
-      </p:cxnSp>
-      <p:sp>
-        <p:nvSpPr>
-          <p:cNvPr id="88" name="矩形: 摺角紙張 87">
-            <a:extLst>
-              <a:ext uri="{FF2B5EF4-FFF2-40B4-BE49-F238E27FC236}">
-                <a16:creationId xmlns:a16="http://schemas.microsoft.com/office/drawing/2014/main" id="{049C73AD-E4EF-4A3F-8E1D-8238DFBB91A6}"/>
-              </a:ext>
-            </a:extLst>
-          </p:cNvPr>
-          <p:cNvSpPr/>
-          <p:nvPr/>
-        </p:nvSpPr>
-        <p:spPr>
-          <a:xfrm rot="10800000">
-            <a:off x="11375844" y="2500697"/>
-            <a:ext cx="742275" cy="1081546"/>
-          </a:xfrm>
-          <a:prstGeom prst="foldedCorner">
-            <a:avLst>
-              <a:gd name="adj" fmla="val 25070"/>
-            </a:avLst>
-          </a:prstGeom>
-          <a:noFill/>
-          <a:ln>
-            <a:solidFill>
-              <a:schemeClr val="accent1">
-                <a:lumMod val="75000"/>
-              </a:schemeClr>
-            </a:solidFill>
-          </a:ln>
-        </p:spPr>
-        <p:style>
-          <a:lnRef idx="2">
-            <a:schemeClr val="accent1">
-              <a:shade val="50000"/>
-            </a:schemeClr>
-          </a:lnRef>
-          <a:fillRef idx="1">
-            <a:schemeClr val="accent1"/>
-          </a:fillRef>
-          <a:effectRef idx="0">
-            <a:schemeClr val="accent1"/>
-          </a:effectRef>
-          <a:fontRef idx="minor">
-            <a:schemeClr val="lt1"/>
-          </a:fontRef>
-        </p:style>
-        <p:txBody>
-          <a:bodyPr rtlCol="0" anchor="ctr"/>
-          <a:lstStyle/>
-          <a:p>
-            <a:pPr algn="ctr"/>
-            <a:endParaRPr lang="zh-TW" altLang="en-US" dirty="0">
-              <a:solidFill>
-                <a:srgbClr val="00B0F0"/>
-              </a:solidFill>
-            </a:endParaRPr>
-          </a:p>
-        </p:txBody>
-      </p:sp>
-      <p:cxnSp>
-        <p:nvCxnSpPr>
-          <p:cNvPr id="89" name="直線單箭頭接點 88">
-            <a:extLst>
-              <a:ext uri="{FF2B5EF4-FFF2-40B4-BE49-F238E27FC236}">
-                <a16:creationId xmlns:a16="http://schemas.microsoft.com/office/drawing/2014/main" id="{91830442-864D-4267-92D9-725698275EE7}"/>
-              </a:ext>
-            </a:extLst>
-          </p:cNvPr>
-          <p:cNvCxnSpPr>
-            <a:cxnSpLocks/>
-            <a:stCxn id="80" idx="3"/>
-            <a:endCxn id="88" idx="3"/>
-          </p:cNvCxnSpPr>
-          <p:nvPr/>
-        </p:nvCxnSpPr>
-        <p:spPr>
-          <a:xfrm>
-            <a:off x="11070599" y="3039338"/>
-            <a:ext cx="305245" cy="2132"/>
-          </a:xfrm>
-          <a:prstGeom prst="straightConnector1">
-            <a:avLst/>
-          </a:prstGeom>
-          <a:ln w="19050">
-            <a:solidFill>
-              <a:schemeClr val="accent1">
-                <a:lumMod val="75000"/>
-              </a:schemeClr>
-            </a:solidFill>
-            <a:prstDash val="sysDash"/>
-            <a:tailEnd type="triangle"/>
-          </a:ln>
-        </p:spPr>
-        <p:style>
-          <a:lnRef idx="1">
-            <a:schemeClr val="accent1"/>
-          </a:lnRef>
-          <a:fillRef idx="0">
-            <a:schemeClr val="accent1"/>
-          </a:fillRef>
-          <a:effectRef idx="0">
-            <a:schemeClr val="accent1"/>
-          </a:effectRef>
-          <a:fontRef idx="minor">
-            <a:schemeClr val="tx1"/>
-          </a:fontRef>
-        </p:style>
-      </p:cxnSp>
-      <p:sp>
-        <p:nvSpPr>
-          <p:cNvPr id="96" name="文字方塊 95">
-            <a:extLst>
-              <a:ext uri="{FF2B5EF4-FFF2-40B4-BE49-F238E27FC236}">
-                <a16:creationId xmlns:a16="http://schemas.microsoft.com/office/drawing/2014/main" id="{ED02D2D7-1194-466E-9032-28B547A2C938}"/>
-              </a:ext>
-            </a:extLst>
-          </p:cNvPr>
-          <p:cNvSpPr txBox="1"/>
-          <p:nvPr/>
-        </p:nvSpPr>
-        <p:spPr>
-          <a:xfrm>
-            <a:off x="11374829" y="2631837"/>
-            <a:ext cx="800215" cy="923330"/>
+            <a:off x="9494690" y="-11052"/>
+            <a:ext cx="3022568" cy="369332"/>
           </a:xfrm>
           <a:prstGeom prst="rect">
             <a:avLst/>
@@ -8050,91 +7878,18 @@
           <a:lstStyle/>
           <a:p>
             <a:r>
-              <a:rPr lang="en-US" altLang="zh-TW" dirty="0">
-                <a:solidFill>
-                  <a:schemeClr val="accent1">
-                    <a:lumMod val="75000"/>
-                  </a:schemeClr>
-                </a:solidFill>
-              </a:rPr>
-              <a:t>*.csv</a:t>
-            </a:r>
-          </a:p>
-          <a:p>
-            <a:r>
-              <a:rPr lang="en-US" altLang="zh-TW" dirty="0">
-                <a:solidFill>
-                  <a:schemeClr val="accent1">
-                    <a:lumMod val="75000"/>
-                  </a:schemeClr>
-                </a:solidFill>
-              </a:rPr>
-              <a:t>*.pdf</a:t>
-            </a:r>
-          </a:p>
-          <a:p>
-            <a:r>
-              <a:rPr lang="en-US" altLang="zh-TW" dirty="0">
-                <a:solidFill>
-                  <a:schemeClr val="accent1">
-                    <a:lumMod val="75000"/>
-                  </a:schemeClr>
-                </a:solidFill>
-              </a:rPr>
-              <a:t>*.jpg</a:t>
-            </a:r>
-            <a:endParaRPr lang="zh-TW" altLang="en-US" dirty="0">
-              <a:solidFill>
-                <a:schemeClr val="accent1">
-                  <a:lumMod val="75000"/>
-                </a:schemeClr>
-              </a:solidFill>
-            </a:endParaRPr>
-          </a:p>
-        </p:txBody>
-      </p:sp>
-      <p:pic>
-        <p:nvPicPr>
-          <p:cNvPr id="4" name="圖片 3">
-            <a:extLst>
-              <a:ext uri="{FF2B5EF4-FFF2-40B4-BE49-F238E27FC236}">
-                <a16:creationId xmlns:a16="http://schemas.microsoft.com/office/drawing/2014/main" id="{4B6E04D9-6017-46F7-8E39-AB7E473A5C22}"/>
-              </a:ext>
-            </a:extLst>
-          </p:cNvPr>
-          <p:cNvPicPr>
-            <a:picLocks noChangeAspect="1"/>
-          </p:cNvPicPr>
-          <p:nvPr/>
-        </p:nvPicPr>
-        <p:blipFill>
-          <a:blip r:embed="rId2" cstate="hqprint">
-            <a:extLst>
-              <a:ext uri="{28A0092B-C50C-407E-A947-70E740481C1C}">
-                <a14:useLocalDpi xmlns:a14="http://schemas.microsoft.com/office/drawing/2010/main" val="0"/>
-              </a:ext>
-            </a:extLst>
-          </a:blip>
-          <a:stretch>
-            <a:fillRect/>
-          </a:stretch>
-        </p:blipFill>
-        <p:spPr>
-          <a:xfrm>
-            <a:off x="1154974" y="922867"/>
-            <a:ext cx="2532098" cy="5626885"/>
-          </a:xfrm>
-          <a:prstGeom prst="rect">
-            <a:avLst/>
-          </a:prstGeom>
-        </p:spPr>
-      </p:pic>
-      <p:sp>
-        <p:nvSpPr>
-          <p:cNvPr id="36" name="文字方塊 35">
-            <a:extLst>
-              <a:ext uri="{FF2B5EF4-FFF2-40B4-BE49-F238E27FC236}">
-                <a16:creationId xmlns:a16="http://schemas.microsoft.com/office/drawing/2014/main" id="{257F27CD-1695-40A9-862E-7292F9AA0EEC}"/>
+              <a:rPr lang="en-US" altLang="zh-TW" dirty="0"/>
+              <a:t>Reference from TANITA API</a:t>
+            </a:r>
+          </a:p>
+        </p:txBody>
+      </p:sp>
+      <p:sp>
+        <p:nvSpPr>
+          <p:cNvPr id="8" name="文字方塊 7">
+            <a:extLst>
+              <a:ext uri="{FF2B5EF4-FFF2-40B4-BE49-F238E27FC236}">
+                <a16:creationId xmlns:a16="http://schemas.microsoft.com/office/drawing/2014/main" id="{69050F9B-6512-456A-A007-28B80DA058D1}"/>
               </a:ext>
             </a:extLst>
           </p:cNvPr>
@@ -8143,503 +7898,8 @@
         </p:nvSpPr>
         <p:spPr>
           <a:xfrm>
-            <a:off x="1142787" y="1476402"/>
-            <a:ext cx="844550" cy="369332"/>
-          </a:xfrm>
-          <a:prstGeom prst="rect">
-            <a:avLst/>
-          </a:prstGeom>
-          <a:noFill/>
-        </p:spPr>
-        <p:txBody>
-          <a:bodyPr wrap="square">
-            <a:spAutoFit/>
-          </a:bodyPr>
-          <a:lstStyle/>
-          <a:p>
-            <a:pPr algn="ctr"/>
-            <a:r>
-              <a:rPr lang="en-US" altLang="zh-TW" dirty="0">
-                <a:solidFill>
-                  <a:srgbClr val="FF0000"/>
-                </a:solidFill>
-              </a:rPr>
-              <a:t>App1</a:t>
-            </a:r>
-            <a:endParaRPr lang="zh-TW" altLang="en-US" dirty="0">
-              <a:solidFill>
-                <a:srgbClr val="FF0000"/>
-              </a:solidFill>
-            </a:endParaRPr>
-          </a:p>
-        </p:txBody>
-      </p:sp>
-      <p:sp>
-        <p:nvSpPr>
-          <p:cNvPr id="38" name="文字方塊 37">
-            <a:extLst>
-              <a:ext uri="{FF2B5EF4-FFF2-40B4-BE49-F238E27FC236}">
-                <a16:creationId xmlns:a16="http://schemas.microsoft.com/office/drawing/2014/main" id="{22ECA52D-C1D8-47F5-9414-5955716D7E59}"/>
-              </a:ext>
-            </a:extLst>
-          </p:cNvPr>
-          <p:cNvSpPr txBox="1"/>
-          <p:nvPr/>
-        </p:nvSpPr>
-        <p:spPr>
-          <a:xfrm>
-            <a:off x="2893509" y="1476402"/>
-            <a:ext cx="751417" cy="369332"/>
-          </a:xfrm>
-          <a:prstGeom prst="rect">
-            <a:avLst/>
-          </a:prstGeom>
-          <a:noFill/>
-        </p:spPr>
-        <p:txBody>
-          <a:bodyPr wrap="square">
-            <a:spAutoFit/>
-          </a:bodyPr>
-          <a:lstStyle/>
-          <a:p>
-            <a:pPr algn="ctr"/>
-            <a:r>
-              <a:rPr lang="en-US" altLang="zh-TW" dirty="0">
-                <a:solidFill>
-                  <a:schemeClr val="accent1"/>
-                </a:solidFill>
-              </a:rPr>
-              <a:t>App2</a:t>
-            </a:r>
-            <a:endParaRPr lang="zh-TW" altLang="en-US" dirty="0">
-              <a:solidFill>
-                <a:schemeClr val="accent1"/>
-              </a:solidFill>
-            </a:endParaRPr>
-          </a:p>
-        </p:txBody>
-      </p:sp>
-      <p:sp>
-        <p:nvSpPr>
-          <p:cNvPr id="39" name="矩形: 圓角 38">
-            <a:extLst>
-              <a:ext uri="{FF2B5EF4-FFF2-40B4-BE49-F238E27FC236}">
-                <a16:creationId xmlns:a16="http://schemas.microsoft.com/office/drawing/2014/main" id="{B71B5CA5-A95D-47C7-9429-84A706FC73B0}"/>
-              </a:ext>
-            </a:extLst>
-          </p:cNvPr>
-          <p:cNvSpPr/>
-          <p:nvPr/>
-        </p:nvSpPr>
-        <p:spPr>
-          <a:xfrm>
-            <a:off x="1174486" y="1274386"/>
-            <a:ext cx="1224190" cy="2082735"/>
-          </a:xfrm>
-          <a:prstGeom prst="roundRect">
-            <a:avLst/>
-          </a:prstGeom>
-          <a:noFill/>
-          <a:ln>
-            <a:solidFill>
-              <a:srgbClr val="FF0000"/>
-            </a:solidFill>
-          </a:ln>
-        </p:spPr>
-        <p:style>
-          <a:lnRef idx="2">
-            <a:schemeClr val="accent1">
-              <a:shade val="50000"/>
-            </a:schemeClr>
-          </a:lnRef>
-          <a:fillRef idx="1">
-            <a:schemeClr val="accent1"/>
-          </a:fillRef>
-          <a:effectRef idx="0">
-            <a:schemeClr val="accent1"/>
-          </a:effectRef>
-          <a:fontRef idx="minor">
-            <a:schemeClr val="lt1"/>
-          </a:fontRef>
-        </p:style>
-        <p:txBody>
-          <a:bodyPr rtlCol="0" anchor="ctr"/>
-          <a:lstStyle/>
-          <a:p>
-            <a:pPr algn="ctr"/>
-            <a:endParaRPr lang="zh-TW" altLang="en-US" dirty="0">
-              <a:solidFill>
-                <a:srgbClr val="FF0000"/>
-              </a:solidFill>
-            </a:endParaRPr>
-          </a:p>
-        </p:txBody>
-      </p:sp>
-      <p:sp>
-        <p:nvSpPr>
-          <p:cNvPr id="41" name="矩形: 圓角 40">
-            <a:extLst>
-              <a:ext uri="{FF2B5EF4-FFF2-40B4-BE49-F238E27FC236}">
-                <a16:creationId xmlns:a16="http://schemas.microsoft.com/office/drawing/2014/main" id="{37614059-BE27-4177-A35A-9E5F33435268}"/>
-              </a:ext>
-            </a:extLst>
-          </p:cNvPr>
-          <p:cNvSpPr/>
-          <p:nvPr/>
-        </p:nvSpPr>
-        <p:spPr>
-          <a:xfrm>
-            <a:off x="2455600" y="1274385"/>
-            <a:ext cx="1196981" cy="2082735"/>
-          </a:xfrm>
-          <a:prstGeom prst="roundRect">
-            <a:avLst/>
-          </a:prstGeom>
-          <a:noFill/>
-          <a:ln>
-            <a:solidFill>
-              <a:schemeClr val="accent1"/>
-            </a:solidFill>
-          </a:ln>
-        </p:spPr>
-        <p:style>
-          <a:lnRef idx="2">
-            <a:schemeClr val="accent1">
-              <a:shade val="50000"/>
-            </a:schemeClr>
-          </a:lnRef>
-          <a:fillRef idx="1">
-            <a:schemeClr val="accent1"/>
-          </a:fillRef>
-          <a:effectRef idx="0">
-            <a:schemeClr val="accent1"/>
-          </a:effectRef>
-          <a:fontRef idx="minor">
-            <a:schemeClr val="lt1"/>
-          </a:fontRef>
-        </p:style>
-        <p:txBody>
-          <a:bodyPr rtlCol="0" anchor="ctr"/>
-          <a:lstStyle/>
-          <a:p>
-            <a:pPr algn="ctr"/>
-            <a:endParaRPr lang="zh-TW" altLang="en-US" dirty="0">
-              <a:solidFill>
-                <a:srgbClr val="FF0000"/>
-              </a:solidFill>
-            </a:endParaRPr>
-          </a:p>
-        </p:txBody>
-      </p:sp>
-      <p:sp>
-        <p:nvSpPr>
-          <p:cNvPr id="40" name="矩形: 圓角 40">
-            <a:extLst>
-              <a:ext uri="{FF2B5EF4-FFF2-40B4-BE49-F238E27FC236}">
-                <a16:creationId xmlns:a16="http://schemas.microsoft.com/office/drawing/2014/main" id="{37614059-BE27-4177-A35A-9E5F33435268}"/>
-              </a:ext>
-            </a:extLst>
-          </p:cNvPr>
-          <p:cNvSpPr/>
-          <p:nvPr/>
-        </p:nvSpPr>
-        <p:spPr>
-          <a:xfrm>
-            <a:off x="2526279" y="2076897"/>
-            <a:ext cx="1055621" cy="449935"/>
-          </a:xfrm>
-          <a:prstGeom prst="roundRect">
-            <a:avLst/>
-          </a:prstGeom>
-          <a:noFill/>
-          <a:ln>
-            <a:solidFill>
-              <a:schemeClr val="accent1"/>
-            </a:solidFill>
-          </a:ln>
-        </p:spPr>
-        <p:style>
-          <a:lnRef idx="2">
-            <a:schemeClr val="accent1">
-              <a:shade val="50000"/>
-            </a:schemeClr>
-          </a:lnRef>
-          <a:fillRef idx="1">
-            <a:schemeClr val="accent1"/>
-          </a:fillRef>
-          <a:effectRef idx="0">
-            <a:schemeClr val="accent1"/>
-          </a:effectRef>
-          <a:fontRef idx="minor">
-            <a:schemeClr val="lt1"/>
-          </a:fontRef>
-        </p:style>
-        <p:txBody>
-          <a:bodyPr rtlCol="0" anchor="ctr"/>
-          <a:lstStyle/>
-          <a:p>
-            <a:pPr algn="ctr"/>
-            <a:r>
-              <a:rPr lang="en-US" altLang="zh-TW" dirty="0">
-                <a:solidFill>
-                  <a:schemeClr val="accent1"/>
-                </a:solidFill>
-              </a:rPr>
-              <a:t>Activity1</a:t>
-            </a:r>
-            <a:endParaRPr lang="zh-TW" altLang="en-US" dirty="0">
-              <a:solidFill>
-                <a:schemeClr val="accent1"/>
-              </a:solidFill>
-            </a:endParaRPr>
-          </a:p>
-        </p:txBody>
-      </p:sp>
-      <p:sp>
-        <p:nvSpPr>
-          <p:cNvPr id="43" name="矩形: 圓角 40">
-            <a:extLst>
-              <a:ext uri="{FF2B5EF4-FFF2-40B4-BE49-F238E27FC236}">
-                <a16:creationId xmlns:a16="http://schemas.microsoft.com/office/drawing/2014/main" id="{37614059-BE27-4177-A35A-9E5F33435268}"/>
-              </a:ext>
-            </a:extLst>
-          </p:cNvPr>
-          <p:cNvSpPr/>
-          <p:nvPr/>
-        </p:nvSpPr>
-        <p:spPr>
-          <a:xfrm>
-            <a:off x="2527768" y="2657223"/>
-            <a:ext cx="1055621" cy="449935"/>
-          </a:xfrm>
-          <a:prstGeom prst="roundRect">
-            <a:avLst/>
-          </a:prstGeom>
-          <a:noFill/>
-          <a:ln>
-            <a:solidFill>
-              <a:schemeClr val="accent1"/>
-            </a:solidFill>
-          </a:ln>
-        </p:spPr>
-        <p:style>
-          <a:lnRef idx="2">
-            <a:schemeClr val="accent1">
-              <a:shade val="50000"/>
-            </a:schemeClr>
-          </a:lnRef>
-          <a:fillRef idx="1">
-            <a:schemeClr val="accent1"/>
-          </a:fillRef>
-          <a:effectRef idx="0">
-            <a:schemeClr val="accent1"/>
-          </a:effectRef>
-          <a:fontRef idx="minor">
-            <a:schemeClr val="lt1"/>
-          </a:fontRef>
-        </p:style>
-        <p:txBody>
-          <a:bodyPr rtlCol="0" anchor="ctr"/>
-          <a:lstStyle/>
-          <a:p>
-            <a:pPr algn="ctr"/>
-            <a:r>
-              <a:rPr lang="en-US" altLang="zh-TW" dirty="0">
-                <a:solidFill>
-                  <a:schemeClr val="accent1"/>
-                </a:solidFill>
-              </a:rPr>
-              <a:t>Activity2</a:t>
-            </a:r>
-            <a:endParaRPr lang="zh-TW" altLang="en-US" dirty="0">
-              <a:solidFill>
-                <a:schemeClr val="accent1"/>
-              </a:solidFill>
-            </a:endParaRPr>
-          </a:p>
-        </p:txBody>
-      </p:sp>
-      <p:sp>
-        <p:nvSpPr>
-          <p:cNvPr id="45" name="矩形: 圓角 40">
-            <a:extLst>
-              <a:ext uri="{FF2B5EF4-FFF2-40B4-BE49-F238E27FC236}">
-                <a16:creationId xmlns:a16="http://schemas.microsoft.com/office/drawing/2014/main" id="{37614059-BE27-4177-A35A-9E5F33435268}"/>
-              </a:ext>
-            </a:extLst>
-          </p:cNvPr>
-          <p:cNvSpPr/>
-          <p:nvPr/>
-        </p:nvSpPr>
-        <p:spPr>
-          <a:xfrm>
-            <a:off x="1261504" y="2657223"/>
-            <a:ext cx="1055621" cy="449935"/>
-          </a:xfrm>
-          <a:prstGeom prst="roundRect">
-            <a:avLst/>
-          </a:prstGeom>
-          <a:noFill/>
-          <a:ln>
-            <a:solidFill>
-              <a:srgbClr val="FF0000"/>
-            </a:solidFill>
-          </a:ln>
-        </p:spPr>
-        <p:style>
-          <a:lnRef idx="2">
-            <a:schemeClr val="accent1">
-              <a:shade val="50000"/>
-            </a:schemeClr>
-          </a:lnRef>
-          <a:fillRef idx="1">
-            <a:schemeClr val="accent1"/>
-          </a:fillRef>
-          <a:effectRef idx="0">
-            <a:schemeClr val="accent1"/>
-          </a:effectRef>
-          <a:fontRef idx="minor">
-            <a:schemeClr val="lt1"/>
-          </a:fontRef>
-        </p:style>
-        <p:txBody>
-          <a:bodyPr rtlCol="0" anchor="ctr"/>
-          <a:lstStyle/>
-          <a:p>
-            <a:pPr algn="ctr"/>
-            <a:r>
-              <a:rPr lang="en-US" altLang="zh-TW" dirty="0">
-                <a:solidFill>
-                  <a:srgbClr val="FF0000"/>
-                </a:solidFill>
-              </a:rPr>
-              <a:t>Activity2</a:t>
-            </a:r>
-            <a:endParaRPr lang="zh-TW" altLang="en-US" dirty="0">
-              <a:solidFill>
-                <a:srgbClr val="FF0000"/>
-              </a:solidFill>
-            </a:endParaRPr>
-          </a:p>
-        </p:txBody>
-      </p:sp>
-      <p:sp>
-        <p:nvSpPr>
-          <p:cNvPr id="47" name="矩形: 圓角 40">
-            <a:extLst>
-              <a:ext uri="{FF2B5EF4-FFF2-40B4-BE49-F238E27FC236}">
-                <a16:creationId xmlns:a16="http://schemas.microsoft.com/office/drawing/2014/main" id="{37614059-BE27-4177-A35A-9E5F33435268}"/>
-              </a:ext>
-            </a:extLst>
-          </p:cNvPr>
-          <p:cNvSpPr/>
-          <p:nvPr/>
-        </p:nvSpPr>
-        <p:spPr>
-          <a:xfrm>
-            <a:off x="1278568" y="2050761"/>
-            <a:ext cx="1055621" cy="449935"/>
-          </a:xfrm>
-          <a:prstGeom prst="roundRect">
-            <a:avLst/>
-          </a:prstGeom>
-          <a:noFill/>
-          <a:ln>
-            <a:solidFill>
-              <a:srgbClr val="FF0000"/>
-            </a:solidFill>
-          </a:ln>
-        </p:spPr>
-        <p:style>
-          <a:lnRef idx="2">
-            <a:schemeClr val="accent1">
-              <a:shade val="50000"/>
-            </a:schemeClr>
-          </a:lnRef>
-          <a:fillRef idx="1">
-            <a:schemeClr val="accent1"/>
-          </a:fillRef>
-          <a:effectRef idx="0">
-            <a:schemeClr val="accent1"/>
-          </a:effectRef>
-          <a:fontRef idx="minor">
-            <a:schemeClr val="lt1"/>
-          </a:fontRef>
-        </p:style>
-        <p:txBody>
-          <a:bodyPr rtlCol="0" anchor="ctr"/>
-          <a:lstStyle/>
-          <a:p>
-            <a:pPr algn="ctr"/>
-            <a:r>
-              <a:rPr lang="en-US" altLang="zh-TW" dirty="0">
-                <a:solidFill>
-                  <a:srgbClr val="FF0000"/>
-                </a:solidFill>
-              </a:rPr>
-              <a:t>Activity1</a:t>
-            </a:r>
-            <a:endParaRPr lang="zh-TW" altLang="en-US" dirty="0">
-              <a:solidFill>
-                <a:srgbClr val="FF0000"/>
-              </a:solidFill>
-            </a:endParaRPr>
-          </a:p>
-        </p:txBody>
-      </p:sp>
-      <p:sp>
-        <p:nvSpPr>
-          <p:cNvPr id="3" name="向下箭號 2"/>
-          <p:cNvSpPr/>
-          <p:nvPr/>
-        </p:nvSpPr>
-        <p:spPr>
-          <a:xfrm rot="18759912">
-            <a:off x="2292222" y="2258048"/>
-            <a:ext cx="318718" cy="646928"/>
-          </a:xfrm>
-          <a:prstGeom prst="downArrow">
-            <a:avLst/>
-          </a:prstGeom>
-          <a:solidFill>
-            <a:srgbClr val="FFC000"/>
-          </a:solidFill>
-        </p:spPr>
-        <p:style>
-          <a:lnRef idx="2">
-            <a:schemeClr val="accent1">
-              <a:shade val="50000"/>
-            </a:schemeClr>
-          </a:lnRef>
-          <a:fillRef idx="1">
-            <a:schemeClr val="accent1"/>
-          </a:fillRef>
-          <a:effectRef idx="0">
-            <a:schemeClr val="accent1"/>
-          </a:effectRef>
-          <a:fontRef idx="minor">
-            <a:schemeClr val="lt1"/>
-          </a:fontRef>
-        </p:style>
-        <p:txBody>
-          <a:bodyPr rtlCol="0" anchor="ctr"/>
-          <a:lstStyle/>
-          <a:p>
-            <a:pPr algn="ctr"/>
-            <a:endParaRPr lang="zh-TW" altLang="en-US" dirty="0"/>
-          </a:p>
-        </p:txBody>
-      </p:sp>
-      <p:sp>
-        <p:nvSpPr>
-          <p:cNvPr id="5" name="文字方塊 4"/>
-          <p:cNvSpPr txBox="1"/>
-          <p:nvPr/>
-        </p:nvSpPr>
-        <p:spPr>
-          <a:xfrm rot="2741817">
-            <a:off x="2167458" y="2429033"/>
-            <a:ext cx="526228" cy="276999"/>
+            <a:off x="113582" y="922867"/>
+            <a:ext cx="11989278" cy="646331"/>
           </a:xfrm>
           <a:prstGeom prst="rect">
             <a:avLst/>
@@ -8653,46 +7913,16 @@
           <a:lstStyle/>
           <a:p>
             <a:r>
-              <a:rPr lang="en-US" altLang="zh-TW" sz="1200" dirty="0">
-                <a:solidFill>
-                  <a:srgbClr val="FF0000"/>
-                </a:solidFill>
-              </a:rPr>
-              <a:t>call</a:t>
-            </a:r>
-            <a:endParaRPr lang="zh-TW" altLang="en-US" sz="1200" dirty="0">
-              <a:solidFill>
-                <a:srgbClr val="FF0000"/>
-              </a:solidFill>
-            </a:endParaRPr>
-          </a:p>
-        </p:txBody>
-      </p:sp>
-      <p:sp>
-        <p:nvSpPr>
-          <p:cNvPr id="48" name="文字方塊 47"/>
-          <p:cNvSpPr txBox="1"/>
-          <p:nvPr/>
-        </p:nvSpPr>
-        <p:spPr>
-          <a:xfrm>
-            <a:off x="10308723" y="32012"/>
-            <a:ext cx="2132212" cy="369332"/>
-          </a:xfrm>
-          <a:prstGeom prst="rect">
-            <a:avLst/>
-          </a:prstGeom>
-          <a:noFill/>
-        </p:spPr>
-        <p:txBody>
-          <a:bodyPr wrap="square" rtlCol="0">
-            <a:spAutoFit/>
-          </a:bodyPr>
-          <a:lstStyle/>
-          <a:p>
-            <a:r>
               <a:rPr lang="en-US" altLang="zh-TW" dirty="0"/>
-              <a:t>Reference from AI</a:t>
+              <a:t>Code in ‘MeasurementActivity.java’. This Activity will automatically call the Rd545 library to wake up the RD545 device and enter the measurement </a:t>
+            </a:r>
+            <a:r>
+              <a:rPr lang="en-US" altLang="zh-TW" dirty="0" err="1"/>
+              <a:t>state.The</a:t>
+            </a:r>
+            <a:r>
+              <a:rPr lang="en-US" altLang="zh-TW" dirty="0"/>
+              <a:t> basic measurement information is set based on the user information of the previous Activity.</a:t>
             </a:r>
             <a:endParaRPr lang="zh-TW" altLang="en-US" dirty="0"/>
           </a:p>
@@ -8701,7 +7931,7 @@
     </p:spTree>
     <p:extLst>
       <p:ext uri="{BB962C8B-B14F-4D97-AF65-F5344CB8AC3E}">
-        <p14:creationId xmlns:p14="http://schemas.microsoft.com/office/powerpoint/2010/main" val="3098266929"/>
+        <p14:creationId xmlns:p14="http://schemas.microsoft.com/office/powerpoint/2010/main" val="234388234"/>
       </p:ext>
     </p:extLst>
   </p:cSld>
@@ -8764,136 +7994,33 @@
           </a:p>
         </p:txBody>
       </p:sp>
-      <p:pic>
-        <p:nvPicPr>
-          <p:cNvPr id="7" name="圖片 6">
-            <a:extLst>
-              <a:ext uri="{FF2B5EF4-FFF2-40B4-BE49-F238E27FC236}">
-                <a16:creationId xmlns:a16="http://schemas.microsoft.com/office/drawing/2014/main" id="{97E50E55-BE5E-4628-91BB-D29C82BE6AC7}"/>
-              </a:ext>
-            </a:extLst>
-          </p:cNvPr>
-          <p:cNvPicPr>
-            <a:picLocks noChangeAspect="1"/>
-          </p:cNvPicPr>
-          <p:nvPr/>
-        </p:nvPicPr>
-        <p:blipFill>
-          <a:blip r:embed="rId2"/>
-          <a:stretch>
-            <a:fillRect/>
-          </a:stretch>
-        </p:blipFill>
-        <p:spPr>
-          <a:xfrm>
-            <a:off x="136351" y="1383365"/>
-            <a:ext cx="7247862" cy="5336610"/>
-          </a:xfrm>
-          <a:prstGeom prst="rect">
-            <a:avLst/>
-          </a:prstGeom>
-        </p:spPr>
-      </p:pic>
-      <p:sp>
-        <p:nvSpPr>
-          <p:cNvPr id="46" name="文字方塊 45">
-            <a:extLst>
-              <a:ext uri="{FF2B5EF4-FFF2-40B4-BE49-F238E27FC236}">
-                <a16:creationId xmlns:a16="http://schemas.microsoft.com/office/drawing/2014/main" id="{54E4FD1B-3D7F-433F-95D7-8607446F96EB}"/>
-              </a:ext>
-            </a:extLst>
-          </p:cNvPr>
-          <p:cNvSpPr txBox="1"/>
-          <p:nvPr/>
-        </p:nvSpPr>
-        <p:spPr>
-          <a:xfrm>
-            <a:off x="136351" y="888625"/>
-            <a:ext cx="6219644" cy="369332"/>
-          </a:xfrm>
-          <a:prstGeom prst="rect">
+      <p:sp>
+        <p:nvSpPr>
+          <p:cNvPr id="14" name="矩形: 圓角 13">
+            <a:extLst>
+              <a:ext uri="{FF2B5EF4-FFF2-40B4-BE49-F238E27FC236}">
+                <a16:creationId xmlns:a16="http://schemas.microsoft.com/office/drawing/2014/main" id="{5E9E59B9-3319-40D2-9AB8-EBF3A9260D42}"/>
+              </a:ext>
+            </a:extLst>
+          </p:cNvPr>
+          <p:cNvSpPr/>
+          <p:nvPr/>
+        </p:nvSpPr>
+        <p:spPr>
+          <a:xfrm>
+            <a:off x="5264277" y="1829447"/>
+            <a:ext cx="1365116" cy="472418"/>
+          </a:xfrm>
+          <a:prstGeom prst="roundRect">
             <a:avLst/>
           </a:prstGeom>
           <a:noFill/>
-        </p:spPr>
-        <p:txBody>
-          <a:bodyPr wrap="square">
-            <a:spAutoFit/>
-          </a:bodyPr>
-          <a:lstStyle/>
-          <a:p>
-            <a:r>
-              <a:rPr lang="en-US" altLang="zh-TW" dirty="0"/>
-              <a:t>App1:Activity1 Button Event change call Object.</a:t>
-            </a:r>
-            <a:endParaRPr lang="zh-TW" altLang="en-US" dirty="0"/>
-          </a:p>
-        </p:txBody>
-      </p:sp>
-      <p:sp>
-        <p:nvSpPr>
-          <p:cNvPr id="9" name="文字方塊 8">
-            <a:extLst>
-              <a:ext uri="{FF2B5EF4-FFF2-40B4-BE49-F238E27FC236}">
-                <a16:creationId xmlns:a16="http://schemas.microsoft.com/office/drawing/2014/main" id="{8778D78B-845D-4C79-95F9-E7364A9C790F}"/>
-              </a:ext>
-            </a:extLst>
-          </p:cNvPr>
-          <p:cNvSpPr txBox="1"/>
-          <p:nvPr/>
-        </p:nvSpPr>
-        <p:spPr>
-          <a:xfrm>
-            <a:off x="1406107" y="2018581"/>
-            <a:ext cx="5745191" cy="646331"/>
-          </a:xfrm>
-          <a:prstGeom prst="rect">
-            <a:avLst/>
-          </a:prstGeom>
-          <a:noFill/>
-          <a:ln w="28575">
+          <a:ln>
             <a:solidFill>
-              <a:srgbClr val="FFC000"/>
-            </a:solidFill>
-          </a:ln>
-        </p:spPr>
-        <p:txBody>
-          <a:bodyPr wrap="square" rtlCol="0">
-            <a:spAutoFit/>
-          </a:bodyPr>
-          <a:lstStyle/>
-          <a:p>
-            <a:endParaRPr lang="en-US" altLang="zh-TW" dirty="0"/>
-          </a:p>
-          <a:p>
-            <a:endParaRPr lang="en-US" altLang="zh-TW" dirty="0"/>
-          </a:p>
-        </p:txBody>
-      </p:sp>
-      <p:sp>
-        <p:nvSpPr>
-          <p:cNvPr id="10" name="矩形 9">
-            <a:extLst>
-              <a:ext uri="{FF2B5EF4-FFF2-40B4-BE49-F238E27FC236}">
-                <a16:creationId xmlns:a16="http://schemas.microsoft.com/office/drawing/2014/main" id="{BE85694E-6883-4318-B364-6716A84B2A4C}"/>
-              </a:ext>
-            </a:extLst>
-          </p:cNvPr>
-          <p:cNvSpPr/>
-          <p:nvPr/>
-        </p:nvSpPr>
-        <p:spPr>
-          <a:xfrm>
-            <a:off x="1406106" y="2915728"/>
-            <a:ext cx="5745191" cy="3148642"/>
-          </a:xfrm>
-          <a:prstGeom prst="rect">
-            <a:avLst/>
-          </a:prstGeom>
-          <a:noFill/>
-          <a:ln w="28575">
-            <a:solidFill>
-              <a:srgbClr val="00B050"/>
+              <a:schemeClr val="tx1">
+                <a:lumMod val="75000"/>
+                <a:lumOff val="25000"/>
+              </a:schemeClr>
             </a:solidFill>
           </a:ln>
         </p:spPr>
@@ -8918,16 +8045,75 @@
           <a:lstStyle/>
           <a:p>
             <a:pPr algn="ctr"/>
-            <a:endParaRPr lang="zh-TW" altLang="en-US"/>
-          </a:p>
-        </p:txBody>
-      </p:sp>
-      <p:sp>
-        <p:nvSpPr>
-          <p:cNvPr id="11" name="文字方塊 10">
-            <a:extLst>
-              <a:ext uri="{FF2B5EF4-FFF2-40B4-BE49-F238E27FC236}">
-                <a16:creationId xmlns:a16="http://schemas.microsoft.com/office/drawing/2014/main" id="{231E69F2-22CF-4244-8C61-3495DAD87A9D}"/>
+            <a:r>
+              <a:rPr lang="en-US" altLang="zh-TW" dirty="0">
+                <a:solidFill>
+                  <a:schemeClr val="tx1"/>
+                </a:solidFill>
+              </a:rPr>
+              <a:t>TempData1</a:t>
+            </a:r>
+            <a:endParaRPr lang="zh-TW" altLang="en-US" dirty="0">
+              <a:solidFill>
+                <a:schemeClr val="tx1"/>
+              </a:solidFill>
+            </a:endParaRPr>
+          </a:p>
+        </p:txBody>
+      </p:sp>
+      <p:cxnSp>
+        <p:nvCxnSpPr>
+          <p:cNvPr id="16" name="直線單箭頭接點 15">
+            <a:extLst>
+              <a:ext uri="{FF2B5EF4-FFF2-40B4-BE49-F238E27FC236}">
+                <a16:creationId xmlns:a16="http://schemas.microsoft.com/office/drawing/2014/main" id="{676044CD-868B-4822-8F99-3AC8CA36202E}"/>
+              </a:ext>
+            </a:extLst>
+          </p:cNvPr>
+          <p:cNvCxnSpPr>
+            <a:cxnSpLocks/>
+            <a:stCxn id="25" idx="2"/>
+            <a:endCxn id="14" idx="0"/>
+          </p:cNvCxnSpPr>
+          <p:nvPr/>
+        </p:nvCxnSpPr>
+        <p:spPr>
+          <a:xfrm flipH="1">
+            <a:off x="5946835" y="1219205"/>
+            <a:ext cx="1" cy="610242"/>
+          </a:xfrm>
+          <a:prstGeom prst="straightConnector1">
+            <a:avLst/>
+          </a:prstGeom>
+          <a:ln w="19050">
+            <a:solidFill>
+              <a:srgbClr val="FF0000"/>
+            </a:solidFill>
+            <a:prstDash val="sysDash"/>
+            <a:tailEnd type="triangle"/>
+          </a:ln>
+        </p:spPr>
+        <p:style>
+          <a:lnRef idx="1">
+            <a:schemeClr val="accent1"/>
+          </a:lnRef>
+          <a:fillRef idx="0">
+            <a:schemeClr val="accent1"/>
+          </a:fillRef>
+          <a:effectRef idx="0">
+            <a:schemeClr val="accent1"/>
+          </a:effectRef>
+          <a:fontRef idx="minor">
+            <a:schemeClr val="tx1"/>
+          </a:fontRef>
+        </p:style>
+      </p:cxnSp>
+      <p:sp>
+        <p:nvSpPr>
+          <p:cNvPr id="18" name="文字方塊 17">
+            <a:extLst>
+              <a:ext uri="{FF2B5EF4-FFF2-40B4-BE49-F238E27FC236}">
+                <a16:creationId xmlns:a16="http://schemas.microsoft.com/office/drawing/2014/main" id="{29F8C742-31AE-4C59-A1EB-7FBF71E91369}"/>
               </a:ext>
             </a:extLst>
           </p:cNvPr>
@@ -8936,8 +8122,8 @@
         </p:nvSpPr>
         <p:spPr>
           <a:xfrm>
-            <a:off x="7573995" y="4305383"/>
-            <a:ext cx="3786996" cy="369332"/>
+            <a:off x="5969051" y="1204862"/>
+            <a:ext cx="1071034" cy="646331"/>
           </a:xfrm>
           <a:prstGeom prst="rect">
             <a:avLst/>
@@ -8945,22 +8131,93 @@
           <a:noFill/>
         </p:spPr>
         <p:txBody>
-          <a:bodyPr wrap="square" rtlCol="0">
+          <a:bodyPr wrap="square">
             <a:spAutoFit/>
           </a:bodyPr>
           <a:lstStyle/>
           <a:p>
+            <a:pPr algn="ctr"/>
             <a:r>
               <a:rPr lang="en-US" altLang="zh-TW" dirty="0">
                 <a:solidFill>
-                  <a:srgbClr val="00B050"/>
+                  <a:srgbClr val="FF0000"/>
                 </a:solidFill>
               </a:rPr>
-              <a:t>This Code is call Activity2 of App2.</a:t>
+              <a:t>Message</a:t>
+            </a:r>
+          </a:p>
+          <a:p>
+            <a:pPr algn="ctr"/>
+            <a:r>
+              <a:rPr lang="en-US" altLang="zh-TW" dirty="0">
+                <a:solidFill>
+                  <a:srgbClr val="FF0000"/>
+                </a:solidFill>
+              </a:rPr>
+              <a:t>Intent </a:t>
+            </a:r>
+          </a:p>
+        </p:txBody>
+      </p:sp>
+      <p:sp>
+        <p:nvSpPr>
+          <p:cNvPr id="25" name="矩形: 圓角 24">
+            <a:extLst>
+              <a:ext uri="{FF2B5EF4-FFF2-40B4-BE49-F238E27FC236}">
+                <a16:creationId xmlns:a16="http://schemas.microsoft.com/office/drawing/2014/main" id="{AC3EE1C3-AF11-4B91-9DAC-81950A4A08D9}"/>
+              </a:ext>
+            </a:extLst>
+          </p:cNvPr>
+          <p:cNvSpPr/>
+          <p:nvPr/>
+        </p:nvSpPr>
+        <p:spPr>
+          <a:xfrm>
+            <a:off x="5411321" y="746787"/>
+            <a:ext cx="1071030" cy="472418"/>
+          </a:xfrm>
+          <a:prstGeom prst="roundRect">
+            <a:avLst/>
+          </a:prstGeom>
+          <a:noFill/>
+          <a:ln>
+            <a:solidFill>
+              <a:srgbClr val="FF0000"/>
+            </a:solidFill>
+          </a:ln>
+        </p:spPr>
+        <p:style>
+          <a:lnRef idx="2">
+            <a:schemeClr val="accent1">
+              <a:shade val="50000"/>
+            </a:schemeClr>
+          </a:lnRef>
+          <a:fillRef idx="1">
+            <a:schemeClr val="accent1"/>
+          </a:fillRef>
+          <a:effectRef idx="0">
+            <a:schemeClr val="accent1"/>
+          </a:effectRef>
+          <a:fontRef idx="minor">
+            <a:schemeClr val="lt1"/>
+          </a:fontRef>
+        </p:style>
+        <p:txBody>
+          <a:bodyPr rtlCol="0" anchor="ctr"/>
+          <a:lstStyle/>
+          <a:p>
+            <a:pPr algn="ctr"/>
+            <a:r>
+              <a:rPr lang="en-US" altLang="zh-TW" dirty="0">
+                <a:solidFill>
+                  <a:srgbClr val="FF0000"/>
+                </a:solidFill>
+              </a:rPr>
+              <a:t>App1</a:t>
             </a:r>
             <a:endParaRPr lang="zh-TW" altLang="en-US" dirty="0">
               <a:solidFill>
-                <a:srgbClr val="00B050"/>
+                <a:srgbClr val="FF0000"/>
               </a:solidFill>
             </a:endParaRPr>
           </a:p>
@@ -8968,10 +8225,68 @@
       </p:sp>
       <p:sp>
         <p:nvSpPr>
-          <p:cNvPr id="50" name="文字方塊 49">
-            <a:extLst>
-              <a:ext uri="{FF2B5EF4-FFF2-40B4-BE49-F238E27FC236}">
-                <a16:creationId xmlns:a16="http://schemas.microsoft.com/office/drawing/2014/main" id="{32929928-D5E9-4315-B4E9-04C4EA9C5828}"/>
+          <p:cNvPr id="30" name="矩形: 圓角 29">
+            <a:extLst>
+              <a:ext uri="{FF2B5EF4-FFF2-40B4-BE49-F238E27FC236}">
+                <a16:creationId xmlns:a16="http://schemas.microsoft.com/office/drawing/2014/main" id="{EC108A00-9CAC-4188-B428-FD6B5C33A075}"/>
+              </a:ext>
+            </a:extLst>
+          </p:cNvPr>
+          <p:cNvSpPr/>
+          <p:nvPr/>
+        </p:nvSpPr>
+        <p:spPr>
+          <a:xfrm>
+            <a:off x="5264275" y="1830813"/>
+            <a:ext cx="5806324" cy="2511445"/>
+          </a:xfrm>
+          <a:prstGeom prst="roundRect">
+            <a:avLst>
+              <a:gd name="adj" fmla="val 3581"/>
+            </a:avLst>
+          </a:prstGeom>
+          <a:noFill/>
+          <a:ln>
+            <a:solidFill>
+              <a:schemeClr val="accent1"/>
+            </a:solidFill>
+          </a:ln>
+        </p:spPr>
+        <p:style>
+          <a:lnRef idx="2">
+            <a:schemeClr val="accent1">
+              <a:shade val="50000"/>
+            </a:schemeClr>
+          </a:lnRef>
+          <a:fillRef idx="1">
+            <a:schemeClr val="accent1"/>
+          </a:fillRef>
+          <a:effectRef idx="0">
+            <a:schemeClr val="accent1"/>
+          </a:effectRef>
+          <a:fontRef idx="minor">
+            <a:schemeClr val="lt1"/>
+          </a:fontRef>
+        </p:style>
+        <p:txBody>
+          <a:bodyPr rtlCol="0" anchor="ctr"/>
+          <a:lstStyle/>
+          <a:p>
+            <a:pPr algn="ctr"/>
+            <a:endParaRPr lang="zh-TW" altLang="en-US" dirty="0">
+              <a:solidFill>
+                <a:schemeClr val="tx1"/>
+              </a:solidFill>
+            </a:endParaRPr>
+          </a:p>
+        </p:txBody>
+      </p:sp>
+      <p:sp>
+        <p:nvSpPr>
+          <p:cNvPr id="32" name="文字方塊 31">
+            <a:extLst>
+              <a:ext uri="{FF2B5EF4-FFF2-40B4-BE49-F238E27FC236}">
+                <a16:creationId xmlns:a16="http://schemas.microsoft.com/office/drawing/2014/main" id="{4BCAFF1C-D3E7-4478-9570-EF9734860943}"/>
               </a:ext>
             </a:extLst>
           </p:cNvPr>
@@ -8980,8 +8295,8 @@
         </p:nvSpPr>
         <p:spPr>
           <a:xfrm>
-            <a:off x="7573995" y="2157080"/>
-            <a:ext cx="3786996" cy="369332"/>
+            <a:off x="7763926" y="1779630"/>
+            <a:ext cx="922732" cy="369332"/>
           </a:xfrm>
           <a:prstGeom prst="rect">
             <a:avLst/>
@@ -8989,55 +8304,902 @@
           <a:noFill/>
         </p:spPr>
         <p:txBody>
-          <a:bodyPr wrap="square" rtlCol="0">
+          <a:bodyPr wrap="square">
             <a:spAutoFit/>
           </a:bodyPr>
           <a:lstStyle/>
           <a:p>
+            <a:pPr algn="ctr"/>
             <a:r>
               <a:rPr lang="en-US" altLang="zh-TW" dirty="0">
                 <a:solidFill>
-                  <a:srgbClr val="FFC000"/>
+                  <a:schemeClr val="accent1"/>
                 </a:solidFill>
               </a:rPr>
-              <a:t>This Code is call Activity2 of App1.</a:t>
+              <a:t>App2</a:t>
             </a:r>
             <a:endParaRPr lang="zh-TW" altLang="en-US" dirty="0">
               <a:solidFill>
-                <a:srgbClr val="FFC000"/>
+                <a:schemeClr val="accent1"/>
               </a:solidFill>
             </a:endParaRPr>
           </a:p>
         </p:txBody>
       </p:sp>
+      <p:sp>
+        <p:nvSpPr>
+          <p:cNvPr id="33" name="矩形: 圓角 32">
+            <a:extLst>
+              <a:ext uri="{FF2B5EF4-FFF2-40B4-BE49-F238E27FC236}">
+                <a16:creationId xmlns:a16="http://schemas.microsoft.com/office/drawing/2014/main" id="{0A1A6423-84BC-4FDB-8C59-894091C7573B}"/>
+              </a:ext>
+            </a:extLst>
+          </p:cNvPr>
+          <p:cNvSpPr/>
+          <p:nvPr/>
+        </p:nvSpPr>
+        <p:spPr>
+          <a:xfrm>
+            <a:off x="5520398" y="3869840"/>
+            <a:ext cx="1987410" cy="472418"/>
+          </a:xfrm>
+          <a:prstGeom prst="roundRect">
+            <a:avLst/>
+          </a:prstGeom>
+          <a:noFill/>
+          <a:ln>
+            <a:solidFill>
+              <a:schemeClr val="tx1">
+                <a:lumMod val="75000"/>
+                <a:lumOff val="25000"/>
+              </a:schemeClr>
+            </a:solidFill>
+          </a:ln>
+        </p:spPr>
+        <p:style>
+          <a:lnRef idx="2">
+            <a:schemeClr val="accent1">
+              <a:shade val="50000"/>
+            </a:schemeClr>
+          </a:lnRef>
+          <a:fillRef idx="1">
+            <a:schemeClr val="accent1"/>
+          </a:fillRef>
+          <a:effectRef idx="0">
+            <a:schemeClr val="accent1"/>
+          </a:effectRef>
+          <a:fontRef idx="minor">
+            <a:schemeClr val="lt1"/>
+          </a:fontRef>
+        </p:style>
+        <p:txBody>
+          <a:bodyPr rtlCol="0" anchor="ctr"/>
+          <a:lstStyle/>
+          <a:p>
+            <a:pPr algn="ctr"/>
+            <a:r>
+              <a:rPr lang="en-US" altLang="zh-TW" dirty="0">
+                <a:solidFill>
+                  <a:schemeClr val="tx1"/>
+                </a:solidFill>
+              </a:rPr>
+              <a:t>Control RD545</a:t>
+            </a:r>
+            <a:endParaRPr lang="zh-TW" altLang="en-US" dirty="0">
+              <a:solidFill>
+                <a:schemeClr val="tx1"/>
+              </a:solidFill>
+            </a:endParaRPr>
+          </a:p>
+        </p:txBody>
+      </p:sp>
+      <p:sp>
+        <p:nvSpPr>
+          <p:cNvPr id="34" name="矩形: 圓角 33">
+            <a:extLst>
+              <a:ext uri="{FF2B5EF4-FFF2-40B4-BE49-F238E27FC236}">
+                <a16:creationId xmlns:a16="http://schemas.microsoft.com/office/drawing/2014/main" id="{0A61CEE1-DB9C-464D-A434-1CA10913A515}"/>
+              </a:ext>
+            </a:extLst>
+          </p:cNvPr>
+          <p:cNvSpPr/>
+          <p:nvPr/>
+        </p:nvSpPr>
+        <p:spPr>
+          <a:xfrm>
+            <a:off x="5520391" y="5383654"/>
+            <a:ext cx="1987420" cy="472418"/>
+          </a:xfrm>
+          <a:prstGeom prst="roundRect">
+            <a:avLst/>
+          </a:prstGeom>
+          <a:noFill/>
+          <a:ln>
+            <a:solidFill>
+              <a:schemeClr val="tx1">
+                <a:lumMod val="75000"/>
+                <a:lumOff val="25000"/>
+              </a:schemeClr>
+            </a:solidFill>
+          </a:ln>
+        </p:spPr>
+        <p:style>
+          <a:lnRef idx="2">
+            <a:schemeClr val="accent1">
+              <a:shade val="50000"/>
+            </a:schemeClr>
+          </a:lnRef>
+          <a:fillRef idx="1">
+            <a:schemeClr val="accent1"/>
+          </a:fillRef>
+          <a:effectRef idx="0">
+            <a:schemeClr val="accent1"/>
+          </a:effectRef>
+          <a:fontRef idx="minor">
+            <a:schemeClr val="lt1"/>
+          </a:fontRef>
+        </p:style>
+        <p:txBody>
+          <a:bodyPr rtlCol="0" anchor="ctr"/>
+          <a:lstStyle/>
+          <a:p>
+            <a:pPr algn="ctr"/>
+            <a:r>
+              <a:rPr lang="en-US" altLang="zh-TW" dirty="0">
+                <a:solidFill>
+                  <a:schemeClr val="tx1"/>
+                </a:solidFill>
+              </a:rPr>
+              <a:t>RD545</a:t>
+            </a:r>
+            <a:r>
+              <a:rPr lang="zh-TW" altLang="en-US" dirty="0">
+                <a:solidFill>
+                  <a:schemeClr val="tx1"/>
+                </a:solidFill>
+              </a:rPr>
+              <a:t> </a:t>
+            </a:r>
+            <a:r>
+              <a:rPr lang="en-US" altLang="zh-TW" dirty="0">
+                <a:solidFill>
+                  <a:schemeClr val="tx1"/>
+                </a:solidFill>
+              </a:rPr>
+              <a:t>Device </a:t>
+            </a:r>
+            <a:endParaRPr lang="zh-TW" altLang="en-US" dirty="0">
+              <a:solidFill>
+                <a:schemeClr val="tx1"/>
+              </a:solidFill>
+            </a:endParaRPr>
+          </a:p>
+        </p:txBody>
+      </p:sp>
+      <p:sp>
+        <p:nvSpPr>
+          <p:cNvPr id="35" name="矩形: 圓角 34">
+            <a:extLst>
+              <a:ext uri="{FF2B5EF4-FFF2-40B4-BE49-F238E27FC236}">
+                <a16:creationId xmlns:a16="http://schemas.microsoft.com/office/drawing/2014/main" id="{35304806-0792-443A-A535-7EF52266BAB0}"/>
+              </a:ext>
+            </a:extLst>
+          </p:cNvPr>
+          <p:cNvSpPr/>
+          <p:nvPr/>
+        </p:nvSpPr>
+        <p:spPr>
+          <a:xfrm>
+            <a:off x="5264275" y="2311213"/>
+            <a:ext cx="2499651" cy="472418"/>
+          </a:xfrm>
+          <a:prstGeom prst="roundRect">
+            <a:avLst/>
+          </a:prstGeom>
+          <a:noFill/>
+          <a:ln>
+            <a:solidFill>
+              <a:schemeClr val="tx1">
+                <a:lumMod val="75000"/>
+                <a:lumOff val="25000"/>
+              </a:schemeClr>
+            </a:solidFill>
+          </a:ln>
+        </p:spPr>
+        <p:style>
+          <a:lnRef idx="2">
+            <a:schemeClr val="accent1">
+              <a:shade val="50000"/>
+            </a:schemeClr>
+          </a:lnRef>
+          <a:fillRef idx="1">
+            <a:schemeClr val="accent1"/>
+          </a:fillRef>
+          <a:effectRef idx="0">
+            <a:schemeClr val="accent1"/>
+          </a:effectRef>
+          <a:fontRef idx="minor">
+            <a:schemeClr val="lt1"/>
+          </a:fontRef>
+        </p:style>
+        <p:txBody>
+          <a:bodyPr rtlCol="0" anchor="ctr"/>
+          <a:lstStyle/>
+          <a:p>
+            <a:pPr algn="ctr"/>
+            <a:r>
+              <a:rPr lang="en-US" altLang="zh-TW" dirty="0" err="1">
+                <a:solidFill>
+                  <a:schemeClr val="tx1"/>
+                </a:solidFill>
+              </a:rPr>
+              <a:t>TempData</a:t>
+            </a:r>
+            <a:r>
+              <a:rPr lang="en-US" altLang="zh-TW" dirty="0">
+                <a:solidFill>
+                  <a:schemeClr val="tx1"/>
+                </a:solidFill>
+              </a:rPr>
+              <a:t> Parsing</a:t>
+            </a:r>
+            <a:endParaRPr lang="zh-TW" altLang="en-US" dirty="0">
+              <a:solidFill>
+                <a:schemeClr val="tx1"/>
+              </a:solidFill>
+            </a:endParaRPr>
+          </a:p>
+        </p:txBody>
+      </p:sp>
       <p:cxnSp>
         <p:nvCxnSpPr>
-          <p:cNvPr id="13" name="直線單箭頭接點 12">
-            <a:extLst>
-              <a:ext uri="{FF2B5EF4-FFF2-40B4-BE49-F238E27FC236}">
-                <a16:creationId xmlns:a16="http://schemas.microsoft.com/office/drawing/2014/main" id="{8B6BBC62-7A39-4B61-BB03-F41D7EDB80FB}"/>
+          <p:cNvPr id="37" name="直線單箭頭接點 36">
+            <a:extLst>
+              <a:ext uri="{FF2B5EF4-FFF2-40B4-BE49-F238E27FC236}">
+                <a16:creationId xmlns:a16="http://schemas.microsoft.com/office/drawing/2014/main" id="{AC3D3C75-DA17-42C7-919E-557A4F8136C3}"/>
               </a:ext>
             </a:extLst>
           </p:cNvPr>
           <p:cNvCxnSpPr>
             <a:cxnSpLocks/>
-            <a:stCxn id="50" idx="1"/>
-            <a:endCxn id="9" idx="3"/>
+            <a:stCxn id="35" idx="2"/>
+            <a:endCxn id="33" idx="0"/>
           </p:cNvCxnSpPr>
           <p:nvPr/>
         </p:nvCxnSpPr>
         <p:spPr>
+          <a:xfrm>
+            <a:off x="6514101" y="2783631"/>
+            <a:ext cx="2" cy="1086209"/>
+          </a:xfrm>
+          <a:prstGeom prst="straightConnector1">
+            <a:avLst/>
+          </a:prstGeom>
+          <a:ln w="19050">
+            <a:solidFill>
+              <a:srgbClr val="FF0000"/>
+            </a:solidFill>
+            <a:prstDash val="sysDash"/>
+            <a:tailEnd type="triangle"/>
+          </a:ln>
+        </p:spPr>
+        <p:style>
+          <a:lnRef idx="1">
+            <a:schemeClr val="accent1"/>
+          </a:lnRef>
+          <a:fillRef idx="0">
+            <a:schemeClr val="accent1"/>
+          </a:fillRef>
+          <a:effectRef idx="0">
+            <a:schemeClr val="accent1"/>
+          </a:effectRef>
+          <a:fontRef idx="minor">
+            <a:schemeClr val="tx1"/>
+          </a:fontRef>
+        </p:style>
+      </p:cxnSp>
+      <p:sp>
+        <p:nvSpPr>
+          <p:cNvPr id="42" name="文字方塊 41">
+            <a:extLst>
+              <a:ext uri="{FF2B5EF4-FFF2-40B4-BE49-F238E27FC236}">
+                <a16:creationId xmlns:a16="http://schemas.microsoft.com/office/drawing/2014/main" id="{280233BE-E9BB-4D25-BA3A-B1074190A1E4}"/>
+              </a:ext>
+            </a:extLst>
+          </p:cNvPr>
+          <p:cNvSpPr txBox="1"/>
+          <p:nvPr/>
+        </p:nvSpPr>
+        <p:spPr>
+          <a:xfrm>
+            <a:off x="6514100" y="2877285"/>
+            <a:ext cx="2404534" cy="923330"/>
+          </a:xfrm>
+          <a:prstGeom prst="rect">
+            <a:avLst/>
+          </a:prstGeom>
+          <a:noFill/>
+        </p:spPr>
+        <p:txBody>
+          <a:bodyPr wrap="square">
+            <a:spAutoFit/>
+          </a:bodyPr>
+          <a:lstStyle/>
+          <a:p>
+            <a:r>
+              <a:rPr lang="zh-TW" altLang="en-US" dirty="0">
+                <a:solidFill>
+                  <a:srgbClr val="FF0000"/>
+                </a:solidFill>
+              </a:rPr>
+              <a:t>TempData</a:t>
+            </a:r>
+            <a:r>
+              <a:rPr lang="en-US" altLang="zh-TW" dirty="0">
+                <a:solidFill>
+                  <a:srgbClr val="FF0000"/>
+                </a:solidFill>
+              </a:rPr>
+              <a:t>1</a:t>
+            </a:r>
+            <a:r>
+              <a:rPr lang="zh-TW" altLang="en-US" dirty="0">
+                <a:solidFill>
+                  <a:srgbClr val="FF0000"/>
+                </a:solidFill>
+              </a:rPr>
+              <a:t> is parsed into</a:t>
+            </a:r>
+            <a:r>
+              <a:rPr lang="en-US" altLang="zh-TW" dirty="0">
+                <a:solidFill>
+                  <a:srgbClr val="FF0000"/>
+                </a:solidFill>
+              </a:rPr>
+              <a:t>:</a:t>
+            </a:r>
+            <a:r>
+              <a:rPr lang="zh-TW" altLang="en-US" dirty="0">
+                <a:solidFill>
+                  <a:srgbClr val="FF0000"/>
+                </a:solidFill>
+              </a:rPr>
+              <a:t> gender, birthday, height, clothing weight</a:t>
+            </a:r>
+            <a:r>
+              <a:rPr lang="en-US" altLang="zh-TW" dirty="0">
+                <a:solidFill>
+                  <a:srgbClr val="FF0000"/>
+                </a:solidFill>
+              </a:rPr>
+              <a:t>.</a:t>
+            </a:r>
+            <a:endParaRPr lang="zh-TW" altLang="en-US" dirty="0">
+              <a:solidFill>
+                <a:srgbClr val="FF0000"/>
+              </a:solidFill>
+            </a:endParaRPr>
+          </a:p>
+        </p:txBody>
+      </p:sp>
+      <p:cxnSp>
+        <p:nvCxnSpPr>
+          <p:cNvPr id="44" name="直線單箭頭接點 43">
+            <a:extLst>
+              <a:ext uri="{FF2B5EF4-FFF2-40B4-BE49-F238E27FC236}">
+                <a16:creationId xmlns:a16="http://schemas.microsoft.com/office/drawing/2014/main" id="{8CCB0611-BBE7-4FFA-A1FC-50016CE4441B}"/>
+              </a:ext>
+            </a:extLst>
+          </p:cNvPr>
+          <p:cNvCxnSpPr>
+            <a:cxnSpLocks/>
+            <a:stCxn id="33" idx="2"/>
+            <a:endCxn id="34" idx="0"/>
+          </p:cNvCxnSpPr>
+          <p:nvPr/>
+        </p:nvCxnSpPr>
+        <p:spPr>
           <a:xfrm flipH="1">
-            <a:off x="7151298" y="2341746"/>
-            <a:ext cx="422697" cy="1"/>
+            <a:off x="6514101" y="4342258"/>
+            <a:ext cx="2" cy="1041396"/>
           </a:xfrm>
           <a:prstGeom prst="straightConnector1">
             <a:avLst/>
           </a:prstGeom>
-          <a:ln w="38100">
+          <a:ln w="19050">
             <a:solidFill>
-              <a:srgbClr val="FFC000"/>
+              <a:schemeClr val="accent1"/>
             </a:solidFill>
+            <a:prstDash val="sysDash"/>
+            <a:tailEnd type="triangle"/>
+          </a:ln>
+        </p:spPr>
+        <p:style>
+          <a:lnRef idx="1">
+            <a:schemeClr val="accent1"/>
+          </a:lnRef>
+          <a:fillRef idx="0">
+            <a:schemeClr val="accent1"/>
+          </a:fillRef>
+          <a:effectRef idx="0">
+            <a:schemeClr val="accent1"/>
+          </a:effectRef>
+          <a:fontRef idx="minor">
+            <a:schemeClr val="tx1"/>
+          </a:fontRef>
+        </p:style>
+      </p:cxnSp>
+      <p:sp>
+        <p:nvSpPr>
+          <p:cNvPr id="49" name="文字方塊 48">
+            <a:extLst>
+              <a:ext uri="{FF2B5EF4-FFF2-40B4-BE49-F238E27FC236}">
+                <a16:creationId xmlns:a16="http://schemas.microsoft.com/office/drawing/2014/main" id="{2CF02CAA-A5D0-407E-9738-3ADC5BA325A2}"/>
+              </a:ext>
+            </a:extLst>
+          </p:cNvPr>
+          <p:cNvSpPr txBox="1"/>
+          <p:nvPr/>
+        </p:nvSpPr>
+        <p:spPr>
+          <a:xfrm>
+            <a:off x="6633359" y="4384702"/>
+            <a:ext cx="2510634" cy="923330"/>
+          </a:xfrm>
+          <a:prstGeom prst="rect">
+            <a:avLst/>
+          </a:prstGeom>
+          <a:noFill/>
+        </p:spPr>
+        <p:txBody>
+          <a:bodyPr wrap="square">
+            <a:spAutoFit/>
+          </a:bodyPr>
+          <a:lstStyle/>
+          <a:p>
+            <a:r>
+              <a:rPr lang="en-US" altLang="zh-TW" dirty="0" err="1">
+                <a:solidFill>
+                  <a:schemeClr val="accent1"/>
+                </a:solidFill>
+              </a:rPr>
+              <a:t>Ble</a:t>
+            </a:r>
+            <a:r>
+              <a:rPr lang="en-US" altLang="zh-TW" dirty="0">
+                <a:solidFill>
+                  <a:schemeClr val="accent1"/>
+                </a:solidFill>
+              </a:rPr>
+              <a:t> Pass Base Data:</a:t>
+            </a:r>
+          </a:p>
+          <a:p>
+            <a:r>
+              <a:rPr lang="zh-TW" altLang="en-US" dirty="0">
+                <a:solidFill>
+                  <a:schemeClr val="accent1"/>
+                </a:solidFill>
+              </a:rPr>
+              <a:t>gender, birthday, height, clothing weight</a:t>
+            </a:r>
+            <a:r>
+              <a:rPr lang="en-US" altLang="zh-TW" dirty="0">
+                <a:solidFill>
+                  <a:schemeClr val="accent1"/>
+                </a:solidFill>
+              </a:rPr>
+              <a:t>.</a:t>
+            </a:r>
+            <a:endParaRPr lang="zh-TW" altLang="en-US" dirty="0">
+              <a:solidFill>
+                <a:schemeClr val="accent1"/>
+              </a:solidFill>
+            </a:endParaRPr>
+          </a:p>
+        </p:txBody>
+      </p:sp>
+      <p:sp>
+        <p:nvSpPr>
+          <p:cNvPr id="58" name="矩形: 圓角 57">
+            <a:extLst>
+              <a:ext uri="{FF2B5EF4-FFF2-40B4-BE49-F238E27FC236}">
+                <a16:creationId xmlns:a16="http://schemas.microsoft.com/office/drawing/2014/main" id="{01303C9C-BCD1-4164-950D-D98CE27569B0}"/>
+              </a:ext>
+            </a:extLst>
+          </p:cNvPr>
+          <p:cNvSpPr/>
+          <p:nvPr/>
+        </p:nvSpPr>
+        <p:spPr>
+          <a:xfrm>
+            <a:off x="5520387" y="5856072"/>
+            <a:ext cx="3090213" cy="472418"/>
+          </a:xfrm>
+          <a:prstGeom prst="roundRect">
+            <a:avLst/>
+          </a:prstGeom>
+          <a:noFill/>
+          <a:ln>
+            <a:solidFill>
+              <a:schemeClr val="tx1">
+                <a:lumMod val="75000"/>
+                <a:lumOff val="25000"/>
+              </a:schemeClr>
+            </a:solidFill>
+          </a:ln>
+        </p:spPr>
+        <p:style>
+          <a:lnRef idx="2">
+            <a:schemeClr val="accent1">
+              <a:shade val="50000"/>
+            </a:schemeClr>
+          </a:lnRef>
+          <a:fillRef idx="1">
+            <a:schemeClr val="accent1"/>
+          </a:fillRef>
+          <a:effectRef idx="0">
+            <a:schemeClr val="accent1"/>
+          </a:effectRef>
+          <a:fontRef idx="minor">
+            <a:schemeClr val="lt1"/>
+          </a:fontRef>
+        </p:style>
+        <p:txBody>
+          <a:bodyPr rtlCol="0" anchor="ctr"/>
+          <a:lstStyle/>
+          <a:p>
+            <a:pPr algn="ctr"/>
+            <a:r>
+              <a:rPr lang="en-US" altLang="zh-TW" dirty="0">
+                <a:solidFill>
+                  <a:schemeClr val="tx1"/>
+                </a:solidFill>
+              </a:rPr>
+              <a:t>RD545</a:t>
+            </a:r>
+            <a:r>
+              <a:rPr lang="zh-TW" altLang="en-US" dirty="0">
+                <a:solidFill>
+                  <a:schemeClr val="tx1"/>
+                </a:solidFill>
+              </a:rPr>
+              <a:t> </a:t>
+            </a:r>
+            <a:r>
+              <a:rPr lang="en-US" altLang="zh-TW" dirty="0">
+                <a:solidFill>
+                  <a:schemeClr val="tx1"/>
+                </a:solidFill>
+              </a:rPr>
+              <a:t>Device Measurement </a:t>
+            </a:r>
+            <a:endParaRPr lang="zh-TW" altLang="en-US" dirty="0">
+              <a:solidFill>
+                <a:schemeClr val="tx1"/>
+              </a:solidFill>
+            </a:endParaRPr>
+          </a:p>
+        </p:txBody>
+      </p:sp>
+      <p:cxnSp>
+        <p:nvCxnSpPr>
+          <p:cNvPr id="63" name="接點: 肘形 62">
+            <a:extLst>
+              <a:ext uri="{FF2B5EF4-FFF2-40B4-BE49-F238E27FC236}">
+                <a16:creationId xmlns:a16="http://schemas.microsoft.com/office/drawing/2014/main" id="{EFAD7A4C-1CDE-483D-98F9-C84D9F7C28BD}"/>
+              </a:ext>
+            </a:extLst>
+          </p:cNvPr>
+          <p:cNvCxnSpPr>
+            <a:cxnSpLocks/>
+            <a:stCxn id="58" idx="3"/>
+          </p:cNvCxnSpPr>
+          <p:nvPr/>
+        </p:nvCxnSpPr>
+        <p:spPr>
+          <a:xfrm flipV="1">
+            <a:off x="8610600" y="4332198"/>
+            <a:ext cx="1412483" cy="1760083"/>
+          </a:xfrm>
+          <a:prstGeom prst="bentConnector2">
+            <a:avLst/>
+          </a:prstGeom>
+          <a:ln w="19050">
+            <a:prstDash val="sysDash"/>
+            <a:tailEnd type="triangle"/>
+          </a:ln>
+        </p:spPr>
+        <p:style>
+          <a:lnRef idx="1">
+            <a:schemeClr val="accent1"/>
+          </a:lnRef>
+          <a:fillRef idx="0">
+            <a:schemeClr val="accent1"/>
+          </a:fillRef>
+          <a:effectRef idx="0">
+            <a:schemeClr val="accent1"/>
+          </a:effectRef>
+          <a:fontRef idx="minor">
+            <a:schemeClr val="tx1"/>
+          </a:fontRef>
+        </p:style>
+      </p:cxnSp>
+      <p:sp>
+        <p:nvSpPr>
+          <p:cNvPr id="65" name="矩形: 圓角 64">
+            <a:extLst>
+              <a:ext uri="{FF2B5EF4-FFF2-40B4-BE49-F238E27FC236}">
+                <a16:creationId xmlns:a16="http://schemas.microsoft.com/office/drawing/2014/main" id="{3AC88E5F-33C7-46DD-A10F-BE107081F090}"/>
+              </a:ext>
+            </a:extLst>
+          </p:cNvPr>
+          <p:cNvSpPr/>
+          <p:nvPr/>
+        </p:nvSpPr>
+        <p:spPr>
+          <a:xfrm>
+            <a:off x="9132633" y="3706690"/>
+            <a:ext cx="1780892" cy="635568"/>
+          </a:xfrm>
+          <a:prstGeom prst="roundRect">
+            <a:avLst/>
+          </a:prstGeom>
+          <a:noFill/>
+          <a:ln>
+            <a:solidFill>
+              <a:schemeClr val="tx1">
+                <a:lumMod val="75000"/>
+                <a:lumOff val="25000"/>
+              </a:schemeClr>
+            </a:solidFill>
+          </a:ln>
+        </p:spPr>
+        <p:style>
+          <a:lnRef idx="2">
+            <a:schemeClr val="accent1">
+              <a:shade val="50000"/>
+            </a:schemeClr>
+          </a:lnRef>
+          <a:fillRef idx="1">
+            <a:schemeClr val="accent1"/>
+          </a:fillRef>
+          <a:effectRef idx="0">
+            <a:schemeClr val="accent1"/>
+          </a:effectRef>
+          <a:fontRef idx="minor">
+            <a:schemeClr val="lt1"/>
+          </a:fontRef>
+        </p:style>
+        <p:txBody>
+          <a:bodyPr rtlCol="0" anchor="ctr"/>
+          <a:lstStyle/>
+          <a:p>
+            <a:pPr algn="ctr"/>
+            <a:r>
+              <a:rPr lang="en-US" altLang="zh-TW" dirty="0">
+                <a:solidFill>
+                  <a:schemeClr val="tx1"/>
+                </a:solidFill>
+              </a:rPr>
+              <a:t>Measurement Data Get</a:t>
+            </a:r>
+            <a:endParaRPr lang="zh-TW" altLang="en-US" dirty="0">
+              <a:solidFill>
+                <a:schemeClr val="tx1"/>
+              </a:solidFill>
+            </a:endParaRPr>
+          </a:p>
+        </p:txBody>
+      </p:sp>
+      <p:sp>
+        <p:nvSpPr>
+          <p:cNvPr id="67" name="文字方塊 66">
+            <a:extLst>
+              <a:ext uri="{FF2B5EF4-FFF2-40B4-BE49-F238E27FC236}">
+                <a16:creationId xmlns:a16="http://schemas.microsoft.com/office/drawing/2014/main" id="{E5EEA9D4-2A19-421D-9BBC-94777EA6017E}"/>
+              </a:ext>
+            </a:extLst>
+          </p:cNvPr>
+          <p:cNvSpPr txBox="1"/>
+          <p:nvPr/>
+        </p:nvSpPr>
+        <p:spPr>
+          <a:xfrm>
+            <a:off x="8975559" y="5769115"/>
+            <a:ext cx="2095041" cy="646331"/>
+          </a:xfrm>
+          <a:prstGeom prst="rect">
+            <a:avLst/>
+          </a:prstGeom>
+          <a:noFill/>
+        </p:spPr>
+        <p:txBody>
+          <a:bodyPr wrap="square">
+            <a:spAutoFit/>
+          </a:bodyPr>
+          <a:lstStyle/>
+          <a:p>
+            <a:r>
+              <a:rPr lang="en-US" altLang="zh-TW" dirty="0" err="1">
+                <a:solidFill>
+                  <a:schemeClr val="accent1"/>
+                </a:solidFill>
+              </a:rPr>
+              <a:t>Ble</a:t>
+            </a:r>
+            <a:r>
+              <a:rPr lang="en-US" altLang="zh-TW" dirty="0">
+                <a:solidFill>
+                  <a:schemeClr val="accent1"/>
+                </a:solidFill>
+              </a:rPr>
+              <a:t> Pass Measurement Data</a:t>
+            </a:r>
+            <a:endParaRPr lang="zh-TW" altLang="en-US" dirty="0"/>
+          </a:p>
+        </p:txBody>
+      </p:sp>
+      <p:sp>
+        <p:nvSpPr>
+          <p:cNvPr id="68" name="雲朵形 67">
+            <a:extLst>
+              <a:ext uri="{FF2B5EF4-FFF2-40B4-BE49-F238E27FC236}">
+                <a16:creationId xmlns:a16="http://schemas.microsoft.com/office/drawing/2014/main" id="{27A0946F-6339-45E9-A0BD-2C5153771188}"/>
+              </a:ext>
+            </a:extLst>
+          </p:cNvPr>
+          <p:cNvSpPr/>
+          <p:nvPr/>
+        </p:nvSpPr>
+        <p:spPr>
+          <a:xfrm>
+            <a:off x="9357644" y="586693"/>
+            <a:ext cx="2017185" cy="1016789"/>
+          </a:xfrm>
+          <a:prstGeom prst="cloud">
+            <a:avLst/>
+          </a:prstGeom>
+          <a:noFill/>
+          <a:ln>
+            <a:solidFill>
+              <a:srgbClr val="00B0F0"/>
+            </a:solidFill>
+          </a:ln>
+        </p:spPr>
+        <p:style>
+          <a:lnRef idx="2">
+            <a:schemeClr val="accent1">
+              <a:shade val="50000"/>
+            </a:schemeClr>
+          </a:lnRef>
+          <a:fillRef idx="1">
+            <a:schemeClr val="accent1"/>
+          </a:fillRef>
+          <a:effectRef idx="0">
+            <a:schemeClr val="accent1"/>
+          </a:effectRef>
+          <a:fontRef idx="minor">
+            <a:schemeClr val="lt1"/>
+          </a:fontRef>
+        </p:style>
+        <p:txBody>
+          <a:bodyPr rtlCol="0" anchor="ctr"/>
+          <a:lstStyle/>
+          <a:p>
+            <a:pPr algn="ctr"/>
+            <a:r>
+              <a:rPr lang="en-US" altLang="zh-TW" dirty="0">
+                <a:solidFill>
+                  <a:srgbClr val="00B0F0"/>
+                </a:solidFill>
+              </a:rPr>
+              <a:t>Cloud Server App</a:t>
+            </a:r>
+            <a:endParaRPr lang="zh-TW" altLang="en-US" dirty="0">
+              <a:solidFill>
+                <a:srgbClr val="00B0F0"/>
+              </a:solidFill>
+            </a:endParaRPr>
+          </a:p>
+        </p:txBody>
+      </p:sp>
+      <p:sp>
+        <p:nvSpPr>
+          <p:cNvPr id="70" name="矩形: 圓角 69">
+            <a:extLst>
+              <a:ext uri="{FF2B5EF4-FFF2-40B4-BE49-F238E27FC236}">
+                <a16:creationId xmlns:a16="http://schemas.microsoft.com/office/drawing/2014/main" id="{3F83DA63-AC4D-4341-B5F2-836ACF5328D0}"/>
+              </a:ext>
+            </a:extLst>
+          </p:cNvPr>
+          <p:cNvSpPr/>
+          <p:nvPr/>
+        </p:nvSpPr>
+        <p:spPr>
+          <a:xfrm>
+            <a:off x="8975559" y="1830332"/>
+            <a:ext cx="2095040" cy="458567"/>
+          </a:xfrm>
+          <a:prstGeom prst="roundRect">
+            <a:avLst/>
+          </a:prstGeom>
+          <a:noFill/>
+          <a:ln>
+            <a:solidFill>
+              <a:schemeClr val="tx1">
+                <a:lumMod val="75000"/>
+                <a:lumOff val="25000"/>
+              </a:schemeClr>
+            </a:solidFill>
+          </a:ln>
+        </p:spPr>
+        <p:style>
+          <a:lnRef idx="2">
+            <a:schemeClr val="accent1">
+              <a:shade val="50000"/>
+            </a:schemeClr>
+          </a:lnRef>
+          <a:fillRef idx="1">
+            <a:schemeClr val="accent1"/>
+          </a:fillRef>
+          <a:effectRef idx="0">
+            <a:schemeClr val="accent1"/>
+          </a:effectRef>
+          <a:fontRef idx="minor">
+            <a:schemeClr val="lt1"/>
+          </a:fontRef>
+        </p:style>
+        <p:txBody>
+          <a:bodyPr rtlCol="0" anchor="ctr"/>
+          <a:lstStyle/>
+          <a:p>
+            <a:pPr algn="ctr"/>
+            <a:r>
+              <a:rPr lang="en-US" altLang="zh-TW" dirty="0">
+                <a:solidFill>
+                  <a:schemeClr val="tx1"/>
+                </a:solidFill>
+              </a:rPr>
+              <a:t>Pass Server Event</a:t>
+            </a:r>
+            <a:endParaRPr lang="zh-TW" altLang="en-US" dirty="0">
+              <a:solidFill>
+                <a:schemeClr val="tx1"/>
+              </a:solidFill>
+            </a:endParaRPr>
+          </a:p>
+        </p:txBody>
+      </p:sp>
+      <p:cxnSp>
+        <p:nvCxnSpPr>
+          <p:cNvPr id="71" name="直線單箭頭接點 70">
+            <a:extLst>
+              <a:ext uri="{FF2B5EF4-FFF2-40B4-BE49-F238E27FC236}">
+                <a16:creationId xmlns:a16="http://schemas.microsoft.com/office/drawing/2014/main" id="{5246AF2F-9E15-4EF2-839D-C62EE297C7CC}"/>
+              </a:ext>
+            </a:extLst>
+          </p:cNvPr>
+          <p:cNvCxnSpPr>
+            <a:cxnSpLocks/>
+            <a:stCxn id="65" idx="0"/>
+            <a:endCxn id="70" idx="2"/>
+          </p:cNvCxnSpPr>
+          <p:nvPr/>
+        </p:nvCxnSpPr>
+        <p:spPr>
+          <a:xfrm flipV="1">
+            <a:off x="10023079" y="2288899"/>
+            <a:ext cx="0" cy="1417791"/>
+          </a:xfrm>
+          <a:prstGeom prst="straightConnector1">
+            <a:avLst/>
+          </a:prstGeom>
+          <a:ln w="19050">
+            <a:solidFill>
+              <a:srgbClr val="FF0000"/>
+            </a:solidFill>
+            <a:prstDash val="sysDash"/>
             <a:tailEnd type="triangle"/>
           </a:ln>
         </p:spPr>
@@ -9058,32 +9220,33 @@
       </p:cxnSp>
       <p:cxnSp>
         <p:nvCxnSpPr>
-          <p:cNvPr id="59" name="直線單箭頭接點 58">
-            <a:extLst>
-              <a:ext uri="{FF2B5EF4-FFF2-40B4-BE49-F238E27FC236}">
-                <a16:creationId xmlns:a16="http://schemas.microsoft.com/office/drawing/2014/main" id="{F3A60993-E032-4BC6-9BED-97322984B478}"/>
+          <p:cNvPr id="74" name="直線單箭頭接點 73">
+            <a:extLst>
+              <a:ext uri="{FF2B5EF4-FFF2-40B4-BE49-F238E27FC236}">
+                <a16:creationId xmlns:a16="http://schemas.microsoft.com/office/drawing/2014/main" id="{1E3969CA-13E2-4331-85C0-86801900585B}"/>
               </a:ext>
             </a:extLst>
           </p:cNvPr>
           <p:cNvCxnSpPr>
             <a:cxnSpLocks/>
-            <a:stCxn id="11" idx="1"/>
-            <a:endCxn id="10" idx="3"/>
+            <a:stCxn id="70" idx="0"/>
+            <a:endCxn id="68" idx="1"/>
           </p:cNvCxnSpPr>
           <p:nvPr/>
         </p:nvCxnSpPr>
         <p:spPr>
-          <a:xfrm flipH="1">
-            <a:off x="7151297" y="4490049"/>
-            <a:ext cx="422698" cy="0"/>
+          <a:xfrm flipV="1">
+            <a:off x="10023079" y="1376633"/>
+            <a:ext cx="392" cy="453699"/>
           </a:xfrm>
           <a:prstGeom prst="straightConnector1">
             <a:avLst/>
           </a:prstGeom>
-          <a:ln w="38100">
+          <a:ln w="19050">
             <a:solidFill>
-              <a:srgbClr val="00B050"/>
+              <a:srgbClr val="00B0F0"/>
             </a:solidFill>
+            <a:prstDash val="sysDash"/>
             <a:tailEnd type="triangle"/>
           </a:ln>
         </p:spPr>
@@ -9102,10 +9265,920 @@
           </a:fontRef>
         </p:style>
       </p:cxnSp>
+      <p:sp>
+        <p:nvSpPr>
+          <p:cNvPr id="80" name="矩形: 圓角 79">
+            <a:extLst>
+              <a:ext uri="{FF2B5EF4-FFF2-40B4-BE49-F238E27FC236}">
+                <a16:creationId xmlns:a16="http://schemas.microsoft.com/office/drawing/2014/main" id="{E072A839-AD9A-41AF-AB00-F3921CBEEBFC}"/>
+              </a:ext>
+            </a:extLst>
+          </p:cNvPr>
+          <p:cNvSpPr/>
+          <p:nvPr/>
+        </p:nvSpPr>
+        <p:spPr>
+          <a:xfrm>
+            <a:off x="10168460" y="2721554"/>
+            <a:ext cx="902139" cy="635568"/>
+          </a:xfrm>
+          <a:prstGeom prst="roundRect">
+            <a:avLst/>
+          </a:prstGeom>
+          <a:noFill/>
+          <a:ln>
+            <a:solidFill>
+              <a:schemeClr val="tx1">
+                <a:lumMod val="75000"/>
+                <a:lumOff val="25000"/>
+              </a:schemeClr>
+            </a:solidFill>
+          </a:ln>
+        </p:spPr>
+        <p:style>
+          <a:lnRef idx="2">
+            <a:schemeClr val="accent1">
+              <a:shade val="50000"/>
+            </a:schemeClr>
+          </a:lnRef>
+          <a:fillRef idx="1">
+            <a:schemeClr val="accent1"/>
+          </a:fillRef>
+          <a:effectRef idx="0">
+            <a:schemeClr val="accent1"/>
+          </a:effectRef>
+          <a:fontRef idx="minor">
+            <a:schemeClr val="lt1"/>
+          </a:fontRef>
+        </p:style>
+        <p:txBody>
+          <a:bodyPr rtlCol="0" anchor="ctr"/>
+          <a:lstStyle/>
+          <a:p>
+            <a:pPr algn="ctr"/>
+            <a:r>
+              <a:rPr lang="en-US" altLang="zh-TW" dirty="0">
+                <a:solidFill>
+                  <a:schemeClr val="tx1"/>
+                </a:solidFill>
+              </a:rPr>
+              <a:t>UI</a:t>
+            </a:r>
+          </a:p>
+          <a:p>
+            <a:pPr algn="ctr"/>
+            <a:r>
+              <a:rPr lang="en-US" altLang="zh-TW" dirty="0">
+                <a:solidFill>
+                  <a:schemeClr val="tx1"/>
+                </a:solidFill>
+              </a:rPr>
+              <a:t>output</a:t>
+            </a:r>
+            <a:endParaRPr lang="zh-TW" altLang="en-US" dirty="0">
+              <a:solidFill>
+                <a:schemeClr val="tx1"/>
+              </a:solidFill>
+            </a:endParaRPr>
+          </a:p>
+        </p:txBody>
+      </p:sp>
+      <p:cxnSp>
+        <p:nvCxnSpPr>
+          <p:cNvPr id="81" name="直線單箭頭接點 80">
+            <a:extLst>
+              <a:ext uri="{FF2B5EF4-FFF2-40B4-BE49-F238E27FC236}">
+                <a16:creationId xmlns:a16="http://schemas.microsoft.com/office/drawing/2014/main" id="{E31A6EA7-BC07-45C1-BC91-86AACD3D3B6D}"/>
+              </a:ext>
+            </a:extLst>
+          </p:cNvPr>
+          <p:cNvCxnSpPr>
+            <a:cxnSpLocks/>
+            <a:endCxn id="80" idx="2"/>
+          </p:cNvCxnSpPr>
+          <p:nvPr/>
+        </p:nvCxnSpPr>
+        <p:spPr>
+          <a:xfrm flipV="1">
+            <a:off x="10619530" y="3357122"/>
+            <a:ext cx="0" cy="349568"/>
+          </a:xfrm>
+          <a:prstGeom prst="straightConnector1">
+            <a:avLst/>
+          </a:prstGeom>
+          <a:ln w="19050">
+            <a:solidFill>
+              <a:srgbClr val="FF0000"/>
+            </a:solidFill>
+            <a:prstDash val="sysDash"/>
+            <a:tailEnd type="triangle"/>
+          </a:ln>
+        </p:spPr>
+        <p:style>
+          <a:lnRef idx="1">
+            <a:schemeClr val="accent1"/>
+          </a:lnRef>
+          <a:fillRef idx="0">
+            <a:schemeClr val="accent1"/>
+          </a:fillRef>
+          <a:effectRef idx="0">
+            <a:schemeClr val="accent1"/>
+          </a:effectRef>
+          <a:fontRef idx="minor">
+            <a:schemeClr val="tx1"/>
+          </a:fontRef>
+        </p:style>
+      </p:cxnSp>
+      <p:sp>
+        <p:nvSpPr>
+          <p:cNvPr id="88" name="矩形: 摺角紙張 87">
+            <a:extLst>
+              <a:ext uri="{FF2B5EF4-FFF2-40B4-BE49-F238E27FC236}">
+                <a16:creationId xmlns:a16="http://schemas.microsoft.com/office/drawing/2014/main" id="{049C73AD-E4EF-4A3F-8E1D-8238DFBB91A6}"/>
+              </a:ext>
+            </a:extLst>
+          </p:cNvPr>
+          <p:cNvSpPr/>
+          <p:nvPr/>
+        </p:nvSpPr>
+        <p:spPr>
+          <a:xfrm rot="10800000">
+            <a:off x="11375844" y="2500697"/>
+            <a:ext cx="742275" cy="1081546"/>
+          </a:xfrm>
+          <a:prstGeom prst="foldedCorner">
+            <a:avLst>
+              <a:gd name="adj" fmla="val 25070"/>
+            </a:avLst>
+          </a:prstGeom>
+          <a:noFill/>
+          <a:ln>
+            <a:solidFill>
+              <a:schemeClr val="accent1">
+                <a:lumMod val="75000"/>
+              </a:schemeClr>
+            </a:solidFill>
+          </a:ln>
+        </p:spPr>
+        <p:style>
+          <a:lnRef idx="2">
+            <a:schemeClr val="accent1">
+              <a:shade val="50000"/>
+            </a:schemeClr>
+          </a:lnRef>
+          <a:fillRef idx="1">
+            <a:schemeClr val="accent1"/>
+          </a:fillRef>
+          <a:effectRef idx="0">
+            <a:schemeClr val="accent1"/>
+          </a:effectRef>
+          <a:fontRef idx="minor">
+            <a:schemeClr val="lt1"/>
+          </a:fontRef>
+        </p:style>
+        <p:txBody>
+          <a:bodyPr rtlCol="0" anchor="ctr"/>
+          <a:lstStyle/>
+          <a:p>
+            <a:pPr algn="ctr"/>
+            <a:endParaRPr lang="zh-TW" altLang="en-US" dirty="0">
+              <a:solidFill>
+                <a:srgbClr val="00B0F0"/>
+              </a:solidFill>
+            </a:endParaRPr>
+          </a:p>
+        </p:txBody>
+      </p:sp>
+      <p:cxnSp>
+        <p:nvCxnSpPr>
+          <p:cNvPr id="89" name="直線單箭頭接點 88">
+            <a:extLst>
+              <a:ext uri="{FF2B5EF4-FFF2-40B4-BE49-F238E27FC236}">
+                <a16:creationId xmlns:a16="http://schemas.microsoft.com/office/drawing/2014/main" id="{91830442-864D-4267-92D9-725698275EE7}"/>
+              </a:ext>
+            </a:extLst>
+          </p:cNvPr>
+          <p:cNvCxnSpPr>
+            <a:cxnSpLocks/>
+            <a:stCxn id="80" idx="3"/>
+            <a:endCxn id="88" idx="3"/>
+          </p:cNvCxnSpPr>
+          <p:nvPr/>
+        </p:nvCxnSpPr>
+        <p:spPr>
+          <a:xfrm>
+            <a:off x="11070599" y="3039338"/>
+            <a:ext cx="305245" cy="2132"/>
+          </a:xfrm>
+          <a:prstGeom prst="straightConnector1">
+            <a:avLst/>
+          </a:prstGeom>
+          <a:ln w="19050">
+            <a:solidFill>
+              <a:schemeClr val="accent1">
+                <a:lumMod val="75000"/>
+              </a:schemeClr>
+            </a:solidFill>
+            <a:prstDash val="sysDash"/>
+            <a:tailEnd type="triangle"/>
+          </a:ln>
+        </p:spPr>
+        <p:style>
+          <a:lnRef idx="1">
+            <a:schemeClr val="accent1"/>
+          </a:lnRef>
+          <a:fillRef idx="0">
+            <a:schemeClr val="accent1"/>
+          </a:fillRef>
+          <a:effectRef idx="0">
+            <a:schemeClr val="accent1"/>
+          </a:effectRef>
+          <a:fontRef idx="minor">
+            <a:schemeClr val="tx1"/>
+          </a:fontRef>
+        </p:style>
+      </p:cxnSp>
+      <p:sp>
+        <p:nvSpPr>
+          <p:cNvPr id="96" name="文字方塊 95">
+            <a:extLst>
+              <a:ext uri="{FF2B5EF4-FFF2-40B4-BE49-F238E27FC236}">
+                <a16:creationId xmlns:a16="http://schemas.microsoft.com/office/drawing/2014/main" id="{ED02D2D7-1194-466E-9032-28B547A2C938}"/>
+              </a:ext>
+            </a:extLst>
+          </p:cNvPr>
+          <p:cNvSpPr txBox="1"/>
+          <p:nvPr/>
+        </p:nvSpPr>
+        <p:spPr>
+          <a:xfrm>
+            <a:off x="11374829" y="2631837"/>
+            <a:ext cx="800215" cy="923330"/>
+          </a:xfrm>
+          <a:prstGeom prst="rect">
+            <a:avLst/>
+          </a:prstGeom>
+          <a:noFill/>
+        </p:spPr>
+        <p:txBody>
+          <a:bodyPr wrap="square" rtlCol="0">
+            <a:spAutoFit/>
+          </a:bodyPr>
+          <a:lstStyle/>
+          <a:p>
+            <a:r>
+              <a:rPr lang="en-US" altLang="zh-TW" dirty="0">
+                <a:solidFill>
+                  <a:schemeClr val="accent1">
+                    <a:lumMod val="75000"/>
+                  </a:schemeClr>
+                </a:solidFill>
+              </a:rPr>
+              <a:t>*.csv</a:t>
+            </a:r>
+          </a:p>
+          <a:p>
+            <a:r>
+              <a:rPr lang="en-US" altLang="zh-TW" dirty="0">
+                <a:solidFill>
+                  <a:schemeClr val="accent1">
+                    <a:lumMod val="75000"/>
+                  </a:schemeClr>
+                </a:solidFill>
+              </a:rPr>
+              <a:t>*.pdf</a:t>
+            </a:r>
+          </a:p>
+          <a:p>
+            <a:r>
+              <a:rPr lang="en-US" altLang="zh-TW" dirty="0">
+                <a:solidFill>
+                  <a:schemeClr val="accent1">
+                    <a:lumMod val="75000"/>
+                  </a:schemeClr>
+                </a:solidFill>
+              </a:rPr>
+              <a:t>*.jpg</a:t>
+            </a:r>
+            <a:endParaRPr lang="zh-TW" altLang="en-US" dirty="0">
+              <a:solidFill>
+                <a:schemeClr val="accent1">
+                  <a:lumMod val="75000"/>
+                </a:schemeClr>
+              </a:solidFill>
+            </a:endParaRPr>
+          </a:p>
+        </p:txBody>
+      </p:sp>
+      <p:pic>
+        <p:nvPicPr>
+          <p:cNvPr id="4" name="圖片 3">
+            <a:extLst>
+              <a:ext uri="{FF2B5EF4-FFF2-40B4-BE49-F238E27FC236}">
+                <a16:creationId xmlns:a16="http://schemas.microsoft.com/office/drawing/2014/main" id="{4B6E04D9-6017-46F7-8E39-AB7E473A5C22}"/>
+              </a:ext>
+            </a:extLst>
+          </p:cNvPr>
+          <p:cNvPicPr>
+            <a:picLocks noChangeAspect="1"/>
+          </p:cNvPicPr>
+          <p:nvPr/>
+        </p:nvPicPr>
+        <p:blipFill>
+          <a:blip r:embed="rId2" cstate="hqprint">
+            <a:extLst>
+              <a:ext uri="{28A0092B-C50C-407E-A947-70E740481C1C}">
+                <a14:useLocalDpi xmlns:a14="http://schemas.microsoft.com/office/drawing/2010/main" val="0"/>
+              </a:ext>
+            </a:extLst>
+          </a:blip>
+          <a:stretch>
+            <a:fillRect/>
+          </a:stretch>
+        </p:blipFill>
+        <p:spPr>
+          <a:xfrm>
+            <a:off x="1154974" y="922867"/>
+            <a:ext cx="2532098" cy="5626885"/>
+          </a:xfrm>
+          <a:prstGeom prst="rect">
+            <a:avLst/>
+          </a:prstGeom>
+        </p:spPr>
+      </p:pic>
+      <p:sp>
+        <p:nvSpPr>
+          <p:cNvPr id="36" name="文字方塊 35">
+            <a:extLst>
+              <a:ext uri="{FF2B5EF4-FFF2-40B4-BE49-F238E27FC236}">
+                <a16:creationId xmlns:a16="http://schemas.microsoft.com/office/drawing/2014/main" id="{257F27CD-1695-40A9-862E-7292F9AA0EEC}"/>
+              </a:ext>
+            </a:extLst>
+          </p:cNvPr>
+          <p:cNvSpPr txBox="1"/>
+          <p:nvPr/>
+        </p:nvSpPr>
+        <p:spPr>
+          <a:xfrm>
+            <a:off x="1142787" y="1476402"/>
+            <a:ext cx="844550" cy="369332"/>
+          </a:xfrm>
+          <a:prstGeom prst="rect">
+            <a:avLst/>
+          </a:prstGeom>
+          <a:noFill/>
+        </p:spPr>
+        <p:txBody>
+          <a:bodyPr wrap="square">
+            <a:spAutoFit/>
+          </a:bodyPr>
+          <a:lstStyle/>
+          <a:p>
+            <a:pPr algn="ctr"/>
+            <a:r>
+              <a:rPr lang="en-US" altLang="zh-TW" dirty="0">
+                <a:solidFill>
+                  <a:srgbClr val="FF0000"/>
+                </a:solidFill>
+              </a:rPr>
+              <a:t>App1</a:t>
+            </a:r>
+            <a:endParaRPr lang="zh-TW" altLang="en-US" dirty="0">
+              <a:solidFill>
+                <a:srgbClr val="FF0000"/>
+              </a:solidFill>
+            </a:endParaRPr>
+          </a:p>
+        </p:txBody>
+      </p:sp>
+      <p:sp>
+        <p:nvSpPr>
+          <p:cNvPr id="38" name="文字方塊 37">
+            <a:extLst>
+              <a:ext uri="{FF2B5EF4-FFF2-40B4-BE49-F238E27FC236}">
+                <a16:creationId xmlns:a16="http://schemas.microsoft.com/office/drawing/2014/main" id="{22ECA52D-C1D8-47F5-9414-5955716D7E59}"/>
+              </a:ext>
+            </a:extLst>
+          </p:cNvPr>
+          <p:cNvSpPr txBox="1"/>
+          <p:nvPr/>
+        </p:nvSpPr>
+        <p:spPr>
+          <a:xfrm>
+            <a:off x="2893509" y="1476402"/>
+            <a:ext cx="751417" cy="369332"/>
+          </a:xfrm>
+          <a:prstGeom prst="rect">
+            <a:avLst/>
+          </a:prstGeom>
+          <a:noFill/>
+        </p:spPr>
+        <p:txBody>
+          <a:bodyPr wrap="square">
+            <a:spAutoFit/>
+          </a:bodyPr>
+          <a:lstStyle/>
+          <a:p>
+            <a:pPr algn="ctr"/>
+            <a:r>
+              <a:rPr lang="en-US" altLang="zh-TW" dirty="0">
+                <a:solidFill>
+                  <a:schemeClr val="accent1"/>
+                </a:solidFill>
+              </a:rPr>
+              <a:t>App2</a:t>
+            </a:r>
+            <a:endParaRPr lang="zh-TW" altLang="en-US" dirty="0">
+              <a:solidFill>
+                <a:schemeClr val="accent1"/>
+              </a:solidFill>
+            </a:endParaRPr>
+          </a:p>
+        </p:txBody>
+      </p:sp>
+      <p:sp>
+        <p:nvSpPr>
+          <p:cNvPr id="39" name="矩形: 圓角 38">
+            <a:extLst>
+              <a:ext uri="{FF2B5EF4-FFF2-40B4-BE49-F238E27FC236}">
+                <a16:creationId xmlns:a16="http://schemas.microsoft.com/office/drawing/2014/main" id="{B71B5CA5-A95D-47C7-9429-84A706FC73B0}"/>
+              </a:ext>
+            </a:extLst>
+          </p:cNvPr>
+          <p:cNvSpPr/>
+          <p:nvPr/>
+        </p:nvSpPr>
+        <p:spPr>
+          <a:xfrm>
+            <a:off x="1174486" y="1274386"/>
+            <a:ext cx="1224190" cy="2082735"/>
+          </a:xfrm>
+          <a:prstGeom prst="roundRect">
+            <a:avLst/>
+          </a:prstGeom>
+          <a:noFill/>
+          <a:ln>
+            <a:solidFill>
+              <a:srgbClr val="FF0000"/>
+            </a:solidFill>
+          </a:ln>
+        </p:spPr>
+        <p:style>
+          <a:lnRef idx="2">
+            <a:schemeClr val="accent1">
+              <a:shade val="50000"/>
+            </a:schemeClr>
+          </a:lnRef>
+          <a:fillRef idx="1">
+            <a:schemeClr val="accent1"/>
+          </a:fillRef>
+          <a:effectRef idx="0">
+            <a:schemeClr val="accent1"/>
+          </a:effectRef>
+          <a:fontRef idx="minor">
+            <a:schemeClr val="lt1"/>
+          </a:fontRef>
+        </p:style>
+        <p:txBody>
+          <a:bodyPr rtlCol="0" anchor="ctr"/>
+          <a:lstStyle/>
+          <a:p>
+            <a:pPr algn="ctr"/>
+            <a:endParaRPr lang="zh-TW" altLang="en-US" dirty="0">
+              <a:solidFill>
+                <a:srgbClr val="FF0000"/>
+              </a:solidFill>
+            </a:endParaRPr>
+          </a:p>
+        </p:txBody>
+      </p:sp>
+      <p:sp>
+        <p:nvSpPr>
+          <p:cNvPr id="41" name="矩形: 圓角 40">
+            <a:extLst>
+              <a:ext uri="{FF2B5EF4-FFF2-40B4-BE49-F238E27FC236}">
+                <a16:creationId xmlns:a16="http://schemas.microsoft.com/office/drawing/2014/main" id="{37614059-BE27-4177-A35A-9E5F33435268}"/>
+              </a:ext>
+            </a:extLst>
+          </p:cNvPr>
+          <p:cNvSpPr/>
+          <p:nvPr/>
+        </p:nvSpPr>
+        <p:spPr>
+          <a:xfrm>
+            <a:off x="2455600" y="1274385"/>
+            <a:ext cx="1196981" cy="2082735"/>
+          </a:xfrm>
+          <a:prstGeom prst="roundRect">
+            <a:avLst/>
+          </a:prstGeom>
+          <a:noFill/>
+          <a:ln>
+            <a:solidFill>
+              <a:schemeClr val="accent1"/>
+            </a:solidFill>
+          </a:ln>
+        </p:spPr>
+        <p:style>
+          <a:lnRef idx="2">
+            <a:schemeClr val="accent1">
+              <a:shade val="50000"/>
+            </a:schemeClr>
+          </a:lnRef>
+          <a:fillRef idx="1">
+            <a:schemeClr val="accent1"/>
+          </a:fillRef>
+          <a:effectRef idx="0">
+            <a:schemeClr val="accent1"/>
+          </a:effectRef>
+          <a:fontRef idx="minor">
+            <a:schemeClr val="lt1"/>
+          </a:fontRef>
+        </p:style>
+        <p:txBody>
+          <a:bodyPr rtlCol="0" anchor="ctr"/>
+          <a:lstStyle/>
+          <a:p>
+            <a:pPr algn="ctr"/>
+            <a:endParaRPr lang="zh-TW" altLang="en-US" dirty="0">
+              <a:solidFill>
+                <a:srgbClr val="FF0000"/>
+              </a:solidFill>
+            </a:endParaRPr>
+          </a:p>
+        </p:txBody>
+      </p:sp>
+      <p:sp>
+        <p:nvSpPr>
+          <p:cNvPr id="40" name="矩形: 圓角 40">
+            <a:extLst>
+              <a:ext uri="{FF2B5EF4-FFF2-40B4-BE49-F238E27FC236}">
+                <a16:creationId xmlns:a16="http://schemas.microsoft.com/office/drawing/2014/main" id="{37614059-BE27-4177-A35A-9E5F33435268}"/>
+              </a:ext>
+            </a:extLst>
+          </p:cNvPr>
+          <p:cNvSpPr/>
+          <p:nvPr/>
+        </p:nvSpPr>
+        <p:spPr>
+          <a:xfrm>
+            <a:off x="2526279" y="2076897"/>
+            <a:ext cx="1055621" cy="449935"/>
+          </a:xfrm>
+          <a:prstGeom prst="roundRect">
+            <a:avLst/>
+          </a:prstGeom>
+          <a:noFill/>
+          <a:ln>
+            <a:solidFill>
+              <a:schemeClr val="accent1"/>
+            </a:solidFill>
+          </a:ln>
+        </p:spPr>
+        <p:style>
+          <a:lnRef idx="2">
+            <a:schemeClr val="accent1">
+              <a:shade val="50000"/>
+            </a:schemeClr>
+          </a:lnRef>
+          <a:fillRef idx="1">
+            <a:schemeClr val="accent1"/>
+          </a:fillRef>
+          <a:effectRef idx="0">
+            <a:schemeClr val="accent1"/>
+          </a:effectRef>
+          <a:fontRef idx="minor">
+            <a:schemeClr val="lt1"/>
+          </a:fontRef>
+        </p:style>
+        <p:txBody>
+          <a:bodyPr rtlCol="0" anchor="ctr"/>
+          <a:lstStyle/>
+          <a:p>
+            <a:pPr algn="ctr"/>
+            <a:r>
+              <a:rPr lang="en-US" altLang="zh-TW" dirty="0">
+                <a:solidFill>
+                  <a:schemeClr val="accent1"/>
+                </a:solidFill>
+              </a:rPr>
+              <a:t>Activity1</a:t>
+            </a:r>
+            <a:endParaRPr lang="zh-TW" altLang="en-US" dirty="0">
+              <a:solidFill>
+                <a:schemeClr val="accent1"/>
+              </a:solidFill>
+            </a:endParaRPr>
+          </a:p>
+        </p:txBody>
+      </p:sp>
+      <p:sp>
+        <p:nvSpPr>
+          <p:cNvPr id="43" name="矩形: 圓角 40">
+            <a:extLst>
+              <a:ext uri="{FF2B5EF4-FFF2-40B4-BE49-F238E27FC236}">
+                <a16:creationId xmlns:a16="http://schemas.microsoft.com/office/drawing/2014/main" id="{37614059-BE27-4177-A35A-9E5F33435268}"/>
+              </a:ext>
+            </a:extLst>
+          </p:cNvPr>
+          <p:cNvSpPr/>
+          <p:nvPr/>
+        </p:nvSpPr>
+        <p:spPr>
+          <a:xfrm>
+            <a:off x="2527768" y="2657223"/>
+            <a:ext cx="1055621" cy="449935"/>
+          </a:xfrm>
+          <a:prstGeom prst="roundRect">
+            <a:avLst/>
+          </a:prstGeom>
+          <a:noFill/>
+          <a:ln>
+            <a:solidFill>
+              <a:schemeClr val="accent1"/>
+            </a:solidFill>
+          </a:ln>
+        </p:spPr>
+        <p:style>
+          <a:lnRef idx="2">
+            <a:schemeClr val="accent1">
+              <a:shade val="50000"/>
+            </a:schemeClr>
+          </a:lnRef>
+          <a:fillRef idx="1">
+            <a:schemeClr val="accent1"/>
+          </a:fillRef>
+          <a:effectRef idx="0">
+            <a:schemeClr val="accent1"/>
+          </a:effectRef>
+          <a:fontRef idx="minor">
+            <a:schemeClr val="lt1"/>
+          </a:fontRef>
+        </p:style>
+        <p:txBody>
+          <a:bodyPr rtlCol="0" anchor="ctr"/>
+          <a:lstStyle/>
+          <a:p>
+            <a:pPr algn="ctr"/>
+            <a:r>
+              <a:rPr lang="en-US" altLang="zh-TW" dirty="0">
+                <a:solidFill>
+                  <a:schemeClr val="accent1"/>
+                </a:solidFill>
+              </a:rPr>
+              <a:t>Activity2</a:t>
+            </a:r>
+            <a:endParaRPr lang="zh-TW" altLang="en-US" dirty="0">
+              <a:solidFill>
+                <a:schemeClr val="accent1"/>
+              </a:solidFill>
+            </a:endParaRPr>
+          </a:p>
+        </p:txBody>
+      </p:sp>
+      <p:sp>
+        <p:nvSpPr>
+          <p:cNvPr id="45" name="矩形: 圓角 40">
+            <a:extLst>
+              <a:ext uri="{FF2B5EF4-FFF2-40B4-BE49-F238E27FC236}">
+                <a16:creationId xmlns:a16="http://schemas.microsoft.com/office/drawing/2014/main" id="{37614059-BE27-4177-A35A-9E5F33435268}"/>
+              </a:ext>
+            </a:extLst>
+          </p:cNvPr>
+          <p:cNvSpPr/>
+          <p:nvPr/>
+        </p:nvSpPr>
+        <p:spPr>
+          <a:xfrm>
+            <a:off x="1261504" y="2657223"/>
+            <a:ext cx="1055621" cy="449935"/>
+          </a:xfrm>
+          <a:prstGeom prst="roundRect">
+            <a:avLst/>
+          </a:prstGeom>
+          <a:noFill/>
+          <a:ln>
+            <a:solidFill>
+              <a:srgbClr val="FF0000"/>
+            </a:solidFill>
+          </a:ln>
+        </p:spPr>
+        <p:style>
+          <a:lnRef idx="2">
+            <a:schemeClr val="accent1">
+              <a:shade val="50000"/>
+            </a:schemeClr>
+          </a:lnRef>
+          <a:fillRef idx="1">
+            <a:schemeClr val="accent1"/>
+          </a:fillRef>
+          <a:effectRef idx="0">
+            <a:schemeClr val="accent1"/>
+          </a:effectRef>
+          <a:fontRef idx="minor">
+            <a:schemeClr val="lt1"/>
+          </a:fontRef>
+        </p:style>
+        <p:txBody>
+          <a:bodyPr rtlCol="0" anchor="ctr"/>
+          <a:lstStyle/>
+          <a:p>
+            <a:pPr algn="ctr"/>
+            <a:r>
+              <a:rPr lang="en-US" altLang="zh-TW" dirty="0">
+                <a:solidFill>
+                  <a:srgbClr val="FF0000"/>
+                </a:solidFill>
+              </a:rPr>
+              <a:t>Activity2</a:t>
+            </a:r>
+            <a:endParaRPr lang="zh-TW" altLang="en-US" dirty="0">
+              <a:solidFill>
+                <a:srgbClr val="FF0000"/>
+              </a:solidFill>
+            </a:endParaRPr>
+          </a:p>
+        </p:txBody>
+      </p:sp>
+      <p:sp>
+        <p:nvSpPr>
+          <p:cNvPr id="47" name="矩形: 圓角 40">
+            <a:extLst>
+              <a:ext uri="{FF2B5EF4-FFF2-40B4-BE49-F238E27FC236}">
+                <a16:creationId xmlns:a16="http://schemas.microsoft.com/office/drawing/2014/main" id="{37614059-BE27-4177-A35A-9E5F33435268}"/>
+              </a:ext>
+            </a:extLst>
+          </p:cNvPr>
+          <p:cNvSpPr/>
+          <p:nvPr/>
+        </p:nvSpPr>
+        <p:spPr>
+          <a:xfrm>
+            <a:off x="1278568" y="2050761"/>
+            <a:ext cx="1055621" cy="449935"/>
+          </a:xfrm>
+          <a:prstGeom prst="roundRect">
+            <a:avLst/>
+          </a:prstGeom>
+          <a:noFill/>
+          <a:ln>
+            <a:solidFill>
+              <a:srgbClr val="FF0000"/>
+            </a:solidFill>
+          </a:ln>
+        </p:spPr>
+        <p:style>
+          <a:lnRef idx="2">
+            <a:schemeClr val="accent1">
+              <a:shade val="50000"/>
+            </a:schemeClr>
+          </a:lnRef>
+          <a:fillRef idx="1">
+            <a:schemeClr val="accent1"/>
+          </a:fillRef>
+          <a:effectRef idx="0">
+            <a:schemeClr val="accent1"/>
+          </a:effectRef>
+          <a:fontRef idx="minor">
+            <a:schemeClr val="lt1"/>
+          </a:fontRef>
+        </p:style>
+        <p:txBody>
+          <a:bodyPr rtlCol="0" anchor="ctr"/>
+          <a:lstStyle/>
+          <a:p>
+            <a:pPr algn="ctr"/>
+            <a:r>
+              <a:rPr lang="en-US" altLang="zh-TW" dirty="0">
+                <a:solidFill>
+                  <a:srgbClr val="FF0000"/>
+                </a:solidFill>
+              </a:rPr>
+              <a:t>Activity1</a:t>
+            </a:r>
+            <a:endParaRPr lang="zh-TW" altLang="en-US" dirty="0">
+              <a:solidFill>
+                <a:srgbClr val="FF0000"/>
+              </a:solidFill>
+            </a:endParaRPr>
+          </a:p>
+        </p:txBody>
+      </p:sp>
+      <p:sp>
+        <p:nvSpPr>
+          <p:cNvPr id="3" name="向下箭號 2"/>
+          <p:cNvSpPr/>
+          <p:nvPr/>
+        </p:nvSpPr>
+        <p:spPr>
+          <a:xfrm rot="18759912">
+            <a:off x="2292222" y="2258048"/>
+            <a:ext cx="318718" cy="646928"/>
+          </a:xfrm>
+          <a:prstGeom prst="downArrow">
+            <a:avLst/>
+          </a:prstGeom>
+          <a:solidFill>
+            <a:srgbClr val="FFC000"/>
+          </a:solidFill>
+        </p:spPr>
+        <p:style>
+          <a:lnRef idx="2">
+            <a:schemeClr val="accent1">
+              <a:shade val="50000"/>
+            </a:schemeClr>
+          </a:lnRef>
+          <a:fillRef idx="1">
+            <a:schemeClr val="accent1"/>
+          </a:fillRef>
+          <a:effectRef idx="0">
+            <a:schemeClr val="accent1"/>
+          </a:effectRef>
+          <a:fontRef idx="minor">
+            <a:schemeClr val="lt1"/>
+          </a:fontRef>
+        </p:style>
+        <p:txBody>
+          <a:bodyPr rtlCol="0" anchor="ctr"/>
+          <a:lstStyle/>
+          <a:p>
+            <a:pPr algn="ctr"/>
+            <a:endParaRPr lang="zh-TW" altLang="en-US" dirty="0"/>
+          </a:p>
+        </p:txBody>
+      </p:sp>
+      <p:sp>
+        <p:nvSpPr>
+          <p:cNvPr id="5" name="文字方塊 4"/>
+          <p:cNvSpPr txBox="1"/>
+          <p:nvPr/>
+        </p:nvSpPr>
+        <p:spPr>
+          <a:xfrm rot="2741817">
+            <a:off x="2167458" y="2429033"/>
+            <a:ext cx="526228" cy="276999"/>
+          </a:xfrm>
+          <a:prstGeom prst="rect">
+            <a:avLst/>
+          </a:prstGeom>
+          <a:noFill/>
+        </p:spPr>
+        <p:txBody>
+          <a:bodyPr wrap="square" rtlCol="0">
+            <a:spAutoFit/>
+          </a:bodyPr>
+          <a:lstStyle/>
+          <a:p>
+            <a:r>
+              <a:rPr lang="en-US" altLang="zh-TW" sz="1200" dirty="0">
+                <a:solidFill>
+                  <a:srgbClr val="FF0000"/>
+                </a:solidFill>
+              </a:rPr>
+              <a:t>call</a:t>
+            </a:r>
+            <a:endParaRPr lang="zh-TW" altLang="en-US" sz="1200" dirty="0">
+              <a:solidFill>
+                <a:srgbClr val="FF0000"/>
+              </a:solidFill>
+            </a:endParaRPr>
+          </a:p>
+        </p:txBody>
+      </p:sp>
+      <p:sp>
+        <p:nvSpPr>
+          <p:cNvPr id="48" name="文字方塊 47"/>
+          <p:cNvSpPr txBox="1"/>
+          <p:nvPr/>
+        </p:nvSpPr>
+        <p:spPr>
+          <a:xfrm>
+            <a:off x="10308723" y="32012"/>
+            <a:ext cx="2132212" cy="369332"/>
+          </a:xfrm>
+          <a:prstGeom prst="rect">
+            <a:avLst/>
+          </a:prstGeom>
+          <a:noFill/>
+        </p:spPr>
+        <p:txBody>
+          <a:bodyPr wrap="square" rtlCol="0">
+            <a:spAutoFit/>
+          </a:bodyPr>
+          <a:lstStyle/>
+          <a:p>
+            <a:r>
+              <a:rPr lang="en-US" altLang="zh-TW" dirty="0"/>
+              <a:t>Reference from AI</a:t>
+            </a:r>
+            <a:endParaRPr lang="zh-TW" altLang="en-US" dirty="0"/>
+          </a:p>
+        </p:txBody>
+      </p:sp>
     </p:spTree>
     <p:extLst>
       <p:ext uri="{BB962C8B-B14F-4D97-AF65-F5344CB8AC3E}">
-        <p14:creationId xmlns:p14="http://schemas.microsoft.com/office/powerpoint/2010/main" val="3747277568"/>
+        <p14:creationId xmlns:p14="http://schemas.microsoft.com/office/powerpoint/2010/main" val="3098266929"/>
       </p:ext>
     </p:extLst>
   </p:cSld>
